--- a/Summer school 2024/Fitting models to experiment.pptx
+++ b/Summer school 2024/Fitting models to experiment.pptx
@@ -11,26 +11,27 @@
     <p:sldId id="258" r:id="rId5"/>
     <p:sldId id="260" r:id="rId6"/>
     <p:sldId id="259" r:id="rId7"/>
-    <p:sldId id="263" r:id="rId8"/>
-    <p:sldId id="269" r:id="rId9"/>
-    <p:sldId id="264" r:id="rId10"/>
+    <p:sldId id="296" r:id="rId8"/>
+    <p:sldId id="264" r:id="rId9"/>
+    <p:sldId id="295" r:id="rId10"/>
     <p:sldId id="265" r:id="rId11"/>
     <p:sldId id="266" r:id="rId12"/>
     <p:sldId id="267" r:id="rId13"/>
     <p:sldId id="268" r:id="rId14"/>
     <p:sldId id="270" r:id="rId15"/>
     <p:sldId id="271" r:id="rId16"/>
-    <p:sldId id="290" r:id="rId17"/>
-    <p:sldId id="289" r:id="rId18"/>
-    <p:sldId id="274" r:id="rId19"/>
-    <p:sldId id="276" r:id="rId20"/>
-    <p:sldId id="292" r:id="rId21"/>
-    <p:sldId id="277" r:id="rId22"/>
-    <p:sldId id="275" r:id="rId23"/>
-    <p:sldId id="291" r:id="rId24"/>
-    <p:sldId id="293" r:id="rId25"/>
-    <p:sldId id="294" r:id="rId26"/>
-    <p:sldId id="272" r:id="rId27"/>
+    <p:sldId id="269" r:id="rId17"/>
+    <p:sldId id="290" r:id="rId18"/>
+    <p:sldId id="289" r:id="rId19"/>
+    <p:sldId id="274" r:id="rId20"/>
+    <p:sldId id="276" r:id="rId21"/>
+    <p:sldId id="292" r:id="rId22"/>
+    <p:sldId id="277" r:id="rId23"/>
+    <p:sldId id="275" r:id="rId24"/>
+    <p:sldId id="291" r:id="rId25"/>
+    <p:sldId id="293" r:id="rId26"/>
+    <p:sldId id="294" r:id="rId27"/>
+    <p:sldId id="272" r:id="rId28"/>
   </p:sldIdLst>
   <p:sldSz cx="12192000" cy="6858000"/>
   <p:notesSz cx="6858000" cy="9144000"/>
@@ -129,13 +130,18 @@
       </a:defRPr>
     </a:lvl9pPr>
   </p:defaultTextStyle>
+  <p:extLst>
+    <p:ext uri="{EFAFB233-063F-42B5-8137-9DF3F51BA10A}">
+      <p15:sldGuideLst xmlns:p15="http://schemas.microsoft.com/office/powerpoint/2012/main"/>
+    </p:ext>
+  </p:extLst>
 </p:presentation>
 </file>
 
 <file path=ppt/revisionInfo.xml><?xml version="1.0" encoding="utf-8"?>
 <p1510:revInfo xmlns:a="http://schemas.openxmlformats.org/drawingml/2006/main" xmlns:r="http://schemas.openxmlformats.org/officeDocument/2006/relationships" xmlns:p1510="http://schemas.microsoft.com/office/powerpoint/2015/10/main">
   <p1510:revLst>
-    <p1510:client id="{A45ED6F9-5D39-481B-9112-1D3B983E22B1}" v="1962" dt="2024-11-09T12:18:22.776"/>
+    <p1510:client id="{38EDF412-F223-4FD6-BF65-217460EE1FDB}" v="521" dt="2024-11-23T16:09:09.771"/>
   </p1510:revLst>
 </p1510:revInfo>
 </file>
@@ -169,14 +175,6 @@
             <pc:docMk/>
             <pc:sldMk cId="2637646646" sldId="256"/>
             <ac:spMk id="3" creationId="{E8F28607-76D9-A5AF-A1FB-2F64BEB24E19}"/>
-          </ac:spMkLst>
-        </pc:spChg>
-        <pc:spChg chg="add del">
-          <ac:chgData name="Are Mjaavatten" userId="00bb58f78e5d171c" providerId="LiveId" clId="{A45ED6F9-5D39-481B-9112-1D3B983E22B1}" dt="2024-10-24T11:51:47.692" v="32" actId="22"/>
-          <ac:spMkLst>
-            <pc:docMk/>
-            <pc:sldMk cId="2637646646" sldId="256"/>
-            <ac:spMk id="5" creationId="{3CA673BC-F81C-A60E-C663-E19BAA24EDB5}"/>
           </ac:spMkLst>
         </pc:spChg>
         <pc:spChg chg="add mod">
@@ -240,70 +238,6 @@
             <ac:spMk id="3" creationId="{3D1B4C69-FA74-9842-23A2-B35D47C2E96D}"/>
           </ac:spMkLst>
         </pc:spChg>
-        <pc:spChg chg="add del mod">
-          <ac:chgData name="Are Mjaavatten" userId="00bb58f78e5d171c" providerId="LiveId" clId="{A45ED6F9-5D39-481B-9112-1D3B983E22B1}" dt="2024-11-04T16:03:31.961" v="8200" actId="21"/>
-          <ac:spMkLst>
-            <pc:docMk/>
-            <pc:sldMk cId="362123717" sldId="258"/>
-            <ac:spMk id="18" creationId="{803163AC-8ACA-8EBE-A90F-75DC087764C7}"/>
-          </ac:spMkLst>
-        </pc:spChg>
-        <pc:picChg chg="add del mod">
-          <ac:chgData name="Are Mjaavatten" userId="00bb58f78e5d171c" providerId="LiveId" clId="{A45ED6F9-5D39-481B-9112-1D3B983E22B1}" dt="2024-11-01T16:32:11.554" v="1327" actId="478"/>
-          <ac:picMkLst>
-            <pc:docMk/>
-            <pc:sldMk cId="362123717" sldId="258"/>
-            <ac:picMk id="5" creationId="{91D2A9CC-1EA0-045A-534F-44BD911268A3}"/>
-          </ac:picMkLst>
-        </pc:picChg>
-        <pc:picChg chg="add del mod">
-          <ac:chgData name="Are Mjaavatten" userId="00bb58f78e5d171c" providerId="LiveId" clId="{A45ED6F9-5D39-481B-9112-1D3B983E22B1}" dt="2024-11-01T16:33:05.910" v="1331" actId="478"/>
-          <ac:picMkLst>
-            <pc:docMk/>
-            <pc:sldMk cId="362123717" sldId="258"/>
-            <ac:picMk id="7" creationId="{D01EEE73-5E9C-5877-EB16-DC9982E159EE}"/>
-          </ac:picMkLst>
-        </pc:picChg>
-        <pc:picChg chg="add del mod">
-          <ac:chgData name="Are Mjaavatten" userId="00bb58f78e5d171c" providerId="LiveId" clId="{A45ED6F9-5D39-481B-9112-1D3B983E22B1}" dt="2024-11-01T16:35:38.581" v="1352" actId="478"/>
-          <ac:picMkLst>
-            <pc:docMk/>
-            <pc:sldMk cId="362123717" sldId="258"/>
-            <ac:picMk id="9" creationId="{AB8F6B59-D2AE-3867-FB06-DD9D82897993}"/>
-          </ac:picMkLst>
-        </pc:picChg>
-        <pc:picChg chg="add del mod">
-          <ac:chgData name="Are Mjaavatten" userId="00bb58f78e5d171c" providerId="LiveId" clId="{A45ED6F9-5D39-481B-9112-1D3B983E22B1}" dt="2024-11-01T16:35:21.986" v="1348" actId="478"/>
-          <ac:picMkLst>
-            <pc:docMk/>
-            <pc:sldMk cId="362123717" sldId="258"/>
-            <ac:picMk id="11" creationId="{96FE15D3-0A1F-AE65-FDE0-C03E01C267FB}"/>
-          </ac:picMkLst>
-        </pc:picChg>
-        <pc:picChg chg="add del mod">
-          <ac:chgData name="Are Mjaavatten" userId="00bb58f78e5d171c" providerId="LiveId" clId="{A45ED6F9-5D39-481B-9112-1D3B983E22B1}" dt="2024-11-01T17:00:33.638" v="1383" actId="478"/>
-          <ac:picMkLst>
-            <pc:docMk/>
-            <pc:sldMk cId="362123717" sldId="258"/>
-            <ac:picMk id="13" creationId="{AEDC4E83-81C2-E836-6428-199CF41AE239}"/>
-          </ac:picMkLst>
-        </pc:picChg>
-        <pc:picChg chg="add del mod">
-          <ac:chgData name="Are Mjaavatten" userId="00bb58f78e5d171c" providerId="LiveId" clId="{A45ED6F9-5D39-481B-9112-1D3B983E22B1}" dt="2024-11-03T13:13:09.924" v="6137" actId="478"/>
-          <ac:picMkLst>
-            <pc:docMk/>
-            <pc:sldMk cId="362123717" sldId="258"/>
-            <ac:picMk id="15" creationId="{CE9E18B4-A891-C3A7-42E1-D8663B95FB91}"/>
-          </ac:picMkLst>
-        </pc:picChg>
-        <pc:picChg chg="add del mod">
-          <ac:chgData name="Are Mjaavatten" userId="00bb58f78e5d171c" providerId="LiveId" clId="{A45ED6F9-5D39-481B-9112-1D3B983E22B1}" dt="2024-11-03T13:13:46.721" v="6145" actId="478"/>
-          <ac:picMkLst>
-            <pc:docMk/>
-            <pc:sldMk cId="362123717" sldId="258"/>
-            <ac:picMk id="17" creationId="{B151AFD9-5D4F-668C-39EA-DAE0A78BACEB}"/>
-          </ac:picMkLst>
-        </pc:picChg>
         <pc:picChg chg="add mod">
           <ac:chgData name="Are Mjaavatten" userId="00bb58f78e5d171c" providerId="LiveId" clId="{A45ED6F9-5D39-481B-9112-1D3B983E22B1}" dt="2024-11-03T13:13:38.252" v="6144" actId="14100"/>
           <ac:picMkLst>
@@ -350,14 +284,6 @@
             <ac:spMk id="3" creationId="{A2D91A46-1675-62B4-9C53-7BB1ED187C1C}"/>
           </ac:spMkLst>
         </pc:spChg>
-        <pc:spChg chg="add del mod">
-          <ac:chgData name="Are Mjaavatten" userId="00bb58f78e5d171c" providerId="LiveId" clId="{A45ED6F9-5D39-481B-9112-1D3B983E22B1}" dt="2024-11-02T09:18:36.379" v="2733"/>
-          <ac:spMkLst>
-            <pc:docMk/>
-            <pc:sldMk cId="4070365475" sldId="259"/>
-            <ac:spMk id="6" creationId="{5EA6641B-5C51-95F0-BB30-C2E4D7E4167B}"/>
-          </ac:spMkLst>
-        </pc:spChg>
         <pc:spChg chg="add mod">
           <ac:chgData name="Are Mjaavatten" userId="00bb58f78e5d171c" providerId="LiveId" clId="{A45ED6F9-5D39-481B-9112-1D3B983E22B1}" dt="2024-11-05T15:56:47.650" v="10955" actId="20577"/>
           <ac:spMkLst>
@@ -366,30 +292,6 @@
             <ac:spMk id="11" creationId="{87E3A0D9-CB33-3199-3D0C-972F8A466B67}"/>
           </ac:spMkLst>
         </pc:spChg>
-        <pc:picChg chg="add del mod">
-          <ac:chgData name="Are Mjaavatten" userId="00bb58f78e5d171c" providerId="LiveId" clId="{A45ED6F9-5D39-481B-9112-1D3B983E22B1}" dt="2024-11-02T09:18:36.371" v="2731" actId="478"/>
-          <ac:picMkLst>
-            <pc:docMk/>
-            <pc:sldMk cId="4070365475" sldId="259"/>
-            <ac:picMk id="5" creationId="{1803D605-ECBE-4BFD-D44F-6E49D2161E1B}"/>
-          </ac:picMkLst>
-        </pc:picChg>
-        <pc:picChg chg="add del mod">
-          <ac:chgData name="Are Mjaavatten" userId="00bb58f78e5d171c" providerId="LiveId" clId="{A45ED6F9-5D39-481B-9112-1D3B983E22B1}" dt="2024-11-02T09:32:37.084" v="2962" actId="478"/>
-          <ac:picMkLst>
-            <pc:docMk/>
-            <pc:sldMk cId="4070365475" sldId="259"/>
-            <ac:picMk id="8" creationId="{4CB06A68-DBC7-0676-C7B7-5804A98D2311}"/>
-          </ac:picMkLst>
-        </pc:picChg>
-        <pc:picChg chg="add del">
-          <ac:chgData name="Are Mjaavatten" userId="00bb58f78e5d171c" providerId="LiveId" clId="{A45ED6F9-5D39-481B-9112-1D3B983E22B1}" dt="2024-11-02T09:30:05.377" v="2952" actId="478"/>
-          <ac:picMkLst>
-            <pc:docMk/>
-            <pc:sldMk cId="4070365475" sldId="259"/>
-            <ac:picMk id="10" creationId="{CDDDC1D2-E25F-1C7E-1BF8-07D40897A337}"/>
-          </ac:picMkLst>
-        </pc:picChg>
       </pc:sldChg>
       <pc:sldChg chg="modSp new mod">
         <pc:chgData name="Are Mjaavatten" userId="00bb58f78e5d171c" providerId="LiveId" clId="{A45ED6F9-5D39-481B-9112-1D3B983E22B1}" dt="2024-11-05T16:10:32.790" v="11074" actId="20577"/>
@@ -420,38 +322,6 @@
           <pc:docMk/>
           <pc:sldMk cId="2820587827" sldId="261"/>
         </pc:sldMkLst>
-        <pc:spChg chg="mod">
-          <ac:chgData name="Are Mjaavatten" userId="00bb58f78e5d171c" providerId="LiveId" clId="{A45ED6F9-5D39-481B-9112-1D3B983E22B1}" dt="2024-11-02T09:49:53.235" v="3048" actId="20577"/>
-          <ac:spMkLst>
-            <pc:docMk/>
-            <pc:sldMk cId="2820587827" sldId="261"/>
-            <ac:spMk id="2" creationId="{E5BA85D2-CA74-F000-3B40-F5A4AE379AFF}"/>
-          </ac:spMkLst>
-        </pc:spChg>
-        <pc:spChg chg="mod">
-          <ac:chgData name="Are Mjaavatten" userId="00bb58f78e5d171c" providerId="LiveId" clId="{A45ED6F9-5D39-481B-9112-1D3B983E22B1}" dt="2024-11-03T13:47:38.285" v="6749" actId="27636"/>
-          <ac:spMkLst>
-            <pc:docMk/>
-            <pc:sldMk cId="2820587827" sldId="261"/>
-            <ac:spMk id="3" creationId="{C6920C5D-2D15-DA09-00A4-180A661916A0}"/>
-          </ac:spMkLst>
-        </pc:spChg>
-        <pc:spChg chg="add mod">
-          <ac:chgData name="Are Mjaavatten" userId="00bb58f78e5d171c" providerId="LiveId" clId="{A45ED6F9-5D39-481B-9112-1D3B983E22B1}" dt="2024-11-02T10:12:04.474" v="3342" actId="1076"/>
-          <ac:spMkLst>
-            <pc:docMk/>
-            <pc:sldMk cId="2820587827" sldId="261"/>
-            <ac:spMk id="6" creationId="{39828C49-DDD0-EFA7-12C4-FFE3ED58BC8A}"/>
-          </ac:spMkLst>
-        </pc:spChg>
-        <pc:picChg chg="add mod">
-          <ac:chgData name="Are Mjaavatten" userId="00bb58f78e5d171c" providerId="LiveId" clId="{A45ED6F9-5D39-481B-9112-1D3B983E22B1}" dt="2024-11-03T13:44:59.911" v="6679" actId="1036"/>
-          <ac:picMkLst>
-            <pc:docMk/>
-            <pc:sldMk cId="2820587827" sldId="261"/>
-            <ac:picMk id="5" creationId="{C86B8185-A2A3-6084-57F9-A7AF4985D414}"/>
-          </ac:picMkLst>
-        </pc:picChg>
       </pc:sldChg>
       <pc:sldChg chg="modSp new del mod ord">
         <pc:chgData name="Are Mjaavatten" userId="00bb58f78e5d171c" providerId="LiveId" clId="{A45ED6F9-5D39-481B-9112-1D3B983E22B1}" dt="2024-11-02T13:36:27.012" v="4620" actId="47"/>
@@ -459,22 +329,6 @@
           <pc:docMk/>
           <pc:sldMk cId="3955935324" sldId="262"/>
         </pc:sldMkLst>
-        <pc:spChg chg="mod">
-          <ac:chgData name="Are Mjaavatten" userId="00bb58f78e5d171c" providerId="LiveId" clId="{A45ED6F9-5D39-481B-9112-1D3B983E22B1}" dt="2024-11-02T12:55:17.977" v="3405" actId="20577"/>
-          <ac:spMkLst>
-            <pc:docMk/>
-            <pc:sldMk cId="3955935324" sldId="262"/>
-            <ac:spMk id="2" creationId="{D0B8AC65-38B4-7ED1-6156-BE1B56282FF5}"/>
-          </ac:spMkLst>
-        </pc:spChg>
-        <pc:spChg chg="mod">
-          <ac:chgData name="Are Mjaavatten" userId="00bb58f78e5d171c" providerId="LiveId" clId="{A45ED6F9-5D39-481B-9112-1D3B983E22B1}" dt="2024-11-02T13:13:02.329" v="3929" actId="20577"/>
-          <ac:spMkLst>
-            <pc:docMk/>
-            <pc:sldMk cId="3955935324" sldId="262"/>
-            <ac:spMk id="3" creationId="{3B362D2F-8D1D-D56A-F1EE-AEEE9C609CCD}"/>
-          </ac:spMkLst>
-        </pc:spChg>
       </pc:sldChg>
       <pc:sldChg chg="addSp delSp modSp new mod">
         <pc:chgData name="Are Mjaavatten" userId="00bb58f78e5d171c" providerId="LiveId" clId="{A45ED6F9-5D39-481B-9112-1D3B983E22B1}" dt="2024-11-05T16:14:12.695" v="11150"/>
@@ -482,30 +336,6 @@
           <pc:docMk/>
           <pc:sldMk cId="3863299106" sldId="263"/>
         </pc:sldMkLst>
-        <pc:spChg chg="mod">
-          <ac:chgData name="Are Mjaavatten" userId="00bb58f78e5d171c" providerId="LiveId" clId="{A45ED6F9-5D39-481B-9112-1D3B983E22B1}" dt="2024-11-02T13:40:20.219" v="4730" actId="20577"/>
-          <ac:spMkLst>
-            <pc:docMk/>
-            <pc:sldMk cId="3863299106" sldId="263"/>
-            <ac:spMk id="2" creationId="{28204941-CFBA-E2DD-FA54-3F1D6D719AF9}"/>
-          </ac:spMkLst>
-        </pc:spChg>
-        <pc:spChg chg="mod">
-          <ac:chgData name="Are Mjaavatten" userId="00bb58f78e5d171c" providerId="LiveId" clId="{A45ED6F9-5D39-481B-9112-1D3B983E22B1}" dt="2024-11-05T16:14:12.695" v="11150"/>
-          <ac:spMkLst>
-            <pc:docMk/>
-            <pc:sldMk cId="3863299106" sldId="263"/>
-            <ac:spMk id="3" creationId="{D1811B9B-2387-59CA-6C35-EAC4C6D9ED53}"/>
-          </ac:spMkLst>
-        </pc:spChg>
-        <pc:spChg chg="add del mod">
-          <ac:chgData name="Are Mjaavatten" userId="00bb58f78e5d171c" providerId="LiveId" clId="{A45ED6F9-5D39-481B-9112-1D3B983E22B1}" dt="2024-11-03T09:30:24.761" v="5757" actId="478"/>
-          <ac:spMkLst>
-            <pc:docMk/>
-            <pc:sldMk cId="3863299106" sldId="263"/>
-            <ac:spMk id="4" creationId="{7A1DA80E-D52D-7545-BE07-03CB333B7455}"/>
-          </ac:spMkLst>
-        </pc:spChg>
       </pc:sldChg>
       <pc:sldChg chg="addSp delSp modSp new mod ord">
         <pc:chgData name="Are Mjaavatten" userId="00bb58f78e5d171c" providerId="LiveId" clId="{A45ED6F9-5D39-481B-9112-1D3B983E22B1}" dt="2024-11-06T15:19:00.159" v="12841" actId="20577"/>
@@ -527,22 +357,6 @@
             <pc:docMk/>
             <pc:sldMk cId="2563176022" sldId="264"/>
             <ac:spMk id="3" creationId="{48A9E5C5-5E00-E0F3-16E8-19D66C389807}"/>
-          </ac:spMkLst>
-        </pc:spChg>
-        <pc:spChg chg="add del mod">
-          <ac:chgData name="Are Mjaavatten" userId="00bb58f78e5d171c" providerId="LiveId" clId="{A45ED6F9-5D39-481B-9112-1D3B983E22B1}" dt="2024-11-02T17:18:00.152" v="5695" actId="478"/>
-          <ac:spMkLst>
-            <pc:docMk/>
-            <pc:sldMk cId="2563176022" sldId="264"/>
-            <ac:spMk id="4" creationId="{77F31B92-51E4-27EA-90B8-60E2EBFE75B3}"/>
-          </ac:spMkLst>
-        </pc:spChg>
-        <pc:spChg chg="add mod">
-          <ac:chgData name="Are Mjaavatten" userId="00bb58f78e5d171c" providerId="LiveId" clId="{A45ED6F9-5D39-481B-9112-1D3B983E22B1}" dt="2024-11-02T17:17:45.972" v="5692" actId="767"/>
-          <ac:spMkLst>
-            <pc:docMk/>
-            <pc:sldMk cId="2563176022" sldId="264"/>
-            <ac:spMk id="5" creationId="{924DD62B-2C0E-52FB-8FBA-6F32A590E27C}"/>
           </ac:spMkLst>
         </pc:spChg>
         <pc:spChg chg="add mod">
@@ -568,54 +382,6 @@
             <ac:spMk id="2" creationId="{873B5504-0E54-DD80-77A6-0DB1716CD9A6}"/>
           </ac:spMkLst>
         </pc:spChg>
-        <pc:spChg chg="del">
-          <ac:chgData name="Are Mjaavatten" userId="00bb58f78e5d171c" providerId="LiveId" clId="{A45ED6F9-5D39-481B-9112-1D3B983E22B1}" dt="2024-11-03T13:25:07.552" v="6183" actId="22"/>
-          <ac:spMkLst>
-            <pc:docMk/>
-            <pc:sldMk cId="126278432" sldId="265"/>
-            <ac:spMk id="3" creationId="{3A2EDF79-5E0B-ABDB-5BBA-D1B874755976}"/>
-          </ac:spMkLst>
-        </pc:spChg>
-        <pc:spChg chg="add del mod">
-          <ac:chgData name="Are Mjaavatten" userId="00bb58f78e5d171c" providerId="LiveId" clId="{A45ED6F9-5D39-481B-9112-1D3B983E22B1}" dt="2024-11-03T13:31:31.426" v="6190" actId="700"/>
-          <ac:spMkLst>
-            <pc:docMk/>
-            <pc:sldMk cId="126278432" sldId="265"/>
-            <ac:spMk id="7" creationId="{BED4CD39-9C02-DC01-AC03-AB27C97DFD67}"/>
-          </ac:spMkLst>
-        </pc:spChg>
-        <pc:spChg chg="add del mod">
-          <ac:chgData name="Are Mjaavatten" userId="00bb58f78e5d171c" providerId="LiveId" clId="{A45ED6F9-5D39-481B-9112-1D3B983E22B1}" dt="2024-11-04T16:11:03.163" v="8652" actId="478"/>
-          <ac:spMkLst>
-            <pc:docMk/>
-            <pc:sldMk cId="126278432" sldId="265"/>
-            <ac:spMk id="12" creationId="{417018FC-EED8-A6CD-FB34-6D1A770D589B}"/>
-          </ac:spMkLst>
-        </pc:spChg>
-        <pc:spChg chg="add del">
-          <ac:chgData name="Are Mjaavatten" userId="00bb58f78e5d171c" providerId="LiveId" clId="{A45ED6F9-5D39-481B-9112-1D3B983E22B1}" dt="2024-11-06T15:19:17.959" v="12843" actId="22"/>
-          <ac:spMkLst>
-            <pc:docMk/>
-            <pc:sldMk cId="126278432" sldId="265"/>
-            <ac:spMk id="14" creationId="{13562A69-3939-C153-210E-2F42AC182472}"/>
-          </ac:spMkLst>
-        </pc:spChg>
-        <pc:spChg chg="add mod">
-          <ac:chgData name="Are Mjaavatten" userId="00bb58f78e5d171c" providerId="LiveId" clId="{A45ED6F9-5D39-481B-9112-1D3B983E22B1}" dt="2024-11-06T15:20:05.056" v="12876"/>
-          <ac:spMkLst>
-            <pc:docMk/>
-            <pc:sldMk cId="126278432" sldId="265"/>
-            <ac:spMk id="15" creationId="{C7622129-7E33-5E5C-F1BA-7F1413B63295}"/>
-          </ac:spMkLst>
-        </pc:spChg>
-        <pc:spChg chg="add mod">
-          <ac:chgData name="Are Mjaavatten" userId="00bb58f78e5d171c" providerId="LiveId" clId="{A45ED6F9-5D39-481B-9112-1D3B983E22B1}" dt="2024-11-06T15:20:33.879" v="12877"/>
-          <ac:spMkLst>
-            <pc:docMk/>
-            <pc:sldMk cId="126278432" sldId="265"/>
-            <ac:spMk id="16" creationId="{7FA3825A-184D-BC7F-C550-D8049C14F945}"/>
-          </ac:spMkLst>
-        </pc:spChg>
         <pc:spChg chg="add mod">
           <ac:chgData name="Are Mjaavatten" userId="00bb58f78e5d171c" providerId="LiveId" clId="{A45ED6F9-5D39-481B-9112-1D3B983E22B1}" dt="2024-11-06T15:21:11.008" v="12879" actId="255"/>
           <ac:spMkLst>
@@ -624,14 +390,6 @@
             <ac:spMk id="17" creationId="{122EB2C5-C105-C22D-2FB8-3D77A33602F1}"/>
           </ac:spMkLst>
         </pc:spChg>
-        <pc:picChg chg="add del mod ord">
-          <ac:chgData name="Are Mjaavatten" userId="00bb58f78e5d171c" providerId="LiveId" clId="{A45ED6F9-5D39-481B-9112-1D3B983E22B1}" dt="2024-11-03T13:30:57.523" v="6185" actId="478"/>
-          <ac:picMkLst>
-            <pc:docMk/>
-            <pc:sldMk cId="126278432" sldId="265"/>
-            <ac:picMk id="5" creationId="{89B6C820-25C2-830C-A2CC-67F10477A841}"/>
-          </ac:picMkLst>
-        </pc:picChg>
         <pc:picChg chg="add mod">
           <ac:chgData name="Are Mjaavatten" userId="00bb58f78e5d171c" providerId="LiveId" clId="{A45ED6F9-5D39-481B-9112-1D3B983E22B1}" dt="2024-11-06T15:19:57.419" v="12875" actId="1035"/>
           <ac:picMkLst>
@@ -662,22 +420,6 @@
           <pc:docMk/>
           <pc:sldMk cId="3973277000" sldId="265"/>
         </pc:sldMkLst>
-        <pc:spChg chg="add del">
-          <ac:chgData name="Are Mjaavatten" userId="00bb58f78e5d171c" providerId="LiveId" clId="{A45ED6F9-5D39-481B-9112-1D3B983E22B1}" dt="2024-11-03T09:36:57.771" v="5842" actId="22"/>
-          <ac:spMkLst>
-            <pc:docMk/>
-            <pc:sldMk cId="3973277000" sldId="265"/>
-            <ac:spMk id="3" creationId="{3494EF62-A8FE-3D80-9350-07FF9B484F1A}"/>
-          </ac:spMkLst>
-        </pc:spChg>
-        <pc:spChg chg="add mod">
-          <ac:chgData name="Are Mjaavatten" userId="00bb58f78e5d171c" providerId="LiveId" clId="{A45ED6F9-5D39-481B-9112-1D3B983E22B1}" dt="2024-11-03T09:38:16.429" v="5849" actId="255"/>
-          <ac:spMkLst>
-            <pc:docMk/>
-            <pc:sldMk cId="3973277000" sldId="265"/>
-            <ac:spMk id="5" creationId="{2D1551E8-A18F-4C91-D40D-BD5642C5FC38}"/>
-          </ac:spMkLst>
-        </pc:spChg>
       </pc:sldChg>
       <pc:sldChg chg="addSp modSp new mod ord modClrScheme chgLayout">
         <pc:chgData name="Are Mjaavatten" userId="00bb58f78e5d171c" providerId="LiveId" clId="{A45ED6F9-5D39-481B-9112-1D3B983E22B1}" dt="2024-11-05T16:18:12.421" v="11164" actId="20577"/>
@@ -740,30 +482,6 @@
             <ac:spMk id="6" creationId="{D81DDFCC-BA82-1FB3-C30F-5D6818807346}"/>
           </ac:spMkLst>
         </pc:spChg>
-        <pc:picChg chg="add del mod">
-          <ac:chgData name="Are Mjaavatten" userId="00bb58f78e5d171c" providerId="LiveId" clId="{A45ED6F9-5D39-481B-9112-1D3B983E22B1}" dt="2024-11-04T15:53:10.288" v="8021" actId="478"/>
-          <ac:picMkLst>
-            <pc:docMk/>
-            <pc:sldMk cId="929566953" sldId="267"/>
-            <ac:picMk id="5" creationId="{81EA5429-B6FD-A4D8-008F-3D9E58C1C357}"/>
-          </ac:picMkLst>
-        </pc:picChg>
-        <pc:picChg chg="add del mod">
-          <ac:chgData name="Are Mjaavatten" userId="00bb58f78e5d171c" providerId="LiveId" clId="{A45ED6F9-5D39-481B-9112-1D3B983E22B1}" dt="2024-11-04T15:55:19.995" v="8025" actId="478"/>
-          <ac:picMkLst>
-            <pc:docMk/>
-            <pc:sldMk cId="929566953" sldId="267"/>
-            <ac:picMk id="8" creationId="{3CB73655-9866-3C5B-0248-B6A770C6F412}"/>
-          </ac:picMkLst>
-        </pc:picChg>
-        <pc:picChg chg="add del mod">
-          <ac:chgData name="Are Mjaavatten" userId="00bb58f78e5d171c" providerId="LiveId" clId="{A45ED6F9-5D39-481B-9112-1D3B983E22B1}" dt="2024-11-04T15:56:57.819" v="8028" actId="478"/>
-          <ac:picMkLst>
-            <pc:docMk/>
-            <pc:sldMk cId="929566953" sldId="267"/>
-            <ac:picMk id="10" creationId="{580015DC-9E17-F443-F5DB-B5494EB136A6}"/>
-          </ac:picMkLst>
-        </pc:picChg>
         <pc:picChg chg="add mod">
           <ac:chgData name="Are Mjaavatten" userId="00bb58f78e5d171c" providerId="LiveId" clId="{A45ED6F9-5D39-481B-9112-1D3B983E22B1}" dt="2024-11-04T15:57:14.039" v="8058" actId="1076"/>
           <ac:picMkLst>
@@ -787,78 +505,6 @@
             <ac:spMk id="2" creationId="{29925B77-4280-3ACE-F21E-D7F6DC66EFB5}"/>
           </ac:spMkLst>
         </pc:spChg>
-        <pc:spChg chg="add del">
-          <ac:chgData name="Are Mjaavatten" userId="00bb58f78e5d171c" providerId="LiveId" clId="{A45ED6F9-5D39-481B-9112-1D3B983E22B1}" dt="2024-11-07T16:28:24.397" v="16082" actId="22"/>
-          <ac:spMkLst>
-            <pc:docMk/>
-            <pc:sldMk cId="3418638650" sldId="268"/>
-            <ac:spMk id="18" creationId="{9B91EBEC-EDB9-89E5-9AC3-55D7D4E9947D}"/>
-          </ac:spMkLst>
-        </pc:spChg>
-        <pc:picChg chg="add del mod">
-          <ac:chgData name="Are Mjaavatten" userId="00bb58f78e5d171c" providerId="LiveId" clId="{A45ED6F9-5D39-481B-9112-1D3B983E22B1}" dt="2024-11-04T16:17:23.427" v="8716" actId="478"/>
-          <ac:picMkLst>
-            <pc:docMk/>
-            <pc:sldMk cId="3418638650" sldId="268"/>
-            <ac:picMk id="4" creationId="{C25A9B9E-0A58-CA2D-C0B6-8C750915BE1C}"/>
-          </ac:picMkLst>
-        </pc:picChg>
-        <pc:picChg chg="add del mod">
-          <ac:chgData name="Are Mjaavatten" userId="00bb58f78e5d171c" providerId="LiveId" clId="{A45ED6F9-5D39-481B-9112-1D3B983E22B1}" dt="2024-11-04T16:17:24.726" v="8717" actId="478"/>
-          <ac:picMkLst>
-            <pc:docMk/>
-            <pc:sldMk cId="3418638650" sldId="268"/>
-            <ac:picMk id="6" creationId="{C3F68B8D-0DEB-9EA0-2430-5F105305EB15}"/>
-          </ac:picMkLst>
-        </pc:picChg>
-        <pc:picChg chg="add del mod">
-          <ac:chgData name="Are Mjaavatten" userId="00bb58f78e5d171c" providerId="LiveId" clId="{A45ED6F9-5D39-481B-9112-1D3B983E22B1}" dt="2024-11-07T16:01:39.969" v="16051" actId="478"/>
-          <ac:picMkLst>
-            <pc:docMk/>
-            <pc:sldMk cId="3418638650" sldId="268"/>
-            <ac:picMk id="8" creationId="{209391FD-0865-14C9-9375-D35674CE6A0E}"/>
-          </ac:picMkLst>
-        </pc:picChg>
-        <pc:picChg chg="add del mod">
-          <ac:chgData name="Are Mjaavatten" userId="00bb58f78e5d171c" providerId="LiveId" clId="{A45ED6F9-5D39-481B-9112-1D3B983E22B1}" dt="2024-11-07T16:04:02.232" v="16056" actId="478"/>
-          <ac:picMkLst>
-            <pc:docMk/>
-            <pc:sldMk cId="3418638650" sldId="268"/>
-            <ac:picMk id="10" creationId="{F8A672DE-0394-6F20-4F48-2BC24CC283C5}"/>
-          </ac:picMkLst>
-        </pc:picChg>
-        <pc:picChg chg="add del mod">
-          <ac:chgData name="Are Mjaavatten" userId="00bb58f78e5d171c" providerId="LiveId" clId="{A45ED6F9-5D39-481B-9112-1D3B983E22B1}" dt="2024-11-07T15:59:47.272" v="16049" actId="22"/>
-          <ac:picMkLst>
-            <pc:docMk/>
-            <pc:sldMk cId="3418638650" sldId="268"/>
-            <ac:picMk id="12" creationId="{59F76A90-ADDE-9D2C-1C57-62950A5458F8}"/>
-          </ac:picMkLst>
-        </pc:picChg>
-        <pc:picChg chg="add del mod">
-          <ac:chgData name="Are Mjaavatten" userId="00bb58f78e5d171c" providerId="LiveId" clId="{A45ED6F9-5D39-481B-9112-1D3B983E22B1}" dt="2024-11-07T16:28:50.998" v="16085" actId="478"/>
-          <ac:picMkLst>
-            <pc:docMk/>
-            <pc:sldMk cId="3418638650" sldId="268"/>
-            <ac:picMk id="14" creationId="{23A65A86-AAD4-A50F-23D2-5BD785D6BE15}"/>
-          </ac:picMkLst>
-        </pc:picChg>
-        <pc:picChg chg="add del mod">
-          <ac:chgData name="Are Mjaavatten" userId="00bb58f78e5d171c" providerId="LiveId" clId="{A45ED6F9-5D39-481B-9112-1D3B983E22B1}" dt="2024-11-07T16:28:15.371" v="16080" actId="478"/>
-          <ac:picMkLst>
-            <pc:docMk/>
-            <pc:sldMk cId="3418638650" sldId="268"/>
-            <ac:picMk id="16" creationId="{12E935CA-1B89-F265-E0CC-BEFF5B3647AA}"/>
-          </ac:picMkLst>
-        </pc:picChg>
-        <pc:picChg chg="add mod">
-          <ac:chgData name="Are Mjaavatten" userId="00bb58f78e5d171c" providerId="LiveId" clId="{A45ED6F9-5D39-481B-9112-1D3B983E22B1}" dt="2024-11-07T16:28:48.139" v="16084" actId="1076"/>
-          <ac:picMkLst>
-            <pc:docMk/>
-            <pc:sldMk cId="3418638650" sldId="268"/>
-            <ac:picMk id="20" creationId="{0F440A76-69DE-763D-2FB0-976528561F7F}"/>
-          </ac:picMkLst>
-        </pc:picChg>
         <pc:picChg chg="add mod">
           <ac:chgData name="Are Mjaavatten" userId="00bb58f78e5d171c" providerId="LiveId" clId="{A45ED6F9-5D39-481B-9112-1D3B983E22B1}" dt="2024-11-07T16:29:20.235" v="16087" actId="1076"/>
           <ac:picMkLst>
@@ -889,14 +535,6 @@
             <ac:spMk id="2" creationId="{6859C1C7-9E62-0076-5710-71A8D7D3581E}"/>
           </ac:spMkLst>
         </pc:spChg>
-        <pc:spChg chg="add del mod">
-          <ac:chgData name="Are Mjaavatten" userId="00bb58f78e5d171c" providerId="LiveId" clId="{A45ED6F9-5D39-481B-9112-1D3B983E22B1}" dt="2024-11-04T16:02:23.934" v="8191" actId="22"/>
-          <ac:spMkLst>
-            <pc:docMk/>
-            <pc:sldMk cId="2248117332" sldId="269"/>
-            <ac:spMk id="3" creationId="{33C95B1D-9BD4-A4F9-2F21-03B89D7EF5B2}"/>
-          </ac:spMkLst>
-        </pc:spChg>
         <pc:spChg chg="add mod ord">
           <ac:chgData name="Are Mjaavatten" userId="00bb58f78e5d171c" providerId="LiveId" clId="{A45ED6F9-5D39-481B-9112-1D3B983E22B1}" dt="2024-11-04T16:07:28.027" v="8532" actId="20577"/>
           <ac:spMkLst>
@@ -913,14 +551,6 @@
             <ac:spMk id="18" creationId="{803163AC-8ACA-8EBE-A90F-75DC087764C7}"/>
           </ac:spMkLst>
         </pc:spChg>
-        <pc:picChg chg="add del mod ord">
-          <ac:chgData name="Are Mjaavatten" userId="00bb58f78e5d171c" providerId="LiveId" clId="{A45ED6F9-5D39-481B-9112-1D3B983E22B1}" dt="2024-11-04T16:01:45.256" v="8190" actId="22"/>
-          <ac:picMkLst>
-            <pc:docMk/>
-            <pc:sldMk cId="2248117332" sldId="269"/>
-            <ac:picMk id="5" creationId="{060C01C7-B279-3F44-4F6A-7196D0415FC9}"/>
-          </ac:picMkLst>
-        </pc:picChg>
         <pc:picChg chg="add mod ord">
           <ac:chgData name="Are Mjaavatten" userId="00bb58f78e5d171c" providerId="LiveId" clId="{A45ED6F9-5D39-481B-9112-1D3B983E22B1}" dt="2024-11-04T16:05:40.622" v="8353" actId="14100"/>
           <ac:picMkLst>
@@ -996,14 +626,6 @@
           <pc:docMk/>
           <pc:sldMk cId="525715101" sldId="272"/>
         </pc:sldMkLst>
-        <pc:spChg chg="mod">
-          <ac:chgData name="Are Mjaavatten" userId="00bb58f78e5d171c" providerId="LiveId" clId="{A45ED6F9-5D39-481B-9112-1D3B983E22B1}" dt="2024-10-24T12:09:17.944" v="174" actId="20577"/>
-          <ac:spMkLst>
-            <pc:docMk/>
-            <pc:sldMk cId="525715101" sldId="272"/>
-            <ac:spMk id="3" creationId="{F0A4A313-7E15-500B-ED77-95FD44C0C03E}"/>
-          </ac:spMkLst>
-        </pc:spChg>
       </pc:sldChg>
       <pc:sldChg chg="modSp new mod">
         <pc:chgData name="Are Mjaavatten" userId="00bb58f78e5d171c" providerId="LiveId" clId="{A45ED6F9-5D39-481B-9112-1D3B983E22B1}" dt="2024-11-05T12:16:46.302" v="10573" actId="20577"/>
@@ -1047,14 +669,6 @@
             <pc:docMk/>
             <pc:sldMk cId="1357572266" sldId="273"/>
             <ac:spMk id="2" creationId="{490BBDA4-3B49-8DC8-EA20-B5E5F7DB70B8}"/>
-          </ac:spMkLst>
-        </pc:spChg>
-        <pc:spChg chg="del">
-          <ac:chgData name="Are Mjaavatten" userId="00bb58f78e5d171c" providerId="LiveId" clId="{A45ED6F9-5D39-481B-9112-1D3B983E22B1}" dt="2024-11-05T15:41:56.615" v="10658" actId="22"/>
-          <ac:spMkLst>
-            <pc:docMk/>
-            <pc:sldMk cId="1357572266" sldId="273"/>
-            <ac:spMk id="3" creationId="{11E67FC4-07A1-3597-6948-7D3A69F247EF}"/>
           </ac:spMkLst>
         </pc:spChg>
         <pc:picChg chg="add mod ord">
@@ -1104,22 +718,6 @@
             <ac:spMk id="5" creationId="{7B5ED978-1738-4D6A-785E-C4C269A9BA1F}"/>
           </ac:spMkLst>
         </pc:spChg>
-        <pc:spChg chg="add del mod">
-          <ac:chgData name="Are Mjaavatten" userId="00bb58f78e5d171c" providerId="LiveId" clId="{A45ED6F9-5D39-481B-9112-1D3B983E22B1}" dt="2024-11-06T16:45:55.612" v="13808"/>
-          <ac:spMkLst>
-            <pc:docMk/>
-            <pc:sldMk cId="1676652985" sldId="274"/>
-            <ac:spMk id="6" creationId="{E48C94B8-CB4D-B245-A994-9AC0F12FE718}"/>
-          </ac:spMkLst>
-        </pc:spChg>
-        <pc:spChg chg="add del">
-          <ac:chgData name="Are Mjaavatten" userId="00bb58f78e5d171c" providerId="LiveId" clId="{A45ED6F9-5D39-481B-9112-1D3B983E22B1}" dt="2024-11-06T16:45:58.135" v="13810" actId="22"/>
-          <ac:spMkLst>
-            <pc:docMk/>
-            <pc:sldMk cId="1676652985" sldId="274"/>
-            <ac:spMk id="8" creationId="{858D56B4-FC00-9F92-92AC-A64FEFF38C67}"/>
-          </ac:spMkLst>
-        </pc:spChg>
         <pc:spChg chg="add mod">
           <ac:chgData name="Are Mjaavatten" userId="00bb58f78e5d171c" providerId="LiveId" clId="{A45ED6F9-5D39-481B-9112-1D3B983E22B1}" dt="2024-11-06T16:50:18.371" v="13840"/>
           <ac:spMkLst>
@@ -1135,22 +733,6 @@
           <pc:docMk/>
           <pc:sldMk cId="3058670472" sldId="274"/>
         </pc:sldMkLst>
-        <pc:spChg chg="mod">
-          <ac:chgData name="Are Mjaavatten" userId="00bb58f78e5d171c" providerId="LiveId" clId="{A45ED6F9-5D39-481B-9112-1D3B983E22B1}" dt="2024-11-06T10:30:01.942" v="11425" actId="20577"/>
-          <ac:spMkLst>
-            <pc:docMk/>
-            <pc:sldMk cId="3058670472" sldId="274"/>
-            <ac:spMk id="2" creationId="{EFBEA812-F5D5-5EC7-98C6-662A37EB40B5}"/>
-          </ac:spMkLst>
-        </pc:spChg>
-        <pc:spChg chg="mod">
-          <ac:chgData name="Are Mjaavatten" userId="00bb58f78e5d171c" providerId="LiveId" clId="{A45ED6F9-5D39-481B-9112-1D3B983E22B1}" dt="2024-11-06T10:38:05" v="11780" actId="20577"/>
-          <ac:spMkLst>
-            <pc:docMk/>
-            <pc:sldMk cId="3058670472" sldId="274"/>
-            <ac:spMk id="3" creationId="{160DD7A4-6962-B01E-D147-86DC21F1F442}"/>
-          </ac:spMkLst>
-        </pc:spChg>
       </pc:sldChg>
       <pc:sldChg chg="modSp new mod">
         <pc:chgData name="Are Mjaavatten" userId="00bb58f78e5d171c" providerId="LiveId" clId="{A45ED6F9-5D39-481B-9112-1D3B983E22B1}" dt="2024-11-07T08:57:37.774" v="15131" actId="20577"/>
@@ -1187,14 +769,6 @@
             <pc:docMk/>
             <pc:sldMk cId="3727252890" sldId="276"/>
             <ac:spMk id="2" creationId="{AEE9A307-63DA-31DA-FD6F-A3B6A5F20EF2}"/>
-          </ac:spMkLst>
-        </pc:spChg>
-        <pc:spChg chg="del mod">
-          <ac:chgData name="Are Mjaavatten" userId="00bb58f78e5d171c" providerId="LiveId" clId="{A45ED6F9-5D39-481B-9112-1D3B983E22B1}" dt="2024-11-06T15:17:36.738" v="12840" actId="700"/>
-          <ac:spMkLst>
-            <pc:docMk/>
-            <pc:sldMk cId="3727252890" sldId="276"/>
-            <ac:spMk id="3" creationId="{ACA04D25-AD66-223C-73AD-6F5B739EABA3}"/>
           </ac:spMkLst>
         </pc:spChg>
         <pc:spChg chg="add mod ord">
@@ -1392,6 +966,242 @@
       </pc:sldChg>
     </pc:docChg>
   </pc:docChgLst>
+  <pc:docChgLst>
+    <pc:chgData name="Are Mjaavatten" userId="00bb58f78e5d171c" providerId="LiveId" clId="{38EDF412-F223-4FD6-BF65-217460EE1FDB}"/>
+    <pc:docChg chg="undo custSel addSld delSld modSld sldOrd">
+      <pc:chgData name="Are Mjaavatten" userId="00bb58f78e5d171c" providerId="LiveId" clId="{38EDF412-F223-4FD6-BF65-217460EE1FDB}" dt="2024-11-23T16:17:28.746" v="2296" actId="20577"/>
+      <pc:docMkLst>
+        <pc:docMk/>
+      </pc:docMkLst>
+      <pc:sldChg chg="modSp mod">
+        <pc:chgData name="Are Mjaavatten" userId="00bb58f78e5d171c" providerId="LiveId" clId="{38EDF412-F223-4FD6-BF65-217460EE1FDB}" dt="2024-11-23T11:52:20.401" v="1670" actId="20577"/>
+        <pc:sldMkLst>
+          <pc:docMk/>
+          <pc:sldMk cId="1773394934" sldId="257"/>
+        </pc:sldMkLst>
+        <pc:spChg chg="mod">
+          <ac:chgData name="Are Mjaavatten" userId="00bb58f78e5d171c" providerId="LiveId" clId="{38EDF412-F223-4FD6-BF65-217460EE1FDB}" dt="2024-11-23T11:52:20.401" v="1670" actId="20577"/>
+          <ac:spMkLst>
+            <pc:docMk/>
+            <pc:sldMk cId="1773394934" sldId="257"/>
+            <ac:spMk id="3" creationId="{200923E7-9390-D52B-C117-9A0F6EC651C4}"/>
+          </ac:spMkLst>
+        </pc:spChg>
+      </pc:sldChg>
+      <pc:sldChg chg="modSp">
+        <pc:chgData name="Are Mjaavatten" userId="00bb58f78e5d171c" providerId="LiveId" clId="{38EDF412-F223-4FD6-BF65-217460EE1FDB}" dt="2024-11-10T13:53:57.223" v="26" actId="20577"/>
+        <pc:sldMkLst>
+          <pc:docMk/>
+          <pc:sldMk cId="1267749652" sldId="260"/>
+        </pc:sldMkLst>
+        <pc:spChg chg="mod">
+          <ac:chgData name="Are Mjaavatten" userId="00bb58f78e5d171c" providerId="LiveId" clId="{38EDF412-F223-4FD6-BF65-217460EE1FDB}" dt="2024-11-10T13:53:57.223" v="26" actId="20577"/>
+          <ac:spMkLst>
+            <pc:docMk/>
+            <pc:sldMk cId="1267749652" sldId="260"/>
+            <ac:spMk id="3" creationId="{72A92411-91E0-FEAB-7B55-FB03FA1F9D2E}"/>
+          </ac:spMkLst>
+        </pc:spChg>
+      </pc:sldChg>
+      <pc:sldChg chg="modSp add del mod">
+        <pc:chgData name="Are Mjaavatten" userId="00bb58f78e5d171c" providerId="LiveId" clId="{38EDF412-F223-4FD6-BF65-217460EE1FDB}" dt="2024-11-23T12:52:03.016" v="2025" actId="47"/>
+        <pc:sldMkLst>
+          <pc:docMk/>
+          <pc:sldMk cId="3863299106" sldId="263"/>
+        </pc:sldMkLst>
+        <pc:spChg chg="mod">
+          <ac:chgData name="Are Mjaavatten" userId="00bb58f78e5d171c" providerId="LiveId" clId="{38EDF412-F223-4FD6-BF65-217460EE1FDB}" dt="2024-11-23T12:25:31.578" v="1708" actId="20577"/>
+          <ac:spMkLst>
+            <pc:docMk/>
+            <pc:sldMk cId="3863299106" sldId="263"/>
+            <ac:spMk id="2" creationId="{28204941-CFBA-E2DD-FA54-3F1D6D719AF9}"/>
+          </ac:spMkLst>
+        </pc:spChg>
+        <pc:spChg chg="mod">
+          <ac:chgData name="Are Mjaavatten" userId="00bb58f78e5d171c" providerId="LiveId" clId="{38EDF412-F223-4FD6-BF65-217460EE1FDB}" dt="2024-11-23T12:16:26.749" v="1700" actId="20577"/>
+          <ac:spMkLst>
+            <pc:docMk/>
+            <pc:sldMk cId="3863299106" sldId="263"/>
+            <ac:spMk id="3" creationId="{D1811B9B-2387-59CA-6C35-EAC4C6D9ED53}"/>
+          </ac:spMkLst>
+        </pc:spChg>
+      </pc:sldChg>
+      <pc:sldChg chg="modSp">
+        <pc:chgData name="Are Mjaavatten" userId="00bb58f78e5d171c" providerId="LiveId" clId="{38EDF412-F223-4FD6-BF65-217460EE1FDB}" dt="2024-11-23T16:08:31.686" v="2197" actId="16959"/>
+        <pc:sldMkLst>
+          <pc:docMk/>
+          <pc:sldMk cId="929566953" sldId="267"/>
+        </pc:sldMkLst>
+        <pc:spChg chg="mod">
+          <ac:chgData name="Are Mjaavatten" userId="00bb58f78e5d171c" providerId="LiveId" clId="{38EDF412-F223-4FD6-BF65-217460EE1FDB}" dt="2024-11-23T16:08:31.686" v="2197" actId="16959"/>
+          <ac:spMkLst>
+            <pc:docMk/>
+            <pc:sldMk cId="929566953" sldId="267"/>
+            <ac:spMk id="3" creationId="{B26CDAF9-FAF8-48CD-6744-FCAA341B4F7F}"/>
+          </ac:spMkLst>
+        </pc:spChg>
+      </pc:sldChg>
+      <pc:sldChg chg="addSp delSp modSp mod">
+        <pc:chgData name="Are Mjaavatten" userId="00bb58f78e5d171c" providerId="LiveId" clId="{38EDF412-F223-4FD6-BF65-217460EE1FDB}" dt="2024-11-12T08:32:20.712" v="1669" actId="14100"/>
+        <pc:sldMkLst>
+          <pc:docMk/>
+          <pc:sldMk cId="3418638650" sldId="268"/>
+        </pc:sldMkLst>
+        <pc:picChg chg="add mod">
+          <ac:chgData name="Are Mjaavatten" userId="00bb58f78e5d171c" providerId="LiveId" clId="{38EDF412-F223-4FD6-BF65-217460EE1FDB}" dt="2024-11-12T08:32:20.712" v="1669" actId="14100"/>
+          <ac:picMkLst>
+            <pc:docMk/>
+            <pc:sldMk cId="3418638650" sldId="268"/>
+            <ac:picMk id="4" creationId="{9CD2FC61-E472-9FDE-51F0-09FB636677F8}"/>
+          </ac:picMkLst>
+        </pc:picChg>
+      </pc:sldChg>
+      <pc:sldChg chg="modSp mod ord">
+        <pc:chgData name="Are Mjaavatten" userId="00bb58f78e5d171c" providerId="LiveId" clId="{38EDF412-F223-4FD6-BF65-217460EE1FDB}" dt="2024-11-23T13:04:43.918" v="2194" actId="20577"/>
+        <pc:sldMkLst>
+          <pc:docMk/>
+          <pc:sldMk cId="2248117332" sldId="269"/>
+        </pc:sldMkLst>
+        <pc:spChg chg="mod">
+          <ac:chgData name="Are Mjaavatten" userId="00bb58f78e5d171c" providerId="LiveId" clId="{38EDF412-F223-4FD6-BF65-217460EE1FDB}" dt="2024-11-23T13:04:43.918" v="2194" actId="20577"/>
+          <ac:spMkLst>
+            <pc:docMk/>
+            <pc:sldMk cId="2248117332" sldId="269"/>
+            <ac:spMk id="8" creationId="{23DEC6EA-A2D6-C927-57E0-D76FACC43FCD}"/>
+          </ac:spMkLst>
+        </pc:spChg>
+      </pc:sldChg>
+      <pc:sldChg chg="modSp mod">
+        <pc:chgData name="Are Mjaavatten" userId="00bb58f78e5d171c" providerId="LiveId" clId="{38EDF412-F223-4FD6-BF65-217460EE1FDB}" dt="2024-11-23T16:09:25.297" v="2208" actId="20577"/>
+        <pc:sldMkLst>
+          <pc:docMk/>
+          <pc:sldMk cId="2078969365" sldId="270"/>
+        </pc:sldMkLst>
+        <pc:spChg chg="mod">
+          <ac:chgData name="Are Mjaavatten" userId="00bb58f78e5d171c" providerId="LiveId" clId="{38EDF412-F223-4FD6-BF65-217460EE1FDB}" dt="2024-11-23T16:09:25.297" v="2208" actId="20577"/>
+          <ac:spMkLst>
+            <pc:docMk/>
+            <pc:sldMk cId="2078969365" sldId="270"/>
+            <ac:spMk id="3" creationId="{A3945A98-3A55-E3CC-1F69-CC0ED2028241}"/>
+          </ac:spMkLst>
+        </pc:spChg>
+      </pc:sldChg>
+      <pc:sldChg chg="modSp mod">
+        <pc:chgData name="Are Mjaavatten" userId="00bb58f78e5d171c" providerId="LiveId" clId="{38EDF412-F223-4FD6-BF65-217460EE1FDB}" dt="2024-11-10T11:05:30.533" v="24" actId="20577"/>
+        <pc:sldMkLst>
+          <pc:docMk/>
+          <pc:sldMk cId="3717817248" sldId="272"/>
+        </pc:sldMkLst>
+        <pc:spChg chg="mod">
+          <ac:chgData name="Are Mjaavatten" userId="00bb58f78e5d171c" providerId="LiveId" clId="{38EDF412-F223-4FD6-BF65-217460EE1FDB}" dt="2024-11-10T11:05:30.533" v="24" actId="20577"/>
+          <ac:spMkLst>
+            <pc:docMk/>
+            <pc:sldMk cId="3717817248" sldId="272"/>
+            <ac:spMk id="3" creationId="{8CF4831A-24A3-6BEC-3124-E1F7DA0416A5}"/>
+          </ac:spMkLst>
+        </pc:spChg>
+      </pc:sldChg>
+      <pc:sldChg chg="modSp mod">
+        <pc:chgData name="Are Mjaavatten" userId="00bb58f78e5d171c" providerId="LiveId" clId="{38EDF412-F223-4FD6-BF65-217460EE1FDB}" dt="2024-11-23T16:14:37.211" v="2250" actId="20577"/>
+        <pc:sldMkLst>
+          <pc:docMk/>
+          <pc:sldMk cId="1676652985" sldId="274"/>
+        </pc:sldMkLst>
+        <pc:spChg chg="mod">
+          <ac:chgData name="Are Mjaavatten" userId="00bb58f78e5d171c" providerId="LiveId" clId="{38EDF412-F223-4FD6-BF65-217460EE1FDB}" dt="2024-11-23T16:14:37.211" v="2250" actId="20577"/>
+          <ac:spMkLst>
+            <pc:docMk/>
+            <pc:sldMk cId="1676652985" sldId="274"/>
+            <ac:spMk id="3" creationId="{A9C6016E-7894-D60A-938F-FE23568508EA}"/>
+          </ac:spMkLst>
+        </pc:spChg>
+        <pc:spChg chg="mod">
+          <ac:chgData name="Are Mjaavatten" userId="00bb58f78e5d171c" providerId="LiveId" clId="{38EDF412-F223-4FD6-BF65-217460EE1FDB}" dt="2024-11-23T16:13:28.378" v="2244" actId="20577"/>
+          <ac:spMkLst>
+            <pc:docMk/>
+            <pc:sldMk cId="1676652985" sldId="274"/>
+            <ac:spMk id="9" creationId="{654181CA-C003-765A-40E1-B992A39A7236}"/>
+          </ac:spMkLst>
+        </pc:spChg>
+      </pc:sldChg>
+      <pc:sldChg chg="modSp mod">
+        <pc:chgData name="Are Mjaavatten" userId="00bb58f78e5d171c" providerId="LiveId" clId="{38EDF412-F223-4FD6-BF65-217460EE1FDB}" dt="2024-11-23T16:17:28.746" v="2296" actId="20577"/>
+        <pc:sldMkLst>
+          <pc:docMk/>
+          <pc:sldMk cId="3727252890" sldId="276"/>
+        </pc:sldMkLst>
+        <pc:spChg chg="mod">
+          <ac:chgData name="Are Mjaavatten" userId="00bb58f78e5d171c" providerId="LiveId" clId="{38EDF412-F223-4FD6-BF65-217460EE1FDB}" dt="2024-11-23T16:17:28.746" v="2296" actId="20577"/>
+          <ac:spMkLst>
+            <pc:docMk/>
+            <pc:sldMk cId="3727252890" sldId="276"/>
+            <ac:spMk id="4" creationId="{78190968-27D1-0022-BC2D-5B1ACF9107B9}"/>
+          </ac:spMkLst>
+        </pc:spChg>
+      </pc:sldChg>
+      <pc:sldChg chg="modSp mod">
+        <pc:chgData name="Are Mjaavatten" userId="00bb58f78e5d171c" providerId="LiveId" clId="{38EDF412-F223-4FD6-BF65-217460EE1FDB}" dt="2024-11-23T16:10:21.998" v="2232" actId="20577"/>
+        <pc:sldMkLst>
+          <pc:docMk/>
+          <pc:sldMk cId="1316731880" sldId="290"/>
+        </pc:sldMkLst>
+        <pc:spChg chg="mod">
+          <ac:chgData name="Are Mjaavatten" userId="00bb58f78e5d171c" providerId="LiveId" clId="{38EDF412-F223-4FD6-BF65-217460EE1FDB}" dt="2024-11-23T16:10:21.998" v="2232" actId="20577"/>
+          <ac:spMkLst>
+            <pc:docMk/>
+            <pc:sldMk cId="1316731880" sldId="290"/>
+            <ac:spMk id="3" creationId="{146B1BDC-14E9-C6BA-F8C8-E95FD0ED05F2}"/>
+          </ac:spMkLst>
+        </pc:spChg>
+      </pc:sldChg>
+      <pc:sldChg chg="addSp delSp modSp new mod">
+        <pc:chgData name="Are Mjaavatten" userId="00bb58f78e5d171c" providerId="LiveId" clId="{38EDF412-F223-4FD6-BF65-217460EE1FDB}" dt="2024-11-11T09:08:09.438" v="1637" actId="20577"/>
+        <pc:sldMkLst>
+          <pc:docMk/>
+          <pc:sldMk cId="1431006850" sldId="295"/>
+        </pc:sldMkLst>
+        <pc:spChg chg="mod">
+          <ac:chgData name="Are Mjaavatten" userId="00bb58f78e5d171c" providerId="LiveId" clId="{38EDF412-F223-4FD6-BF65-217460EE1FDB}" dt="2024-11-10T15:49:48.451" v="402" actId="20577"/>
+          <ac:spMkLst>
+            <pc:docMk/>
+            <pc:sldMk cId="1431006850" sldId="295"/>
+            <ac:spMk id="2" creationId="{4B79B3C6-255E-0726-7043-1A2BC0B1288E}"/>
+          </ac:spMkLst>
+        </pc:spChg>
+        <pc:spChg chg="mod">
+          <ac:chgData name="Are Mjaavatten" userId="00bb58f78e5d171c" providerId="LiveId" clId="{38EDF412-F223-4FD6-BF65-217460EE1FDB}" dt="2024-11-11T09:08:09.438" v="1637" actId="20577"/>
+          <ac:spMkLst>
+            <pc:docMk/>
+            <pc:sldMk cId="1431006850" sldId="295"/>
+            <ac:spMk id="3" creationId="{AAEE925E-CD5F-1DD7-2693-866309162CB1}"/>
+          </ac:spMkLst>
+        </pc:spChg>
+      </pc:sldChg>
+      <pc:sldChg chg="modSp new mod">
+        <pc:chgData name="Are Mjaavatten" userId="00bb58f78e5d171c" providerId="LiveId" clId="{38EDF412-F223-4FD6-BF65-217460EE1FDB}" dt="2024-11-23T12:55:34.043" v="2038" actId="27636"/>
+        <pc:sldMkLst>
+          <pc:docMk/>
+          <pc:sldMk cId="1222336406" sldId="296"/>
+        </pc:sldMkLst>
+        <pc:spChg chg="mod">
+          <ac:chgData name="Are Mjaavatten" userId="00bb58f78e5d171c" providerId="LiveId" clId="{38EDF412-F223-4FD6-BF65-217460EE1FDB}" dt="2024-11-23T12:48:58.475" v="1998" actId="20577"/>
+          <ac:spMkLst>
+            <pc:docMk/>
+            <pc:sldMk cId="1222336406" sldId="296"/>
+            <ac:spMk id="2" creationId="{FE9B02C2-B9E1-FE59-87E5-1DA8A200E97D}"/>
+          </ac:spMkLst>
+        </pc:spChg>
+        <pc:spChg chg="mod">
+          <ac:chgData name="Are Mjaavatten" userId="00bb58f78e5d171c" providerId="LiveId" clId="{38EDF412-F223-4FD6-BF65-217460EE1FDB}" dt="2024-11-23T12:55:34.043" v="2038" actId="27636"/>
+          <ac:spMkLst>
+            <pc:docMk/>
+            <pc:sldMk cId="1222336406" sldId="296"/>
+            <ac:spMk id="3" creationId="{EDD74A73-FA02-253F-C1F1-8AE153682E67}"/>
+          </ac:spMkLst>
+        </pc:spChg>
+      </pc:sldChg>
+    </pc:docChg>
+  </pc:docChgLst>
 </pc:chgInfo>
 </file>
 
@@ -1544,7 +1354,7 @@
           <a:p>
             <a:fld id="{07217112-6954-43FF-ADCD-56301C60B9CA}" type="datetimeFigureOut">
               <a:rPr lang="en-GB" smtClean="0"/>
-              <a:t>24/10/2024</a:t>
+              <a:t>23/11/2024</a:t>
             </a:fld>
             <a:endParaRPr lang="en-GB"/>
           </a:p>
@@ -1744,7 +1554,7 @@
           <a:p>
             <a:fld id="{07217112-6954-43FF-ADCD-56301C60B9CA}" type="datetimeFigureOut">
               <a:rPr lang="en-GB" smtClean="0"/>
-              <a:t>24/10/2024</a:t>
+              <a:t>23/11/2024</a:t>
             </a:fld>
             <a:endParaRPr lang="en-GB"/>
           </a:p>
@@ -1954,7 +1764,7 @@
           <a:p>
             <a:fld id="{07217112-6954-43FF-ADCD-56301C60B9CA}" type="datetimeFigureOut">
               <a:rPr lang="en-GB" smtClean="0"/>
-              <a:t>24/10/2024</a:t>
+              <a:t>23/11/2024</a:t>
             </a:fld>
             <a:endParaRPr lang="en-GB"/>
           </a:p>
@@ -2154,7 +1964,7 @@
           <a:p>
             <a:fld id="{07217112-6954-43FF-ADCD-56301C60B9CA}" type="datetimeFigureOut">
               <a:rPr lang="en-GB" smtClean="0"/>
-              <a:t>24/10/2024</a:t>
+              <a:t>23/11/2024</a:t>
             </a:fld>
             <a:endParaRPr lang="en-GB"/>
           </a:p>
@@ -2430,7 +2240,7 @@
           <a:p>
             <a:fld id="{07217112-6954-43FF-ADCD-56301C60B9CA}" type="datetimeFigureOut">
               <a:rPr lang="en-GB" smtClean="0"/>
-              <a:t>24/10/2024</a:t>
+              <a:t>23/11/2024</a:t>
             </a:fld>
             <a:endParaRPr lang="en-GB"/>
           </a:p>
@@ -2698,7 +2508,7 @@
           <a:p>
             <a:fld id="{07217112-6954-43FF-ADCD-56301C60B9CA}" type="datetimeFigureOut">
               <a:rPr lang="en-GB" smtClean="0"/>
-              <a:t>24/10/2024</a:t>
+              <a:t>23/11/2024</a:t>
             </a:fld>
             <a:endParaRPr lang="en-GB"/>
           </a:p>
@@ -3113,7 +2923,7 @@
           <a:p>
             <a:fld id="{07217112-6954-43FF-ADCD-56301C60B9CA}" type="datetimeFigureOut">
               <a:rPr lang="en-GB" smtClean="0"/>
-              <a:t>24/10/2024</a:t>
+              <a:t>23/11/2024</a:t>
             </a:fld>
             <a:endParaRPr lang="en-GB"/>
           </a:p>
@@ -3255,7 +3065,7 @@
           <a:p>
             <a:fld id="{07217112-6954-43FF-ADCD-56301C60B9CA}" type="datetimeFigureOut">
               <a:rPr lang="en-GB" smtClean="0"/>
-              <a:t>24/10/2024</a:t>
+              <a:t>23/11/2024</a:t>
             </a:fld>
             <a:endParaRPr lang="en-GB"/>
           </a:p>
@@ -3368,7 +3178,7 @@
           <a:p>
             <a:fld id="{07217112-6954-43FF-ADCD-56301C60B9CA}" type="datetimeFigureOut">
               <a:rPr lang="en-GB" smtClean="0"/>
-              <a:t>24/10/2024</a:t>
+              <a:t>23/11/2024</a:t>
             </a:fld>
             <a:endParaRPr lang="en-GB"/>
           </a:p>
@@ -3681,7 +3491,7 @@
           <a:p>
             <a:fld id="{07217112-6954-43FF-ADCD-56301C60B9CA}" type="datetimeFigureOut">
               <a:rPr lang="en-GB" smtClean="0"/>
-              <a:t>24/10/2024</a:t>
+              <a:t>23/11/2024</a:t>
             </a:fld>
             <a:endParaRPr lang="en-GB"/>
           </a:p>
@@ -3970,7 +3780,7 @@
           <a:p>
             <a:fld id="{07217112-6954-43FF-ADCD-56301C60B9CA}" type="datetimeFigureOut">
               <a:rPr lang="en-GB" smtClean="0"/>
-              <a:t>24/10/2024</a:t>
+              <a:t>23/11/2024</a:t>
             </a:fld>
             <a:endParaRPr lang="en-GB"/>
           </a:p>
@@ -4213,7 +4023,7 @@
           <a:p>
             <a:fld id="{07217112-6954-43FF-ADCD-56301C60B9CA}" type="datetimeFigureOut">
               <a:rPr lang="en-GB" smtClean="0"/>
-              <a:t>24/10/2024</a:t>
+              <a:t>23/11/2024</a:t>
             </a:fld>
             <a:endParaRPr lang="en-GB"/>
           </a:p>
@@ -5035,8 +4845,8 @@
           </a:p>
         </p:txBody>
       </p:sp>
-      <mc:AlternateContent xmlns:mc="http://schemas.openxmlformats.org/markup-compatibility/2006">
-        <mc:Choice xmlns:a14="http://schemas.microsoft.com/office/drawing/2010/main" Requires="a14">
+      <mc:AlternateContent xmlns:mc="http://schemas.openxmlformats.org/markup-compatibility/2006" xmlns:a14="http://schemas.microsoft.com/office/drawing/2010/main">
+        <mc:Choice Requires="a14">
           <p:sp>
             <p:nvSpPr>
               <p:cNvPr id="3" name="Content Placeholder 2">
@@ -5290,7 +5100,7 @@
             </p:txBody>
           </p:sp>
         </mc:Choice>
-        <mc:Fallback>
+        <mc:Fallback xmlns="">
           <p:sp>
             <p:nvSpPr>
               <p:cNvPr id="3" name="Content Placeholder 2">
@@ -5744,13 +5554,13 @@
                           </m:num>
                           <m:den>
                             <m:r>
-                              <a:rPr lang="pt-BR" sz="2000" i="1">
+                              <a:rPr lang="pt-BR" sz="2000" i="1" smtClean="0">
                                 <a:effectLst/>
                                 <a:latin typeface="Cambria Math" panose="02040503050406030204" pitchFamily="18" charset="0"/>
-                                <a:ea typeface="Arial" panose="020B0604020202020204" pitchFamily="34" charset="0"/>
+                                <a:ea typeface="Cambria Math" panose="02040503050406030204" pitchFamily="18" charset="0"/>
                                 <a:cs typeface="Times New Roman" panose="02020603050405020304" pitchFamily="18" charset="0"/>
                               </a:rPr>
-                              <m:t>𝜈</m:t>
+                              <m:t>𝜇</m:t>
                             </m:r>
                           </m:den>
                         </m:f>
@@ -6038,24 +5848,40 @@
                                 </m:d>
                               </m:e>
                               <m:sup>
-                                <m:r>
-                                  <a:rPr lang="pt-BR" sz="2000">
-                                    <a:effectLst/>
-                                    <a:latin typeface="Cambria Math" panose="02040503050406030204" pitchFamily="18" charset="0"/>
-                                    <a:ea typeface="Arial" panose="020B0604020202020204" pitchFamily="34" charset="0"/>
-                                    <a:cs typeface="Times New Roman" panose="02020603050405020304" pitchFamily="18" charset="0"/>
-                                  </a:rPr>
-                                  <m:t>1/</m:t>
-                                </m:r>
-                                <m:r>
-                                  <a:rPr lang="pt-BR" sz="2000" i="1">
-                                    <a:effectLst/>
-                                    <a:latin typeface="Cambria Math" panose="02040503050406030204" pitchFamily="18" charset="0"/>
-                                    <a:ea typeface="Arial" panose="020B0604020202020204" pitchFamily="34" charset="0"/>
-                                    <a:cs typeface="Times New Roman" panose="02020603050405020304" pitchFamily="18" charset="0"/>
-                                  </a:rPr>
-                                  <m:t>𝜈</m:t>
-                                </m:r>
+                                <m:f>
+                                  <m:fPr>
+                                    <m:ctrlPr>
+                                      <a:rPr lang="pt-BR" sz="2000">
+                                        <a:effectLst/>
+                                        <a:latin typeface="Cambria Math" panose="02040503050406030204" pitchFamily="18" charset="0"/>
+                                        <a:ea typeface="Arial" panose="020B0604020202020204" pitchFamily="34" charset="0"/>
+                                        <a:cs typeface="Times New Roman" panose="02020603050405020304" pitchFamily="18" charset="0"/>
+                                      </a:rPr>
+                                    </m:ctrlPr>
+                                  </m:fPr>
+                                  <m:num>
+                                    <m:r>
+                                      <a:rPr lang="pt-BR" sz="2000">
+                                        <a:effectLst/>
+                                        <a:latin typeface="Cambria Math" panose="02040503050406030204" pitchFamily="18" charset="0"/>
+                                        <a:ea typeface="Arial" panose="020B0604020202020204" pitchFamily="34" charset="0"/>
+                                        <a:cs typeface="Times New Roman" panose="02020603050405020304" pitchFamily="18" charset="0"/>
+                                      </a:rPr>
+                                      <m:t>1</m:t>
+                                    </m:r>
+                                  </m:num>
+                                  <m:den>
+                                    <m:r>
+                                      <a:rPr lang="pt-BR" sz="2000" i="1" smtClean="0">
+                                        <a:effectLst/>
+                                        <a:latin typeface="Cambria Math" panose="02040503050406030204" pitchFamily="18" charset="0"/>
+                                        <a:ea typeface="Cambria Math" panose="02040503050406030204" pitchFamily="18" charset="0"/>
+                                        <a:cs typeface="Times New Roman" panose="02020603050405020304" pitchFamily="18" charset="0"/>
+                                      </a:rPr>
+                                      <m:t>𝜇</m:t>
+                                    </m:r>
+                                  </m:den>
+                                </m:f>
                               </m:sup>
                             </m:sSup>
                           </m:e>
@@ -6364,10 +6190,10 @@
       </p:sp>
       <p:pic>
         <p:nvPicPr>
-          <p:cNvPr id="20" name="Picture 19">
+          <p:cNvPr id="22" name="Picture 21">
             <a:extLst>
               <a:ext uri="{FF2B5EF4-FFF2-40B4-BE49-F238E27FC236}">
-                <a16:creationId xmlns:a16="http://schemas.microsoft.com/office/drawing/2014/main" id="{0F440A76-69DE-763D-2FB0-976528561F7F}"/>
+                <a16:creationId xmlns:a16="http://schemas.microsoft.com/office/drawing/2014/main" id="{D50E1F85-68D7-64B6-9B21-A5A431A86BEE}"/>
               </a:ext>
             </a:extLst>
           </p:cNvPr>
@@ -6384,8 +6210,8 @@
         </p:blipFill>
         <p:spPr>
           <a:xfrm>
-            <a:off x="6275641" y="2335074"/>
-            <a:ext cx="5295900" cy="4133850"/>
+            <a:off x="1036891" y="2296974"/>
+            <a:ext cx="5238750" cy="4171950"/>
           </a:xfrm>
           <a:prstGeom prst="rect">
             <a:avLst/>
@@ -6394,10 +6220,10 @@
       </p:pic>
       <p:pic>
         <p:nvPicPr>
-          <p:cNvPr id="22" name="Picture 21">
+          <p:cNvPr id="4" name="Picture 3">
             <a:extLst>
               <a:ext uri="{FF2B5EF4-FFF2-40B4-BE49-F238E27FC236}">
-                <a16:creationId xmlns:a16="http://schemas.microsoft.com/office/drawing/2014/main" id="{D50E1F85-68D7-64B6-9B21-A5A431A86BEE}"/>
+                <a16:creationId xmlns:a16="http://schemas.microsoft.com/office/drawing/2014/main" id="{9CD2FC61-E472-9FDE-51F0-09FB636677F8}"/>
               </a:ext>
             </a:extLst>
           </p:cNvPr>
@@ -6414,8 +6240,8 @@
         </p:blipFill>
         <p:spPr>
           <a:xfrm>
-            <a:off x="1036891" y="2296974"/>
-            <a:ext cx="5238750" cy="4171950"/>
+            <a:off x="5877115" y="2296974"/>
+            <a:ext cx="5562029" cy="4217945"/>
           </a:xfrm>
           <a:prstGeom prst="rect">
             <a:avLst/>
@@ -6633,7 +6459,7 @@
                 </a:r>
                 <a:r>
                   <a:rPr lang="en-GB" dirty="0"/>
-                  <a:t> gives good fits for a large range of </a:t>
+                  <a:t> often gives good fits for a large range of </a:t>
                 </a:r>
                 <a14:m>
                   <m:oMath xmlns:m="http://schemas.openxmlformats.org/officeDocument/2006/math">
@@ -6683,7 +6509,7 @@
                 <a:pPr lvl="1"/>
                 <a:r>
                   <a:rPr lang="en-GB" dirty="0"/>
-                  <a:t>The extra information is meaningless!</a:t>
+                  <a:t>Then the extra information is meaningless! (over-parameterisation)</a:t>
                 </a:r>
               </a:p>
               <a:p>
@@ -6859,8 +6685,8 @@
           </a:p>
         </p:txBody>
       </p:sp>
-      <mc:AlternateContent xmlns:mc="http://schemas.openxmlformats.org/markup-compatibility/2006">
-        <mc:Choice xmlns:a14="http://schemas.microsoft.com/office/drawing/2010/main" Requires="a14">
+      <mc:AlternateContent xmlns:mc="http://schemas.openxmlformats.org/markup-compatibility/2006" xmlns:a14="http://schemas.microsoft.com/office/drawing/2010/main">
+        <mc:Choice Requires="a14">
           <p:sp>
             <p:nvSpPr>
               <p:cNvPr id="3" name="Content Placeholder 2">
@@ -6973,7 +6799,7 @@
             </p:txBody>
           </p:sp>
         </mc:Choice>
-        <mc:Fallback>
+        <mc:Fallback xmlns="">
           <p:sp>
             <p:nvSpPr>
               <p:cNvPr id="3" name="Content Placeholder 2">
@@ -7048,6 +6874,246 @@
           <p:cNvPr id="2" name="Title 1">
             <a:extLst>
               <a:ext uri="{FF2B5EF4-FFF2-40B4-BE49-F238E27FC236}">
+                <a16:creationId xmlns:a16="http://schemas.microsoft.com/office/drawing/2014/main" id="{6859C1C7-9E62-0076-5710-71A8D7D3581E}"/>
+              </a:ext>
+            </a:extLst>
+          </p:cNvPr>
+          <p:cNvSpPr>
+            <a:spLocks noGrp="1"/>
+          </p:cNvSpPr>
+          <p:nvPr>
+            <p:ph type="title"/>
+          </p:nvPr>
+        </p:nvSpPr>
+        <p:spPr/>
+        <p:txBody>
+          <a:bodyPr/>
+          <a:lstStyle/>
+          <a:p>
+            <a:pPr algn="ctr"/>
+            <a:r>
+              <a:rPr lang="en-GB" dirty="0"/>
+              <a:t>Experimenters may vary the conditions</a:t>
+            </a:r>
+            <a:br>
+              <a:rPr lang="en-GB" dirty="0"/>
+            </a:br>
+            <a:r>
+              <a:rPr lang="en-GB" sz="3600" dirty="0"/>
+              <a:t>between experiments</a:t>
+            </a:r>
+          </a:p>
+        </p:txBody>
+      </p:sp>
+      <p:pic>
+        <p:nvPicPr>
+          <p:cNvPr id="7" name="Content Placeholder 6">
+            <a:extLst>
+              <a:ext uri="{FF2B5EF4-FFF2-40B4-BE49-F238E27FC236}">
+                <a16:creationId xmlns:a16="http://schemas.microsoft.com/office/drawing/2014/main" id="{5DD5B339-4491-F542-9D77-95463F807861}"/>
+              </a:ext>
+            </a:extLst>
+          </p:cNvPr>
+          <p:cNvPicPr>
+            <a:picLocks noGrp="1" noChangeAspect="1"/>
+          </p:cNvPicPr>
+          <p:nvPr>
+            <p:ph sz="half" idx="1"/>
+          </p:nvPr>
+        </p:nvPicPr>
+        <p:blipFill>
+          <a:blip r:embed="rId2"/>
+          <a:stretch>
+            <a:fillRect/>
+          </a:stretch>
+        </p:blipFill>
+        <p:spPr>
+          <a:xfrm>
+            <a:off x="6754761" y="1973109"/>
+            <a:ext cx="5296051" cy="3540788"/>
+          </a:xfrm>
+        </p:spPr>
+      </p:pic>
+      <p:sp>
+        <p:nvSpPr>
+          <p:cNvPr id="8" name="Content Placeholder 7">
+            <a:extLst>
+              <a:ext uri="{FF2B5EF4-FFF2-40B4-BE49-F238E27FC236}">
+                <a16:creationId xmlns:a16="http://schemas.microsoft.com/office/drawing/2014/main" id="{23DEC6EA-A2D6-C927-57E0-D76FACC43FCD}"/>
+              </a:ext>
+            </a:extLst>
+          </p:cNvPr>
+          <p:cNvSpPr>
+            <a:spLocks noGrp="1"/>
+          </p:cNvSpPr>
+          <p:nvPr>
+            <p:ph sz="half" idx="2"/>
+          </p:nvPr>
+        </p:nvSpPr>
+        <p:spPr>
+          <a:xfrm>
+            <a:off x="1338943" y="1825625"/>
+            <a:ext cx="5181600" cy="4351338"/>
+          </a:xfrm>
+        </p:spPr>
+        <p:txBody>
+          <a:bodyPr/>
+          <a:lstStyle/>
+          <a:p>
+            <a:r>
+              <a:rPr lang="en-GB" dirty="0"/>
+              <a:t>It is usually of interest to study how experimental parameters influence the experiment results</a:t>
+            </a:r>
+          </a:p>
+          <a:p>
+            <a:r>
+              <a:rPr lang="en-GB" dirty="0"/>
+              <a:t>The  figure shows temperature and pulling speed for a large set of experiment data</a:t>
+            </a:r>
+          </a:p>
+          <a:p>
+            <a:r>
+              <a:rPr lang="en-GB" dirty="0"/>
+              <a:t>Easy to select subsets of tables, to study effect of e.g. temperature</a:t>
+            </a:r>
+          </a:p>
+        </p:txBody>
+      </p:sp>
+      <p:sp>
+        <p:nvSpPr>
+          <p:cNvPr id="18" name="TextBox 17">
+            <a:extLst>
+              <a:ext uri="{FF2B5EF4-FFF2-40B4-BE49-F238E27FC236}">
+                <a16:creationId xmlns:a16="http://schemas.microsoft.com/office/drawing/2014/main" id="{803163AC-8ACA-8EBE-A90F-75DC087764C7}"/>
+              </a:ext>
+            </a:extLst>
+          </p:cNvPr>
+          <p:cNvSpPr txBox="1"/>
+          <p:nvPr/>
+        </p:nvSpPr>
+        <p:spPr>
+          <a:xfrm>
+            <a:off x="81699" y="5988734"/>
+            <a:ext cx="9507794" cy="646331"/>
+          </a:xfrm>
+          <a:prstGeom prst="rect">
+            <a:avLst/>
+          </a:prstGeom>
+          <a:noFill/>
+        </p:spPr>
+        <p:txBody>
+          <a:bodyPr wrap="square" rtlCol="0">
+            <a:spAutoFit/>
+          </a:bodyPr>
+          <a:lstStyle/>
+          <a:p>
+            <a:r>
+              <a:rPr lang="en-GB" dirty="0"/>
+              <a:t>Data for 3588 rip events from 32 experiments on the protein </a:t>
+            </a:r>
+            <a:r>
+              <a:rPr lang="en-GB" sz="1800" b="0" i="0" u="none" strike="noStrike" baseline="0" dirty="0">
+                <a:latin typeface="Arial Unicode MS" panose="020B0604020202020204" pitchFamily="34" charset="-128"/>
+              </a:rPr>
+              <a:t>MJ0366. </a:t>
+            </a:r>
+          </a:p>
+          <a:p>
+            <a:r>
+              <a:rPr lang="en-GB" sz="1800" b="0" i="0" u="none" strike="noStrike" baseline="0" dirty="0">
+                <a:latin typeface="Arial Unicode MS" panose="020B0604020202020204" pitchFamily="34" charset="-128"/>
+              </a:rPr>
+              <a:t>Ref</a:t>
+            </a:r>
+            <a:r>
+              <a:rPr lang="nb-NO" sz="1800" b="0" i="0" u="none" strike="noStrike" baseline="0" dirty="0">
+                <a:latin typeface="Arial Unicode MS" panose="020B0604020202020204" pitchFamily="34" charset="-128"/>
+              </a:rPr>
+              <a:t>: </a:t>
+            </a:r>
+            <a:r>
+              <a:rPr lang="en-GB" sz="1800" kern="100" dirty="0">
+                <a:effectLst/>
+                <a:latin typeface="Aptos" panose="020B0004020202020204" pitchFamily="34" charset="0"/>
+                <a:ea typeface="Aptos" panose="020B0004020202020204" pitchFamily="34" charset="0"/>
+                <a:cs typeface="Times New Roman" panose="02020603050405020304" pitchFamily="18" charset="0"/>
+              </a:rPr>
+              <a:t>Rivera, Mjaavatten, Smith, Baez, &amp; Wilson (2023). </a:t>
+            </a:r>
+            <a:r>
+              <a:rPr lang="en-GB" sz="1800" i="1" kern="100" dirty="0">
+                <a:effectLst/>
+                <a:latin typeface="Aptos" panose="020B0004020202020204" pitchFamily="34" charset="0"/>
+                <a:ea typeface="Aptos" panose="020B0004020202020204" pitchFamily="34" charset="0"/>
+                <a:cs typeface="Times New Roman" panose="02020603050405020304" pitchFamily="18" charset="0"/>
+              </a:rPr>
+              <a:t>Biophysical Journal</a:t>
+            </a:r>
+            <a:r>
+              <a:rPr lang="en-GB" sz="1800" kern="100" dirty="0">
+                <a:effectLst/>
+                <a:latin typeface="Aptos" panose="020B0004020202020204" pitchFamily="34" charset="0"/>
+                <a:ea typeface="Aptos" panose="020B0004020202020204" pitchFamily="34" charset="0"/>
+                <a:cs typeface="Times New Roman" panose="02020603050405020304" pitchFamily="18" charset="0"/>
+              </a:rPr>
+              <a:t>, </a:t>
+            </a:r>
+            <a:r>
+              <a:rPr lang="en-GB" sz="1800" i="1" kern="100" dirty="0">
+                <a:effectLst/>
+                <a:latin typeface="Aptos" panose="020B0004020202020204" pitchFamily="34" charset="0"/>
+                <a:ea typeface="Aptos" panose="020B0004020202020204" pitchFamily="34" charset="0"/>
+                <a:cs typeface="Times New Roman" panose="02020603050405020304" pitchFamily="18" charset="0"/>
+              </a:rPr>
+              <a:t>122</a:t>
+            </a:r>
+            <a:r>
+              <a:rPr lang="en-GB" sz="1800" kern="100" dirty="0">
+                <a:effectLst/>
+                <a:latin typeface="Aptos" panose="020B0004020202020204" pitchFamily="34" charset="0"/>
+                <a:ea typeface="Aptos" panose="020B0004020202020204" pitchFamily="34" charset="0"/>
+                <a:cs typeface="Times New Roman" panose="02020603050405020304" pitchFamily="18" charset="0"/>
+              </a:rPr>
+              <a:t>(3), 513-521.</a:t>
+            </a:r>
+          </a:p>
+        </p:txBody>
+      </p:sp>
+    </p:spTree>
+    <p:extLst>
+      <p:ext uri="{BB962C8B-B14F-4D97-AF65-F5344CB8AC3E}">
+        <p14:creationId xmlns:p14="http://schemas.microsoft.com/office/powerpoint/2010/main" val="2248117332"/>
+      </p:ext>
+    </p:extLst>
+  </p:cSld>
+  <p:clrMapOvr>
+    <a:masterClrMapping/>
+  </p:clrMapOvr>
+</p:sld>
+</file>
+
+<file path=ppt/slides/slide17.xml><?xml version="1.0" encoding="utf-8"?>
+<p:sld xmlns:a="http://schemas.openxmlformats.org/drawingml/2006/main" xmlns:r="http://schemas.openxmlformats.org/officeDocument/2006/relationships" xmlns:p="http://schemas.openxmlformats.org/presentationml/2006/main">
+  <p:cSld>
+    <p:spTree>
+      <p:nvGrpSpPr>
+        <p:cNvPr id="1" name=""/>
+        <p:cNvGrpSpPr/>
+        <p:nvPr/>
+      </p:nvGrpSpPr>
+      <p:grpSpPr>
+        <a:xfrm>
+          <a:off x="0" y="0"/>
+          <a:ext cx="0" cy="0"/>
+          <a:chOff x="0" y="0"/>
+          <a:chExt cx="0" cy="0"/>
+        </a:xfrm>
+      </p:grpSpPr>
+      <p:sp>
+        <p:nvSpPr>
+          <p:cNvPr id="2" name="Title 1">
+            <a:extLst>
+              <a:ext uri="{FF2B5EF4-FFF2-40B4-BE49-F238E27FC236}">
                 <a16:creationId xmlns:a16="http://schemas.microsoft.com/office/drawing/2014/main" id="{25B30393-81A8-BD36-A303-FB4FB0BB7C1F}"/>
               </a:ext>
             </a:extLst>
@@ -7102,7 +7168,7 @@
               <a:p>
                 <a:r>
                   <a:rPr lang="en-GB" dirty="0"/>
-                  <a:t>Select the subset you want to model</a:t>
+                  <a:t>Select the subset you want to model (e.g. Temperature &gt; 20)</a:t>
                 </a:r>
               </a:p>
               <a:p>
@@ -7172,12 +7238,8 @@
               </a:p>
               <a:p>
                 <a:r>
-                  <a:rPr lang="en-GB" dirty="0" err="1"/>
-                  <a:t>Calcuate</a:t>
-                </a:r>
-                <a:r>
                   <a:rPr lang="en-GB" dirty="0"/>
-                  <a:t> bets fit parameters for the Bell or </a:t>
+                  <a:t>Calculate best fit parameters for the Bell or </a:t>
                 </a:r>
                 <a:r>
                   <a:rPr lang="en-GB" dirty="0" err="1"/>
@@ -7263,7 +7325,7 @@
 </p:sld>
 </file>
 
-<file path=ppt/slides/slide17.xml><?xml version="1.0" encoding="utf-8"?>
+<file path=ppt/slides/slide18.xml><?xml version="1.0" encoding="utf-8"?>
 <p:sld xmlns:a="http://schemas.openxmlformats.org/drawingml/2006/main" xmlns:r="http://schemas.openxmlformats.org/officeDocument/2006/relationships" xmlns:p="http://schemas.openxmlformats.org/presentationml/2006/main">
   <p:cSld>
     <p:spTree>
@@ -7525,7 +7587,7 @@
 </p:sld>
 </file>
 
-<file path=ppt/slides/slide18.xml><?xml version="1.0" encoding="utf-8"?>
+<file path=ppt/slides/slide19.xml><?xml version="1.0" encoding="utf-8"?>
 <p:sld xmlns:a="http://schemas.openxmlformats.org/drawingml/2006/main" xmlns:r="http://schemas.openxmlformats.org/officeDocument/2006/relationships" xmlns:p="http://schemas.openxmlformats.org/presentationml/2006/main">
   <p:cSld>
     <p:spTree>
@@ -7607,7 +7669,7 @@
             <a:pPr lvl="1"/>
             <a:r>
               <a:rPr lang="en-GB" dirty="0"/>
-              <a:t>Example: Experiments with T &gt;20˚C and Pulling speed &gt; 500nm/s</a:t>
+              <a:t>Example: Experiments with T &gt;20˚C and Pulling speed &lt; 50nm/s</a:t>
             </a:r>
             <a:br>
               <a:rPr lang="en-GB" dirty="0"/>
@@ -7640,7 +7702,7 @@
               <a:rPr lang="en-GB" sz="2000" dirty="0">
                 <a:latin typeface="Consolas" panose="020B0609020204030204" pitchFamily="49" charset="0"/>
               </a:rPr>
-              <a:t> &gt; 500;</a:t>
+              <a:t> &lt; 50;</a:t>
             </a:r>
           </a:p>
           <a:p>
@@ -7938,7 +8000,7 @@
               <a:rPr lang="fr-FR" dirty="0">
                 <a:latin typeface="Consolas" panose="020B0609020204030204" pitchFamily="49" charset="0"/>
               </a:rPr>
-              <a:t>&gt;&gt; x = [5 3 -2 6 -4 1];</a:t>
+              <a:t>&gt;&gt; x = [5  3 -2  6 -4  1];</a:t>
             </a:r>
           </a:p>
           <a:p>
@@ -7946,7 +8008,7 @@
               <a:rPr lang="fr-FR" dirty="0">
                 <a:latin typeface="Consolas" panose="020B0609020204030204" pitchFamily="49" charset="0"/>
               </a:rPr>
-              <a:t>&gt;&gt; y = [1 2 3 4 5 6];</a:t>
+              <a:t>&gt;&gt; y = [1  2  3  4  5  6];</a:t>
             </a:r>
           </a:p>
           <a:p>
@@ -8065,326 +8127,6 @@
     <p:extLst>
       <p:ext uri="{BB962C8B-B14F-4D97-AF65-F5344CB8AC3E}">
         <p14:creationId xmlns:p14="http://schemas.microsoft.com/office/powerpoint/2010/main" val="1676652985"/>
-      </p:ext>
-    </p:extLst>
-  </p:cSld>
-  <p:clrMapOvr>
-    <a:masterClrMapping/>
-  </p:clrMapOvr>
-</p:sld>
-</file>
-
-<file path=ppt/slides/slide19.xml><?xml version="1.0" encoding="utf-8"?>
-<p:sld xmlns:a="http://schemas.openxmlformats.org/drawingml/2006/main" xmlns:r="http://schemas.openxmlformats.org/officeDocument/2006/relationships" xmlns:p="http://schemas.openxmlformats.org/presentationml/2006/main">
-  <p:cSld>
-    <p:spTree>
-      <p:nvGrpSpPr>
-        <p:cNvPr id="1" name=""/>
-        <p:cNvGrpSpPr/>
-        <p:nvPr/>
-      </p:nvGrpSpPr>
-      <p:grpSpPr>
-        <a:xfrm>
-          <a:off x="0" y="0"/>
-          <a:ext cx="0" cy="0"/>
-          <a:chOff x="0" y="0"/>
-          <a:chExt cx="0" cy="0"/>
-        </a:xfrm>
-      </p:grpSpPr>
-      <p:sp>
-        <p:nvSpPr>
-          <p:cNvPr id="2" name="Title 1">
-            <a:extLst>
-              <a:ext uri="{FF2B5EF4-FFF2-40B4-BE49-F238E27FC236}">
-                <a16:creationId xmlns:a16="http://schemas.microsoft.com/office/drawing/2014/main" id="{AEE9A307-63DA-31DA-FD6F-A3B6A5F20EF2}"/>
-              </a:ext>
-            </a:extLst>
-          </p:cNvPr>
-          <p:cNvSpPr>
-            <a:spLocks noGrp="1"/>
-          </p:cNvSpPr>
-          <p:nvPr>
-            <p:ph type="title"/>
-          </p:nvPr>
-        </p:nvSpPr>
-        <p:spPr/>
-        <p:txBody>
-          <a:bodyPr/>
-          <a:lstStyle/>
-          <a:p>
-            <a:r>
-              <a:rPr lang="en-GB" dirty="0"/>
-              <a:t>Prepare input</a:t>
-            </a:r>
-          </a:p>
-        </p:txBody>
-      </p:sp>
-      <p:sp>
-        <p:nvSpPr>
-          <p:cNvPr id="4" name="Content Placeholder 3">
-            <a:extLst>
-              <a:ext uri="{FF2B5EF4-FFF2-40B4-BE49-F238E27FC236}">
-                <a16:creationId xmlns:a16="http://schemas.microsoft.com/office/drawing/2014/main" id="{78190968-27D1-0022-BC2D-5B1ACF9107B9}"/>
-              </a:ext>
-            </a:extLst>
-          </p:cNvPr>
-          <p:cNvSpPr>
-            <a:spLocks noGrp="1"/>
-          </p:cNvSpPr>
-          <p:nvPr>
-            <p:ph idx="1"/>
-          </p:nvPr>
-        </p:nvSpPr>
-        <p:spPr/>
-        <p:txBody>
-          <a:bodyPr>
-            <a:normAutofit/>
-          </a:bodyPr>
-          <a:lstStyle/>
-          <a:p>
-            <a:r>
-              <a:rPr lang="en-GB" dirty="0"/>
-              <a:t>Use the logical array to extract only the relevant data:</a:t>
-            </a:r>
-          </a:p>
-          <a:p>
-            <a:pPr lvl="1"/>
-            <a:r>
-              <a:rPr lang="en-GB" sz="2000" dirty="0">
-                <a:latin typeface="Consolas" panose="020B0609020204030204" pitchFamily="49" charset="0"/>
-              </a:rPr>
-              <a:t>F = </a:t>
-            </a:r>
-            <a:r>
-              <a:rPr lang="en-GB" sz="2000" dirty="0" err="1">
-                <a:latin typeface="Consolas" panose="020B0609020204030204" pitchFamily="49" charset="0"/>
-              </a:rPr>
-              <a:t>TRIP.Force</a:t>
-            </a:r>
-            <a:r>
-              <a:rPr lang="en-GB" sz="2000" dirty="0">
-                <a:latin typeface="Consolas" panose="020B0609020204030204" pitchFamily="49" charset="0"/>
-              </a:rPr>
-              <a:t>(ok);</a:t>
-            </a:r>
-          </a:p>
-          <a:p>
-            <a:pPr lvl="1"/>
-            <a:r>
-              <a:rPr lang="en-GB" sz="2000" dirty="0" err="1">
-                <a:latin typeface="Consolas" panose="020B0609020204030204" pitchFamily="49" charset="0"/>
-              </a:rPr>
-              <a:t>Tmean</a:t>
-            </a:r>
-            <a:r>
-              <a:rPr lang="en-GB" sz="2000" dirty="0">
-                <a:latin typeface="Consolas" panose="020B0609020204030204" pitchFamily="49" charset="0"/>
-              </a:rPr>
-              <a:t> = mean(</a:t>
-            </a:r>
-            <a:r>
-              <a:rPr lang="en-GB" sz="2000" dirty="0" err="1">
-                <a:latin typeface="Consolas" panose="020B0609020204030204" pitchFamily="49" charset="0"/>
-              </a:rPr>
-              <a:t>TRIP.Temperature</a:t>
-            </a:r>
-            <a:r>
-              <a:rPr lang="en-GB" sz="2000" dirty="0">
-                <a:latin typeface="Consolas" panose="020B0609020204030204" pitchFamily="49" charset="0"/>
-              </a:rPr>
-              <a:t>(ok),"</a:t>
-            </a:r>
-            <a:r>
-              <a:rPr lang="en-GB" sz="2000" dirty="0" err="1">
-                <a:latin typeface="Consolas" panose="020B0609020204030204" pitchFamily="49" charset="0"/>
-              </a:rPr>
-              <a:t>omitmissing</a:t>
-            </a:r>
-            <a:r>
-              <a:rPr lang="en-GB" sz="2000" dirty="0">
-                <a:latin typeface="Consolas" panose="020B0609020204030204" pitchFamily="49" charset="0"/>
-              </a:rPr>
-              <a:t>");</a:t>
-            </a:r>
-          </a:p>
-          <a:p>
-            <a:pPr lvl="1"/>
-            <a:r>
-              <a:rPr lang="en-GB" sz="2000" dirty="0" err="1">
-                <a:latin typeface="Consolas" panose="020B0609020204030204" pitchFamily="49" charset="0"/>
-              </a:rPr>
-              <a:t>Fdotmean</a:t>
-            </a:r>
-            <a:r>
-              <a:rPr lang="en-GB" sz="2000" dirty="0">
-                <a:latin typeface="Consolas" panose="020B0609020204030204" pitchFamily="49" charset="0"/>
-              </a:rPr>
-              <a:t> = mean(</a:t>
-            </a:r>
-            <a:r>
-              <a:rPr lang="en-GB" sz="2000" dirty="0" err="1">
-                <a:latin typeface="Consolas" panose="020B0609020204030204" pitchFamily="49" charset="0"/>
-              </a:rPr>
-              <a:t>TRIP.Fdot</a:t>
-            </a:r>
-            <a:r>
-              <a:rPr lang="en-GB" sz="2000" dirty="0">
-                <a:latin typeface="Consolas" panose="020B0609020204030204" pitchFamily="49" charset="0"/>
-              </a:rPr>
-              <a:t>(ok),"</a:t>
-            </a:r>
-            <a:r>
-              <a:rPr lang="en-GB" sz="2000" dirty="0" err="1">
-                <a:latin typeface="Consolas" panose="020B0609020204030204" pitchFamily="49" charset="0"/>
-              </a:rPr>
-              <a:t>omitmissing</a:t>
-            </a:r>
-            <a:r>
-              <a:rPr lang="en-GB" sz="2000" dirty="0">
-                <a:latin typeface="Consolas" panose="020B0609020204030204" pitchFamily="49" charset="0"/>
-              </a:rPr>
-              <a:t>");</a:t>
-            </a:r>
-          </a:p>
-          <a:p>
-            <a:r>
-              <a:rPr lang="en-GB" dirty="0"/>
-              <a:t>Function </a:t>
-            </a:r>
-            <a:r>
-              <a:rPr lang="en-GB" sz="2400" dirty="0" err="1">
-                <a:latin typeface="Consolas" panose="020B0609020204030204" pitchFamily="49" charset="0"/>
-              </a:rPr>
-              <a:t>probdens</a:t>
-            </a:r>
-            <a:r>
-              <a:rPr lang="en-GB" dirty="0"/>
-              <a:t> will calculate the observed probability density array:</a:t>
-            </a:r>
-          </a:p>
-          <a:p>
-            <a:pPr lvl="1"/>
-            <a:r>
-              <a:rPr lang="en-GB" sz="2000" dirty="0" err="1">
-                <a:latin typeface="Consolas" panose="020B0609020204030204" pitchFamily="49" charset="0"/>
-              </a:rPr>
-              <a:t>dF</a:t>
-            </a:r>
-            <a:r>
-              <a:rPr lang="en-GB" sz="2000" dirty="0">
-                <a:latin typeface="Consolas" panose="020B0609020204030204" pitchFamily="49" charset="0"/>
-              </a:rPr>
-              <a:t> = 1; % distance between force bin edges</a:t>
-            </a:r>
-          </a:p>
-          <a:p>
-            <a:pPr lvl="1"/>
-            <a:r>
-              <a:rPr lang="en-GB" sz="2000" dirty="0">
-                <a:latin typeface="Consolas" panose="020B0609020204030204" pitchFamily="49" charset="0"/>
-              </a:rPr>
-              <a:t>[</a:t>
-            </a:r>
-            <a:r>
-              <a:rPr lang="en-GB" sz="2000" dirty="0" err="1">
-                <a:latin typeface="Consolas" panose="020B0609020204030204" pitchFamily="49" charset="0"/>
-              </a:rPr>
-              <a:t>pd_obs,edges,n_obs</a:t>
-            </a:r>
-            <a:r>
-              <a:rPr lang="en-GB" sz="2000" dirty="0">
-                <a:latin typeface="Consolas" panose="020B0609020204030204" pitchFamily="49" charset="0"/>
-              </a:rPr>
-              <a:t>] = </a:t>
-            </a:r>
-            <a:r>
-              <a:rPr lang="en-GB" sz="2000" dirty="0" err="1">
-                <a:latin typeface="Consolas" panose="020B0609020204030204" pitchFamily="49" charset="0"/>
-              </a:rPr>
-              <a:t>probdens</a:t>
-            </a:r>
-            <a:r>
-              <a:rPr lang="en-GB" sz="2000" dirty="0">
-                <a:latin typeface="Consolas" panose="020B0609020204030204" pitchFamily="49" charset="0"/>
-              </a:rPr>
-              <a:t>(</a:t>
-            </a:r>
-            <a:r>
-              <a:rPr lang="en-GB" sz="2000" dirty="0" err="1">
-                <a:latin typeface="Consolas" panose="020B0609020204030204" pitchFamily="49" charset="0"/>
-              </a:rPr>
-              <a:t>force,dF</a:t>
-            </a:r>
-            <a:r>
-              <a:rPr lang="en-GB" sz="2000" dirty="0">
-                <a:latin typeface="Consolas" panose="020B0609020204030204" pitchFamily="49" charset="0"/>
-              </a:rPr>
-              <a:t>);</a:t>
-            </a:r>
-            <a:br>
-              <a:rPr lang="en-GB" sz="2000" dirty="0">
-                <a:latin typeface="Consolas" panose="020B0609020204030204" pitchFamily="49" charset="0"/>
-              </a:rPr>
-            </a:br>
-            <a:r>
-              <a:rPr lang="en-GB" sz="2000" dirty="0">
-                <a:latin typeface="Consolas" panose="020B0609020204030204" pitchFamily="49" charset="0"/>
-              </a:rPr>
-              <a:t>	</a:t>
-            </a:r>
-            <a:r>
-              <a:rPr lang="en-GB" sz="2000" dirty="0" err="1"/>
-              <a:t>pd_obs</a:t>
-            </a:r>
-            <a:r>
-              <a:rPr lang="en-GB" sz="2000" dirty="0"/>
-              <a:t>(</a:t>
-            </a:r>
-            <a:r>
-              <a:rPr lang="en-GB" sz="2000" dirty="0" err="1"/>
-              <a:t>i</a:t>
-            </a:r>
-            <a:r>
-              <a:rPr lang="en-GB" sz="2000" dirty="0"/>
-              <a:t>) is the mean probability density for unfolding (or refolding) </a:t>
-            </a:r>
-            <a:br>
-              <a:rPr lang="en-GB" sz="2000" dirty="0"/>
-            </a:br>
-            <a:r>
-              <a:rPr lang="en-GB" sz="2000" dirty="0"/>
-              <a:t>	in the interval from edges(</a:t>
-            </a:r>
-            <a:r>
-              <a:rPr lang="en-GB" sz="2000" dirty="0" err="1"/>
-              <a:t>i</a:t>
-            </a:r>
-            <a:r>
-              <a:rPr lang="en-GB" sz="2000" dirty="0"/>
-              <a:t>) to edges(i+1)</a:t>
-            </a:r>
-          </a:p>
-          <a:p>
-            <a:pPr lvl="1"/>
-            <a:r>
-              <a:rPr lang="en-GB" sz="2000" dirty="0" err="1"/>
-              <a:t>n_obs</a:t>
-            </a:r>
-            <a:r>
-              <a:rPr lang="en-GB" sz="2000" dirty="0"/>
-              <a:t> is the number of rips or zips</a:t>
-            </a:r>
-          </a:p>
-          <a:p>
-            <a:pPr lvl="1"/>
-            <a:endParaRPr lang="en-GB" dirty="0"/>
-          </a:p>
-        </p:txBody>
-      </p:sp>
-    </p:spTree>
-    <p:extLst>
-      <p:ext uri="{BB962C8B-B14F-4D97-AF65-F5344CB8AC3E}">
-        <p14:creationId xmlns:p14="http://schemas.microsoft.com/office/powerpoint/2010/main" val="3727252890"/>
       </p:ext>
     </p:extLst>
   </p:cSld>
@@ -8503,6 +8245,350 @@
           <p:cNvPr id="2" name="Title 1">
             <a:extLst>
               <a:ext uri="{FF2B5EF4-FFF2-40B4-BE49-F238E27FC236}">
+                <a16:creationId xmlns:a16="http://schemas.microsoft.com/office/drawing/2014/main" id="{AEE9A307-63DA-31DA-FD6F-A3B6A5F20EF2}"/>
+              </a:ext>
+            </a:extLst>
+          </p:cNvPr>
+          <p:cNvSpPr>
+            <a:spLocks noGrp="1"/>
+          </p:cNvSpPr>
+          <p:nvPr>
+            <p:ph type="title"/>
+          </p:nvPr>
+        </p:nvSpPr>
+        <p:spPr/>
+        <p:txBody>
+          <a:bodyPr/>
+          <a:lstStyle/>
+          <a:p>
+            <a:r>
+              <a:rPr lang="en-GB" dirty="0"/>
+              <a:t>Prepare input</a:t>
+            </a:r>
+          </a:p>
+        </p:txBody>
+      </p:sp>
+      <p:sp>
+        <p:nvSpPr>
+          <p:cNvPr id="4" name="Content Placeholder 3">
+            <a:extLst>
+              <a:ext uri="{FF2B5EF4-FFF2-40B4-BE49-F238E27FC236}">
+                <a16:creationId xmlns:a16="http://schemas.microsoft.com/office/drawing/2014/main" id="{78190968-27D1-0022-BC2D-5B1ACF9107B9}"/>
+              </a:ext>
+            </a:extLst>
+          </p:cNvPr>
+          <p:cNvSpPr>
+            <a:spLocks noGrp="1"/>
+          </p:cNvSpPr>
+          <p:nvPr>
+            <p:ph idx="1"/>
+          </p:nvPr>
+        </p:nvSpPr>
+        <p:spPr/>
+        <p:txBody>
+          <a:bodyPr>
+            <a:normAutofit/>
+          </a:bodyPr>
+          <a:lstStyle/>
+          <a:p>
+            <a:r>
+              <a:rPr lang="en-GB" dirty="0"/>
+              <a:t>Use the logical array ok to extract only the relevant data:</a:t>
+            </a:r>
+          </a:p>
+          <a:p>
+            <a:pPr lvl="1"/>
+            <a:r>
+              <a:rPr lang="en-GB" sz="2000" dirty="0">
+                <a:latin typeface="Consolas" panose="020B0609020204030204" pitchFamily="49" charset="0"/>
+              </a:rPr>
+              <a:t>F = </a:t>
+            </a:r>
+            <a:r>
+              <a:rPr lang="en-GB" sz="2000" dirty="0" err="1">
+                <a:latin typeface="Consolas" panose="020B0609020204030204" pitchFamily="49" charset="0"/>
+              </a:rPr>
+              <a:t>TRIP.Force</a:t>
+            </a:r>
+            <a:r>
+              <a:rPr lang="en-GB" sz="2000" dirty="0">
+                <a:latin typeface="Consolas" panose="020B0609020204030204" pitchFamily="49" charset="0"/>
+              </a:rPr>
+              <a:t>(ok);</a:t>
+            </a:r>
+          </a:p>
+          <a:p>
+            <a:pPr lvl="1"/>
+            <a:r>
+              <a:rPr lang="en-GB" sz="2000" dirty="0" err="1">
+                <a:latin typeface="Consolas" panose="020B0609020204030204" pitchFamily="49" charset="0"/>
+              </a:rPr>
+              <a:t>Tmean</a:t>
+            </a:r>
+            <a:r>
+              <a:rPr lang="en-GB" sz="2000" dirty="0">
+                <a:latin typeface="Consolas" panose="020B0609020204030204" pitchFamily="49" charset="0"/>
+              </a:rPr>
+              <a:t> = mean(</a:t>
+            </a:r>
+            <a:r>
+              <a:rPr lang="en-GB" sz="2000" dirty="0" err="1">
+                <a:latin typeface="Consolas" panose="020B0609020204030204" pitchFamily="49" charset="0"/>
+              </a:rPr>
+              <a:t>TRIP.Temperature</a:t>
+            </a:r>
+            <a:r>
+              <a:rPr lang="en-GB" sz="2000" dirty="0">
+                <a:latin typeface="Consolas" panose="020B0609020204030204" pitchFamily="49" charset="0"/>
+              </a:rPr>
+              <a:t>(ok),"</a:t>
+            </a:r>
+            <a:r>
+              <a:rPr lang="en-GB" sz="2000" dirty="0" err="1">
+                <a:latin typeface="Consolas" panose="020B0609020204030204" pitchFamily="49" charset="0"/>
+              </a:rPr>
+              <a:t>omitmissing</a:t>
+            </a:r>
+            <a:r>
+              <a:rPr lang="en-GB" sz="2000" dirty="0">
+                <a:latin typeface="Consolas" panose="020B0609020204030204" pitchFamily="49" charset="0"/>
+              </a:rPr>
+              <a:t>");</a:t>
+            </a:r>
+          </a:p>
+          <a:p>
+            <a:pPr lvl="1"/>
+            <a:r>
+              <a:rPr lang="en-GB" sz="2000" dirty="0" err="1">
+                <a:latin typeface="Consolas" panose="020B0609020204030204" pitchFamily="49" charset="0"/>
+              </a:rPr>
+              <a:t>Fdotmean</a:t>
+            </a:r>
+            <a:r>
+              <a:rPr lang="en-GB" sz="2000" dirty="0">
+                <a:latin typeface="Consolas" panose="020B0609020204030204" pitchFamily="49" charset="0"/>
+              </a:rPr>
+              <a:t> = mean(</a:t>
+            </a:r>
+            <a:r>
+              <a:rPr lang="en-GB" sz="2000" dirty="0" err="1">
+                <a:latin typeface="Consolas" panose="020B0609020204030204" pitchFamily="49" charset="0"/>
+              </a:rPr>
+              <a:t>TRIP.Fdot</a:t>
+            </a:r>
+            <a:r>
+              <a:rPr lang="en-GB" sz="2000" dirty="0">
+                <a:latin typeface="Consolas" panose="020B0609020204030204" pitchFamily="49" charset="0"/>
+              </a:rPr>
+              <a:t>(ok),"</a:t>
+            </a:r>
+            <a:r>
+              <a:rPr lang="en-GB" sz="2000" dirty="0" err="1">
+                <a:latin typeface="Consolas" panose="020B0609020204030204" pitchFamily="49" charset="0"/>
+              </a:rPr>
+              <a:t>omitmissing</a:t>
+            </a:r>
+            <a:r>
+              <a:rPr lang="en-GB" sz="2000" dirty="0">
+                <a:latin typeface="Consolas" panose="020B0609020204030204" pitchFamily="49" charset="0"/>
+              </a:rPr>
+              <a:t>");</a:t>
+            </a:r>
+          </a:p>
+          <a:p>
+            <a:r>
+              <a:rPr lang="en-GB" dirty="0"/>
+              <a:t>Function </a:t>
+            </a:r>
+            <a:r>
+              <a:rPr lang="en-GB" sz="2400" dirty="0" err="1">
+                <a:latin typeface="Consolas" panose="020B0609020204030204" pitchFamily="49" charset="0"/>
+              </a:rPr>
+              <a:t>probdens</a:t>
+            </a:r>
+            <a:r>
+              <a:rPr lang="en-GB" dirty="0"/>
+              <a:t> will calculate the observed probability density array:</a:t>
+            </a:r>
+          </a:p>
+          <a:p>
+            <a:pPr lvl="1"/>
+            <a:r>
+              <a:rPr lang="en-GB" sz="2000" dirty="0" err="1">
+                <a:latin typeface="Consolas" panose="020B0609020204030204" pitchFamily="49" charset="0"/>
+              </a:rPr>
+              <a:t>dF</a:t>
+            </a:r>
+            <a:r>
+              <a:rPr lang="en-GB" sz="2000" dirty="0">
+                <a:latin typeface="Consolas" panose="020B0609020204030204" pitchFamily="49" charset="0"/>
+              </a:rPr>
+              <a:t> = 1; % distance between force bin edges</a:t>
+            </a:r>
+          </a:p>
+          <a:p>
+            <a:pPr lvl="1"/>
+            <a:r>
+              <a:rPr lang="en-GB" sz="2000" dirty="0">
+                <a:latin typeface="Consolas" panose="020B0609020204030204" pitchFamily="49" charset="0"/>
+              </a:rPr>
+              <a:t>[</a:t>
+            </a:r>
+            <a:r>
+              <a:rPr lang="en-GB" sz="2000" dirty="0" err="1">
+                <a:latin typeface="Consolas" panose="020B0609020204030204" pitchFamily="49" charset="0"/>
+              </a:rPr>
+              <a:t>pd_obs,edges,n_obs</a:t>
+            </a:r>
+            <a:r>
+              <a:rPr lang="en-GB" sz="2000" dirty="0">
+                <a:latin typeface="Consolas" panose="020B0609020204030204" pitchFamily="49" charset="0"/>
+              </a:rPr>
+              <a:t>] = </a:t>
+            </a:r>
+            <a:r>
+              <a:rPr lang="en-GB" sz="2000" dirty="0" err="1">
+                <a:latin typeface="Consolas" panose="020B0609020204030204" pitchFamily="49" charset="0"/>
+              </a:rPr>
+              <a:t>probdens</a:t>
+            </a:r>
+            <a:r>
+              <a:rPr lang="en-GB" sz="2000" dirty="0">
+                <a:latin typeface="Consolas" panose="020B0609020204030204" pitchFamily="49" charset="0"/>
+              </a:rPr>
+              <a:t>(</a:t>
+            </a:r>
+            <a:r>
+              <a:rPr lang="en-GB" sz="2000" dirty="0" err="1">
+                <a:latin typeface="Consolas" panose="020B0609020204030204" pitchFamily="49" charset="0"/>
+              </a:rPr>
+              <a:t>force,dF</a:t>
+            </a:r>
+            <a:r>
+              <a:rPr lang="en-GB" sz="2000" dirty="0">
+                <a:latin typeface="Consolas" panose="020B0609020204030204" pitchFamily="49" charset="0"/>
+              </a:rPr>
+              <a:t>);</a:t>
+            </a:r>
+            <a:br>
+              <a:rPr lang="en-GB" sz="2000" dirty="0">
+                <a:latin typeface="Consolas" panose="020B0609020204030204" pitchFamily="49" charset="0"/>
+              </a:rPr>
+            </a:br>
+            <a:r>
+              <a:rPr lang="en-GB" sz="2000" dirty="0">
+                <a:latin typeface="Consolas" panose="020B0609020204030204" pitchFamily="49" charset="0"/>
+              </a:rPr>
+              <a:t>	</a:t>
+            </a:r>
+            <a:r>
+              <a:rPr lang="en-GB" sz="2000" dirty="0" err="1"/>
+              <a:t>pd_obs</a:t>
+            </a:r>
+            <a:r>
+              <a:rPr lang="en-GB" sz="2000" dirty="0"/>
+              <a:t>(</a:t>
+            </a:r>
+            <a:r>
+              <a:rPr lang="en-GB" sz="2000" dirty="0" err="1"/>
+              <a:t>i</a:t>
+            </a:r>
+            <a:r>
+              <a:rPr lang="en-GB" sz="2000" dirty="0"/>
+              <a:t>) is the observed probability for unfolding (or refolding) </a:t>
+            </a:r>
+            <a:br>
+              <a:rPr lang="en-GB" sz="2000" dirty="0"/>
+            </a:br>
+            <a:r>
+              <a:rPr lang="en-GB" sz="2000" dirty="0"/>
+              <a:t>	in the interval from edges(</a:t>
+            </a:r>
+            <a:r>
+              <a:rPr lang="en-GB" sz="2000" dirty="0" err="1"/>
+              <a:t>i</a:t>
+            </a:r>
+            <a:r>
+              <a:rPr lang="en-GB" sz="2000" dirty="0"/>
+              <a:t>) to edges(i+1) divided </a:t>
+            </a:r>
+            <a:r>
+              <a:rPr lang="en-GB" sz="2000"/>
+              <a:t>by </a:t>
+            </a:r>
+            <a:r>
+              <a:rPr lang="en-GB" sz="2000" dirty="0"/>
+              <a:t>e</a:t>
+            </a:r>
+            <a:r>
+              <a:rPr lang="en-GB" sz="2000"/>
+              <a:t>dges</a:t>
+            </a:r>
+            <a:r>
+              <a:rPr lang="en-GB" sz="2000" dirty="0"/>
+              <a:t>(i+1)-edges(</a:t>
+            </a:r>
+            <a:r>
+              <a:rPr lang="en-GB" sz="2000" dirty="0" err="1"/>
+              <a:t>i</a:t>
+            </a:r>
+            <a:r>
+              <a:rPr lang="en-GB" sz="2000" dirty="0"/>
+              <a:t>)</a:t>
+            </a:r>
+          </a:p>
+          <a:p>
+            <a:pPr lvl="1"/>
+            <a:r>
+              <a:rPr lang="en-GB" sz="2000" dirty="0" err="1"/>
+              <a:t>n_obs</a:t>
+            </a:r>
+            <a:r>
+              <a:rPr lang="en-GB" sz="2000" dirty="0"/>
+              <a:t> is the number of rips or zips</a:t>
+            </a:r>
+          </a:p>
+          <a:p>
+            <a:pPr lvl="1"/>
+            <a:endParaRPr lang="en-GB" dirty="0"/>
+          </a:p>
+        </p:txBody>
+      </p:sp>
+    </p:spTree>
+    <p:extLst>
+      <p:ext uri="{BB962C8B-B14F-4D97-AF65-F5344CB8AC3E}">
+        <p14:creationId xmlns:p14="http://schemas.microsoft.com/office/powerpoint/2010/main" val="3727252890"/>
+      </p:ext>
+    </p:extLst>
+  </p:cSld>
+  <p:clrMapOvr>
+    <a:masterClrMapping/>
+  </p:clrMapOvr>
+</p:sld>
+</file>
+
+<file path=ppt/slides/slide21.xml><?xml version="1.0" encoding="utf-8"?>
+<p:sld xmlns:a="http://schemas.openxmlformats.org/drawingml/2006/main" xmlns:r="http://schemas.openxmlformats.org/officeDocument/2006/relationships" xmlns:p="http://schemas.openxmlformats.org/presentationml/2006/main">
+  <p:cSld>
+    <p:spTree>
+      <p:nvGrpSpPr>
+        <p:cNvPr id="1" name=""/>
+        <p:cNvGrpSpPr/>
+        <p:nvPr/>
+      </p:nvGrpSpPr>
+      <p:grpSpPr>
+        <a:xfrm>
+          <a:off x="0" y="0"/>
+          <a:ext cx="0" cy="0"/>
+          <a:chOff x="0" y="0"/>
+          <a:chExt cx="0" cy="0"/>
+        </a:xfrm>
+      </p:grpSpPr>
+      <p:sp>
+        <p:nvSpPr>
+          <p:cNvPr id="2" name="Title 1">
+            <a:extLst>
+              <a:ext uri="{FF2B5EF4-FFF2-40B4-BE49-F238E27FC236}">
                 <a16:creationId xmlns:a16="http://schemas.microsoft.com/office/drawing/2014/main" id="{E9A8712F-A2ED-CF22-B85E-C944A8166340}"/>
               </a:ext>
             </a:extLst>
@@ -8647,7 +8733,7 @@
 </p:sld>
 </file>
 
-<file path=ppt/slides/slide21.xml><?xml version="1.0" encoding="utf-8"?>
+<file path=ppt/slides/slide22.xml><?xml version="1.0" encoding="utf-8"?>
 <p:sld xmlns:a="http://schemas.openxmlformats.org/drawingml/2006/main" xmlns:r="http://schemas.openxmlformats.org/officeDocument/2006/relationships" xmlns:p="http://schemas.openxmlformats.org/presentationml/2006/main">
   <p:cSld>
     <p:spTree>
@@ -8783,7 +8869,7 @@
 </p:sld>
 </file>
 
-<file path=ppt/slides/slide22.xml><?xml version="1.0" encoding="utf-8"?>
+<file path=ppt/slides/slide23.xml><?xml version="1.0" encoding="utf-8"?>
 <p:sld xmlns:a="http://schemas.openxmlformats.org/drawingml/2006/main" xmlns:r="http://schemas.openxmlformats.org/officeDocument/2006/relationships" xmlns:p="http://schemas.openxmlformats.org/presentationml/2006/main">
   <p:cSld>
     <p:spTree>
@@ -8829,8 +8915,8 @@
           </a:p>
         </p:txBody>
       </p:sp>
-      <mc:AlternateContent xmlns:mc="http://schemas.openxmlformats.org/markup-compatibility/2006">
-        <mc:Choice xmlns:a14="http://schemas.microsoft.com/office/drawing/2010/main" Requires="a14">
+      <mc:AlternateContent xmlns:mc="http://schemas.openxmlformats.org/markup-compatibility/2006" xmlns:a14="http://schemas.microsoft.com/office/drawing/2010/main">
+        <mc:Choice Requires="a14">
           <p:sp>
             <p:nvSpPr>
               <p:cNvPr id="3" name="Content Placeholder 2">
@@ -9207,7 +9293,7 @@
             </p:txBody>
           </p:sp>
         </mc:Choice>
-        <mc:Fallback>
+        <mc:Fallback xmlns="">
           <p:sp>
             <p:nvSpPr>
               <p:cNvPr id="3" name="Content Placeholder 2">
@@ -9260,7 +9346,7 @@
 </p:sld>
 </file>
 
-<file path=ppt/slides/slide23.xml><?xml version="1.0" encoding="utf-8"?>
+<file path=ppt/slides/slide24.xml><?xml version="1.0" encoding="utf-8"?>
 <p:sld xmlns:a="http://schemas.openxmlformats.org/drawingml/2006/main" xmlns:r="http://schemas.openxmlformats.org/officeDocument/2006/relationships" xmlns:p="http://schemas.openxmlformats.org/presentationml/2006/main">
   <p:cSld>
     <p:spTree>
@@ -9658,7 +9744,7 @@
 </p:sld>
 </file>
 
-<file path=ppt/slides/slide24.xml><?xml version="1.0" encoding="utf-8"?>
+<file path=ppt/slides/slide25.xml><?xml version="1.0" encoding="utf-8"?>
 <p:sld xmlns:a="http://schemas.openxmlformats.org/drawingml/2006/main" xmlns:r="http://schemas.openxmlformats.org/officeDocument/2006/relationships" xmlns:p="http://schemas.openxmlformats.org/presentationml/2006/main">
   <p:cSld>
     <p:spTree>
@@ -10055,7 +10141,7 @@
 </p:sld>
 </file>
 
-<file path=ppt/slides/slide25.xml><?xml version="1.0" encoding="utf-8"?>
+<file path=ppt/slides/slide26.xml><?xml version="1.0" encoding="utf-8"?>
 <p:sld xmlns:a="http://schemas.openxmlformats.org/drawingml/2006/main" xmlns:r="http://schemas.openxmlformats.org/officeDocument/2006/relationships" xmlns:p="http://schemas.openxmlformats.org/presentationml/2006/main">
   <p:cSld>
     <p:spTree>
@@ -10158,7 +10244,7 @@
 </p:sld>
 </file>
 
-<file path=ppt/slides/slide26.xml><?xml version="1.0" encoding="utf-8"?>
+<file path=ppt/slides/slide27.xml><?xml version="1.0" encoding="utf-8"?>
 <p:sld xmlns:a="http://schemas.openxmlformats.org/drawingml/2006/main" xmlns:r="http://schemas.openxmlformats.org/officeDocument/2006/relationships" xmlns:p="http://schemas.openxmlformats.org/presentationml/2006/main">
   <p:cSld>
     <p:spTree>
@@ -10298,7 +10384,15 @@
           <a:p>
             <a:r>
               <a:rPr lang="en-GB" dirty="0"/>
-              <a:t>NA = 6.02214 </a:t>
+              <a:t>Avogadro constant: N</a:t>
+            </a:r>
+            <a:r>
+              <a:rPr lang="en-GB" baseline="-25000" dirty="0"/>
+              <a:t>A</a:t>
+            </a:r>
+            <a:r>
+              <a:rPr lang="en-GB" dirty="0"/>
+              <a:t> = 6.02214 </a:t>
             </a:r>
             <a:r>
               <a:rPr lang="en-GB" dirty="0">
@@ -10337,13 +10431,21 @@
             </a:br>
             <a:r>
               <a:rPr lang="en-GB" dirty="0"/>
-              <a:t>= 602.214 J/mol / 4184J/kcal = 0.1439 kcal/mol</a:t>
+              <a:t>= 602.214 (J/mol) / 4184J/kcal = 0.1439 kcal/mol</a:t>
             </a:r>
           </a:p>
           <a:p>
             <a:r>
               <a:rPr lang="en-GB" dirty="0"/>
-              <a:t>Boltzmann’s constant: kB = 1.381 J</a:t>
+              <a:t>Boltzmann constant: k</a:t>
+            </a:r>
+            <a:r>
+              <a:rPr lang="en-GB" baseline="-25000" dirty="0"/>
+              <a:t>B</a:t>
+            </a:r>
+            <a:r>
+              <a:rPr lang="en-GB" dirty="0"/>
+              <a:t> = 1.381 J</a:t>
             </a:r>
             <a:r>
               <a:rPr lang="en-GB" dirty="0">
@@ -10601,13 +10703,8 @@
               <a:p>
                 <a:r>
                   <a:rPr lang="en-GB" dirty="0"/>
-                  <a:t>This is called the rip probability </a:t>
-                </a:r>
-                <a:r>
-                  <a:rPr lang="en-GB" dirty="0" err="1"/>
-                  <a:t>densiy</a:t>
-                </a:r>
-                <a:endParaRPr lang="en-GB" dirty="0"/>
+                  <a:t>This is called the rip probability density</a:t>
+                </a:r>
               </a:p>
             </p:txBody>
           </p:sp>
@@ -10881,8 +10978,8 @@
           </a:p>
         </p:txBody>
       </p:sp>
-      <mc:AlternateContent xmlns:mc="http://schemas.openxmlformats.org/markup-compatibility/2006">
-        <mc:Choice xmlns:a14="http://schemas.microsoft.com/office/drawing/2010/main" Requires="a14">
+      <mc:AlternateContent xmlns:mc="http://schemas.openxmlformats.org/markup-compatibility/2006" xmlns:a14="http://schemas.microsoft.com/office/drawing/2010/main">
+        <mc:Choice Requires="a14">
           <p:sp>
             <p:nvSpPr>
               <p:cNvPr id="3" name="Content Placeholder 2">
@@ -10952,13 +11049,13 @@
                 <a14:m>
                   <m:oMath xmlns:m="http://schemas.openxmlformats.org/officeDocument/2006/math">
                     <m:r>
-                      <a:rPr lang="pt-BR" sz="2000" i="1" smtClean="0">
+                      <a:rPr lang="en-GB" sz="2000" b="0" i="1" smtClean="0">
                         <a:effectLst/>
                         <a:latin typeface="Cambria Math" panose="02040503050406030204" pitchFamily="18" charset="0"/>
                         <a:ea typeface="Arial" panose="020B0604020202020204" pitchFamily="34" charset="0"/>
                         <a:cs typeface="Times New Roman" panose="02020603050405020304" pitchFamily="18" charset="0"/>
                       </a:rPr>
-                      <m:t>𝑘</m:t>
+                      <m:t>𝐾</m:t>
                     </m:r>
                     <m:d>
                       <m:dPr>
@@ -10989,7 +11086,7 @@
             </p:txBody>
           </p:sp>
         </mc:Choice>
-        <mc:Fallback>
+        <mc:Fallback xmlns="">
           <p:sp>
             <p:nvSpPr>
               <p:cNvPr id="3" name="Content Placeholder 2">
@@ -11087,8 +11184,8 @@
           </a:p>
         </p:txBody>
       </p:sp>
-      <mc:AlternateContent xmlns:mc="http://schemas.openxmlformats.org/markup-compatibility/2006">
-        <mc:Choice xmlns:a14="http://schemas.microsoft.com/office/drawing/2010/main" Requires="a14">
+      <mc:AlternateContent xmlns:mc="http://schemas.openxmlformats.org/markup-compatibility/2006" xmlns:a14="http://schemas.microsoft.com/office/drawing/2010/main">
+        <mc:Choice Requires="a14">
           <p:sp>
             <p:nvSpPr>
               <p:cNvPr id="3" name="Content Placeholder 2">
@@ -11496,18 +11593,24 @@
                     <m:sSub>
                       <m:sSubPr>
                         <m:ctrlPr>
-                          <a:rPr lang="en-GB" sz="2000" i="1"/>
+                          <a:rPr lang="en-GB" sz="2000" i="1">
+                            <a:latin typeface="Cambria Math" panose="02040503050406030204" pitchFamily="18" charset="0"/>
+                          </a:rPr>
                         </m:ctrlPr>
                       </m:sSubPr>
                       <m:e>
                         <m:r>
-                          <a:rPr lang="pt-BR" sz="2000" i="1"/>
+                          <a:rPr lang="pt-BR" sz="2000" i="1">
+                            <a:latin typeface="Cambria Math" panose="02040503050406030204" pitchFamily="18" charset="0"/>
+                          </a:rPr>
                           <m:t>𝑘</m:t>
                         </m:r>
                       </m:e>
                       <m:sub>
                         <m:r>
-                          <a:rPr lang="pt-BR" sz="2000"/>
+                          <a:rPr lang="pt-BR" sz="2000">
+                            <a:latin typeface="Cambria Math" panose="02040503050406030204" pitchFamily="18" charset="0"/>
+                          </a:rPr>
                           <m:t>0</m:t>
                         </m:r>
                       </m:sub>
@@ -11798,7 +11901,7 @@
             </p:txBody>
           </p:sp>
         </mc:Choice>
-        <mc:Fallback>
+        <mc:Fallback xmlns="">
           <p:sp>
             <p:nvSpPr>
               <p:cNvPr id="3" name="Content Placeholder 2">
@@ -11920,7 +12023,7 @@
           <p:cNvPr id="2" name="Title 1">
             <a:extLst>
               <a:ext uri="{FF2B5EF4-FFF2-40B4-BE49-F238E27FC236}">
-                <a16:creationId xmlns:a16="http://schemas.microsoft.com/office/drawing/2014/main" id="{28204941-CFBA-E2DD-FA54-3F1D6D719AF9}"/>
+                <a16:creationId xmlns:a16="http://schemas.microsoft.com/office/drawing/2014/main" id="{FE9B02C2-B9E1-FE59-87E5-1DA8A200E97D}"/>
               </a:ext>
             </a:extLst>
           </p:cNvPr>
@@ -11938,7 +12041,7 @@
           <a:p>
             <a:r>
               <a:rPr lang="en-GB" dirty="0"/>
-              <a:t>Rip probability density function </a:t>
+              <a:t>Rip probability density function</a:t>
             </a:r>
           </a:p>
         </p:txBody>
@@ -11950,7 +12053,7 @@
               <p:cNvPr id="3" name="Content Placeholder 2">
                 <a:extLst>
                   <a:ext uri="{FF2B5EF4-FFF2-40B4-BE49-F238E27FC236}">
-                    <a16:creationId xmlns:a16="http://schemas.microsoft.com/office/drawing/2014/main" id="{D1811B9B-2387-59CA-6C35-EAC4C6D9ED53}"/>
+                    <a16:creationId xmlns:a16="http://schemas.microsoft.com/office/drawing/2014/main" id="{EDD74A73-FA02-253F-C1F1-8AE153682E67}"/>
                   </a:ext>
                 </a:extLst>
               </p:cNvPr>
@@ -11964,76 +12067,100 @@
             <p:spPr/>
             <p:txBody>
               <a:bodyPr>
-                <a:normAutofit fontScale="92500" lnSpcReduction="20000"/>
+                <a:normAutofit lnSpcReduction="10000"/>
               </a:bodyPr>
               <a:lstStyle/>
               <a:p>
                 <a:r>
                   <a:rPr lang="en-GB" sz="2400" dirty="0"/>
-                  <a:t>The probability that the rip will take place in a small force interval from </a:t>
+                  <a:t>Let </a:t>
                 </a:r>
                 <a14:m>
                   <m:oMath xmlns:m="http://schemas.openxmlformats.org/officeDocument/2006/math">
                     <m:r>
-                      <a:rPr lang="en-GB" sz="2400" i="1">
+                      <a:rPr lang="en-GB" sz="2400" i="1" kern="100">
+                        <a:effectLst/>
+                        <a:ea typeface="Times New Roman" panose="02020603050405020304" pitchFamily="18" charset="0"/>
+                        <a:cs typeface="Times New Roman" panose="02020603050405020304" pitchFamily="18" charset="0"/>
+                      </a:rPr>
+                      <m:t>𝑆</m:t>
+                    </m:r>
+                    <m:d>
+                      <m:dPr>
+                        <m:ctrlPr>
+                          <a:rPr lang="en-GB" sz="2400" i="1" kern="100">
+                            <a:effectLst/>
+                            <a:ea typeface="Times New Roman" panose="02020603050405020304" pitchFamily="18" charset="0"/>
+                            <a:cs typeface="Times New Roman" panose="02020603050405020304" pitchFamily="18" charset="0"/>
+                          </a:rPr>
+                        </m:ctrlPr>
+                      </m:dPr>
+                      <m:e>
+                        <m:r>
+                          <a:rPr lang="en-GB" sz="2400" i="1" kern="100">
+                            <a:effectLst/>
+                            <a:ea typeface="Times New Roman" panose="02020603050405020304" pitchFamily="18" charset="0"/>
+                            <a:cs typeface="Times New Roman" panose="02020603050405020304" pitchFamily="18" charset="0"/>
+                          </a:rPr>
+                          <m:t>𝐹</m:t>
+                        </m:r>
+                      </m:e>
+                    </m:d>
+                  </m:oMath>
+                </a14:m>
+                <a:r>
+                  <a:rPr lang="en-GB" sz="2400" kern="100" dirty="0">
+                    <a:effectLst/>
+                    <a:ea typeface="Aptos" panose="020B0004020202020204" pitchFamily="34" charset="0"/>
+                    <a:cs typeface="Times New Roman" panose="02020603050405020304" pitchFamily="18" charset="0"/>
+                  </a:rPr>
+                  <a:t> be the probability that the protein is unfolded at force </a:t>
+                </a:r>
+                <a14:m>
+                  <m:oMath xmlns:m="http://schemas.openxmlformats.org/officeDocument/2006/math">
+                    <m:r>
+                      <a:rPr lang="en-GB" sz="2400" i="1" kern="100">
                         <a:latin typeface="Cambria Math" panose="02040503050406030204" pitchFamily="18" charset="0"/>
+                        <a:ea typeface="Times New Roman" panose="02020603050405020304" pitchFamily="18" charset="0"/>
+                        <a:cs typeface="Times New Roman" panose="02020603050405020304" pitchFamily="18" charset="0"/>
                       </a:rPr>
                       <m:t>𝐹</m:t>
                     </m:r>
                   </m:oMath>
                 </a14:m>
-                <a:r>
-                  <a:rPr lang="en-GB" sz="2400" dirty="0"/>
-                  <a:t> to </a:t>
+                <a:endParaRPr lang="en-GB" sz="2400" kern="100" dirty="0">
+                  <a:ea typeface="Times New Roman" panose="02020603050405020304" pitchFamily="18" charset="0"/>
+                  <a:cs typeface="Times New Roman" panose="02020603050405020304" pitchFamily="18" charset="0"/>
+                </a:endParaRPr>
+              </a:p>
+              <a:p>
+                <a:r>
+                  <a:rPr lang="en-GB" sz="2400" kern="100" dirty="0">
+                    <a:effectLst/>
+                    <a:ea typeface="Aptos" panose="020B0004020202020204" pitchFamily="34" charset="0"/>
+                    <a:cs typeface="Times New Roman" panose="02020603050405020304" pitchFamily="18" charset="0"/>
+                  </a:rPr>
+                  <a:t> The rip probability density function is defined by </a:t>
                 </a:r>
                 <a14:m>
                   <m:oMath xmlns:m="http://schemas.openxmlformats.org/officeDocument/2006/math">
                     <m:r>
-                      <a:rPr lang="en-GB" sz="2400" i="1">
+                      <a:rPr lang="en-GB" sz="2000" i="1">
                         <a:latin typeface="Cambria Math" panose="02040503050406030204" pitchFamily="18" charset="0"/>
                       </a:rPr>
-                      <m:t>𝐹</m:t>
-                    </m:r>
-                    <m:r>
-                      <a:rPr lang="en-GB" sz="2400" i="1">
-                        <a:latin typeface="Cambria Math" panose="02040503050406030204" pitchFamily="18" charset="0"/>
-                      </a:rPr>
-                      <m:t>+∆</m:t>
-                    </m:r>
-                    <m:r>
-                      <a:rPr lang="en-GB" sz="2400" i="1">
-                        <a:latin typeface="Cambria Math" panose="02040503050406030204" pitchFamily="18" charset="0"/>
-                      </a:rPr>
-                      <m:t>𝐹</m:t>
-                    </m:r>
-                  </m:oMath>
-                </a14:m>
-                <a:r>
-                  <a:rPr lang="en-GB" sz="2400" dirty="0"/>
-                  <a:t> is </a:t>
-                </a:r>
-                <a14:m>
-                  <m:oMath xmlns:m="http://schemas.openxmlformats.org/officeDocument/2006/math">
-                    <m:r>
-                      <m:rPr>
-                        <m:sty m:val="p"/>
-                      </m:rPr>
-                      <a:rPr lang="en-GB" sz="2400" b="0" i="0" smtClean="0">
-                        <a:latin typeface="Cambria Math" panose="02040503050406030204" pitchFamily="18" charset="0"/>
-                      </a:rPr>
-                      <m:t>S</m:t>
+                      <m:t>𝑝</m:t>
                     </m:r>
                     <m:d>
                       <m:dPr>
                         <m:ctrlPr>
-                          <a:rPr lang="en-GB" sz="2400" i="1">
+                          <a:rPr lang="en-GB" sz="2000" i="1">
                             <a:latin typeface="Cambria Math" panose="02040503050406030204" pitchFamily="18" charset="0"/>
                           </a:rPr>
                         </m:ctrlPr>
                       </m:dPr>
                       <m:e>
                         <m:r>
-                          <a:rPr lang="en-GB" sz="2400" i="1">
+                          <a:rPr lang="en-GB" sz="2000" i="1">
                             <a:latin typeface="Cambria Math" panose="02040503050406030204" pitchFamily="18" charset="0"/>
                           </a:rPr>
                           <m:t>𝐹</m:t>
@@ -12041,33 +12168,424 @@
                       </m:e>
                     </m:d>
                     <m:r>
-                      <a:rPr lang="en-GB" sz="2400" i="1">
+                      <a:rPr lang="en-GB" sz="2000" i="1">
                         <a:latin typeface="Cambria Math" panose="02040503050406030204" pitchFamily="18" charset="0"/>
                       </a:rPr>
-                      <m:t>∆</m:t>
+                      <m:t>=−</m:t>
                     </m:r>
-                    <m:r>
-                      <a:rPr lang="en-GB" sz="2400" i="1">
-                        <a:latin typeface="Cambria Math" panose="02040503050406030204" pitchFamily="18" charset="0"/>
-                      </a:rPr>
-                      <m:t>𝐹</m:t>
-                    </m:r>
+                    <m:f>
+                      <m:fPr>
+                        <m:ctrlPr>
+                          <a:rPr lang="en-GB" sz="2000" i="1">
+                            <a:latin typeface="Cambria Math" panose="02040503050406030204" pitchFamily="18" charset="0"/>
+                          </a:rPr>
+                        </m:ctrlPr>
+                      </m:fPr>
+                      <m:num>
+                        <m:r>
+                          <a:rPr lang="en-GB" sz="2000" i="1">
+                            <a:latin typeface="Cambria Math" panose="02040503050406030204" pitchFamily="18" charset="0"/>
+                          </a:rPr>
+                          <m:t>𝑑𝑆</m:t>
+                        </m:r>
+                      </m:num>
+                      <m:den>
+                        <m:r>
+                          <a:rPr lang="en-GB" sz="2000" i="1">
+                            <a:latin typeface="Cambria Math" panose="02040503050406030204" pitchFamily="18" charset="0"/>
+                          </a:rPr>
+                          <m:t>𝑑𝐹</m:t>
+                        </m:r>
+                      </m:den>
+                    </m:f>
                   </m:oMath>
                 </a14:m>
                 <a:r>
+                  <a:rPr lang="en-GB" sz="2400" kern="100" dirty="0">
+                    <a:effectLst/>
+                    <a:ea typeface="Aptos" panose="020B0004020202020204" pitchFamily="34" charset="0"/>
+                    <a:cs typeface="Times New Roman" panose="02020603050405020304" pitchFamily="18" charset="0"/>
+                  </a:rPr>
+                  <a:t> </a:t>
+                </a:r>
+                <a:endParaRPr lang="en-GB" sz="2400" dirty="0"/>
+              </a:p>
+              <a:p>
+                <a:r>
                   <a:rPr lang="en-GB" sz="2400" dirty="0"/>
-                  <a:t>, where </a:t>
+                  <a:t>If the force increases at a constant rate </a:t>
+                </a:r>
+                <a14:m>
+                  <m:oMath xmlns:m="http://schemas.openxmlformats.org/officeDocument/2006/math">
+                    <m:acc>
+                      <m:accPr>
+                        <m:chr m:val="̇"/>
+                        <m:ctrlPr>
+                          <a:rPr lang="en-GB" sz="2000"/>
+                        </m:ctrlPr>
+                      </m:accPr>
+                      <m:e>
+                        <m:r>
+                          <a:rPr lang="en-GB" sz="2000"/>
+                          <m:t>𝐹</m:t>
+                        </m:r>
+                      </m:e>
+                    </m:acc>
+                    <m:r>
+                      <a:rPr lang="en-GB" sz="2000"/>
+                      <m:t>=</m:t>
+                    </m:r>
+                    <m:f>
+                      <m:fPr>
+                        <m:ctrlPr>
+                          <a:rPr lang="en-GB" sz="2000"/>
+                        </m:ctrlPr>
+                      </m:fPr>
+                      <m:num>
+                        <m:r>
+                          <a:rPr lang="en-GB" sz="2000"/>
+                          <m:t>𝑑𝐹</m:t>
+                        </m:r>
+                      </m:num>
+                      <m:den>
+                        <m:r>
+                          <a:rPr lang="en-GB" sz="2000"/>
+                          <m:t>𝑑𝑡</m:t>
+                        </m:r>
+                      </m:den>
+                    </m:f>
+                  </m:oMath>
+                </a14:m>
+                <a:r>
+                  <a:rPr lang="en-GB" sz="2400" dirty="0"/>
+                  <a:t> we get:</a:t>
+                </a:r>
+                <a:br>
+                  <a:rPr lang="en-GB" sz="2400" dirty="0"/>
+                </a:br>
+                <a:endParaRPr lang="en-GB" sz="900" dirty="0"/>
+              </a:p>
+              <a:p>
+                <a:pPr marL="0" indent="0">
+                  <a:buNone/>
+                </a:pPr>
+                <a14:m>
+                  <m:oMathPara xmlns:m="http://schemas.openxmlformats.org/officeDocument/2006/math">
+                    <m:oMathParaPr>
+                      <m:jc m:val="centerGroup"/>
+                    </m:oMathParaPr>
+                    <m:oMath xmlns:m="http://schemas.openxmlformats.org/officeDocument/2006/math">
+                      <m:r>
+                        <a:rPr lang="en-GB" sz="2000" i="1" smtClean="0">
+                          <a:latin typeface="Cambria Math" panose="02040503050406030204" pitchFamily="18" charset="0"/>
+                        </a:rPr>
+                        <m:t>𝑝</m:t>
+                      </m:r>
+                      <m:d>
+                        <m:dPr>
+                          <m:ctrlPr>
+                            <a:rPr lang="en-GB" sz="2000" i="1">
+                              <a:latin typeface="Cambria Math" panose="02040503050406030204" pitchFamily="18" charset="0"/>
+                            </a:rPr>
+                          </m:ctrlPr>
+                        </m:dPr>
+                        <m:e>
+                          <m:r>
+                            <a:rPr lang="en-GB" sz="2000" i="1">
+                              <a:latin typeface="Cambria Math" panose="02040503050406030204" pitchFamily="18" charset="0"/>
+                            </a:rPr>
+                            <m:t>𝐹</m:t>
+                          </m:r>
+                        </m:e>
+                      </m:d>
+                      <m:r>
+                        <a:rPr lang="en-GB" sz="2000" b="0" i="1" smtClean="0">
+                          <a:latin typeface="Cambria Math" panose="02040503050406030204" pitchFamily="18" charset="0"/>
+                        </a:rPr>
+                        <m:t>=</m:t>
+                      </m:r>
+                      <m:f>
+                        <m:fPr>
+                          <m:ctrlPr>
+                            <a:rPr lang="en-GB" sz="2000" i="1">
+                              <a:latin typeface="Cambria Math" panose="02040503050406030204" pitchFamily="18" charset="0"/>
+                            </a:rPr>
+                          </m:ctrlPr>
+                        </m:fPr>
+                        <m:num>
+                          <m:r>
+                            <a:rPr lang="en-GB" sz="2000" b="0" i="1" smtClean="0">
+                              <a:latin typeface="Cambria Math" panose="02040503050406030204" pitchFamily="18" charset="0"/>
+                            </a:rPr>
+                            <m:t>𝐾</m:t>
+                          </m:r>
+                          <m:d>
+                            <m:dPr>
+                              <m:ctrlPr>
+                                <a:rPr lang="en-GB" sz="2000" i="1">
+                                  <a:latin typeface="Cambria Math" panose="02040503050406030204" pitchFamily="18" charset="0"/>
+                                </a:rPr>
+                              </m:ctrlPr>
+                            </m:dPr>
+                            <m:e>
+                              <m:r>
+                                <a:rPr lang="en-GB" sz="2000" i="1">
+                                  <a:latin typeface="Cambria Math" panose="02040503050406030204" pitchFamily="18" charset="0"/>
+                                </a:rPr>
+                                <m:t>𝐹</m:t>
+                              </m:r>
+                            </m:e>
+                          </m:d>
+                        </m:num>
+                        <m:den>
+                          <m:acc>
+                            <m:accPr>
+                              <m:chr m:val="̇"/>
+                              <m:ctrlPr>
+                                <a:rPr lang="en-GB" sz="2000" i="1">
+                                  <a:latin typeface="Cambria Math" panose="02040503050406030204" pitchFamily="18" charset="0"/>
+                                </a:rPr>
+                              </m:ctrlPr>
+                            </m:accPr>
+                            <m:e>
+                              <m:r>
+                                <a:rPr lang="en-GB" sz="2000" i="1">
+                                  <a:latin typeface="Cambria Math" panose="02040503050406030204" pitchFamily="18" charset="0"/>
+                                </a:rPr>
+                                <m:t>𝐹</m:t>
+                              </m:r>
+                            </m:e>
+                          </m:acc>
+                        </m:den>
+                      </m:f>
+                      <m:r>
+                        <m:rPr>
+                          <m:sty m:val="p"/>
+                        </m:rPr>
+                        <a:rPr lang="en-GB" sz="2000" b="0" i="0" smtClean="0">
+                          <a:latin typeface="Cambria Math" panose="02040503050406030204" pitchFamily="18" charset="0"/>
+                        </a:rPr>
+                        <m:t>S</m:t>
+                      </m:r>
+                      <m:d>
+                        <m:dPr>
+                          <m:ctrlPr>
+                            <a:rPr lang="en-GB" sz="2000" i="1">
+                              <a:latin typeface="Cambria Math" panose="02040503050406030204" pitchFamily="18" charset="0"/>
+                            </a:rPr>
+                          </m:ctrlPr>
+                        </m:dPr>
+                        <m:e>
+                          <m:r>
+                            <a:rPr lang="en-GB" sz="2000" i="1">
+                              <a:latin typeface="Cambria Math" panose="02040503050406030204" pitchFamily="18" charset="0"/>
+                            </a:rPr>
+                            <m:t>𝐹</m:t>
+                          </m:r>
+                        </m:e>
+                      </m:d>
+                      <m:r>
+                        <a:rPr lang="en-GB" sz="2000" i="1" smtClean="0">
+                          <a:latin typeface="Cambria Math" panose="02040503050406030204" pitchFamily="18" charset="0"/>
+                        </a:rPr>
+                        <m:t>=</m:t>
+                      </m:r>
+                      <m:f>
+                        <m:fPr>
+                          <m:ctrlPr>
+                            <a:rPr lang="en-GB" sz="2000" i="1">
+                              <a:latin typeface="Cambria Math" panose="02040503050406030204" pitchFamily="18" charset="0"/>
+                            </a:rPr>
+                          </m:ctrlPr>
+                        </m:fPr>
+                        <m:num>
+                          <m:r>
+                            <a:rPr lang="en-GB" sz="2000" b="0" i="1" smtClean="0">
+                              <a:latin typeface="Cambria Math" panose="02040503050406030204" pitchFamily="18" charset="0"/>
+                            </a:rPr>
+                            <m:t>𝐾</m:t>
+                          </m:r>
+                          <m:d>
+                            <m:dPr>
+                              <m:ctrlPr>
+                                <a:rPr lang="en-GB" sz="2000" i="1">
+                                  <a:latin typeface="Cambria Math" panose="02040503050406030204" pitchFamily="18" charset="0"/>
+                                </a:rPr>
+                              </m:ctrlPr>
+                            </m:dPr>
+                            <m:e>
+                              <m:r>
+                                <a:rPr lang="en-GB" sz="2000" i="1">
+                                  <a:latin typeface="Cambria Math" panose="02040503050406030204" pitchFamily="18" charset="0"/>
+                                </a:rPr>
+                                <m:t>𝐹</m:t>
+                              </m:r>
+                            </m:e>
+                          </m:d>
+                        </m:num>
+                        <m:den>
+                          <m:acc>
+                            <m:accPr>
+                              <m:chr m:val="̇"/>
+                              <m:ctrlPr>
+                                <a:rPr lang="en-GB" sz="2000" i="1">
+                                  <a:latin typeface="Cambria Math" panose="02040503050406030204" pitchFamily="18" charset="0"/>
+                                </a:rPr>
+                              </m:ctrlPr>
+                            </m:accPr>
+                            <m:e>
+                              <m:r>
+                                <a:rPr lang="en-GB" sz="2000" i="1">
+                                  <a:latin typeface="Cambria Math" panose="02040503050406030204" pitchFamily="18" charset="0"/>
+                                </a:rPr>
+                                <m:t>𝐹</m:t>
+                              </m:r>
+                            </m:e>
+                          </m:acc>
+                        </m:den>
+                      </m:f>
+                      <m:sSup>
+                        <m:sSupPr>
+                          <m:ctrlPr>
+                            <a:rPr lang="en-GB" sz="2000" i="1">
+                              <a:latin typeface="Cambria Math" panose="02040503050406030204" pitchFamily="18" charset="0"/>
+                            </a:rPr>
+                          </m:ctrlPr>
+                        </m:sSupPr>
+                        <m:e>
+                          <m:r>
+                            <a:rPr lang="en-GB" sz="2000" i="1">
+                              <a:latin typeface="Cambria Math" panose="02040503050406030204" pitchFamily="18" charset="0"/>
+                            </a:rPr>
+                            <m:t>𝑒</m:t>
+                          </m:r>
+                        </m:e>
+                        <m:sup>
+                          <m:r>
+                            <a:rPr lang="en-GB" sz="2000" i="1">
+                              <a:latin typeface="Cambria Math" panose="02040503050406030204" pitchFamily="18" charset="0"/>
+                            </a:rPr>
+                            <m:t>−</m:t>
+                          </m:r>
+                          <m:nary>
+                            <m:naryPr>
+                              <m:limLoc m:val="subSup"/>
+                              <m:ctrlPr>
+                                <a:rPr lang="en-GB" sz="2000" i="1">
+                                  <a:latin typeface="Cambria Math" panose="02040503050406030204" pitchFamily="18" charset="0"/>
+                                </a:rPr>
+                              </m:ctrlPr>
+                            </m:naryPr>
+                            <m:sub>
+                              <m:r>
+                                <a:rPr lang="en-GB" sz="2000" i="1">
+                                  <a:latin typeface="Cambria Math" panose="02040503050406030204" pitchFamily="18" charset="0"/>
+                                </a:rPr>
+                                <m:t>0</m:t>
+                              </m:r>
+                            </m:sub>
+                            <m:sup>
+                              <m:r>
+                                <a:rPr lang="en-GB" sz="2000" i="1">
+                                  <a:latin typeface="Cambria Math" panose="02040503050406030204" pitchFamily="18" charset="0"/>
+                                </a:rPr>
+                                <m:t>𝐹</m:t>
+                              </m:r>
+                            </m:sup>
+                            <m:e>
+                              <m:r>
+                                <a:rPr lang="en-GB" sz="2000" i="1">
+                                  <a:latin typeface="Cambria Math" panose="02040503050406030204" pitchFamily="18" charset="0"/>
+                                </a:rPr>
+                                <m:t> </m:t>
+                              </m:r>
+                              <m:f>
+                                <m:fPr>
+                                  <m:ctrlPr>
+                                    <a:rPr lang="en-GB" sz="2000" i="1">
+                                      <a:latin typeface="Cambria Math" panose="02040503050406030204" pitchFamily="18" charset="0"/>
+                                    </a:rPr>
+                                  </m:ctrlPr>
+                                </m:fPr>
+                                <m:num>
+                                  <m:r>
+                                    <a:rPr lang="en-GB" sz="2000" b="0" i="1" smtClean="0">
+                                      <a:latin typeface="Cambria Math" panose="02040503050406030204" pitchFamily="18" charset="0"/>
+                                    </a:rPr>
+                                    <m:t>𝐾</m:t>
+                                  </m:r>
+                                  <m:d>
+                                    <m:dPr>
+                                      <m:ctrlPr>
+                                        <a:rPr lang="en-GB" sz="2000" i="1">
+                                          <a:latin typeface="Cambria Math" panose="02040503050406030204" pitchFamily="18" charset="0"/>
+                                        </a:rPr>
+                                      </m:ctrlPr>
+                                    </m:dPr>
+                                    <m:e>
+                                      <m:r>
+                                        <a:rPr lang="en-GB" sz="2000" i="1">
+                                          <a:latin typeface="Cambria Math" panose="02040503050406030204" pitchFamily="18" charset="0"/>
+                                        </a:rPr>
+                                        <m:t>𝑓</m:t>
+                                      </m:r>
+                                    </m:e>
+                                  </m:d>
+                                </m:num>
+                                <m:den>
+                                  <m:acc>
+                                    <m:accPr>
+                                      <m:chr m:val="̇"/>
+                                      <m:ctrlPr>
+                                        <a:rPr lang="en-GB" sz="2000" i="1">
+                                          <a:latin typeface="Cambria Math" panose="02040503050406030204" pitchFamily="18" charset="0"/>
+                                        </a:rPr>
+                                      </m:ctrlPr>
+                                    </m:accPr>
+                                    <m:e>
+                                      <m:r>
+                                        <a:rPr lang="en-GB" sz="2000" i="1">
+                                          <a:latin typeface="Cambria Math" panose="02040503050406030204" pitchFamily="18" charset="0"/>
+                                        </a:rPr>
+                                        <m:t>𝐹</m:t>
+                                      </m:r>
+                                    </m:e>
+                                  </m:acc>
+                                </m:den>
+                              </m:f>
+                              <m:r>
+                                <a:rPr lang="en-GB" sz="2000" i="1">
+                                  <a:latin typeface="Cambria Math" panose="02040503050406030204" pitchFamily="18" charset="0"/>
+                                </a:rPr>
+                                <m:t> </m:t>
+                              </m:r>
+                              <m:r>
+                                <a:rPr lang="en-GB" sz="2000" i="1">
+                                  <a:latin typeface="Cambria Math" panose="02040503050406030204" pitchFamily="18" charset="0"/>
+                                </a:rPr>
+                                <m:t>𝑑𝑓</m:t>
+                              </m:r>
+                            </m:e>
+                          </m:nary>
+                        </m:sup>
+                      </m:sSup>
+                    </m:oMath>
+                  </m:oMathPara>
+                </a14:m>
+                <a:endParaRPr lang="en-GB" sz="2000" dirty="0"/>
+              </a:p>
+              <a:p>
+                <a:r>
+                  <a:rPr lang="en-GB" sz="2400" dirty="0"/>
+                  <a:t>Inserting the Bell expression for </a:t>
                 </a:r>
                 <a14:m>
                   <m:oMath xmlns:m="http://schemas.openxmlformats.org/officeDocument/2006/math">
                     <m:r>
-                      <m:rPr>
-                        <m:sty m:val="p"/>
-                      </m:rPr>
-                      <a:rPr lang="en-GB" sz="2400" b="0" i="0" smtClean="0">
+                      <a:rPr lang="en-GB" sz="2400" b="0" i="1" smtClean="0">
                         <a:latin typeface="Cambria Math" panose="02040503050406030204" pitchFamily="18" charset="0"/>
                       </a:rPr>
-                      <m:t>S</m:t>
+                      <m:t>𝐾</m:t>
                     </m:r>
                     <m:d>
                       <m:dPr>
@@ -12090,377 +12608,12 @@
                 </a14:m>
                 <a:r>
                   <a:rPr lang="en-GB" sz="2400" dirty="0"/>
-                  <a:t> is the probability that the protein has not already  unfolded. </a:t>
-                </a:r>
-              </a:p>
-              <a:p>
-                <a:r>
-                  <a:rPr lang="en-GB" sz="2400" dirty="0"/>
-                  <a:t>If the pulling force increases with time at a steady rate </a:t>
-                </a:r>
-                <a14:m>
-                  <m:oMath xmlns:m="http://schemas.openxmlformats.org/officeDocument/2006/math">
-                    <m:acc>
-                      <m:accPr>
-                        <m:chr m:val="̇"/>
-                        <m:ctrlPr>
-                          <a:rPr lang="en-GB" sz="2400" i="1"/>
-                        </m:ctrlPr>
-                      </m:accPr>
-                      <m:e>
-                        <m:r>
-                          <a:rPr lang="en-GB" sz="2400" i="1"/>
-                          <m:t>𝐹</m:t>
-                        </m:r>
-                      </m:e>
-                    </m:acc>
-                  </m:oMath>
-                </a14:m>
-                <a:r>
-                  <a:rPr lang="en-GB" dirty="0"/>
-                  <a:t>:</a:t>
-                </a:r>
-                <a:br>
-                  <a:rPr lang="en-GB" dirty="0"/>
-                </a:br>
-                <a:br>
-                  <a:rPr lang="en-GB" dirty="0"/>
-                </a:br>
-                <a:br>
-                  <a:rPr lang="en-GB" sz="1000" dirty="0"/>
-                </a:br>
-                <a14:m>
-                  <m:oMath xmlns:m="http://schemas.openxmlformats.org/officeDocument/2006/math">
-                    <m:r>
-                      <a:rPr lang="en-GB" sz="2200" i="1"/>
-                      <m:t>𝑝</m:t>
-                    </m:r>
-                    <m:d>
-                      <m:dPr>
-                        <m:ctrlPr>
-                          <a:rPr lang="en-GB" sz="2200" i="1"/>
-                        </m:ctrlPr>
-                      </m:dPr>
-                      <m:e>
-                        <m:r>
-                          <a:rPr lang="en-GB" sz="2200" i="1"/>
-                          <m:t>𝐹</m:t>
-                        </m:r>
-                      </m:e>
-                    </m:d>
-                    <m:r>
-                      <a:rPr lang="en-GB" sz="2200" i="1"/>
-                      <m:t>=</m:t>
-                    </m:r>
-                    <m:f>
-                      <m:fPr>
-                        <m:ctrlPr>
-                          <a:rPr lang="en-GB" sz="2200" i="1"/>
-                        </m:ctrlPr>
-                      </m:fPr>
-                      <m:num>
-                        <m:r>
-                          <a:rPr lang="en-GB" sz="2200" b="0" i="1" smtClean="0">
-                            <a:latin typeface="Cambria Math" panose="02040503050406030204" pitchFamily="18" charset="0"/>
-                          </a:rPr>
-                          <m:t>𝐾</m:t>
-                        </m:r>
-                        <m:d>
-                          <m:dPr>
-                            <m:ctrlPr>
-                              <a:rPr lang="en-GB" sz="2200" i="1"/>
-                            </m:ctrlPr>
-                          </m:dPr>
-                          <m:e>
-                            <m:r>
-                              <a:rPr lang="en-GB" sz="2200" i="1"/>
-                              <m:t>𝐹</m:t>
-                            </m:r>
-                          </m:e>
-                        </m:d>
-                      </m:num>
-                      <m:den>
-                        <m:acc>
-                          <m:accPr>
-                            <m:chr m:val="̇"/>
-                            <m:ctrlPr>
-                              <a:rPr lang="en-GB" sz="2200" i="1"/>
-                            </m:ctrlPr>
-                          </m:accPr>
-                          <m:e>
-                            <m:r>
-                              <a:rPr lang="en-GB" sz="2200" i="1"/>
-                              <m:t>𝐹</m:t>
-                            </m:r>
-                          </m:e>
-                        </m:acc>
-                      </m:den>
-                    </m:f>
-                    <m:r>
-                      <m:rPr>
-                        <m:sty m:val="p"/>
-                      </m:rPr>
-                      <a:rPr lang="en-GB" sz="2000" b="0" i="0" smtClean="0">
-                        <a:latin typeface="Cambria Math" panose="02040503050406030204" pitchFamily="18" charset="0"/>
-                      </a:rPr>
-                      <m:t>S</m:t>
-                    </m:r>
-                    <m:d>
-                      <m:dPr>
-                        <m:ctrlPr>
-                          <a:rPr lang="en-GB" sz="2000" i="1">
-                            <a:latin typeface="Cambria Math" panose="02040503050406030204" pitchFamily="18" charset="0"/>
-                          </a:rPr>
-                        </m:ctrlPr>
-                      </m:dPr>
-                      <m:e>
-                        <m:r>
-                          <a:rPr lang="en-GB" sz="2000" i="1">
-                            <a:latin typeface="Cambria Math" panose="02040503050406030204" pitchFamily="18" charset="0"/>
-                          </a:rPr>
-                          <m:t>𝐹</m:t>
-                        </m:r>
-                      </m:e>
-                    </m:d>
-                    <m:r>
-                      <a:rPr lang="en-GB" sz="2000" i="1" smtClean="0">
-                        <a:latin typeface="Cambria Math" panose="02040503050406030204" pitchFamily="18" charset="0"/>
-                      </a:rPr>
-                      <m:t>=</m:t>
-                    </m:r>
-                    <m:f>
-                      <m:fPr>
-                        <m:ctrlPr>
-                          <a:rPr lang="en-GB" sz="2000" i="1">
-                            <a:latin typeface="Cambria Math" panose="02040503050406030204" pitchFamily="18" charset="0"/>
-                          </a:rPr>
-                        </m:ctrlPr>
-                      </m:fPr>
-                      <m:num>
-                        <m:r>
-                          <a:rPr lang="en-GB" sz="2000" b="0" i="1" smtClean="0">
-                            <a:latin typeface="Cambria Math" panose="02040503050406030204" pitchFamily="18" charset="0"/>
-                          </a:rPr>
-                          <m:t>𝐾</m:t>
-                        </m:r>
-                        <m:d>
-                          <m:dPr>
-                            <m:ctrlPr>
-                              <a:rPr lang="en-GB" sz="2000" i="1">
-                                <a:latin typeface="Cambria Math" panose="02040503050406030204" pitchFamily="18" charset="0"/>
-                              </a:rPr>
-                            </m:ctrlPr>
-                          </m:dPr>
-                          <m:e>
-                            <m:r>
-                              <a:rPr lang="en-GB" sz="2000" i="1">
-                                <a:latin typeface="Cambria Math" panose="02040503050406030204" pitchFamily="18" charset="0"/>
-                              </a:rPr>
-                              <m:t>𝐹</m:t>
-                            </m:r>
-                          </m:e>
-                        </m:d>
-                      </m:num>
-                      <m:den>
-                        <m:acc>
-                          <m:accPr>
-                            <m:chr m:val="̇"/>
-                            <m:ctrlPr>
-                              <a:rPr lang="en-GB" sz="2000" i="1">
-                                <a:latin typeface="Cambria Math" panose="02040503050406030204" pitchFamily="18" charset="0"/>
-                              </a:rPr>
-                            </m:ctrlPr>
-                          </m:accPr>
-                          <m:e>
-                            <m:r>
-                              <a:rPr lang="en-GB" sz="2000" i="1">
-                                <a:latin typeface="Cambria Math" panose="02040503050406030204" pitchFamily="18" charset="0"/>
-                              </a:rPr>
-                              <m:t>𝐹</m:t>
-                            </m:r>
-                          </m:e>
-                        </m:acc>
-                      </m:den>
-                    </m:f>
-                    <m:sSup>
-                      <m:sSupPr>
-                        <m:ctrlPr>
-                          <a:rPr lang="en-GB" sz="2000" i="1">
-                            <a:latin typeface="Cambria Math" panose="02040503050406030204" pitchFamily="18" charset="0"/>
-                          </a:rPr>
-                        </m:ctrlPr>
-                      </m:sSupPr>
-                      <m:e>
-                        <m:r>
-                          <a:rPr lang="en-GB" sz="2000" i="1">
-                            <a:latin typeface="Cambria Math" panose="02040503050406030204" pitchFamily="18" charset="0"/>
-                          </a:rPr>
-                          <m:t>𝑒</m:t>
-                        </m:r>
-                      </m:e>
-                      <m:sup>
-                        <m:r>
-                          <a:rPr lang="en-GB" sz="2000" i="1">
-                            <a:latin typeface="Cambria Math" panose="02040503050406030204" pitchFamily="18" charset="0"/>
-                          </a:rPr>
-                          <m:t>−</m:t>
-                        </m:r>
-                        <m:nary>
-                          <m:naryPr>
-                            <m:limLoc m:val="subSup"/>
-                            <m:ctrlPr>
-                              <a:rPr lang="en-GB" sz="2000" i="1">
-                                <a:latin typeface="Cambria Math" panose="02040503050406030204" pitchFamily="18" charset="0"/>
-                              </a:rPr>
-                            </m:ctrlPr>
-                          </m:naryPr>
-                          <m:sub>
-                            <m:r>
-                              <a:rPr lang="en-GB" sz="2000" i="1">
-                                <a:latin typeface="Cambria Math" panose="02040503050406030204" pitchFamily="18" charset="0"/>
-                              </a:rPr>
-                              <m:t>0</m:t>
-                            </m:r>
-                          </m:sub>
-                          <m:sup>
-                            <m:r>
-                              <a:rPr lang="en-GB" sz="2000" i="1">
-                                <a:latin typeface="Cambria Math" panose="02040503050406030204" pitchFamily="18" charset="0"/>
-                              </a:rPr>
-                              <m:t>𝐹</m:t>
-                            </m:r>
-                          </m:sup>
-                          <m:e>
-                            <m:r>
-                              <a:rPr lang="en-GB" sz="2000" i="1">
-                                <a:latin typeface="Cambria Math" panose="02040503050406030204" pitchFamily="18" charset="0"/>
-                              </a:rPr>
-                              <m:t> </m:t>
-                            </m:r>
-                            <m:f>
-                              <m:fPr>
-                                <m:ctrlPr>
-                                  <a:rPr lang="en-GB" sz="2000" i="1">
-                                    <a:latin typeface="Cambria Math" panose="02040503050406030204" pitchFamily="18" charset="0"/>
-                                  </a:rPr>
-                                </m:ctrlPr>
-                              </m:fPr>
-                              <m:num>
-                                <m:r>
-                                  <a:rPr lang="en-GB" sz="2000" b="0" i="1" smtClean="0">
-                                    <a:latin typeface="Cambria Math" panose="02040503050406030204" pitchFamily="18" charset="0"/>
-                                  </a:rPr>
-                                  <m:t>𝐾</m:t>
-                                </m:r>
-                                <m:d>
-                                  <m:dPr>
-                                    <m:ctrlPr>
-                                      <a:rPr lang="en-GB" sz="2000" i="1">
-                                        <a:latin typeface="Cambria Math" panose="02040503050406030204" pitchFamily="18" charset="0"/>
-                                      </a:rPr>
-                                    </m:ctrlPr>
-                                  </m:dPr>
-                                  <m:e>
-                                    <m:r>
-                                      <a:rPr lang="en-GB" sz="2000" i="1">
-                                        <a:latin typeface="Cambria Math" panose="02040503050406030204" pitchFamily="18" charset="0"/>
-                                      </a:rPr>
-                                      <m:t>𝑓</m:t>
-                                    </m:r>
-                                  </m:e>
-                                </m:d>
-                              </m:num>
-                              <m:den>
-                                <m:acc>
-                                  <m:accPr>
-                                    <m:chr m:val="̇"/>
-                                    <m:ctrlPr>
-                                      <a:rPr lang="en-GB" sz="2000" i="1">
-                                        <a:latin typeface="Cambria Math" panose="02040503050406030204" pitchFamily="18" charset="0"/>
-                                      </a:rPr>
-                                    </m:ctrlPr>
-                                  </m:accPr>
-                                  <m:e>
-                                    <m:r>
-                                      <a:rPr lang="en-GB" sz="2000" i="1">
-                                        <a:latin typeface="Cambria Math" panose="02040503050406030204" pitchFamily="18" charset="0"/>
-                                      </a:rPr>
-                                      <m:t>𝐹</m:t>
-                                    </m:r>
-                                  </m:e>
-                                </m:acc>
-                              </m:den>
-                            </m:f>
-                            <m:r>
-                              <a:rPr lang="en-GB" sz="2000" i="1">
-                                <a:latin typeface="Cambria Math" panose="02040503050406030204" pitchFamily="18" charset="0"/>
-                              </a:rPr>
-                              <m:t> </m:t>
-                            </m:r>
-                            <m:r>
-                              <a:rPr lang="en-GB" sz="2000" i="1">
-                                <a:latin typeface="Cambria Math" panose="02040503050406030204" pitchFamily="18" charset="0"/>
-                              </a:rPr>
-                              <m:t>𝑑𝑓</m:t>
-                            </m:r>
-                          </m:e>
-                        </m:nary>
-                      </m:sup>
-                    </m:sSup>
-                  </m:oMath>
-                </a14:m>
-                <a:br>
-                  <a:rPr lang="en-GB" sz="2000" dirty="0"/>
-                </a:br>
-                <a:r>
-                  <a:rPr lang="en-GB" sz="2000" dirty="0"/>
-                  <a:t>  </a:t>
-                </a:r>
-              </a:p>
-              <a:p>
-                <a:r>
-                  <a:rPr lang="en-GB" sz="2400" dirty="0"/>
-                  <a:t>Inserting the Bell expression for </a:t>
-                </a:r>
-                <a14:m>
-                  <m:oMath xmlns:m="http://schemas.openxmlformats.org/officeDocument/2006/math">
-                    <m:r>
-                      <a:rPr lang="en-GB" sz="2200" b="0" i="1" smtClean="0">
-                        <a:latin typeface="Cambria Math" panose="02040503050406030204" pitchFamily="18" charset="0"/>
-                      </a:rPr>
-                      <m:t>𝐾</m:t>
-                    </m:r>
-                    <m:d>
-                      <m:dPr>
-                        <m:ctrlPr>
-                          <a:rPr lang="en-GB" sz="2200" i="1">
-                            <a:latin typeface="Cambria Math" panose="02040503050406030204" pitchFamily="18" charset="0"/>
-                          </a:rPr>
-                        </m:ctrlPr>
-                      </m:dPr>
-                      <m:e>
-                        <m:r>
-                          <a:rPr lang="en-GB" sz="2200" i="1">
-                            <a:latin typeface="Cambria Math" panose="02040503050406030204" pitchFamily="18" charset="0"/>
-                          </a:rPr>
-                          <m:t>𝐹</m:t>
-                        </m:r>
-                      </m:e>
-                    </m:d>
-                  </m:oMath>
-                </a14:m>
-                <a:r>
-                  <a:rPr lang="en-GB" sz="2200" dirty="0"/>
-                  <a:t> </a:t>
-                </a:r>
-                <a:r>
-                  <a:rPr lang="en-GB" sz="2400" dirty="0"/>
-                  <a:t>we can solve the integral in the exponent to get:</a:t>
+                  <a:t> we can solve the integral in the exponent to get:</a:t>
                 </a:r>
                 <a:br>
                   <a:rPr lang="en-GB" sz="2400" dirty="0"/>
                 </a:br>
-                <a:endParaRPr lang="en-GB" sz="2400" dirty="0"/>
+                <a:endParaRPr lang="en-GB" sz="800" dirty="0"/>
               </a:p>
               <a:p>
                 <a:pPr marL="0" indent="0">
@@ -12473,7 +12626,7 @@
                     </m:oMathParaPr>
                     <m:oMath xmlns:m="http://schemas.openxmlformats.org/officeDocument/2006/math">
                       <m:r>
-                        <a:rPr lang="en-GB" sz="2200" i="1" kern="100" smtClean="0">
+                        <a:rPr lang="en-GB" sz="2000" i="1" kern="100" smtClean="0">
                           <a:effectLst/>
                           <a:latin typeface="Cambria Math" panose="02040503050406030204" pitchFamily="18" charset="0"/>
                           <a:ea typeface="Times New Roman" panose="02020603050405020304" pitchFamily="18" charset="0"/>
@@ -12484,7 +12637,7 @@
                       <m:d>
                         <m:dPr>
                           <m:ctrlPr>
-                            <a:rPr lang="en-GB" sz="2200" i="1" kern="100">
+                            <a:rPr lang="en-GB" sz="2000" i="1" kern="100">
                               <a:effectLst/>
                               <a:latin typeface="Cambria Math" panose="02040503050406030204" pitchFamily="18" charset="0"/>
                               <a:ea typeface="Times New Roman" panose="02020603050405020304" pitchFamily="18" charset="0"/>
@@ -12494,7 +12647,7 @@
                         </m:dPr>
                         <m:e>
                           <m:r>
-                            <a:rPr lang="en-GB" sz="2200" i="1" kern="100">
+                            <a:rPr lang="en-GB" sz="2000" i="1" kern="100">
                               <a:effectLst/>
                               <a:latin typeface="Cambria Math" panose="02040503050406030204" pitchFamily="18" charset="0"/>
                               <a:ea typeface="Times New Roman" panose="02020603050405020304" pitchFamily="18" charset="0"/>
@@ -12505,7 +12658,7 @@
                         </m:e>
                       </m:d>
                       <m:r>
-                        <a:rPr lang="en-GB" sz="2200" i="1" kern="100">
+                        <a:rPr lang="en-GB" sz="2000" i="1" kern="100">
                           <a:effectLst/>
                           <a:latin typeface="Cambria Math" panose="02040503050406030204" pitchFamily="18" charset="0"/>
                           <a:ea typeface="Times New Roman" panose="02020603050405020304" pitchFamily="18" charset="0"/>
@@ -12516,7 +12669,7 @@
                       <m:f>
                         <m:fPr>
                           <m:ctrlPr>
-                            <a:rPr lang="en-GB" sz="2200" i="1" kern="100">
+                            <a:rPr lang="en-GB" sz="2000" i="1" kern="100">
                               <a:effectLst/>
                               <a:latin typeface="Cambria Math" panose="02040503050406030204" pitchFamily="18" charset="0"/>
                               <a:ea typeface="Aptos" panose="020B0004020202020204" pitchFamily="34" charset="0"/>
@@ -12528,7 +12681,7 @@
                           <m:sSub>
                             <m:sSubPr>
                               <m:ctrlPr>
-                                <a:rPr lang="en-GB" sz="2200" i="1" kern="100">
+                                <a:rPr lang="en-GB" sz="2000" i="1" kern="100">
                                   <a:effectLst/>
                                   <a:latin typeface="Cambria Math" panose="02040503050406030204" pitchFamily="18" charset="0"/>
                                   <a:ea typeface="Aptos" panose="020B0004020202020204" pitchFamily="34" charset="0"/>
@@ -12538,7 +12691,7 @@
                             </m:sSubPr>
                             <m:e>
                               <m:r>
-                                <a:rPr lang="pt-BR" sz="2200" i="1" kern="100">
+                                <a:rPr lang="pt-BR" sz="2000" i="1" kern="100">
                                   <a:effectLst/>
                                   <a:latin typeface="Cambria Math" panose="02040503050406030204" pitchFamily="18" charset="0"/>
                                   <a:ea typeface="Aptos" panose="020B0004020202020204" pitchFamily="34" charset="0"/>
@@ -12549,7 +12702,7 @@
                             </m:e>
                             <m:sub>
                               <m:r>
-                                <a:rPr lang="pt-BR" sz="2200" i="1" kern="100">
+                                <a:rPr lang="pt-BR" sz="2000" i="1" kern="100">
                                   <a:effectLst/>
                                   <a:latin typeface="Cambria Math" panose="02040503050406030204" pitchFamily="18" charset="0"/>
                                   <a:ea typeface="Aptos" panose="020B0004020202020204" pitchFamily="34" charset="0"/>
@@ -12562,7 +12715,7 @@
                           <m:sSup>
                             <m:sSupPr>
                               <m:ctrlPr>
-                                <a:rPr lang="en-GB" sz="2200" i="1" kern="100">
+                                <a:rPr lang="en-GB" sz="2000" i="1" kern="100">
                                   <a:effectLst/>
                                   <a:latin typeface="Cambria Math" panose="02040503050406030204" pitchFamily="18" charset="0"/>
                                   <a:ea typeface="Aptos" panose="020B0004020202020204" pitchFamily="34" charset="0"/>
@@ -12572,7 +12725,7 @@
                             </m:sSupPr>
                             <m:e>
                               <m:r>
-                                <a:rPr lang="pt-BR" sz="2200" i="1" kern="100">
+                                <a:rPr lang="pt-BR" sz="2000" i="1" kern="100">
                                   <a:effectLst/>
                                   <a:latin typeface="Cambria Math" panose="02040503050406030204" pitchFamily="18" charset="0"/>
                                   <a:ea typeface="Aptos" panose="020B0004020202020204" pitchFamily="34" charset="0"/>
@@ -12583,7 +12736,7 @@
                             </m:e>
                             <m:sup>
                               <m:r>
-                                <a:rPr lang="pt-BR" sz="2200" i="1" kern="100">
+                                <a:rPr lang="pt-BR" sz="2000" i="1" kern="100">
                                   <a:effectLst/>
                                   <a:latin typeface="Cambria Math" panose="02040503050406030204" pitchFamily="18" charset="0"/>
                                   <a:ea typeface="Aptos" panose="020B0004020202020204" pitchFamily="34" charset="0"/>
@@ -12592,7 +12745,7 @@
                                 <m:t>𝛽</m:t>
                               </m:r>
                               <m:r>
-                                <a:rPr lang="pt-BR" sz="2200" i="1" kern="100">
+                                <a:rPr lang="pt-BR" sz="2000" i="1" kern="100">
                                   <a:effectLst/>
                                   <a:latin typeface="Cambria Math" panose="02040503050406030204" pitchFamily="18" charset="0"/>
                                   <a:ea typeface="Aptos" panose="020B0004020202020204" pitchFamily="34" charset="0"/>
@@ -12603,7 +12756,7 @@
                               <m:sSup>
                                 <m:sSupPr>
                                   <m:ctrlPr>
-                                    <a:rPr lang="en-GB" sz="2200" i="1" kern="100">
+                                    <a:rPr lang="en-GB" sz="2000" i="1" kern="100">
                                       <a:effectLst/>
                                       <a:latin typeface="Cambria Math" panose="02040503050406030204" pitchFamily="18" charset="0"/>
                                       <a:ea typeface="Aptos" panose="020B0004020202020204" pitchFamily="34" charset="0"/>
@@ -12613,7 +12766,7 @@
                                 </m:sSupPr>
                                 <m:e>
                                   <m:r>
-                                    <a:rPr lang="pt-BR" sz="2200" i="1" kern="100">
+                                    <a:rPr lang="pt-BR" sz="2000" i="1" kern="100">
                                       <a:effectLst/>
                                       <a:latin typeface="Cambria Math" panose="02040503050406030204" pitchFamily="18" charset="0"/>
                                       <a:ea typeface="Aptos" panose="020B0004020202020204" pitchFamily="34" charset="0"/>
@@ -12624,7 +12777,7 @@
                                 </m:e>
                                 <m:sup>
                                   <m:r>
-                                    <a:rPr lang="pt-BR" sz="2200" kern="100">
+                                    <a:rPr lang="pt-BR" sz="2000" kern="100">
                                       <a:effectLst/>
                                       <a:latin typeface="Cambria Math" panose="02040503050406030204" pitchFamily="18" charset="0"/>
                                       <a:ea typeface="Aptos" panose="020B0004020202020204" pitchFamily="34" charset="0"/>
@@ -12642,7 +12795,7 @@
                             <m:accPr>
                               <m:chr m:val="̇"/>
                               <m:ctrlPr>
-                                <a:rPr lang="en-GB" sz="2200" i="1" kern="100">
+                                <a:rPr lang="en-GB" sz="2000" i="1" kern="100">
                                   <a:effectLst/>
                                   <a:latin typeface="Cambria Math" panose="02040503050406030204" pitchFamily="18" charset="0"/>
                                   <a:ea typeface="Times New Roman" panose="02020603050405020304" pitchFamily="18" charset="0"/>
@@ -12652,7 +12805,7 @@
                             </m:accPr>
                             <m:e>
                               <m:r>
-                                <a:rPr lang="en-GB" sz="2200" i="1" kern="100">
+                                <a:rPr lang="en-GB" sz="2000" i="1" kern="100">
                                   <a:effectLst/>
                                   <a:latin typeface="Cambria Math" panose="02040503050406030204" pitchFamily="18" charset="0"/>
                                   <a:ea typeface="Times New Roman" panose="02020603050405020304" pitchFamily="18" charset="0"/>
@@ -12668,7 +12821,7 @@
                         <m:rPr>
                           <m:sty m:val="p"/>
                         </m:rPr>
-                        <a:rPr lang="en-GB" sz="2200" kern="100">
+                        <a:rPr lang="en-GB" sz="2000" kern="100">
                           <a:effectLst/>
                           <a:latin typeface="Cambria Math" panose="02040503050406030204" pitchFamily="18" charset="0"/>
                           <a:ea typeface="Aptos" panose="020B0004020202020204" pitchFamily="34" charset="0"/>
@@ -12681,7 +12834,7 @@
                           <m:begChr m:val="{"/>
                           <m:endChr m:val="}"/>
                           <m:ctrlPr>
-                            <a:rPr lang="en-GB" sz="2200" i="1" kern="100">
+                            <a:rPr lang="en-GB" sz="2000" i="1" kern="100">
                               <a:effectLst/>
                               <a:latin typeface="Cambria Math" panose="02040503050406030204" pitchFamily="18" charset="0"/>
                               <a:ea typeface="Aptos" panose="020B0004020202020204" pitchFamily="34" charset="0"/>
@@ -12693,7 +12846,7 @@
                           <m:f>
                             <m:fPr>
                               <m:ctrlPr>
-                                <a:rPr lang="en-GB" sz="2200" i="1" kern="100">
+                                <a:rPr lang="en-GB" sz="2000" i="1" kern="100">
                                   <a:effectLst/>
                                   <a:latin typeface="Cambria Math" panose="02040503050406030204" pitchFamily="18" charset="0"/>
                                   <a:ea typeface="Aptos" panose="020B0004020202020204" pitchFamily="34" charset="0"/>
@@ -12705,7 +12858,7 @@
                               <m:sSub>
                                 <m:sSubPr>
                                   <m:ctrlPr>
-                                    <a:rPr lang="en-GB" sz="2200" i="1" kern="100">
+                                    <a:rPr lang="en-GB" sz="2000" i="1" kern="100">
                                       <a:effectLst/>
                                       <a:latin typeface="Cambria Math" panose="02040503050406030204" pitchFamily="18" charset="0"/>
                                       <a:ea typeface="Aptos" panose="020B0004020202020204" pitchFamily="34" charset="0"/>
@@ -12715,7 +12868,7 @@
                                 </m:sSubPr>
                                 <m:e>
                                   <m:r>
-                                    <a:rPr lang="en-GB" sz="2200" i="1" kern="100">
+                                    <a:rPr lang="en-GB" sz="2000" i="1" kern="100">
                                       <a:effectLst/>
                                       <a:latin typeface="Cambria Math" panose="02040503050406030204" pitchFamily="18" charset="0"/>
                                       <a:ea typeface="Aptos" panose="020B0004020202020204" pitchFamily="34" charset="0"/>
@@ -12726,7 +12879,7 @@
                                 </m:e>
                                 <m:sub>
                                   <m:r>
-                                    <a:rPr lang="en-GB" sz="2200" i="1" kern="100">
+                                    <a:rPr lang="en-GB" sz="2000" i="1" kern="100">
                                       <a:effectLst/>
                                       <a:latin typeface="Cambria Math" panose="02040503050406030204" pitchFamily="18" charset="0"/>
                                       <a:ea typeface="Aptos" panose="020B0004020202020204" pitchFamily="34" charset="0"/>
@@ -12742,7 +12895,7 @@
                                 <m:accPr>
                                   <m:chr m:val="̇"/>
                                   <m:ctrlPr>
-                                    <a:rPr lang="en-GB" sz="2200" i="1" kern="100">
+                                    <a:rPr lang="en-GB" sz="2000" i="1" kern="100">
                                       <a:effectLst/>
                                       <a:latin typeface="Cambria Math" panose="02040503050406030204" pitchFamily="18" charset="0"/>
                                       <a:ea typeface="Times New Roman" panose="02020603050405020304" pitchFamily="18" charset="0"/>
@@ -12752,7 +12905,7 @@
                                 </m:accPr>
                                 <m:e>
                                   <m:r>
-                                    <a:rPr lang="en-GB" sz="2200" i="1" kern="100">
+                                    <a:rPr lang="en-GB" sz="2000" i="1" kern="100">
                                       <a:effectLst/>
                                       <a:latin typeface="Cambria Math" panose="02040503050406030204" pitchFamily="18" charset="0"/>
                                       <a:ea typeface="Times New Roman" panose="02020603050405020304" pitchFamily="18" charset="0"/>
@@ -12763,7 +12916,7 @@
                                 </m:e>
                               </m:acc>
                               <m:r>
-                                <a:rPr lang="en-GB" sz="2200" i="1" kern="100">
+                                <a:rPr lang="en-GB" sz="2000" i="1" kern="100">
                                   <a:effectLst/>
                                   <a:latin typeface="Cambria Math" panose="02040503050406030204" pitchFamily="18" charset="0"/>
                                   <a:ea typeface="Times New Roman" panose="02020603050405020304" pitchFamily="18" charset="0"/>
@@ -12774,7 +12927,7 @@
                               <m:sSup>
                                 <m:sSupPr>
                                   <m:ctrlPr>
-                                    <a:rPr lang="en-GB" sz="2200" i="1" kern="100">
+                                    <a:rPr lang="en-GB" sz="2000" i="1" kern="100">
                                       <a:effectLst/>
                                       <a:latin typeface="Cambria Math" panose="02040503050406030204" pitchFamily="18" charset="0"/>
                                       <a:ea typeface="Aptos" panose="020B0004020202020204" pitchFamily="34" charset="0"/>
@@ -12784,7 +12937,7 @@
                                 </m:sSupPr>
                                 <m:e>
                                   <m:r>
-                                    <a:rPr lang="pt-BR" sz="2200" i="1" kern="100">
+                                    <a:rPr lang="pt-BR" sz="2000" i="1" kern="100">
                                       <a:effectLst/>
                                       <a:latin typeface="Cambria Math" panose="02040503050406030204" pitchFamily="18" charset="0"/>
                                       <a:ea typeface="Aptos" panose="020B0004020202020204" pitchFamily="34" charset="0"/>
@@ -12795,7 +12948,7 @@
                                 </m:e>
                                 <m:sup>
                                   <m:r>
-                                    <a:rPr lang="pt-BR" sz="2200" kern="100">
+                                    <a:rPr lang="pt-BR" sz="2000" kern="100">
                                       <a:effectLst/>
                                       <a:latin typeface="Cambria Math" panose="02040503050406030204" pitchFamily="18" charset="0"/>
                                       <a:ea typeface="Aptos" panose="020B0004020202020204" pitchFamily="34" charset="0"/>
@@ -12810,7 +12963,7 @@
                           <m:d>
                             <m:dPr>
                               <m:ctrlPr>
-                                <a:rPr lang="en-GB" sz="2200" i="1" kern="100">
+                                <a:rPr lang="en-GB" sz="2000" i="1" kern="100">
                                   <a:effectLst/>
                                   <a:latin typeface="Cambria Math" panose="02040503050406030204" pitchFamily="18" charset="0"/>
                                   <a:ea typeface="Aptos" panose="020B0004020202020204" pitchFamily="34" charset="0"/>
@@ -12820,7 +12973,7 @@
                             </m:dPr>
                             <m:e>
                               <m:r>
-                                <a:rPr lang="en-GB" sz="2200" i="1" kern="100">
+                                <a:rPr lang="en-GB" sz="2000" i="1" kern="100">
                                   <a:effectLst/>
                                   <a:latin typeface="Cambria Math" panose="02040503050406030204" pitchFamily="18" charset="0"/>
                                   <a:ea typeface="Aptos" panose="020B0004020202020204" pitchFamily="34" charset="0"/>
@@ -12831,7 +12984,7 @@
                               <m:sSup>
                                 <m:sSupPr>
                                   <m:ctrlPr>
-                                    <a:rPr lang="en-GB" sz="2200" i="1" kern="100">
+                                    <a:rPr lang="en-GB" sz="2000" i="1" kern="100">
                                       <a:effectLst/>
                                       <a:latin typeface="Cambria Math" panose="02040503050406030204" pitchFamily="18" charset="0"/>
                                       <a:ea typeface="Times New Roman" panose="02020603050405020304" pitchFamily="18" charset="0"/>
@@ -12841,7 +12994,7 @@
                                 </m:sSupPr>
                                 <m:e>
                                   <m:r>
-                                    <a:rPr lang="en-GB" sz="2200" i="1" kern="100">
+                                    <a:rPr lang="en-GB" sz="2000" i="1" kern="100">
                                       <a:effectLst/>
                                       <a:latin typeface="Cambria Math" panose="02040503050406030204" pitchFamily="18" charset="0"/>
                                       <a:ea typeface="Aptos" panose="020B0004020202020204" pitchFamily="34" charset="0"/>
@@ -12852,7 +13005,7 @@
                                 </m:e>
                                 <m:sup>
                                   <m:r>
-                                    <a:rPr lang="en-GB" sz="2200" i="1" kern="100">
+                                    <a:rPr lang="en-GB" sz="2000" i="1" kern="100">
                                       <a:effectLst/>
                                       <a:latin typeface="Cambria Math" panose="02040503050406030204" pitchFamily="18" charset="0"/>
                                       <a:ea typeface="Times New Roman" panose="02020603050405020304" pitchFamily="18" charset="0"/>
@@ -12861,7 +13014,7 @@
                                     <m:t>𝐹</m:t>
                                   </m:r>
                                   <m:r>
-                                    <a:rPr lang="en-GB" sz="2200" i="1" kern="100">
+                                    <a:rPr lang="en-GB" sz="2000" i="1" kern="100">
                                       <a:effectLst/>
                                       <a:latin typeface="Cambria Math" panose="02040503050406030204" pitchFamily="18" charset="0"/>
                                       <a:ea typeface="Times New Roman" panose="02020603050405020304" pitchFamily="18" charset="0"/>
@@ -12872,7 +13025,7 @@
                                   <m:sSup>
                                     <m:sSupPr>
                                       <m:ctrlPr>
-                                        <a:rPr lang="en-GB" sz="2200" i="1" kern="100">
+                                        <a:rPr lang="en-GB" sz="2000" i="1" kern="100">
                                           <a:effectLst/>
                                           <a:latin typeface="Cambria Math" panose="02040503050406030204" pitchFamily="18" charset="0"/>
                                           <a:ea typeface="Aptos" panose="020B0004020202020204" pitchFamily="34" charset="0"/>
@@ -12882,7 +13035,7 @@
                                     </m:sSupPr>
                                     <m:e>
                                       <m:r>
-                                        <a:rPr lang="pt-BR" sz="2200" i="1" kern="100">
+                                        <a:rPr lang="pt-BR" sz="2000" i="1" kern="100">
                                           <a:effectLst/>
                                           <a:latin typeface="Cambria Math" panose="02040503050406030204" pitchFamily="18" charset="0"/>
                                           <a:ea typeface="Aptos" panose="020B0004020202020204" pitchFamily="34" charset="0"/>
@@ -12893,7 +13046,7 @@
                                     </m:e>
                                     <m:sup>
                                       <m:r>
-                                        <a:rPr lang="pt-BR" sz="2200" kern="100">
+                                        <a:rPr lang="pt-BR" sz="2000" kern="100">
                                           <a:effectLst/>
                                           <a:latin typeface="Cambria Math" panose="02040503050406030204" pitchFamily="18" charset="0"/>
                                           <a:ea typeface="Aptos" panose="020B0004020202020204" pitchFamily="34" charset="0"/>
@@ -12912,11 +13065,7 @@
                     </m:oMath>
                   </m:oMathPara>
                 </a14:m>
-                <a:endParaRPr lang="en-GB" sz="2200" kern="100" dirty="0">
-                  <a:latin typeface="Aptos" panose="020B0004020202020204" pitchFamily="34" charset="0"/>
-                  <a:ea typeface="Aptos" panose="020B0004020202020204" pitchFamily="34" charset="0"/>
-                  <a:cs typeface="Times New Roman" panose="02020603050405020304" pitchFamily="18" charset="0"/>
-                </a:endParaRPr>
+                <a:endParaRPr lang="en-GB" sz="2000" dirty="0"/>
               </a:p>
               <a:p>
                 <a:pPr marL="0" indent="0">
@@ -12933,37 +13082,21 @@
                   <a:buNone/>
                 </a:pPr>
                 <a:r>
-                  <a:rPr lang="en-GB" sz="1700" kern="100" dirty="0">
+                  <a:rPr lang="en-GB" sz="1400" kern="100" dirty="0">
                     <a:latin typeface="Aptos" panose="020B0004020202020204" pitchFamily="34" charset="0"/>
                     <a:ea typeface="Aptos" panose="020B0004020202020204" pitchFamily="34" charset="0"/>
                     <a:cs typeface="Times New Roman" panose="02020603050405020304" pitchFamily="18" charset="0"/>
                   </a:rPr>
-                  <a:t>The derivation of these expressions is shown in detail in the document</a:t>
-                </a:r>
-                <a:br>
-                  <a:rPr lang="en-GB" sz="1700" kern="100" dirty="0">
-                    <a:latin typeface="Aptos" panose="020B0004020202020204" pitchFamily="34" charset="0"/>
-                    <a:ea typeface="Aptos" panose="020B0004020202020204" pitchFamily="34" charset="0"/>
-                    <a:cs typeface="Times New Roman" panose="02020603050405020304" pitchFamily="18" charset="0"/>
-                  </a:rPr>
-                </a:br>
-                <a:r>
-                  <a:rPr lang="en-GB" sz="1700" kern="100" dirty="0">
-                    <a:latin typeface="Aptos" panose="020B0004020202020204" pitchFamily="34" charset="0"/>
-                    <a:ea typeface="Aptos" panose="020B0004020202020204" pitchFamily="34" charset="0"/>
-                    <a:cs typeface="Times New Roman" panose="02020603050405020304" pitchFamily="18" charset="0"/>
-                  </a:rPr>
-                  <a:t>“Derivation of the Bell probability density expression.docx”</a:t>
-                </a:r>
-                <a:endParaRPr lang="en-GB" sz="1700" dirty="0"/>
+                  <a:t>The derivation of these expressions is shown in detail in the document “Derivation of the Bell probability density expression.docx”</a:t>
+                </a:r>
+                <a:endParaRPr lang="en-GB" sz="1400" dirty="0"/>
               </a:p>
               <a:p>
-                <a:pPr marL="0" indent="0">
-                  <a:buNone/>
-                </a:pPr>
-                <a:endParaRPr lang="en-GB" sz="2400" kern="100" dirty="0">
+                <a:endParaRPr lang="en-GB" dirty="0"/>
+              </a:p>
+              <a:p>
+                <a:endParaRPr lang="en-GB" kern="100" dirty="0">
                   <a:effectLst/>
-                  <a:latin typeface="Aptos" panose="020B0004020202020204" pitchFamily="34" charset="0"/>
                   <a:ea typeface="Aptos" panose="020B0004020202020204" pitchFamily="34" charset="0"/>
                   <a:cs typeface="Times New Roman" panose="02020603050405020304" pitchFamily="18" charset="0"/>
                 </a:endParaRPr>
@@ -12980,7 +13113,7 @@
               <p:cNvPr id="3" name="Content Placeholder 2">
                 <a:extLst>
                   <a:ext uri="{FF2B5EF4-FFF2-40B4-BE49-F238E27FC236}">
-                    <a16:creationId xmlns:a16="http://schemas.microsoft.com/office/drawing/2014/main" id="{D1811B9B-2387-59CA-6C35-EAC4C6D9ED53}"/>
+                    <a16:creationId xmlns:a16="http://schemas.microsoft.com/office/drawing/2014/main" id="{EDD74A73-FA02-253F-C1F1-8AE153682E67}"/>
                   </a:ext>
                 </a:extLst>
               </p:cNvPr>
@@ -12995,7 +13128,7 @@
               <a:blipFill>
                 <a:blip r:embed="rId2"/>
                 <a:stretch>
-                  <a:fillRect l="-696" t="-2661"/>
+                  <a:fillRect l="-812" t="-2521"/>
                 </a:stretch>
               </a:blipFill>
             </p:spPr>
@@ -13017,7 +13150,7 @@
     </p:spTree>
     <p:extLst>
       <p:ext uri="{BB962C8B-B14F-4D97-AF65-F5344CB8AC3E}">
-        <p14:creationId xmlns:p14="http://schemas.microsoft.com/office/powerpoint/2010/main" val="3863299106"/>
+        <p14:creationId xmlns:p14="http://schemas.microsoft.com/office/powerpoint/2010/main" val="1222336406"/>
       </p:ext>
     </p:extLst>
   </p:cSld>
@@ -13028,240 +13161,6 @@
 </file>
 
 <file path=ppt/slides/slide8.xml><?xml version="1.0" encoding="utf-8"?>
-<p:sld xmlns:a="http://schemas.openxmlformats.org/drawingml/2006/main" xmlns:r="http://schemas.openxmlformats.org/officeDocument/2006/relationships" xmlns:p="http://schemas.openxmlformats.org/presentationml/2006/main">
-  <p:cSld>
-    <p:spTree>
-      <p:nvGrpSpPr>
-        <p:cNvPr id="1" name=""/>
-        <p:cNvGrpSpPr/>
-        <p:nvPr/>
-      </p:nvGrpSpPr>
-      <p:grpSpPr>
-        <a:xfrm>
-          <a:off x="0" y="0"/>
-          <a:ext cx="0" cy="0"/>
-          <a:chOff x="0" y="0"/>
-          <a:chExt cx="0" cy="0"/>
-        </a:xfrm>
-      </p:grpSpPr>
-      <p:sp>
-        <p:nvSpPr>
-          <p:cNvPr id="2" name="Title 1">
-            <a:extLst>
-              <a:ext uri="{FF2B5EF4-FFF2-40B4-BE49-F238E27FC236}">
-                <a16:creationId xmlns:a16="http://schemas.microsoft.com/office/drawing/2014/main" id="{6859C1C7-9E62-0076-5710-71A8D7D3581E}"/>
-              </a:ext>
-            </a:extLst>
-          </p:cNvPr>
-          <p:cNvSpPr>
-            <a:spLocks noGrp="1"/>
-          </p:cNvSpPr>
-          <p:nvPr>
-            <p:ph type="title"/>
-          </p:nvPr>
-        </p:nvSpPr>
-        <p:spPr/>
-        <p:txBody>
-          <a:bodyPr/>
-          <a:lstStyle/>
-          <a:p>
-            <a:pPr algn="ctr"/>
-            <a:r>
-              <a:rPr lang="en-GB" dirty="0"/>
-              <a:t>Experimenters may vary the conditions</a:t>
-            </a:r>
-            <a:br>
-              <a:rPr lang="en-GB" dirty="0"/>
-            </a:br>
-            <a:r>
-              <a:rPr lang="en-GB" sz="3600" dirty="0"/>
-              <a:t>between experiments</a:t>
-            </a:r>
-          </a:p>
-        </p:txBody>
-      </p:sp>
-      <p:pic>
-        <p:nvPicPr>
-          <p:cNvPr id="7" name="Content Placeholder 6">
-            <a:extLst>
-              <a:ext uri="{FF2B5EF4-FFF2-40B4-BE49-F238E27FC236}">
-                <a16:creationId xmlns:a16="http://schemas.microsoft.com/office/drawing/2014/main" id="{5DD5B339-4491-F542-9D77-95463F807861}"/>
-              </a:ext>
-            </a:extLst>
-          </p:cNvPr>
-          <p:cNvPicPr>
-            <a:picLocks noGrp="1" noChangeAspect="1"/>
-          </p:cNvPicPr>
-          <p:nvPr>
-            <p:ph sz="half" idx="1"/>
-          </p:nvPr>
-        </p:nvPicPr>
-        <p:blipFill>
-          <a:blip r:embed="rId2"/>
-          <a:stretch>
-            <a:fillRect/>
-          </a:stretch>
-        </p:blipFill>
-        <p:spPr>
-          <a:xfrm>
-            <a:off x="6754761" y="1973109"/>
-            <a:ext cx="5296051" cy="3540788"/>
-          </a:xfrm>
-        </p:spPr>
-      </p:pic>
-      <p:sp>
-        <p:nvSpPr>
-          <p:cNvPr id="8" name="Content Placeholder 7">
-            <a:extLst>
-              <a:ext uri="{FF2B5EF4-FFF2-40B4-BE49-F238E27FC236}">
-                <a16:creationId xmlns:a16="http://schemas.microsoft.com/office/drawing/2014/main" id="{23DEC6EA-A2D6-C927-57E0-D76FACC43FCD}"/>
-              </a:ext>
-            </a:extLst>
-          </p:cNvPr>
-          <p:cNvSpPr>
-            <a:spLocks noGrp="1"/>
-          </p:cNvSpPr>
-          <p:nvPr>
-            <p:ph sz="half" idx="2"/>
-          </p:nvPr>
-        </p:nvSpPr>
-        <p:spPr>
-          <a:xfrm>
-            <a:off x="1338943" y="1825625"/>
-            <a:ext cx="5181600" cy="4351338"/>
-          </a:xfrm>
-        </p:spPr>
-        <p:txBody>
-          <a:bodyPr/>
-          <a:lstStyle/>
-          <a:p>
-            <a:r>
-              <a:rPr lang="en-GB" dirty="0"/>
-              <a:t>It is usually of interest to study how experimental parameters influence the experiment results</a:t>
-            </a:r>
-          </a:p>
-          <a:p>
-            <a:r>
-              <a:rPr lang="en-GB" dirty="0"/>
-              <a:t>The  figure shows temperature and pulling speed for a large set of experiment data</a:t>
-            </a:r>
-          </a:p>
-        </p:txBody>
-      </p:sp>
-      <p:sp>
-        <p:nvSpPr>
-          <p:cNvPr id="18" name="TextBox 17">
-            <a:extLst>
-              <a:ext uri="{FF2B5EF4-FFF2-40B4-BE49-F238E27FC236}">
-                <a16:creationId xmlns:a16="http://schemas.microsoft.com/office/drawing/2014/main" id="{803163AC-8ACA-8EBE-A90F-75DC087764C7}"/>
-              </a:ext>
-            </a:extLst>
-          </p:cNvPr>
-          <p:cNvSpPr txBox="1"/>
-          <p:nvPr/>
-        </p:nvSpPr>
-        <p:spPr>
-          <a:xfrm>
-            <a:off x="81699" y="5988734"/>
-            <a:ext cx="9507794" cy="646331"/>
-          </a:xfrm>
-          <a:prstGeom prst="rect">
-            <a:avLst/>
-          </a:prstGeom>
-          <a:noFill/>
-        </p:spPr>
-        <p:txBody>
-          <a:bodyPr wrap="square" rtlCol="0">
-            <a:spAutoFit/>
-          </a:bodyPr>
-          <a:lstStyle/>
-          <a:p>
-            <a:r>
-              <a:rPr lang="en-GB" dirty="0"/>
-              <a:t>Data for 3588 rip events from 32 experiments on the protein </a:t>
-            </a:r>
-            <a:r>
-              <a:rPr lang="en-GB" sz="1800" b="0" i="0" u="none" strike="noStrike" baseline="0" dirty="0">
-                <a:latin typeface="Arial Unicode MS" panose="020B0604020202020204" pitchFamily="34" charset="-128"/>
-              </a:rPr>
-              <a:t>MJ0366. </a:t>
-            </a:r>
-          </a:p>
-          <a:p>
-            <a:r>
-              <a:rPr lang="en-GB" sz="1800" b="0" i="0" u="none" strike="noStrike" baseline="0" dirty="0">
-                <a:latin typeface="Arial Unicode MS" panose="020B0604020202020204" pitchFamily="34" charset="-128"/>
-              </a:rPr>
-              <a:t>Ref</a:t>
-            </a:r>
-            <a:r>
-              <a:rPr lang="nb-NO" sz="1800" b="0" i="0" u="none" strike="noStrike" baseline="0" dirty="0">
-                <a:latin typeface="Arial Unicode MS" panose="020B0604020202020204" pitchFamily="34" charset="-128"/>
-              </a:rPr>
-              <a:t>: </a:t>
-            </a:r>
-            <a:r>
-              <a:rPr lang="en-GB" sz="1800" kern="100" dirty="0">
-                <a:effectLst/>
-                <a:latin typeface="Aptos" panose="020B0004020202020204" pitchFamily="34" charset="0"/>
-                <a:ea typeface="Aptos" panose="020B0004020202020204" pitchFamily="34" charset="0"/>
-                <a:cs typeface="Times New Roman" panose="02020603050405020304" pitchFamily="18" charset="0"/>
-              </a:rPr>
-              <a:t>Rivera, Mjaavatten, Smith, Baez, &amp; Wilson (2023). </a:t>
-            </a:r>
-            <a:r>
-              <a:rPr lang="en-GB" sz="1800" i="1" kern="100" dirty="0">
-                <a:effectLst/>
-                <a:latin typeface="Aptos" panose="020B0004020202020204" pitchFamily="34" charset="0"/>
-                <a:ea typeface="Aptos" panose="020B0004020202020204" pitchFamily="34" charset="0"/>
-                <a:cs typeface="Times New Roman" panose="02020603050405020304" pitchFamily="18" charset="0"/>
-              </a:rPr>
-              <a:t>Biophysical Journal</a:t>
-            </a:r>
-            <a:r>
-              <a:rPr lang="en-GB" sz="1800" kern="100" dirty="0">
-                <a:effectLst/>
-                <a:latin typeface="Aptos" panose="020B0004020202020204" pitchFamily="34" charset="0"/>
-                <a:ea typeface="Aptos" panose="020B0004020202020204" pitchFamily="34" charset="0"/>
-                <a:cs typeface="Times New Roman" panose="02020603050405020304" pitchFamily="18" charset="0"/>
-              </a:rPr>
-              <a:t>, </a:t>
-            </a:r>
-            <a:r>
-              <a:rPr lang="en-GB" sz="1800" i="1" kern="100" dirty="0">
-                <a:effectLst/>
-                <a:latin typeface="Aptos" panose="020B0004020202020204" pitchFamily="34" charset="0"/>
-                <a:ea typeface="Aptos" panose="020B0004020202020204" pitchFamily="34" charset="0"/>
-                <a:cs typeface="Times New Roman" panose="02020603050405020304" pitchFamily="18" charset="0"/>
-              </a:rPr>
-              <a:t>122</a:t>
-            </a:r>
-            <a:r>
-              <a:rPr lang="en-GB" sz="1800" kern="100" dirty="0">
-                <a:effectLst/>
-                <a:latin typeface="Aptos" panose="020B0004020202020204" pitchFamily="34" charset="0"/>
-                <a:ea typeface="Aptos" panose="020B0004020202020204" pitchFamily="34" charset="0"/>
-                <a:cs typeface="Times New Roman" panose="02020603050405020304" pitchFamily="18" charset="0"/>
-              </a:rPr>
-              <a:t>(3), 513-521.</a:t>
-            </a:r>
-          </a:p>
-        </p:txBody>
-      </p:sp>
-    </p:spTree>
-    <p:extLst>
-      <p:ext uri="{BB962C8B-B14F-4D97-AF65-F5344CB8AC3E}">
-        <p14:creationId xmlns:p14="http://schemas.microsoft.com/office/powerpoint/2010/main" val="2248117332"/>
-      </p:ext>
-    </p:extLst>
-  </p:cSld>
-  <p:clrMapOvr>
-    <a:masterClrMapping/>
-  </p:clrMapOvr>
-</p:sld>
-</file>
-
-<file path=ppt/slides/slide9.xml><?xml version="1.0" encoding="utf-8"?>
 <p:sld xmlns:a="http://schemas.openxmlformats.org/drawingml/2006/main" xmlns:r="http://schemas.openxmlformats.org/officeDocument/2006/relationships" xmlns:p="http://schemas.openxmlformats.org/presentationml/2006/main">
   <p:cSld>
     <p:spTree>
@@ -13306,8 +13205,8 @@
           </a:p>
         </p:txBody>
       </p:sp>
-      <mc:AlternateContent xmlns:mc="http://schemas.openxmlformats.org/markup-compatibility/2006">
-        <mc:Choice xmlns:a14="http://schemas.microsoft.com/office/drawing/2010/main" Requires="a14">
+      <mc:AlternateContent xmlns:mc="http://schemas.openxmlformats.org/markup-compatibility/2006" xmlns:a14="http://schemas.microsoft.com/office/drawing/2010/main">
+        <mc:Choice Requires="a14">
           <p:sp>
             <p:nvSpPr>
               <p:cNvPr id="3" name="Content Placeholder 2">
@@ -13470,7 +13369,7 @@
             </p:txBody>
           </p:sp>
         </mc:Choice>
-        <mc:Fallback>
+        <mc:Fallback xmlns="">
           <p:sp>
             <p:nvSpPr>
               <p:cNvPr id="3" name="Content Placeholder 2">
@@ -13563,6 +13462,379 @@
     <p:extLst>
       <p:ext uri="{BB962C8B-B14F-4D97-AF65-F5344CB8AC3E}">
         <p14:creationId xmlns:p14="http://schemas.microsoft.com/office/powerpoint/2010/main" val="2563176022"/>
+      </p:ext>
+    </p:extLst>
+  </p:cSld>
+  <p:clrMapOvr>
+    <a:masterClrMapping/>
+  </p:clrMapOvr>
+</p:sld>
+</file>
+
+<file path=ppt/slides/slide9.xml><?xml version="1.0" encoding="utf-8"?>
+<p:sld xmlns:a="http://schemas.openxmlformats.org/drawingml/2006/main" xmlns:r="http://schemas.openxmlformats.org/officeDocument/2006/relationships" xmlns:p="http://schemas.openxmlformats.org/presentationml/2006/main">
+  <p:cSld>
+    <p:spTree>
+      <p:nvGrpSpPr>
+        <p:cNvPr id="1" name=""/>
+        <p:cNvGrpSpPr/>
+        <p:nvPr/>
+      </p:nvGrpSpPr>
+      <p:grpSpPr>
+        <a:xfrm>
+          <a:off x="0" y="0"/>
+          <a:ext cx="0" cy="0"/>
+          <a:chOff x="0" y="0"/>
+          <a:chExt cx="0" cy="0"/>
+        </a:xfrm>
+      </p:grpSpPr>
+      <p:sp>
+        <p:nvSpPr>
+          <p:cNvPr id="2" name="Title 1">
+            <a:extLst>
+              <a:ext uri="{FF2B5EF4-FFF2-40B4-BE49-F238E27FC236}">
+                <a16:creationId xmlns:a16="http://schemas.microsoft.com/office/drawing/2014/main" id="{4B79B3C6-255E-0726-7043-1A2BC0B1288E}"/>
+              </a:ext>
+            </a:extLst>
+          </p:cNvPr>
+          <p:cNvSpPr>
+            <a:spLocks noGrp="1"/>
+          </p:cNvSpPr>
+          <p:nvPr>
+            <p:ph type="title"/>
+          </p:nvPr>
+        </p:nvSpPr>
+        <p:spPr/>
+        <p:txBody>
+          <a:bodyPr/>
+          <a:lstStyle/>
+          <a:p>
+            <a:r>
+              <a:rPr lang="en-GB" dirty="0"/>
+              <a:t>Confidence interval and standard deviation</a:t>
+            </a:r>
+          </a:p>
+        </p:txBody>
+      </p:sp>
+      <mc:AlternateContent xmlns:mc="http://schemas.openxmlformats.org/markup-compatibility/2006" xmlns:a14="http://schemas.microsoft.com/office/drawing/2010/main">
+        <mc:Choice Requires="a14">
+          <p:sp>
+            <p:nvSpPr>
+              <p:cNvPr id="3" name="Content Placeholder 2">
+                <a:extLst>
+                  <a:ext uri="{FF2B5EF4-FFF2-40B4-BE49-F238E27FC236}">
+                    <a16:creationId xmlns:a16="http://schemas.microsoft.com/office/drawing/2014/main" id="{AAEE925E-CD5F-1DD7-2693-866309162CB1}"/>
+                  </a:ext>
+                </a:extLst>
+              </p:cNvPr>
+              <p:cNvSpPr>
+                <a:spLocks noGrp="1"/>
+              </p:cNvSpPr>
+              <p:nvPr>
+                <p:ph idx="1"/>
+              </p:nvPr>
+            </p:nvSpPr>
+            <p:spPr>
+              <a:xfrm>
+                <a:off x="838200" y="1825625"/>
+                <a:ext cx="10515600" cy="4667250"/>
+              </a:xfrm>
+            </p:spPr>
+            <p:txBody>
+              <a:bodyPr>
+                <a:normAutofit/>
+              </a:bodyPr>
+              <a:lstStyle/>
+              <a:p>
+                <a:r>
+                  <a:rPr lang="en-GB" dirty="0"/>
+                  <a:t>Function </a:t>
+                </a:r>
+                <a:r>
+                  <a:rPr lang="en-GB" dirty="0" err="1"/>
+                  <a:t>nlparci</a:t>
+                </a:r>
+                <a:r>
+                  <a:rPr lang="en-GB" dirty="0"/>
+                  <a:t> gives the 95% confidence interval </a:t>
+                </a:r>
+                <a14:m>
+                  <m:oMath xmlns:m="http://schemas.openxmlformats.org/officeDocument/2006/math">
+                    <m:r>
+                      <a:rPr lang="en-GB" sz="2800" i="1" smtClean="0">
+                        <a:latin typeface="Cambria Math" panose="02040503050406030204" pitchFamily="18" charset="0"/>
+                        <a:ea typeface="Cambria Math" panose="02040503050406030204" pitchFamily="18" charset="0"/>
+                      </a:rPr>
+                      <m:t>𝑐𝑖</m:t>
+                    </m:r>
+                    <m:d>
+                      <m:dPr>
+                        <m:ctrlPr>
+                          <a:rPr lang="en-GB" sz="2800" i="1" smtClean="0">
+                            <a:latin typeface="Cambria Math" panose="02040503050406030204" pitchFamily="18" charset="0"/>
+                            <a:ea typeface="Cambria Math" panose="02040503050406030204" pitchFamily="18" charset="0"/>
+                          </a:rPr>
+                        </m:ctrlPr>
+                      </m:dPr>
+                      <m:e>
+                        <m:r>
+                          <a:rPr lang="en-GB" sz="2800" i="1">
+                            <a:latin typeface="Cambria Math" panose="02040503050406030204" pitchFamily="18" charset="0"/>
+                            <a:ea typeface="Cambria Math" panose="02040503050406030204" pitchFamily="18" charset="0"/>
+                          </a:rPr>
+                          <m:t>1</m:t>
+                        </m:r>
+                      </m:e>
+                    </m:d>
+                  </m:oMath>
+                </a14:m>
+                <a:r>
+                  <a:rPr lang="en-GB" sz="2800" dirty="0"/>
+                  <a:t> </a:t>
+                </a:r>
+                <a:r>
+                  <a:rPr lang="en-GB" dirty="0"/>
+                  <a:t>to</a:t>
+                </a:r>
+                <a:r>
+                  <a:rPr lang="en-GB" sz="2800" dirty="0"/>
+                  <a:t> </a:t>
+                </a:r>
+                <a14:m>
+                  <m:oMath xmlns:m="http://schemas.openxmlformats.org/officeDocument/2006/math">
+                    <m:r>
+                      <a:rPr lang="en-GB" sz="2800" i="1">
+                        <a:latin typeface="Cambria Math" panose="02040503050406030204" pitchFamily="18" charset="0"/>
+                        <a:ea typeface="Cambria Math" panose="02040503050406030204" pitchFamily="18" charset="0"/>
+                      </a:rPr>
+                      <m:t>𝑐𝑖</m:t>
+                    </m:r>
+                    <m:d>
+                      <m:dPr>
+                        <m:ctrlPr>
+                          <a:rPr lang="en-GB" sz="2800" i="1">
+                            <a:latin typeface="Cambria Math" panose="02040503050406030204" pitchFamily="18" charset="0"/>
+                            <a:ea typeface="Cambria Math" panose="02040503050406030204" pitchFamily="18" charset="0"/>
+                          </a:rPr>
+                        </m:ctrlPr>
+                      </m:dPr>
+                      <m:e>
+                        <m:r>
+                          <a:rPr lang="en-GB" sz="2800" i="1">
+                            <a:latin typeface="Cambria Math" panose="02040503050406030204" pitchFamily="18" charset="0"/>
+                            <a:ea typeface="Cambria Math" panose="02040503050406030204" pitchFamily="18" charset="0"/>
+                          </a:rPr>
+                          <m:t>2</m:t>
+                        </m:r>
+                      </m:e>
+                    </m:d>
+                  </m:oMath>
+                </a14:m>
+                <a:r>
+                  <a:rPr lang="en-GB" sz="2800" dirty="0"/>
+                  <a:t> </a:t>
+                </a:r>
+                <a:endParaRPr lang="en-GB" dirty="0"/>
+              </a:p>
+              <a:p>
+                <a:pPr lvl="1"/>
+                <a:r>
+                  <a:rPr lang="en-GB" dirty="0"/>
+                  <a:t>There is 95% probability that the real parameter value is within the interval</a:t>
+                </a:r>
+                <a:br>
+                  <a:rPr lang="en-GB" dirty="0"/>
+                </a:br>
+                <a:endParaRPr lang="en-GB" sz="1000" dirty="0"/>
+              </a:p>
+              <a:p>
+                <a:r>
+                  <a:rPr lang="en-GB" dirty="0"/>
+                  <a:t>We translate this to the more common standard deviation</a:t>
+                </a:r>
+              </a:p>
+              <a:p>
+                <a:pPr lvl="1"/>
+                <a:r>
+                  <a:rPr lang="en-GB" dirty="0"/>
+                  <a:t>We simplify by assuming the parameter value follows a normal distribution.  The interval from –1.96 to 1.96 standard deviations contains 95% of the cumulative normal distribution.  Thus, the standard deviation is </a:t>
+                </a:r>
+                <a:br>
+                  <a:rPr lang="en-GB" dirty="0"/>
+                </a:br>
+                <a14:m>
+                  <m:oMath xmlns:m="http://schemas.openxmlformats.org/officeDocument/2006/math">
+                    <m:r>
+                      <a:rPr lang="en-GB" i="1" smtClean="0">
+                        <a:latin typeface="Cambria Math" panose="02040503050406030204" pitchFamily="18" charset="0"/>
+                        <a:ea typeface="Cambria Math" panose="02040503050406030204" pitchFamily="18" charset="0"/>
+                      </a:rPr>
+                      <m:t>𝜎</m:t>
+                    </m:r>
+                    <m:r>
+                      <a:rPr lang="en-GB" b="0" i="1" smtClean="0">
+                        <a:latin typeface="Cambria Math" panose="02040503050406030204" pitchFamily="18" charset="0"/>
+                        <a:ea typeface="Cambria Math" panose="02040503050406030204" pitchFamily="18" charset="0"/>
+                      </a:rPr>
+                      <m:t>=</m:t>
+                    </m:r>
+                    <m:f>
+                      <m:fPr>
+                        <m:ctrlPr>
+                          <a:rPr lang="en-GB" b="0" i="1" smtClean="0">
+                            <a:latin typeface="Cambria Math" panose="02040503050406030204" pitchFamily="18" charset="0"/>
+                            <a:ea typeface="Cambria Math" panose="02040503050406030204" pitchFamily="18" charset="0"/>
+                          </a:rPr>
+                        </m:ctrlPr>
+                      </m:fPr>
+                      <m:num>
+                        <m:r>
+                          <a:rPr lang="en-GB" i="1">
+                            <a:latin typeface="Cambria Math" panose="02040503050406030204" pitchFamily="18" charset="0"/>
+                            <a:ea typeface="Cambria Math" panose="02040503050406030204" pitchFamily="18" charset="0"/>
+                          </a:rPr>
+                          <m:t>𝑐𝑖</m:t>
+                        </m:r>
+                        <m:d>
+                          <m:dPr>
+                            <m:ctrlPr>
+                              <a:rPr lang="en-GB" i="1">
+                                <a:latin typeface="Cambria Math" panose="02040503050406030204" pitchFamily="18" charset="0"/>
+                                <a:ea typeface="Cambria Math" panose="02040503050406030204" pitchFamily="18" charset="0"/>
+                              </a:rPr>
+                            </m:ctrlPr>
+                          </m:dPr>
+                          <m:e>
+                            <m:r>
+                              <a:rPr lang="en-GB" i="1">
+                                <a:latin typeface="Cambria Math" panose="02040503050406030204" pitchFamily="18" charset="0"/>
+                                <a:ea typeface="Cambria Math" panose="02040503050406030204" pitchFamily="18" charset="0"/>
+                              </a:rPr>
+                              <m:t>2</m:t>
+                            </m:r>
+                          </m:e>
+                        </m:d>
+                        <m:r>
+                          <a:rPr lang="en-GB" i="1">
+                            <a:latin typeface="Cambria Math" panose="02040503050406030204" pitchFamily="18" charset="0"/>
+                            <a:ea typeface="Cambria Math" panose="02040503050406030204" pitchFamily="18" charset="0"/>
+                          </a:rPr>
+                          <m:t>−</m:t>
+                        </m:r>
+                        <m:r>
+                          <a:rPr lang="en-GB" b="0" i="1" smtClean="0">
+                            <a:latin typeface="Cambria Math" panose="02040503050406030204" pitchFamily="18" charset="0"/>
+                            <a:ea typeface="Cambria Math" panose="02040503050406030204" pitchFamily="18" charset="0"/>
+                          </a:rPr>
+                          <m:t>𝑐𝑖</m:t>
+                        </m:r>
+                        <m:d>
+                          <m:dPr>
+                            <m:ctrlPr>
+                              <a:rPr lang="en-GB" b="0" i="1" smtClean="0">
+                                <a:latin typeface="Cambria Math" panose="02040503050406030204" pitchFamily="18" charset="0"/>
+                                <a:ea typeface="Cambria Math" panose="02040503050406030204" pitchFamily="18" charset="0"/>
+                              </a:rPr>
+                            </m:ctrlPr>
+                          </m:dPr>
+                          <m:e>
+                            <m:r>
+                              <a:rPr lang="en-GB" b="0" i="1" smtClean="0">
+                                <a:latin typeface="Cambria Math" panose="02040503050406030204" pitchFamily="18" charset="0"/>
+                                <a:ea typeface="Cambria Math" panose="02040503050406030204" pitchFamily="18" charset="0"/>
+                              </a:rPr>
+                              <m:t>1</m:t>
+                            </m:r>
+                          </m:e>
+                        </m:d>
+                      </m:num>
+                      <m:den>
+                        <m:r>
+                          <a:rPr lang="en-GB" b="0" i="1" smtClean="0">
+                            <a:latin typeface="Cambria Math" panose="02040503050406030204" pitchFamily="18" charset="0"/>
+                            <a:ea typeface="Cambria Math" panose="02040503050406030204" pitchFamily="18" charset="0"/>
+                          </a:rPr>
+                          <m:t>3.92</m:t>
+                        </m:r>
+                      </m:den>
+                    </m:f>
+                  </m:oMath>
+                </a14:m>
+                <a:br>
+                  <a:rPr lang="en-GB" dirty="0"/>
+                </a:br>
+                <a:br>
+                  <a:rPr lang="en-GB" i="1" dirty="0">
+                    <a:latin typeface="Cambria Math" panose="02040503050406030204" pitchFamily="18" charset="0"/>
+                    <a:ea typeface="Cambria Math" panose="02040503050406030204" pitchFamily="18" charset="0"/>
+                  </a:rPr>
+                </a:br>
+                <a:endParaRPr lang="en-GB" dirty="0"/>
+              </a:p>
+              <a:p>
+                <a:pPr marL="914400" lvl="2" indent="0">
+                  <a:buNone/>
+                </a:pPr>
+                <a:r>
+                  <a:rPr lang="en-GB" sz="1800" dirty="0"/>
+                  <a:t>(Real statisticians may not entirely approve of this engineering approach!)</a:t>
+                </a:r>
+              </a:p>
+              <a:p>
+                <a:pPr lvl="1"/>
+                <a:endParaRPr lang="en-GB" dirty="0"/>
+              </a:p>
+            </p:txBody>
+          </p:sp>
+        </mc:Choice>
+        <mc:Fallback xmlns="">
+          <p:sp>
+            <p:nvSpPr>
+              <p:cNvPr id="3" name="Content Placeholder 2">
+                <a:extLst>
+                  <a:ext uri="{FF2B5EF4-FFF2-40B4-BE49-F238E27FC236}">
+                    <a16:creationId xmlns:a16="http://schemas.microsoft.com/office/drawing/2014/main" id="{AAEE925E-CD5F-1DD7-2693-866309162CB1}"/>
+                  </a:ext>
+                </a:extLst>
+              </p:cNvPr>
+              <p:cNvSpPr>
+                <a:spLocks noGrp="1" noRot="1" noChangeAspect="1" noMove="1" noResize="1" noEditPoints="1" noAdjustHandles="1" noChangeArrowheads="1" noChangeShapeType="1" noTextEdit="1"/>
+              </p:cNvSpPr>
+              <p:nvPr>
+                <p:ph idx="1"/>
+              </p:nvPr>
+            </p:nvSpPr>
+            <p:spPr>
+              <a:xfrm>
+                <a:off x="838200" y="1825625"/>
+                <a:ext cx="10515600" cy="4667250"/>
+              </a:xfrm>
+              <a:blipFill>
+                <a:blip r:embed="rId2"/>
+                <a:stretch>
+                  <a:fillRect l="-1043" t="-2219" r="-870"/>
+                </a:stretch>
+              </a:blipFill>
+            </p:spPr>
+            <p:txBody>
+              <a:bodyPr/>
+              <a:lstStyle/>
+              <a:p>
+                <a:r>
+                  <a:rPr lang="en-GB">
+                    <a:noFill/>
+                  </a:rPr>
+                  <a:t> </a:t>
+                </a:r>
+              </a:p>
+            </p:txBody>
+          </p:sp>
+        </mc:Fallback>
+      </mc:AlternateContent>
+    </p:spTree>
+    <p:extLst>
+      <p:ext uri="{BB962C8B-B14F-4D97-AF65-F5344CB8AC3E}">
+        <p14:creationId xmlns:p14="http://schemas.microsoft.com/office/powerpoint/2010/main" val="1431006850"/>
       </p:ext>
     </p:extLst>
   </p:cSld>

--- a/Summer school 2024/Fitting models to experiment.pptx
+++ b/Summer school 2024/Fitting models to experiment.pptx
@@ -20,18 +20,19 @@
     <p:sldId id="268" r:id="rId14"/>
     <p:sldId id="270" r:id="rId15"/>
     <p:sldId id="271" r:id="rId16"/>
-    <p:sldId id="269" r:id="rId17"/>
-    <p:sldId id="290" r:id="rId18"/>
-    <p:sldId id="289" r:id="rId19"/>
-    <p:sldId id="274" r:id="rId20"/>
-    <p:sldId id="276" r:id="rId21"/>
-    <p:sldId id="292" r:id="rId22"/>
-    <p:sldId id="277" r:id="rId23"/>
-    <p:sldId id="275" r:id="rId24"/>
-    <p:sldId id="291" r:id="rId25"/>
-    <p:sldId id="293" r:id="rId26"/>
-    <p:sldId id="294" r:id="rId27"/>
-    <p:sldId id="272" r:id="rId28"/>
+    <p:sldId id="290" r:id="rId17"/>
+    <p:sldId id="297" r:id="rId18"/>
+    <p:sldId id="298" r:id="rId19"/>
+    <p:sldId id="299" r:id="rId20"/>
+    <p:sldId id="274" r:id="rId21"/>
+    <p:sldId id="276" r:id="rId22"/>
+    <p:sldId id="301" r:id="rId23"/>
+    <p:sldId id="277" r:id="rId24"/>
+    <p:sldId id="275" r:id="rId25"/>
+    <p:sldId id="291" r:id="rId26"/>
+    <p:sldId id="293" r:id="rId27"/>
+    <p:sldId id="300" r:id="rId28"/>
+    <p:sldId id="272" r:id="rId29"/>
   </p:sldIdLst>
   <p:sldSz cx="12192000" cy="6858000"/>
   <p:notesSz cx="6858000" cy="9144000"/>
@@ -141,7 +142,7 @@
 <file path=ppt/revisionInfo.xml><?xml version="1.0" encoding="utf-8"?>
 <p1510:revInfo xmlns:a="http://schemas.openxmlformats.org/drawingml/2006/main" xmlns:r="http://schemas.openxmlformats.org/officeDocument/2006/relationships" xmlns:p1510="http://schemas.microsoft.com/office/powerpoint/2015/10/main">
   <p1510:revLst>
-    <p1510:client id="{38EDF412-F223-4FD6-BF65-217460EE1FDB}" v="521" dt="2024-11-23T16:09:09.771"/>
+    <p1510:client id="{38EDF412-F223-4FD6-BF65-217460EE1FDB}" v="541" dt="2024-11-24T16:14:58.929"/>
   </p1510:revLst>
 </p1510:revInfo>
 </file>
@@ -527,38 +528,6 @@
           <pc:docMk/>
           <pc:sldMk cId="2248117332" sldId="269"/>
         </pc:sldMkLst>
-        <pc:spChg chg="mod ord">
-          <ac:chgData name="Are Mjaavatten" userId="00bb58f78e5d171c" providerId="LiveId" clId="{A45ED6F9-5D39-481B-9112-1D3B983E22B1}" dt="2024-11-04T16:03:55.824" v="8202" actId="20577"/>
-          <ac:spMkLst>
-            <pc:docMk/>
-            <pc:sldMk cId="2248117332" sldId="269"/>
-            <ac:spMk id="2" creationId="{6859C1C7-9E62-0076-5710-71A8D7D3581E}"/>
-          </ac:spMkLst>
-        </pc:spChg>
-        <pc:spChg chg="add mod ord">
-          <ac:chgData name="Are Mjaavatten" userId="00bb58f78e5d171c" providerId="LiveId" clId="{A45ED6F9-5D39-481B-9112-1D3B983E22B1}" dt="2024-11-04T16:07:28.027" v="8532" actId="20577"/>
-          <ac:spMkLst>
-            <pc:docMk/>
-            <pc:sldMk cId="2248117332" sldId="269"/>
-            <ac:spMk id="8" creationId="{23DEC6EA-A2D6-C927-57E0-D76FACC43FCD}"/>
-          </ac:spMkLst>
-        </pc:spChg>
-        <pc:spChg chg="add mod">
-          <ac:chgData name="Are Mjaavatten" userId="00bb58f78e5d171c" providerId="LiveId" clId="{A45ED6F9-5D39-481B-9112-1D3B983E22B1}" dt="2024-11-04T16:07:55.962" v="8533" actId="1076"/>
-          <ac:spMkLst>
-            <pc:docMk/>
-            <pc:sldMk cId="2248117332" sldId="269"/>
-            <ac:spMk id="18" creationId="{803163AC-8ACA-8EBE-A90F-75DC087764C7}"/>
-          </ac:spMkLst>
-        </pc:spChg>
-        <pc:picChg chg="add mod ord">
-          <ac:chgData name="Are Mjaavatten" userId="00bb58f78e5d171c" providerId="LiveId" clId="{A45ED6F9-5D39-481B-9112-1D3B983E22B1}" dt="2024-11-04T16:05:40.622" v="8353" actId="14100"/>
-          <ac:picMkLst>
-            <pc:docMk/>
-            <pc:sldMk cId="2248117332" sldId="269"/>
-            <ac:picMk id="7" creationId="{5DD5B339-4491-F542-9D77-95463F807861}"/>
-          </ac:picMkLst>
-        </pc:picChg>
       </pc:sldChg>
       <pc:sldChg chg="add del">
         <pc:chgData name="Are Mjaavatten" userId="00bb58f78e5d171c" providerId="LiveId" clId="{A45ED6F9-5D39-481B-9112-1D3B983E22B1}" dt="2024-10-29T12:30:12.416" v="178" actId="47"/>
@@ -718,14 +687,6 @@
             <ac:spMk id="5" creationId="{7B5ED978-1738-4D6A-785E-C4C269A9BA1F}"/>
           </ac:spMkLst>
         </pc:spChg>
-        <pc:spChg chg="add mod">
-          <ac:chgData name="Are Mjaavatten" userId="00bb58f78e5d171c" providerId="LiveId" clId="{A45ED6F9-5D39-481B-9112-1D3B983E22B1}" dt="2024-11-06T16:50:18.371" v="13840"/>
-          <ac:spMkLst>
-            <pc:docMk/>
-            <pc:sldMk cId="1676652985" sldId="274"/>
-            <ac:spMk id="9" creationId="{654181CA-C003-765A-40E1-B992A39A7236}"/>
-          </ac:spMkLst>
-        </pc:spChg>
       </pc:sldChg>
       <pc:sldChg chg="modSp new del mod">
         <pc:chgData name="Are Mjaavatten" userId="00bb58f78e5d171c" providerId="LiveId" clId="{A45ED6F9-5D39-481B-9112-1D3B983E22B1}" dt="2024-11-06T10:38:44.344" v="11781" actId="47"/>
@@ -877,30 +838,6 @@
           <pc:docMk/>
           <pc:sldMk cId="2595814099" sldId="292"/>
         </pc:sldMkLst>
-        <pc:spChg chg="mod">
-          <ac:chgData name="Are Mjaavatten" userId="00bb58f78e5d171c" providerId="LiveId" clId="{A45ED6F9-5D39-481B-9112-1D3B983E22B1}" dt="2024-11-07T10:51:55.817" v="15195" actId="20577"/>
-          <ac:spMkLst>
-            <pc:docMk/>
-            <pc:sldMk cId="2595814099" sldId="292"/>
-            <ac:spMk id="2" creationId="{E9A8712F-A2ED-CF22-B85E-C944A8166340}"/>
-          </ac:spMkLst>
-        </pc:spChg>
-        <pc:spChg chg="mod">
-          <ac:chgData name="Are Mjaavatten" userId="00bb58f78e5d171c" providerId="LiveId" clId="{A45ED6F9-5D39-481B-9112-1D3B983E22B1}" dt="2024-11-07T10:55:49.436" v="15314" actId="14"/>
-          <ac:spMkLst>
-            <pc:docMk/>
-            <pc:sldMk cId="2595814099" sldId="292"/>
-            <ac:spMk id="3" creationId="{512672BA-F013-1EF4-E208-DED52A62BD5E}"/>
-          </ac:spMkLst>
-        </pc:spChg>
-        <pc:picChg chg="add mod">
-          <ac:chgData name="Are Mjaavatten" userId="00bb58f78e5d171c" providerId="LiveId" clId="{A45ED6F9-5D39-481B-9112-1D3B983E22B1}" dt="2024-11-07T10:56:50.537" v="15319" actId="1076"/>
-          <ac:picMkLst>
-            <pc:docMk/>
-            <pc:sldMk cId="2595814099" sldId="292"/>
-            <ac:picMk id="5" creationId="{37408C38-C53F-44F0-EBE4-BA072C4A7A8B}"/>
-          </ac:picMkLst>
-        </pc:picChg>
       </pc:sldChg>
       <pc:sldChg chg="addSp modSp new mod">
         <pc:chgData name="Are Mjaavatten" userId="00bb58f78e5d171c" providerId="LiveId" clId="{A45ED6F9-5D39-481B-9112-1D3B983E22B1}" dt="2024-11-07T12:50:29.621" v="16011" actId="14100"/>
@@ -969,18 +906,18 @@
   <pc:docChgLst>
     <pc:chgData name="Are Mjaavatten" userId="00bb58f78e5d171c" providerId="LiveId" clId="{38EDF412-F223-4FD6-BF65-217460EE1FDB}"/>
     <pc:docChg chg="undo custSel addSld delSld modSld sldOrd">
-      <pc:chgData name="Are Mjaavatten" userId="00bb58f78e5d171c" providerId="LiveId" clId="{38EDF412-F223-4FD6-BF65-217460EE1FDB}" dt="2024-11-23T16:17:28.746" v="2296" actId="20577"/>
+      <pc:chgData name="Are Mjaavatten" userId="00bb58f78e5d171c" providerId="LiveId" clId="{38EDF412-F223-4FD6-BF65-217460EE1FDB}" dt="2024-11-24T16:18:12.980" v="4697" actId="20577"/>
       <pc:docMkLst>
         <pc:docMk/>
       </pc:docMkLst>
       <pc:sldChg chg="modSp mod">
-        <pc:chgData name="Are Mjaavatten" userId="00bb58f78e5d171c" providerId="LiveId" clId="{38EDF412-F223-4FD6-BF65-217460EE1FDB}" dt="2024-11-23T11:52:20.401" v="1670" actId="20577"/>
+        <pc:chgData name="Are Mjaavatten" userId="00bb58f78e5d171c" providerId="LiveId" clId="{38EDF412-F223-4FD6-BF65-217460EE1FDB}" dt="2024-11-24T13:03:51.930" v="2301" actId="20577"/>
         <pc:sldMkLst>
           <pc:docMk/>
           <pc:sldMk cId="1773394934" sldId="257"/>
         </pc:sldMkLst>
         <pc:spChg chg="mod">
-          <ac:chgData name="Are Mjaavatten" userId="00bb58f78e5d171c" providerId="LiveId" clId="{38EDF412-F223-4FD6-BF65-217460EE1FDB}" dt="2024-11-23T11:52:20.401" v="1670" actId="20577"/>
+          <ac:chgData name="Are Mjaavatten" userId="00bb58f78e5d171c" providerId="LiveId" clId="{38EDF412-F223-4FD6-BF65-217460EE1FDB}" dt="2024-11-24T13:03:51.930" v="2301" actId="20577"/>
           <ac:spMkLst>
             <pc:docMk/>
             <pc:sldMk cId="1773394934" sldId="257"/>
@@ -1026,6 +963,21 @@
           </ac:spMkLst>
         </pc:spChg>
       </pc:sldChg>
+      <pc:sldChg chg="modSp mod">
+        <pc:chgData name="Are Mjaavatten" userId="00bb58f78e5d171c" providerId="LiveId" clId="{38EDF412-F223-4FD6-BF65-217460EE1FDB}" dt="2024-11-24T13:09:16.208" v="2318" actId="20577"/>
+        <pc:sldMkLst>
+          <pc:docMk/>
+          <pc:sldMk cId="2563176022" sldId="264"/>
+        </pc:sldMkLst>
+        <pc:spChg chg="mod">
+          <ac:chgData name="Are Mjaavatten" userId="00bb58f78e5d171c" providerId="LiveId" clId="{38EDF412-F223-4FD6-BF65-217460EE1FDB}" dt="2024-11-24T13:09:16.208" v="2318" actId="20577"/>
+          <ac:spMkLst>
+            <pc:docMk/>
+            <pc:sldMk cId="2563176022" sldId="264"/>
+            <ac:spMk id="3" creationId="{48A9E5C5-5E00-E0F3-16E8-19D66C389807}"/>
+          </ac:spMkLst>
+        </pc:spChg>
+      </pc:sldChg>
       <pc:sldChg chg="modSp">
         <pc:chgData name="Are Mjaavatten" userId="00bb58f78e5d171c" providerId="LiveId" clId="{38EDF412-F223-4FD6-BF65-217460EE1FDB}" dt="2024-11-23T16:08:31.686" v="2197" actId="16959"/>
         <pc:sldMkLst>
@@ -1056,8 +1008,8 @@
           </ac:picMkLst>
         </pc:picChg>
       </pc:sldChg>
-      <pc:sldChg chg="modSp mod ord">
-        <pc:chgData name="Are Mjaavatten" userId="00bb58f78e5d171c" providerId="LiveId" clId="{38EDF412-F223-4FD6-BF65-217460EE1FDB}" dt="2024-11-23T13:04:43.918" v="2194" actId="20577"/>
+      <pc:sldChg chg="modSp del mod ord">
+        <pc:chgData name="Are Mjaavatten" userId="00bb58f78e5d171c" providerId="LiveId" clId="{38EDF412-F223-4FD6-BF65-217460EE1FDB}" dt="2024-11-24T13:51:06.076" v="3380" actId="47"/>
         <pc:sldMkLst>
           <pc:docMk/>
           <pc:sldMk cId="2248117332" sldId="269"/>
@@ -1072,13 +1024,13 @@
         </pc:spChg>
       </pc:sldChg>
       <pc:sldChg chg="modSp mod">
-        <pc:chgData name="Are Mjaavatten" userId="00bb58f78e5d171c" providerId="LiveId" clId="{38EDF412-F223-4FD6-BF65-217460EE1FDB}" dt="2024-11-23T16:09:25.297" v="2208" actId="20577"/>
+        <pc:chgData name="Are Mjaavatten" userId="00bb58f78e5d171c" providerId="LiveId" clId="{38EDF412-F223-4FD6-BF65-217460EE1FDB}" dt="2024-11-24T13:12:20.009" v="2325" actId="20577"/>
         <pc:sldMkLst>
           <pc:docMk/>
           <pc:sldMk cId="2078969365" sldId="270"/>
         </pc:sldMkLst>
         <pc:spChg chg="mod">
-          <ac:chgData name="Are Mjaavatten" userId="00bb58f78e5d171c" providerId="LiveId" clId="{38EDF412-F223-4FD6-BF65-217460EE1FDB}" dt="2024-11-23T16:09:25.297" v="2208" actId="20577"/>
+          <ac:chgData name="Are Mjaavatten" userId="00bb58f78e5d171c" providerId="LiveId" clId="{38EDF412-F223-4FD6-BF65-217460EE1FDB}" dt="2024-11-24T13:12:20.009" v="2325" actId="20577"/>
           <ac:spMkLst>
             <pc:docMk/>
             <pc:sldMk cId="2078969365" sldId="270"/>
@@ -1087,13 +1039,13 @@
         </pc:spChg>
       </pc:sldChg>
       <pc:sldChg chg="modSp mod">
-        <pc:chgData name="Are Mjaavatten" userId="00bb58f78e5d171c" providerId="LiveId" clId="{38EDF412-F223-4FD6-BF65-217460EE1FDB}" dt="2024-11-10T11:05:30.533" v="24" actId="20577"/>
+        <pc:chgData name="Are Mjaavatten" userId="00bb58f78e5d171c" providerId="LiveId" clId="{38EDF412-F223-4FD6-BF65-217460EE1FDB}" dt="2024-11-24T16:18:12.980" v="4697" actId="20577"/>
         <pc:sldMkLst>
           <pc:docMk/>
           <pc:sldMk cId="3717817248" sldId="272"/>
         </pc:sldMkLst>
         <pc:spChg chg="mod">
-          <ac:chgData name="Are Mjaavatten" userId="00bb58f78e5d171c" providerId="LiveId" clId="{38EDF412-F223-4FD6-BF65-217460EE1FDB}" dt="2024-11-10T11:05:30.533" v="24" actId="20577"/>
+          <ac:chgData name="Are Mjaavatten" userId="00bb58f78e5d171c" providerId="LiveId" clId="{38EDF412-F223-4FD6-BF65-217460EE1FDB}" dt="2024-11-24T16:18:12.980" v="4697" actId="20577"/>
           <ac:spMkLst>
             <pc:docMk/>
             <pc:sldMk cId="3717817248" sldId="272"/>
@@ -1101,22 +1053,30 @@
           </ac:spMkLst>
         </pc:spChg>
       </pc:sldChg>
-      <pc:sldChg chg="modSp mod">
-        <pc:chgData name="Are Mjaavatten" userId="00bb58f78e5d171c" providerId="LiveId" clId="{38EDF412-F223-4FD6-BF65-217460EE1FDB}" dt="2024-11-23T16:14:37.211" v="2250" actId="20577"/>
+      <pc:sldChg chg="delSp modSp mod">
+        <pc:chgData name="Are Mjaavatten" userId="00bb58f78e5d171c" providerId="LiveId" clId="{38EDF412-F223-4FD6-BF65-217460EE1FDB}" dt="2024-11-24T15:53:35.890" v="4271" actId="20577"/>
         <pc:sldMkLst>
           <pc:docMk/>
           <pc:sldMk cId="1676652985" sldId="274"/>
         </pc:sldMkLst>
         <pc:spChg chg="mod">
-          <ac:chgData name="Are Mjaavatten" userId="00bb58f78e5d171c" providerId="LiveId" clId="{38EDF412-F223-4FD6-BF65-217460EE1FDB}" dt="2024-11-23T16:14:37.211" v="2250" actId="20577"/>
+          <ac:chgData name="Are Mjaavatten" userId="00bb58f78e5d171c" providerId="LiveId" clId="{38EDF412-F223-4FD6-BF65-217460EE1FDB}" dt="2024-11-24T14:08:54.026" v="3753" actId="20577"/>
+          <ac:spMkLst>
+            <pc:docMk/>
+            <pc:sldMk cId="1676652985" sldId="274"/>
+            <ac:spMk id="2" creationId="{6E5C4722-E90C-EEAA-A65D-6B63EB5DC893}"/>
+          </ac:spMkLst>
+        </pc:spChg>
+        <pc:spChg chg="mod">
+          <ac:chgData name="Are Mjaavatten" userId="00bb58f78e5d171c" providerId="LiveId" clId="{38EDF412-F223-4FD6-BF65-217460EE1FDB}" dt="2024-11-24T15:53:35.890" v="4271" actId="20577"/>
           <ac:spMkLst>
             <pc:docMk/>
             <pc:sldMk cId="1676652985" sldId="274"/>
             <ac:spMk id="3" creationId="{A9C6016E-7894-D60A-938F-FE23568508EA}"/>
           </ac:spMkLst>
         </pc:spChg>
-        <pc:spChg chg="mod">
-          <ac:chgData name="Are Mjaavatten" userId="00bb58f78e5d171c" providerId="LiveId" clId="{38EDF412-F223-4FD6-BF65-217460EE1FDB}" dt="2024-11-23T16:13:28.378" v="2244" actId="20577"/>
+        <pc:spChg chg="del mod">
+          <ac:chgData name="Are Mjaavatten" userId="00bb58f78e5d171c" providerId="LiveId" clId="{38EDF412-F223-4FD6-BF65-217460EE1FDB}" dt="2024-11-24T14:09:16.792" v="3755" actId="478"/>
           <ac:spMkLst>
             <pc:docMk/>
             <pc:sldMk cId="1676652985" sldId="274"/>
@@ -1125,13 +1085,36 @@
         </pc:spChg>
       </pc:sldChg>
       <pc:sldChg chg="modSp mod">
-        <pc:chgData name="Are Mjaavatten" userId="00bb58f78e5d171c" providerId="LiveId" clId="{38EDF412-F223-4FD6-BF65-217460EE1FDB}" dt="2024-11-23T16:17:28.746" v="2296" actId="20577"/>
+        <pc:chgData name="Are Mjaavatten" userId="00bb58f78e5d171c" providerId="LiveId" clId="{38EDF412-F223-4FD6-BF65-217460EE1FDB}" dt="2024-11-24T14:35:43.089" v="4198" actId="20577"/>
+        <pc:sldMkLst>
+          <pc:docMk/>
+          <pc:sldMk cId="2564987816" sldId="275"/>
+        </pc:sldMkLst>
+        <pc:spChg chg="mod">
+          <ac:chgData name="Are Mjaavatten" userId="00bb58f78e5d171c" providerId="LiveId" clId="{38EDF412-F223-4FD6-BF65-217460EE1FDB}" dt="2024-11-24T14:35:43.089" v="4198" actId="20577"/>
+          <ac:spMkLst>
+            <pc:docMk/>
+            <pc:sldMk cId="2564987816" sldId="275"/>
+            <ac:spMk id="2" creationId="{6FD4D575-0620-0451-CEF7-ECDC42E5915A}"/>
+          </ac:spMkLst>
+        </pc:spChg>
+      </pc:sldChg>
+      <pc:sldChg chg="modSp mod">
+        <pc:chgData name="Are Mjaavatten" userId="00bb58f78e5d171c" providerId="LiveId" clId="{38EDF412-F223-4FD6-BF65-217460EE1FDB}" dt="2024-11-24T15:53:47.878" v="4273" actId="20577"/>
         <pc:sldMkLst>
           <pc:docMk/>
           <pc:sldMk cId="3727252890" sldId="276"/>
         </pc:sldMkLst>
         <pc:spChg chg="mod">
-          <ac:chgData name="Are Mjaavatten" userId="00bb58f78e5d171c" providerId="LiveId" clId="{38EDF412-F223-4FD6-BF65-217460EE1FDB}" dt="2024-11-23T16:17:28.746" v="2296" actId="20577"/>
+          <ac:chgData name="Are Mjaavatten" userId="00bb58f78e5d171c" providerId="LiveId" clId="{38EDF412-F223-4FD6-BF65-217460EE1FDB}" dt="2024-11-24T14:19:17.531" v="3922" actId="255"/>
+          <ac:spMkLst>
+            <pc:docMk/>
+            <pc:sldMk cId="3727252890" sldId="276"/>
+            <ac:spMk id="2" creationId="{AEE9A307-63DA-31DA-FD6F-A3B6A5F20EF2}"/>
+          </ac:spMkLst>
+        </pc:spChg>
+        <pc:spChg chg="mod">
+          <ac:chgData name="Are Mjaavatten" userId="00bb58f78e5d171c" providerId="LiveId" clId="{38EDF412-F223-4FD6-BF65-217460EE1FDB}" dt="2024-11-24T15:53:47.878" v="4273" actId="20577"/>
           <ac:spMkLst>
             <pc:docMk/>
             <pc:sldMk cId="3727252890" sldId="276"/>
@@ -1140,19 +1123,85 @@
         </pc:spChg>
       </pc:sldChg>
       <pc:sldChg chg="modSp mod">
-        <pc:chgData name="Are Mjaavatten" userId="00bb58f78e5d171c" providerId="LiveId" clId="{38EDF412-F223-4FD6-BF65-217460EE1FDB}" dt="2024-11-23T16:10:21.998" v="2232" actId="20577"/>
+        <pc:chgData name="Are Mjaavatten" userId="00bb58f78e5d171c" providerId="LiveId" clId="{38EDF412-F223-4FD6-BF65-217460EE1FDB}" dt="2024-11-24T14:35:25.419" v="4183" actId="20577"/>
+        <pc:sldMkLst>
+          <pc:docMk/>
+          <pc:sldMk cId="3671315809" sldId="277"/>
+        </pc:sldMkLst>
+        <pc:spChg chg="mod">
+          <ac:chgData name="Are Mjaavatten" userId="00bb58f78e5d171c" providerId="LiveId" clId="{38EDF412-F223-4FD6-BF65-217460EE1FDB}" dt="2024-11-24T14:35:25.419" v="4183" actId="20577"/>
+          <ac:spMkLst>
+            <pc:docMk/>
+            <pc:sldMk cId="3671315809" sldId="277"/>
+            <ac:spMk id="2" creationId="{084F4CE6-5348-2CDB-26A6-72E9DEEB9583}"/>
+          </ac:spMkLst>
+        </pc:spChg>
+      </pc:sldChg>
+      <pc:sldChg chg="del">
+        <pc:chgData name="Are Mjaavatten" userId="00bb58f78e5d171c" providerId="LiveId" clId="{38EDF412-F223-4FD6-BF65-217460EE1FDB}" dt="2024-11-24T13:50:26.490" v="3379" actId="47"/>
+        <pc:sldMkLst>
+          <pc:docMk/>
+          <pc:sldMk cId="1297391930" sldId="289"/>
+        </pc:sldMkLst>
+      </pc:sldChg>
+      <pc:sldChg chg="modSp mod ord">
+        <pc:chgData name="Are Mjaavatten" userId="00bb58f78e5d171c" providerId="LiveId" clId="{38EDF412-F223-4FD6-BF65-217460EE1FDB}" dt="2024-11-24T14:33:11.125" v="4171" actId="20577"/>
         <pc:sldMkLst>
           <pc:docMk/>
           <pc:sldMk cId="1316731880" sldId="290"/>
         </pc:sldMkLst>
         <pc:spChg chg="mod">
-          <ac:chgData name="Are Mjaavatten" userId="00bb58f78e5d171c" providerId="LiveId" clId="{38EDF412-F223-4FD6-BF65-217460EE1FDB}" dt="2024-11-23T16:10:21.998" v="2232" actId="20577"/>
+          <ac:chgData name="Are Mjaavatten" userId="00bb58f78e5d171c" providerId="LiveId" clId="{38EDF412-F223-4FD6-BF65-217460EE1FDB}" dt="2024-11-24T14:33:11.125" v="4171" actId="20577"/>
           <ac:spMkLst>
             <pc:docMk/>
             <pc:sldMk cId="1316731880" sldId="290"/>
             <ac:spMk id="3" creationId="{146B1BDC-14E9-C6BA-F8C8-E95FD0ED05F2}"/>
           </ac:spMkLst>
         </pc:spChg>
+      </pc:sldChg>
+      <pc:sldChg chg="modSp mod">
+        <pc:chgData name="Are Mjaavatten" userId="00bb58f78e5d171c" providerId="LiveId" clId="{38EDF412-F223-4FD6-BF65-217460EE1FDB}" dt="2024-11-24T14:42:23.440" v="4214" actId="20577"/>
+        <pc:sldMkLst>
+          <pc:docMk/>
+          <pc:sldMk cId="3294353835" sldId="291"/>
+        </pc:sldMkLst>
+        <pc:spChg chg="mod">
+          <ac:chgData name="Are Mjaavatten" userId="00bb58f78e5d171c" providerId="LiveId" clId="{38EDF412-F223-4FD6-BF65-217460EE1FDB}" dt="2024-11-24T14:39:11.981" v="4199"/>
+          <ac:spMkLst>
+            <pc:docMk/>
+            <pc:sldMk cId="3294353835" sldId="291"/>
+            <ac:spMk id="2" creationId="{DA2E6929-83F4-6153-BFED-8B332CB5BFFB}"/>
+          </ac:spMkLst>
+        </pc:spChg>
+        <pc:spChg chg="mod">
+          <ac:chgData name="Are Mjaavatten" userId="00bb58f78e5d171c" providerId="LiveId" clId="{38EDF412-F223-4FD6-BF65-217460EE1FDB}" dt="2024-11-24T14:42:23.440" v="4214" actId="20577"/>
+          <ac:spMkLst>
+            <pc:docMk/>
+            <pc:sldMk cId="3294353835" sldId="291"/>
+            <ac:spMk id="3" creationId="{5C161252-FC03-F43C-1D35-4218E945C7B2}"/>
+          </ac:spMkLst>
+        </pc:spChg>
+      </pc:sldChg>
+      <pc:sldChg chg="del">
+        <pc:chgData name="Are Mjaavatten" userId="00bb58f78e5d171c" providerId="LiveId" clId="{38EDF412-F223-4FD6-BF65-217460EE1FDB}" dt="2024-11-24T14:34:44.139" v="4172" actId="47"/>
+        <pc:sldMkLst>
+          <pc:docMk/>
+          <pc:sldMk cId="2595814099" sldId="292"/>
+        </pc:sldMkLst>
+      </pc:sldChg>
+      <pc:sldChg chg="ord">
+        <pc:chgData name="Are Mjaavatten" userId="00bb58f78e5d171c" providerId="LiveId" clId="{38EDF412-F223-4FD6-BF65-217460EE1FDB}" dt="2024-11-24T16:13:27.338" v="4624"/>
+        <pc:sldMkLst>
+          <pc:docMk/>
+          <pc:sldMk cId="2858449034" sldId="293"/>
+        </pc:sldMkLst>
+      </pc:sldChg>
+      <pc:sldChg chg="del">
+        <pc:chgData name="Are Mjaavatten" userId="00bb58f78e5d171c" providerId="LiveId" clId="{38EDF412-F223-4FD6-BF65-217460EE1FDB}" dt="2024-11-24T16:15:49.503" v="4665" actId="47"/>
+        <pc:sldMkLst>
+          <pc:docMk/>
+          <pc:sldMk cId="1709394417" sldId="294"/>
+        </pc:sldMkLst>
       </pc:sldChg>
       <pc:sldChg chg="addSp delSp modSp new mod">
         <pc:chgData name="Are Mjaavatten" userId="00bb58f78e5d171c" providerId="LiveId" clId="{38EDF412-F223-4FD6-BF65-217460EE1FDB}" dt="2024-11-11T09:08:09.438" v="1637" actId="20577"/>
@@ -1178,7 +1227,7 @@
         </pc:spChg>
       </pc:sldChg>
       <pc:sldChg chg="modSp new mod">
-        <pc:chgData name="Are Mjaavatten" userId="00bb58f78e5d171c" providerId="LiveId" clId="{38EDF412-F223-4FD6-BF65-217460EE1FDB}" dt="2024-11-23T12:55:34.043" v="2038" actId="27636"/>
+        <pc:chgData name="Are Mjaavatten" userId="00bb58f78e5d171c" providerId="LiveId" clId="{38EDF412-F223-4FD6-BF65-217460EE1FDB}" dt="2024-11-24T13:07:10.581" v="2312" actId="20577"/>
         <pc:sldMkLst>
           <pc:docMk/>
           <pc:sldMk cId="1222336406" sldId="296"/>
@@ -1192,13 +1241,175 @@
           </ac:spMkLst>
         </pc:spChg>
         <pc:spChg chg="mod">
-          <ac:chgData name="Are Mjaavatten" userId="00bb58f78e5d171c" providerId="LiveId" clId="{38EDF412-F223-4FD6-BF65-217460EE1FDB}" dt="2024-11-23T12:55:34.043" v="2038" actId="27636"/>
+          <ac:chgData name="Are Mjaavatten" userId="00bb58f78e5d171c" providerId="LiveId" clId="{38EDF412-F223-4FD6-BF65-217460EE1FDB}" dt="2024-11-24T13:07:10.581" v="2312" actId="20577"/>
           <ac:spMkLst>
             <pc:docMk/>
             <pc:sldMk cId="1222336406" sldId="296"/>
             <ac:spMk id="3" creationId="{EDD74A73-FA02-253F-C1F1-8AE153682E67}"/>
           </ac:spMkLst>
         </pc:spChg>
+      </pc:sldChg>
+      <pc:sldChg chg="modSp new mod">
+        <pc:chgData name="Are Mjaavatten" userId="00bb58f78e5d171c" providerId="LiveId" clId="{38EDF412-F223-4FD6-BF65-217460EE1FDB}" dt="2024-11-24T13:47:08.986" v="3312" actId="21"/>
+        <pc:sldMkLst>
+          <pc:docMk/>
+          <pc:sldMk cId="2982683275" sldId="297"/>
+        </pc:sldMkLst>
+        <pc:spChg chg="mod">
+          <ac:chgData name="Are Mjaavatten" userId="00bb58f78e5d171c" providerId="LiveId" clId="{38EDF412-F223-4FD6-BF65-217460EE1FDB}" dt="2024-11-24T13:35:38.231" v="2906" actId="1076"/>
+          <ac:spMkLst>
+            <pc:docMk/>
+            <pc:sldMk cId="2982683275" sldId="297"/>
+            <ac:spMk id="2" creationId="{90458B98-7EEF-11D7-9A33-C95C064BEB28}"/>
+          </ac:spMkLst>
+        </pc:spChg>
+        <pc:spChg chg="mod">
+          <ac:chgData name="Are Mjaavatten" userId="00bb58f78e5d171c" providerId="LiveId" clId="{38EDF412-F223-4FD6-BF65-217460EE1FDB}" dt="2024-11-24T13:47:08.986" v="3312" actId="21"/>
+          <ac:spMkLst>
+            <pc:docMk/>
+            <pc:sldMk cId="2982683275" sldId="297"/>
+            <ac:spMk id="3" creationId="{FEF114A5-B11F-AA9B-2A2A-48439BC30808}"/>
+          </ac:spMkLst>
+        </pc:spChg>
+      </pc:sldChg>
+      <pc:sldChg chg="modSp new del mod">
+        <pc:chgData name="Are Mjaavatten" userId="00bb58f78e5d171c" providerId="LiveId" clId="{38EDF412-F223-4FD6-BF65-217460EE1FDB}" dt="2024-11-24T13:20:41.343" v="2361" actId="47"/>
+        <pc:sldMkLst>
+          <pc:docMk/>
+          <pc:sldMk cId="3316616521" sldId="297"/>
+        </pc:sldMkLst>
+        <pc:spChg chg="mod">
+          <ac:chgData name="Are Mjaavatten" userId="00bb58f78e5d171c" providerId="LiveId" clId="{38EDF412-F223-4FD6-BF65-217460EE1FDB}" dt="2024-11-24T13:18:58.758" v="2360" actId="20577"/>
+          <ac:spMkLst>
+            <pc:docMk/>
+            <pc:sldMk cId="3316616521" sldId="297"/>
+            <ac:spMk id="2" creationId="{3EED4AD0-8D60-D5B0-6B81-075D8DC86BC1}"/>
+          </ac:spMkLst>
+        </pc:spChg>
+      </pc:sldChg>
+      <pc:sldChg chg="modSp new mod">
+        <pc:chgData name="Are Mjaavatten" userId="00bb58f78e5d171c" providerId="LiveId" clId="{38EDF412-F223-4FD6-BF65-217460EE1FDB}" dt="2024-11-24T13:49:28.280" v="3378" actId="403"/>
+        <pc:sldMkLst>
+          <pc:docMk/>
+          <pc:sldMk cId="1276691091" sldId="298"/>
+        </pc:sldMkLst>
+        <pc:spChg chg="mod">
+          <ac:chgData name="Are Mjaavatten" userId="00bb58f78e5d171c" providerId="LiveId" clId="{38EDF412-F223-4FD6-BF65-217460EE1FDB}" dt="2024-11-24T13:35:57.508" v="2913" actId="20577"/>
+          <ac:spMkLst>
+            <pc:docMk/>
+            <pc:sldMk cId="1276691091" sldId="298"/>
+            <ac:spMk id="2" creationId="{1A439956-EB12-9E4F-4780-1DDA3DFD5167}"/>
+          </ac:spMkLst>
+        </pc:spChg>
+        <pc:spChg chg="mod">
+          <ac:chgData name="Are Mjaavatten" userId="00bb58f78e5d171c" providerId="LiveId" clId="{38EDF412-F223-4FD6-BF65-217460EE1FDB}" dt="2024-11-24T13:49:28.280" v="3378" actId="403"/>
+          <ac:spMkLst>
+            <pc:docMk/>
+            <pc:sldMk cId="1276691091" sldId="298"/>
+            <ac:spMk id="3" creationId="{C42A3D81-60A5-709E-64C3-4D5AC68E6E9E}"/>
+          </ac:spMkLst>
+        </pc:spChg>
+      </pc:sldChg>
+      <pc:sldChg chg="modSp new mod">
+        <pc:chgData name="Are Mjaavatten" userId="00bb58f78e5d171c" providerId="LiveId" clId="{38EDF412-F223-4FD6-BF65-217460EE1FDB}" dt="2024-11-24T14:08:42.918" v="3749" actId="20577"/>
+        <pc:sldMkLst>
+          <pc:docMk/>
+          <pc:sldMk cId="3056208532" sldId="299"/>
+        </pc:sldMkLst>
+        <pc:spChg chg="mod">
+          <ac:chgData name="Are Mjaavatten" userId="00bb58f78e5d171c" providerId="LiveId" clId="{38EDF412-F223-4FD6-BF65-217460EE1FDB}" dt="2024-11-24T14:08:42.918" v="3749" actId="20577"/>
+          <ac:spMkLst>
+            <pc:docMk/>
+            <pc:sldMk cId="3056208532" sldId="299"/>
+            <ac:spMk id="2" creationId="{F66A5488-BAD4-968F-04B1-92A655E6127A}"/>
+          </ac:spMkLst>
+        </pc:spChg>
+        <pc:spChg chg="mod">
+          <ac:chgData name="Are Mjaavatten" userId="00bb58f78e5d171c" providerId="LiveId" clId="{38EDF412-F223-4FD6-BF65-217460EE1FDB}" dt="2024-11-24T14:07:48.207" v="3727" actId="27636"/>
+          <ac:spMkLst>
+            <pc:docMk/>
+            <pc:sldMk cId="3056208532" sldId="299"/>
+            <ac:spMk id="3" creationId="{A2AECF4A-658A-0E36-776B-2BE9537BD0D5}"/>
+          </ac:spMkLst>
+        </pc:spChg>
+      </pc:sldChg>
+      <pc:sldChg chg="addSp delSp modSp new mod">
+        <pc:chgData name="Are Mjaavatten" userId="00bb58f78e5d171c" providerId="LiveId" clId="{38EDF412-F223-4FD6-BF65-217460EE1FDB}" dt="2024-11-24T16:15:25.748" v="4664" actId="1035"/>
+        <pc:sldMkLst>
+          <pc:docMk/>
+          <pc:sldMk cId="3013525236" sldId="300"/>
+        </pc:sldMkLst>
+        <pc:spChg chg="mod">
+          <ac:chgData name="Are Mjaavatten" userId="00bb58f78e5d171c" providerId="LiveId" clId="{38EDF412-F223-4FD6-BF65-217460EE1FDB}" dt="2024-11-24T14:45:36.851" v="4216"/>
+          <ac:spMkLst>
+            <pc:docMk/>
+            <pc:sldMk cId="3013525236" sldId="300"/>
+            <ac:spMk id="2" creationId="{0D248F14-6C54-FCA6-54D6-A81C807C544D}"/>
+          </ac:spMkLst>
+        </pc:spChg>
+        <pc:spChg chg="mod">
+          <ac:chgData name="Are Mjaavatten" userId="00bb58f78e5d171c" providerId="LiveId" clId="{38EDF412-F223-4FD6-BF65-217460EE1FDB}" dt="2024-11-24T16:09:48.056" v="4622" actId="20577"/>
+          <ac:spMkLst>
+            <pc:docMk/>
+            <pc:sldMk cId="3013525236" sldId="300"/>
+            <ac:spMk id="3" creationId="{80CDC13B-4DDC-6225-5F6D-3C645A78A38B}"/>
+          </ac:spMkLst>
+        </pc:spChg>
+        <pc:spChg chg="add del">
+          <ac:chgData name="Are Mjaavatten" userId="00bb58f78e5d171c" providerId="LiveId" clId="{38EDF412-F223-4FD6-BF65-217460EE1FDB}" dt="2024-11-24T16:14:43.439" v="4626" actId="22"/>
+          <ac:spMkLst>
+            <pc:docMk/>
+            <pc:sldMk cId="3013525236" sldId="300"/>
+            <ac:spMk id="7" creationId="{6FA00FCD-9F43-74D9-02CE-55319F18A94A}"/>
+          </ac:spMkLst>
+        </pc:spChg>
+        <pc:spChg chg="add mod">
+          <ac:chgData name="Are Mjaavatten" userId="00bb58f78e5d171c" providerId="LiveId" clId="{38EDF412-F223-4FD6-BF65-217460EE1FDB}" dt="2024-11-24T16:15:08.928" v="4652" actId="1036"/>
+          <ac:spMkLst>
+            <pc:docMk/>
+            <pc:sldMk cId="3013525236" sldId="300"/>
+            <ac:spMk id="8" creationId="{E092D3C1-7E3D-5AEC-19CC-9DF8141A1262}"/>
+          </ac:spMkLst>
+        </pc:spChg>
+        <pc:picChg chg="add mod">
+          <ac:chgData name="Are Mjaavatten" userId="00bb58f78e5d171c" providerId="LiveId" clId="{38EDF412-F223-4FD6-BF65-217460EE1FDB}" dt="2024-11-24T16:15:25.748" v="4664" actId="1035"/>
+          <ac:picMkLst>
+            <pc:docMk/>
+            <pc:sldMk cId="3013525236" sldId="300"/>
+            <ac:picMk id="5" creationId="{C6D2940A-362F-6F32-D11B-B2C033162F81}"/>
+          </ac:picMkLst>
+        </pc:picChg>
+      </pc:sldChg>
+      <pc:sldChg chg="addSp modSp new mod">
+        <pc:chgData name="Are Mjaavatten" userId="00bb58f78e5d171c" providerId="LiveId" clId="{38EDF412-F223-4FD6-BF65-217460EE1FDB}" dt="2024-11-24T16:04:51.260" v="4470" actId="20577"/>
+        <pc:sldMkLst>
+          <pc:docMk/>
+          <pc:sldMk cId="2164027910" sldId="301"/>
+        </pc:sldMkLst>
+        <pc:spChg chg="mod">
+          <ac:chgData name="Are Mjaavatten" userId="00bb58f78e5d171c" providerId="LiveId" clId="{38EDF412-F223-4FD6-BF65-217460EE1FDB}" dt="2024-11-24T15:57:52.074" v="4291" actId="20577"/>
+          <ac:spMkLst>
+            <pc:docMk/>
+            <pc:sldMk cId="2164027910" sldId="301"/>
+            <ac:spMk id="2" creationId="{6E5DCB84-407F-BEE6-2225-A17412B06AA2}"/>
+          </ac:spMkLst>
+        </pc:spChg>
+        <pc:spChg chg="mod">
+          <ac:chgData name="Are Mjaavatten" userId="00bb58f78e5d171c" providerId="LiveId" clId="{38EDF412-F223-4FD6-BF65-217460EE1FDB}" dt="2024-11-24T16:04:51.260" v="4470" actId="20577"/>
+          <ac:spMkLst>
+            <pc:docMk/>
+            <pc:sldMk cId="2164027910" sldId="301"/>
+            <ac:spMk id="3" creationId="{1F8229FC-73F7-9A7D-CA0E-8259C5F7F77D}"/>
+          </ac:spMkLst>
+        </pc:spChg>
+        <pc:picChg chg="add mod">
+          <ac:chgData name="Are Mjaavatten" userId="00bb58f78e5d171c" providerId="LiveId" clId="{38EDF412-F223-4FD6-BF65-217460EE1FDB}" dt="2024-11-24T16:00:53.477" v="4358" actId="1076"/>
+          <ac:picMkLst>
+            <pc:docMk/>
+            <pc:sldMk cId="2164027910" sldId="301"/>
+            <ac:picMk id="5" creationId="{86EB6EC7-5609-5263-E71A-8D33CDB0C35E}"/>
+          </ac:picMkLst>
+        </pc:picChg>
       </pc:sldChg>
     </pc:docChg>
   </pc:docChgLst>
@@ -1354,7 +1565,7 @@
           <a:p>
             <a:fld id="{07217112-6954-43FF-ADCD-56301C60B9CA}" type="datetimeFigureOut">
               <a:rPr lang="en-GB" smtClean="0"/>
-              <a:t>23/11/2024</a:t>
+              <a:t>24/11/2024</a:t>
             </a:fld>
             <a:endParaRPr lang="en-GB"/>
           </a:p>
@@ -1554,7 +1765,7 @@
           <a:p>
             <a:fld id="{07217112-6954-43FF-ADCD-56301C60B9CA}" type="datetimeFigureOut">
               <a:rPr lang="en-GB" smtClean="0"/>
-              <a:t>23/11/2024</a:t>
+              <a:t>24/11/2024</a:t>
             </a:fld>
             <a:endParaRPr lang="en-GB"/>
           </a:p>
@@ -1764,7 +1975,7 @@
           <a:p>
             <a:fld id="{07217112-6954-43FF-ADCD-56301C60B9CA}" type="datetimeFigureOut">
               <a:rPr lang="en-GB" smtClean="0"/>
-              <a:t>23/11/2024</a:t>
+              <a:t>24/11/2024</a:t>
             </a:fld>
             <a:endParaRPr lang="en-GB"/>
           </a:p>
@@ -1964,7 +2175,7 @@
           <a:p>
             <a:fld id="{07217112-6954-43FF-ADCD-56301C60B9CA}" type="datetimeFigureOut">
               <a:rPr lang="en-GB" smtClean="0"/>
-              <a:t>23/11/2024</a:t>
+              <a:t>24/11/2024</a:t>
             </a:fld>
             <a:endParaRPr lang="en-GB"/>
           </a:p>
@@ -2240,7 +2451,7 @@
           <a:p>
             <a:fld id="{07217112-6954-43FF-ADCD-56301C60B9CA}" type="datetimeFigureOut">
               <a:rPr lang="en-GB" smtClean="0"/>
-              <a:t>23/11/2024</a:t>
+              <a:t>24/11/2024</a:t>
             </a:fld>
             <a:endParaRPr lang="en-GB"/>
           </a:p>
@@ -2508,7 +2719,7 @@
           <a:p>
             <a:fld id="{07217112-6954-43FF-ADCD-56301C60B9CA}" type="datetimeFigureOut">
               <a:rPr lang="en-GB" smtClean="0"/>
-              <a:t>23/11/2024</a:t>
+              <a:t>24/11/2024</a:t>
             </a:fld>
             <a:endParaRPr lang="en-GB"/>
           </a:p>
@@ -2923,7 +3134,7 @@
           <a:p>
             <a:fld id="{07217112-6954-43FF-ADCD-56301C60B9CA}" type="datetimeFigureOut">
               <a:rPr lang="en-GB" smtClean="0"/>
-              <a:t>23/11/2024</a:t>
+              <a:t>24/11/2024</a:t>
             </a:fld>
             <a:endParaRPr lang="en-GB"/>
           </a:p>
@@ -3065,7 +3276,7 @@
           <a:p>
             <a:fld id="{07217112-6954-43FF-ADCD-56301C60B9CA}" type="datetimeFigureOut">
               <a:rPr lang="en-GB" smtClean="0"/>
-              <a:t>23/11/2024</a:t>
+              <a:t>24/11/2024</a:t>
             </a:fld>
             <a:endParaRPr lang="en-GB"/>
           </a:p>
@@ -3178,7 +3389,7 @@
           <a:p>
             <a:fld id="{07217112-6954-43FF-ADCD-56301C60B9CA}" type="datetimeFigureOut">
               <a:rPr lang="en-GB" smtClean="0"/>
-              <a:t>23/11/2024</a:t>
+              <a:t>24/11/2024</a:t>
             </a:fld>
             <a:endParaRPr lang="en-GB"/>
           </a:p>
@@ -3491,7 +3702,7 @@
           <a:p>
             <a:fld id="{07217112-6954-43FF-ADCD-56301C60B9CA}" type="datetimeFigureOut">
               <a:rPr lang="en-GB" smtClean="0"/>
-              <a:t>23/11/2024</a:t>
+              <a:t>24/11/2024</a:t>
             </a:fld>
             <a:endParaRPr lang="en-GB"/>
           </a:p>
@@ -3780,7 +3991,7 @@
           <a:p>
             <a:fld id="{07217112-6954-43FF-ADCD-56301C60B9CA}" type="datetimeFigureOut">
               <a:rPr lang="en-GB" smtClean="0"/>
-              <a:t>23/11/2024</a:t>
+              <a:t>24/11/2024</a:t>
             </a:fld>
             <a:endParaRPr lang="en-GB"/>
           </a:p>
@@ -4023,7 +4234,7 @@
           <a:p>
             <a:fld id="{07217112-6954-43FF-ADCD-56301C60B9CA}" type="datetimeFigureOut">
               <a:rPr lang="en-GB" smtClean="0"/>
-              <a:t>23/11/2024</a:t>
+              <a:t>24/11/2024</a:t>
             </a:fld>
             <a:endParaRPr lang="en-GB"/>
           </a:p>
@@ -4467,11 +4678,11 @@
           <a:lstStyle/>
           <a:p>
             <a:r>
-              <a:rPr lang="en-GB" sz="5400" dirty="0"/>
+              <a:rPr lang="en-GB" sz="5400" noProof="0" dirty="0"/>
               <a:t>Fitting</a:t>
             </a:r>
             <a:r>
-              <a:rPr lang="en-GB" dirty="0"/>
+              <a:rPr lang="en-GB" noProof="0" dirty="0"/>
               <a:t> models to experiments</a:t>
             </a:r>
           </a:p>
@@ -4504,7 +4715,7 @@
           <a:lstStyle/>
           <a:p>
             <a:r>
-              <a:rPr lang="en-GB" dirty="0"/>
+              <a:rPr lang="en-GB" noProof="0" dirty="0"/>
               <a:t>Are Mjaavatten</a:t>
             </a:r>
           </a:p>
@@ -4612,7 +4823,7 @@
           <a:lstStyle/>
           <a:p>
             <a:r>
-              <a:rPr lang="en-GB" dirty="0"/>
+              <a:rPr lang="en-GB" noProof="0" dirty="0"/>
               <a:t>Fitting results</a:t>
             </a:r>
           </a:p>
@@ -4839,7 +5050,7 @@
           <a:lstStyle/>
           <a:p>
             <a:r>
-              <a:rPr lang="en-GB" dirty="0"/>
+              <a:rPr lang="en-GB" noProof="0" dirty="0"/>
               <a:t>What do the parameters mean?</a:t>
             </a:r>
           </a:p>
@@ -4874,71 +5085,71 @@
               <a:lstStyle/>
               <a:p>
                 <a:r>
-                  <a:rPr lang="en-GB" dirty="0"/>
+                  <a:rPr lang="en-GB" noProof="0" dirty="0"/>
                   <a:t>x</a:t>
                 </a:r>
                 <a:r>
-                  <a:rPr lang="en-GB" baseline="30000" dirty="0"/>
+                  <a:rPr lang="en-GB" baseline="30000" noProof="0" dirty="0"/>
                   <a:t>‡</a:t>
                 </a:r>
                 <a:r>
-                  <a:rPr lang="en-GB" dirty="0"/>
+                  <a:rPr lang="en-GB" noProof="0" dirty="0"/>
                   <a:t> is the distance  from the equilibrium position to the barrier </a:t>
                 </a:r>
                 <a:br>
-                  <a:rPr lang="en-GB" dirty="0"/>
+                  <a:rPr lang="en-GB" noProof="0" dirty="0"/>
                 </a:br>
                 <a:r>
-                  <a:rPr lang="en-GB" dirty="0"/>
+                  <a:rPr lang="en-GB" noProof="0" dirty="0"/>
                   <a:t>at F = 0.  </a:t>
                 </a:r>
               </a:p>
               <a:p>
                 <a:pPr lvl="1"/>
                 <a:r>
-                  <a:rPr lang="en-GB" dirty="0"/>
+                  <a:rPr lang="en-GB" noProof="0" dirty="0"/>
                   <a:t>This could in theory be measured directly or calculated from a detailed model of the protein</a:t>
                 </a:r>
               </a:p>
               <a:p>
                 <a:r>
-                  <a:rPr lang="en-GB" dirty="0"/>
+                  <a:rPr lang="en-GB" noProof="0" dirty="0"/>
                   <a:t>k</a:t>
                 </a:r>
                 <a:r>
-                  <a:rPr lang="en-GB" baseline="-25000" dirty="0"/>
+                  <a:rPr lang="en-GB" baseline="-25000" noProof="0" dirty="0"/>
                   <a:t>0</a:t>
                 </a:r>
                 <a:r>
-                  <a:rPr lang="en-GB" dirty="0"/>
+                  <a:rPr lang="en-GB" noProof="0" dirty="0"/>
                   <a:t> is the unfolding rate at F = 0</a:t>
                 </a:r>
               </a:p>
               <a:p>
                 <a:pPr lvl="1"/>
                 <a:r>
-                  <a:rPr lang="en-GB" dirty="0"/>
+                  <a:rPr lang="en-GB" noProof="0" dirty="0"/>
                   <a:t>This is normally </a:t>
                 </a:r>
                 <a:r>
-                  <a:rPr lang="en-GB" b="1" dirty="0"/>
+                  <a:rPr lang="en-GB" b="1" noProof="0" dirty="0"/>
                   <a:t>very</a:t>
                 </a:r>
                 <a:r>
-                  <a:rPr lang="en-GB" dirty="0"/>
+                  <a:rPr lang="en-GB" noProof="0" dirty="0"/>
                   <a:t> low and cannot be observed directly</a:t>
                 </a:r>
               </a:p>
               <a:p>
                 <a:pPr lvl="1"/>
                 <a:r>
-                  <a:rPr lang="en-GB" dirty="0"/>
+                  <a:rPr lang="en-GB" noProof="0" dirty="0"/>
                   <a:t> It acts as a scaling factor on the unfolding rate expression</a:t>
                 </a:r>
                 <a:br>
-                  <a:rPr lang="en-GB" dirty="0"/>
+                  <a:rPr lang="en-GB" noProof="0" dirty="0"/>
                 </a:br>
-                <a:endParaRPr lang="en-GB" dirty="0"/>
+                <a:endParaRPr lang="en-GB" noProof="0" dirty="0"/>
               </a:p>
               <a:p>
                 <a:pPr marL="457200" lvl="1" indent="0">
@@ -4951,7 +5162,7 @@
                     </m:oMathParaPr>
                     <m:oMath xmlns:m="http://schemas.openxmlformats.org/officeDocument/2006/math">
                       <m:r>
-                        <a:rPr lang="en-GB" sz="2400" b="0" i="1" kern="100" smtClean="0">
+                        <a:rPr lang="en-GB" sz="2400" b="0" i="1" kern="100" noProof="0" smtClean="0">
                           <a:effectLst/>
                           <a:latin typeface="Cambria Math" panose="02040503050406030204" pitchFamily="18" charset="0"/>
                           <a:ea typeface="Aptos" panose="020B0004020202020204" pitchFamily="34" charset="0"/>
@@ -4962,7 +5173,7 @@
                       <m:d>
                         <m:dPr>
                           <m:ctrlPr>
-                            <a:rPr lang="en-GB" sz="2400" i="1" kern="100">
+                            <a:rPr lang="en-GB" sz="2400" i="1" kern="100" noProof="0">
                               <a:effectLst/>
                               <a:latin typeface="Cambria Math" panose="02040503050406030204" pitchFamily="18" charset="0"/>
                               <a:ea typeface="Aptos" panose="020B0004020202020204" pitchFamily="34" charset="0"/>
@@ -4972,7 +5183,7 @@
                         </m:dPr>
                         <m:e>
                           <m:r>
-                            <a:rPr lang="pt-BR" sz="2400" i="1" kern="100">
+                            <a:rPr lang="en-GB" sz="2400" i="1" kern="100" noProof="0">
                               <a:effectLst/>
                               <a:latin typeface="Cambria Math" panose="02040503050406030204" pitchFamily="18" charset="0"/>
                               <a:ea typeface="Aptos" panose="020B0004020202020204" pitchFamily="34" charset="0"/>
@@ -4983,7 +5194,7 @@
                         </m:e>
                       </m:d>
                       <m:r>
-                        <a:rPr lang="en-GB" sz="2400" b="0" i="1" kern="100" smtClean="0">
+                        <a:rPr lang="en-GB" sz="2400" b="0" i="1" kern="100" noProof="0" smtClean="0">
                           <a:effectLst/>
                           <a:latin typeface="Cambria Math" panose="02040503050406030204" pitchFamily="18" charset="0"/>
                           <a:ea typeface="Aptos" panose="020B0004020202020204" pitchFamily="34" charset="0"/>
@@ -4994,7 +5205,7 @@
                       <m:sSub>
                         <m:sSubPr>
                           <m:ctrlPr>
-                            <a:rPr lang="en-GB" i="1" kern="100">
+                            <a:rPr lang="en-GB" i="1" kern="100" noProof="0">
                               <a:latin typeface="Cambria Math" panose="02040503050406030204" pitchFamily="18" charset="0"/>
                               <a:ea typeface="Aptos" panose="020B0004020202020204" pitchFamily="34" charset="0"/>
                               <a:cs typeface="Times New Roman" panose="02020603050405020304" pitchFamily="18" charset="0"/>
@@ -5003,7 +5214,7 @@
                         </m:sSubPr>
                         <m:e>
                           <m:r>
-                            <a:rPr lang="pt-BR" i="1" kern="100">
+                            <a:rPr lang="en-GB" i="1" kern="100" noProof="0">
                               <a:latin typeface="Cambria Math" panose="02040503050406030204" pitchFamily="18" charset="0"/>
                               <a:ea typeface="Aptos" panose="020B0004020202020204" pitchFamily="34" charset="0"/>
                               <a:cs typeface="Times New Roman" panose="02020603050405020304" pitchFamily="18" charset="0"/>
@@ -5013,7 +5224,7 @@
                         </m:e>
                         <m:sub>
                           <m:r>
-                            <a:rPr lang="pt-BR" kern="100">
+                            <a:rPr lang="en-GB" kern="100" noProof="0">
                               <a:latin typeface="Cambria Math" panose="02040503050406030204" pitchFamily="18" charset="0"/>
                               <a:ea typeface="Aptos" panose="020B0004020202020204" pitchFamily="34" charset="0"/>
                               <a:cs typeface="Times New Roman" panose="02020603050405020304" pitchFamily="18" charset="0"/>
@@ -5025,7 +5236,7 @@
                       <m:sSup>
                         <m:sSupPr>
                           <m:ctrlPr>
-                            <a:rPr lang="en-GB" i="1" kern="100">
+                            <a:rPr lang="en-GB" i="1" kern="100" noProof="0">
                               <a:latin typeface="Cambria Math" panose="02040503050406030204" pitchFamily="18" charset="0"/>
                               <a:ea typeface="Aptos" panose="020B0004020202020204" pitchFamily="34" charset="0"/>
                               <a:cs typeface="Times New Roman" panose="02020603050405020304" pitchFamily="18" charset="0"/>
@@ -5034,7 +5245,7 @@
                         </m:sSupPr>
                         <m:e>
                           <m:r>
-                            <a:rPr lang="pt-BR" i="1" kern="100">
+                            <a:rPr lang="en-GB" i="1" kern="100" noProof="0">
                               <a:latin typeface="Cambria Math" panose="02040503050406030204" pitchFamily="18" charset="0"/>
                               <a:ea typeface="Aptos" panose="020B0004020202020204" pitchFamily="34" charset="0"/>
                               <a:cs typeface="Times New Roman" panose="02020603050405020304" pitchFamily="18" charset="0"/>
@@ -5044,7 +5255,7 @@
                         </m:e>
                         <m:sup>
                           <m:r>
-                            <a:rPr lang="pt-BR" i="1" kern="100" smtClean="0">
+                            <a:rPr lang="en-GB" i="1" kern="100" noProof="0" smtClean="0">
                               <a:latin typeface="Cambria Math" panose="02040503050406030204" pitchFamily="18" charset="0"/>
                               <a:ea typeface="Cambria Math" panose="02040503050406030204" pitchFamily="18" charset="0"/>
                               <a:cs typeface="Times New Roman" panose="02020603050405020304" pitchFamily="18" charset="0"/>
@@ -5052,7 +5263,7 @@
                             <m:t>𝛽</m:t>
                           </m:r>
                           <m:r>
-                            <a:rPr lang="pt-BR" i="1" kern="100" smtClean="0">
+                            <a:rPr lang="en-GB" i="1" kern="100" noProof="0" smtClean="0">
                               <a:latin typeface="Cambria Math" panose="02040503050406030204" pitchFamily="18" charset="0"/>
                               <a:ea typeface="Aptos" panose="020B0004020202020204" pitchFamily="34" charset="0"/>
                               <a:cs typeface="Times New Roman" panose="02020603050405020304" pitchFamily="18" charset="0"/>
@@ -5062,7 +5273,7 @@
                           <m:sSup>
                             <m:sSupPr>
                               <m:ctrlPr>
-                                <a:rPr lang="en-GB" i="1" kern="100">
+                                <a:rPr lang="en-GB" i="1" kern="100" noProof="0">
                                   <a:latin typeface="Cambria Math" panose="02040503050406030204" pitchFamily="18" charset="0"/>
                                   <a:ea typeface="Aptos" panose="020B0004020202020204" pitchFamily="34" charset="0"/>
                                   <a:cs typeface="Times New Roman" panose="02020603050405020304" pitchFamily="18" charset="0"/>
@@ -5071,7 +5282,7 @@
                             </m:sSupPr>
                             <m:e>
                               <m:r>
-                                <a:rPr lang="pt-BR" i="1" kern="100">
+                                <a:rPr lang="en-GB" i="1" kern="100" noProof="0">
                                   <a:latin typeface="Cambria Math" panose="02040503050406030204" pitchFamily="18" charset="0"/>
                                   <a:ea typeface="Aptos" panose="020B0004020202020204" pitchFamily="34" charset="0"/>
                                   <a:cs typeface="Times New Roman" panose="02020603050405020304" pitchFamily="18" charset="0"/>
@@ -5081,7 +5292,7 @@
                             </m:e>
                             <m:sup>
                               <m:r>
-                                <a:rPr lang="pt-BR" kern="100">
+                                <a:rPr lang="en-GB" kern="100" noProof="0">
                                   <a:latin typeface="Cambria Math" panose="02040503050406030204" pitchFamily="18" charset="0"/>
                                   <a:ea typeface="Aptos" panose="020B0004020202020204" pitchFamily="34" charset="0"/>
                                   <a:cs typeface="Times New Roman" panose="02020603050405020304" pitchFamily="18" charset="0"/>
@@ -5095,7 +5306,7 @@
                     </m:oMath>
                   </m:oMathPara>
                 </a14:m>
-                <a:endParaRPr lang="en-GB" dirty="0"/>
+                <a:endParaRPr lang="en-GB" noProof="0" dirty="0"/>
               </a:p>
             </p:txBody>
           </p:sp>
@@ -5235,22 +5446,22 @@
           <a:lstStyle/>
           <a:p>
             <a:r>
-              <a:rPr lang="en-GB" dirty="0"/>
+              <a:rPr lang="en-GB" noProof="0" dirty="0"/>
               <a:t>The </a:t>
             </a:r>
             <a:r>
-              <a:rPr lang="en-GB" dirty="0" err="1"/>
+              <a:rPr lang="en-GB" noProof="0" dirty="0" err="1"/>
               <a:t>Dudko</a:t>
             </a:r>
             <a:r>
-              <a:rPr lang="en-GB" dirty="0"/>
+              <a:rPr lang="en-GB" noProof="0" dirty="0"/>
               <a:t> model</a:t>
             </a:r>
           </a:p>
         </p:txBody>
       </p:sp>
-      <mc:AlternateContent xmlns:mc="http://schemas.openxmlformats.org/markup-compatibility/2006">
-        <mc:Choice xmlns:a14="http://schemas.microsoft.com/office/drawing/2010/main" Requires="a14">
+      <mc:AlternateContent xmlns:mc="http://schemas.openxmlformats.org/markup-compatibility/2006" xmlns:a14="http://schemas.microsoft.com/office/drawing/2010/main">
+        <mc:Choice Requires="a14">
           <p:sp>
             <p:nvSpPr>
               <p:cNvPr id="3" name="Content Placeholder 2">
@@ -5280,26 +5491,30 @@
               <a:lstStyle/>
               <a:p>
                 <a:r>
-                  <a:rPr lang="en-GB" dirty="0"/>
-                  <a:t>Dudko et al. proposed a generalisation of the Bell model</a:t>
+                  <a:rPr lang="en-GB" noProof="0" dirty="0" err="1"/>
+                  <a:t>Dudko</a:t>
+                </a:r>
+                <a:r>
+                  <a:rPr lang="en-GB" noProof="0" dirty="0"/>
+                  <a:t> et al. proposed a generalisation of the Bell model</a:t>
                 </a:r>
                 <a:br>
-                  <a:rPr lang="en-GB" dirty="0"/>
+                  <a:rPr lang="en-GB" noProof="0" dirty="0"/>
                 </a:br>
-                <a:endParaRPr lang="en-GB" sz="1800" dirty="0"/>
+                <a:endParaRPr lang="en-GB" sz="1800" noProof="0" dirty="0"/>
               </a:p>
               <a:p>
                 <a:r>
-                  <a:rPr lang="en-GB" dirty="0"/>
+                  <a:rPr lang="en-GB" noProof="0" dirty="0"/>
                   <a:t>The unfolding rate is</a:t>
                 </a:r>
                 <a:br>
-                  <a:rPr lang="en-GB" dirty="0"/>
+                  <a:rPr lang="en-GB" noProof="0" dirty="0"/>
                 </a:br>
                 <a14:m>
                   <m:oMath xmlns:m="http://schemas.openxmlformats.org/officeDocument/2006/math">
                     <m:r>
-                      <a:rPr lang="pt-BR" sz="2000" i="1" smtClean="0">
+                      <a:rPr lang="en-GB" sz="2000" i="1" noProof="0" smtClean="0">
                         <a:effectLst/>
                         <a:latin typeface="Cambria Math" panose="02040503050406030204" pitchFamily="18" charset="0"/>
                         <a:ea typeface="Arial" panose="020B0604020202020204" pitchFamily="34" charset="0"/>
@@ -5310,7 +5525,7 @@
                     <m:d>
                       <m:dPr>
                         <m:ctrlPr>
-                          <a:rPr lang="en-GB" sz="2000" i="1">
+                          <a:rPr lang="en-GB" sz="2000" i="1" noProof="0">
                             <a:effectLst/>
                             <a:latin typeface="Cambria Math" panose="02040503050406030204" pitchFamily="18" charset="0"/>
                             <a:ea typeface="Arial" panose="020B0604020202020204" pitchFamily="34" charset="0"/>
@@ -5320,7 +5535,7 @@
                       </m:dPr>
                       <m:e>
                         <m:r>
-                          <a:rPr lang="pt-BR" sz="2000" i="1">
+                          <a:rPr lang="en-GB" sz="2000" i="1" noProof="0">
                             <a:effectLst/>
                             <a:latin typeface="Cambria Math" panose="02040503050406030204" pitchFamily="18" charset="0"/>
                             <a:ea typeface="Arial" panose="020B0604020202020204" pitchFamily="34" charset="0"/>
@@ -5331,7 +5546,7 @@
                       </m:e>
                     </m:d>
                     <m:r>
-                      <a:rPr lang="pt-BR" sz="2000">
+                      <a:rPr lang="en-GB" sz="2000" noProof="0">
                         <a:effectLst/>
                         <a:latin typeface="Cambria Math" panose="02040503050406030204" pitchFamily="18" charset="0"/>
                         <a:ea typeface="Arial" panose="020B0604020202020204" pitchFamily="34" charset="0"/>
@@ -5342,7 +5557,7 @@
                     <m:sSub>
                       <m:sSubPr>
                         <m:ctrlPr>
-                          <a:rPr lang="en-GB" sz="2000" i="1">
+                          <a:rPr lang="en-GB" sz="2000" i="1" noProof="0">
                             <a:effectLst/>
                             <a:latin typeface="Cambria Math" panose="02040503050406030204" pitchFamily="18" charset="0"/>
                             <a:ea typeface="Arial" panose="020B0604020202020204" pitchFamily="34" charset="0"/>
@@ -5352,7 +5567,7 @@
                       </m:sSubPr>
                       <m:e>
                         <m:r>
-                          <a:rPr lang="pt-BR" sz="2000" i="1">
+                          <a:rPr lang="en-GB" sz="2000" i="1" noProof="0">
                             <a:effectLst/>
                             <a:latin typeface="Cambria Math" panose="02040503050406030204" pitchFamily="18" charset="0"/>
                             <a:ea typeface="Arial" panose="020B0604020202020204" pitchFamily="34" charset="0"/>
@@ -5363,7 +5578,7 @@
                       </m:e>
                       <m:sub>
                         <m:r>
-                          <a:rPr lang="pt-BR" sz="2000">
+                          <a:rPr lang="en-GB" sz="2000" noProof="0">
                             <a:effectLst/>
                             <a:latin typeface="Cambria Math" panose="02040503050406030204" pitchFamily="18" charset="0"/>
                             <a:ea typeface="Arial" panose="020B0604020202020204" pitchFamily="34" charset="0"/>
@@ -5376,7 +5591,7 @@
                     <m:sSup>
                       <m:sSupPr>
                         <m:ctrlPr>
-                          <a:rPr lang="en-GB" sz="2000" i="1">
+                          <a:rPr lang="en-GB" sz="2000" i="1" noProof="0">
                             <a:effectLst/>
                             <a:latin typeface="Cambria Math" panose="02040503050406030204" pitchFamily="18" charset="0"/>
                             <a:ea typeface="Arial" panose="020B0604020202020204" pitchFamily="34" charset="0"/>
@@ -5388,7 +5603,7 @@
                         <m:d>
                           <m:dPr>
                             <m:ctrlPr>
-                              <a:rPr lang="en-GB" sz="2000" i="1">
+                              <a:rPr lang="en-GB" sz="2000" i="1" noProof="0">
                                 <a:effectLst/>
                                 <a:latin typeface="Cambria Math" panose="02040503050406030204" pitchFamily="18" charset="0"/>
                                 <a:ea typeface="Times New Roman" panose="02020603050405020304" pitchFamily="18" charset="0"/>
@@ -5398,7 +5613,7 @@
                           </m:dPr>
                           <m:e>
                             <m:r>
-                              <a:rPr lang="pt-BR" sz="2000">
+                              <a:rPr lang="en-GB" sz="2000" noProof="0">
                                 <a:effectLst/>
                                 <a:latin typeface="Cambria Math" panose="02040503050406030204" pitchFamily="18" charset="0"/>
                                 <a:ea typeface="Arial" panose="020B0604020202020204" pitchFamily="34" charset="0"/>
@@ -5407,7 +5622,7 @@
                               <m:t>1</m:t>
                             </m:r>
                             <m:r>
-                              <a:rPr lang="pt-BR" sz="2000" i="1">
+                              <a:rPr lang="en-GB" sz="2000" i="1" noProof="0">
                                 <a:effectLst/>
                                 <a:latin typeface="Cambria Math" panose="02040503050406030204" pitchFamily="18" charset="0"/>
                                 <a:ea typeface="Arial" panose="020B0604020202020204" pitchFamily="34" charset="0"/>
@@ -5418,7 +5633,7 @@
                             <m:f>
                               <m:fPr>
                                 <m:ctrlPr>
-                                  <a:rPr lang="en-GB" sz="2000" i="1">
+                                  <a:rPr lang="en-GB" sz="2000" i="1" noProof="0">
                                     <a:effectLst/>
                                     <a:latin typeface="Cambria Math" panose="02040503050406030204" pitchFamily="18" charset="0"/>
                                     <a:ea typeface="Arial" panose="020B0604020202020204" pitchFamily="34" charset="0"/>
@@ -5428,7 +5643,7 @@
                               </m:fPr>
                               <m:num>
                                 <m:r>
-                                  <a:rPr lang="en-GB" sz="2000" i="1" smtClean="0">
+                                  <a:rPr lang="en-GB" sz="2000" i="1" noProof="0" smtClean="0">
                                     <a:effectLst/>
                                     <a:latin typeface="Cambria Math" panose="02040503050406030204" pitchFamily="18" charset="0"/>
                                     <a:ea typeface="Cambria Math" panose="02040503050406030204" pitchFamily="18" charset="0"/>
@@ -5437,7 +5652,7 @@
                                   <m:t>𝜇</m:t>
                                 </m:r>
                                 <m:r>
-                                  <a:rPr lang="pt-BR" sz="2000" i="1">
+                                  <a:rPr lang="en-GB" sz="2000" i="1" noProof="0">
                                     <a:effectLst/>
                                     <a:latin typeface="Cambria Math" panose="02040503050406030204" pitchFamily="18" charset="0"/>
                                     <a:ea typeface="Arial" panose="020B0604020202020204" pitchFamily="34" charset="0"/>
@@ -5448,7 +5663,7 @@
                                 <m:sSup>
                                   <m:sSupPr>
                                     <m:ctrlPr>
-                                      <a:rPr lang="en-GB" sz="2000" i="1">
+                                      <a:rPr lang="en-GB" sz="2000" i="1" noProof="0">
                                         <a:effectLst/>
                                         <a:latin typeface="Cambria Math" panose="02040503050406030204" pitchFamily="18" charset="0"/>
                                         <a:ea typeface="Arial" panose="020B0604020202020204" pitchFamily="34" charset="0"/>
@@ -5458,7 +5673,7 @@
                                   </m:sSupPr>
                                   <m:e>
                                     <m:r>
-                                      <a:rPr lang="pt-BR" sz="2000" i="1">
+                                      <a:rPr lang="en-GB" sz="2000" i="1" noProof="0">
                                         <a:effectLst/>
                                         <a:latin typeface="Cambria Math" panose="02040503050406030204" pitchFamily="18" charset="0"/>
                                         <a:ea typeface="Arial" panose="020B0604020202020204" pitchFamily="34" charset="0"/>
@@ -5469,7 +5684,7 @@
                                   </m:e>
                                   <m:sup>
                                     <m:r>
-                                      <a:rPr lang="pt-BR" sz="2000">
+                                      <a:rPr lang="en-GB" sz="2000" noProof="0">
                                         <a:effectLst/>
                                         <a:latin typeface="Cambria Math" panose="02040503050406030204" pitchFamily="18" charset="0"/>
                                         <a:ea typeface="Arial" panose="020B0604020202020204" pitchFamily="34" charset="0"/>
@@ -5482,7 +5697,7 @@
                               </m:num>
                               <m:den>
                                 <m:r>
-                                  <a:rPr lang="pt-BR" sz="2000">
+                                  <a:rPr lang="en-GB" sz="2000" noProof="0">
                                     <a:effectLst/>
                                     <a:latin typeface="Cambria Math" panose="02040503050406030204" pitchFamily="18" charset="0"/>
                                     <a:ea typeface="Arial" panose="020B0604020202020204" pitchFamily="34" charset="0"/>
@@ -5493,7 +5708,7 @@
                                 <m:sSup>
                                   <m:sSupPr>
                                     <m:ctrlPr>
-                                      <a:rPr lang="en-GB" sz="2000" i="1">
+                                      <a:rPr lang="en-GB" sz="2000" i="1" noProof="0">
                                         <a:effectLst/>
                                         <a:latin typeface="Cambria Math" panose="02040503050406030204" pitchFamily="18" charset="0"/>
                                         <a:ea typeface="Arial" panose="020B0604020202020204" pitchFamily="34" charset="0"/>
@@ -5503,7 +5718,7 @@
                                   </m:sSupPr>
                                   <m:e>
                                     <m:r>
-                                      <a:rPr lang="pt-BR" sz="2000" i="1">
+                                      <a:rPr lang="en-GB" sz="2000" i="1" noProof="0">
                                         <a:effectLst/>
                                         <a:latin typeface="Cambria Math" panose="02040503050406030204" pitchFamily="18" charset="0"/>
                                         <a:ea typeface="Arial" panose="020B0604020202020204" pitchFamily="34" charset="0"/>
@@ -5514,7 +5729,7 @@
                                   </m:e>
                                   <m:sup>
                                     <m:r>
-                                      <a:rPr lang="pt-BR" sz="2000">
+                                      <a:rPr lang="en-GB" sz="2000" noProof="0">
                                         <a:effectLst/>
                                         <a:latin typeface="Cambria Math" panose="02040503050406030204" pitchFamily="18" charset="0"/>
                                         <a:ea typeface="Arial" panose="020B0604020202020204" pitchFamily="34" charset="0"/>
@@ -5533,7 +5748,7 @@
                         <m:f>
                           <m:fPr>
                             <m:ctrlPr>
-                              <a:rPr lang="en-GB" sz="2000" i="1">
+                              <a:rPr lang="en-GB" sz="2000" i="1" noProof="0">
                                 <a:effectLst/>
                                 <a:latin typeface="Cambria Math" panose="02040503050406030204" pitchFamily="18" charset="0"/>
                                 <a:ea typeface="Arial" panose="020B0604020202020204" pitchFamily="34" charset="0"/>
@@ -5543,7 +5758,7 @@
                           </m:fPr>
                           <m:num>
                             <m:r>
-                              <a:rPr lang="pt-BR" sz="2000">
+                              <a:rPr lang="en-GB" sz="2000" noProof="0">
                                 <a:effectLst/>
                                 <a:latin typeface="Cambria Math" panose="02040503050406030204" pitchFamily="18" charset="0"/>
                                 <a:ea typeface="Arial" panose="020B0604020202020204" pitchFamily="34" charset="0"/>
@@ -5554,7 +5769,7 @@
                           </m:num>
                           <m:den>
                             <m:r>
-                              <a:rPr lang="pt-BR" sz="2000" i="1" smtClean="0">
+                              <a:rPr lang="en-GB" sz="2000" i="1" noProof="0" smtClean="0">
                                 <a:effectLst/>
                                 <a:latin typeface="Cambria Math" panose="02040503050406030204" pitchFamily="18" charset="0"/>
                                 <a:ea typeface="Cambria Math" panose="02040503050406030204" pitchFamily="18" charset="0"/>
@@ -5565,7 +5780,7 @@
                           </m:den>
                         </m:f>
                         <m:r>
-                          <a:rPr lang="pt-BR" sz="2000" i="1">
+                          <a:rPr lang="en-GB" sz="2000" i="1" noProof="0">
                             <a:effectLst/>
                             <a:latin typeface="Cambria Math" panose="02040503050406030204" pitchFamily="18" charset="0"/>
                             <a:ea typeface="Arial" panose="020B0604020202020204" pitchFamily="34" charset="0"/>
@@ -5574,7 +5789,7 @@
                           <m:t>−</m:t>
                         </m:r>
                         <m:r>
-                          <a:rPr lang="pt-BR" sz="2000">
+                          <a:rPr lang="en-GB" sz="2000" noProof="0">
                             <a:effectLst/>
                             <a:latin typeface="Cambria Math" panose="02040503050406030204" pitchFamily="18" charset="0"/>
                             <a:ea typeface="Arial" panose="020B0604020202020204" pitchFamily="34" charset="0"/>
@@ -5587,7 +5802,7 @@
                     <m:sSup>
                       <m:sSupPr>
                         <m:ctrlPr>
-                          <a:rPr lang="en-GB" sz="2000" i="1">
+                          <a:rPr lang="en-GB" sz="2000" i="1" noProof="0">
                             <a:effectLst/>
                             <a:latin typeface="Cambria Math" panose="02040503050406030204" pitchFamily="18" charset="0"/>
                             <a:ea typeface="Arial" panose="020B0604020202020204" pitchFamily="34" charset="0"/>
@@ -5597,7 +5812,7 @@
                       </m:sSupPr>
                       <m:e>
                         <m:r>
-                          <a:rPr lang="pt-BR" sz="2000" i="1">
+                          <a:rPr lang="en-GB" sz="2000" i="1" noProof="0">
                             <a:effectLst/>
                             <a:latin typeface="Cambria Math" panose="02040503050406030204" pitchFamily="18" charset="0"/>
                             <a:ea typeface="Arial" panose="020B0604020202020204" pitchFamily="34" charset="0"/>
@@ -5608,7 +5823,7 @@
                       </m:e>
                       <m:sup>
                         <m:r>
-                          <a:rPr lang="pt-BR" sz="2000" i="1">
+                          <a:rPr lang="en-GB" sz="2000" i="1" noProof="0">
                             <a:effectLst/>
                             <a:latin typeface="Cambria Math" panose="02040503050406030204" pitchFamily="18" charset="0"/>
                             <a:ea typeface="Arial" panose="020B0604020202020204" pitchFamily="34" charset="0"/>
@@ -5617,7 +5832,7 @@
                           <m:t>𝛽</m:t>
                         </m:r>
                         <m:r>
-                          <a:rPr lang="pt-BR" sz="2000">
+                          <a:rPr lang="en-GB" sz="2000" noProof="0">
                             <a:effectLst/>
                             <a:latin typeface="Cambria Math" panose="02040503050406030204" pitchFamily="18" charset="0"/>
                             <a:ea typeface="Arial" panose="020B0604020202020204" pitchFamily="34" charset="0"/>
@@ -5628,7 +5843,7 @@
                         <m:sSup>
                           <m:sSupPr>
                             <m:ctrlPr>
-                              <a:rPr lang="en-GB" sz="2000" i="1">
+                              <a:rPr lang="en-GB" sz="2000" i="1" noProof="0">
                                 <a:effectLst/>
                                 <a:latin typeface="Cambria Math" panose="02040503050406030204" pitchFamily="18" charset="0"/>
                                 <a:ea typeface="Arial" panose="020B0604020202020204" pitchFamily="34" charset="0"/>
@@ -5638,7 +5853,7 @@
                           </m:sSupPr>
                           <m:e>
                             <m:r>
-                              <a:rPr lang="pt-BR" sz="2000" i="1">
+                              <a:rPr lang="en-GB" sz="2000" i="1" noProof="0">
                                 <a:effectLst/>
                                 <a:latin typeface="Cambria Math" panose="02040503050406030204" pitchFamily="18" charset="0"/>
                                 <a:ea typeface="Arial" panose="020B0604020202020204" pitchFamily="34" charset="0"/>
@@ -5649,7 +5864,7 @@
                           </m:e>
                           <m:sup>
                             <m:r>
-                              <a:rPr lang="pt-BR" sz="2000">
+                              <a:rPr lang="en-GB" sz="2000" noProof="0">
                                 <a:effectLst/>
                                 <a:latin typeface="Cambria Math" panose="02040503050406030204" pitchFamily="18" charset="0"/>
                                 <a:ea typeface="Arial" panose="020B0604020202020204" pitchFamily="34" charset="0"/>
@@ -5664,7 +5879,7 @@
                             <m:begChr m:val="["/>
                             <m:endChr m:val="]"/>
                             <m:ctrlPr>
-                              <a:rPr lang="en-GB" sz="2000" i="1">
+                              <a:rPr lang="en-GB" sz="2000" i="1" noProof="0">
                                 <a:effectLst/>
                                 <a:latin typeface="Cambria Math" panose="02040503050406030204" pitchFamily="18" charset="0"/>
                                 <a:ea typeface="Times New Roman" panose="02020603050405020304" pitchFamily="18" charset="0"/>
@@ -5674,7 +5889,7 @@
                           </m:dPr>
                           <m:e>
                             <m:r>
-                              <a:rPr lang="pt-BR" sz="2000">
+                              <a:rPr lang="en-GB" sz="2000" noProof="0">
                                 <a:effectLst/>
                                 <a:latin typeface="Cambria Math" panose="02040503050406030204" pitchFamily="18" charset="0"/>
                                 <a:ea typeface="Arial" panose="020B0604020202020204" pitchFamily="34" charset="0"/>
@@ -5683,7 +5898,7 @@
                               <m:t>1</m:t>
                             </m:r>
                             <m:r>
-                              <a:rPr lang="pt-BR" sz="2000" i="1">
+                              <a:rPr lang="en-GB" sz="2000" i="1" noProof="0">
                                 <a:effectLst/>
                                 <a:latin typeface="Cambria Math" panose="02040503050406030204" pitchFamily="18" charset="0"/>
                                 <a:ea typeface="Arial" panose="020B0604020202020204" pitchFamily="34" charset="0"/>
@@ -5694,7 +5909,7 @@
                             <m:sSup>
                               <m:sSupPr>
                                 <m:ctrlPr>
-                                  <a:rPr lang="en-GB" sz="2000" i="1">
+                                  <a:rPr lang="en-GB" sz="2000" i="1" noProof="0">
                                     <a:effectLst/>
                                     <a:latin typeface="Cambria Math" panose="02040503050406030204" pitchFamily="18" charset="0"/>
                                     <a:ea typeface="Arial" panose="020B0604020202020204" pitchFamily="34" charset="0"/>
@@ -5706,7 +5921,7 @@
                                 <m:d>
                                   <m:dPr>
                                     <m:ctrlPr>
-                                      <a:rPr lang="en-GB" sz="2000" i="1">
+                                      <a:rPr lang="en-GB" sz="2000" i="1" noProof="0">
                                         <a:effectLst/>
                                         <a:latin typeface="Cambria Math" panose="02040503050406030204" pitchFamily="18" charset="0"/>
                                         <a:ea typeface="Times New Roman" panose="02020603050405020304" pitchFamily="18" charset="0"/>
@@ -5716,7 +5931,7 @@
                                   </m:dPr>
                                   <m:e>
                                     <m:r>
-                                      <a:rPr lang="pt-BR" sz="2000">
+                                      <a:rPr lang="en-GB" sz="2000" noProof="0">
                                         <a:effectLst/>
                                         <a:latin typeface="Cambria Math" panose="02040503050406030204" pitchFamily="18" charset="0"/>
                                         <a:ea typeface="Arial" panose="020B0604020202020204" pitchFamily="34" charset="0"/>
@@ -5725,7 +5940,7 @@
                                       <m:t>1</m:t>
                                     </m:r>
                                     <m:r>
-                                      <a:rPr lang="pt-BR" sz="2000" i="1">
+                                      <a:rPr lang="en-GB" sz="2000" i="1" noProof="0">
                                         <a:effectLst/>
                                         <a:latin typeface="Cambria Math" panose="02040503050406030204" pitchFamily="18" charset="0"/>
                                         <a:ea typeface="Arial" panose="020B0604020202020204" pitchFamily="34" charset="0"/>
@@ -5736,7 +5951,7 @@
                                     <m:f>
                                       <m:fPr>
                                         <m:ctrlPr>
-                                          <a:rPr lang="en-GB" sz="2000" i="1">
+                                          <a:rPr lang="en-GB" sz="2000" i="1" noProof="0">
                                             <a:effectLst/>
                                             <a:latin typeface="Cambria Math" panose="02040503050406030204" pitchFamily="18" charset="0"/>
                                             <a:ea typeface="Arial" panose="020B0604020202020204" pitchFamily="34" charset="0"/>
@@ -5746,7 +5961,7 @@
                                       </m:fPr>
                                       <m:num>
                                         <m:r>
-                                          <a:rPr lang="en-GB" sz="2000" i="1" smtClean="0">
+                                          <a:rPr lang="en-GB" sz="2000" i="1" noProof="0" smtClean="0">
                                             <a:effectLst/>
                                             <a:latin typeface="Cambria Math" panose="02040503050406030204" pitchFamily="18" charset="0"/>
                                             <a:ea typeface="Cambria Math" panose="02040503050406030204" pitchFamily="18" charset="0"/>
@@ -5755,7 +5970,7 @@
                                           <m:t>𝜇</m:t>
                                         </m:r>
                                         <m:r>
-                                          <a:rPr lang="pt-BR" sz="2000" i="1">
+                                          <a:rPr lang="en-GB" sz="2000" i="1" noProof="0">
                                             <a:effectLst/>
                                             <a:latin typeface="Cambria Math" panose="02040503050406030204" pitchFamily="18" charset="0"/>
                                             <a:ea typeface="Arial" panose="020B0604020202020204" pitchFamily="34" charset="0"/>
@@ -5766,7 +5981,7 @@
                                         <m:sSup>
                                           <m:sSupPr>
                                             <m:ctrlPr>
-                                              <a:rPr lang="en-GB" sz="2000" i="1">
+                                              <a:rPr lang="en-GB" sz="2000" i="1" noProof="0">
                                                 <a:effectLst/>
                                                 <a:latin typeface="Cambria Math" panose="02040503050406030204" pitchFamily="18" charset="0"/>
                                                 <a:ea typeface="Arial" panose="020B0604020202020204" pitchFamily="34" charset="0"/>
@@ -5776,7 +5991,7 @@
                                           </m:sSupPr>
                                           <m:e>
                                             <m:r>
-                                              <a:rPr lang="pt-BR" sz="2000" i="1">
+                                              <a:rPr lang="en-GB" sz="2000" i="1" noProof="0">
                                                 <a:effectLst/>
                                                 <a:latin typeface="Cambria Math" panose="02040503050406030204" pitchFamily="18" charset="0"/>
                                                 <a:ea typeface="Arial" panose="020B0604020202020204" pitchFamily="34" charset="0"/>
@@ -5787,7 +6002,7 @@
                                           </m:e>
                                           <m:sup>
                                             <m:r>
-                                              <a:rPr lang="pt-BR" sz="2000">
+                                              <a:rPr lang="en-GB" sz="2000" noProof="0">
                                                 <a:effectLst/>
                                                 <a:latin typeface="Cambria Math" panose="02040503050406030204" pitchFamily="18" charset="0"/>
                                                 <a:ea typeface="Arial" panose="020B0604020202020204" pitchFamily="34" charset="0"/>
@@ -5800,7 +6015,7 @@
                                       </m:num>
                                       <m:den>
                                         <m:r>
-                                          <a:rPr lang="pt-BR" sz="2000">
+                                          <a:rPr lang="en-GB" sz="2000" noProof="0">
                                             <a:effectLst/>
                                             <a:latin typeface="Cambria Math" panose="02040503050406030204" pitchFamily="18" charset="0"/>
                                             <a:ea typeface="Arial" panose="020B0604020202020204" pitchFamily="34" charset="0"/>
@@ -5811,7 +6026,7 @@
                                         <m:sSup>
                                           <m:sSupPr>
                                             <m:ctrlPr>
-                                              <a:rPr lang="en-GB" sz="2000" i="1">
+                                              <a:rPr lang="en-GB" sz="2000" i="1" noProof="0">
                                                 <a:effectLst/>
                                                 <a:latin typeface="Cambria Math" panose="02040503050406030204" pitchFamily="18" charset="0"/>
                                                 <a:ea typeface="Arial" panose="020B0604020202020204" pitchFamily="34" charset="0"/>
@@ -5821,7 +6036,7 @@
                                           </m:sSupPr>
                                           <m:e>
                                             <m:r>
-                                              <a:rPr lang="pt-BR" sz="2000" i="1">
+                                              <a:rPr lang="en-GB" sz="2000" i="1" noProof="0">
                                                 <a:effectLst/>
                                                 <a:latin typeface="Cambria Math" panose="02040503050406030204" pitchFamily="18" charset="0"/>
                                                 <a:ea typeface="Arial" panose="020B0604020202020204" pitchFamily="34" charset="0"/>
@@ -5832,7 +6047,7 @@
                                           </m:e>
                                           <m:sup>
                                             <m:r>
-                                              <a:rPr lang="pt-BR" sz="2000">
+                                              <a:rPr lang="en-GB" sz="2000" noProof="0">
                                                 <a:effectLst/>
                                                 <a:latin typeface="Cambria Math" panose="02040503050406030204" pitchFamily="18" charset="0"/>
                                                 <a:ea typeface="Arial" panose="020B0604020202020204" pitchFamily="34" charset="0"/>
@@ -5851,7 +6066,7 @@
                                 <m:f>
                                   <m:fPr>
                                     <m:ctrlPr>
-                                      <a:rPr lang="pt-BR" sz="2000">
+                                      <a:rPr lang="en-GB" sz="2000" i="1" noProof="0">
                                         <a:effectLst/>
                                         <a:latin typeface="Cambria Math" panose="02040503050406030204" pitchFamily="18" charset="0"/>
                                         <a:ea typeface="Arial" panose="020B0604020202020204" pitchFamily="34" charset="0"/>
@@ -5861,7 +6076,7 @@
                                   </m:fPr>
                                   <m:num>
                                     <m:r>
-                                      <a:rPr lang="pt-BR" sz="2000">
+                                      <a:rPr lang="en-GB" sz="2000" noProof="0">
                                         <a:effectLst/>
                                         <a:latin typeface="Cambria Math" panose="02040503050406030204" pitchFamily="18" charset="0"/>
                                         <a:ea typeface="Arial" panose="020B0604020202020204" pitchFamily="34" charset="0"/>
@@ -5872,7 +6087,7 @@
                                   </m:num>
                                   <m:den>
                                     <m:r>
-                                      <a:rPr lang="pt-BR" sz="2000" i="1" smtClean="0">
+                                      <a:rPr lang="en-GB" sz="2000" i="1" noProof="0" smtClean="0">
                                         <a:effectLst/>
                                         <a:latin typeface="Cambria Math" panose="02040503050406030204" pitchFamily="18" charset="0"/>
                                         <a:ea typeface="Cambria Math" panose="02040503050406030204" pitchFamily="18" charset="0"/>
@@ -5890,14 +6105,14 @@
                     </m:sSup>
                   </m:oMath>
                 </a14:m>
-                <a:endParaRPr lang="en-GB" sz="2000" dirty="0">
+                <a:endParaRPr lang="en-GB" sz="2000" noProof="0" dirty="0">
                   <a:effectLst/>
                   <a:latin typeface="Arial" panose="020B0604020202020204" pitchFamily="34" charset="0"/>
                   <a:ea typeface="Arial" panose="020B0604020202020204" pitchFamily="34" charset="0"/>
                 </a:endParaRPr>
               </a:p>
               <a:p>
-                <a:endParaRPr lang="en-GB" sz="2000" dirty="0">
+                <a:endParaRPr lang="en-GB" sz="2000" noProof="0" dirty="0">
                   <a:effectLst/>
                   <a:latin typeface="Arial" panose="020B0604020202020204" pitchFamily="34" charset="0"/>
                   <a:ea typeface="Arial" panose="020B0604020202020204" pitchFamily="34" charset="0"/>
@@ -5905,7 +6120,7 @@
               </a:p>
               <a:p>
                 <a:r>
-                  <a:rPr lang="en-GB" dirty="0"/>
+                  <a:rPr lang="en-GB" noProof="0" dirty="0"/>
                   <a:t>This model introduces two extra parameters</a:t>
                 </a:r>
               </a:p>
@@ -5914,7 +6129,7 @@
                 <a14:m>
                   <m:oMath xmlns:m="http://schemas.openxmlformats.org/officeDocument/2006/math">
                     <m:r>
-                      <a:rPr lang="en-GB" i="1">
+                      <a:rPr lang="en-GB" i="1" noProof="0">
                         <a:latin typeface="Cambria Math" panose="02040503050406030204" pitchFamily="18" charset="0"/>
                         <a:ea typeface="Cambria Math" panose="02040503050406030204" pitchFamily="18" charset="0"/>
                         <a:cs typeface="Times New Roman" panose="02020603050405020304" pitchFamily="18" charset="0"/>
@@ -5924,20 +6139,20 @@
                   </m:oMath>
                 </a14:m>
                 <a:r>
-                  <a:rPr lang="en-GB" dirty="0"/>
+                  <a:rPr lang="en-GB" noProof="0" dirty="0"/>
                   <a:t> has to do with the form of the energy potential</a:t>
                 </a:r>
               </a:p>
               <a:p>
                 <a:pPr lvl="1"/>
                 <a:r>
-                  <a:rPr lang="en-GB" dirty="0"/>
+                  <a:rPr lang="en-GB" noProof="0" dirty="0"/>
                   <a:t> </a:t>
                 </a:r>
                 <a14:m>
                   <m:oMath xmlns:m="http://schemas.openxmlformats.org/officeDocument/2006/math">
                     <m:r>
-                      <a:rPr lang="pt-BR" sz="2400" smtClean="0">
+                      <a:rPr lang="en-GB" sz="2400" noProof="0" smtClean="0">
                         <a:effectLst/>
                         <a:latin typeface="Cambria Math" panose="02040503050406030204" pitchFamily="18" charset="0"/>
                         <a:ea typeface="Arial" panose="020B0604020202020204" pitchFamily="34" charset="0"/>
@@ -5948,7 +6163,7 @@
                     <m:sSup>
                       <m:sSupPr>
                         <m:ctrlPr>
-                          <a:rPr lang="en-GB" sz="2400" i="1">
+                          <a:rPr lang="en-GB" sz="2400" i="1" noProof="0">
                             <a:effectLst/>
                             <a:latin typeface="Cambria Math" panose="02040503050406030204" pitchFamily="18" charset="0"/>
                             <a:ea typeface="Arial" panose="020B0604020202020204" pitchFamily="34" charset="0"/>
@@ -5958,7 +6173,7 @@
                       </m:sSupPr>
                       <m:e>
                         <m:r>
-                          <a:rPr lang="pt-BR" sz="2400" i="1">
+                          <a:rPr lang="en-GB" sz="2400" i="1" noProof="0">
                             <a:effectLst/>
                             <a:latin typeface="Cambria Math" panose="02040503050406030204" pitchFamily="18" charset="0"/>
                             <a:ea typeface="Arial" panose="020B0604020202020204" pitchFamily="34" charset="0"/>
@@ -5969,7 +6184,7 @@
                       </m:e>
                       <m:sup>
                         <m:r>
-                          <a:rPr lang="pt-BR" sz="2400">
+                          <a:rPr lang="en-GB" sz="2400" noProof="0">
                             <a:effectLst/>
                             <a:latin typeface="Cambria Math" panose="02040503050406030204" pitchFamily="18" charset="0"/>
                             <a:ea typeface="Arial" panose="020B0604020202020204" pitchFamily="34" charset="0"/>
@@ -5982,13 +6197,13 @@
                   </m:oMath>
                 </a14:m>
                 <a:r>
-                  <a:rPr lang="en-GB" dirty="0"/>
+                  <a:rPr lang="en-GB" noProof="0" dirty="0"/>
                   <a:t> is the height of the barrier at </a:t>
                 </a:r>
                 <a14:m>
                   <m:oMath xmlns:m="http://schemas.openxmlformats.org/officeDocument/2006/math">
                     <m:r>
-                      <a:rPr lang="pt-BR" i="1">
+                      <a:rPr lang="en-GB" i="1" noProof="0">
                         <a:latin typeface="Cambria Math" panose="02040503050406030204" pitchFamily="18" charset="0"/>
                         <a:ea typeface="Arial" panose="020B0604020202020204" pitchFamily="34" charset="0"/>
                         <a:cs typeface="Times New Roman" panose="02020603050405020304" pitchFamily="18" charset="0"/>
@@ -5996,7 +6211,7 @@
                       <m:t>𝐹</m:t>
                     </m:r>
                     <m:r>
-                      <a:rPr lang="en-GB" b="0" i="1" smtClean="0">
+                      <a:rPr lang="en-GB" b="0" i="1" noProof="0" smtClean="0">
                         <a:latin typeface="Cambria Math" panose="02040503050406030204" pitchFamily="18" charset="0"/>
                         <a:ea typeface="Arial" panose="020B0604020202020204" pitchFamily="34" charset="0"/>
                         <a:cs typeface="Times New Roman" panose="02020603050405020304" pitchFamily="18" charset="0"/>
@@ -6006,17 +6221,17 @@
                   </m:oMath>
                 </a14:m>
                 <a:r>
-                  <a:rPr lang="en-GB" dirty="0"/>
+                  <a:rPr lang="en-GB" noProof="0" dirty="0"/>
                   <a:t>.</a:t>
                 </a:r>
               </a:p>
               <a:p>
-                <a:endParaRPr lang="en-GB" dirty="0"/>
+                <a:endParaRPr lang="en-GB" noProof="0" dirty="0"/>
               </a:p>
             </p:txBody>
           </p:sp>
         </mc:Choice>
-        <mc:Fallback>
+        <mc:Fallback xmlns="">
           <p:sp>
             <p:nvSpPr>
               <p:cNvPr id="3" name="Content Placeholder 2">
@@ -6182,7 +6397,7 @@
           <a:lstStyle/>
           <a:p>
             <a:r>
-              <a:rPr lang="en-GB" dirty="0"/>
+              <a:rPr lang="en-GB" noProof="0" dirty="0"/>
               <a:t>In this case the two models are equally good</a:t>
             </a:r>
           </a:p>
@@ -6300,15 +6515,15 @@
           <a:lstStyle/>
           <a:p>
             <a:r>
-              <a:rPr lang="en-GB" dirty="0"/>
+              <a:rPr lang="en-GB" noProof="0" dirty="0"/>
               <a:t>Why use the </a:t>
             </a:r>
             <a:r>
-              <a:rPr lang="en-GB" dirty="0" err="1"/>
+              <a:rPr lang="en-GB" noProof="0" dirty="0" err="1"/>
               <a:t>Dudko</a:t>
             </a:r>
             <a:r>
-              <a:rPr lang="en-GB" dirty="0"/>
+              <a:rPr lang="en-GB" noProof="0" dirty="0"/>
               <a:t> model?</a:t>
             </a:r>
           </a:p>
@@ -6338,20 +6553,20 @@
               <a:lstStyle/>
               <a:p>
                 <a:r>
-                  <a:rPr lang="en-GB" dirty="0"/>
+                  <a:rPr lang="en-GB" noProof="0" dirty="0"/>
                   <a:t>Can potentially give extra information</a:t>
                 </a:r>
               </a:p>
               <a:p>
                 <a:pPr lvl="1"/>
                 <a:r>
-                  <a:rPr lang="en-GB" dirty="0"/>
+                  <a:rPr lang="en-GB" noProof="0" dirty="0"/>
                   <a:t>Barrier height </a:t>
                 </a:r>
                 <a14:m>
                   <m:oMath xmlns:m="http://schemas.openxmlformats.org/officeDocument/2006/math">
                     <m:r>
-                      <a:rPr lang="en-GB" i="1" smtClean="0">
+                      <a:rPr lang="en-GB" i="1" noProof="0" smtClean="0">
                         <a:latin typeface="Cambria Math" panose="02040503050406030204" pitchFamily="18" charset="0"/>
                         <a:ea typeface="Cambria Math" panose="02040503050406030204" pitchFamily="18" charset="0"/>
                       </a:rPr>
@@ -6360,7 +6575,7 @@
                     <m:sSup>
                       <m:sSupPr>
                         <m:ctrlPr>
-                          <a:rPr lang="en-GB" b="0" i="1" smtClean="0">
+                          <a:rPr lang="en-GB" b="0" i="1" noProof="0" smtClean="0">
                             <a:latin typeface="Cambria Math" panose="02040503050406030204" pitchFamily="18" charset="0"/>
                             <a:ea typeface="Cambria Math" panose="02040503050406030204" pitchFamily="18" charset="0"/>
                           </a:rPr>
@@ -6368,7 +6583,7 @@
                       </m:sSupPr>
                       <m:e>
                         <m:r>
-                          <a:rPr lang="en-GB" b="0" i="1" smtClean="0">
+                          <a:rPr lang="en-GB" b="0" i="1" noProof="0" smtClean="0">
                             <a:latin typeface="Cambria Math" panose="02040503050406030204" pitchFamily="18" charset="0"/>
                             <a:ea typeface="Cambria Math" panose="02040503050406030204" pitchFamily="18" charset="0"/>
                           </a:rPr>
@@ -6377,7 +6592,7 @@
                       </m:e>
                       <m:sup>
                         <m:r>
-                          <a:rPr lang="en-GB" b="0" i="1" smtClean="0">
+                          <a:rPr lang="en-GB" b="0" i="1" noProof="0" smtClean="0">
                             <a:latin typeface="Cambria Math" panose="02040503050406030204" pitchFamily="18" charset="0"/>
                             <a:ea typeface="Cambria Math" panose="02040503050406030204" pitchFamily="18" charset="0"/>
                           </a:rPr>
@@ -6387,24 +6602,24 @@
                     </m:sSup>
                   </m:oMath>
                 </a14:m>
-                <a:endParaRPr lang="en-GB" baseline="30000" dirty="0"/>
+                <a:endParaRPr lang="en-GB" baseline="30000" noProof="0" dirty="0"/>
               </a:p>
               <a:p>
                 <a:r>
-                  <a:rPr lang="en-GB" dirty="0"/>
+                  <a:rPr lang="en-GB" noProof="0" dirty="0"/>
                   <a:t>Problem:</a:t>
                 </a:r>
               </a:p>
               <a:p>
                 <a:pPr lvl="1"/>
                 <a:r>
-                  <a:rPr lang="en-GB" dirty="0"/>
+                  <a:rPr lang="en-GB" noProof="0" dirty="0"/>
                   <a:t>The </a:t>
                 </a:r>
                 <a14:m>
                   <m:oMath xmlns:m="http://schemas.openxmlformats.org/officeDocument/2006/math">
                     <m:r>
-                      <a:rPr lang="en-GB" i="1" smtClean="0">
+                      <a:rPr lang="en-GB" i="1" noProof="0" smtClean="0">
                         <a:latin typeface="Cambria Math" panose="02040503050406030204" pitchFamily="18" charset="0"/>
                         <a:ea typeface="Cambria Math" panose="02040503050406030204" pitchFamily="18" charset="0"/>
                       </a:rPr>
@@ -6413,7 +6628,7 @@
                     <m:sSup>
                       <m:sSupPr>
                         <m:ctrlPr>
-                          <a:rPr lang="en-GB" b="0" i="1" smtClean="0">
+                          <a:rPr lang="en-GB" b="0" i="1" noProof="0" smtClean="0">
                             <a:latin typeface="Cambria Math" panose="02040503050406030204" pitchFamily="18" charset="0"/>
                             <a:ea typeface="Cambria Math" panose="02040503050406030204" pitchFamily="18" charset="0"/>
                           </a:rPr>
@@ -6421,7 +6636,7 @@
                       </m:sSupPr>
                       <m:e>
                         <m:r>
-                          <a:rPr lang="en-GB" b="0" i="1" smtClean="0">
+                          <a:rPr lang="en-GB" b="0" i="1" noProof="0" smtClean="0">
                             <a:latin typeface="Cambria Math" panose="02040503050406030204" pitchFamily="18" charset="0"/>
                             <a:ea typeface="Cambria Math" panose="02040503050406030204" pitchFamily="18" charset="0"/>
                           </a:rPr>
@@ -6430,7 +6645,7 @@
                       </m:e>
                       <m:sup>
                         <m:r>
-                          <a:rPr lang="en-GB" b="0" i="1" smtClean="0">
+                          <a:rPr lang="en-GB" b="0" i="1" noProof="0" smtClean="0">
                             <a:latin typeface="Cambria Math" panose="02040503050406030204" pitchFamily="18" charset="0"/>
                             <a:ea typeface="Cambria Math" panose="02040503050406030204" pitchFamily="18" charset="0"/>
                           </a:rPr>
@@ -6441,30 +6656,30 @@
                   </m:oMath>
                 </a14:m>
                 <a:r>
-                  <a:rPr lang="en-GB" dirty="0"/>
+                  <a:rPr lang="en-GB" noProof="0" dirty="0"/>
                   <a:t> standard deviation is larger than the value!!! </a:t>
                 </a:r>
               </a:p>
               <a:p>
                 <a:r>
-                  <a:rPr lang="en-GB" dirty="0"/>
+                  <a:rPr lang="en-GB" noProof="0" dirty="0"/>
                   <a:t>Cause of problem:</a:t>
                 </a:r>
               </a:p>
               <a:p>
                 <a:pPr lvl="1"/>
                 <a:r>
-                  <a:rPr lang="en-GB" dirty="0" err="1"/>
+                  <a:rPr lang="en-GB" noProof="0" dirty="0" err="1"/>
                   <a:t>Dudko</a:t>
                 </a:r>
                 <a:r>
-                  <a:rPr lang="en-GB" dirty="0"/>
-                  <a:t> often gives good fits for a large range of </a:t>
+                  <a:rPr lang="en-GB" noProof="0" dirty="0"/>
+                  <a:t> often gives good fits for a wide range of </a:t>
                 </a:r>
                 <a14:m>
                   <m:oMath xmlns:m="http://schemas.openxmlformats.org/officeDocument/2006/math">
                     <m:r>
-                      <a:rPr lang="en-GB" i="1" smtClean="0">
+                      <a:rPr lang="en-GB" i="1" noProof="0" smtClean="0">
                         <a:latin typeface="Cambria Math" panose="02040503050406030204" pitchFamily="18" charset="0"/>
                         <a:ea typeface="Cambria Math" panose="02040503050406030204" pitchFamily="18" charset="0"/>
                       </a:rPr>
@@ -6473,7 +6688,7 @@
                     <m:sSup>
                       <m:sSupPr>
                         <m:ctrlPr>
-                          <a:rPr lang="en-GB" b="0" i="1" smtClean="0">
+                          <a:rPr lang="en-GB" b="0" i="1" noProof="0" smtClean="0">
                             <a:latin typeface="Cambria Math" panose="02040503050406030204" pitchFamily="18" charset="0"/>
                             <a:ea typeface="Cambria Math" panose="02040503050406030204" pitchFamily="18" charset="0"/>
                           </a:rPr>
@@ -6481,7 +6696,7 @@
                       </m:sSupPr>
                       <m:e>
                         <m:r>
-                          <a:rPr lang="en-GB" b="0" i="1" smtClean="0">
+                          <a:rPr lang="en-GB" b="0" i="1" noProof="0" smtClean="0">
                             <a:latin typeface="Cambria Math" panose="02040503050406030204" pitchFamily="18" charset="0"/>
                             <a:ea typeface="Cambria Math" panose="02040503050406030204" pitchFamily="18" charset="0"/>
                           </a:rPr>
@@ -6490,7 +6705,7 @@
                       </m:e>
                       <m:sup>
                         <m:r>
-                          <a:rPr lang="en-GB" b="0" i="1" smtClean="0">
+                          <a:rPr lang="en-GB" b="0" i="1" noProof="0" smtClean="0">
                             <a:latin typeface="Cambria Math" panose="02040503050406030204" pitchFamily="18" charset="0"/>
                             <a:ea typeface="Cambria Math" panose="02040503050406030204" pitchFamily="18" charset="0"/>
                           </a:rPr>
@@ -6501,34 +6716,34 @@
                   </m:oMath>
                 </a14:m>
                 <a:r>
-                  <a:rPr lang="en-GB" dirty="0"/>
+                  <a:rPr lang="en-GB" noProof="0" dirty="0"/>
                   <a:t> values</a:t>
                 </a:r>
               </a:p>
               <a:p>
                 <a:pPr lvl="1"/>
                 <a:r>
-                  <a:rPr lang="en-GB" dirty="0"/>
+                  <a:rPr lang="en-GB" noProof="0" dirty="0"/>
                   <a:t>Then the extra information is meaningless! (over-parameterisation)</a:t>
                 </a:r>
               </a:p>
               <a:p>
                 <a:r>
-                  <a:rPr lang="en-GB" dirty="0"/>
+                  <a:rPr lang="en-GB" noProof="0" dirty="0"/>
                   <a:t>The </a:t>
                 </a:r>
                 <a:r>
-                  <a:rPr lang="en-GB" dirty="0" err="1"/>
+                  <a:rPr lang="en-GB" noProof="0" dirty="0" err="1"/>
                   <a:t>Dudko</a:t>
                 </a:r>
                 <a:r>
-                  <a:rPr lang="en-GB" dirty="0"/>
+                  <a:rPr lang="en-GB" noProof="0" dirty="0"/>
                   <a:t> model with </a:t>
                 </a:r>
                 <a14:m>
                   <m:oMath xmlns:m="http://schemas.openxmlformats.org/officeDocument/2006/math">
                     <m:r>
-                      <a:rPr lang="en-GB" i="1" smtClean="0">
+                      <a:rPr lang="en-GB" i="1" noProof="0" smtClean="0">
                         <a:latin typeface="Cambria Math" panose="02040503050406030204" pitchFamily="18" charset="0"/>
                         <a:ea typeface="Cambria Math" panose="02040503050406030204" pitchFamily="18" charset="0"/>
                       </a:rPr>
@@ -6537,7 +6752,7 @@
                     <m:sSup>
                       <m:sSupPr>
                         <m:ctrlPr>
-                          <a:rPr lang="en-GB" b="0" i="1" smtClean="0">
+                          <a:rPr lang="en-GB" b="0" i="1" noProof="0" smtClean="0">
                             <a:latin typeface="Cambria Math" panose="02040503050406030204" pitchFamily="18" charset="0"/>
                             <a:ea typeface="Cambria Math" panose="02040503050406030204" pitchFamily="18" charset="0"/>
                           </a:rPr>
@@ -6545,7 +6760,7 @@
                       </m:sSupPr>
                       <m:e>
                         <m:r>
-                          <a:rPr lang="en-GB" b="0" i="1" smtClean="0">
+                          <a:rPr lang="en-GB" b="0" i="1" noProof="0" smtClean="0">
                             <a:latin typeface="Cambria Math" panose="02040503050406030204" pitchFamily="18" charset="0"/>
                             <a:ea typeface="Cambria Math" panose="02040503050406030204" pitchFamily="18" charset="0"/>
                           </a:rPr>
@@ -6554,7 +6769,7 @@
                       </m:e>
                       <m:sup>
                         <m:r>
-                          <a:rPr lang="en-GB" b="0" i="1" smtClean="0">
+                          <a:rPr lang="en-GB" b="0" i="1" noProof="0" smtClean="0">
                             <a:latin typeface="Cambria Math" panose="02040503050406030204" pitchFamily="18" charset="0"/>
                             <a:ea typeface="Cambria Math" panose="02040503050406030204" pitchFamily="18" charset="0"/>
                           </a:rPr>
@@ -6563,7 +6778,7 @@
                       </m:sup>
                     </m:sSup>
                     <m:r>
-                      <a:rPr lang="en-GB" b="0" i="1" smtClean="0">
+                      <a:rPr lang="en-GB" b="0" i="1" noProof="0" smtClean="0">
                         <a:latin typeface="Cambria Math" panose="02040503050406030204" pitchFamily="18" charset="0"/>
                         <a:ea typeface="Cambria Math" panose="02040503050406030204" pitchFamily="18" charset="0"/>
                       </a:rPr>
@@ -6572,7 +6787,7 @@
                   </m:oMath>
                 </a14:m>
                 <a:r>
-                  <a:rPr lang="en-GB" dirty="0"/>
+                  <a:rPr lang="en-GB" noProof="0" dirty="0"/>
                   <a:t> is equivalent to the Bell model</a:t>
                 </a:r>
               </a:p>
@@ -6671,15 +6886,15 @@
           <a:lstStyle/>
           <a:p>
             <a:r>
-              <a:rPr lang="en-GB" dirty="0"/>
+              <a:rPr lang="en-GB" noProof="0" dirty="0"/>
               <a:t>When is the </a:t>
             </a:r>
             <a:r>
-              <a:rPr lang="en-GB" dirty="0" err="1"/>
+              <a:rPr lang="en-GB" noProof="0" dirty="0" err="1"/>
               <a:t>Dudko</a:t>
             </a:r>
             <a:r>
-              <a:rPr lang="en-GB" dirty="0"/>
+              <a:rPr lang="en-GB" noProof="0" dirty="0"/>
               <a:t> model relevant?</a:t>
             </a:r>
           </a:p>
@@ -6709,27 +6924,27 @@
               <a:lstStyle/>
               <a:p>
                 <a:r>
-                  <a:rPr lang="en-GB" dirty="0"/>
+                  <a:rPr lang="en-GB" noProof="0" dirty="0"/>
                   <a:t>For many data sets, the </a:t>
                 </a:r>
                 <a:r>
-                  <a:rPr lang="en-GB" dirty="0" err="1"/>
+                  <a:rPr lang="en-GB" noProof="0" dirty="0" err="1"/>
                   <a:t>Dudko</a:t>
                 </a:r>
                 <a:r>
-                  <a:rPr lang="en-GB" dirty="0"/>
+                  <a:rPr lang="en-GB" noProof="0" dirty="0"/>
                   <a:t> model may give a better fit than the Bell model</a:t>
                 </a:r>
               </a:p>
               <a:p>
                 <a:r>
-                  <a:rPr lang="en-GB" dirty="0"/>
+                  <a:rPr lang="en-GB" noProof="0" dirty="0"/>
                   <a:t>Then the standard deviation of </a:t>
                 </a:r>
                 <a14:m>
                   <m:oMath xmlns:m="http://schemas.openxmlformats.org/officeDocument/2006/math">
                     <m:r>
-                      <a:rPr lang="en-GB" i="1" smtClean="0">
+                      <a:rPr lang="en-GB" i="1" noProof="0" smtClean="0">
                         <a:latin typeface="Cambria Math" panose="02040503050406030204" pitchFamily="18" charset="0"/>
                         <a:ea typeface="Cambria Math" panose="02040503050406030204" pitchFamily="18" charset="0"/>
                       </a:rPr>
@@ -6738,7 +6953,7 @@
                     <m:sSup>
                       <m:sSupPr>
                         <m:ctrlPr>
-                          <a:rPr lang="en-GB" b="0" i="1" smtClean="0">
+                          <a:rPr lang="en-GB" b="0" i="1" noProof="0" smtClean="0">
                             <a:latin typeface="Cambria Math" panose="02040503050406030204" pitchFamily="18" charset="0"/>
                             <a:ea typeface="Cambria Math" panose="02040503050406030204" pitchFamily="18" charset="0"/>
                           </a:rPr>
@@ -6746,7 +6961,7 @@
                       </m:sSupPr>
                       <m:e>
                         <m:r>
-                          <a:rPr lang="en-GB" b="0" i="1" smtClean="0">
+                          <a:rPr lang="en-GB" b="0" i="1" noProof="0" smtClean="0">
                             <a:latin typeface="Cambria Math" panose="02040503050406030204" pitchFamily="18" charset="0"/>
                             <a:ea typeface="Cambria Math" panose="02040503050406030204" pitchFamily="18" charset="0"/>
                           </a:rPr>
@@ -6755,7 +6970,7 @@
                       </m:e>
                       <m:sup>
                         <m:r>
-                          <a:rPr lang="en-GB" b="0" i="1" smtClean="0">
+                          <a:rPr lang="en-GB" b="0" i="1" noProof="0" smtClean="0">
                             <a:latin typeface="Cambria Math" panose="02040503050406030204" pitchFamily="18" charset="0"/>
                             <a:ea typeface="Cambria Math" panose="02040503050406030204" pitchFamily="18" charset="0"/>
                           </a:rPr>
@@ -6766,33 +6981,33 @@
                   </m:oMath>
                 </a14:m>
                 <a:r>
-                  <a:rPr lang="en-GB" dirty="0"/>
+                  <a:rPr lang="en-GB" noProof="0" dirty="0"/>
                   <a:t> is much smaller</a:t>
                 </a:r>
               </a:p>
               <a:p>
                 <a:r>
-                  <a:rPr lang="en-GB" dirty="0"/>
+                  <a:rPr lang="en-GB" noProof="0" dirty="0"/>
                   <a:t>And the result of the fitting is more meaningful</a:t>
                 </a:r>
               </a:p>
               <a:p>
                 <a:r>
-                  <a:rPr lang="en-GB" dirty="0"/>
+                  <a:rPr lang="en-GB" noProof="0" dirty="0"/>
                   <a:t>Morale:</a:t>
                 </a:r>
               </a:p>
               <a:p>
                 <a:pPr lvl="1"/>
                 <a:r>
-                  <a:rPr lang="en-GB" dirty="0"/>
+                  <a:rPr lang="en-GB" noProof="0" dirty="0"/>
                   <a:t>Check the standard deviation of identified parameters</a:t>
                 </a:r>
               </a:p>
               <a:p>
                 <a:pPr lvl="1"/>
                 <a:r>
-                  <a:rPr lang="en-GB" dirty="0"/>
+                  <a:rPr lang="en-GB" noProof="0" dirty="0"/>
                   <a:t>If one or more standard deviations are very large, use the Bell model</a:t>
                 </a:r>
               </a:p>
@@ -6874,7 +7089,7 @@
           <p:cNvPr id="2" name="Title 1">
             <a:extLst>
               <a:ext uri="{FF2B5EF4-FFF2-40B4-BE49-F238E27FC236}">
-                <a16:creationId xmlns:a16="http://schemas.microsoft.com/office/drawing/2014/main" id="{6859C1C7-9E62-0076-5710-71A8D7D3581E}"/>
+                <a16:creationId xmlns:a16="http://schemas.microsoft.com/office/drawing/2014/main" id="{25B30393-81A8-BD36-A303-FB4FB0BB7C1F}"/>
               </a:ext>
             </a:extLst>
           </p:cNvPr>
@@ -6890,56 +7105,19 @@
           <a:bodyPr/>
           <a:lstStyle/>
           <a:p>
-            <a:pPr algn="ctr"/>
-            <a:r>
-              <a:rPr lang="en-GB" dirty="0"/>
-              <a:t>Experimenters may vary the conditions</a:t>
-            </a:r>
-            <a:br>
-              <a:rPr lang="en-GB" dirty="0"/>
-            </a:br>
-            <a:r>
-              <a:rPr lang="en-GB" sz="3600" dirty="0"/>
-              <a:t>between experiments</a:t>
+            <a:r>
+              <a:rPr lang="en-GB" noProof="0" dirty="0"/>
+              <a:t>Model fitting workflow</a:t>
             </a:r>
           </a:p>
         </p:txBody>
       </p:sp>
-      <p:pic>
-        <p:nvPicPr>
-          <p:cNvPr id="7" name="Content Placeholder 6">
+      <p:sp>
+        <p:nvSpPr>
+          <p:cNvPr id="3" name="Content Placeholder 2">
             <a:extLst>
               <a:ext uri="{FF2B5EF4-FFF2-40B4-BE49-F238E27FC236}">
-                <a16:creationId xmlns:a16="http://schemas.microsoft.com/office/drawing/2014/main" id="{5DD5B339-4491-F542-9D77-95463F807861}"/>
-              </a:ext>
-            </a:extLst>
-          </p:cNvPr>
-          <p:cNvPicPr>
-            <a:picLocks noGrp="1" noChangeAspect="1"/>
-          </p:cNvPicPr>
-          <p:nvPr>
-            <p:ph sz="half" idx="1"/>
-          </p:nvPr>
-        </p:nvPicPr>
-        <p:blipFill>
-          <a:blip r:embed="rId2"/>
-          <a:stretch>
-            <a:fillRect/>
-          </a:stretch>
-        </p:blipFill>
-        <p:spPr>
-          <a:xfrm>
-            <a:off x="6754761" y="1973109"/>
-            <a:ext cx="5296051" cy="3540788"/>
-          </a:xfrm>
-        </p:spPr>
-      </p:pic>
-      <p:sp>
-        <p:nvSpPr>
-          <p:cNvPr id="8" name="Content Placeholder 7">
-            <a:extLst>
-              <a:ext uri="{FF2B5EF4-FFF2-40B4-BE49-F238E27FC236}">
-                <a16:creationId xmlns:a16="http://schemas.microsoft.com/office/drawing/2014/main" id="{23DEC6EA-A2D6-C927-57E0-D76FACC43FCD}"/>
+                <a16:creationId xmlns:a16="http://schemas.microsoft.com/office/drawing/2014/main" id="{146B1BDC-14E9-C6BA-F8C8-E95FD0ED05F2}"/>
               </a:ext>
             </a:extLst>
           </p:cNvPr>
@@ -6947,142 +7125,83 @@
             <a:spLocks noGrp="1"/>
           </p:cNvSpPr>
           <p:nvPr>
-            <p:ph sz="half" idx="2"/>
+            <p:ph idx="1"/>
           </p:nvPr>
         </p:nvSpPr>
-        <p:spPr>
-          <a:xfrm>
-            <a:off x="1338943" y="1825625"/>
-            <a:ext cx="5181600" cy="4351338"/>
-          </a:xfrm>
-        </p:spPr>
+        <p:spPr/>
         <p:txBody>
           <a:bodyPr/>
           <a:lstStyle/>
           <a:p>
             <a:r>
-              <a:rPr lang="en-GB" dirty="0"/>
-              <a:t>It is usually of interest to study how experimental parameters influence the experiment results</a:t>
-            </a:r>
-          </a:p>
-          <a:p>
-            <a:r>
-              <a:rPr lang="en-GB" dirty="0"/>
-              <a:t>The  figure shows temperature and pulling speed for a large set of experiment data</a:t>
-            </a:r>
-          </a:p>
-          <a:p>
-            <a:r>
-              <a:rPr lang="en-GB" dirty="0"/>
-              <a:t>Easy to select subsets of tables, to study effect of e.g. temperature</a:t>
-            </a:r>
-          </a:p>
-        </p:txBody>
-      </p:sp>
-      <p:sp>
-        <p:nvSpPr>
-          <p:cNvPr id="18" name="TextBox 17">
-            <a:extLst>
-              <a:ext uri="{FF2B5EF4-FFF2-40B4-BE49-F238E27FC236}">
-                <a16:creationId xmlns:a16="http://schemas.microsoft.com/office/drawing/2014/main" id="{803163AC-8ACA-8EBE-A90F-75DC087764C7}"/>
-              </a:ext>
-            </a:extLst>
-          </p:cNvPr>
-          <p:cNvSpPr txBox="1"/>
-          <p:nvPr/>
-        </p:nvSpPr>
-        <p:spPr>
-          <a:xfrm>
-            <a:off x="81699" y="5988734"/>
-            <a:ext cx="9507794" cy="646331"/>
-          </a:xfrm>
-          <a:prstGeom prst="rect">
-            <a:avLst/>
-          </a:prstGeom>
-          <a:noFill/>
-        </p:spPr>
-        <p:txBody>
-          <a:bodyPr wrap="square" rtlCol="0">
-            <a:spAutoFit/>
-          </a:bodyPr>
-          <a:lstStyle/>
-          <a:p>
-            <a:r>
-              <a:rPr lang="en-GB" dirty="0"/>
-              <a:t>Data for 3588 rip events from 32 experiments on the protein </a:t>
-            </a:r>
-            <a:r>
-              <a:rPr lang="en-GB" sz="1800" b="0" i="0" u="none" strike="noStrike" baseline="0" dirty="0">
-                <a:latin typeface="Arial Unicode MS" panose="020B0604020202020204" pitchFamily="34" charset="-128"/>
+              <a:rPr lang="en-GB" noProof="0" dirty="0"/>
+              <a:t>Collect all analysis result tables into TRIP and TZIP</a:t>
+            </a:r>
+          </a:p>
+          <a:p>
+            <a:r>
+              <a:rPr lang="en-GB" noProof="0" dirty="0"/>
+              <a:t>Select the subset you want to model (e.g. Temperature &gt; 20)</a:t>
+            </a:r>
+          </a:p>
+          <a:p>
+            <a:r>
+              <a:rPr lang="en-GB" noProof="0" dirty="0"/>
+              <a:t>Prepare the input to </a:t>
+            </a:r>
+            <a:r>
+              <a:rPr lang="en-GB" sz="2400" noProof="0" dirty="0" err="1">
+                <a:latin typeface="Consolas" panose="020B0609020204030204" pitchFamily="49" charset="0"/>
               </a:rPr>
-              <a:t>MJ0366. </a:t>
-            </a:r>
-          </a:p>
-          <a:p>
-            <a:r>
-              <a:rPr lang="en-GB" sz="1800" b="0" i="0" u="none" strike="noStrike" baseline="0" dirty="0">
-                <a:latin typeface="Arial Unicode MS" panose="020B0604020202020204" pitchFamily="34" charset="-128"/>
-              </a:rPr>
-              <a:t>Ref</a:t>
-            </a:r>
-            <a:r>
-              <a:rPr lang="nb-NO" sz="1800" b="0" i="0" u="none" strike="noStrike" baseline="0" dirty="0">
-                <a:latin typeface="Arial Unicode MS" panose="020B0604020202020204" pitchFamily="34" charset="-128"/>
-              </a:rPr>
-              <a:t>: </a:t>
-            </a:r>
-            <a:r>
-              <a:rPr lang="en-GB" sz="1800" kern="100" dirty="0">
-                <a:effectLst/>
-                <a:latin typeface="Aptos" panose="020B0004020202020204" pitchFamily="34" charset="0"/>
-                <a:ea typeface="Aptos" panose="020B0004020202020204" pitchFamily="34" charset="0"/>
-                <a:cs typeface="Times New Roman" panose="02020603050405020304" pitchFamily="18" charset="0"/>
-              </a:rPr>
-              <a:t>Rivera, Mjaavatten, Smith, Baez, &amp; Wilson (2023). </a:t>
-            </a:r>
-            <a:r>
-              <a:rPr lang="en-GB" sz="1800" i="1" kern="100" dirty="0">
-                <a:effectLst/>
-                <a:latin typeface="Aptos" panose="020B0004020202020204" pitchFamily="34" charset="0"/>
-                <a:ea typeface="Aptos" panose="020B0004020202020204" pitchFamily="34" charset="0"/>
-                <a:cs typeface="Times New Roman" panose="02020603050405020304" pitchFamily="18" charset="0"/>
-              </a:rPr>
-              <a:t>Biophysical Journal</a:t>
-            </a:r>
-            <a:r>
-              <a:rPr lang="en-GB" sz="1800" kern="100" dirty="0">
-                <a:effectLst/>
-                <a:latin typeface="Aptos" panose="020B0004020202020204" pitchFamily="34" charset="0"/>
-                <a:ea typeface="Aptos" panose="020B0004020202020204" pitchFamily="34" charset="0"/>
-                <a:cs typeface="Times New Roman" panose="02020603050405020304" pitchFamily="18" charset="0"/>
-              </a:rPr>
-              <a:t>, </a:t>
-            </a:r>
-            <a:r>
-              <a:rPr lang="en-GB" sz="1800" i="1" kern="100" dirty="0">
-                <a:effectLst/>
-                <a:latin typeface="Aptos" panose="020B0004020202020204" pitchFamily="34" charset="0"/>
-                <a:ea typeface="Aptos" panose="020B0004020202020204" pitchFamily="34" charset="0"/>
-                <a:cs typeface="Times New Roman" panose="02020603050405020304" pitchFamily="18" charset="0"/>
-              </a:rPr>
-              <a:t>122</a:t>
-            </a:r>
-            <a:r>
-              <a:rPr lang="en-GB" sz="1800" kern="100" dirty="0">
-                <a:effectLst/>
-                <a:latin typeface="Aptos" panose="020B0004020202020204" pitchFamily="34" charset="0"/>
-                <a:ea typeface="Aptos" panose="020B0004020202020204" pitchFamily="34" charset="0"/>
-                <a:cs typeface="Times New Roman" panose="02020603050405020304" pitchFamily="18" charset="0"/>
-              </a:rPr>
-              <a:t>(3), 513-521.</a:t>
-            </a:r>
+              <a:t>fit_Bell_unfold.m</a:t>
+            </a:r>
+            <a:endParaRPr lang="en-GB" noProof="0" dirty="0"/>
+          </a:p>
+          <a:p>
+            <a:r>
+              <a:rPr lang="en-GB" noProof="0" dirty="0"/>
+              <a:t>Define initial values for the parameter vector </a:t>
+            </a:r>
+          </a:p>
+          <a:p>
+            <a:r>
+              <a:rPr lang="en-GB" noProof="0" dirty="0"/>
+              <a:t>Calculate best fit parameters for the Bell or </a:t>
+            </a:r>
+            <a:r>
+              <a:rPr lang="en-GB" noProof="0" dirty="0" err="1"/>
+              <a:t>Dudko</a:t>
+            </a:r>
+            <a:r>
+              <a:rPr lang="en-GB" noProof="0" dirty="0"/>
+              <a:t> model</a:t>
+            </a:r>
+          </a:p>
+          <a:p>
+            <a:r>
+              <a:rPr lang="en-GB" noProof="0" dirty="0"/>
+              <a:t>Check that results look ok</a:t>
+            </a:r>
+          </a:p>
+          <a:p>
+            <a:pPr lvl="1"/>
+            <a:r>
+              <a:rPr lang="en-GB" noProof="0" dirty="0"/>
+              <a:t>If not, try with other initial values</a:t>
+            </a:r>
+          </a:p>
+          <a:p>
+            <a:endParaRPr lang="en-GB" noProof="0" dirty="0"/>
+          </a:p>
+          <a:p>
+            <a:endParaRPr lang="en-GB" noProof="0" dirty="0"/>
           </a:p>
         </p:txBody>
       </p:sp>
     </p:spTree>
     <p:extLst>
       <p:ext uri="{BB962C8B-B14F-4D97-AF65-F5344CB8AC3E}">
-        <p14:creationId xmlns:p14="http://schemas.microsoft.com/office/powerpoint/2010/main" val="2248117332"/>
+        <p14:creationId xmlns:p14="http://schemas.microsoft.com/office/powerpoint/2010/main" val="1316731880"/>
       </p:ext>
     </p:extLst>
   </p:cSld>
@@ -7114,7 +7233,7 @@
           <p:cNvPr id="2" name="Title 1">
             <a:extLst>
               <a:ext uri="{FF2B5EF4-FFF2-40B4-BE49-F238E27FC236}">
-                <a16:creationId xmlns:a16="http://schemas.microsoft.com/office/drawing/2014/main" id="{25B30393-81A8-BD36-A303-FB4FB0BB7C1F}"/>
+                <a16:creationId xmlns:a16="http://schemas.microsoft.com/office/drawing/2014/main" id="{90458B98-7EEF-11D7-9A33-C95C064BEB28}"/>
               </a:ext>
             </a:extLst>
           </p:cNvPr>
@@ -7131,191 +7250,120 @@
           <a:lstStyle/>
           <a:p>
             <a:r>
-              <a:rPr lang="en-GB" dirty="0"/>
-              <a:t>Model fitting workflow</a:t>
+              <a:rPr lang="en-GB" noProof="0" dirty="0"/>
+              <a:t>Collect analysis result tables</a:t>
             </a:r>
           </a:p>
         </p:txBody>
       </p:sp>
-      <mc:AlternateContent xmlns:mc="http://schemas.openxmlformats.org/markup-compatibility/2006">
-        <mc:Choice xmlns:a14="http://schemas.microsoft.com/office/drawing/2010/main" Requires="a14">
-          <p:sp>
-            <p:nvSpPr>
-              <p:cNvPr id="3" name="Content Placeholder 2">
-                <a:extLst>
-                  <a:ext uri="{FF2B5EF4-FFF2-40B4-BE49-F238E27FC236}">
-                    <a16:creationId xmlns:a16="http://schemas.microsoft.com/office/drawing/2014/main" id="{146B1BDC-14E9-C6BA-F8C8-E95FD0ED05F2}"/>
-                  </a:ext>
-                </a:extLst>
-              </p:cNvPr>
-              <p:cNvSpPr>
-                <a:spLocks noGrp="1"/>
-              </p:cNvSpPr>
-              <p:nvPr>
-                <p:ph idx="1"/>
-              </p:nvPr>
-            </p:nvSpPr>
-            <p:spPr/>
-            <p:txBody>
-              <a:bodyPr/>
-              <a:lstStyle/>
-              <a:p>
-                <a:r>
-                  <a:rPr lang="en-GB" dirty="0"/>
-                  <a:t>Collect all experimental results in Matlab tables TRIP and TZIP</a:t>
-                </a:r>
-              </a:p>
-              <a:p>
-                <a:r>
-                  <a:rPr lang="en-GB" dirty="0"/>
-                  <a:t>Select the subset you want to model (e.g. Temperature &gt; 20)</a:t>
-                </a:r>
-              </a:p>
-              <a:p>
-                <a:r>
-                  <a:rPr lang="en-GB" dirty="0"/>
-                  <a:t>Prepare the input </a:t>
-                </a:r>
-              </a:p>
-              <a:p>
-                <a:pPr lvl="1"/>
-                <a:r>
-                  <a:rPr lang="en-GB" dirty="0" err="1"/>
-                  <a:t>pd_obs</a:t>
-                </a:r>
-                <a:r>
-                  <a:rPr lang="en-GB" dirty="0"/>
-                  <a:t>, edges: observed probabilities between bin edges</a:t>
-                </a:r>
-              </a:p>
-              <a:p>
-                <a:pPr lvl="1"/>
-                <a:r>
-                  <a:rPr lang="en-GB" dirty="0" err="1"/>
-                  <a:t>Tmean</a:t>
-                </a:r>
-                <a:r>
-                  <a:rPr lang="en-GB" dirty="0"/>
-                  <a:t>, </a:t>
-                </a:r>
-                <a:r>
-                  <a:rPr lang="en-GB" dirty="0" err="1"/>
-                  <a:t>Fdotmean</a:t>
-                </a:r>
-                <a:r>
-                  <a:rPr lang="en-GB" dirty="0"/>
-                  <a:t>: Mean values of temperature and force rate </a:t>
-                </a:r>
-                <a14:m>
-                  <m:oMath xmlns:m="http://schemas.openxmlformats.org/officeDocument/2006/math">
-                    <m:acc>
-                      <m:accPr>
-                        <m:chr m:val="̇"/>
-                        <m:ctrlPr>
-                          <a:rPr lang="en-GB" b="0" i="1" smtClean="0">
-                            <a:latin typeface="Cambria Math" panose="02040503050406030204" pitchFamily="18" charset="0"/>
-                          </a:rPr>
-                        </m:ctrlPr>
-                      </m:accPr>
-                      <m:e>
-                        <m:r>
-                          <a:rPr lang="en-GB" b="0" i="1" smtClean="0">
-                            <a:latin typeface="Cambria Math" panose="02040503050406030204" pitchFamily="18" charset="0"/>
-                          </a:rPr>
-                          <m:t>𝐹</m:t>
-                        </m:r>
-                      </m:e>
-                    </m:acc>
-                  </m:oMath>
-                </a14:m>
-                <a:endParaRPr lang="en-GB" dirty="0"/>
-              </a:p>
-              <a:p>
-                <a:r>
-                  <a:rPr lang="en-GB" dirty="0"/>
-                  <a:t>Define initial values for the parameter vector </a:t>
-                </a:r>
-              </a:p>
-              <a:p>
-                <a:r>
-                  <a:rPr lang="en-GB" dirty="0"/>
-                  <a:t>Calculate best fit parameters for the Bell or </a:t>
-                </a:r>
-                <a:r>
-                  <a:rPr lang="en-GB" dirty="0" err="1"/>
-                  <a:t>Dudko</a:t>
-                </a:r>
-                <a:r>
-                  <a:rPr lang="en-GB" dirty="0"/>
-                  <a:t> model</a:t>
-                </a:r>
-              </a:p>
-              <a:p>
-                <a:r>
-                  <a:rPr lang="en-GB" dirty="0"/>
-                  <a:t>Check that results look ok</a:t>
-                </a:r>
-              </a:p>
-              <a:p>
-                <a:pPr lvl="1"/>
-                <a:r>
-                  <a:rPr lang="en-GB" dirty="0"/>
-                  <a:t>If not, try with other initial values</a:t>
-                </a:r>
-              </a:p>
-              <a:p>
-                <a:endParaRPr lang="en-GB" dirty="0"/>
-              </a:p>
-              <a:p>
-                <a:endParaRPr lang="en-GB" dirty="0"/>
-              </a:p>
-            </p:txBody>
-          </p:sp>
-        </mc:Choice>
-        <mc:Fallback>
-          <p:sp>
-            <p:nvSpPr>
-              <p:cNvPr id="3" name="Content Placeholder 2">
-                <a:extLst>
-                  <a:ext uri="{FF2B5EF4-FFF2-40B4-BE49-F238E27FC236}">
-                    <a16:creationId xmlns:a16="http://schemas.microsoft.com/office/drawing/2014/main" id="{146B1BDC-14E9-C6BA-F8C8-E95FD0ED05F2}"/>
-                  </a:ext>
-                </a:extLst>
-              </p:cNvPr>
-              <p:cNvSpPr>
-                <a:spLocks noGrp="1" noRot="1" noChangeAspect="1" noMove="1" noResize="1" noEditPoints="1" noAdjustHandles="1" noChangeArrowheads="1" noChangeShapeType="1" noTextEdit="1"/>
-              </p:cNvSpPr>
-              <p:nvPr>
-                <p:ph idx="1"/>
-              </p:nvPr>
-            </p:nvSpPr>
-            <p:spPr>
-              <a:blipFill>
-                <a:blip r:embed="rId2"/>
-                <a:stretch>
-                  <a:fillRect l="-1043" t="-2381" b="-280"/>
-                </a:stretch>
-              </a:blipFill>
-            </p:spPr>
-            <p:txBody>
-              <a:bodyPr/>
-              <a:lstStyle/>
-              <a:p>
-                <a:r>
-                  <a:rPr lang="en-GB">
-                    <a:noFill/>
-                  </a:rPr>
-                  <a:t> </a:t>
-                </a:r>
-              </a:p>
-            </p:txBody>
-          </p:sp>
-        </mc:Fallback>
-      </mc:AlternateContent>
+      <p:sp>
+        <p:nvSpPr>
+          <p:cNvPr id="3" name="Content Placeholder 2">
+            <a:extLst>
+              <a:ext uri="{FF2B5EF4-FFF2-40B4-BE49-F238E27FC236}">
+                <a16:creationId xmlns:a16="http://schemas.microsoft.com/office/drawing/2014/main" id="{FEF114A5-B11F-AA9B-2A2A-48439BC30808}"/>
+              </a:ext>
+            </a:extLst>
+          </p:cNvPr>
+          <p:cNvSpPr>
+            <a:spLocks noGrp="1"/>
+          </p:cNvSpPr>
+          <p:nvPr>
+            <p:ph idx="1"/>
+          </p:nvPr>
+        </p:nvSpPr>
+        <p:spPr/>
+        <p:txBody>
+          <a:bodyPr/>
+          <a:lstStyle/>
+          <a:p>
+            <a:r>
+              <a:rPr lang="en-GB" noProof="0" dirty="0"/>
+              <a:t>Make a list of all results files for your protein</a:t>
+            </a:r>
+          </a:p>
+          <a:p>
+            <a:pPr lvl="1"/>
+            <a:r>
+              <a:rPr lang="en-GB" noProof="0" dirty="0"/>
+              <a:t>Regardless of temperature, pulling speed or whatever</a:t>
+            </a:r>
+          </a:p>
+          <a:p>
+            <a:pPr lvl="2"/>
+            <a:r>
+              <a:rPr lang="en-GB" noProof="0" dirty="0"/>
+              <a:t>You can easily extract subsets later</a:t>
+            </a:r>
+          </a:p>
+          <a:p>
+            <a:r>
+              <a:rPr lang="en-GB" noProof="0" dirty="0"/>
+              <a:t>Aid to creating the file list:</a:t>
+            </a:r>
+          </a:p>
+          <a:p>
+            <a:pPr lvl="1"/>
+            <a:r>
+              <a:rPr lang="en-GB" noProof="0" dirty="0"/>
+              <a:t>Collect all experiment subfolders in a string array:</a:t>
+            </a:r>
+          </a:p>
+          <a:p>
+            <a:pPr lvl="2"/>
+            <a:r>
+              <a:rPr lang="en-GB" sz="1600" noProof="0" dirty="0">
+                <a:latin typeface="Consolas" panose="020B0609020204030204" pitchFamily="49" charset="0"/>
+              </a:rPr>
+              <a:t>folders = ["subfolder1","subfolder2","subfolder3"]; </a:t>
+            </a:r>
+          </a:p>
+          <a:p>
+            <a:pPr lvl="1"/>
+            <a:r>
+              <a:rPr lang="en-GB" noProof="0" dirty="0">
+                <a:latin typeface="Consolas" panose="020B0609020204030204" pitchFamily="49" charset="0"/>
+              </a:rPr>
+              <a:t>Create array of experiment file names:</a:t>
+            </a:r>
+          </a:p>
+          <a:p>
+            <a:pPr lvl="2"/>
+            <a:r>
+              <a:rPr lang="en-GB" sz="1600" b="0" i="0" noProof="0" dirty="0">
+                <a:effectLst/>
+                <a:latin typeface="Consolas" panose="020B0609020204030204" pitchFamily="49" charset="0"/>
+              </a:rPr>
+              <a:t>files = </a:t>
+            </a:r>
+            <a:r>
+              <a:rPr lang="en-GB" sz="1600" b="0" i="0" noProof="0" dirty="0" err="1">
+                <a:effectLst/>
+                <a:latin typeface="Consolas" panose="020B0609020204030204" pitchFamily="49" charset="0"/>
+              </a:rPr>
+              <a:t>experiment_filenames</a:t>
+            </a:r>
+            <a:r>
+              <a:rPr lang="en-GB" sz="1600" b="0" i="0" noProof="0" dirty="0">
+                <a:effectLst/>
+                <a:latin typeface="Consolas" panose="020B0609020204030204" pitchFamily="49" charset="0"/>
+              </a:rPr>
+              <a:t>(folders);</a:t>
+            </a:r>
+          </a:p>
+          <a:p>
+            <a:endParaRPr lang="en-GB" noProof="0" dirty="0"/>
+          </a:p>
+          <a:p>
+            <a:pPr lvl="1"/>
+            <a:endParaRPr lang="en-GB" noProof="0" dirty="0"/>
+          </a:p>
+        </p:txBody>
+      </p:sp>
     </p:spTree>
     <p:extLst>
       <p:ext uri="{BB962C8B-B14F-4D97-AF65-F5344CB8AC3E}">
-        <p14:creationId xmlns:p14="http://schemas.microsoft.com/office/powerpoint/2010/main" val="1316731880"/>
+        <p14:creationId xmlns:p14="http://schemas.microsoft.com/office/powerpoint/2010/main" val="2982683275"/>
       </p:ext>
     </p:extLst>
   </p:cSld>
@@ -7347,7 +7395,7 @@
           <p:cNvPr id="2" name="Title 1">
             <a:extLst>
               <a:ext uri="{FF2B5EF4-FFF2-40B4-BE49-F238E27FC236}">
-                <a16:creationId xmlns:a16="http://schemas.microsoft.com/office/drawing/2014/main" id="{1B1F0D8B-7DDD-6826-3337-C674E16ED965}"/>
+                <a16:creationId xmlns:a16="http://schemas.microsoft.com/office/drawing/2014/main" id="{1A439956-EB12-9E4F-4780-1DDA3DFD5167}"/>
               </a:ext>
             </a:extLst>
           </p:cNvPr>
@@ -7364,8 +7412,8 @@
           <a:lstStyle/>
           <a:p>
             <a:r>
-              <a:rPr lang="en-GB" dirty="0"/>
-              <a:t>Creating summary tables</a:t>
+              <a:rPr lang="en-GB" noProof="0" dirty="0"/>
+              <a:t>Collect analysis result tables (2)</a:t>
             </a:r>
           </a:p>
         </p:txBody>
@@ -7375,7 +7423,213 @@
           <p:cNvPr id="3" name="Content Placeholder 2">
             <a:extLst>
               <a:ext uri="{FF2B5EF4-FFF2-40B4-BE49-F238E27FC236}">
-                <a16:creationId xmlns:a16="http://schemas.microsoft.com/office/drawing/2014/main" id="{103DA43F-DE99-8A87-5078-3DDFC9E96EB8}"/>
+                <a16:creationId xmlns:a16="http://schemas.microsoft.com/office/drawing/2014/main" id="{C42A3D81-60A5-709E-64C3-4D5AC68E6E9E}"/>
+              </a:ext>
+            </a:extLst>
+          </p:cNvPr>
+          <p:cNvSpPr>
+            <a:spLocks noGrp="1"/>
+          </p:cNvSpPr>
+          <p:nvPr>
+            <p:ph idx="1"/>
+          </p:nvPr>
+        </p:nvSpPr>
+        <p:spPr/>
+        <p:txBody>
+          <a:bodyPr/>
+          <a:lstStyle/>
+          <a:p>
+            <a:r>
+              <a:rPr lang="en-GB" noProof="0" dirty="0"/>
+              <a:t>If you have not used the </a:t>
+            </a:r>
+            <a:r>
+              <a:rPr lang="en-GB" noProof="0" dirty="0" err="1"/>
+              <a:t>RipAnalysis</a:t>
+            </a:r>
+            <a:r>
+              <a:rPr lang="en-GB" noProof="0" dirty="0"/>
+              <a:t> app to modify results:</a:t>
+            </a:r>
+          </a:p>
+          <a:p>
+            <a:pPr lvl="1"/>
+            <a:r>
+              <a:rPr lang="en-GB" noProof="0" dirty="0">
+                <a:latin typeface="Consolas" panose="020B0609020204030204" pitchFamily="49" charset="0"/>
+              </a:rPr>
+              <a:t>[TZIP,TRIP] = </a:t>
+            </a:r>
+            <a:r>
+              <a:rPr lang="en-GB" noProof="0" dirty="0" err="1">
+                <a:latin typeface="Consolas" panose="020B0609020204030204" pitchFamily="49" charset="0"/>
+              </a:rPr>
+              <a:t>analyse_many</a:t>
+            </a:r>
+            <a:r>
+              <a:rPr lang="en-GB" noProof="0" dirty="0">
+                <a:latin typeface="Consolas" panose="020B0609020204030204" pitchFamily="49" charset="0"/>
+              </a:rPr>
+              <a:t>(files);</a:t>
+            </a:r>
+          </a:p>
+          <a:p>
+            <a:endParaRPr lang="en-GB" noProof="0" dirty="0"/>
+          </a:p>
+          <a:p>
+            <a:r>
+              <a:rPr lang="en-GB" noProof="0" dirty="0"/>
+              <a:t>If you have </a:t>
+            </a:r>
+            <a:r>
+              <a:rPr lang="en-GB" sz="2800" noProof="0" dirty="0"/>
+              <a:t>modified results in</a:t>
+            </a:r>
+            <a:r>
+              <a:rPr lang="en-GB" noProof="0" dirty="0"/>
+              <a:t> </a:t>
+            </a:r>
+            <a:r>
+              <a:rPr lang="en-GB" sz="2800" noProof="0" dirty="0" err="1"/>
+              <a:t>RipAnalysis</a:t>
+            </a:r>
+            <a:r>
+              <a:rPr lang="en-GB" sz="2800" noProof="0" dirty="0"/>
+              <a:t> for one or more files:</a:t>
+            </a:r>
+          </a:p>
+          <a:p>
+            <a:pPr lvl="1"/>
+            <a:r>
+              <a:rPr lang="en-GB" noProof="0" dirty="0">
+                <a:latin typeface="Consolas" panose="020B0609020204030204" pitchFamily="49" charset="0"/>
+              </a:rPr>
+              <a:t>[TRIP,TZIP] = </a:t>
+            </a:r>
+            <a:r>
+              <a:rPr lang="en-GB" noProof="0" dirty="0" err="1">
+                <a:latin typeface="Consolas" panose="020B0609020204030204" pitchFamily="49" charset="0"/>
+              </a:rPr>
+              <a:t>collect_tables</a:t>
+            </a:r>
+            <a:r>
+              <a:rPr lang="en-GB" noProof="0" dirty="0">
+                <a:latin typeface="Consolas" panose="020B0609020204030204" pitchFamily="49" charset="0"/>
+              </a:rPr>
+              <a:t>(files);</a:t>
+            </a:r>
+          </a:p>
+          <a:p>
+            <a:pPr lvl="2"/>
+            <a:r>
+              <a:rPr lang="en-GB" sz="2400" noProof="0" dirty="0"/>
+              <a:t>Reads tables created by the </a:t>
+            </a:r>
+            <a:r>
+              <a:rPr lang="en-GB" sz="2400" noProof="0" dirty="0" err="1"/>
+              <a:t>RipAnalysis</a:t>
+            </a:r>
+            <a:r>
+              <a:rPr lang="en-GB" sz="2400" noProof="0" dirty="0"/>
+              <a:t> app where available</a:t>
+            </a:r>
+          </a:p>
+          <a:p>
+            <a:pPr lvl="2"/>
+            <a:r>
+              <a:rPr lang="en-GB" sz="2400" noProof="0" dirty="0"/>
+              <a:t>For the rest, calculates tables using the </a:t>
+            </a:r>
+            <a:r>
+              <a:rPr lang="en-GB" sz="2400" noProof="0" dirty="0" err="1">
+                <a:latin typeface="Consolas" panose="020B0609020204030204" pitchFamily="49" charset="0"/>
+              </a:rPr>
+              <a:t>analyse_experiment</a:t>
+            </a:r>
+            <a:r>
+              <a:rPr lang="en-GB" sz="2400" noProof="0" dirty="0">
+                <a:latin typeface="Consolas" panose="020B0609020204030204" pitchFamily="49" charset="0"/>
+              </a:rPr>
+              <a:t> </a:t>
+            </a:r>
+            <a:r>
+              <a:rPr lang="en-GB" sz="2400" noProof="0" dirty="0"/>
+              <a:t>function</a:t>
+            </a:r>
+          </a:p>
+          <a:p>
+            <a:pPr lvl="1"/>
+            <a:endParaRPr lang="en-GB" noProof="0" dirty="0"/>
+          </a:p>
+          <a:p>
+            <a:endParaRPr lang="en-GB" noProof="0" dirty="0"/>
+          </a:p>
+        </p:txBody>
+      </p:sp>
+    </p:spTree>
+    <p:extLst>
+      <p:ext uri="{BB962C8B-B14F-4D97-AF65-F5344CB8AC3E}">
+        <p14:creationId xmlns:p14="http://schemas.microsoft.com/office/powerpoint/2010/main" val="1276691091"/>
+      </p:ext>
+    </p:extLst>
+  </p:cSld>
+  <p:clrMapOvr>
+    <a:masterClrMapping/>
+  </p:clrMapOvr>
+</p:sld>
+</file>
+
+<file path=ppt/slides/slide19.xml><?xml version="1.0" encoding="utf-8"?>
+<p:sld xmlns:a="http://schemas.openxmlformats.org/drawingml/2006/main" xmlns:r="http://schemas.openxmlformats.org/officeDocument/2006/relationships" xmlns:p="http://schemas.openxmlformats.org/presentationml/2006/main">
+  <p:cSld>
+    <p:spTree>
+      <p:nvGrpSpPr>
+        <p:cNvPr id="1" name=""/>
+        <p:cNvGrpSpPr/>
+        <p:nvPr/>
+      </p:nvGrpSpPr>
+      <p:grpSpPr>
+        <a:xfrm>
+          <a:off x="0" y="0"/>
+          <a:ext cx="0" cy="0"/>
+          <a:chOff x="0" y="0"/>
+          <a:chExt cx="0" cy="0"/>
+        </a:xfrm>
+      </p:grpSpPr>
+      <p:sp>
+        <p:nvSpPr>
+          <p:cNvPr id="2" name="Title 1">
+            <a:extLst>
+              <a:ext uri="{FF2B5EF4-FFF2-40B4-BE49-F238E27FC236}">
+                <a16:creationId xmlns:a16="http://schemas.microsoft.com/office/drawing/2014/main" id="{F66A5488-BAD4-968F-04B1-92A655E6127A}"/>
+              </a:ext>
+            </a:extLst>
+          </p:cNvPr>
+          <p:cNvSpPr>
+            <a:spLocks noGrp="1"/>
+          </p:cNvSpPr>
+          <p:nvPr>
+            <p:ph type="title"/>
+          </p:nvPr>
+        </p:nvSpPr>
+        <p:spPr/>
+        <p:txBody>
+          <a:bodyPr/>
+          <a:lstStyle/>
+          <a:p>
+            <a:r>
+              <a:rPr lang="en-GB" noProof="0" dirty="0"/>
+              <a:t>Select subsets</a:t>
+            </a:r>
+          </a:p>
+        </p:txBody>
+      </p:sp>
+      <p:sp>
+        <p:nvSpPr>
+          <p:cNvPr id="3" name="Content Placeholder 2">
+            <a:extLst>
+              <a:ext uri="{FF2B5EF4-FFF2-40B4-BE49-F238E27FC236}">
+                <a16:creationId xmlns:a16="http://schemas.microsoft.com/office/drawing/2014/main" id="{A2AECF4A-658A-0E36-776B-2BE9537BD0D5}"/>
               </a:ext>
             </a:extLst>
           </p:cNvPr>
@@ -7389,195 +7643,123 @@
         <p:spPr/>
         <p:txBody>
           <a:bodyPr>
-            <a:normAutofit lnSpcReduction="10000"/>
+            <a:normAutofit/>
           </a:bodyPr>
           <a:lstStyle/>
           <a:p>
             <a:r>
-              <a:rPr lang="en-GB" dirty="0"/>
-              <a:t>Collect all experiment subfolders in a string array:</a:t>
-            </a:r>
-          </a:p>
-          <a:p>
-            <a:pPr lvl="1"/>
-            <a:r>
-              <a:rPr lang="en-GB" sz="2000" dirty="0">
+              <a:rPr lang="en-GB" noProof="0" dirty="0"/>
+              <a:t>Logical arrays can be used to select subsets of tables or arrays</a:t>
+            </a:r>
+          </a:p>
+          <a:p>
+            <a:r>
+              <a:rPr lang="en-GB" noProof="0" dirty="0"/>
+              <a:t>Example: extract the elements of a numerical array that are &gt; 10:</a:t>
+            </a:r>
+          </a:p>
+          <a:p>
+            <a:pPr marL="457200" lvl="1" indent="0">
+              <a:buNone/>
+            </a:pPr>
+            <a:r>
+              <a:rPr lang="en-GB" sz="2000" noProof="0" dirty="0">
                 <a:latin typeface="Consolas" panose="020B0609020204030204" pitchFamily="49" charset="0"/>
               </a:rPr>
-              <a:t>folders = ["subfolder1","subfolder2","subfolder3"]; </a:t>
-            </a:r>
-          </a:p>
-          <a:p>
-            <a:r>
-              <a:rPr lang="en-GB" dirty="0">
+              <a:t>&gt;&gt; x = [6,-3,1,-6,3,-4,-7,4,5,0];</a:t>
+            </a:r>
+          </a:p>
+          <a:p>
+            <a:pPr marL="457200" lvl="1" indent="0">
+              <a:buNone/>
+            </a:pPr>
+            <a:r>
+              <a:rPr lang="en-GB" sz="2000" noProof="0" dirty="0">
                 <a:latin typeface="Consolas" panose="020B0609020204030204" pitchFamily="49" charset="0"/>
               </a:rPr>
-              <a:t>Create array of experiment file names:</a:t>
-            </a:r>
-          </a:p>
-          <a:p>
-            <a:pPr lvl="1"/>
-            <a:r>
-              <a:rPr lang="en-GB" sz="2000" b="0" i="0" dirty="0">
-                <a:effectLst/>
+              <a:t>&gt;&gt; positive = x&gt;0</a:t>
+            </a:r>
+          </a:p>
+          <a:p>
+            <a:pPr marL="457200" lvl="1" indent="0">
+              <a:buNone/>
+            </a:pPr>
+            <a:r>
+              <a:rPr lang="en-GB" sz="2000" noProof="0" dirty="0">
                 <a:latin typeface="Consolas" panose="020B0609020204030204" pitchFamily="49" charset="0"/>
               </a:rPr>
-              <a:t>files = </a:t>
-            </a:r>
-            <a:r>
-              <a:rPr lang="en-GB" sz="2000" b="0" i="0" dirty="0" err="1">
-                <a:effectLst/>
+              <a:t>positive =</a:t>
+            </a:r>
+          </a:p>
+          <a:p>
+            <a:pPr marL="457200" lvl="1" indent="0">
+              <a:buNone/>
+            </a:pPr>
+            <a:r>
+              <a:rPr lang="en-GB" sz="2000" noProof="0" dirty="0">
                 <a:latin typeface="Consolas" panose="020B0609020204030204" pitchFamily="49" charset="0"/>
               </a:rPr>
-              <a:t>experiment_filenames</a:t>
-            </a:r>
-            <a:r>
-              <a:rPr lang="en-GB" sz="2000" b="0" i="0" dirty="0">
-                <a:effectLst/>
+              <a:t>  1×10 logical array</a:t>
+            </a:r>
+          </a:p>
+          <a:p>
+            <a:pPr marL="457200" lvl="1" indent="0">
+              <a:buNone/>
+            </a:pPr>
+            <a:r>
+              <a:rPr lang="en-GB" sz="2000" noProof="0" dirty="0">
                 <a:latin typeface="Consolas" panose="020B0609020204030204" pitchFamily="49" charset="0"/>
               </a:rPr>
-              <a:t>(folders);</a:t>
-            </a:r>
-            <a:endParaRPr lang="en-GB" sz="2000" dirty="0">
+              <a:t>   1   0   1   0   1   0   0   1   1   0</a:t>
+            </a:r>
+          </a:p>
+          <a:p>
+            <a:pPr marL="457200" lvl="1" indent="0">
+              <a:buNone/>
+            </a:pPr>
+            <a:r>
+              <a:rPr lang="en-GB" sz="2000" noProof="0" dirty="0">
+                <a:latin typeface="Consolas" panose="020B0609020204030204" pitchFamily="49" charset="0"/>
+              </a:rPr>
+              <a:t>&gt;&gt; selection = x(positive)</a:t>
+            </a:r>
+          </a:p>
+          <a:p>
+            <a:pPr marL="457200" lvl="1" indent="0">
+              <a:buNone/>
+            </a:pPr>
+            <a:r>
+              <a:rPr lang="en-GB" sz="2000" noProof="0" dirty="0">
+                <a:latin typeface="Consolas" panose="020B0609020204030204" pitchFamily="49" charset="0"/>
+              </a:rPr>
+              <a:t>selection =</a:t>
+            </a:r>
+          </a:p>
+          <a:p>
+            <a:pPr marL="457200" lvl="1" indent="0">
+              <a:buNone/>
+            </a:pPr>
+            <a:r>
+              <a:rPr lang="en-GB" sz="2000" noProof="0" dirty="0">
+                <a:latin typeface="Consolas" panose="020B0609020204030204" pitchFamily="49" charset="0"/>
+              </a:rPr>
+              <a:t>     6     1     3     4     5</a:t>
+            </a:r>
+          </a:p>
+          <a:p>
+            <a:pPr marL="457200" lvl="1" indent="0">
+              <a:buNone/>
+            </a:pPr>
+            <a:endParaRPr lang="en-GB" sz="2000" noProof="0" dirty="0">
               <a:latin typeface="Consolas" panose="020B0609020204030204" pitchFamily="49" charset="0"/>
             </a:endParaRPr>
-          </a:p>
-          <a:p>
-            <a:r>
-              <a:rPr lang="en-GB" dirty="0"/>
-              <a:t>Merge Trip and </a:t>
-            </a:r>
-            <a:r>
-              <a:rPr lang="en-GB" dirty="0" err="1"/>
-              <a:t>Tzip</a:t>
-            </a:r>
-            <a:r>
-              <a:rPr lang="en-GB" dirty="0"/>
-              <a:t> tables for all experiment  files.  </a:t>
-            </a:r>
-          </a:p>
-          <a:p>
-            <a:pPr lvl="1"/>
-            <a:r>
-              <a:rPr lang="en-GB" sz="2000" dirty="0">
-                <a:latin typeface="Consolas" panose="020B0609020204030204" pitchFamily="49" charset="0"/>
-              </a:rPr>
-              <a:t>[TRIP,TZIP] = </a:t>
-            </a:r>
-            <a:r>
-              <a:rPr lang="en-GB" sz="2000" dirty="0" err="1">
-                <a:latin typeface="Consolas" panose="020B0609020204030204" pitchFamily="49" charset="0"/>
-              </a:rPr>
-              <a:t>collect_tables</a:t>
-            </a:r>
-            <a:r>
-              <a:rPr lang="en-GB" sz="2000" dirty="0">
-                <a:latin typeface="Consolas" panose="020B0609020204030204" pitchFamily="49" charset="0"/>
-              </a:rPr>
-              <a:t>(</a:t>
-            </a:r>
-            <a:r>
-              <a:rPr lang="en-GB" sz="2000" dirty="0" err="1">
-                <a:latin typeface="Consolas" panose="020B0609020204030204" pitchFamily="49" charset="0"/>
-              </a:rPr>
-              <a:t>files,outputfolder</a:t>
-            </a:r>
-            <a:r>
-              <a:rPr lang="en-GB" sz="2000" dirty="0">
-                <a:latin typeface="Consolas" panose="020B0609020204030204" pitchFamily="49" charset="0"/>
-              </a:rPr>
-              <a:t>);</a:t>
-            </a:r>
-          </a:p>
-          <a:p>
-            <a:pPr lvl="2"/>
-            <a:r>
-              <a:rPr lang="en-GB" sz="1600" dirty="0">
-                <a:latin typeface="Consolas" panose="020B0609020204030204" pitchFamily="49" charset="0"/>
-              </a:rPr>
-              <a:t>Default </a:t>
-            </a:r>
-            <a:r>
-              <a:rPr lang="en-GB" sz="1600" dirty="0" err="1">
-                <a:latin typeface="Consolas" panose="020B0609020204030204" pitchFamily="49" charset="0"/>
-              </a:rPr>
-              <a:t>outputfolder</a:t>
-            </a:r>
-            <a:r>
-              <a:rPr lang="en-GB" sz="1600" dirty="0">
-                <a:latin typeface="Consolas" panose="020B0609020204030204" pitchFamily="49" charset="0"/>
-              </a:rPr>
-              <a:t> is the one defined in the app</a:t>
-            </a:r>
-          </a:p>
-          <a:p>
-            <a:pPr lvl="1"/>
-            <a:r>
-              <a:rPr lang="en-GB" dirty="0"/>
-              <a:t>Reads tables created by the </a:t>
-            </a:r>
-            <a:r>
-              <a:rPr lang="en-GB" dirty="0" err="1"/>
-              <a:t>RipAnalysis</a:t>
-            </a:r>
-            <a:r>
-              <a:rPr lang="en-GB" dirty="0"/>
-              <a:t> app where available</a:t>
-            </a:r>
-          </a:p>
-          <a:p>
-            <a:pPr lvl="1"/>
-            <a:r>
-              <a:rPr lang="en-GB" dirty="0"/>
-              <a:t>For the rest, calculates automatic tables using the </a:t>
-            </a:r>
-            <a:r>
-              <a:rPr lang="en-GB" sz="2000" dirty="0" err="1">
-                <a:latin typeface="Consolas" panose="020B0609020204030204" pitchFamily="49" charset="0"/>
-              </a:rPr>
-              <a:t>analyse_experiment</a:t>
-            </a:r>
-            <a:r>
-              <a:rPr lang="en-GB" sz="2000" dirty="0">
-                <a:latin typeface="Consolas" panose="020B0609020204030204" pitchFamily="49" charset="0"/>
-              </a:rPr>
-              <a:t> </a:t>
-            </a:r>
-            <a:r>
-              <a:rPr lang="en-GB" dirty="0"/>
-              <a:t>function</a:t>
-            </a:r>
-          </a:p>
-          <a:p>
-            <a:r>
-              <a:rPr lang="en-GB" sz="2400" dirty="0" err="1">
-                <a:latin typeface="Consolas" panose="020B0609020204030204" pitchFamily="49" charset="0"/>
-              </a:rPr>
-              <a:t>collect_tables</a:t>
-            </a:r>
-            <a:r>
-              <a:rPr lang="en-GB" sz="2400" dirty="0">
-                <a:latin typeface="Consolas" panose="020B0609020204030204" pitchFamily="49" charset="0"/>
-              </a:rPr>
-              <a:t> </a:t>
-            </a:r>
-            <a:r>
-              <a:rPr lang="en-GB" sz="2800" dirty="0">
-                <a:latin typeface="Consolas" panose="020B0609020204030204" pitchFamily="49" charset="0"/>
-              </a:rPr>
-              <a:t>c</a:t>
-            </a:r>
-            <a:r>
-              <a:rPr lang="en-GB" dirty="0"/>
-              <a:t>an also be used without the app</a:t>
-            </a:r>
           </a:p>
         </p:txBody>
       </p:sp>
     </p:spTree>
     <p:extLst>
       <p:ext uri="{BB962C8B-B14F-4D97-AF65-F5344CB8AC3E}">
-        <p14:creationId xmlns:p14="http://schemas.microsoft.com/office/powerpoint/2010/main" val="1297391930"/>
+        <p14:creationId xmlns:p14="http://schemas.microsoft.com/office/powerpoint/2010/main" val="3056208532"/>
       </p:ext>
     </p:extLst>
   </p:cSld>
@@ -7587,7 +7769,94 @@
 </p:sld>
 </file>
 
-<file path=ppt/slides/slide19.xml><?xml version="1.0" encoding="utf-8"?>
+<file path=ppt/slides/slide2.xml><?xml version="1.0" encoding="utf-8"?>
+<p:sld xmlns:a="http://schemas.openxmlformats.org/drawingml/2006/main" xmlns:r="http://schemas.openxmlformats.org/officeDocument/2006/relationships" xmlns:p="http://schemas.openxmlformats.org/presentationml/2006/main">
+  <p:cSld>
+    <p:spTree>
+      <p:nvGrpSpPr>
+        <p:cNvPr id="1" name=""/>
+        <p:cNvGrpSpPr/>
+        <p:nvPr/>
+      </p:nvGrpSpPr>
+      <p:grpSpPr>
+        <a:xfrm>
+          <a:off x="0" y="0"/>
+          <a:ext cx="0" cy="0"/>
+          <a:chOff x="0" y="0"/>
+          <a:chExt cx="0" cy="0"/>
+        </a:xfrm>
+      </p:grpSpPr>
+      <p:sp>
+        <p:nvSpPr>
+          <p:cNvPr id="2" name="Title 1">
+            <a:extLst>
+              <a:ext uri="{FF2B5EF4-FFF2-40B4-BE49-F238E27FC236}">
+                <a16:creationId xmlns:a16="http://schemas.microsoft.com/office/drawing/2014/main" id="{490BBDA4-3B49-8DC8-EA20-B5E5F7DB70B8}"/>
+              </a:ext>
+            </a:extLst>
+          </p:cNvPr>
+          <p:cNvSpPr>
+            <a:spLocks noGrp="1"/>
+          </p:cNvSpPr>
+          <p:nvPr>
+            <p:ph type="title"/>
+          </p:nvPr>
+        </p:nvSpPr>
+        <p:spPr/>
+        <p:txBody>
+          <a:bodyPr/>
+          <a:lstStyle/>
+          <a:p>
+            <a:r>
+              <a:rPr lang="en-GB" noProof="0" dirty="0"/>
+              <a:t>Rip force is not the same for all experiments</a:t>
+            </a:r>
+          </a:p>
+        </p:txBody>
+      </p:sp>
+      <p:pic>
+        <p:nvPicPr>
+          <p:cNvPr id="5" name="Content Placeholder 4">
+            <a:extLst>
+              <a:ext uri="{FF2B5EF4-FFF2-40B4-BE49-F238E27FC236}">
+                <a16:creationId xmlns:a16="http://schemas.microsoft.com/office/drawing/2014/main" id="{3AD42500-25BE-0B82-6E22-89580CCA9497}"/>
+              </a:ext>
+            </a:extLst>
+          </p:cNvPr>
+          <p:cNvPicPr>
+            <a:picLocks noGrp="1" noChangeAspect="1"/>
+          </p:cNvPicPr>
+          <p:nvPr>
+            <p:ph idx="1"/>
+          </p:nvPr>
+        </p:nvPicPr>
+        <p:blipFill>
+          <a:blip r:embed="rId2"/>
+          <a:stretch>
+            <a:fillRect/>
+          </a:stretch>
+        </p:blipFill>
+        <p:spPr>
+          <a:xfrm>
+            <a:off x="1203913" y="1559836"/>
+            <a:ext cx="9685760" cy="4933040"/>
+          </a:xfrm>
+        </p:spPr>
+      </p:pic>
+    </p:spTree>
+    <p:extLst>
+      <p:ext uri="{BB962C8B-B14F-4D97-AF65-F5344CB8AC3E}">
+        <p14:creationId xmlns:p14="http://schemas.microsoft.com/office/powerpoint/2010/main" val="1357572266"/>
+      </p:ext>
+    </p:extLst>
+  </p:cSld>
+  <p:clrMapOvr>
+    <a:masterClrMapping/>
+  </p:clrMapOvr>
+</p:sld>
+</file>
+
+<file path=ppt/slides/slide20.xml><?xml version="1.0" encoding="utf-8"?>
 <p:sld xmlns:a="http://schemas.openxmlformats.org/drawingml/2006/main" xmlns:r="http://schemas.openxmlformats.org/officeDocument/2006/relationships" xmlns:p="http://schemas.openxmlformats.org/presentationml/2006/main">
   <p:cSld>
     <p:spTree>
@@ -7626,8 +7895,8 @@
           <a:lstStyle/>
           <a:p>
             <a:r>
-              <a:rPr lang="en-GB" dirty="0"/>
-              <a:t>Select subsets</a:t>
+              <a:rPr lang="en-GB" noProof="0" dirty="0"/>
+              <a:t>Select subsets (2)</a:t>
             </a:r>
           </a:p>
         </p:txBody>
@@ -7651,7 +7920,7 @@
         <p:spPr>
           <a:xfrm>
             <a:off x="838200" y="1825625"/>
-            <a:ext cx="10515600" cy="1996567"/>
+            <a:ext cx="10515600" cy="4241800"/>
           </a:xfrm>
         </p:spPr>
         <p:txBody>
@@ -7661,54 +7930,60 @@
           <a:lstStyle/>
           <a:p>
             <a:r>
-              <a:rPr lang="en-GB" dirty="0"/>
-              <a:t>Use logical arrays to select the data subsets of interest</a:t>
+              <a:rPr lang="en-GB" noProof="0" dirty="0"/>
+              <a:t>Create logical arrays for the conditions of interest</a:t>
             </a:r>
           </a:p>
           <a:p>
             <a:pPr lvl="1"/>
             <a:r>
-              <a:rPr lang="en-GB" dirty="0"/>
-              <a:t>Example: Experiments with T &gt;20˚C and Pulling speed &lt; 50nm/s</a:t>
+              <a:rPr lang="en-GB" noProof="0" dirty="0"/>
+              <a:t>Example: Experiments with T &lt;20˚C and Pulling speed &lt; 200nm/s</a:t>
             </a:r>
             <a:br>
-              <a:rPr lang="en-GB" dirty="0"/>
+              <a:rPr lang="en-GB" noProof="0" dirty="0"/>
             </a:br>
+            <a:r>
+              <a:rPr lang="en-GB" sz="2000" noProof="0" dirty="0">
+                <a:latin typeface="Consolas" panose="020B0609020204030204" pitchFamily="49" charset="0"/>
+              </a:rPr>
+              <a:t>ok = </a:t>
+            </a:r>
+            <a:r>
+              <a:rPr lang="en-GB" sz="2000" noProof="0" dirty="0" err="1">
+                <a:latin typeface="Consolas" panose="020B0609020204030204" pitchFamily="49" charset="0"/>
+              </a:rPr>
+              <a:t>TRIP.Temperature</a:t>
+            </a:r>
             <a:r>
               <a:rPr lang="en-GB" sz="2000" dirty="0">
                 <a:latin typeface="Consolas" panose="020B0609020204030204" pitchFamily="49" charset="0"/>
               </a:rPr>
-              <a:t>ok = </a:t>
-            </a:r>
-            <a:r>
-              <a:rPr lang="en-GB" sz="2000" dirty="0" err="1">
+              <a:t>&lt;</a:t>
+            </a:r>
+            <a:r>
+              <a:rPr lang="en-GB" sz="2000" noProof="0" dirty="0">
                 <a:latin typeface="Consolas" panose="020B0609020204030204" pitchFamily="49" charset="0"/>
               </a:rPr>
-              <a:t>TRIP.Temperature</a:t>
-            </a:r>
-            <a:r>
-              <a:rPr lang="en-GB" sz="2000" dirty="0">
-                <a:latin typeface="Consolas" panose="020B0609020204030204" pitchFamily="49" charset="0"/>
-              </a:rPr>
-              <a:t>&gt;20 &amp; </a:t>
-            </a:r>
-            <a:r>
-              <a:rPr lang="en-GB" sz="2000" dirty="0" err="1">
+              <a:t>20 &amp; </a:t>
+            </a:r>
+            <a:r>
+              <a:rPr lang="en-GB" sz="2000" noProof="0" dirty="0" err="1">
                 <a:latin typeface="Consolas" panose="020B0609020204030204" pitchFamily="49" charset="0"/>
               </a:rPr>
               <a:t>TRIP.Pullingspeed</a:t>
             </a:r>
             <a:r>
-              <a:rPr lang="en-GB" sz="2000" dirty="0">
+              <a:rPr lang="en-GB" sz="2000" noProof="0" dirty="0">
                 <a:latin typeface="Consolas" panose="020B0609020204030204" pitchFamily="49" charset="0"/>
               </a:rPr>
-              <a:t> &lt; 50;</a:t>
+              <a:t> &lt; 200;</a:t>
             </a:r>
           </a:p>
           <a:p>
             <a:pPr lvl="1"/>
             <a:r>
-              <a:rPr lang="en-GB" sz="2000" dirty="0">
+              <a:rPr lang="en-GB" sz="2000" noProof="0" dirty="0">
                 <a:latin typeface="Consolas" panose="020B0609020204030204" pitchFamily="49" charset="0"/>
               </a:rPr>
               <a:t>ok = 1 where the condition is true, 0 elsewhere</a:t>
@@ -7716,15 +7991,41 @@
           </a:p>
           <a:p>
             <a:r>
-              <a:rPr lang="en-GB" dirty="0"/>
-              <a:t>Example of how logical arrays can be used</a:t>
-            </a:r>
+              <a:rPr lang="en-GB" noProof="0" dirty="0"/>
+              <a:t>Use the logical array ok to extract only the relevant data:</a:t>
+            </a:r>
+          </a:p>
+          <a:p>
+            <a:pPr lvl="1"/>
+            <a:r>
+              <a:rPr lang="en-GB" sz="2000" noProof="0" dirty="0">
+                <a:latin typeface="Consolas" panose="020B0609020204030204" pitchFamily="49" charset="0"/>
+              </a:rPr>
+              <a:t>F = </a:t>
+            </a:r>
+            <a:r>
+              <a:rPr lang="en-GB" sz="2000" noProof="0" dirty="0" err="1">
+                <a:latin typeface="Consolas" panose="020B0609020204030204" pitchFamily="49" charset="0"/>
+              </a:rPr>
+              <a:t>TRIP.Force</a:t>
+            </a:r>
+            <a:r>
+              <a:rPr lang="en-GB" sz="2000" noProof="0" dirty="0">
+                <a:latin typeface="Consolas" panose="020B0609020204030204" pitchFamily="49" charset="0"/>
+              </a:rPr>
+              <a:t>(ok);</a:t>
+            </a:r>
+          </a:p>
+          <a:p>
+            <a:endParaRPr lang="en-GB" sz="2400" noProof="0" dirty="0">
+              <a:latin typeface="Consolas" panose="020B0609020204030204" pitchFamily="49" charset="0"/>
+            </a:endParaRPr>
           </a:p>
           <a:p>
             <a:pPr marL="0" indent="0">
               <a:buNone/>
             </a:pPr>
-            <a:endParaRPr lang="en-GB" sz="2000" dirty="0">
+            <a:endParaRPr lang="en-GB" sz="2000" noProof="0" dirty="0">
               <a:latin typeface="Consolas" panose="020B0609020204030204" pitchFamily="49" charset="0"/>
             </a:endParaRPr>
           </a:p>
@@ -7968,161 +8269,6 @@
           </a:p>
         </p:txBody>
       </p:sp>
-      <p:sp>
-        <p:nvSpPr>
-          <p:cNvPr id="9" name="TextBox 8">
-            <a:extLst>
-              <a:ext uri="{FF2B5EF4-FFF2-40B4-BE49-F238E27FC236}">
-                <a16:creationId xmlns:a16="http://schemas.microsoft.com/office/drawing/2014/main" id="{654181CA-C003-765A-40E1-B992A39A7236}"/>
-              </a:ext>
-            </a:extLst>
-          </p:cNvPr>
-          <p:cNvSpPr txBox="1"/>
-          <p:nvPr/>
-        </p:nvSpPr>
-        <p:spPr>
-          <a:xfrm>
-            <a:off x="1636776" y="3822192"/>
-            <a:ext cx="3950208" cy="2585323"/>
-          </a:xfrm>
-          <a:prstGeom prst="rect">
-            <a:avLst/>
-          </a:prstGeom>
-          <a:noFill/>
-        </p:spPr>
-        <p:txBody>
-          <a:bodyPr wrap="square" rtlCol="0">
-            <a:spAutoFit/>
-          </a:bodyPr>
-          <a:lstStyle/>
-          <a:p>
-            <a:r>
-              <a:rPr lang="fr-FR" dirty="0">
-                <a:latin typeface="Consolas" panose="020B0609020204030204" pitchFamily="49" charset="0"/>
-              </a:rPr>
-              <a:t>&gt;&gt; x = [5  3 -2  6 -4  1];</a:t>
-            </a:r>
-          </a:p>
-          <a:p>
-            <a:r>
-              <a:rPr lang="fr-FR" dirty="0">
-                <a:latin typeface="Consolas" panose="020B0609020204030204" pitchFamily="49" charset="0"/>
-              </a:rPr>
-              <a:t>&gt;&gt; y = [1  2  3  4  5  6];</a:t>
-            </a:r>
-          </a:p>
-          <a:p>
-            <a:r>
-              <a:rPr lang="fr-FR" dirty="0">
-                <a:latin typeface="Consolas" panose="020B0609020204030204" pitchFamily="49" charset="0"/>
-              </a:rPr>
-              <a:t>&gt;&gt; </a:t>
-            </a:r>
-            <a:r>
-              <a:rPr lang="fr-FR" dirty="0" err="1">
-                <a:latin typeface="Consolas" panose="020B0609020204030204" pitchFamily="49" charset="0"/>
-              </a:rPr>
-              <a:t>positive_x</a:t>
-            </a:r>
-            <a:r>
-              <a:rPr lang="fr-FR" dirty="0">
-                <a:latin typeface="Consolas" panose="020B0609020204030204" pitchFamily="49" charset="0"/>
-              </a:rPr>
-              <a:t> = x&gt;0</a:t>
-            </a:r>
-          </a:p>
-          <a:p>
-            <a:r>
-              <a:rPr lang="fr-FR" dirty="0" err="1">
-                <a:latin typeface="Consolas" panose="020B0609020204030204" pitchFamily="49" charset="0"/>
-              </a:rPr>
-              <a:t>positive_x</a:t>
-            </a:r>
-            <a:r>
-              <a:rPr lang="fr-FR" dirty="0">
-                <a:latin typeface="Consolas" panose="020B0609020204030204" pitchFamily="49" charset="0"/>
-              </a:rPr>
-              <a:t> =</a:t>
-            </a:r>
-          </a:p>
-          <a:p>
-            <a:r>
-              <a:rPr lang="fr-FR" dirty="0">
-                <a:latin typeface="Consolas" panose="020B0609020204030204" pitchFamily="49" charset="0"/>
-              </a:rPr>
-              <a:t>  1×6 </a:t>
-            </a:r>
-            <a:r>
-              <a:rPr lang="fr-FR" dirty="0" err="1">
-                <a:latin typeface="Consolas" panose="020B0609020204030204" pitchFamily="49" charset="0"/>
-              </a:rPr>
-              <a:t>logical</a:t>
-            </a:r>
-            <a:r>
-              <a:rPr lang="fr-FR" dirty="0">
-                <a:latin typeface="Consolas" panose="020B0609020204030204" pitchFamily="49" charset="0"/>
-              </a:rPr>
-              <a:t> </a:t>
-            </a:r>
-            <a:r>
-              <a:rPr lang="fr-FR" dirty="0" err="1">
-                <a:latin typeface="Consolas" panose="020B0609020204030204" pitchFamily="49" charset="0"/>
-              </a:rPr>
-              <a:t>array</a:t>
-            </a:r>
-            <a:endParaRPr lang="fr-FR" dirty="0">
-              <a:latin typeface="Consolas" panose="020B0609020204030204" pitchFamily="49" charset="0"/>
-            </a:endParaRPr>
-          </a:p>
-          <a:p>
-            <a:r>
-              <a:rPr lang="fr-FR" dirty="0">
-                <a:latin typeface="Consolas" panose="020B0609020204030204" pitchFamily="49" charset="0"/>
-              </a:rPr>
-              <a:t>   1   1   0   1   0   1</a:t>
-            </a:r>
-          </a:p>
-          <a:p>
-            <a:r>
-              <a:rPr lang="fr-FR" dirty="0">
-                <a:latin typeface="Consolas" panose="020B0609020204030204" pitchFamily="49" charset="0"/>
-              </a:rPr>
-              <a:t>&gt;&gt; y(</a:t>
-            </a:r>
-            <a:r>
-              <a:rPr lang="fr-FR" dirty="0" err="1">
-                <a:latin typeface="Consolas" panose="020B0609020204030204" pitchFamily="49" charset="0"/>
-              </a:rPr>
-              <a:t>positive_x</a:t>
-            </a:r>
-            <a:r>
-              <a:rPr lang="fr-FR" dirty="0">
-                <a:latin typeface="Consolas" panose="020B0609020204030204" pitchFamily="49" charset="0"/>
-              </a:rPr>
-              <a:t>)</a:t>
-            </a:r>
-          </a:p>
-          <a:p>
-            <a:r>
-              <a:rPr lang="fr-FR" dirty="0">
-                <a:latin typeface="Consolas" panose="020B0609020204030204" pitchFamily="49" charset="0"/>
-              </a:rPr>
-              <a:t>ans =</a:t>
-            </a:r>
-          </a:p>
-          <a:p>
-            <a:r>
-              <a:rPr lang="fr-FR" dirty="0">
-                <a:latin typeface="Consolas" panose="020B0609020204030204" pitchFamily="49" charset="0"/>
-              </a:rPr>
-              <a:t>     1     2     4     6</a:t>
-            </a:r>
-            <a:endParaRPr lang="en-GB" dirty="0">
-              <a:latin typeface="Consolas" panose="020B0609020204030204" pitchFamily="49" charset="0"/>
-            </a:endParaRPr>
-          </a:p>
-        </p:txBody>
-      </p:sp>
     </p:spTree>
     <p:extLst>
       <p:ext uri="{BB962C8B-B14F-4D97-AF65-F5344CB8AC3E}">
@@ -8136,94 +8282,7 @@
 </p:sld>
 </file>
 
-<file path=ppt/slides/slide2.xml><?xml version="1.0" encoding="utf-8"?>
-<p:sld xmlns:a="http://schemas.openxmlformats.org/drawingml/2006/main" xmlns:r="http://schemas.openxmlformats.org/officeDocument/2006/relationships" xmlns:p="http://schemas.openxmlformats.org/presentationml/2006/main">
-  <p:cSld>
-    <p:spTree>
-      <p:nvGrpSpPr>
-        <p:cNvPr id="1" name=""/>
-        <p:cNvGrpSpPr/>
-        <p:nvPr/>
-      </p:nvGrpSpPr>
-      <p:grpSpPr>
-        <a:xfrm>
-          <a:off x="0" y="0"/>
-          <a:ext cx="0" cy="0"/>
-          <a:chOff x="0" y="0"/>
-          <a:chExt cx="0" cy="0"/>
-        </a:xfrm>
-      </p:grpSpPr>
-      <p:sp>
-        <p:nvSpPr>
-          <p:cNvPr id="2" name="Title 1">
-            <a:extLst>
-              <a:ext uri="{FF2B5EF4-FFF2-40B4-BE49-F238E27FC236}">
-                <a16:creationId xmlns:a16="http://schemas.microsoft.com/office/drawing/2014/main" id="{490BBDA4-3B49-8DC8-EA20-B5E5F7DB70B8}"/>
-              </a:ext>
-            </a:extLst>
-          </p:cNvPr>
-          <p:cNvSpPr>
-            <a:spLocks noGrp="1"/>
-          </p:cNvSpPr>
-          <p:nvPr>
-            <p:ph type="title"/>
-          </p:nvPr>
-        </p:nvSpPr>
-        <p:spPr/>
-        <p:txBody>
-          <a:bodyPr/>
-          <a:lstStyle/>
-          <a:p>
-            <a:r>
-              <a:rPr lang="en-GB" dirty="0"/>
-              <a:t>Rip force is not the same for all experiments</a:t>
-            </a:r>
-          </a:p>
-        </p:txBody>
-      </p:sp>
-      <p:pic>
-        <p:nvPicPr>
-          <p:cNvPr id="5" name="Content Placeholder 4">
-            <a:extLst>
-              <a:ext uri="{FF2B5EF4-FFF2-40B4-BE49-F238E27FC236}">
-                <a16:creationId xmlns:a16="http://schemas.microsoft.com/office/drawing/2014/main" id="{3AD42500-25BE-0B82-6E22-89580CCA9497}"/>
-              </a:ext>
-            </a:extLst>
-          </p:cNvPr>
-          <p:cNvPicPr>
-            <a:picLocks noGrp="1" noChangeAspect="1"/>
-          </p:cNvPicPr>
-          <p:nvPr>
-            <p:ph idx="1"/>
-          </p:nvPr>
-        </p:nvPicPr>
-        <p:blipFill>
-          <a:blip r:embed="rId2"/>
-          <a:stretch>
-            <a:fillRect/>
-          </a:stretch>
-        </p:blipFill>
-        <p:spPr>
-          <a:xfrm>
-            <a:off x="1203913" y="1559836"/>
-            <a:ext cx="9685760" cy="4933040"/>
-          </a:xfrm>
-        </p:spPr>
-      </p:pic>
-    </p:spTree>
-    <p:extLst>
-      <p:ext uri="{BB962C8B-B14F-4D97-AF65-F5344CB8AC3E}">
-        <p14:creationId xmlns:p14="http://schemas.microsoft.com/office/powerpoint/2010/main" val="1357572266"/>
-      </p:ext>
-    </p:extLst>
-  </p:cSld>
-  <p:clrMapOvr>
-    <a:masterClrMapping/>
-  </p:clrMapOvr>
-</p:sld>
-</file>
-
-<file path=ppt/slides/slide20.xml><?xml version="1.0" encoding="utf-8"?>
+<file path=ppt/slides/slide21.xml><?xml version="1.0" encoding="utf-8"?>
 <p:sld xmlns:a="http://schemas.openxmlformats.org/drawingml/2006/main" xmlns:r="http://schemas.openxmlformats.org/officeDocument/2006/relationships" xmlns:p="http://schemas.openxmlformats.org/presentationml/2006/main">
   <p:cSld>
     <p:spTree>
@@ -8258,13 +8317,40 @@
         </p:nvSpPr>
         <p:spPr/>
         <p:txBody>
-          <a:bodyPr/>
+          <a:bodyPr>
+            <a:normAutofit/>
+          </a:bodyPr>
           <a:lstStyle/>
           <a:p>
-            <a:r>
-              <a:rPr lang="en-GB" dirty="0"/>
+            <a:pPr algn="ctr"/>
+            <a:r>
+              <a:rPr lang="en-GB" noProof="0" dirty="0"/>
               <a:t>Prepare input</a:t>
             </a:r>
+            <a:br>
+              <a:rPr lang="en-GB" noProof="0" dirty="0"/>
+            </a:br>
+            <a:r>
+              <a:rPr lang="en-GB" noProof="0" dirty="0"/>
+              <a:t> </a:t>
+            </a:r>
+            <a:r>
+              <a:rPr lang="en-GB" sz="3600" noProof="0" dirty="0"/>
+              <a:t>to </a:t>
+            </a:r>
+            <a:r>
+              <a:rPr lang="en-GB" sz="3600" noProof="0" dirty="0" err="1"/>
+              <a:t>fit_Bell_unfold</a:t>
+            </a:r>
+            <a:r>
+              <a:rPr lang="en-GB" sz="3600" noProof="0" dirty="0"/>
+              <a:t> and </a:t>
+            </a:r>
+            <a:r>
+              <a:rPr lang="en-GB" sz="3600" noProof="0" dirty="0" err="1"/>
+              <a:t>fit_Dudko_unfold</a:t>
+            </a:r>
+            <a:endParaRPr lang="en-GB" sz="3600" noProof="0" dirty="0"/>
           </a:p>
         </p:txBody>
       </p:sp>
@@ -8291,105 +8377,267 @@
           </a:bodyPr>
           <a:lstStyle/>
           <a:p>
-            <a:r>
-              <a:rPr lang="en-GB" dirty="0"/>
-              <a:t>Use the logical array ok to extract only the relevant data:</a:t>
-            </a:r>
-          </a:p>
-          <a:p>
-            <a:pPr lvl="1"/>
-            <a:r>
-              <a:rPr lang="en-GB" sz="2000" dirty="0">
+            <a:pPr marL="0" indent="0">
+              <a:buNone/>
+            </a:pPr>
+            <a:r>
+              <a:rPr lang="en-GB" sz="2400" b="0" i="0" noProof="0" dirty="0" err="1">
+                <a:effectLst/>
                 <a:latin typeface="Consolas" panose="020B0609020204030204" pitchFamily="49" charset="0"/>
               </a:rPr>
-              <a:t>F = </a:t>
-            </a:r>
-            <a:r>
-              <a:rPr lang="en-GB" sz="2000" dirty="0" err="1">
+              <a:t>fit_Bell_unfold</a:t>
+            </a:r>
+            <a:r>
+              <a:rPr lang="en-GB" sz="2400" b="0" i="0" noProof="0" dirty="0">
+                <a:effectLst/>
                 <a:latin typeface="Consolas" panose="020B0609020204030204" pitchFamily="49" charset="0"/>
               </a:rPr>
-              <a:t>TRIP.Force</a:t>
-            </a:r>
-            <a:r>
-              <a:rPr lang="en-GB" sz="2000" dirty="0">
+              <a:t>(pd_obs,edges,Tmean,Fdot,theta0)</a:t>
+            </a:r>
+          </a:p>
+          <a:p>
+            <a:pPr marL="0" indent="0" algn="ctr">
+              <a:buNone/>
+            </a:pPr>
+            <a:endParaRPr lang="en-GB" sz="1200" noProof="0" dirty="0"/>
+          </a:p>
+          <a:p>
+            <a:r>
+              <a:rPr lang="en-GB" sz="2400" noProof="0" dirty="0" err="1">
                 <a:latin typeface="Consolas" panose="020B0609020204030204" pitchFamily="49" charset="0"/>
               </a:rPr>
-              <a:t>(ok);</a:t>
-            </a:r>
+              <a:t>pd_obs</a:t>
+            </a:r>
+            <a:r>
+              <a:rPr lang="en-GB" sz="2400" noProof="0" dirty="0">
+                <a:latin typeface="Consolas" panose="020B0609020204030204" pitchFamily="49" charset="0"/>
+              </a:rPr>
+              <a:t> </a:t>
+            </a:r>
+            <a:r>
+              <a:rPr lang="en-GB" sz="2400" noProof="0" dirty="0"/>
+              <a:t>and</a:t>
+            </a:r>
+            <a:r>
+              <a:rPr lang="en-GB" noProof="0" dirty="0"/>
+              <a:t> </a:t>
+            </a:r>
+            <a:r>
+              <a:rPr lang="en-GB" sz="2400" noProof="0" dirty="0">
+                <a:latin typeface="Consolas" panose="020B0609020204030204" pitchFamily="49" charset="0"/>
+              </a:rPr>
+              <a:t>edges</a:t>
+            </a:r>
+            <a:r>
+              <a:rPr lang="en-GB" noProof="0" dirty="0"/>
+              <a:t> </a:t>
+            </a:r>
+            <a:r>
+              <a:rPr lang="en-GB" sz="2400" noProof="0" dirty="0"/>
+              <a:t>are </a:t>
+            </a:r>
+            <a:r>
+              <a:rPr lang="en-GB" sz="2400" noProof="0" dirty="0" err="1"/>
+              <a:t>calcuated</a:t>
+            </a:r>
+            <a:r>
+              <a:rPr lang="en-GB" sz="2400" noProof="0" dirty="0"/>
+              <a:t> by function</a:t>
+            </a:r>
+            <a:r>
+              <a:rPr lang="en-GB" noProof="0" dirty="0"/>
+              <a:t> </a:t>
+            </a:r>
+            <a:r>
+              <a:rPr lang="en-GB" sz="2400" noProof="0" dirty="0" err="1">
+                <a:latin typeface="Consolas" panose="020B0609020204030204" pitchFamily="49" charset="0"/>
+              </a:rPr>
+              <a:t>probdens</a:t>
+            </a:r>
+            <a:r>
+              <a:rPr lang="en-GB" sz="2400" noProof="0" dirty="0">
+                <a:latin typeface="Consolas" panose="020B0609020204030204" pitchFamily="49" charset="0"/>
+              </a:rPr>
+              <a:t>:</a:t>
+            </a:r>
+            <a:endParaRPr lang="en-GB" noProof="0" dirty="0"/>
           </a:p>
           <a:p>
             <a:pPr lvl="1"/>
             <a:r>
-              <a:rPr lang="en-GB" sz="2000" dirty="0" err="1">
+              <a:rPr lang="en-GB" sz="2000" noProof="0" dirty="0" err="1">
+                <a:latin typeface="Consolas" panose="020B0609020204030204" pitchFamily="49" charset="0"/>
+              </a:rPr>
+              <a:t>dF</a:t>
+            </a:r>
+            <a:r>
+              <a:rPr lang="en-GB" sz="2000" noProof="0" dirty="0">
+                <a:latin typeface="Consolas" panose="020B0609020204030204" pitchFamily="49" charset="0"/>
+              </a:rPr>
+              <a:t> = 2; % distance between force bin edges (bin width)</a:t>
+            </a:r>
+          </a:p>
+          <a:p>
+            <a:pPr lvl="1"/>
+            <a:r>
+              <a:rPr lang="en-GB" sz="2000" noProof="0" dirty="0">
+                <a:latin typeface="Consolas" panose="020B0609020204030204" pitchFamily="49" charset="0"/>
+              </a:rPr>
+              <a:t>[</a:t>
+            </a:r>
+            <a:r>
+              <a:rPr lang="en-GB" sz="2000" noProof="0" dirty="0" err="1">
+                <a:latin typeface="Consolas" panose="020B0609020204030204" pitchFamily="49" charset="0"/>
+              </a:rPr>
+              <a:t>pd_obs,edges</a:t>
+            </a:r>
+            <a:r>
+              <a:rPr lang="en-GB" sz="2000" noProof="0" dirty="0">
+                <a:latin typeface="Consolas" panose="020B0609020204030204" pitchFamily="49" charset="0"/>
+              </a:rPr>
+              <a:t>] = </a:t>
+            </a:r>
+            <a:r>
+              <a:rPr lang="en-GB" sz="2000" noProof="0" dirty="0" err="1">
+                <a:latin typeface="Consolas" panose="020B0609020204030204" pitchFamily="49" charset="0"/>
+              </a:rPr>
+              <a:t>probdens</a:t>
+            </a:r>
+            <a:r>
+              <a:rPr lang="en-GB" sz="2000" noProof="0" dirty="0">
+                <a:latin typeface="Consolas" panose="020B0609020204030204" pitchFamily="49" charset="0"/>
+              </a:rPr>
+              <a:t>(F(ok),</a:t>
+            </a:r>
+            <a:r>
+              <a:rPr lang="en-GB" sz="2000" noProof="0" dirty="0" err="1">
+                <a:latin typeface="Consolas" panose="020B0609020204030204" pitchFamily="49" charset="0"/>
+              </a:rPr>
+              <a:t>dF</a:t>
+            </a:r>
+            <a:r>
+              <a:rPr lang="en-GB" sz="2000" noProof="0" dirty="0">
+                <a:latin typeface="Consolas" panose="020B0609020204030204" pitchFamily="49" charset="0"/>
+              </a:rPr>
+              <a:t>);</a:t>
+            </a:r>
+            <a:br>
+              <a:rPr lang="en-GB" sz="2000" noProof="0" dirty="0">
+                <a:latin typeface="Consolas" panose="020B0609020204030204" pitchFamily="49" charset="0"/>
+              </a:rPr>
+            </a:br>
+            <a:r>
+              <a:rPr lang="en-GB" sz="2000" noProof="0" dirty="0">
+                <a:latin typeface="Consolas" panose="020B0609020204030204" pitchFamily="49" charset="0"/>
+              </a:rPr>
+              <a:t>	</a:t>
+            </a:r>
+            <a:r>
+              <a:rPr lang="en-GB" sz="2000" noProof="0" dirty="0" err="1"/>
+              <a:t>pd_obs</a:t>
+            </a:r>
+            <a:r>
+              <a:rPr lang="en-GB" sz="2000" noProof="0" dirty="0"/>
+              <a:t>(</a:t>
+            </a:r>
+            <a:r>
+              <a:rPr lang="en-GB" sz="2000" noProof="0" dirty="0" err="1"/>
+              <a:t>i</a:t>
+            </a:r>
+            <a:r>
+              <a:rPr lang="en-GB" sz="2000" noProof="0" dirty="0"/>
+              <a:t>) is the observed probability for unfolding (or refolding) </a:t>
+            </a:r>
+            <a:br>
+              <a:rPr lang="en-GB" sz="2000" noProof="0" dirty="0"/>
+            </a:br>
+            <a:r>
+              <a:rPr lang="en-GB" sz="2000" noProof="0" dirty="0"/>
+              <a:t>	in the bin from edges(</a:t>
+            </a:r>
+            <a:r>
+              <a:rPr lang="en-GB" sz="2000" noProof="0" dirty="0" err="1"/>
+              <a:t>i</a:t>
+            </a:r>
+            <a:r>
+              <a:rPr lang="en-GB" sz="2000" noProof="0" dirty="0"/>
+              <a:t>) to edges(i+1) divided by the bin width</a:t>
+            </a:r>
+            <a:endParaRPr lang="en-GB" sz="2400" noProof="0" dirty="0">
+              <a:latin typeface="Consolas" panose="020B0609020204030204" pitchFamily="49" charset="0"/>
+            </a:endParaRPr>
+          </a:p>
+          <a:p>
+            <a:r>
+              <a:rPr lang="en-GB" sz="2400" noProof="0" dirty="0" err="1">
                 <a:latin typeface="Consolas" panose="020B0609020204030204" pitchFamily="49" charset="0"/>
               </a:rPr>
               <a:t>Tmean</a:t>
             </a:r>
             <a:r>
-              <a:rPr lang="en-GB" sz="2000" dirty="0">
+              <a:rPr lang="en-GB" sz="2400" noProof="0" dirty="0">
                 <a:latin typeface="Consolas" panose="020B0609020204030204" pitchFamily="49" charset="0"/>
               </a:rPr>
               <a:t> = mean(</a:t>
             </a:r>
             <a:r>
-              <a:rPr lang="en-GB" sz="2000" dirty="0" err="1">
+              <a:rPr lang="en-GB" sz="2400" noProof="0" dirty="0" err="1">
                 <a:latin typeface="Consolas" panose="020B0609020204030204" pitchFamily="49" charset="0"/>
               </a:rPr>
               <a:t>TRIP.Temperature</a:t>
             </a:r>
             <a:r>
-              <a:rPr lang="en-GB" sz="2000" dirty="0">
+              <a:rPr lang="en-GB" sz="2400" noProof="0" dirty="0">
                 <a:latin typeface="Consolas" panose="020B0609020204030204" pitchFamily="49" charset="0"/>
               </a:rPr>
               <a:t>(ok),"</a:t>
             </a:r>
             <a:r>
-              <a:rPr lang="en-GB" sz="2000" dirty="0" err="1">
+              <a:rPr lang="en-GB" sz="2400" noProof="0" dirty="0" err="1">
                 <a:latin typeface="Consolas" panose="020B0609020204030204" pitchFamily="49" charset="0"/>
               </a:rPr>
               <a:t>omitmissing</a:t>
             </a:r>
             <a:r>
-              <a:rPr lang="en-GB" sz="2000" dirty="0">
+              <a:rPr lang="en-GB" sz="2400" noProof="0" dirty="0">
                 <a:latin typeface="Consolas" panose="020B0609020204030204" pitchFamily="49" charset="0"/>
               </a:rPr>
               <a:t>");</a:t>
             </a:r>
           </a:p>
           <a:p>
-            <a:pPr lvl="1"/>
-            <a:r>
-              <a:rPr lang="en-GB" sz="2000" dirty="0" err="1">
+            <a:r>
+              <a:rPr lang="en-GB" sz="2400" noProof="0" dirty="0" err="1">
                 <a:latin typeface="Consolas" panose="020B0609020204030204" pitchFamily="49" charset="0"/>
               </a:rPr>
               <a:t>Fdotmean</a:t>
             </a:r>
             <a:r>
-              <a:rPr lang="en-GB" sz="2000" dirty="0">
+              <a:rPr lang="en-GB" sz="2400" noProof="0" dirty="0">
                 <a:latin typeface="Consolas" panose="020B0609020204030204" pitchFamily="49" charset="0"/>
               </a:rPr>
               <a:t> = mean(</a:t>
             </a:r>
             <a:r>
-              <a:rPr lang="en-GB" sz="2000" dirty="0" err="1">
+              <a:rPr lang="en-GB" sz="2400" noProof="0" dirty="0" err="1">
                 <a:latin typeface="Consolas" panose="020B0609020204030204" pitchFamily="49" charset="0"/>
               </a:rPr>
               <a:t>TRIP.Fdot</a:t>
             </a:r>
             <a:r>
-              <a:rPr lang="en-GB" sz="2000" dirty="0">
+              <a:rPr lang="en-GB" sz="2400" noProof="0" dirty="0">
                 <a:latin typeface="Consolas" panose="020B0609020204030204" pitchFamily="49" charset="0"/>
               </a:rPr>
               <a:t>(ok),"</a:t>
             </a:r>
             <a:r>
-              <a:rPr lang="en-GB" sz="2000" dirty="0" err="1">
+              <a:rPr lang="en-GB" sz="2400" noProof="0" dirty="0" err="1">
                 <a:latin typeface="Consolas" panose="020B0609020204030204" pitchFamily="49" charset="0"/>
               </a:rPr>
               <a:t>omitmissing</a:t>
             </a:r>
             <a:r>
-              <a:rPr lang="en-GB" sz="2000" dirty="0">
+              <a:rPr lang="en-GB" sz="2400" noProof="0" dirty="0">
                 <a:latin typeface="Consolas" panose="020B0609020204030204" pitchFamily="49" charset="0"/>
               </a:rPr>
               <a:t>");</a:t>
@@ -8397,160 +8645,26 @@
           </a:p>
           <a:p>
             <a:r>
-              <a:rPr lang="en-GB" dirty="0"/>
-              <a:t>Function </a:t>
-            </a:r>
-            <a:r>
-              <a:rPr lang="en-GB" sz="2400" dirty="0" err="1">
+              <a:rPr lang="en-GB" sz="2400" noProof="0" dirty="0">
                 <a:latin typeface="Consolas" panose="020B0609020204030204" pitchFamily="49" charset="0"/>
               </a:rPr>
-              <a:t>probdens</a:t>
-            </a:r>
-            <a:r>
-              <a:rPr lang="en-GB" dirty="0"/>
-              <a:t> will calculate the observed probability density array:</a:t>
+              <a:t>theta0 = [dx0;lgk0] </a:t>
+            </a:r>
+            <a:r>
+              <a:rPr lang="en-GB" sz="2400" noProof="0" dirty="0"/>
+              <a:t>is the initial guess for the parameter vector</a:t>
             </a:r>
           </a:p>
           <a:p>
             <a:pPr lvl="1"/>
             <a:r>
-              <a:rPr lang="en-GB" sz="2000" dirty="0" err="1">
-                <a:latin typeface="Consolas" panose="020B0609020204030204" pitchFamily="49" charset="0"/>
-              </a:rPr>
-              <a:t>dF</a:t>
-            </a:r>
-            <a:r>
-              <a:rPr lang="en-GB" sz="2000" dirty="0">
-                <a:latin typeface="Consolas" panose="020B0609020204030204" pitchFamily="49" charset="0"/>
-              </a:rPr>
-              <a:t> = 1; % distance between force bin edges</a:t>
+              <a:rPr lang="en-GB" sz="2200" noProof="0" dirty="0"/>
+              <a:t>More on theta0 later</a:t>
             </a:r>
           </a:p>
           <a:p>
             <a:pPr lvl="1"/>
-            <a:r>
-              <a:rPr lang="en-GB" sz="2000" dirty="0">
-                <a:latin typeface="Consolas" panose="020B0609020204030204" pitchFamily="49" charset="0"/>
-              </a:rPr>
-              <a:t>[</a:t>
-            </a:r>
-            <a:r>
-              <a:rPr lang="en-GB" sz="2000" dirty="0" err="1">
-                <a:latin typeface="Consolas" panose="020B0609020204030204" pitchFamily="49" charset="0"/>
-              </a:rPr>
-              <a:t>pd_obs,edges,n_obs</a:t>
-            </a:r>
-            <a:r>
-              <a:rPr lang="en-GB" sz="2000" dirty="0">
-                <a:latin typeface="Consolas" panose="020B0609020204030204" pitchFamily="49" charset="0"/>
-              </a:rPr>
-              <a:t>] = </a:t>
-            </a:r>
-            <a:r>
-              <a:rPr lang="en-GB" sz="2000" dirty="0" err="1">
-                <a:latin typeface="Consolas" panose="020B0609020204030204" pitchFamily="49" charset="0"/>
-              </a:rPr>
-              <a:t>probdens</a:t>
-            </a:r>
-            <a:r>
-              <a:rPr lang="en-GB" sz="2000" dirty="0">
-                <a:latin typeface="Consolas" panose="020B0609020204030204" pitchFamily="49" charset="0"/>
-              </a:rPr>
-              <a:t>(</a:t>
-            </a:r>
-            <a:r>
-              <a:rPr lang="en-GB" sz="2000" dirty="0" err="1">
-                <a:latin typeface="Consolas" panose="020B0609020204030204" pitchFamily="49" charset="0"/>
-              </a:rPr>
-              <a:t>force,dF</a:t>
-            </a:r>
-            <a:r>
-              <a:rPr lang="en-GB" sz="2000" dirty="0">
-                <a:latin typeface="Consolas" panose="020B0609020204030204" pitchFamily="49" charset="0"/>
-              </a:rPr>
-              <a:t>);</a:t>
-            </a:r>
-            <a:br>
-              <a:rPr lang="en-GB" sz="2000" dirty="0">
-                <a:latin typeface="Consolas" panose="020B0609020204030204" pitchFamily="49" charset="0"/>
-              </a:rPr>
-            </a:br>
-            <a:r>
-              <a:rPr lang="en-GB" sz="2000" dirty="0">
-                <a:latin typeface="Consolas" panose="020B0609020204030204" pitchFamily="49" charset="0"/>
-              </a:rPr>
-              <a:t>	</a:t>
-            </a:r>
-            <a:r>
-              <a:rPr lang="en-GB" sz="2000" dirty="0" err="1"/>
-              <a:t>pd_obs</a:t>
-            </a:r>
-            <a:r>
-              <a:rPr lang="en-GB" sz="2000" dirty="0"/>
-              <a:t>(</a:t>
-            </a:r>
-            <a:r>
-              <a:rPr lang="en-GB" sz="2000" dirty="0" err="1"/>
-              <a:t>i</a:t>
-            </a:r>
-            <a:r>
-              <a:rPr lang="en-GB" sz="2000" dirty="0"/>
-              <a:t>) is the observed probability for unfolding (or refolding) </a:t>
-            </a:r>
-            <a:br>
-              <a:rPr lang="en-GB" sz="2000" dirty="0"/>
-            </a:br>
-            <a:r>
-              <a:rPr lang="en-GB" sz="2000" dirty="0"/>
-              <a:t>	in the interval from edges(</a:t>
-            </a:r>
-            <a:r>
-              <a:rPr lang="en-GB" sz="2000" dirty="0" err="1"/>
-              <a:t>i</a:t>
-            </a:r>
-            <a:r>
-              <a:rPr lang="en-GB" sz="2000" dirty="0"/>
-              <a:t>) to edges(i+1) divided </a:t>
-            </a:r>
-            <a:r>
-              <a:rPr lang="en-GB" sz="2000"/>
-              <a:t>by </a:t>
-            </a:r>
-            <a:r>
-              <a:rPr lang="en-GB" sz="2000" dirty="0"/>
-              <a:t>e</a:t>
-            </a:r>
-            <a:r>
-              <a:rPr lang="en-GB" sz="2000"/>
-              <a:t>dges</a:t>
-            </a:r>
-            <a:r>
-              <a:rPr lang="en-GB" sz="2000" dirty="0"/>
-              <a:t>(i+1)-edges(</a:t>
-            </a:r>
-            <a:r>
-              <a:rPr lang="en-GB" sz="2000" dirty="0" err="1"/>
-              <a:t>i</a:t>
-            </a:r>
-            <a:r>
-              <a:rPr lang="en-GB" sz="2000" dirty="0"/>
-              <a:t>)</a:t>
-            </a:r>
-          </a:p>
-          <a:p>
-            <a:pPr lvl="1"/>
-            <a:r>
-              <a:rPr lang="en-GB" sz="2000" dirty="0" err="1"/>
-              <a:t>n_obs</a:t>
-            </a:r>
-            <a:r>
-              <a:rPr lang="en-GB" sz="2000" dirty="0"/>
-              <a:t> is the number of rips or zips</a:t>
-            </a:r>
-          </a:p>
-          <a:p>
-            <a:pPr lvl="1"/>
-            <a:endParaRPr lang="en-GB" dirty="0"/>
+            <a:endParaRPr lang="en-GB" noProof="0" dirty="0"/>
           </a:p>
         </p:txBody>
       </p:sp>
@@ -8567,7 +8681,7 @@
 </p:sld>
 </file>
 
-<file path=ppt/slides/slide21.xml><?xml version="1.0" encoding="utf-8"?>
+<file path=ppt/slides/slide22.xml><?xml version="1.0" encoding="utf-8"?>
 <p:sld xmlns:a="http://schemas.openxmlformats.org/drawingml/2006/main" xmlns:r="http://schemas.openxmlformats.org/officeDocument/2006/relationships" xmlns:p="http://schemas.openxmlformats.org/presentationml/2006/main">
   <p:cSld>
     <p:spTree>
@@ -8589,7 +8703,7 @@
           <p:cNvPr id="2" name="Title 1">
             <a:extLst>
               <a:ext uri="{FF2B5EF4-FFF2-40B4-BE49-F238E27FC236}">
-                <a16:creationId xmlns:a16="http://schemas.microsoft.com/office/drawing/2014/main" id="{E9A8712F-A2ED-CF22-B85E-C944A8166340}"/>
+                <a16:creationId xmlns:a16="http://schemas.microsoft.com/office/drawing/2014/main" id="{6E5DCB84-407F-BEE6-2225-A17412B06AA2}"/>
               </a:ext>
             </a:extLst>
           </p:cNvPr>
@@ -8607,7 +8721,7 @@
           <a:p>
             <a:r>
               <a:rPr lang="en-GB" dirty="0"/>
-              <a:t>Plot observed probability density</a:t>
+              <a:t>Prepare input (2)</a:t>
             </a:r>
           </a:p>
         </p:txBody>
@@ -8617,7 +8731,7 @@
           <p:cNvPr id="3" name="Content Placeholder 2">
             <a:extLst>
               <a:ext uri="{FF2B5EF4-FFF2-40B4-BE49-F238E27FC236}">
-                <a16:creationId xmlns:a16="http://schemas.microsoft.com/office/drawing/2014/main" id="{512672BA-F013-1EF4-E208-DED52A62BD5E}"/>
+                <a16:creationId xmlns:a16="http://schemas.microsoft.com/office/drawing/2014/main" id="{1F8229FC-73F7-9A7D-CA0E-8259C5F7F77D}"/>
               </a:ext>
             </a:extLst>
           </p:cNvPr>
@@ -8628,65 +8742,96 @@
             <p:ph idx="1"/>
           </p:nvPr>
         </p:nvSpPr>
-        <p:spPr/>
+        <p:spPr>
+          <a:xfrm>
+            <a:off x="838200" y="1825625"/>
+            <a:ext cx="5375787" cy="4260543"/>
+          </a:xfrm>
+        </p:spPr>
         <p:txBody>
-          <a:bodyPr/>
+          <a:bodyPr>
+            <a:normAutofit/>
+          </a:bodyPr>
           <a:lstStyle/>
           <a:p>
+            <a:pPr marL="0" indent="0">
+              <a:buNone/>
+            </a:pPr>
             <a:r>
               <a:rPr lang="en-GB" dirty="0"/>
-              <a:t>Find mid-points of the force bins</a:t>
-            </a:r>
-          </a:p>
-          <a:p>
-            <a:pPr lvl="1"/>
+              <a:t>Inspect the observed probability density:</a:t>
+            </a:r>
+          </a:p>
+          <a:p>
+            <a:pPr marL="0" indent="0">
+              <a:buNone/>
+            </a:pPr>
             <a:r>
               <a:rPr lang="en-GB" sz="1800" b="0" i="0" dirty="0" err="1">
                 <a:effectLst/>
-                <a:latin typeface="Menlo"/>
+                <a:latin typeface="Consolas" panose="020B0609020204030204" pitchFamily="49" charset="0"/>
               </a:rPr>
               <a:t>F_list</a:t>
             </a:r>
             <a:r>
               <a:rPr lang="en-GB" sz="1800" b="0" i="0" dirty="0">
                 <a:effectLst/>
-                <a:latin typeface="Menlo"/>
+                <a:latin typeface="Consolas" panose="020B0609020204030204" pitchFamily="49" charset="0"/>
               </a:rPr>
-              <a:t> = (edges(1:end-1)+edges(2:end))/2;</a:t>
-            </a:r>
-          </a:p>
-          <a:p>
-            <a:r>
-              <a:rPr lang="en-GB" dirty="0"/>
-              <a:t>Create bar plot with bar width equal the bin width:</a:t>
-            </a:r>
-          </a:p>
-          <a:p>
-            <a:pPr lvl="1"/>
+              <a:t> = (edges(1:end-1)+edges(2:end))/2; </a:t>
+            </a:r>
+            <a:r>
+              <a:rPr lang="en-GB" sz="1800" b="0" i="0" dirty="0">
+                <a:solidFill>
+                  <a:srgbClr val="008013"/>
+                </a:solidFill>
+                <a:effectLst/>
+                <a:latin typeface="Consolas" panose="020B0609020204030204" pitchFamily="49" charset="0"/>
+              </a:rPr>
+              <a:t>% force bin midpoints</a:t>
+            </a:r>
+            <a:endParaRPr lang="en-GB" sz="1800" b="0" i="0" dirty="0">
+              <a:effectLst/>
+              <a:latin typeface="Consolas" panose="020B0609020204030204" pitchFamily="49" charset="0"/>
+            </a:endParaRPr>
+          </a:p>
+          <a:p>
+            <a:pPr marL="0" indent="0">
+              <a:buNone/>
+            </a:pPr>
             <a:r>
               <a:rPr lang="en-GB" sz="1800" b="0" i="0" dirty="0">
                 <a:effectLst/>
-                <a:latin typeface="Menlo"/>
+                <a:latin typeface="Consolas" panose="020B0609020204030204" pitchFamily="49" charset="0"/>
               </a:rPr>
-              <a:t>figure; bar(</a:t>
-            </a:r>
-            <a:r>
-              <a:rPr lang="en-GB" sz="1800" b="0" i="0" dirty="0" err="1">
-                <a:effectLst/>
-                <a:latin typeface="Menlo"/>
-              </a:rPr>
-              <a:t>F_list,pd_obs,dF</a:t>
-            </a:r>
-            <a:r>
-              <a:rPr lang="en-GB" sz="1800" b="0" i="0" dirty="0">
-                <a:effectLst/>
-                <a:latin typeface="Menlo"/>
-              </a:rPr>
-              <a:t>);</a:t>
-            </a:r>
-          </a:p>
-          <a:p>
-            <a:endParaRPr lang="en-GB" dirty="0"/>
+              <a:t>figure; bar(F_list,pd_obs,1);</a:t>
+            </a:r>
+          </a:p>
+          <a:p>
+            <a:pPr marL="0" indent="0">
+              <a:buNone/>
+            </a:pPr>
+            <a:endParaRPr lang="en-GB" sz="1800" dirty="0">
+              <a:latin typeface="Consolas" panose="020B0609020204030204" pitchFamily="49" charset="0"/>
+            </a:endParaRPr>
+          </a:p>
+          <a:p>
+            <a:pPr marL="0" indent="0">
+              <a:buNone/>
+            </a:pPr>
+            <a:r>
+              <a:rPr lang="en-GB" sz="2400" dirty="0"/>
+              <a:t>Data from Testfiles.zip in </a:t>
+            </a:r>
+          </a:p>
+          <a:p>
+            <a:pPr marL="0" indent="0">
+              <a:buNone/>
+            </a:pPr>
+            <a:r>
+              <a:rPr lang="en-GB" sz="2000" dirty="0"/>
+              <a:t>https://github.com/are-mj/OpticalTweezers</a:t>
+            </a:r>
           </a:p>
         </p:txBody>
       </p:sp>
@@ -8695,7 +8840,7 @@
           <p:cNvPr id="5" name="Picture 4">
             <a:extLst>
               <a:ext uri="{FF2B5EF4-FFF2-40B4-BE49-F238E27FC236}">
-                <a16:creationId xmlns:a16="http://schemas.microsoft.com/office/drawing/2014/main" id="{37408C38-C53F-44F0-EBE4-BA072C4A7A8B}"/>
+                <a16:creationId xmlns:a16="http://schemas.microsoft.com/office/drawing/2014/main" id="{86EB6EC7-5609-5263-E71A-8D33CDB0C35E}"/>
               </a:ext>
             </a:extLst>
           </p:cNvPr>
@@ -8712,8 +8857,8 @@
         </p:blipFill>
         <p:spPr>
           <a:xfrm>
-            <a:off x="765109" y="3508899"/>
-            <a:ext cx="3460473" cy="2602749"/>
+            <a:off x="6636160" y="1599483"/>
+            <a:ext cx="5471583" cy="4103687"/>
           </a:xfrm>
           <a:prstGeom prst="rect">
             <a:avLst/>
@@ -8723,7 +8868,7 @@
     </p:spTree>
     <p:extLst>
       <p:ext uri="{BB962C8B-B14F-4D97-AF65-F5344CB8AC3E}">
-        <p14:creationId xmlns:p14="http://schemas.microsoft.com/office/powerpoint/2010/main" val="2595814099"/>
+        <p14:creationId xmlns:p14="http://schemas.microsoft.com/office/powerpoint/2010/main" val="2164027910"/>
       </p:ext>
     </p:extLst>
   </p:cSld>
@@ -8733,7 +8878,7 @@
 </p:sld>
 </file>
 
-<file path=ppt/slides/slide22.xml><?xml version="1.0" encoding="utf-8"?>
+<file path=ppt/slides/slide23.xml><?xml version="1.0" encoding="utf-8"?>
 <p:sld xmlns:a="http://schemas.openxmlformats.org/drawingml/2006/main" xmlns:r="http://schemas.openxmlformats.org/officeDocument/2006/relationships" xmlns:p="http://schemas.openxmlformats.org/presentationml/2006/main">
   <p:cSld>
     <p:spTree>
@@ -8772,8 +8917,8 @@
           <a:lstStyle/>
           <a:p>
             <a:r>
-              <a:rPr lang="en-GB" dirty="0"/>
-              <a:t>Initial parameter values</a:t>
+              <a:rPr lang="en-GB" noProof="0" dirty="0"/>
+              <a:t>Initial parameter guess</a:t>
             </a:r>
           </a:p>
         </p:txBody>
@@ -8800,51 +8945,51 @@
           <a:lstStyle/>
           <a:p>
             <a:r>
-              <a:rPr lang="en-GB" dirty="0"/>
+              <a:rPr lang="en-GB" noProof="0" dirty="0"/>
               <a:t>The optimisation function </a:t>
             </a:r>
             <a:r>
-              <a:rPr lang="en-GB" sz="2400" dirty="0" err="1">
+              <a:rPr lang="en-GB" sz="2400" noProof="0" dirty="0" err="1">
                 <a:latin typeface="Consolas" panose="020B0609020204030204" pitchFamily="49" charset="0"/>
               </a:rPr>
               <a:t>lsqcurvefit</a:t>
             </a:r>
             <a:r>
-              <a:rPr lang="en-GB" dirty="0"/>
+              <a:rPr lang="en-GB" noProof="0" dirty="0"/>
               <a:t> tries to find parameter values that minimise the difference between calculated and observe probability densities</a:t>
             </a:r>
           </a:p>
           <a:p>
             <a:r>
-              <a:rPr lang="en-GB" dirty="0"/>
+              <a:rPr lang="en-GB" noProof="0" dirty="0"/>
               <a:t>The initial parameter vector tells </a:t>
             </a:r>
             <a:r>
-              <a:rPr lang="en-GB" sz="2400" dirty="0" err="1">
+              <a:rPr lang="en-GB" sz="2400" noProof="0" dirty="0" err="1">
                 <a:latin typeface="Consolas" panose="020B0609020204030204" pitchFamily="49" charset="0"/>
               </a:rPr>
               <a:t>lsqcurvefit</a:t>
             </a:r>
             <a:r>
-              <a:rPr lang="en-GB" sz="2800" dirty="0">
+              <a:rPr lang="en-GB" sz="2800" noProof="0" dirty="0">
                 <a:latin typeface="Consolas" panose="020B0609020204030204" pitchFamily="49" charset="0"/>
               </a:rPr>
               <a:t> </a:t>
             </a:r>
             <a:r>
-              <a:rPr lang="en-GB" dirty="0"/>
+              <a:rPr lang="en-GB" noProof="0" dirty="0"/>
               <a:t>where to start the search</a:t>
             </a:r>
           </a:p>
           <a:p>
             <a:r>
-              <a:rPr lang="en-GB" dirty="0"/>
+              <a:rPr lang="en-GB" noProof="0" dirty="0"/>
               <a:t>Optimisation may be tricky:</a:t>
             </a:r>
           </a:p>
           <a:p>
             <a:r>
-              <a:rPr lang="en-GB" dirty="0"/>
+              <a:rPr lang="en-GB" noProof="0" dirty="0"/>
               <a:t>The search may easily fail if initial values are far from the solution</a:t>
             </a:r>
           </a:p>
@@ -8852,7 +8997,7 @@
             <a:pPr marL="0" indent="0">
               <a:buNone/>
             </a:pPr>
-            <a:endParaRPr lang="en-GB" dirty="0"/>
+            <a:endParaRPr lang="en-GB" noProof="0" dirty="0"/>
           </a:p>
         </p:txBody>
       </p:sp>
@@ -8869,7 +9014,7 @@
 </p:sld>
 </file>
 
-<file path=ppt/slides/slide23.xml><?xml version="1.0" encoding="utf-8"?>
+<file path=ppt/slides/slide24.xml><?xml version="1.0" encoding="utf-8"?>
 <p:sld xmlns:a="http://schemas.openxmlformats.org/drawingml/2006/main" xmlns:r="http://schemas.openxmlformats.org/officeDocument/2006/relationships" xmlns:p="http://schemas.openxmlformats.org/presentationml/2006/main">
   <p:cSld>
     <p:spTree>
@@ -8908,10 +9053,10 @@
           <a:lstStyle/>
           <a:p>
             <a:r>
-              <a:rPr lang="en-GB" dirty="0"/>
-              <a:t>Initial parameter values</a:t>
-            </a:r>
-            <a:endParaRPr lang="en-GB" baseline="-25000" dirty="0"/>
+              <a:rPr lang="en-GB" noProof="0" dirty="0"/>
+              <a:t>Initial parameter guess (2)</a:t>
+            </a:r>
+            <a:endParaRPr lang="en-GB" baseline="-25000" noProof="0" dirty="0"/>
           </a:p>
         </p:txBody>
       </p:sp>
@@ -8941,15 +9086,15 @@
               <a:lstStyle/>
               <a:p>
                 <a:r>
-                  <a:rPr lang="en-GB" sz="3600" dirty="0"/>
+                  <a:rPr lang="en-GB" sz="3600" noProof="0" dirty="0"/>
                   <a:t>The Bell and </a:t>
                 </a:r>
                 <a:r>
-                  <a:rPr lang="en-GB" sz="3600" dirty="0" err="1"/>
+                  <a:rPr lang="en-GB" sz="3600" noProof="0" dirty="0" err="1"/>
                   <a:t>Dudko</a:t>
                 </a:r>
                 <a:r>
-                  <a:rPr lang="en-GB" sz="3600" dirty="0"/>
+                  <a:rPr lang="en-GB" sz="3600" noProof="0" dirty="0"/>
                   <a:t> model parameter </a:t>
                 </a:r>
                 <a14:m>
@@ -8957,7 +9102,7 @@
                     <m:sSub>
                       <m:sSubPr>
                         <m:ctrlPr>
-                          <a:rPr lang="en-GB" sz="3600" i="1" smtClean="0">
+                          <a:rPr lang="en-GB" sz="3600" i="1" noProof="0" smtClean="0">
                             <a:effectLst/>
                             <a:latin typeface="Cambria Math" panose="02040503050406030204" pitchFamily="18" charset="0"/>
                             <a:ea typeface="Arial" panose="020B0604020202020204" pitchFamily="34" charset="0"/>
@@ -8967,7 +9112,7 @@
                       </m:sSubPr>
                       <m:e>
                         <m:r>
-                          <a:rPr lang="pt-BR" sz="3600" i="1">
+                          <a:rPr lang="en-GB" sz="3600" i="1" noProof="0">
                             <a:effectLst/>
                             <a:latin typeface="Cambria Math" panose="02040503050406030204" pitchFamily="18" charset="0"/>
                             <a:ea typeface="Arial" panose="020B0604020202020204" pitchFamily="34" charset="0"/>
@@ -8978,7 +9123,7 @@
                       </m:e>
                       <m:sub>
                         <m:r>
-                          <a:rPr lang="pt-BR" sz="3600">
+                          <a:rPr lang="en-GB" sz="3600" noProof="0">
                             <a:effectLst/>
                             <a:latin typeface="Cambria Math" panose="02040503050406030204" pitchFamily="18" charset="0"/>
                             <a:ea typeface="Arial" panose="020B0604020202020204" pitchFamily="34" charset="0"/>
@@ -8991,17 +9136,17 @@
                   </m:oMath>
                 </a14:m>
                 <a:r>
-                  <a:rPr lang="en-GB" sz="3600" dirty="0"/>
+                  <a:rPr lang="en-GB" sz="3600" noProof="0" dirty="0"/>
                   <a:t> may create problems for the fitting process because it my vary by orders of magnitude</a:t>
                 </a:r>
                 <a:br>
-                  <a:rPr lang="en-GB" sz="3600" dirty="0"/>
+                  <a:rPr lang="en-GB" sz="3600" noProof="0" dirty="0"/>
                 </a:br>
-                <a:endParaRPr lang="en-GB" sz="3600" dirty="0"/>
+                <a:endParaRPr lang="en-GB" sz="3600" noProof="0" dirty="0"/>
               </a:p>
               <a:p>
                 <a:r>
-                  <a:rPr lang="en-GB" sz="3600" dirty="0"/>
+                  <a:rPr lang="en-GB" sz="3600" noProof="0" dirty="0"/>
                   <a:t>To improve robustness we replace it by the base 10 logarithm lg.  The parameters are then dx =</a:t>
                 </a:r>
                 <a14:m>
@@ -9009,7 +9154,7 @@
                     <m:sSup>
                       <m:sSupPr>
                         <m:ctrlPr>
-                          <a:rPr lang="en-GB" sz="3600" i="1" smtClean="0">
+                          <a:rPr lang="en-GB" sz="3600" i="1" noProof="0" smtClean="0">
                             <a:effectLst/>
                             <a:latin typeface="Cambria Math" panose="02040503050406030204" pitchFamily="18" charset="0"/>
                             <a:ea typeface="Arial" panose="020B0604020202020204" pitchFamily="34" charset="0"/>
@@ -9019,7 +9164,7 @@
                       </m:sSupPr>
                       <m:e>
                         <m:r>
-                          <a:rPr lang="pt-BR" sz="3600" i="1">
+                          <a:rPr lang="en-GB" sz="3600" i="1" noProof="0">
                             <a:effectLst/>
                             <a:latin typeface="Cambria Math" panose="02040503050406030204" pitchFamily="18" charset="0"/>
                             <a:ea typeface="Arial" panose="020B0604020202020204" pitchFamily="34" charset="0"/>
@@ -9030,7 +9175,7 @@
                       </m:e>
                       <m:sup>
                         <m:r>
-                          <a:rPr lang="pt-BR" sz="3600">
+                          <a:rPr lang="en-GB" sz="3600" noProof="0">
                             <a:effectLst/>
                             <a:latin typeface="Cambria Math" panose="02040503050406030204" pitchFamily="18" charset="0"/>
                             <a:ea typeface="Arial" panose="020B0604020202020204" pitchFamily="34" charset="0"/>
@@ -9043,7 +9188,7 @@
                   </m:oMath>
                 </a14:m>
                 <a:r>
-                  <a:rPr lang="en-GB" sz="3600" dirty="0"/>
+                  <a:rPr lang="en-GB" sz="3600" noProof="0" dirty="0"/>
                   <a:t> and lgk0 = </a:t>
                 </a:r>
                 <a14:m>
@@ -9051,7 +9196,7 @@
                     <m:func>
                       <m:funcPr>
                         <m:ctrlPr>
-                          <a:rPr lang="en-GB" sz="3600" b="0" i="1" smtClean="0">
+                          <a:rPr lang="en-GB" sz="3600" b="0" i="1" noProof="0" smtClean="0">
                             <a:latin typeface="Cambria Math" panose="02040503050406030204" pitchFamily="18" charset="0"/>
                           </a:rPr>
                         </m:ctrlPr>
@@ -9061,7 +9206,7 @@
                           <m:rPr>
                             <m:sty m:val="p"/>
                           </m:rPr>
-                          <a:rPr lang="en-GB" sz="3600" b="0" i="0" smtClean="0">
+                          <a:rPr lang="en-GB" sz="3600" b="0" i="0" noProof="0" smtClean="0">
                             <a:latin typeface="Cambria Math" panose="02040503050406030204" pitchFamily="18" charset="0"/>
                           </a:rPr>
                           <m:t>lg</m:t>
@@ -9071,7 +9216,7 @@
                         <m:d>
                           <m:dPr>
                             <m:ctrlPr>
-                              <a:rPr lang="en-GB" sz="3600" b="0" i="1" smtClean="0">
+                              <a:rPr lang="en-GB" sz="3600" b="0" i="1" noProof="0" smtClean="0">
                                 <a:latin typeface="Cambria Math" panose="02040503050406030204" pitchFamily="18" charset="0"/>
                               </a:rPr>
                             </m:ctrlPr>
@@ -9080,14 +9225,14 @@
                             <m:sSub>
                               <m:sSubPr>
                                 <m:ctrlPr>
-                                  <a:rPr lang="en-GB" sz="3600" b="0" i="1" smtClean="0">
+                                  <a:rPr lang="en-GB" sz="3600" b="0" i="1" noProof="0" smtClean="0">
                                     <a:latin typeface="Cambria Math" panose="02040503050406030204" pitchFamily="18" charset="0"/>
                                   </a:rPr>
                                 </m:ctrlPr>
                               </m:sSubPr>
                               <m:e>
                                 <m:r>
-                                  <a:rPr lang="en-GB" sz="3600" b="0" i="1" smtClean="0">
+                                  <a:rPr lang="en-GB" sz="3600" b="0" i="1" noProof="0" smtClean="0">
                                     <a:latin typeface="Cambria Math" panose="02040503050406030204" pitchFamily="18" charset="0"/>
                                   </a:rPr>
                                   <m:t>𝑘</m:t>
@@ -9095,7 +9240,7 @@
                               </m:e>
                               <m:sub>
                                 <m:r>
-                                  <a:rPr lang="en-GB" sz="3600" b="0" i="1" smtClean="0">
+                                  <a:rPr lang="en-GB" sz="3600" b="0" i="1" noProof="0" smtClean="0">
                                     <a:latin typeface="Cambria Math" panose="02040503050406030204" pitchFamily="18" charset="0"/>
                                   </a:rPr>
                                   <m:t>𝑜</m:t>
@@ -9109,17 +9254,17 @@
                   </m:oMath>
                 </a14:m>
                 <a:br>
-                  <a:rPr lang="en-GB" dirty="0"/>
+                  <a:rPr lang="en-GB" noProof="0" dirty="0"/>
                 </a:br>
-                <a:endParaRPr lang="en-GB" dirty="0"/>
+                <a:endParaRPr lang="en-GB" noProof="0" dirty="0"/>
               </a:p>
               <a:p>
                 <a:r>
-                  <a:rPr lang="en-GB" sz="3800" dirty="0"/>
+                  <a:rPr lang="en-GB" sz="3800" noProof="0" dirty="0"/>
                   <a:t>Guesses for parameters </a:t>
                 </a:r>
                 <a:r>
-                  <a:rPr lang="en-GB" sz="3800" dirty="0">
+                  <a:rPr lang="en-GB" sz="3800" noProof="0" dirty="0">
                     <a:latin typeface="Consolas" panose="020B0609020204030204" pitchFamily="49" charset="0"/>
                   </a:rPr>
                   <a:t>k0 = </a:t>
@@ -9129,7 +9274,7 @@
                     <m:sSub>
                       <m:sSubPr>
                         <m:ctrlPr>
-                          <a:rPr lang="en-GB" sz="3800" i="1" smtClean="0">
+                          <a:rPr lang="en-GB" sz="3800" i="1" noProof="0" smtClean="0">
                             <a:effectLst/>
                             <a:latin typeface="Cambria Math" panose="02040503050406030204" pitchFamily="18" charset="0"/>
                             <a:ea typeface="Arial" panose="020B0604020202020204" pitchFamily="34" charset="0"/>
@@ -9139,7 +9284,7 @@
                       </m:sSubPr>
                       <m:e>
                         <m:r>
-                          <a:rPr lang="pt-BR" sz="3800" i="1">
+                          <a:rPr lang="en-GB" sz="3800" i="1" noProof="0">
                             <a:effectLst/>
                             <a:latin typeface="Cambria Math" panose="02040503050406030204" pitchFamily="18" charset="0"/>
                             <a:ea typeface="Arial" panose="020B0604020202020204" pitchFamily="34" charset="0"/>
@@ -9150,7 +9295,7 @@
                       </m:e>
                       <m:sub>
                         <m:r>
-                          <a:rPr lang="pt-BR" sz="3800">
+                          <a:rPr lang="en-GB" sz="3800" noProof="0">
                             <a:effectLst/>
                             <a:latin typeface="Cambria Math" panose="02040503050406030204" pitchFamily="18" charset="0"/>
                             <a:ea typeface="Arial" panose="020B0604020202020204" pitchFamily="34" charset="0"/>
@@ -9163,7 +9308,7 @@
                   </m:oMath>
                 </a14:m>
                 <a:r>
-                  <a:rPr lang="en-GB" sz="3800" dirty="0">
+                  <a:rPr lang="en-GB" sz="3800" noProof="0" dirty="0">
                     <a:latin typeface="Consolas" panose="020B0609020204030204" pitchFamily="49" charset="0"/>
                   </a:rPr>
                   <a:t> and d = </a:t>
@@ -9173,7 +9318,7 @@
                     <m:sSup>
                       <m:sSupPr>
                         <m:ctrlPr>
-                          <a:rPr lang="en-GB" sz="3800" i="1" smtClean="0">
+                          <a:rPr lang="en-GB" sz="3800" i="1" noProof="0" smtClean="0">
                             <a:effectLst/>
                             <a:latin typeface="Cambria Math" panose="02040503050406030204" pitchFamily="18" charset="0"/>
                             <a:ea typeface="Arial" panose="020B0604020202020204" pitchFamily="34" charset="0"/>
@@ -9183,7 +9328,7 @@
                       </m:sSupPr>
                       <m:e>
                         <m:r>
-                          <a:rPr lang="pt-BR" sz="3800" i="1">
+                          <a:rPr lang="en-GB" sz="3800" i="1" noProof="0">
                             <a:effectLst/>
                             <a:latin typeface="Cambria Math" panose="02040503050406030204" pitchFamily="18" charset="0"/>
                             <a:ea typeface="Arial" panose="020B0604020202020204" pitchFamily="34" charset="0"/>
@@ -9194,7 +9339,7 @@
                       </m:e>
                       <m:sup>
                         <m:r>
-                          <a:rPr lang="pt-BR" sz="3800">
+                          <a:rPr lang="en-GB" sz="3800" noProof="0">
                             <a:effectLst/>
                             <a:latin typeface="Cambria Math" panose="02040503050406030204" pitchFamily="18" charset="0"/>
                             <a:ea typeface="Arial" panose="020B0604020202020204" pitchFamily="34" charset="0"/>
@@ -9207,48 +9352,48 @@
                   </m:oMath>
                 </a14:m>
                 <a:r>
-                  <a:rPr lang="en-GB" sz="2900" dirty="0">
+                  <a:rPr lang="en-GB" sz="2900" noProof="0" dirty="0">
                     <a:latin typeface="Consolas" panose="020B0609020204030204" pitchFamily="49" charset="0"/>
                   </a:rPr>
                   <a:t> </a:t>
                 </a:r>
                 <a:r>
-                  <a:rPr lang="en-GB" sz="3800" dirty="0"/>
+                  <a:rPr lang="en-GB" sz="3800" noProof="0" dirty="0"/>
                   <a:t>that often work for the Bell model are</a:t>
                 </a:r>
               </a:p>
               <a:p>
                 <a:pPr lvl="1"/>
                 <a:r>
-                  <a:rPr lang="sv-SE" sz="3200" dirty="0">
+                  <a:rPr lang="en-GB" sz="3200" noProof="0" dirty="0">
                     <a:latin typeface="Consolas" panose="020B0609020204030204" pitchFamily="49" charset="0"/>
                   </a:rPr>
                   <a:t>dx0 = 2;lgk0 = -3; theta0 = [dx0;lgk0];</a:t>
                 </a:r>
                 <a:br>
-                  <a:rPr lang="sv-SE" sz="2900" dirty="0">
+                  <a:rPr lang="en-GB" sz="2900" noProof="0" dirty="0">
                     <a:latin typeface="Consolas" panose="020B0609020204030204" pitchFamily="49" charset="0"/>
                   </a:rPr>
                 </a:br>
-                <a:endParaRPr lang="sv-SE" sz="2900" dirty="0">
+                <a:endParaRPr lang="en-GB" sz="2900" noProof="0" dirty="0">
                   <a:latin typeface="Consolas" panose="020B0609020204030204" pitchFamily="49" charset="0"/>
                 </a:endParaRPr>
               </a:p>
               <a:p>
                 <a:r>
-                  <a:rPr lang="sv-SE" sz="3800" dirty="0">
+                  <a:rPr lang="en-GB" sz="3800" noProof="0" dirty="0">
                     <a:latin typeface="Consolas" panose="020B0609020204030204" pitchFamily="49" charset="0"/>
                   </a:rPr>
                   <a:t>For </a:t>
                 </a:r>
                 <a:r>
-                  <a:rPr lang="sv-SE" sz="3800" dirty="0" err="1">
+                  <a:rPr lang="en-GB" sz="3800" noProof="0" dirty="0" err="1">
                     <a:latin typeface="Consolas" panose="020B0609020204030204" pitchFamily="49" charset="0"/>
                   </a:rPr>
                   <a:t>Dudko</a:t>
                 </a:r>
                 <a:r>
-                  <a:rPr lang="sv-SE" sz="3800" dirty="0">
+                  <a:rPr lang="en-GB" sz="3800" noProof="0" dirty="0">
                     <a:latin typeface="Consolas" panose="020B0609020204030204" pitchFamily="49" charset="0"/>
                   </a:rPr>
                   <a:t>:</a:t>
@@ -9257,7 +9402,7 @@
               <a:p>
                 <a:pPr lvl="1"/>
                 <a:r>
-                  <a:rPr lang="sv-SE" sz="3200" dirty="0">
+                  <a:rPr lang="en-GB" sz="3200" noProof="0" dirty="0">
                     <a:latin typeface="Consolas" panose="020B0609020204030204" pitchFamily="49" charset="0"/>
                   </a:rPr>
                   <a:t>dG0 = 80;dx0 = 2;lgk0 = -3; theta0 = [dG0;dx0;lgk0];</a:t>
@@ -9265,7 +9410,7 @@
               </a:p>
               <a:p>
                 <a:pPr lvl="1"/>
-                <a:endParaRPr lang="sv-SE" dirty="0">
+                <a:endParaRPr lang="en-GB" noProof="0" dirty="0">
                   <a:latin typeface="Consolas" panose="020B0609020204030204" pitchFamily="49" charset="0"/>
                 </a:endParaRPr>
               </a:p>
@@ -9274,7 +9419,7 @@
                   <a:buFont typeface="+mj-lt"/>
                   <a:buAutoNum type="arabicPeriod"/>
                 </a:pPr>
-                <a:endParaRPr lang="sv-SE" sz="2400" dirty="0">
+                <a:endParaRPr lang="en-GB" sz="2400" noProof="0" dirty="0">
                   <a:latin typeface="Consolas" panose="020B0609020204030204" pitchFamily="49" charset="0"/>
                 </a:endParaRPr>
               </a:p>
@@ -9283,12 +9428,12 @@
                   <a:buNone/>
                 </a:pPr>
                 <a:br>
-                  <a:rPr lang="en-GB" dirty="0"/>
+                  <a:rPr lang="en-GB" noProof="0" dirty="0"/>
                 </a:br>
-                <a:endParaRPr lang="en-GB" dirty="0"/>
+                <a:endParaRPr lang="en-GB" noProof="0" dirty="0"/>
               </a:p>
               <a:p>
-                <a:endParaRPr lang="en-GB" dirty="0"/>
+                <a:endParaRPr lang="en-GB" noProof="0" dirty="0"/>
               </a:p>
             </p:txBody>
           </p:sp>
@@ -9346,7 +9491,7 @@
 </p:sld>
 </file>
 
-<file path=ppt/slides/slide24.xml><?xml version="1.0" encoding="utf-8"?>
+<file path=ppt/slides/slide25.xml><?xml version="1.0" encoding="utf-8"?>
 <p:sld xmlns:a="http://schemas.openxmlformats.org/drawingml/2006/main" xmlns:r="http://schemas.openxmlformats.org/officeDocument/2006/relationships" xmlns:p="http://schemas.openxmlformats.org/presentationml/2006/main">
   <p:cSld>
     <p:spTree>
@@ -9385,8 +9530,8 @@
           <a:lstStyle/>
           <a:p>
             <a:r>
-              <a:rPr lang="en-GB" dirty="0"/>
-              <a:t>Fitting the Bell model</a:t>
+              <a:rPr lang="en-GB" noProof="0" dirty="0"/>
+              <a:t>Calculate best fit parameters</a:t>
             </a:r>
           </a:p>
         </p:txBody>
@@ -9415,56 +9560,56 @@
           <a:lstStyle/>
           <a:p>
             <a:r>
-              <a:rPr lang="en-GB" b="0" i="0" dirty="0">
+              <a:rPr lang="en-GB" b="0" i="0" noProof="0" dirty="0">
                 <a:effectLst/>
               </a:rPr>
               <a:t>Function </a:t>
             </a:r>
             <a:r>
-              <a:rPr lang="en-GB" sz="2400" b="0" i="0" dirty="0" err="1">
+              <a:rPr lang="en-GB" sz="2400" b="0" i="0" noProof="0" dirty="0" err="1">
                 <a:effectLst/>
                 <a:latin typeface="Consolas" panose="020B0609020204030204" pitchFamily="49" charset="0"/>
               </a:rPr>
               <a:t>Bell_unfold_probability</a:t>
             </a:r>
             <a:r>
-              <a:rPr lang="en-GB" b="0" i="0" dirty="0">
+              <a:rPr lang="en-GB" b="0" i="0" noProof="0" dirty="0">
                 <a:effectLst/>
               </a:rPr>
               <a:t> calculates the probability density distribution for a given parameter vector</a:t>
             </a:r>
           </a:p>
           <a:p>
-            <a:endParaRPr lang="en-GB" sz="1000" b="0" i="0" dirty="0">
+            <a:endParaRPr lang="en-GB" sz="1000" b="0" i="0" noProof="0" dirty="0">
               <a:effectLst/>
             </a:endParaRPr>
           </a:p>
           <a:p>
             <a:r>
-              <a:rPr lang="en-GB" b="0" i="0" dirty="0">
+              <a:rPr lang="en-GB" b="0" i="0" noProof="0" dirty="0">
                 <a:effectLst/>
               </a:rPr>
               <a:t>Function </a:t>
             </a:r>
             <a:r>
-              <a:rPr lang="en-GB" sz="2400" b="0" i="0" dirty="0" err="1">
+              <a:rPr lang="en-GB" sz="2400" b="0" i="0" noProof="0" dirty="0" err="1">
                 <a:effectLst/>
                 <a:latin typeface="Consolas" panose="020B0609020204030204" pitchFamily="49" charset="0"/>
               </a:rPr>
               <a:t>fit_Bell_</a:t>
             </a:r>
             <a:r>
-              <a:rPr lang="en-GB" sz="2400" dirty="0" err="1">
+              <a:rPr lang="en-GB" sz="2400" noProof="0" dirty="0" err="1">
                 <a:latin typeface="Consolas" panose="020B0609020204030204" pitchFamily="49" charset="0"/>
               </a:rPr>
               <a:t>unfold</a:t>
             </a:r>
             <a:r>
-              <a:rPr lang="en-GB" dirty="0"/>
+              <a:rPr lang="en-GB" noProof="0" dirty="0"/>
               <a:t> calls this function repeatedly, searching for the parameter set </a:t>
             </a:r>
             <a:r>
-              <a:rPr lang="en-GB" b="0" i="0" dirty="0">
+              <a:rPr lang="en-GB" b="0" i="0" noProof="0" dirty="0">
                 <a:effectLst/>
               </a:rPr>
               <a:t>that best fits the observed distribution;</a:t>
@@ -9473,35 +9618,35 @@
           <a:p>
             <a:pPr lvl="1"/>
             <a:r>
-              <a:rPr lang="en-GB" sz="1800" b="0" i="0" dirty="0">
+              <a:rPr lang="en-GB" sz="1800" b="0" i="0" noProof="0" dirty="0">
                 <a:effectLst/>
                 <a:latin typeface="Consolas" panose="020B0609020204030204" pitchFamily="49" charset="0"/>
               </a:rPr>
               <a:t>[</a:t>
             </a:r>
             <a:r>
-              <a:rPr lang="en-GB" sz="1800" b="0" i="0" dirty="0" err="1">
+              <a:rPr lang="en-GB" sz="1800" b="0" i="0" noProof="0" dirty="0" err="1">
                 <a:effectLst/>
                 <a:latin typeface="Consolas" panose="020B0609020204030204" pitchFamily="49" charset="0"/>
               </a:rPr>
               <a:t>theta,theta_std</a:t>
             </a:r>
             <a:r>
-              <a:rPr lang="en-GB" sz="1800" b="0" i="0" dirty="0">
+              <a:rPr lang="en-GB" sz="1800" b="0" i="0" noProof="0" dirty="0">
                 <a:effectLst/>
                 <a:latin typeface="Consolas" panose="020B0609020204030204" pitchFamily="49" charset="0"/>
               </a:rPr>
               <a:t>] = </a:t>
             </a:r>
             <a:r>
-              <a:rPr lang="en-GB" sz="1800" b="0" i="0" dirty="0" err="1">
+              <a:rPr lang="en-GB" sz="1800" b="0" i="0" noProof="0" dirty="0" err="1">
                 <a:effectLst/>
                 <a:latin typeface="Consolas" panose="020B0609020204030204" pitchFamily="49" charset="0"/>
               </a:rPr>
               <a:t>fit_Bell_unfold</a:t>
             </a:r>
             <a:r>
-              <a:rPr lang="en-GB" sz="1800" b="0" i="0" dirty="0">
+              <a:rPr lang="en-GB" sz="1800" b="0" i="0" noProof="0" dirty="0">
                 <a:effectLst/>
                 <a:latin typeface="Consolas" panose="020B0609020204030204" pitchFamily="49" charset="0"/>
               </a:rPr>
@@ -9510,63 +9655,55 @@
           </a:p>
           <a:p>
             <a:pPr lvl="1"/>
-            <a:endParaRPr lang="sv-SE" sz="1000" dirty="0">
+            <a:endParaRPr lang="en-GB" sz="1000" noProof="0" dirty="0">
               <a:latin typeface="Consolas" panose="020B0609020204030204" pitchFamily="49" charset="0"/>
             </a:endParaRPr>
           </a:p>
           <a:p>
             <a:r>
-              <a:rPr lang="sv-SE" sz="2400" dirty="0"/>
-              <a:t>Print </a:t>
-            </a:r>
-            <a:r>
-              <a:rPr lang="sv-SE" sz="2400" dirty="0" err="1"/>
-              <a:t>results</a:t>
-            </a:r>
-            <a:r>
-              <a:rPr lang="sv-SE" sz="2400" dirty="0"/>
-              <a:t>:</a:t>
+              <a:rPr lang="en-GB" sz="2400" noProof="0" dirty="0"/>
+              <a:t>Print resulting parameters:</a:t>
             </a:r>
           </a:p>
           <a:p>
             <a:pPr lvl="1"/>
             <a:r>
-              <a:rPr lang="en-GB" sz="1800" b="0" i="0" dirty="0" err="1">
+              <a:rPr lang="en-GB" sz="1800" b="0" i="0" noProof="0" dirty="0" err="1">
                 <a:effectLst/>
                 <a:latin typeface="Consolas" panose="020B0609020204030204" pitchFamily="49" charset="0"/>
               </a:rPr>
               <a:t>fprintf</a:t>
             </a:r>
             <a:r>
-              <a:rPr lang="en-GB" sz="1800" b="0" i="0" dirty="0">
+              <a:rPr lang="en-GB" sz="1800" b="0" i="0" noProof="0" dirty="0">
                 <a:effectLst/>
                 <a:latin typeface="Consolas" panose="020B0609020204030204" pitchFamily="49" charset="0"/>
               </a:rPr>
               <a:t>("x‡ = %.2fnm ± %.2g\</a:t>
             </a:r>
             <a:r>
-              <a:rPr lang="en-GB" sz="1800" b="0" i="0" dirty="0" err="1">
+              <a:rPr lang="en-GB" sz="1800" b="0" i="0" noProof="0" dirty="0" err="1">
                 <a:effectLst/>
                 <a:latin typeface="Consolas" panose="020B0609020204030204" pitchFamily="49" charset="0"/>
               </a:rPr>
               <a:t>n",theta</a:t>
             </a:r>
             <a:r>
-              <a:rPr lang="en-GB" sz="1800" b="0" i="0" dirty="0">
+              <a:rPr lang="en-GB" sz="1800" b="0" i="0" noProof="0" dirty="0">
                 <a:effectLst/>
                 <a:latin typeface="Consolas" panose="020B0609020204030204" pitchFamily="49" charset="0"/>
               </a:rPr>
               <a:t>(1),</a:t>
             </a:r>
             <a:r>
-              <a:rPr lang="en-GB" sz="1800" b="0" i="0" dirty="0" err="1">
+              <a:rPr lang="en-GB" sz="1800" b="0" i="0" noProof="0" dirty="0" err="1">
                 <a:effectLst/>
                 <a:latin typeface="Consolas" panose="020B0609020204030204" pitchFamily="49" charset="0"/>
               </a:rPr>
               <a:t>theta_std</a:t>
             </a:r>
             <a:r>
-              <a:rPr lang="en-GB" sz="1800" b="0" i="0" dirty="0">
+              <a:rPr lang="en-GB" sz="1800" b="0" i="0" noProof="0" dirty="0">
                 <a:effectLst/>
                 <a:latin typeface="Consolas" panose="020B0609020204030204" pitchFamily="49" charset="0"/>
               </a:rPr>
@@ -9576,56 +9713,56 @@
           <a:p>
             <a:pPr lvl="1"/>
             <a:r>
-              <a:rPr lang="sv-SE" sz="1800" b="0" i="0" dirty="0" err="1">
+              <a:rPr lang="en-GB" sz="1800" b="0" i="0" noProof="0" dirty="0" err="1">
                 <a:effectLst/>
                 <a:latin typeface="Consolas" panose="020B0609020204030204" pitchFamily="49" charset="0"/>
               </a:rPr>
               <a:t>fprintf</a:t>
             </a:r>
             <a:r>
-              <a:rPr lang="sv-SE" sz="1800" b="0" i="0" dirty="0">
+              <a:rPr lang="en-GB" sz="1800" b="0" i="0" noProof="0" dirty="0">
                 <a:effectLst/>
                 <a:latin typeface="Consolas" panose="020B0609020204030204" pitchFamily="49" charset="0"/>
               </a:rPr>
               <a:t>("</a:t>
             </a:r>
             <a:r>
-              <a:rPr lang="sv-SE" sz="1800" b="0" i="0" dirty="0" err="1">
+              <a:rPr lang="en-GB" sz="1800" b="0" i="0" noProof="0" dirty="0" err="1">
                 <a:effectLst/>
                 <a:latin typeface="Consolas" panose="020B0609020204030204" pitchFamily="49" charset="0"/>
               </a:rPr>
               <a:t>lg</a:t>
             </a:r>
             <a:r>
-              <a:rPr lang="sv-SE" sz="1800" b="0" i="0" dirty="0">
+              <a:rPr lang="en-GB" sz="1800" b="0" i="0" noProof="0" dirty="0">
                 <a:effectLst/>
                 <a:latin typeface="Consolas" panose="020B0609020204030204" pitchFamily="49" charset="0"/>
               </a:rPr>
-              <a:t>(k0) = %.2f  ± %.2g\n",</a:t>
-            </a:r>
-            <a:r>
-              <a:rPr lang="sv-SE" sz="1800" b="0" i="0" dirty="0" err="1">
+              <a:t>(k0) = %.2f  ± %.2g\</a:t>
+            </a:r>
+            <a:r>
+              <a:rPr lang="en-GB" sz="1800" b="0" i="0" noProof="0" dirty="0" err="1">
                 <a:effectLst/>
                 <a:latin typeface="Consolas" panose="020B0609020204030204" pitchFamily="49" charset="0"/>
               </a:rPr>
-              <a:t>theta</a:t>
-            </a:r>
-            <a:r>
-              <a:rPr lang="sv-SE" sz="1800" b="0" i="0" dirty="0">
+              <a:t>n",theta</a:t>
+            </a:r>
+            <a:r>
+              <a:rPr lang="en-GB" sz="1800" b="0" i="0" noProof="0" dirty="0">
                 <a:effectLst/>
                 <a:latin typeface="Consolas" panose="020B0609020204030204" pitchFamily="49" charset="0"/>
               </a:rPr>
               <a:t>(2),</a:t>
             </a:r>
             <a:r>
-              <a:rPr lang="sv-SE" sz="1800" b="0" i="0" dirty="0" err="1">
+              <a:rPr lang="en-GB" sz="1800" b="0" i="0" noProof="0" dirty="0" err="1">
                 <a:effectLst/>
                 <a:latin typeface="Consolas" panose="020B0609020204030204" pitchFamily="49" charset="0"/>
               </a:rPr>
               <a:t>theta_std</a:t>
             </a:r>
             <a:r>
-              <a:rPr lang="sv-SE" sz="1800" b="0" i="0" dirty="0">
+              <a:rPr lang="en-GB" sz="1800" b="0" i="0" noProof="0" dirty="0">
                 <a:effectLst/>
                 <a:latin typeface="Consolas" panose="020B0609020204030204" pitchFamily="49" charset="0"/>
               </a:rPr>
@@ -9636,7 +9773,7 @@
             <a:pPr marL="457200" lvl="1" indent="0">
               <a:buNone/>
             </a:pPr>
-            <a:endParaRPr lang="nn-NO" sz="1800" b="0" i="0" dirty="0">
+            <a:endParaRPr lang="en-GB" sz="1800" b="0" i="0" noProof="0" dirty="0">
               <a:effectLst/>
               <a:latin typeface="Consolas" panose="020B0609020204030204" pitchFamily="49" charset="0"/>
             </a:endParaRPr>
@@ -9645,36 +9782,36 @@
             <a:pPr marL="0" indent="0">
               <a:buNone/>
             </a:pPr>
-            <a:endParaRPr lang="en-GB" sz="2200" b="0" i="0" dirty="0">
+            <a:endParaRPr lang="en-GB" sz="2200" b="0" i="0" noProof="0" dirty="0">
               <a:effectLst/>
               <a:latin typeface="Consolas" panose="020B0609020204030204" pitchFamily="49" charset="0"/>
             </a:endParaRPr>
           </a:p>
           <a:p>
-            <a:endParaRPr lang="en-GB" sz="2200" b="0" i="0" dirty="0">
+            <a:endParaRPr lang="en-GB" sz="2200" b="0" i="0" noProof="0" dirty="0">
               <a:effectLst/>
               <a:latin typeface="Consolas" panose="020B0609020204030204" pitchFamily="49" charset="0"/>
             </a:endParaRPr>
           </a:p>
           <a:p>
-            <a:endParaRPr lang="en-GB" b="0" i="0" dirty="0">
+            <a:endParaRPr lang="en-GB" b="0" i="0" noProof="0" dirty="0">
               <a:effectLst/>
             </a:endParaRPr>
           </a:p>
           <a:p>
-            <a:endParaRPr lang="en-GB" sz="1800" b="0" i="0" dirty="0">
+            <a:endParaRPr lang="en-GB" sz="1800" b="0" i="0" noProof="0" dirty="0">
               <a:effectLst/>
               <a:latin typeface="Consolas" panose="020B0609020204030204" pitchFamily="49" charset="0"/>
             </a:endParaRPr>
           </a:p>
           <a:p>
-            <a:endParaRPr lang="en-GB" sz="1800" b="0" i="0" dirty="0">
+            <a:endParaRPr lang="en-GB" sz="1800" b="0" i="0" noProof="0" dirty="0">
               <a:effectLst/>
               <a:latin typeface="Consolas" panose="020B0609020204030204" pitchFamily="49" charset="0"/>
             </a:endParaRPr>
           </a:p>
           <a:p>
-            <a:endParaRPr lang="en-GB" dirty="0"/>
+            <a:endParaRPr lang="en-GB" noProof="0" dirty="0"/>
           </a:p>
         </p:txBody>
       </p:sp>
@@ -9744,7 +9881,7 @@
 </p:sld>
 </file>
 
-<file path=ppt/slides/slide25.xml><?xml version="1.0" encoding="utf-8"?>
+<file path=ppt/slides/slide26.xml><?xml version="1.0" encoding="utf-8"?>
 <p:sld xmlns:a="http://schemas.openxmlformats.org/drawingml/2006/main" xmlns:r="http://schemas.openxmlformats.org/officeDocument/2006/relationships" xmlns:p="http://schemas.openxmlformats.org/presentationml/2006/main">
   <p:cSld>
     <p:spTree>
@@ -9783,7 +9920,7 @@
           <a:lstStyle/>
           <a:p>
             <a:r>
-              <a:rPr lang="en-GB" dirty="0"/>
+              <a:rPr lang="en-GB" noProof="0" dirty="0"/>
               <a:t>Inspecting the result</a:t>
             </a:r>
           </a:p>
@@ -9816,35 +9953,35 @@
           <a:lstStyle/>
           <a:p>
             <a:r>
-              <a:rPr lang="en-GB" dirty="0"/>
+              <a:rPr lang="en-GB" noProof="0" dirty="0"/>
               <a:t>Create a set of 100 force values for the x axis:</a:t>
             </a:r>
           </a:p>
           <a:p>
             <a:pPr lvl="1"/>
             <a:r>
-              <a:rPr lang="en-GB" sz="1800" b="0" i="0" dirty="0" err="1">
+              <a:rPr lang="en-GB" sz="1800" b="0" i="0" noProof="0" dirty="0" err="1">
                 <a:effectLst/>
                 <a:latin typeface="Consolas" panose="020B0609020204030204" pitchFamily="49" charset="0"/>
               </a:rPr>
               <a:t>F_plot</a:t>
             </a:r>
             <a:r>
-              <a:rPr lang="en-GB" sz="1800" b="0" i="0" dirty="0">
+              <a:rPr lang="en-GB" sz="1800" b="0" i="0" noProof="0" dirty="0">
                 <a:effectLst/>
                 <a:latin typeface="Consolas" panose="020B0609020204030204" pitchFamily="49" charset="0"/>
               </a:rPr>
               <a:t> = </a:t>
             </a:r>
             <a:r>
-              <a:rPr lang="en-GB" sz="1800" b="0" i="0" dirty="0" err="1">
+              <a:rPr lang="en-GB" sz="1800" b="0" i="0" noProof="0" dirty="0" err="1">
                 <a:effectLst/>
                 <a:latin typeface="Consolas" panose="020B0609020204030204" pitchFamily="49" charset="0"/>
               </a:rPr>
               <a:t>linspace</a:t>
             </a:r>
             <a:r>
-              <a:rPr lang="en-GB" sz="1800" b="0" i="0" dirty="0">
+              <a:rPr lang="en-GB" sz="1800" b="0" i="0" noProof="0" dirty="0">
                 <a:effectLst/>
                 <a:latin typeface="Consolas" panose="020B0609020204030204" pitchFamily="49" charset="0"/>
               </a:rPr>
@@ -9853,38 +9990,38 @@
           </a:p>
           <a:p>
             <a:r>
-              <a:rPr lang="en-GB" dirty="0"/>
+              <a:rPr lang="en-GB" noProof="0" dirty="0"/>
               <a:t>Calculate and plot the probability density a:</a:t>
             </a:r>
           </a:p>
           <a:p>
             <a:pPr lvl="1"/>
             <a:r>
-              <a:rPr lang="en-GB" sz="1800" dirty="0">
+              <a:rPr lang="en-GB" sz="1800" noProof="0" dirty="0">
                 <a:latin typeface="Consolas" panose="020B0609020204030204" pitchFamily="49" charset="0"/>
               </a:rPr>
               <a:t>pd = </a:t>
             </a:r>
             <a:r>
-              <a:rPr lang="en-GB" sz="1800" dirty="0" err="1">
+              <a:rPr lang="en-GB" sz="1800" noProof="0" dirty="0" err="1">
                 <a:latin typeface="Consolas" panose="020B0609020204030204" pitchFamily="49" charset="0"/>
               </a:rPr>
               <a:t>Bell_unfold_probability</a:t>
             </a:r>
             <a:r>
-              <a:rPr lang="en-GB" sz="1800" dirty="0">
+              <a:rPr lang="en-GB" sz="1800" noProof="0" dirty="0">
                 <a:latin typeface="Consolas" panose="020B0609020204030204" pitchFamily="49" charset="0"/>
               </a:rPr>
               <a:t>(</a:t>
             </a:r>
             <a:r>
-              <a:rPr lang="en-GB" sz="1800" dirty="0" err="1">
+              <a:rPr lang="en-GB" sz="1800" noProof="0" dirty="0" err="1">
                 <a:latin typeface="Consolas" panose="020B0609020204030204" pitchFamily="49" charset="0"/>
               </a:rPr>
               <a:t>theta,F_plot,Tmean,Fdotmean</a:t>
             </a:r>
             <a:r>
-              <a:rPr lang="en-GB" sz="1800" dirty="0">
+              <a:rPr lang="en-GB" sz="1800" noProof="0" dirty="0">
                 <a:latin typeface="Consolas" panose="020B0609020204030204" pitchFamily="49" charset="0"/>
               </a:rPr>
               <a:t>);</a:t>
@@ -9893,7 +10030,7 @@
           <a:p>
             <a:pPr lvl="1"/>
             <a:r>
-              <a:rPr lang="en-GB" sz="1800" dirty="0">
+              <a:rPr lang="en-GB" sz="1800" noProof="0" dirty="0">
                 <a:latin typeface="Consolas" panose="020B0609020204030204" pitchFamily="49" charset="0"/>
               </a:rPr>
               <a:t>hold on;</a:t>
@@ -9902,7 +10039,7 @@
           <a:p>
             <a:pPr lvl="1"/>
             <a:r>
-              <a:rPr lang="en-GB" sz="1800" dirty="0">
+              <a:rPr lang="en-GB" sz="1800" noProof="0" dirty="0">
                 <a:latin typeface="Consolas" panose="020B0609020204030204" pitchFamily="49" charset="0"/>
               </a:rPr>
               <a:t>plot(F_plot,pd,'r','linewidth',2);</a:t>
@@ -9910,32 +10047,32 @@
           </a:p>
           <a:p>
             <a:r>
-              <a:rPr lang="en-GB" dirty="0"/>
+              <a:rPr lang="en-GB" noProof="0" dirty="0"/>
               <a:t>Add info to the plot:</a:t>
             </a:r>
           </a:p>
           <a:p>
             <a:pPr lvl="1"/>
             <a:r>
-              <a:rPr lang="en-GB" sz="1800" dirty="0" err="1">
+              <a:rPr lang="en-GB" sz="1800" noProof="0" dirty="0" err="1">
                 <a:latin typeface="Consolas" panose="020B0609020204030204" pitchFamily="49" charset="0"/>
               </a:rPr>
               <a:t>xlabel</a:t>
             </a:r>
             <a:r>
-              <a:rPr lang="en-GB" sz="1800" dirty="0">
+              <a:rPr lang="en-GB" sz="1800" noProof="0" dirty="0">
                 <a:latin typeface="Consolas" panose="020B0609020204030204" pitchFamily="49" charset="0"/>
               </a:rPr>
               <a:t>("Force (</a:t>
             </a:r>
             <a:r>
-              <a:rPr lang="en-GB" sz="1800" dirty="0" err="1">
+              <a:rPr lang="en-GB" sz="1800" noProof="0" dirty="0" err="1">
                 <a:latin typeface="Consolas" panose="020B0609020204030204" pitchFamily="49" charset="0"/>
               </a:rPr>
               <a:t>pN</a:t>
             </a:r>
             <a:r>
-              <a:rPr lang="en-GB" sz="1800" dirty="0">
+              <a:rPr lang="en-GB" sz="1800" noProof="0" dirty="0">
                 <a:latin typeface="Consolas" panose="020B0609020204030204" pitchFamily="49" charset="0"/>
               </a:rPr>
               <a:t>)")</a:t>
@@ -9944,25 +10081,25 @@
           <a:p>
             <a:pPr lvl="1"/>
             <a:r>
-              <a:rPr lang="en-GB" sz="1800" dirty="0" err="1">
+              <a:rPr lang="en-GB" sz="1800" noProof="0" dirty="0" err="1">
                 <a:latin typeface="Consolas" panose="020B0609020204030204" pitchFamily="49" charset="0"/>
               </a:rPr>
               <a:t>ylabel</a:t>
             </a:r>
             <a:r>
-              <a:rPr lang="en-GB" sz="1800" dirty="0">
+              <a:rPr lang="en-GB" sz="1800" noProof="0" dirty="0">
                 <a:latin typeface="Consolas" panose="020B0609020204030204" pitchFamily="49" charset="0"/>
               </a:rPr>
               <a:t>("Probability density (</a:t>
             </a:r>
             <a:r>
-              <a:rPr lang="en-GB" sz="1800" dirty="0" err="1">
+              <a:rPr lang="en-GB" sz="1800" noProof="0" dirty="0" err="1">
                 <a:latin typeface="Consolas" panose="020B0609020204030204" pitchFamily="49" charset="0"/>
               </a:rPr>
               <a:t>pN</a:t>
             </a:r>
             <a:r>
-              <a:rPr lang="en-GB" sz="1800" dirty="0">
+              <a:rPr lang="en-GB" sz="1800" noProof="0" dirty="0">
                 <a:latin typeface="Consolas" panose="020B0609020204030204" pitchFamily="49" charset="0"/>
               </a:rPr>
               <a:t>^-^1)")</a:t>
@@ -9971,19 +10108,19 @@
           <a:p>
             <a:pPr lvl="1"/>
             <a:r>
-              <a:rPr lang="en-GB" sz="1800" dirty="0">
+              <a:rPr lang="en-GB" sz="1800" noProof="0" dirty="0">
                 <a:latin typeface="Consolas" panose="020B0609020204030204" pitchFamily="49" charset="0"/>
               </a:rPr>
               <a:t>title("Probability density for T&gt;20\</a:t>
             </a:r>
             <a:r>
-              <a:rPr lang="en-GB" sz="1800" dirty="0" err="1">
+              <a:rPr lang="en-GB" sz="1800" noProof="0" dirty="0" err="1">
                 <a:latin typeface="Consolas" panose="020B0609020204030204" pitchFamily="49" charset="0"/>
               </a:rPr>
               <a:t>circC</a:t>
             </a:r>
             <a:r>
-              <a:rPr lang="en-GB" sz="1800" dirty="0">
+              <a:rPr lang="en-GB" sz="1800" noProof="0" dirty="0">
                 <a:latin typeface="Consolas" panose="020B0609020204030204" pitchFamily="49" charset="0"/>
               </a:rPr>
               <a:t>") </a:t>
@@ -9992,47 +10129,47 @@
           <a:p>
             <a:pPr lvl="1"/>
             <a:r>
-              <a:rPr lang="en-GB" sz="1800" dirty="0">
+              <a:rPr lang="en-GB" sz="1800" noProof="0" dirty="0">
                 <a:latin typeface="Consolas" panose="020B0609020204030204" pitchFamily="49" charset="0"/>
               </a:rPr>
               <a:t>legend("</a:t>
             </a:r>
             <a:r>
-              <a:rPr lang="en-GB" sz="1800" dirty="0" err="1">
+              <a:rPr lang="en-GB" sz="1800" noProof="0" dirty="0" err="1">
                 <a:latin typeface="Consolas" panose="020B0609020204030204" pitchFamily="49" charset="0"/>
               </a:rPr>
               <a:t>Observed","Bell</a:t>
             </a:r>
             <a:r>
-              <a:rPr lang="en-GB" sz="1800" dirty="0">
+              <a:rPr lang="en-GB" sz="1800" noProof="0" dirty="0">
                 <a:latin typeface="Consolas" panose="020B0609020204030204" pitchFamily="49" charset="0"/>
               </a:rPr>
               <a:t> </a:t>
             </a:r>
             <a:r>
-              <a:rPr lang="en-GB" sz="1800" dirty="0" err="1">
+              <a:rPr lang="en-GB" sz="1800" noProof="0" dirty="0" err="1">
                 <a:latin typeface="Consolas" panose="020B0609020204030204" pitchFamily="49" charset="0"/>
               </a:rPr>
               <a:t>model","location","northwest</a:t>
             </a:r>
             <a:r>
-              <a:rPr lang="en-GB" sz="1800" dirty="0">
+              <a:rPr lang="en-GB" sz="1800" noProof="0" dirty="0">
                 <a:latin typeface="Consolas" panose="020B0609020204030204" pitchFamily="49" charset="0"/>
               </a:rPr>
               <a:t>")</a:t>
             </a:r>
-            <a:endParaRPr lang="en-GB" sz="2800" dirty="0"/>
+            <a:endParaRPr lang="en-GB" sz="2800" noProof="0" dirty="0"/>
           </a:p>
           <a:p>
             <a:pPr lvl="1"/>
-            <a:endParaRPr lang="en-GB" sz="1800" b="0" i="0" dirty="0">
+            <a:endParaRPr lang="en-GB" sz="1800" b="0" i="0" noProof="0" dirty="0">
               <a:effectLst/>
               <a:latin typeface="Menlo"/>
             </a:endParaRPr>
           </a:p>
           <a:p>
             <a:pPr lvl="1"/>
-            <a:endParaRPr lang="en-GB" dirty="0"/>
+            <a:endParaRPr lang="en-GB" noProof="0" dirty="0"/>
           </a:p>
         </p:txBody>
       </p:sp>
@@ -10141,7 +10278,7 @@
 </p:sld>
 </file>
 
-<file path=ppt/slides/slide26.xml><?xml version="1.0" encoding="utf-8"?>
+<file path=ppt/slides/slide27.xml><?xml version="1.0" encoding="utf-8"?>
 <p:sld xmlns:a="http://schemas.openxmlformats.org/drawingml/2006/main" xmlns:r="http://schemas.openxmlformats.org/officeDocument/2006/relationships" xmlns:p="http://schemas.openxmlformats.org/presentationml/2006/main">
   <p:cSld>
     <p:spTree>
@@ -10158,12 +10295,80 @@
           <a:chExt cx="0" cy="0"/>
         </a:xfrm>
       </p:grpSpPr>
+      <p:sp>
+        <p:nvSpPr>
+          <p:cNvPr id="2" name="Title 1">
+            <a:extLst>
+              <a:ext uri="{FF2B5EF4-FFF2-40B4-BE49-F238E27FC236}">
+                <a16:creationId xmlns:a16="http://schemas.microsoft.com/office/drawing/2014/main" id="{0D248F14-6C54-FCA6-54D6-A81C807C544D}"/>
+              </a:ext>
+            </a:extLst>
+          </p:cNvPr>
+          <p:cNvSpPr>
+            <a:spLocks noGrp="1"/>
+          </p:cNvSpPr>
+          <p:nvPr>
+            <p:ph type="title"/>
+          </p:nvPr>
+        </p:nvSpPr>
+        <p:spPr/>
+        <p:txBody>
+          <a:bodyPr/>
+          <a:lstStyle/>
+          <a:p>
+            <a:r>
+              <a:rPr lang="en-GB" noProof="0" dirty="0"/>
+              <a:t>Inspecting the result</a:t>
+            </a:r>
+            <a:endParaRPr lang="en-GB" dirty="0"/>
+          </a:p>
+        </p:txBody>
+      </p:sp>
+      <p:sp>
+        <p:nvSpPr>
+          <p:cNvPr id="3" name="Content Placeholder 2">
+            <a:extLst>
+              <a:ext uri="{FF2B5EF4-FFF2-40B4-BE49-F238E27FC236}">
+                <a16:creationId xmlns:a16="http://schemas.microsoft.com/office/drawing/2014/main" id="{80CDC13B-4DDC-6225-5F6D-3C645A78A38B}"/>
+              </a:ext>
+            </a:extLst>
+          </p:cNvPr>
+          <p:cNvSpPr>
+            <a:spLocks noGrp="1"/>
+          </p:cNvSpPr>
+          <p:nvPr>
+            <p:ph idx="1"/>
+          </p:nvPr>
+        </p:nvSpPr>
+        <p:spPr>
+          <a:xfrm>
+            <a:off x="838200" y="1825625"/>
+            <a:ext cx="3943350" cy="4351338"/>
+          </a:xfrm>
+        </p:spPr>
+        <p:txBody>
+          <a:bodyPr/>
+          <a:lstStyle/>
+          <a:p>
+            <a:r>
+              <a:rPr lang="en-GB" dirty="0"/>
+              <a:t>The curve is a good fit to the data</a:t>
+            </a:r>
+          </a:p>
+          <a:p>
+            <a:r>
+              <a:rPr lang="en-GB" dirty="0"/>
+              <a:t>If initial parameter guesses are bad, the red curve is usually close to zero.</a:t>
+            </a:r>
+          </a:p>
+        </p:txBody>
+      </p:sp>
       <p:pic>
         <p:nvPicPr>
-          <p:cNvPr id="3" name="Picture 2">
+          <p:cNvPr id="5" name="Picture 4">
             <a:extLst>
               <a:ext uri="{FF2B5EF4-FFF2-40B4-BE49-F238E27FC236}">
-                <a16:creationId xmlns:a16="http://schemas.microsoft.com/office/drawing/2014/main" id="{CDB19271-C3D3-82C0-BF5C-D9E169CA0A6A}"/>
+                <a16:creationId xmlns:a16="http://schemas.microsoft.com/office/drawing/2014/main" id="{C6D2940A-362F-6F32-D11B-B2C033162F81}"/>
               </a:ext>
             </a:extLst>
           </p:cNvPr>
@@ -10180,8 +10385,8 @@
         </p:blipFill>
         <p:spPr>
           <a:xfrm>
-            <a:off x="2762250" y="928687"/>
-            <a:ext cx="5735575" cy="4301681"/>
+            <a:off x="5334000" y="1109662"/>
+            <a:ext cx="6667500" cy="5000625"/>
           </a:xfrm>
           <a:prstGeom prst="rect">
             <a:avLst/>
@@ -10190,10 +10395,10 @@
       </p:pic>
       <p:sp>
         <p:nvSpPr>
-          <p:cNvPr id="4" name="TextBox 3">
+          <p:cNvPr id="8" name="TextBox 7">
             <a:extLst>
               <a:ext uri="{FF2B5EF4-FFF2-40B4-BE49-F238E27FC236}">
-                <a16:creationId xmlns:a16="http://schemas.microsoft.com/office/drawing/2014/main" id="{C62A7128-1DBC-BFAC-CC67-A88E5148F19A}"/>
+                <a16:creationId xmlns:a16="http://schemas.microsoft.com/office/drawing/2014/main" id="{E092D3C1-7E3D-5AEC-19CC-9DF8141A1262}"/>
               </a:ext>
             </a:extLst>
           </p:cNvPr>
@@ -10202,7 +10407,7 @@
         </p:nvSpPr>
         <p:spPr>
           <a:xfrm>
-            <a:off x="694944" y="5586984"/>
+            <a:off x="694944" y="6263259"/>
             <a:ext cx="9793224" cy="369332"/>
           </a:xfrm>
           <a:prstGeom prst="rect">
@@ -10234,7 +10439,7 @@
     </p:spTree>
     <p:extLst>
       <p:ext uri="{BB962C8B-B14F-4D97-AF65-F5344CB8AC3E}">
-        <p14:creationId xmlns:p14="http://schemas.microsoft.com/office/powerpoint/2010/main" val="1709394417"/>
+        <p14:creationId xmlns:p14="http://schemas.microsoft.com/office/powerpoint/2010/main" val="3013525236"/>
       </p:ext>
     </p:extLst>
   </p:cSld>
@@ -10244,7 +10449,7 @@
 </p:sld>
 </file>
 
-<file path=ppt/slides/slide27.xml><?xml version="1.0" encoding="utf-8"?>
+<file path=ppt/slides/slide28.xml><?xml version="1.0" encoding="utf-8"?>
 <p:sld xmlns:a="http://schemas.openxmlformats.org/drawingml/2006/main" xmlns:r="http://schemas.openxmlformats.org/officeDocument/2006/relationships" xmlns:p="http://schemas.openxmlformats.org/presentationml/2006/main">
   <p:cSld>
     <p:spTree>
@@ -10283,7 +10488,7 @@
           <a:lstStyle/>
           <a:p>
             <a:r>
-              <a:rPr lang="en-GB" dirty="0"/>
+              <a:rPr lang="en-GB" noProof="0" dirty="0"/>
               <a:t>Units</a:t>
             </a:r>
           </a:p>
@@ -10311,166 +10516,170 @@
           <a:lstStyle/>
           <a:p>
             <a:r>
+              <a:rPr lang="en-GB" noProof="0" dirty="0"/>
+              <a:t>Optical Tweezers experiments require some special units:</a:t>
+            </a:r>
+          </a:p>
+          <a:p>
+            <a:r>
+              <a:rPr lang="en-GB" noProof="0" dirty="0"/>
+              <a:t>Length: nm = 10</a:t>
+            </a:r>
+            <a:r>
+              <a:rPr lang="en-GB" baseline="30000" noProof="0" dirty="0"/>
+              <a:t>-9</a:t>
+            </a:r>
+            <a:r>
+              <a:rPr lang="en-GB" noProof="0" dirty="0"/>
+              <a:t>m</a:t>
+            </a:r>
+          </a:p>
+          <a:p>
+            <a:r>
+              <a:rPr lang="en-GB" noProof="0" dirty="0"/>
+              <a:t>Force: </a:t>
+            </a:r>
+            <a:r>
+              <a:rPr lang="en-GB" noProof="0" dirty="0" err="1"/>
+              <a:t>pN</a:t>
+            </a:r>
+            <a:r>
+              <a:rPr lang="en-GB" noProof="0" dirty="0"/>
+              <a:t> = 10</a:t>
+            </a:r>
+            <a:r>
+              <a:rPr lang="en-GB" baseline="30000" noProof="0" dirty="0"/>
+              <a:t>-12</a:t>
+            </a:r>
+            <a:r>
+              <a:rPr lang="en-GB" noProof="0" dirty="0"/>
+              <a:t>N</a:t>
+            </a:r>
+          </a:p>
+          <a:p>
+            <a:r>
+              <a:rPr lang="en-GB" noProof="0" dirty="0"/>
+              <a:t>Energy per molecule: </a:t>
+            </a:r>
+            <a:r>
+              <a:rPr lang="en-GB" noProof="0" dirty="0" err="1"/>
+              <a:t>nm·pN</a:t>
+            </a:r>
+            <a:r>
+              <a:rPr lang="en-GB" noProof="0" dirty="0"/>
+              <a:t> = 10</a:t>
+            </a:r>
+            <a:r>
+              <a:rPr lang="en-GB" baseline="30000" noProof="0" dirty="0"/>
+              <a:t>-21</a:t>
+            </a:r>
+            <a:r>
+              <a:rPr lang="en-GB" noProof="0" dirty="0"/>
+              <a:t>J = 1zJ</a:t>
+            </a:r>
+            <a:r>
               <a:rPr lang="en-GB" dirty="0"/>
-              <a:t>Optical Tweezers experiments require some special units:</a:t>
-            </a:r>
-          </a:p>
-          <a:p>
-            <a:r>
-              <a:rPr lang="en-GB" dirty="0"/>
-              <a:t>Length: nm = 10</a:t>
-            </a:r>
-            <a:r>
-              <a:rPr lang="en-GB" baseline="30000" dirty="0"/>
-              <a:t>-9</a:t>
-            </a:r>
-            <a:r>
-              <a:rPr lang="en-GB" dirty="0"/>
-              <a:t>m</a:t>
-            </a:r>
-          </a:p>
-          <a:p>
-            <a:r>
-              <a:rPr lang="en-GB" dirty="0"/>
-              <a:t>Force: </a:t>
-            </a:r>
-            <a:r>
-              <a:rPr lang="en-GB" dirty="0" err="1"/>
-              <a:t>pN</a:t>
-            </a:r>
-            <a:r>
-              <a:rPr lang="en-GB" dirty="0"/>
-              <a:t> = 10</a:t>
-            </a:r>
-            <a:r>
-              <a:rPr lang="en-GB" baseline="30000" dirty="0"/>
-              <a:t>-12</a:t>
-            </a:r>
-            <a:r>
-              <a:rPr lang="en-GB" dirty="0"/>
-              <a:t>N</a:t>
-            </a:r>
-          </a:p>
-          <a:p>
-            <a:r>
-              <a:rPr lang="en-GB" dirty="0"/>
-              <a:t>Energy per molecule: </a:t>
-            </a:r>
-            <a:r>
-              <a:rPr lang="en-GB" dirty="0" err="1"/>
-              <a:t>nm·pN</a:t>
-            </a:r>
-            <a:r>
-              <a:rPr lang="en-GB" dirty="0"/>
-              <a:t> = </a:t>
-            </a:r>
-            <a:r>
-              <a:rPr lang="en-GB" dirty="0" err="1"/>
-              <a:t>zJ</a:t>
-            </a:r>
-            <a:r>
-              <a:rPr lang="en-GB" dirty="0"/>
-              <a:t> = 10</a:t>
-            </a:r>
-            <a:r>
-              <a:rPr lang="en-GB" baseline="30000" dirty="0"/>
-              <a:t>-21</a:t>
-            </a:r>
-            <a:r>
-              <a:rPr lang="en-GB" dirty="0"/>
-              <a:t>J</a:t>
-            </a:r>
-          </a:p>
-          <a:p>
-            <a:r>
-              <a:rPr lang="en-GB" dirty="0"/>
+              <a:t> (</a:t>
+            </a:r>
+            <a:r>
+              <a:rPr lang="en-GB"/>
+              <a:t>zettaJoule</a:t>
+            </a:r>
+            <a:r>
+              <a:rPr lang="en-GB" noProof="0" dirty="0"/>
+              <a:t>)</a:t>
+            </a:r>
+          </a:p>
+          <a:p>
+            <a:r>
+              <a:rPr lang="en-GB" noProof="0" dirty="0"/>
               <a:t>Avogadro constant: N</a:t>
             </a:r>
             <a:r>
-              <a:rPr lang="en-GB" baseline="-25000" dirty="0"/>
+              <a:rPr lang="en-GB" baseline="-25000" noProof="0" dirty="0"/>
               <a:t>A</a:t>
             </a:r>
             <a:r>
-              <a:rPr lang="en-GB" dirty="0"/>
+              <a:rPr lang="en-GB" noProof="0" dirty="0"/>
               <a:t> = 6.02214 </a:t>
             </a:r>
             <a:r>
-              <a:rPr lang="en-GB" dirty="0">
+              <a:rPr lang="en-GB" noProof="0" dirty="0">
                 <a:effectLst/>
               </a:rPr>
               <a:t>×</a:t>
             </a:r>
             <a:r>
-              <a:rPr lang="en-GB" dirty="0"/>
+              <a:rPr lang="en-GB" noProof="0" dirty="0"/>
               <a:t>10</a:t>
             </a:r>
             <a:r>
-              <a:rPr lang="en-GB" baseline="30000" dirty="0"/>
+              <a:rPr lang="en-GB" baseline="30000" noProof="0" dirty="0"/>
               <a:t>23 </a:t>
             </a:r>
             <a:r>
-              <a:rPr lang="en-GB" dirty="0"/>
+              <a:rPr lang="en-GB" noProof="0" dirty="0"/>
               <a:t>molecules/mol</a:t>
             </a:r>
           </a:p>
           <a:p>
             <a:r>
-              <a:rPr lang="en-GB" dirty="0"/>
+              <a:rPr lang="en-GB" noProof="0" dirty="0"/>
               <a:t>Energy per mol: 1nm·pN · N</a:t>
             </a:r>
             <a:r>
-              <a:rPr lang="en-GB" baseline="-25000" dirty="0"/>
+              <a:rPr lang="en-GB" baseline="-25000" noProof="0" dirty="0"/>
               <a:t>A</a:t>
             </a:r>
             <a:r>
-              <a:rPr lang="en-GB" dirty="0"/>
+              <a:rPr lang="en-GB" noProof="0" dirty="0"/>
               <a:t>= 602.214J/mol</a:t>
             </a:r>
             <a:br>
-              <a:rPr lang="en-GB" dirty="0"/>
+              <a:rPr lang="en-GB" noProof="0" dirty="0"/>
             </a:br>
             <a:r>
-              <a:rPr lang="en-GB" dirty="0"/>
+              <a:rPr lang="en-GB" noProof="0" dirty="0"/>
               <a:t>= 602.214 (J/mol) / 4184J/kcal = 0.1439 kcal/mol</a:t>
             </a:r>
           </a:p>
           <a:p>
             <a:r>
-              <a:rPr lang="en-GB" dirty="0"/>
+              <a:rPr lang="en-GB" noProof="0" dirty="0"/>
               <a:t>Boltzmann constant: k</a:t>
             </a:r>
             <a:r>
-              <a:rPr lang="en-GB" baseline="-25000" dirty="0"/>
+              <a:rPr lang="en-GB" baseline="-25000" noProof="0" dirty="0"/>
               <a:t>B</a:t>
             </a:r>
             <a:r>
-              <a:rPr lang="en-GB" dirty="0"/>
+              <a:rPr lang="en-GB" noProof="0" dirty="0"/>
               <a:t> = 1.381 J</a:t>
             </a:r>
             <a:r>
-              <a:rPr lang="en-GB" dirty="0">
+              <a:rPr lang="en-GB" noProof="0" dirty="0">
                 <a:effectLst/>
               </a:rPr>
               <a:t> ×</a:t>
             </a:r>
             <a:r>
-              <a:rPr lang="en-GB" dirty="0"/>
+              <a:rPr lang="en-GB" noProof="0" dirty="0"/>
               <a:t>10</a:t>
             </a:r>
             <a:r>
-              <a:rPr lang="en-GB" baseline="30000" dirty="0"/>
+              <a:rPr lang="en-GB" baseline="30000" noProof="0" dirty="0"/>
               <a:t>-23</a:t>
             </a:r>
             <a:r>
-              <a:rPr lang="en-GB" dirty="0"/>
+              <a:rPr lang="en-GB" noProof="0" dirty="0"/>
               <a:t>J/K = 0.01381 </a:t>
             </a:r>
             <a:r>
-              <a:rPr lang="en-GB" dirty="0" err="1"/>
+              <a:rPr lang="en-GB" noProof="0" dirty="0" err="1"/>
               <a:t>nm·pN</a:t>
             </a:r>
             <a:r>
-              <a:rPr lang="en-GB" dirty="0"/>
+              <a:rPr lang="en-GB" noProof="0" dirty="0"/>
               <a:t> /K</a:t>
             </a:r>
           </a:p>
@@ -10528,7 +10737,7 @@
           <a:lstStyle/>
           <a:p>
             <a:r>
-              <a:rPr lang="en-GB" dirty="0"/>
+              <a:rPr lang="en-GB" noProof="0" dirty="0"/>
               <a:t>Rip and zip probability </a:t>
             </a:r>
           </a:p>
@@ -10560,33 +10769,33 @@
               <a:lstStyle/>
               <a:p>
                 <a:r>
-                  <a:rPr lang="en-GB" dirty="0"/>
-                  <a:t>The rip does not occur at the same pulling force each time</a:t>
+                  <a:rPr lang="en-GB" noProof="0" dirty="0"/>
+                  <a:t>The rip does not occur at the same pulling force every time</a:t>
                 </a:r>
               </a:p>
               <a:p>
                 <a:r>
-                  <a:rPr lang="en-GB" dirty="0"/>
+                  <a:rPr lang="en-GB" noProof="0" dirty="0"/>
                   <a:t>This is due to thermal fluctuations</a:t>
                 </a:r>
               </a:p>
               <a:p>
                 <a:r>
-                  <a:rPr lang="en-GB" dirty="0"/>
+                  <a:rPr lang="en-GB" noProof="0" dirty="0"/>
                   <a:t>We assume that the </a:t>
                 </a:r>
                 <a:r>
-                  <a:rPr lang="en-GB" b="1" dirty="0"/>
+                  <a:rPr lang="en-GB" b="1" noProof="0" dirty="0"/>
                   <a:t>rip probability per unit time </a:t>
                 </a:r>
                 <a:r>
-                  <a:rPr lang="en-GB" dirty="0"/>
+                  <a:rPr lang="en-GB" noProof="0" dirty="0"/>
                   <a:t>is a function of pulling force</a:t>
                 </a:r>
               </a:p>
               <a:p>
                 <a:r>
-                  <a:rPr lang="en-GB" dirty="0"/>
+                  <a:rPr lang="en-GB" noProof="0" dirty="0"/>
                   <a:t>If the force increases at a steady rate (</a:t>
                 </a:r>
                 <a14:m>
@@ -10594,14 +10803,14 @@
                     <m:f>
                       <m:fPr>
                         <m:ctrlPr>
-                          <a:rPr lang="en-GB" b="0" i="1" smtClean="0">
+                          <a:rPr lang="en-GB" b="0" i="1" noProof="0" smtClean="0">
                             <a:latin typeface="Cambria Math" panose="02040503050406030204" pitchFamily="18" charset="0"/>
                           </a:rPr>
                         </m:ctrlPr>
                       </m:fPr>
                       <m:num>
                         <m:r>
-                          <a:rPr lang="en-GB" b="0" i="1" smtClean="0">
+                          <a:rPr lang="en-GB" b="0" i="1" noProof="0" smtClean="0">
                             <a:latin typeface="Cambria Math" panose="02040503050406030204" pitchFamily="18" charset="0"/>
                           </a:rPr>
                           <m:t>𝑑𝑓</m:t>
@@ -10609,7 +10818,7 @@
                       </m:num>
                       <m:den>
                         <m:r>
-                          <a:rPr lang="en-GB" b="0" i="1" smtClean="0">
+                          <a:rPr lang="en-GB" b="0" i="1" noProof="0" smtClean="0">
                             <a:latin typeface="Cambria Math" panose="02040503050406030204" pitchFamily="18" charset="0"/>
                           </a:rPr>
                           <m:t>𝑑𝑡</m:t>
@@ -10617,7 +10826,7 @@
                       </m:den>
                     </m:f>
                     <m:r>
-                      <a:rPr lang="en-GB" b="0" i="1" smtClean="0">
+                      <a:rPr lang="en-GB" b="0" i="1" noProof="0" smtClean="0">
                         <a:latin typeface="Cambria Math" panose="02040503050406030204" pitchFamily="18" charset="0"/>
                         <a:ea typeface="Cambria Math" panose="02040503050406030204" pitchFamily="18" charset="0"/>
                       </a:rPr>
@@ -10627,14 +10836,14 @@
                       <m:accPr>
                         <m:chr m:val="̇"/>
                         <m:ctrlPr>
-                          <a:rPr lang="en-GB" b="0" i="1" smtClean="0">
+                          <a:rPr lang="en-GB" b="0" i="1" noProof="0" smtClean="0">
                             <a:latin typeface="Cambria Math" panose="02040503050406030204" pitchFamily="18" charset="0"/>
                           </a:rPr>
                         </m:ctrlPr>
                       </m:accPr>
                       <m:e>
                         <m:r>
-                          <a:rPr lang="en-GB" b="0" i="1" smtClean="0">
+                          <a:rPr lang="en-GB" b="0" i="1" noProof="0" smtClean="0">
                             <a:latin typeface="Cambria Math" panose="02040503050406030204" pitchFamily="18" charset="0"/>
                           </a:rPr>
                           <m:t>𝑓</m:t>
@@ -10642,13 +10851,13 @@
                       </m:e>
                     </m:acc>
                     <m:r>
-                      <a:rPr lang="en-GB" b="0" i="1" smtClean="0">
+                      <a:rPr lang="en-GB" b="0" i="1" noProof="0" smtClean="0">
                         <a:latin typeface="Cambria Math" panose="02040503050406030204" pitchFamily="18" charset="0"/>
                       </a:rPr>
                       <m:t>=</m:t>
                     </m:r>
                     <m:r>
-                      <a:rPr lang="en-GB" b="0" i="1" smtClean="0">
+                      <a:rPr lang="en-GB" b="0" i="1" noProof="0" smtClean="0">
                         <a:latin typeface="Cambria Math" panose="02040503050406030204" pitchFamily="18" charset="0"/>
                       </a:rPr>
                       <m:t>𝑐𝑜𝑛𝑠𝑡𝑎𝑛𝑡</m:t>
@@ -10656,39 +10865,39 @@
                   </m:oMath>
                 </a14:m>
                 <a:r>
-                  <a:rPr lang="en-GB" dirty="0"/>
+                  <a:rPr lang="en-GB" noProof="0" dirty="0"/>
                   <a:t>) the </a:t>
                 </a:r>
                 <a:r>
-                  <a:rPr lang="en-GB" b="1" dirty="0"/>
+                  <a:rPr lang="en-GB" b="1" noProof="0" dirty="0"/>
                   <a:t>rip probability per unit force</a:t>
                 </a:r>
                 <a:r>
-                  <a:rPr lang="en-GB" dirty="0"/>
+                  <a:rPr lang="en-GB" noProof="0" dirty="0"/>
                   <a:t> is a function of force </a:t>
                 </a:r>
                 <a14:m>
                   <m:oMath xmlns:m="http://schemas.openxmlformats.org/officeDocument/2006/math">
                     <m:r>
-                      <a:rPr lang="en-GB" b="0" i="1" smtClean="0">
+                      <a:rPr lang="en-GB" b="0" i="1" noProof="0" smtClean="0">
                         <a:latin typeface="Cambria Math" panose="02040503050406030204" pitchFamily="18" charset="0"/>
                       </a:rPr>
                       <m:t>𝑝</m:t>
                     </m:r>
                     <m:r>
-                      <a:rPr lang="en-GB" b="0" i="1" smtClean="0">
+                      <a:rPr lang="en-GB" b="0" i="1" noProof="0" smtClean="0">
                         <a:latin typeface="Cambria Math" panose="02040503050406030204" pitchFamily="18" charset="0"/>
                       </a:rPr>
                       <m:t>(</m:t>
                     </m:r>
                     <m:r>
-                      <a:rPr lang="en-GB" b="0" i="1" smtClean="0">
+                      <a:rPr lang="en-GB" b="0" i="1" noProof="0" smtClean="0">
                         <a:latin typeface="Cambria Math" panose="02040503050406030204" pitchFamily="18" charset="0"/>
                       </a:rPr>
                       <m:t>𝑓</m:t>
                     </m:r>
                     <m:r>
-                      <a:rPr lang="en-GB" b="0" i="1" smtClean="0">
+                      <a:rPr lang="en-GB" b="0" i="1" noProof="0" smtClean="0">
                         <a:latin typeface="Cambria Math" panose="02040503050406030204" pitchFamily="18" charset="0"/>
                       </a:rPr>
                       <m:t>)</m:t>
@@ -10696,13 +10905,13 @@
                   </m:oMath>
                 </a14:m>
                 <a:r>
-                  <a:rPr lang="en-GB" dirty="0"/>
+                  <a:rPr lang="en-GB" noProof="0" dirty="0"/>
                   <a:t>.</a:t>
                 </a:r>
               </a:p>
               <a:p>
                 <a:r>
-                  <a:rPr lang="en-GB" dirty="0"/>
+                  <a:rPr lang="en-GB" noProof="0" dirty="0"/>
                   <a:t>This is called the rip probability density</a:t>
                 </a:r>
               </a:p>
@@ -10802,14 +11011,14 @@
           <a:p>
             <a:pPr algn="ctr"/>
             <a:r>
-              <a:rPr lang="en-GB" dirty="0"/>
+              <a:rPr lang="en-GB" noProof="0" dirty="0"/>
               <a:t>Experimental rip/zip probability estimates </a:t>
             </a:r>
             <a:br>
-              <a:rPr lang="en-GB" dirty="0"/>
+              <a:rPr lang="en-GB" noProof="0" dirty="0"/>
             </a:br>
             <a:r>
-              <a:rPr lang="en-GB" sz="3600" dirty="0"/>
+              <a:rPr lang="en-GB" sz="3600" noProof="0" dirty="0"/>
               <a:t>per unit force</a:t>
             </a:r>
           </a:p>
@@ -10842,19 +11051,19 @@
           <a:lstStyle/>
           <a:p>
             <a:r>
-              <a:rPr lang="en-GB" dirty="0"/>
+              <a:rPr lang="en-GB" noProof="0" dirty="0"/>
               <a:t>If we have recorded the rip force for many events with similar parameters, we can count the number of rips inside force intervals (force bins) and create a histogram.</a:t>
             </a:r>
           </a:p>
           <a:p>
             <a:r>
-              <a:rPr lang="en-GB" dirty="0"/>
+              <a:rPr lang="en-GB" noProof="0" dirty="0"/>
               <a:t>Dividing the number in each bin by the total we get an estimate of the probability density</a:t>
             </a:r>
           </a:p>
           <a:p>
             <a:r>
-              <a:rPr lang="en-GB" dirty="0"/>
+              <a:rPr lang="en-GB" noProof="0" dirty="0"/>
               <a:t>The models take this density as input</a:t>
             </a:r>
           </a:p>
@@ -10972,7 +11181,7 @@
           <a:lstStyle/>
           <a:p>
             <a:r>
-              <a:rPr lang="en-GB" dirty="0"/>
+              <a:rPr lang="en-GB" noProof="0" dirty="0"/>
               <a:t>Modelling of protein unfolding</a:t>
             </a:r>
           </a:p>
@@ -11002,54 +11211,54 @@
               <a:lstStyle/>
               <a:p>
                 <a:r>
-                  <a:rPr lang="en-GB" dirty="0"/>
+                  <a:rPr lang="en-GB" noProof="0" dirty="0"/>
                   <a:t>Models use very simplified descriptions of the protein.</a:t>
                 </a:r>
               </a:p>
               <a:p>
                 <a:r>
-                  <a:rPr lang="en-GB" dirty="0"/>
+                  <a:rPr lang="en-GB" noProof="0" dirty="0"/>
                   <a:t>Most models assume:</a:t>
                 </a:r>
               </a:p>
               <a:p>
                 <a:pPr lvl="1"/>
                 <a:r>
-                  <a:rPr lang="en-GB" dirty="0"/>
+                  <a:rPr lang="en-GB" noProof="0" dirty="0"/>
                   <a:t>An energy barrier exists between the folded and the unfolded forms</a:t>
                 </a:r>
               </a:p>
               <a:p>
                 <a:pPr lvl="1"/>
                 <a:r>
-                  <a:rPr lang="en-GB" dirty="0"/>
+                  <a:rPr lang="en-GB" noProof="0" dirty="0"/>
                   <a:t>Pulling increases the energy of the protein</a:t>
                 </a:r>
               </a:p>
               <a:p>
                 <a:pPr lvl="1"/>
                 <a:r>
-                  <a:rPr lang="en-GB" dirty="0"/>
+                  <a:rPr lang="en-GB" noProof="0" dirty="0"/>
                   <a:t>The closer the energy is to the barrier value the higher is the probability that thermal fluctuations will supply an extra kick to push the protein over the barrier</a:t>
                 </a:r>
               </a:p>
               <a:p>
                 <a:pPr lvl="1"/>
                 <a:r>
-                  <a:rPr lang="en-GB" dirty="0"/>
+                  <a:rPr lang="en-GB" noProof="0" dirty="0"/>
                   <a:t>The probability that a folded protein at force F will unfold in the next short time period therefore increases with the pulling force</a:t>
                 </a:r>
               </a:p>
               <a:p>
                 <a:pPr lvl="1"/>
                 <a:r>
-                  <a:rPr lang="en-GB" dirty="0"/>
+                  <a:rPr lang="en-GB" noProof="0" dirty="0"/>
                   <a:t>The probability per second is called the unfolding rate: </a:t>
                 </a:r>
                 <a14:m>
                   <m:oMath xmlns:m="http://schemas.openxmlformats.org/officeDocument/2006/math">
                     <m:r>
-                      <a:rPr lang="en-GB" sz="2000" b="0" i="1" smtClean="0">
+                      <a:rPr lang="en-GB" sz="2000" b="0" i="1" noProof="0" smtClean="0">
                         <a:effectLst/>
                         <a:latin typeface="Cambria Math" panose="02040503050406030204" pitchFamily="18" charset="0"/>
                         <a:ea typeface="Arial" panose="020B0604020202020204" pitchFamily="34" charset="0"/>
@@ -11060,7 +11269,7 @@
                     <m:d>
                       <m:dPr>
                         <m:ctrlPr>
-                          <a:rPr lang="en-GB" sz="2000" i="1">
+                          <a:rPr lang="en-GB" sz="2000" i="1" noProof="0">
                             <a:effectLst/>
                             <a:latin typeface="Cambria Math" panose="02040503050406030204" pitchFamily="18" charset="0"/>
                             <a:cs typeface="Times New Roman" panose="02020603050405020304" pitchFamily="18" charset="0"/>
@@ -11069,7 +11278,7 @@
                       </m:dPr>
                       <m:e>
                         <m:r>
-                          <a:rPr lang="pt-BR" sz="2000" i="1">
+                          <a:rPr lang="en-GB" sz="2000" i="1" noProof="0">
                             <a:effectLst/>
                             <a:latin typeface="Cambria Math" panose="02040503050406030204" pitchFamily="18" charset="0"/>
                             <a:ea typeface="Arial" panose="020B0604020202020204" pitchFamily="34" charset="0"/>
@@ -11081,7 +11290,7 @@
                     </m:d>
                   </m:oMath>
                 </a14:m>
-                <a:endParaRPr lang="en-GB" sz="2000" dirty="0"/>
+                <a:endParaRPr lang="en-GB" sz="2000" noProof="0" dirty="0"/>
               </a:p>
             </p:txBody>
           </p:sp>
@@ -11178,7 +11387,7 @@
           <a:lstStyle/>
           <a:p>
             <a:r>
-              <a:rPr lang="en-GB" dirty="0"/>
+              <a:rPr lang="en-GB" noProof="0" dirty="0"/>
               <a:t>Bell-Evans model</a:t>
             </a:r>
           </a:p>
@@ -11213,13 +11422,13 @@
               <a:lstStyle/>
               <a:p>
                 <a:r>
-                  <a:rPr lang="en-GB" dirty="0"/>
+                  <a:rPr lang="en-GB" noProof="0" dirty="0"/>
                   <a:t>The Bell-Evans model is one of the simplest models for the unfolding rate: </a:t>
                 </a:r>
                 <a:br>
-                  <a:rPr lang="en-GB" sz="1000" dirty="0"/>
+                  <a:rPr lang="en-GB" sz="1000" noProof="0" dirty="0"/>
                 </a:br>
-                <a:endParaRPr lang="en-GB" sz="1000" i="1" kern="100" dirty="0">
+                <a:endParaRPr lang="en-GB" sz="1000" i="1" kern="100" noProof="0" dirty="0">
                   <a:effectLst/>
                   <a:latin typeface="Cambria Math" panose="02040503050406030204" pitchFamily="18" charset="0"/>
                   <a:ea typeface="Aptos" panose="020B0004020202020204" pitchFamily="34" charset="0"/>
@@ -11237,7 +11446,7 @@
                     </m:oMathParaPr>
                     <m:oMath xmlns:m="http://schemas.openxmlformats.org/officeDocument/2006/math">
                       <m:r>
-                        <a:rPr lang="en-GB" sz="2400" b="0" i="1" kern="100" smtClean="0">
+                        <a:rPr lang="en-GB" sz="2400" b="0" i="1" kern="100" noProof="0" smtClean="0">
                           <a:effectLst/>
                           <a:latin typeface="Cambria Math" panose="02040503050406030204" pitchFamily="18" charset="0"/>
                           <a:ea typeface="Aptos" panose="020B0004020202020204" pitchFamily="34" charset="0"/>
@@ -11248,7 +11457,7 @@
                       <m:d>
                         <m:dPr>
                           <m:ctrlPr>
-                            <a:rPr lang="en-GB" sz="2400" i="1" kern="100">
+                            <a:rPr lang="en-GB" sz="2400" i="1" kern="100" noProof="0">
                               <a:effectLst/>
                               <a:latin typeface="Cambria Math" panose="02040503050406030204" pitchFamily="18" charset="0"/>
                               <a:ea typeface="Aptos" panose="020B0004020202020204" pitchFamily="34" charset="0"/>
@@ -11258,7 +11467,7 @@
                         </m:dPr>
                         <m:e>
                           <m:r>
-                            <a:rPr lang="pt-BR" sz="2400" i="1" kern="100">
+                            <a:rPr lang="en-GB" sz="2400" i="1" kern="100" noProof="0">
                               <a:effectLst/>
                               <a:latin typeface="Cambria Math" panose="02040503050406030204" pitchFamily="18" charset="0"/>
                               <a:ea typeface="Aptos" panose="020B0004020202020204" pitchFamily="34" charset="0"/>
@@ -11269,7 +11478,7 @@
                         </m:e>
                       </m:d>
                       <m:r>
-                        <a:rPr lang="en-GB" sz="2400" b="0" i="1" kern="100" smtClean="0">
+                        <a:rPr lang="en-GB" sz="2400" b="0" i="1" kern="100" noProof="0" smtClean="0">
                           <a:effectLst/>
                           <a:latin typeface="Cambria Math" panose="02040503050406030204" pitchFamily="18" charset="0"/>
                           <a:ea typeface="Aptos" panose="020B0004020202020204" pitchFamily="34" charset="0"/>
@@ -11280,7 +11489,7 @@
                       <m:sSub>
                         <m:sSubPr>
                           <m:ctrlPr>
-                            <a:rPr lang="en-GB" sz="2400" i="1" kern="100">
+                            <a:rPr lang="en-GB" sz="2400" i="1" kern="100" noProof="0">
                               <a:effectLst/>
                               <a:latin typeface="Cambria Math" panose="02040503050406030204" pitchFamily="18" charset="0"/>
                               <a:ea typeface="Aptos" panose="020B0004020202020204" pitchFamily="34" charset="0"/>
@@ -11290,7 +11499,7 @@
                         </m:sSubPr>
                         <m:e>
                           <m:r>
-                            <a:rPr lang="pt-BR" sz="2400" i="1" kern="100">
+                            <a:rPr lang="en-GB" sz="2400" i="1" kern="100" noProof="0">
                               <a:effectLst/>
                               <a:latin typeface="Cambria Math" panose="02040503050406030204" pitchFamily="18" charset="0"/>
                               <a:ea typeface="Aptos" panose="020B0004020202020204" pitchFamily="34" charset="0"/>
@@ -11301,7 +11510,7 @@
                         </m:e>
                         <m:sub>
                           <m:r>
-                            <a:rPr lang="pt-BR" sz="2400" kern="100">
+                            <a:rPr lang="en-GB" sz="2400" kern="100" noProof="0">
                               <a:effectLst/>
                               <a:latin typeface="Cambria Math" panose="02040503050406030204" pitchFamily="18" charset="0"/>
                               <a:ea typeface="Aptos" panose="020B0004020202020204" pitchFamily="34" charset="0"/>
@@ -11314,7 +11523,7 @@
                       <m:sSup>
                         <m:sSupPr>
                           <m:ctrlPr>
-                            <a:rPr lang="en-GB" sz="2400" i="1" kern="100">
+                            <a:rPr lang="en-GB" sz="2400" i="1" kern="100" noProof="0">
                               <a:effectLst/>
                               <a:latin typeface="Cambria Math" panose="02040503050406030204" pitchFamily="18" charset="0"/>
                               <a:ea typeface="Aptos" panose="020B0004020202020204" pitchFamily="34" charset="0"/>
@@ -11324,7 +11533,7 @@
                         </m:sSupPr>
                         <m:e>
                           <m:r>
-                            <a:rPr lang="pt-BR" sz="2400" i="1" kern="100">
+                            <a:rPr lang="en-GB" sz="2400" i="1" kern="100" noProof="0">
                               <a:effectLst/>
                               <a:latin typeface="Cambria Math" panose="02040503050406030204" pitchFamily="18" charset="0"/>
                               <a:ea typeface="Aptos" panose="020B0004020202020204" pitchFamily="34" charset="0"/>
@@ -11337,7 +11546,7 @@
                           <m:f>
                             <m:fPr>
                               <m:ctrlPr>
-                                <a:rPr lang="en-GB" sz="2400" i="1" kern="100">
+                                <a:rPr lang="en-GB" sz="2400" i="1" kern="100" noProof="0">
                                   <a:effectLst/>
                                   <a:latin typeface="Cambria Math" panose="02040503050406030204" pitchFamily="18" charset="0"/>
                                   <a:ea typeface="Aptos" panose="020B0004020202020204" pitchFamily="34" charset="0"/>
@@ -11347,7 +11556,7 @@
                             </m:fPr>
                             <m:num>
                               <m:r>
-                                <a:rPr lang="pt-BR" sz="2400" i="1" kern="100">
+                                <a:rPr lang="en-GB" sz="2400" i="1" kern="100" noProof="0">
                                   <a:effectLst/>
                                   <a:latin typeface="Cambria Math" panose="02040503050406030204" pitchFamily="18" charset="0"/>
                                   <a:ea typeface="Aptos" panose="020B0004020202020204" pitchFamily="34" charset="0"/>
@@ -11358,7 +11567,7 @@
                               <m:sSup>
                                 <m:sSupPr>
                                   <m:ctrlPr>
-                                    <a:rPr lang="en-GB" sz="2400" i="1" kern="100">
+                                    <a:rPr lang="en-GB" sz="2400" i="1" kern="100" noProof="0">
                                       <a:effectLst/>
                                       <a:latin typeface="Cambria Math" panose="02040503050406030204" pitchFamily="18" charset="0"/>
                                       <a:ea typeface="Aptos" panose="020B0004020202020204" pitchFamily="34" charset="0"/>
@@ -11368,7 +11577,7 @@
                                 </m:sSupPr>
                                 <m:e>
                                   <m:r>
-                                    <a:rPr lang="pt-BR" sz="2400" i="1" kern="100">
+                                    <a:rPr lang="en-GB" sz="2400" i="1" kern="100" noProof="0">
                                       <a:effectLst/>
                                       <a:latin typeface="Cambria Math" panose="02040503050406030204" pitchFamily="18" charset="0"/>
                                       <a:ea typeface="Aptos" panose="020B0004020202020204" pitchFamily="34" charset="0"/>
@@ -11379,7 +11588,7 @@
                                 </m:e>
                                 <m:sup>
                                   <m:r>
-                                    <a:rPr lang="pt-BR" sz="2400" kern="100">
+                                    <a:rPr lang="en-GB" sz="2400" kern="100" noProof="0">
                                       <a:effectLst/>
                                       <a:latin typeface="Cambria Math" panose="02040503050406030204" pitchFamily="18" charset="0"/>
                                       <a:ea typeface="Aptos" panose="020B0004020202020204" pitchFamily="34" charset="0"/>
@@ -11394,7 +11603,7 @@
                               <m:sSub>
                                 <m:sSubPr>
                                   <m:ctrlPr>
-                                    <a:rPr lang="en-GB" sz="2400" i="1" kern="100">
+                                    <a:rPr lang="en-GB" sz="2400" i="1" kern="100" noProof="0">
                                       <a:effectLst/>
                                       <a:latin typeface="Cambria Math" panose="02040503050406030204" pitchFamily="18" charset="0"/>
                                       <a:ea typeface="Aptos" panose="020B0004020202020204" pitchFamily="34" charset="0"/>
@@ -11404,7 +11613,7 @@
                                 </m:sSubPr>
                                 <m:e>
                                   <m:r>
-                                    <a:rPr lang="en-GB" sz="2400" i="1" kern="100">
+                                    <a:rPr lang="en-GB" sz="2400" i="1" kern="100" noProof="0">
                                       <a:effectLst/>
                                       <a:latin typeface="Cambria Math" panose="02040503050406030204" pitchFamily="18" charset="0"/>
                                       <a:ea typeface="Aptos" panose="020B0004020202020204" pitchFamily="34" charset="0"/>
@@ -11415,7 +11624,7 @@
                                 </m:e>
                                 <m:sub>
                                   <m:r>
-                                    <a:rPr lang="en-GB" sz="2400" i="1" kern="100">
+                                    <a:rPr lang="en-GB" sz="2400" i="1" kern="100" noProof="0">
                                       <a:effectLst/>
                                       <a:latin typeface="Cambria Math" panose="02040503050406030204" pitchFamily="18" charset="0"/>
                                       <a:ea typeface="Aptos" panose="020B0004020202020204" pitchFamily="34" charset="0"/>
@@ -11426,7 +11635,7 @@
                                 </m:sub>
                               </m:sSub>
                               <m:r>
-                                <a:rPr lang="en-GB" sz="2400" i="1" kern="100">
+                                <a:rPr lang="en-GB" sz="2400" i="1" kern="100" noProof="0">
                                   <a:effectLst/>
                                   <a:latin typeface="Cambria Math" panose="02040503050406030204" pitchFamily="18" charset="0"/>
                                   <a:ea typeface="Aptos" panose="020B0004020202020204" pitchFamily="34" charset="0"/>
@@ -11439,7 +11648,7 @@
                         </m:sup>
                       </m:sSup>
                       <m:r>
-                        <a:rPr lang="en-GB" sz="2400" b="0" i="1" kern="100" smtClean="0">
+                        <a:rPr lang="en-GB" sz="2400" b="0" i="1" kern="100" noProof="0" smtClean="0">
                           <a:effectLst/>
                           <a:latin typeface="Cambria Math" panose="02040503050406030204" pitchFamily="18" charset="0"/>
                           <a:ea typeface="Aptos" panose="020B0004020202020204" pitchFamily="34" charset="0"/>
@@ -11450,7 +11659,7 @@
                       <m:sSub>
                         <m:sSubPr>
                           <m:ctrlPr>
-                            <a:rPr lang="en-GB" i="1" kern="100">
+                            <a:rPr lang="en-GB" i="1" kern="100" noProof="0">
                               <a:latin typeface="Cambria Math" panose="02040503050406030204" pitchFamily="18" charset="0"/>
                               <a:ea typeface="Aptos" panose="020B0004020202020204" pitchFamily="34" charset="0"/>
                               <a:cs typeface="Times New Roman" panose="02020603050405020304" pitchFamily="18" charset="0"/>
@@ -11459,7 +11668,7 @@
                         </m:sSubPr>
                         <m:e>
                           <m:r>
-                            <a:rPr lang="pt-BR" i="1" kern="100">
+                            <a:rPr lang="en-GB" i="1" kern="100" noProof="0">
                               <a:latin typeface="Cambria Math" panose="02040503050406030204" pitchFamily="18" charset="0"/>
                               <a:ea typeface="Aptos" panose="020B0004020202020204" pitchFamily="34" charset="0"/>
                               <a:cs typeface="Times New Roman" panose="02020603050405020304" pitchFamily="18" charset="0"/>
@@ -11469,7 +11678,7 @@
                         </m:e>
                         <m:sub>
                           <m:r>
-                            <a:rPr lang="pt-BR" kern="100">
+                            <a:rPr lang="en-GB" kern="100" noProof="0">
                               <a:latin typeface="Cambria Math" panose="02040503050406030204" pitchFamily="18" charset="0"/>
                               <a:ea typeface="Aptos" panose="020B0004020202020204" pitchFamily="34" charset="0"/>
                               <a:cs typeface="Times New Roman" panose="02020603050405020304" pitchFamily="18" charset="0"/>
@@ -11481,7 +11690,7 @@
                       <m:sSup>
                         <m:sSupPr>
                           <m:ctrlPr>
-                            <a:rPr lang="en-GB" i="1" kern="100">
+                            <a:rPr lang="en-GB" i="1" kern="100" noProof="0">
                               <a:latin typeface="Cambria Math" panose="02040503050406030204" pitchFamily="18" charset="0"/>
                               <a:ea typeface="Aptos" panose="020B0004020202020204" pitchFamily="34" charset="0"/>
                               <a:cs typeface="Times New Roman" panose="02020603050405020304" pitchFamily="18" charset="0"/>
@@ -11490,7 +11699,7 @@
                         </m:sSupPr>
                         <m:e>
                           <m:r>
-                            <a:rPr lang="pt-BR" i="1" kern="100">
+                            <a:rPr lang="en-GB" i="1" kern="100" noProof="0">
                               <a:latin typeface="Cambria Math" panose="02040503050406030204" pitchFamily="18" charset="0"/>
                               <a:ea typeface="Aptos" panose="020B0004020202020204" pitchFamily="34" charset="0"/>
                               <a:cs typeface="Times New Roman" panose="02020603050405020304" pitchFamily="18" charset="0"/>
@@ -11500,7 +11709,7 @@
                         </m:e>
                         <m:sup>
                           <m:r>
-                            <a:rPr lang="pt-BR" i="1" kern="100" smtClean="0">
+                            <a:rPr lang="en-GB" i="1" kern="100" noProof="0" smtClean="0">
                               <a:latin typeface="Cambria Math" panose="02040503050406030204" pitchFamily="18" charset="0"/>
                               <a:ea typeface="Cambria Math" panose="02040503050406030204" pitchFamily="18" charset="0"/>
                               <a:cs typeface="Times New Roman" panose="02020603050405020304" pitchFamily="18" charset="0"/>
@@ -11508,7 +11717,7 @@
                             <m:t>𝛽</m:t>
                           </m:r>
                           <m:r>
-                            <a:rPr lang="pt-BR" i="1" kern="100" smtClean="0">
+                            <a:rPr lang="en-GB" i="1" kern="100" noProof="0" smtClean="0">
                               <a:latin typeface="Cambria Math" panose="02040503050406030204" pitchFamily="18" charset="0"/>
                               <a:ea typeface="Aptos" panose="020B0004020202020204" pitchFamily="34" charset="0"/>
                               <a:cs typeface="Times New Roman" panose="02020603050405020304" pitchFamily="18" charset="0"/>
@@ -11518,7 +11727,7 @@
                           <m:sSup>
                             <m:sSupPr>
                               <m:ctrlPr>
-                                <a:rPr lang="en-GB" i="1" kern="100">
+                                <a:rPr lang="en-GB" i="1" kern="100" noProof="0">
                                   <a:latin typeface="Cambria Math" panose="02040503050406030204" pitchFamily="18" charset="0"/>
                                   <a:ea typeface="Aptos" panose="020B0004020202020204" pitchFamily="34" charset="0"/>
                                   <a:cs typeface="Times New Roman" panose="02020603050405020304" pitchFamily="18" charset="0"/>
@@ -11527,7 +11736,7 @@
                             </m:sSupPr>
                             <m:e>
                               <m:r>
-                                <a:rPr lang="pt-BR" i="1" kern="100">
+                                <a:rPr lang="en-GB" i="1" kern="100" noProof="0">
                                   <a:latin typeface="Cambria Math" panose="02040503050406030204" pitchFamily="18" charset="0"/>
                                   <a:ea typeface="Aptos" panose="020B0004020202020204" pitchFamily="34" charset="0"/>
                                   <a:cs typeface="Times New Roman" panose="02020603050405020304" pitchFamily="18" charset="0"/>
@@ -11537,7 +11746,7 @@
                             </m:e>
                             <m:sup>
                               <m:r>
-                                <a:rPr lang="pt-BR" kern="100">
+                                <a:rPr lang="en-GB" kern="100" noProof="0">
                                   <a:latin typeface="Cambria Math" panose="02040503050406030204" pitchFamily="18" charset="0"/>
                                   <a:ea typeface="Aptos" panose="020B0004020202020204" pitchFamily="34" charset="0"/>
                                   <a:cs typeface="Times New Roman" panose="02020603050405020304" pitchFamily="18" charset="0"/>
@@ -11551,11 +11760,11 @@
                     </m:oMath>
                   </m:oMathPara>
                 </a14:m>
-                <a:endParaRPr lang="en-GB" dirty="0"/>
+                <a:endParaRPr lang="en-GB" noProof="0" dirty="0"/>
               </a:p>
               <a:p>
                 <a:pPr lvl="1"/>
-                <a:endParaRPr lang="pt-BR" sz="2000" i="1" dirty="0">
+                <a:endParaRPr lang="en-GB" sz="2000" i="1" noProof="0" dirty="0">
                   <a:effectLst/>
                   <a:latin typeface="Cambria Math" panose="02040503050406030204" pitchFamily="18" charset="0"/>
                   <a:ea typeface="Aptos" panose="020B0004020202020204" pitchFamily="34" charset="0"/>
@@ -11567,7 +11776,7 @@
                 <a14:m>
                   <m:oMath xmlns:m="http://schemas.openxmlformats.org/officeDocument/2006/math">
                     <m:r>
-                      <a:rPr lang="pt-BR" sz="2000" i="1" smtClean="0">
+                      <a:rPr lang="en-GB" sz="2000" i="1" noProof="0" smtClean="0">
                         <a:effectLst/>
                         <a:latin typeface="Cambria Math" panose="02040503050406030204" pitchFamily="18" charset="0"/>
                         <a:ea typeface="Aptos" panose="020B0004020202020204" pitchFamily="34" charset="0"/>
@@ -11578,14 +11787,14 @@
                   </m:oMath>
                 </a14:m>
                 <a:r>
-                  <a:rPr lang="en-GB" sz="2000" dirty="0"/>
+                  <a:rPr lang="en-GB" sz="2000" noProof="0" dirty="0"/>
                   <a:t>     is the pulling force</a:t>
                 </a:r>
               </a:p>
               <a:p>
                 <a:pPr lvl="1"/>
                 <a:r>
-                  <a:rPr lang="en-GB" sz="2000" dirty="0"/>
+                  <a:rPr lang="en-GB" sz="2000" noProof="0" dirty="0"/>
                   <a:t> </a:t>
                 </a:r>
                 <a14:m>
@@ -11593,14 +11802,14 @@
                     <m:sSub>
                       <m:sSubPr>
                         <m:ctrlPr>
-                          <a:rPr lang="en-GB" sz="2000" i="1">
+                          <a:rPr lang="en-GB" sz="2000" i="1" noProof="0">
                             <a:latin typeface="Cambria Math" panose="02040503050406030204" pitchFamily="18" charset="0"/>
                           </a:rPr>
                         </m:ctrlPr>
                       </m:sSubPr>
                       <m:e>
                         <m:r>
-                          <a:rPr lang="pt-BR" sz="2000" i="1">
+                          <a:rPr lang="en-GB" sz="2000" i="1" noProof="0">
                             <a:latin typeface="Cambria Math" panose="02040503050406030204" pitchFamily="18" charset="0"/>
                           </a:rPr>
                           <m:t>𝑘</m:t>
@@ -11608,7 +11817,7 @@
                       </m:e>
                       <m:sub>
                         <m:r>
-                          <a:rPr lang="pt-BR" sz="2000">
+                          <a:rPr lang="en-GB" sz="2000" noProof="0">
                             <a:latin typeface="Cambria Math" panose="02040503050406030204" pitchFamily="18" charset="0"/>
                           </a:rPr>
                           <m:t>0</m:t>
@@ -11618,7 +11827,7 @@
                   </m:oMath>
                 </a14:m>
                 <a:r>
-                  <a:rPr lang="en-GB" sz="2000" dirty="0">
+                  <a:rPr lang="en-GB" sz="2000" noProof="0" dirty="0">
                     <a:effectLst/>
                     <a:latin typeface="Arial" panose="020B0604020202020204" pitchFamily="34" charset="0"/>
                     <a:ea typeface="Arial" panose="020B0604020202020204" pitchFamily="34" charset="0"/>
@@ -11629,7 +11838,7 @@
               <a:p>
                 <a:pPr lvl="1"/>
                 <a:r>
-                  <a:rPr lang="en-GB" sz="2000" dirty="0">
+                  <a:rPr lang="en-GB" sz="2000" noProof="0" dirty="0">
                     <a:latin typeface="Arial" panose="020B0604020202020204" pitchFamily="34" charset="0"/>
                     <a:ea typeface="Arial" panose="020B0604020202020204" pitchFamily="34" charset="0"/>
                   </a:rPr>
@@ -11640,7 +11849,7 @@
                     <m:sSup>
                       <m:sSupPr>
                         <m:ctrlPr>
-                          <a:rPr lang="en-GB" sz="2000" i="1" smtClean="0">
+                          <a:rPr lang="en-GB" sz="2000" i="1" noProof="0" smtClean="0">
                             <a:effectLst/>
                             <a:latin typeface="Cambria Math" panose="02040503050406030204" pitchFamily="18" charset="0"/>
                           </a:rPr>
@@ -11648,7 +11857,7 @@
                       </m:sSupPr>
                       <m:e>
                         <m:r>
-                          <a:rPr lang="pt-BR" sz="2000" i="1">
+                          <a:rPr lang="en-GB" sz="2000" i="1" noProof="0">
                             <a:effectLst/>
                             <a:latin typeface="Cambria Math" panose="02040503050406030204" pitchFamily="18" charset="0"/>
                             <a:ea typeface="Aptos" panose="020B0004020202020204" pitchFamily="34" charset="0"/>
@@ -11659,7 +11868,7 @@
                       </m:e>
                       <m:sup>
                         <m:r>
-                          <a:rPr lang="pt-BR" sz="2000">
+                          <a:rPr lang="en-GB" sz="2000" noProof="0">
                             <a:effectLst/>
                             <a:latin typeface="Cambria Math" panose="02040503050406030204" pitchFamily="18" charset="0"/>
                             <a:ea typeface="Aptos" panose="020B0004020202020204" pitchFamily="34" charset="0"/>
@@ -11672,7 +11881,7 @@
                   </m:oMath>
                 </a14:m>
                 <a:r>
-                  <a:rPr lang="en-GB" sz="2000" dirty="0">
+                  <a:rPr lang="en-GB" sz="2000" noProof="0" dirty="0">
                     <a:latin typeface="Arial" panose="020B0604020202020204" pitchFamily="34" charset="0"/>
                     <a:ea typeface="Arial" panose="020B0604020202020204" pitchFamily="34" charset="0"/>
                   </a:rPr>
@@ -11682,7 +11891,7 @@
               <a:p>
                 <a:pPr lvl="1"/>
                 <a:r>
-                  <a:rPr lang="en-GB" sz="2000" dirty="0">
+                  <a:rPr lang="en-GB" sz="2000" noProof="0" dirty="0">
                     <a:effectLst/>
                     <a:latin typeface="Arial" panose="020B0604020202020204" pitchFamily="34" charset="0"/>
                     <a:ea typeface="Arial" panose="020B0604020202020204" pitchFamily="34" charset="0"/>
@@ -11694,7 +11903,7 @@
                     <m:sSub>
                       <m:sSubPr>
                         <m:ctrlPr>
-                          <a:rPr lang="en-GB" sz="2000" i="1" smtClean="0">
+                          <a:rPr lang="en-GB" sz="2000" i="1" noProof="0" smtClean="0">
                             <a:effectLst/>
                             <a:latin typeface="Cambria Math" panose="02040503050406030204" pitchFamily="18" charset="0"/>
                           </a:rPr>
@@ -11702,7 +11911,7 @@
                       </m:sSubPr>
                       <m:e>
                         <m:r>
-                          <a:rPr lang="en-GB" sz="2000" i="1">
+                          <a:rPr lang="en-GB" sz="2000" i="1" noProof="0">
                             <a:effectLst/>
                             <a:latin typeface="Cambria Math" panose="02040503050406030204" pitchFamily="18" charset="0"/>
                             <a:ea typeface="Aptos" panose="020B0004020202020204" pitchFamily="34" charset="0"/>
@@ -11713,7 +11922,7 @@
                       </m:e>
                       <m:sub>
                         <m:r>
-                          <a:rPr lang="en-GB" sz="2000" i="1">
+                          <a:rPr lang="en-GB" sz="2000" i="1" noProof="0">
                             <a:effectLst/>
                             <a:latin typeface="Cambria Math" panose="02040503050406030204" pitchFamily="18" charset="0"/>
                             <a:ea typeface="Aptos" panose="020B0004020202020204" pitchFamily="34" charset="0"/>
@@ -11726,7 +11935,7 @@
                   </m:oMath>
                 </a14:m>
                 <a:r>
-                  <a:rPr lang="en-GB" sz="2000" dirty="0">
+                  <a:rPr lang="en-GB" sz="2000" noProof="0" dirty="0">
                     <a:effectLst/>
                     <a:latin typeface="Arial" panose="020B0604020202020204" pitchFamily="34" charset="0"/>
                     <a:ea typeface="Arial" panose="020B0604020202020204" pitchFamily="34" charset="0"/>
@@ -11734,14 +11943,14 @@
                   <a:t>  is</a:t>
                 </a:r>
                 <a:r>
-                  <a:rPr lang="en-GB" sz="2000" dirty="0">
+                  <a:rPr lang="en-GB" sz="2000" noProof="0" dirty="0">
                     <a:latin typeface="Arial" panose="020B0604020202020204" pitchFamily="34" charset="0"/>
                     <a:ea typeface="Arial" panose="020B0604020202020204" pitchFamily="34" charset="0"/>
                   </a:rPr>
                   <a:t> </a:t>
                 </a:r>
                 <a:r>
-                  <a:rPr lang="en-GB" sz="2000" dirty="0">
+                  <a:rPr lang="en-GB" sz="2000" noProof="0" dirty="0">
                     <a:effectLst/>
                     <a:latin typeface="Arial" panose="020B0604020202020204" pitchFamily="34" charset="0"/>
                     <a:ea typeface="Arial" panose="020B0604020202020204" pitchFamily="34" charset="0"/>
@@ -11754,7 +11963,7 @@
                 <a14:m>
                   <m:oMath xmlns:m="http://schemas.openxmlformats.org/officeDocument/2006/math">
                     <m:r>
-                      <a:rPr lang="en-GB" sz="2000" i="1" smtClean="0">
+                      <a:rPr lang="en-GB" sz="2000" i="1" noProof="0" smtClean="0">
                         <a:effectLst/>
                         <a:latin typeface="Cambria Math" panose="02040503050406030204" pitchFamily="18" charset="0"/>
                         <a:ea typeface="Aptos" panose="020B0004020202020204" pitchFamily="34" charset="0"/>
@@ -11765,7 +11974,7 @@
                   </m:oMath>
                 </a14:m>
                 <a:r>
-                  <a:rPr lang="en-GB" sz="2000" dirty="0">
+                  <a:rPr lang="en-GB" sz="2000" noProof="0" dirty="0">
                     <a:latin typeface="Arial" panose="020B0604020202020204" pitchFamily="34" charset="0"/>
                     <a:ea typeface="Arial" panose="020B0604020202020204" pitchFamily="34" charset="0"/>
                   </a:rPr>
@@ -11775,7 +11984,7 @@
               <a:p>
                 <a:pPr lvl="1"/>
                 <a:r>
-                  <a:rPr lang="en-GB" sz="2000" dirty="0">
+                  <a:rPr lang="en-GB" sz="2000" noProof="0" dirty="0">
                     <a:effectLst/>
                     <a:latin typeface="Arial" panose="020B0604020202020204" pitchFamily="34" charset="0"/>
                     <a:ea typeface="Arial" panose="020B0604020202020204" pitchFamily="34" charset="0"/>
@@ -11785,7 +11994,7 @@
                 <a14:m>
                   <m:oMath xmlns:m="http://schemas.openxmlformats.org/officeDocument/2006/math">
                     <m:r>
-                      <a:rPr lang="en-GB" sz="2000" i="1" kern="100" smtClean="0">
+                      <a:rPr lang="en-GB" sz="2000" i="1" kern="100" noProof="0" smtClean="0">
                         <a:effectLst/>
                         <a:latin typeface="Cambria Math" panose="02040503050406030204" pitchFamily="18" charset="0"/>
                         <a:ea typeface="Times New Roman" panose="02020603050405020304" pitchFamily="18" charset="0"/>
@@ -11794,7 +12003,7 @@
                       <m:t>𝛽</m:t>
                     </m:r>
                     <m:r>
-                      <a:rPr lang="en-GB" sz="2000" i="1" kern="100">
+                      <a:rPr lang="en-GB" sz="2000" i="1" kern="100" noProof="0">
                         <a:effectLst/>
                         <a:latin typeface="Cambria Math" panose="02040503050406030204" pitchFamily="18" charset="0"/>
                         <a:ea typeface="Aptos" panose="020B0004020202020204" pitchFamily="34" charset="0"/>
@@ -11805,7 +12014,7 @@
                     <m:f>
                       <m:fPr>
                         <m:ctrlPr>
-                          <a:rPr lang="en-GB" sz="2000" i="1" kern="100">
+                          <a:rPr lang="en-GB" sz="2000" i="1" kern="100" noProof="0">
                             <a:effectLst/>
                             <a:latin typeface="Cambria Math" panose="02040503050406030204" pitchFamily="18" charset="0"/>
                             <a:ea typeface="Aptos" panose="020B0004020202020204" pitchFamily="34" charset="0"/>
@@ -11815,7 +12024,7 @@
                       </m:fPr>
                       <m:num>
                         <m:r>
-                          <a:rPr lang="en-GB" sz="2000" i="1" kern="100">
+                          <a:rPr lang="en-GB" sz="2000" i="1" kern="100" noProof="0">
                             <a:effectLst/>
                             <a:latin typeface="Cambria Math" panose="02040503050406030204" pitchFamily="18" charset="0"/>
                             <a:ea typeface="Aptos" panose="020B0004020202020204" pitchFamily="34" charset="0"/>
@@ -11828,7 +12037,7 @@
                         <m:sSub>
                           <m:sSubPr>
                             <m:ctrlPr>
-                              <a:rPr lang="en-GB" sz="2000" i="1" kern="100">
+                              <a:rPr lang="en-GB" sz="2000" i="1" kern="100" noProof="0">
                                 <a:effectLst/>
                                 <a:latin typeface="Cambria Math" panose="02040503050406030204" pitchFamily="18" charset="0"/>
                                 <a:ea typeface="Aptos" panose="020B0004020202020204" pitchFamily="34" charset="0"/>
@@ -11838,7 +12047,7 @@
                           </m:sSubPr>
                           <m:e>
                             <m:r>
-                              <a:rPr lang="en-GB" sz="2000" i="1" kern="100">
+                              <a:rPr lang="en-GB" sz="2000" i="1" kern="100" noProof="0">
                                 <a:effectLst/>
                                 <a:latin typeface="Cambria Math" panose="02040503050406030204" pitchFamily="18" charset="0"/>
                                 <a:ea typeface="Aptos" panose="020B0004020202020204" pitchFamily="34" charset="0"/>
@@ -11849,7 +12058,7 @@
                           </m:e>
                           <m:sub>
                             <m:r>
-                              <a:rPr lang="en-GB" sz="2000" i="1" kern="100">
+                              <a:rPr lang="en-GB" sz="2000" i="1" kern="100" noProof="0">
                                 <a:effectLst/>
                                 <a:latin typeface="Cambria Math" panose="02040503050406030204" pitchFamily="18" charset="0"/>
                                 <a:ea typeface="Aptos" panose="020B0004020202020204" pitchFamily="34" charset="0"/>
@@ -11860,7 +12069,7 @@
                           </m:sub>
                         </m:sSub>
                         <m:r>
-                          <a:rPr lang="en-GB" sz="2000" i="1" kern="100">
+                          <a:rPr lang="en-GB" sz="2000" i="1" kern="100" noProof="0">
                             <a:effectLst/>
                             <a:latin typeface="Cambria Math" panose="02040503050406030204" pitchFamily="18" charset="0"/>
                             <a:ea typeface="Aptos" panose="020B0004020202020204" pitchFamily="34" charset="0"/>
@@ -11872,7 +12081,7 @@
                     </m:f>
                   </m:oMath>
                 </a14:m>
-                <a:endParaRPr lang="en-GB" sz="2000" kern="100" dirty="0">
+                <a:endParaRPr lang="en-GB" sz="2000" kern="100" noProof="0" dirty="0">
                   <a:effectLst/>
                   <a:latin typeface="Aptos" panose="020B0004020202020204" pitchFamily="34" charset="0"/>
                   <a:ea typeface="Aptos" panose="020B0004020202020204" pitchFamily="34" charset="0"/>
@@ -11881,7 +12090,7 @@
               </a:p>
               <a:p>
                 <a:pPr lvl="1"/>
-                <a:endParaRPr lang="en-GB" sz="1800" kern="100" dirty="0">
+                <a:endParaRPr lang="en-GB" sz="1800" kern="100" noProof="0" dirty="0">
                   <a:effectLst/>
                   <a:latin typeface="Aptos" panose="020B0004020202020204" pitchFamily="34" charset="0"/>
                   <a:ea typeface="Aptos" panose="020B0004020202020204" pitchFamily="34" charset="0"/>
@@ -11892,7 +12101,7 @@
                 <a:pPr marL="457200" lvl="1" indent="0">
                   <a:buNone/>
                 </a:pPr>
-                <a:endParaRPr lang="en-GB" sz="2000" dirty="0">
+                <a:endParaRPr lang="en-GB" sz="2000" noProof="0" dirty="0">
                   <a:effectLst/>
                   <a:latin typeface="Arial" panose="020B0604020202020204" pitchFamily="34" charset="0"/>
                   <a:ea typeface="Arial" panose="020B0604020202020204" pitchFamily="34" charset="0"/>
@@ -12040,7 +12249,7 @@
           <a:lstStyle/>
           <a:p>
             <a:r>
-              <a:rPr lang="en-GB" dirty="0"/>
+              <a:rPr lang="en-GB" noProof="0" dirty="0"/>
               <a:t>Rip probability density function</a:t>
             </a:r>
           </a:p>
@@ -12072,14 +12281,15 @@
               <a:lstStyle/>
               <a:p>
                 <a:r>
-                  <a:rPr lang="en-GB" sz="2400" dirty="0"/>
+                  <a:rPr lang="en-GB" sz="2400" noProof="0" dirty="0"/>
                   <a:t>Let </a:t>
                 </a:r>
                 <a14:m>
                   <m:oMath xmlns:m="http://schemas.openxmlformats.org/officeDocument/2006/math">
                     <m:r>
-                      <a:rPr lang="en-GB" sz="2400" i="1" kern="100">
+                      <a:rPr lang="en-GB" sz="2400" i="1" kern="100" noProof="0">
                         <a:effectLst/>
+                        <a:latin typeface="Cambria Math" panose="02040503050406030204" pitchFamily="18" charset="0"/>
                         <a:ea typeface="Times New Roman" panose="02020603050405020304" pitchFamily="18" charset="0"/>
                         <a:cs typeface="Times New Roman" panose="02020603050405020304" pitchFamily="18" charset="0"/>
                       </a:rPr>
@@ -12088,8 +12298,9 @@
                     <m:d>
                       <m:dPr>
                         <m:ctrlPr>
-                          <a:rPr lang="en-GB" sz="2400" i="1" kern="100">
+                          <a:rPr lang="en-GB" sz="2400" i="1" kern="100" noProof="0">
                             <a:effectLst/>
+                            <a:latin typeface="Cambria Math" panose="02040503050406030204" pitchFamily="18" charset="0"/>
                             <a:ea typeface="Times New Roman" panose="02020603050405020304" pitchFamily="18" charset="0"/>
                             <a:cs typeface="Times New Roman" panose="02020603050405020304" pitchFamily="18" charset="0"/>
                           </a:rPr>
@@ -12097,8 +12308,9 @@
                       </m:dPr>
                       <m:e>
                         <m:r>
-                          <a:rPr lang="en-GB" sz="2400" i="1" kern="100">
+                          <a:rPr lang="en-GB" sz="2400" i="1" kern="100" noProof="0">
                             <a:effectLst/>
+                            <a:latin typeface="Cambria Math" panose="02040503050406030204" pitchFamily="18" charset="0"/>
                             <a:ea typeface="Times New Roman" panose="02020603050405020304" pitchFamily="18" charset="0"/>
                             <a:cs typeface="Times New Roman" panose="02020603050405020304" pitchFamily="18" charset="0"/>
                           </a:rPr>
@@ -12109,17 +12321,32 @@
                   </m:oMath>
                 </a14:m>
                 <a:r>
-                  <a:rPr lang="en-GB" sz="2400" kern="100" dirty="0">
+                  <a:rPr lang="en-GB" sz="2400" kern="100" noProof="0" dirty="0">
                     <a:effectLst/>
                     <a:ea typeface="Aptos" panose="020B0004020202020204" pitchFamily="34" charset="0"/>
                     <a:cs typeface="Times New Roman" panose="02020603050405020304" pitchFamily="18" charset="0"/>
                   </a:rPr>
-                  <a:t> be the probability that the protein is unfolded at force </a:t>
+                  <a:t> be the probability that the protein </a:t>
+                </a:r>
+                <a:r>
+                  <a:rPr lang="en-GB" sz="2400" kern="100" noProof="0" dirty="0">
+                    <a:ea typeface="Aptos" panose="020B0004020202020204" pitchFamily="34" charset="0"/>
+                    <a:cs typeface="Times New Roman" panose="02020603050405020304" pitchFamily="18" charset="0"/>
+                  </a:rPr>
+                  <a:t>remains</a:t>
+                </a:r>
+                <a:r>
+                  <a:rPr lang="en-GB" sz="2400" kern="100" noProof="0" dirty="0">
+                    <a:effectLst/>
+                    <a:ea typeface="Aptos" panose="020B0004020202020204" pitchFamily="34" charset="0"/>
+                    <a:cs typeface="Times New Roman" panose="02020603050405020304" pitchFamily="18" charset="0"/>
+                  </a:rPr>
+                  <a:t> folded at force </a:t>
                 </a:r>
                 <a14:m>
                   <m:oMath xmlns:m="http://schemas.openxmlformats.org/officeDocument/2006/math">
                     <m:r>
-                      <a:rPr lang="en-GB" sz="2400" i="1" kern="100">
+                      <a:rPr lang="en-GB" sz="2400" i="1" kern="100" noProof="0">
                         <a:latin typeface="Cambria Math" panose="02040503050406030204" pitchFamily="18" charset="0"/>
                         <a:ea typeface="Times New Roman" panose="02020603050405020304" pitchFamily="18" charset="0"/>
                         <a:cs typeface="Times New Roman" panose="02020603050405020304" pitchFamily="18" charset="0"/>
@@ -12128,14 +12355,14 @@
                     </m:r>
                   </m:oMath>
                 </a14:m>
-                <a:endParaRPr lang="en-GB" sz="2400" kern="100" dirty="0">
+                <a:endParaRPr lang="en-GB" sz="2400" kern="100" noProof="0" dirty="0">
                   <a:ea typeface="Times New Roman" panose="02020603050405020304" pitchFamily="18" charset="0"/>
                   <a:cs typeface="Times New Roman" panose="02020603050405020304" pitchFamily="18" charset="0"/>
                 </a:endParaRPr>
               </a:p>
               <a:p>
                 <a:r>
-                  <a:rPr lang="en-GB" sz="2400" kern="100" dirty="0">
+                  <a:rPr lang="en-GB" sz="2400" kern="100" noProof="0" dirty="0">
                     <a:effectLst/>
                     <a:ea typeface="Aptos" panose="020B0004020202020204" pitchFamily="34" charset="0"/>
                     <a:cs typeface="Times New Roman" panose="02020603050405020304" pitchFamily="18" charset="0"/>
@@ -12145,7 +12372,7 @@
                 <a14:m>
                   <m:oMath xmlns:m="http://schemas.openxmlformats.org/officeDocument/2006/math">
                     <m:r>
-                      <a:rPr lang="en-GB" sz="2000" i="1">
+                      <a:rPr lang="en-GB" sz="2000" i="1" noProof="0">
                         <a:latin typeface="Cambria Math" panose="02040503050406030204" pitchFamily="18" charset="0"/>
                       </a:rPr>
                       <m:t>𝑝</m:t>
@@ -12153,14 +12380,14 @@
                     <m:d>
                       <m:dPr>
                         <m:ctrlPr>
-                          <a:rPr lang="en-GB" sz="2000" i="1">
+                          <a:rPr lang="en-GB" sz="2000" i="1" noProof="0">
                             <a:latin typeface="Cambria Math" panose="02040503050406030204" pitchFamily="18" charset="0"/>
                           </a:rPr>
                         </m:ctrlPr>
                       </m:dPr>
                       <m:e>
                         <m:r>
-                          <a:rPr lang="en-GB" sz="2000" i="1">
+                          <a:rPr lang="en-GB" sz="2000" i="1" noProof="0">
                             <a:latin typeface="Cambria Math" panose="02040503050406030204" pitchFamily="18" charset="0"/>
                           </a:rPr>
                           <m:t>𝐹</m:t>
@@ -12168,7 +12395,7 @@
                       </m:e>
                     </m:d>
                     <m:r>
-                      <a:rPr lang="en-GB" sz="2000" i="1">
+                      <a:rPr lang="en-GB" sz="2000" i="1" noProof="0">
                         <a:latin typeface="Cambria Math" panose="02040503050406030204" pitchFamily="18" charset="0"/>
                       </a:rPr>
                       <m:t>=−</m:t>
@@ -12176,14 +12403,14 @@
                     <m:f>
                       <m:fPr>
                         <m:ctrlPr>
-                          <a:rPr lang="en-GB" sz="2000" i="1">
+                          <a:rPr lang="en-GB" sz="2000" i="1" noProof="0">
                             <a:latin typeface="Cambria Math" panose="02040503050406030204" pitchFamily="18" charset="0"/>
                           </a:rPr>
                         </m:ctrlPr>
                       </m:fPr>
                       <m:num>
                         <m:r>
-                          <a:rPr lang="en-GB" sz="2000" i="1">
+                          <a:rPr lang="en-GB" sz="2000" i="1" noProof="0">
                             <a:latin typeface="Cambria Math" panose="02040503050406030204" pitchFamily="18" charset="0"/>
                           </a:rPr>
                           <m:t>𝑑𝑆</m:t>
@@ -12191,7 +12418,7 @@
                       </m:num>
                       <m:den>
                         <m:r>
-                          <a:rPr lang="en-GB" sz="2000" i="1">
+                          <a:rPr lang="en-GB" sz="2000" i="1" noProof="0">
                             <a:latin typeface="Cambria Math" panose="02040503050406030204" pitchFamily="18" charset="0"/>
                           </a:rPr>
                           <m:t>𝑑𝐹</m:t>
@@ -12201,18 +12428,18 @@
                   </m:oMath>
                 </a14:m>
                 <a:r>
-                  <a:rPr lang="en-GB" sz="2400" kern="100" dirty="0">
+                  <a:rPr lang="en-GB" sz="2400" kern="100" noProof="0" dirty="0">
                     <a:effectLst/>
                     <a:ea typeface="Aptos" panose="020B0004020202020204" pitchFamily="34" charset="0"/>
                     <a:cs typeface="Times New Roman" panose="02020603050405020304" pitchFamily="18" charset="0"/>
                   </a:rPr>
                   <a:t> </a:t>
                 </a:r>
-                <a:endParaRPr lang="en-GB" sz="2400" dirty="0"/>
+                <a:endParaRPr lang="en-GB" sz="2400" noProof="0" dirty="0"/>
               </a:p>
               <a:p>
                 <a:r>
-                  <a:rPr lang="en-GB" sz="2400" dirty="0"/>
+                  <a:rPr lang="en-GB" sz="2400" noProof="0" dirty="0"/>
                   <a:t>If the force increases at a constant rate </a:t>
                 </a:r>
                 <a14:m>
@@ -12221,35 +12448,47 @@
                       <m:accPr>
                         <m:chr m:val="̇"/>
                         <m:ctrlPr>
-                          <a:rPr lang="en-GB" sz="2000"/>
+                          <a:rPr lang="en-GB" sz="2000" i="1" noProof="0">
+                            <a:latin typeface="Cambria Math" panose="02040503050406030204" pitchFamily="18" charset="0"/>
+                          </a:rPr>
                         </m:ctrlPr>
                       </m:accPr>
                       <m:e>
                         <m:r>
-                          <a:rPr lang="en-GB" sz="2000"/>
+                          <a:rPr lang="en-GB" sz="2000" noProof="0">
+                            <a:latin typeface="Cambria Math" panose="02040503050406030204" pitchFamily="18" charset="0"/>
+                          </a:rPr>
                           <m:t>𝐹</m:t>
                         </m:r>
                       </m:e>
                     </m:acc>
                     <m:r>
-                      <a:rPr lang="en-GB" sz="2000"/>
+                      <a:rPr lang="en-GB" sz="2000" noProof="0">
+                        <a:latin typeface="Cambria Math" panose="02040503050406030204" pitchFamily="18" charset="0"/>
+                      </a:rPr>
                       <m:t>=</m:t>
                     </m:r>
                     <m:f>
                       <m:fPr>
                         <m:ctrlPr>
-                          <a:rPr lang="en-GB" sz="2000"/>
+                          <a:rPr lang="en-GB" sz="2000" i="1" noProof="0">
+                            <a:latin typeface="Cambria Math" panose="02040503050406030204" pitchFamily="18" charset="0"/>
+                          </a:rPr>
                         </m:ctrlPr>
                       </m:fPr>
                       <m:num>
                         <m:r>
-                          <a:rPr lang="en-GB" sz="2000"/>
+                          <a:rPr lang="en-GB" sz="2000" noProof="0">
+                            <a:latin typeface="Cambria Math" panose="02040503050406030204" pitchFamily="18" charset="0"/>
+                          </a:rPr>
                           <m:t>𝑑𝐹</m:t>
                         </m:r>
                       </m:num>
                       <m:den>
                         <m:r>
-                          <a:rPr lang="en-GB" sz="2000"/>
+                          <a:rPr lang="en-GB" sz="2000" noProof="0">
+                            <a:latin typeface="Cambria Math" panose="02040503050406030204" pitchFamily="18" charset="0"/>
+                          </a:rPr>
                           <m:t>𝑑𝑡</m:t>
                         </m:r>
                       </m:den>
@@ -12257,13 +12496,13 @@
                   </m:oMath>
                 </a14:m>
                 <a:r>
-                  <a:rPr lang="en-GB" sz="2400" dirty="0"/>
+                  <a:rPr lang="en-GB" sz="2400" noProof="0" dirty="0"/>
                   <a:t> we get:</a:t>
                 </a:r>
                 <a:br>
-                  <a:rPr lang="en-GB" sz="2400" dirty="0"/>
+                  <a:rPr lang="en-GB" sz="2400" noProof="0" dirty="0"/>
                 </a:br>
-                <a:endParaRPr lang="en-GB" sz="900" dirty="0"/>
+                <a:endParaRPr lang="en-GB" sz="900" noProof="0" dirty="0"/>
               </a:p>
               <a:p>
                 <a:pPr marL="0" indent="0">
@@ -12276,7 +12515,7 @@
                     </m:oMathParaPr>
                     <m:oMath xmlns:m="http://schemas.openxmlformats.org/officeDocument/2006/math">
                       <m:r>
-                        <a:rPr lang="en-GB" sz="2000" i="1" smtClean="0">
+                        <a:rPr lang="en-GB" sz="2000" i="1" noProof="0" smtClean="0">
                           <a:latin typeface="Cambria Math" panose="02040503050406030204" pitchFamily="18" charset="0"/>
                         </a:rPr>
                         <m:t>𝑝</m:t>
@@ -12284,14 +12523,14 @@
                       <m:d>
                         <m:dPr>
                           <m:ctrlPr>
-                            <a:rPr lang="en-GB" sz="2000" i="1">
+                            <a:rPr lang="en-GB" sz="2000" i="1" noProof="0">
                               <a:latin typeface="Cambria Math" panose="02040503050406030204" pitchFamily="18" charset="0"/>
                             </a:rPr>
                           </m:ctrlPr>
                         </m:dPr>
                         <m:e>
                           <m:r>
-                            <a:rPr lang="en-GB" sz="2000" i="1">
+                            <a:rPr lang="en-GB" sz="2000" i="1" noProof="0">
                               <a:latin typeface="Cambria Math" panose="02040503050406030204" pitchFamily="18" charset="0"/>
                             </a:rPr>
                             <m:t>𝐹</m:t>
@@ -12299,7 +12538,7 @@
                         </m:e>
                       </m:d>
                       <m:r>
-                        <a:rPr lang="en-GB" sz="2000" b="0" i="1" smtClean="0">
+                        <a:rPr lang="en-GB" sz="2000" b="0" i="1" noProof="0" smtClean="0">
                           <a:latin typeface="Cambria Math" panose="02040503050406030204" pitchFamily="18" charset="0"/>
                         </a:rPr>
                         <m:t>=</m:t>
@@ -12307,14 +12546,14 @@
                       <m:f>
                         <m:fPr>
                           <m:ctrlPr>
-                            <a:rPr lang="en-GB" sz="2000" i="1">
+                            <a:rPr lang="en-GB" sz="2000" i="1" noProof="0">
                               <a:latin typeface="Cambria Math" panose="02040503050406030204" pitchFamily="18" charset="0"/>
                             </a:rPr>
                           </m:ctrlPr>
                         </m:fPr>
                         <m:num>
                           <m:r>
-                            <a:rPr lang="en-GB" sz="2000" b="0" i="1" smtClean="0">
+                            <a:rPr lang="en-GB" sz="2000" b="0" i="1" noProof="0" smtClean="0">
                               <a:latin typeface="Cambria Math" panose="02040503050406030204" pitchFamily="18" charset="0"/>
                             </a:rPr>
                             <m:t>𝐾</m:t>
@@ -12322,14 +12561,14 @@
                           <m:d>
                             <m:dPr>
                               <m:ctrlPr>
-                                <a:rPr lang="en-GB" sz="2000" i="1">
+                                <a:rPr lang="en-GB" sz="2000" i="1" noProof="0">
                                   <a:latin typeface="Cambria Math" panose="02040503050406030204" pitchFamily="18" charset="0"/>
                                 </a:rPr>
                               </m:ctrlPr>
                             </m:dPr>
                             <m:e>
                               <m:r>
-                                <a:rPr lang="en-GB" sz="2000" i="1">
+                                <a:rPr lang="en-GB" sz="2000" i="1" noProof="0">
                                   <a:latin typeface="Cambria Math" panose="02040503050406030204" pitchFamily="18" charset="0"/>
                                 </a:rPr>
                                 <m:t>𝐹</m:t>
@@ -12342,14 +12581,14 @@
                             <m:accPr>
                               <m:chr m:val="̇"/>
                               <m:ctrlPr>
-                                <a:rPr lang="en-GB" sz="2000" i="1">
+                                <a:rPr lang="en-GB" sz="2000" i="1" noProof="0">
                                   <a:latin typeface="Cambria Math" panose="02040503050406030204" pitchFamily="18" charset="0"/>
                                 </a:rPr>
                               </m:ctrlPr>
                             </m:accPr>
                             <m:e>
                               <m:r>
-                                <a:rPr lang="en-GB" sz="2000" i="1">
+                                <a:rPr lang="en-GB" sz="2000" i="1" noProof="0">
                                   <a:latin typeface="Cambria Math" panose="02040503050406030204" pitchFamily="18" charset="0"/>
                                 </a:rPr>
                                 <m:t>𝐹</m:t>
@@ -12362,7 +12601,7 @@
                         <m:rPr>
                           <m:sty m:val="p"/>
                         </m:rPr>
-                        <a:rPr lang="en-GB" sz="2000" b="0" i="0" smtClean="0">
+                        <a:rPr lang="en-GB" sz="2000" b="0" i="0" noProof="0" smtClean="0">
                           <a:latin typeface="Cambria Math" panose="02040503050406030204" pitchFamily="18" charset="0"/>
                         </a:rPr>
                         <m:t>S</m:t>
@@ -12370,14 +12609,14 @@
                       <m:d>
                         <m:dPr>
                           <m:ctrlPr>
-                            <a:rPr lang="en-GB" sz="2000" i="1">
+                            <a:rPr lang="en-GB" sz="2000" i="1" noProof="0">
                               <a:latin typeface="Cambria Math" panose="02040503050406030204" pitchFamily="18" charset="0"/>
                             </a:rPr>
                           </m:ctrlPr>
                         </m:dPr>
                         <m:e>
                           <m:r>
-                            <a:rPr lang="en-GB" sz="2000" i="1">
+                            <a:rPr lang="en-GB" sz="2000" i="1" noProof="0">
                               <a:latin typeface="Cambria Math" panose="02040503050406030204" pitchFamily="18" charset="0"/>
                             </a:rPr>
                             <m:t>𝐹</m:t>
@@ -12385,7 +12624,7 @@
                         </m:e>
                       </m:d>
                       <m:r>
-                        <a:rPr lang="en-GB" sz="2000" i="1" smtClean="0">
+                        <a:rPr lang="en-GB" sz="2000" i="1" noProof="0" smtClean="0">
                           <a:latin typeface="Cambria Math" panose="02040503050406030204" pitchFamily="18" charset="0"/>
                         </a:rPr>
                         <m:t>=</m:t>
@@ -12393,14 +12632,14 @@
                       <m:f>
                         <m:fPr>
                           <m:ctrlPr>
-                            <a:rPr lang="en-GB" sz="2000" i="1">
+                            <a:rPr lang="en-GB" sz="2000" i="1" noProof="0">
                               <a:latin typeface="Cambria Math" panose="02040503050406030204" pitchFamily="18" charset="0"/>
                             </a:rPr>
                           </m:ctrlPr>
                         </m:fPr>
                         <m:num>
                           <m:r>
-                            <a:rPr lang="en-GB" sz="2000" b="0" i="1" smtClean="0">
+                            <a:rPr lang="en-GB" sz="2000" b="0" i="1" noProof="0" smtClean="0">
                               <a:latin typeface="Cambria Math" panose="02040503050406030204" pitchFamily="18" charset="0"/>
                             </a:rPr>
                             <m:t>𝐾</m:t>
@@ -12408,14 +12647,14 @@
                           <m:d>
                             <m:dPr>
                               <m:ctrlPr>
-                                <a:rPr lang="en-GB" sz="2000" i="1">
+                                <a:rPr lang="en-GB" sz="2000" i="1" noProof="0">
                                   <a:latin typeface="Cambria Math" panose="02040503050406030204" pitchFamily="18" charset="0"/>
                                 </a:rPr>
                               </m:ctrlPr>
                             </m:dPr>
                             <m:e>
                               <m:r>
-                                <a:rPr lang="en-GB" sz="2000" i="1">
+                                <a:rPr lang="en-GB" sz="2000" i="1" noProof="0">
                                   <a:latin typeface="Cambria Math" panose="02040503050406030204" pitchFamily="18" charset="0"/>
                                 </a:rPr>
                                 <m:t>𝐹</m:t>
@@ -12428,14 +12667,14 @@
                             <m:accPr>
                               <m:chr m:val="̇"/>
                               <m:ctrlPr>
-                                <a:rPr lang="en-GB" sz="2000" i="1">
+                                <a:rPr lang="en-GB" sz="2000" i="1" noProof="0">
                                   <a:latin typeface="Cambria Math" panose="02040503050406030204" pitchFamily="18" charset="0"/>
                                 </a:rPr>
                               </m:ctrlPr>
                             </m:accPr>
                             <m:e>
                               <m:r>
-                                <a:rPr lang="en-GB" sz="2000" i="1">
+                                <a:rPr lang="en-GB" sz="2000" i="1" noProof="0">
                                   <a:latin typeface="Cambria Math" panose="02040503050406030204" pitchFamily="18" charset="0"/>
                                 </a:rPr>
                                 <m:t>𝐹</m:t>
@@ -12447,14 +12686,14 @@
                       <m:sSup>
                         <m:sSupPr>
                           <m:ctrlPr>
-                            <a:rPr lang="en-GB" sz="2000" i="1">
+                            <a:rPr lang="en-GB" sz="2000" i="1" noProof="0">
                               <a:latin typeface="Cambria Math" panose="02040503050406030204" pitchFamily="18" charset="0"/>
                             </a:rPr>
                           </m:ctrlPr>
                         </m:sSupPr>
                         <m:e>
                           <m:r>
-                            <a:rPr lang="en-GB" sz="2000" i="1">
+                            <a:rPr lang="en-GB" sz="2000" i="1" noProof="0">
                               <a:latin typeface="Cambria Math" panose="02040503050406030204" pitchFamily="18" charset="0"/>
                             </a:rPr>
                             <m:t>𝑒</m:t>
@@ -12462,7 +12701,7 @@
                         </m:e>
                         <m:sup>
                           <m:r>
-                            <a:rPr lang="en-GB" sz="2000" i="1">
+                            <a:rPr lang="en-GB" sz="2000" i="1" noProof="0">
                               <a:latin typeface="Cambria Math" panose="02040503050406030204" pitchFamily="18" charset="0"/>
                             </a:rPr>
                             <m:t>−</m:t>
@@ -12471,14 +12710,14 @@
                             <m:naryPr>
                               <m:limLoc m:val="subSup"/>
                               <m:ctrlPr>
-                                <a:rPr lang="en-GB" sz="2000" i="1">
+                                <a:rPr lang="en-GB" sz="2000" i="1" noProof="0">
                                   <a:latin typeface="Cambria Math" panose="02040503050406030204" pitchFamily="18" charset="0"/>
                                 </a:rPr>
                               </m:ctrlPr>
                             </m:naryPr>
                             <m:sub>
                               <m:r>
-                                <a:rPr lang="en-GB" sz="2000" i="1">
+                                <a:rPr lang="en-GB" sz="2000" i="1" noProof="0">
                                   <a:latin typeface="Cambria Math" panose="02040503050406030204" pitchFamily="18" charset="0"/>
                                 </a:rPr>
                                 <m:t>0</m:t>
@@ -12486,7 +12725,7 @@
                             </m:sub>
                             <m:sup>
                               <m:r>
-                                <a:rPr lang="en-GB" sz="2000" i="1">
+                                <a:rPr lang="en-GB" sz="2000" i="1" noProof="0">
                                   <a:latin typeface="Cambria Math" panose="02040503050406030204" pitchFamily="18" charset="0"/>
                                 </a:rPr>
                                 <m:t>𝐹</m:t>
@@ -12494,7 +12733,7 @@
                             </m:sup>
                             <m:e>
                               <m:r>
-                                <a:rPr lang="en-GB" sz="2000" i="1">
+                                <a:rPr lang="en-GB" sz="2000" i="1" noProof="0">
                                   <a:latin typeface="Cambria Math" panose="02040503050406030204" pitchFamily="18" charset="0"/>
                                 </a:rPr>
                                 <m:t> </m:t>
@@ -12502,14 +12741,14 @@
                               <m:f>
                                 <m:fPr>
                                   <m:ctrlPr>
-                                    <a:rPr lang="en-GB" sz="2000" i="1">
+                                    <a:rPr lang="en-GB" sz="2000" i="1" noProof="0">
                                       <a:latin typeface="Cambria Math" panose="02040503050406030204" pitchFamily="18" charset="0"/>
                                     </a:rPr>
                                   </m:ctrlPr>
                                 </m:fPr>
                                 <m:num>
                                   <m:r>
-                                    <a:rPr lang="en-GB" sz="2000" b="0" i="1" smtClean="0">
+                                    <a:rPr lang="en-GB" sz="2000" b="0" i="1" noProof="0" smtClean="0">
                                       <a:latin typeface="Cambria Math" panose="02040503050406030204" pitchFamily="18" charset="0"/>
                                     </a:rPr>
                                     <m:t>𝐾</m:t>
@@ -12517,14 +12756,14 @@
                                   <m:d>
                                     <m:dPr>
                                       <m:ctrlPr>
-                                        <a:rPr lang="en-GB" sz="2000" i="1">
+                                        <a:rPr lang="en-GB" sz="2000" i="1" noProof="0">
                                           <a:latin typeface="Cambria Math" panose="02040503050406030204" pitchFamily="18" charset="0"/>
                                         </a:rPr>
                                       </m:ctrlPr>
                                     </m:dPr>
                                     <m:e>
                                       <m:r>
-                                        <a:rPr lang="en-GB" sz="2000" i="1">
+                                        <a:rPr lang="en-GB" sz="2000" i="1" noProof="0">
                                           <a:latin typeface="Cambria Math" panose="02040503050406030204" pitchFamily="18" charset="0"/>
                                         </a:rPr>
                                         <m:t>𝑓</m:t>
@@ -12537,14 +12776,14 @@
                                     <m:accPr>
                                       <m:chr m:val="̇"/>
                                       <m:ctrlPr>
-                                        <a:rPr lang="en-GB" sz="2000" i="1">
+                                        <a:rPr lang="en-GB" sz="2000" i="1" noProof="0">
                                           <a:latin typeface="Cambria Math" panose="02040503050406030204" pitchFamily="18" charset="0"/>
                                         </a:rPr>
                                       </m:ctrlPr>
                                     </m:accPr>
                                     <m:e>
                                       <m:r>
-                                        <a:rPr lang="en-GB" sz="2000" i="1">
+                                        <a:rPr lang="en-GB" sz="2000" i="1" noProof="0">
                                           <a:latin typeface="Cambria Math" panose="02040503050406030204" pitchFamily="18" charset="0"/>
                                         </a:rPr>
                                         <m:t>𝐹</m:t>
@@ -12554,13 +12793,13 @@
                                 </m:den>
                               </m:f>
                               <m:r>
-                                <a:rPr lang="en-GB" sz="2000" i="1">
+                                <a:rPr lang="en-GB" sz="2000" i="1" noProof="0">
                                   <a:latin typeface="Cambria Math" panose="02040503050406030204" pitchFamily="18" charset="0"/>
                                 </a:rPr>
                                 <m:t> </m:t>
                               </m:r>
                               <m:r>
-                                <a:rPr lang="en-GB" sz="2000" i="1">
+                                <a:rPr lang="en-GB" sz="2000" i="1" noProof="0">
                                   <a:latin typeface="Cambria Math" panose="02040503050406030204" pitchFamily="18" charset="0"/>
                                 </a:rPr>
                                 <m:t>𝑑𝑓</m:t>
@@ -12572,17 +12811,17 @@
                     </m:oMath>
                   </m:oMathPara>
                 </a14:m>
-                <a:endParaRPr lang="en-GB" sz="2000" dirty="0"/>
+                <a:endParaRPr lang="en-GB" sz="2000" noProof="0" dirty="0"/>
               </a:p>
               <a:p>
                 <a:r>
-                  <a:rPr lang="en-GB" sz="2400" dirty="0"/>
+                  <a:rPr lang="en-GB" sz="2400" noProof="0" dirty="0"/>
                   <a:t>Inserting the Bell expression for </a:t>
                 </a:r>
                 <a14:m>
                   <m:oMath xmlns:m="http://schemas.openxmlformats.org/officeDocument/2006/math">
                     <m:r>
-                      <a:rPr lang="en-GB" sz="2400" b="0" i="1" smtClean="0">
+                      <a:rPr lang="en-GB" sz="2400" b="0" i="1" noProof="0" smtClean="0">
                         <a:latin typeface="Cambria Math" panose="02040503050406030204" pitchFamily="18" charset="0"/>
                       </a:rPr>
                       <m:t>𝐾</m:t>
@@ -12590,14 +12829,14 @@
                     <m:d>
                       <m:dPr>
                         <m:ctrlPr>
-                          <a:rPr lang="en-GB" sz="2400" i="1">
+                          <a:rPr lang="en-GB" sz="2400" i="1" noProof="0">
                             <a:latin typeface="Cambria Math" panose="02040503050406030204" pitchFamily="18" charset="0"/>
                           </a:rPr>
                         </m:ctrlPr>
                       </m:dPr>
                       <m:e>
                         <m:r>
-                          <a:rPr lang="en-GB" sz="2400" i="1">
+                          <a:rPr lang="en-GB" sz="2400" i="1" noProof="0">
                             <a:latin typeface="Cambria Math" panose="02040503050406030204" pitchFamily="18" charset="0"/>
                           </a:rPr>
                           <m:t>𝐹</m:t>
@@ -12607,13 +12846,13 @@
                   </m:oMath>
                 </a14:m>
                 <a:r>
-                  <a:rPr lang="en-GB" sz="2400" dirty="0"/>
+                  <a:rPr lang="en-GB" sz="2400" noProof="0" dirty="0"/>
                   <a:t> we can solve the integral in the exponent to get:</a:t>
                 </a:r>
                 <a:br>
-                  <a:rPr lang="en-GB" sz="2400" dirty="0"/>
+                  <a:rPr lang="en-GB" sz="2400" noProof="0" dirty="0"/>
                 </a:br>
-                <a:endParaRPr lang="en-GB" sz="800" dirty="0"/>
+                <a:endParaRPr lang="en-GB" sz="800" noProof="0" dirty="0"/>
               </a:p>
               <a:p>
                 <a:pPr marL="0" indent="0">
@@ -12626,7 +12865,7 @@
                     </m:oMathParaPr>
                     <m:oMath xmlns:m="http://schemas.openxmlformats.org/officeDocument/2006/math">
                       <m:r>
-                        <a:rPr lang="en-GB" sz="2000" i="1" kern="100" smtClean="0">
+                        <a:rPr lang="en-GB" sz="2000" i="1" kern="100" noProof="0" smtClean="0">
                           <a:effectLst/>
                           <a:latin typeface="Cambria Math" panose="02040503050406030204" pitchFamily="18" charset="0"/>
                           <a:ea typeface="Times New Roman" panose="02020603050405020304" pitchFamily="18" charset="0"/>
@@ -12637,7 +12876,7 @@
                       <m:d>
                         <m:dPr>
                           <m:ctrlPr>
-                            <a:rPr lang="en-GB" sz="2000" i="1" kern="100">
+                            <a:rPr lang="en-GB" sz="2000" i="1" kern="100" noProof="0">
                               <a:effectLst/>
                               <a:latin typeface="Cambria Math" panose="02040503050406030204" pitchFamily="18" charset="0"/>
                               <a:ea typeface="Times New Roman" panose="02020603050405020304" pitchFamily="18" charset="0"/>
@@ -12647,7 +12886,7 @@
                         </m:dPr>
                         <m:e>
                           <m:r>
-                            <a:rPr lang="en-GB" sz="2000" i="1" kern="100">
+                            <a:rPr lang="en-GB" sz="2000" i="1" kern="100" noProof="0">
                               <a:effectLst/>
                               <a:latin typeface="Cambria Math" panose="02040503050406030204" pitchFamily="18" charset="0"/>
                               <a:ea typeface="Times New Roman" panose="02020603050405020304" pitchFamily="18" charset="0"/>
@@ -12658,7 +12897,7 @@
                         </m:e>
                       </m:d>
                       <m:r>
-                        <a:rPr lang="en-GB" sz="2000" i="1" kern="100">
+                        <a:rPr lang="en-GB" sz="2000" i="1" kern="100" noProof="0">
                           <a:effectLst/>
                           <a:latin typeface="Cambria Math" panose="02040503050406030204" pitchFamily="18" charset="0"/>
                           <a:ea typeface="Times New Roman" panose="02020603050405020304" pitchFamily="18" charset="0"/>
@@ -12669,7 +12908,7 @@
                       <m:f>
                         <m:fPr>
                           <m:ctrlPr>
-                            <a:rPr lang="en-GB" sz="2000" i="1" kern="100">
+                            <a:rPr lang="en-GB" sz="2000" i="1" kern="100" noProof="0">
                               <a:effectLst/>
                               <a:latin typeface="Cambria Math" panose="02040503050406030204" pitchFamily="18" charset="0"/>
                               <a:ea typeface="Aptos" panose="020B0004020202020204" pitchFamily="34" charset="0"/>
@@ -12681,7 +12920,7 @@
                           <m:sSub>
                             <m:sSubPr>
                               <m:ctrlPr>
-                                <a:rPr lang="en-GB" sz="2000" i="1" kern="100">
+                                <a:rPr lang="en-GB" sz="2000" i="1" kern="100" noProof="0">
                                   <a:effectLst/>
                                   <a:latin typeface="Cambria Math" panose="02040503050406030204" pitchFamily="18" charset="0"/>
                                   <a:ea typeface="Aptos" panose="020B0004020202020204" pitchFamily="34" charset="0"/>
@@ -12691,7 +12930,7 @@
                             </m:sSubPr>
                             <m:e>
                               <m:r>
-                                <a:rPr lang="pt-BR" sz="2000" i="1" kern="100">
+                                <a:rPr lang="en-GB" sz="2000" i="1" kern="100" noProof="0">
                                   <a:effectLst/>
                                   <a:latin typeface="Cambria Math" panose="02040503050406030204" pitchFamily="18" charset="0"/>
                                   <a:ea typeface="Aptos" panose="020B0004020202020204" pitchFamily="34" charset="0"/>
@@ -12702,7 +12941,7 @@
                             </m:e>
                             <m:sub>
                               <m:r>
-                                <a:rPr lang="pt-BR" sz="2000" i="1" kern="100">
+                                <a:rPr lang="en-GB" sz="2000" i="1" kern="100" noProof="0">
                                   <a:effectLst/>
                                   <a:latin typeface="Cambria Math" panose="02040503050406030204" pitchFamily="18" charset="0"/>
                                   <a:ea typeface="Aptos" panose="020B0004020202020204" pitchFamily="34" charset="0"/>
@@ -12715,7 +12954,7 @@
                           <m:sSup>
                             <m:sSupPr>
                               <m:ctrlPr>
-                                <a:rPr lang="en-GB" sz="2000" i="1" kern="100">
+                                <a:rPr lang="en-GB" sz="2000" i="1" kern="100" noProof="0">
                                   <a:effectLst/>
                                   <a:latin typeface="Cambria Math" panose="02040503050406030204" pitchFamily="18" charset="0"/>
                                   <a:ea typeface="Aptos" panose="020B0004020202020204" pitchFamily="34" charset="0"/>
@@ -12725,7 +12964,7 @@
                             </m:sSupPr>
                             <m:e>
                               <m:r>
-                                <a:rPr lang="pt-BR" sz="2000" i="1" kern="100">
+                                <a:rPr lang="en-GB" sz="2000" i="1" kern="100" noProof="0">
                                   <a:effectLst/>
                                   <a:latin typeface="Cambria Math" panose="02040503050406030204" pitchFamily="18" charset="0"/>
                                   <a:ea typeface="Aptos" panose="020B0004020202020204" pitchFamily="34" charset="0"/>
@@ -12736,7 +12975,7 @@
                             </m:e>
                             <m:sup>
                               <m:r>
-                                <a:rPr lang="pt-BR" sz="2000" i="1" kern="100">
+                                <a:rPr lang="en-GB" sz="2000" i="1" kern="100" noProof="0">
                                   <a:effectLst/>
                                   <a:latin typeface="Cambria Math" panose="02040503050406030204" pitchFamily="18" charset="0"/>
                                   <a:ea typeface="Aptos" panose="020B0004020202020204" pitchFamily="34" charset="0"/>
@@ -12745,7 +12984,7 @@
                                 <m:t>𝛽</m:t>
                               </m:r>
                               <m:r>
-                                <a:rPr lang="pt-BR" sz="2000" i="1" kern="100">
+                                <a:rPr lang="en-GB" sz="2000" i="1" kern="100" noProof="0">
                                   <a:effectLst/>
                                   <a:latin typeface="Cambria Math" panose="02040503050406030204" pitchFamily="18" charset="0"/>
                                   <a:ea typeface="Aptos" panose="020B0004020202020204" pitchFamily="34" charset="0"/>
@@ -12756,7 +12995,7 @@
                               <m:sSup>
                                 <m:sSupPr>
                                   <m:ctrlPr>
-                                    <a:rPr lang="en-GB" sz="2000" i="1" kern="100">
+                                    <a:rPr lang="en-GB" sz="2000" i="1" kern="100" noProof="0">
                                       <a:effectLst/>
                                       <a:latin typeface="Cambria Math" panose="02040503050406030204" pitchFamily="18" charset="0"/>
                                       <a:ea typeface="Aptos" panose="020B0004020202020204" pitchFamily="34" charset="0"/>
@@ -12766,7 +13005,7 @@
                                 </m:sSupPr>
                                 <m:e>
                                   <m:r>
-                                    <a:rPr lang="pt-BR" sz="2000" i="1" kern="100">
+                                    <a:rPr lang="en-GB" sz="2000" i="1" kern="100" noProof="0">
                                       <a:effectLst/>
                                       <a:latin typeface="Cambria Math" panose="02040503050406030204" pitchFamily="18" charset="0"/>
                                       <a:ea typeface="Aptos" panose="020B0004020202020204" pitchFamily="34" charset="0"/>
@@ -12777,7 +13016,7 @@
                                 </m:e>
                                 <m:sup>
                                   <m:r>
-                                    <a:rPr lang="pt-BR" sz="2000" kern="100">
+                                    <a:rPr lang="en-GB" sz="2000" kern="100" noProof="0">
                                       <a:effectLst/>
                                       <a:latin typeface="Cambria Math" panose="02040503050406030204" pitchFamily="18" charset="0"/>
                                       <a:ea typeface="Aptos" panose="020B0004020202020204" pitchFamily="34" charset="0"/>
@@ -12795,7 +13034,7 @@
                             <m:accPr>
                               <m:chr m:val="̇"/>
                               <m:ctrlPr>
-                                <a:rPr lang="en-GB" sz="2000" i="1" kern="100">
+                                <a:rPr lang="en-GB" sz="2000" i="1" kern="100" noProof="0">
                                   <a:effectLst/>
                                   <a:latin typeface="Cambria Math" panose="02040503050406030204" pitchFamily="18" charset="0"/>
                                   <a:ea typeface="Times New Roman" panose="02020603050405020304" pitchFamily="18" charset="0"/>
@@ -12805,7 +13044,7 @@
                             </m:accPr>
                             <m:e>
                               <m:r>
-                                <a:rPr lang="en-GB" sz="2000" i="1" kern="100">
+                                <a:rPr lang="en-GB" sz="2000" i="1" kern="100" noProof="0">
                                   <a:effectLst/>
                                   <a:latin typeface="Cambria Math" panose="02040503050406030204" pitchFamily="18" charset="0"/>
                                   <a:ea typeface="Times New Roman" panose="02020603050405020304" pitchFamily="18" charset="0"/>
@@ -12821,7 +13060,7 @@
                         <m:rPr>
                           <m:sty m:val="p"/>
                         </m:rPr>
-                        <a:rPr lang="en-GB" sz="2000" kern="100">
+                        <a:rPr lang="en-GB" sz="2000" kern="100" noProof="0">
                           <a:effectLst/>
                           <a:latin typeface="Cambria Math" panose="02040503050406030204" pitchFamily="18" charset="0"/>
                           <a:ea typeface="Aptos" panose="020B0004020202020204" pitchFamily="34" charset="0"/>
@@ -12834,7 +13073,7 @@
                           <m:begChr m:val="{"/>
                           <m:endChr m:val="}"/>
                           <m:ctrlPr>
-                            <a:rPr lang="en-GB" sz="2000" i="1" kern="100">
+                            <a:rPr lang="en-GB" sz="2000" i="1" kern="100" noProof="0">
                               <a:effectLst/>
                               <a:latin typeface="Cambria Math" panose="02040503050406030204" pitchFamily="18" charset="0"/>
                               <a:ea typeface="Aptos" panose="020B0004020202020204" pitchFamily="34" charset="0"/>
@@ -12846,7 +13085,7 @@
                           <m:f>
                             <m:fPr>
                               <m:ctrlPr>
-                                <a:rPr lang="en-GB" sz="2000" i="1" kern="100">
+                                <a:rPr lang="en-GB" sz="2000" i="1" kern="100" noProof="0">
                                   <a:effectLst/>
                                   <a:latin typeface="Cambria Math" panose="02040503050406030204" pitchFamily="18" charset="0"/>
                                   <a:ea typeface="Aptos" panose="020B0004020202020204" pitchFamily="34" charset="0"/>
@@ -12858,7 +13097,7 @@
                               <m:sSub>
                                 <m:sSubPr>
                                   <m:ctrlPr>
-                                    <a:rPr lang="en-GB" sz="2000" i="1" kern="100">
+                                    <a:rPr lang="en-GB" sz="2000" i="1" kern="100" noProof="0">
                                       <a:effectLst/>
                                       <a:latin typeface="Cambria Math" panose="02040503050406030204" pitchFamily="18" charset="0"/>
                                       <a:ea typeface="Aptos" panose="020B0004020202020204" pitchFamily="34" charset="0"/>
@@ -12868,7 +13107,7 @@
                                 </m:sSubPr>
                                 <m:e>
                                   <m:r>
-                                    <a:rPr lang="en-GB" sz="2000" i="1" kern="100">
+                                    <a:rPr lang="en-GB" sz="2000" i="1" kern="100" noProof="0">
                                       <a:effectLst/>
                                       <a:latin typeface="Cambria Math" panose="02040503050406030204" pitchFamily="18" charset="0"/>
                                       <a:ea typeface="Aptos" panose="020B0004020202020204" pitchFamily="34" charset="0"/>
@@ -12879,7 +13118,7 @@
                                 </m:e>
                                 <m:sub>
                                   <m:r>
-                                    <a:rPr lang="en-GB" sz="2000" i="1" kern="100">
+                                    <a:rPr lang="en-GB" sz="2000" i="1" kern="100" noProof="0">
                                       <a:effectLst/>
                                       <a:latin typeface="Cambria Math" panose="02040503050406030204" pitchFamily="18" charset="0"/>
                                       <a:ea typeface="Aptos" panose="020B0004020202020204" pitchFamily="34" charset="0"/>
@@ -12895,7 +13134,7 @@
                                 <m:accPr>
                                   <m:chr m:val="̇"/>
                                   <m:ctrlPr>
-                                    <a:rPr lang="en-GB" sz="2000" i="1" kern="100">
+                                    <a:rPr lang="en-GB" sz="2000" i="1" kern="100" noProof="0">
                                       <a:effectLst/>
                                       <a:latin typeface="Cambria Math" panose="02040503050406030204" pitchFamily="18" charset="0"/>
                                       <a:ea typeface="Times New Roman" panose="02020603050405020304" pitchFamily="18" charset="0"/>
@@ -12905,7 +13144,7 @@
                                 </m:accPr>
                                 <m:e>
                                   <m:r>
-                                    <a:rPr lang="en-GB" sz="2000" i="1" kern="100">
+                                    <a:rPr lang="en-GB" sz="2000" i="1" kern="100" noProof="0">
                                       <a:effectLst/>
                                       <a:latin typeface="Cambria Math" panose="02040503050406030204" pitchFamily="18" charset="0"/>
                                       <a:ea typeface="Times New Roman" panose="02020603050405020304" pitchFamily="18" charset="0"/>
@@ -12916,7 +13155,7 @@
                                 </m:e>
                               </m:acc>
                               <m:r>
-                                <a:rPr lang="en-GB" sz="2000" i="1" kern="100">
+                                <a:rPr lang="en-GB" sz="2000" i="1" kern="100" noProof="0">
                                   <a:effectLst/>
                                   <a:latin typeface="Cambria Math" panose="02040503050406030204" pitchFamily="18" charset="0"/>
                                   <a:ea typeface="Times New Roman" panose="02020603050405020304" pitchFamily="18" charset="0"/>
@@ -12927,7 +13166,7 @@
                               <m:sSup>
                                 <m:sSupPr>
                                   <m:ctrlPr>
-                                    <a:rPr lang="en-GB" sz="2000" i="1" kern="100">
+                                    <a:rPr lang="en-GB" sz="2000" i="1" kern="100" noProof="0">
                                       <a:effectLst/>
                                       <a:latin typeface="Cambria Math" panose="02040503050406030204" pitchFamily="18" charset="0"/>
                                       <a:ea typeface="Aptos" panose="020B0004020202020204" pitchFamily="34" charset="0"/>
@@ -12937,7 +13176,7 @@
                                 </m:sSupPr>
                                 <m:e>
                                   <m:r>
-                                    <a:rPr lang="pt-BR" sz="2000" i="1" kern="100">
+                                    <a:rPr lang="en-GB" sz="2000" i="1" kern="100" noProof="0">
                                       <a:effectLst/>
                                       <a:latin typeface="Cambria Math" panose="02040503050406030204" pitchFamily="18" charset="0"/>
                                       <a:ea typeface="Aptos" panose="020B0004020202020204" pitchFamily="34" charset="0"/>
@@ -12948,7 +13187,7 @@
                                 </m:e>
                                 <m:sup>
                                   <m:r>
-                                    <a:rPr lang="pt-BR" sz="2000" kern="100">
+                                    <a:rPr lang="en-GB" sz="2000" kern="100" noProof="0">
                                       <a:effectLst/>
                                       <a:latin typeface="Cambria Math" panose="02040503050406030204" pitchFamily="18" charset="0"/>
                                       <a:ea typeface="Aptos" panose="020B0004020202020204" pitchFamily="34" charset="0"/>
@@ -12963,7 +13202,7 @@
                           <m:d>
                             <m:dPr>
                               <m:ctrlPr>
-                                <a:rPr lang="en-GB" sz="2000" i="1" kern="100">
+                                <a:rPr lang="en-GB" sz="2000" i="1" kern="100" noProof="0">
                                   <a:effectLst/>
                                   <a:latin typeface="Cambria Math" panose="02040503050406030204" pitchFamily="18" charset="0"/>
                                   <a:ea typeface="Aptos" panose="020B0004020202020204" pitchFamily="34" charset="0"/>
@@ -12973,7 +13212,7 @@
                             </m:dPr>
                             <m:e>
                               <m:r>
-                                <a:rPr lang="en-GB" sz="2000" i="1" kern="100">
+                                <a:rPr lang="en-GB" sz="2000" i="1" kern="100" noProof="0">
                                   <a:effectLst/>
                                   <a:latin typeface="Cambria Math" panose="02040503050406030204" pitchFamily="18" charset="0"/>
                                   <a:ea typeface="Aptos" panose="020B0004020202020204" pitchFamily="34" charset="0"/>
@@ -12984,7 +13223,7 @@
                               <m:sSup>
                                 <m:sSupPr>
                                   <m:ctrlPr>
-                                    <a:rPr lang="en-GB" sz="2000" i="1" kern="100">
+                                    <a:rPr lang="en-GB" sz="2000" i="1" kern="100" noProof="0">
                                       <a:effectLst/>
                                       <a:latin typeface="Cambria Math" panose="02040503050406030204" pitchFamily="18" charset="0"/>
                                       <a:ea typeface="Times New Roman" panose="02020603050405020304" pitchFamily="18" charset="0"/>
@@ -12994,7 +13233,7 @@
                                 </m:sSupPr>
                                 <m:e>
                                   <m:r>
-                                    <a:rPr lang="en-GB" sz="2000" i="1" kern="100">
+                                    <a:rPr lang="en-GB" sz="2000" i="1" kern="100" noProof="0">
                                       <a:effectLst/>
                                       <a:latin typeface="Cambria Math" panose="02040503050406030204" pitchFamily="18" charset="0"/>
                                       <a:ea typeface="Aptos" panose="020B0004020202020204" pitchFamily="34" charset="0"/>
@@ -13005,7 +13244,7 @@
                                 </m:e>
                                 <m:sup>
                                   <m:r>
-                                    <a:rPr lang="en-GB" sz="2000" i="1" kern="100">
+                                    <a:rPr lang="en-GB" sz="2000" i="1" kern="100" noProof="0">
                                       <a:effectLst/>
                                       <a:latin typeface="Cambria Math" panose="02040503050406030204" pitchFamily="18" charset="0"/>
                                       <a:ea typeface="Times New Roman" panose="02020603050405020304" pitchFamily="18" charset="0"/>
@@ -13014,7 +13253,7 @@
                                     <m:t>𝐹</m:t>
                                   </m:r>
                                   <m:r>
-                                    <a:rPr lang="en-GB" sz="2000" i="1" kern="100">
+                                    <a:rPr lang="en-GB" sz="2000" i="1" kern="100" noProof="0">
                                       <a:effectLst/>
                                       <a:latin typeface="Cambria Math" panose="02040503050406030204" pitchFamily="18" charset="0"/>
                                       <a:ea typeface="Times New Roman" panose="02020603050405020304" pitchFamily="18" charset="0"/>
@@ -13025,7 +13264,7 @@
                                   <m:sSup>
                                     <m:sSupPr>
                                       <m:ctrlPr>
-                                        <a:rPr lang="en-GB" sz="2000" i="1" kern="100">
+                                        <a:rPr lang="en-GB" sz="2000" i="1" kern="100" noProof="0">
                                           <a:effectLst/>
                                           <a:latin typeface="Cambria Math" panose="02040503050406030204" pitchFamily="18" charset="0"/>
                                           <a:ea typeface="Aptos" panose="020B0004020202020204" pitchFamily="34" charset="0"/>
@@ -13035,7 +13274,7 @@
                                     </m:sSupPr>
                                     <m:e>
                                       <m:r>
-                                        <a:rPr lang="pt-BR" sz="2000" i="1" kern="100">
+                                        <a:rPr lang="en-GB" sz="2000" i="1" kern="100" noProof="0">
                                           <a:effectLst/>
                                           <a:latin typeface="Cambria Math" panose="02040503050406030204" pitchFamily="18" charset="0"/>
                                           <a:ea typeface="Aptos" panose="020B0004020202020204" pitchFamily="34" charset="0"/>
@@ -13046,7 +13285,7 @@
                                     </m:e>
                                     <m:sup>
                                       <m:r>
-                                        <a:rPr lang="pt-BR" sz="2000" kern="100">
+                                        <a:rPr lang="en-GB" sz="2000" kern="100" noProof="0">
                                           <a:effectLst/>
                                           <a:latin typeface="Cambria Math" panose="02040503050406030204" pitchFamily="18" charset="0"/>
                                           <a:ea typeface="Aptos" panose="020B0004020202020204" pitchFamily="34" charset="0"/>
@@ -13065,13 +13304,13 @@
                     </m:oMath>
                   </m:oMathPara>
                 </a14:m>
-                <a:endParaRPr lang="en-GB" sz="2000" dirty="0"/>
+                <a:endParaRPr lang="en-GB" sz="2000" noProof="0" dirty="0"/>
               </a:p>
               <a:p>
                 <a:pPr marL="0" indent="0">
                   <a:buNone/>
                 </a:pPr>
-                <a:endParaRPr lang="en-GB" sz="2000" kern="100" dirty="0">
+                <a:endParaRPr lang="en-GB" sz="2000" kern="100" noProof="0" dirty="0">
                   <a:latin typeface="Aptos" panose="020B0004020202020204" pitchFamily="34" charset="0"/>
                   <a:ea typeface="Aptos" panose="020B0004020202020204" pitchFamily="34" charset="0"/>
                   <a:cs typeface="Times New Roman" panose="02020603050405020304" pitchFamily="18" charset="0"/>
@@ -13082,27 +13321,27 @@
                   <a:buNone/>
                 </a:pPr>
                 <a:r>
-                  <a:rPr lang="en-GB" sz="1400" kern="100" dirty="0">
+                  <a:rPr lang="en-GB" sz="1400" kern="100" noProof="0" dirty="0">
                     <a:latin typeface="Aptos" panose="020B0004020202020204" pitchFamily="34" charset="0"/>
                     <a:ea typeface="Aptos" panose="020B0004020202020204" pitchFamily="34" charset="0"/>
                     <a:cs typeface="Times New Roman" panose="02020603050405020304" pitchFamily="18" charset="0"/>
                   </a:rPr>
                   <a:t>The derivation of these expressions is shown in detail in the document “Derivation of the Bell probability density expression.docx”</a:t>
                 </a:r>
-                <a:endParaRPr lang="en-GB" sz="1400" dirty="0"/>
+                <a:endParaRPr lang="en-GB" sz="1400" noProof="0" dirty="0"/>
               </a:p>
               <a:p>
-                <a:endParaRPr lang="en-GB" dirty="0"/>
+                <a:endParaRPr lang="en-GB" noProof="0" dirty="0"/>
               </a:p>
               <a:p>
-                <a:endParaRPr lang="en-GB" kern="100" dirty="0">
+                <a:endParaRPr lang="en-GB" kern="100" noProof="0" dirty="0">
                   <a:effectLst/>
                   <a:ea typeface="Aptos" panose="020B0004020202020204" pitchFamily="34" charset="0"/>
                   <a:cs typeface="Times New Roman" panose="02020603050405020304" pitchFamily="18" charset="0"/>
                 </a:endParaRPr>
               </a:p>
               <a:p>
-                <a:endParaRPr lang="en-GB" dirty="0"/>
+                <a:endParaRPr lang="en-GB" noProof="0" dirty="0"/>
               </a:p>
             </p:txBody>
           </p:sp>
@@ -13199,14 +13438,14 @@
           <a:lstStyle/>
           <a:p>
             <a:r>
-              <a:rPr lang="en-GB" dirty="0"/>
+              <a:rPr lang="en-GB" noProof="0" dirty="0"/>
               <a:t>Fitting the Bell-Evans model to experiments</a:t>
             </a:r>
           </a:p>
         </p:txBody>
       </p:sp>
-      <mc:AlternateContent xmlns:mc="http://schemas.openxmlformats.org/markup-compatibility/2006" xmlns:a14="http://schemas.microsoft.com/office/drawing/2010/main">
-        <mc:Choice Requires="a14">
+      <mc:AlternateContent xmlns:mc="http://schemas.openxmlformats.org/markup-compatibility/2006">
+        <mc:Choice xmlns:a14="http://schemas.microsoft.com/office/drawing/2010/main" Requires="a14">
           <p:sp>
             <p:nvSpPr>
               <p:cNvPr id="3" name="Content Placeholder 2">
@@ -13229,7 +13468,7 @@
               <a:lstStyle/>
               <a:p>
                 <a:r>
-                  <a:rPr lang="en-GB" dirty="0"/>
+                  <a:rPr lang="en-GB" noProof="0" dirty="0"/>
                   <a:t>The model has two unknown parameters: </a:t>
                 </a:r>
                 <a14:m>
@@ -13237,7 +13476,7 @@
                     <m:sSub>
                       <m:sSubPr>
                         <m:ctrlPr>
-                          <a:rPr lang="en-GB" sz="2800" i="1" kern="100" smtClean="0">
+                          <a:rPr lang="en-GB" sz="2800" i="1" kern="100" noProof="0" smtClean="0">
                             <a:effectLst/>
                             <a:latin typeface="Cambria Math" panose="02040503050406030204" pitchFamily="18" charset="0"/>
                             <a:ea typeface="Aptos" panose="020B0004020202020204" pitchFamily="34" charset="0"/>
@@ -13247,7 +13486,7 @@
                       </m:sSubPr>
                       <m:e>
                         <m:r>
-                          <a:rPr lang="pt-BR" sz="2800" i="1" kern="100">
+                          <a:rPr lang="en-GB" sz="2800" i="1" kern="100" noProof="0">
                             <a:effectLst/>
                             <a:latin typeface="Cambria Math" panose="02040503050406030204" pitchFamily="18" charset="0"/>
                             <a:ea typeface="Aptos" panose="020B0004020202020204" pitchFamily="34" charset="0"/>
@@ -13258,7 +13497,7 @@
                       </m:e>
                       <m:sub>
                         <m:r>
-                          <a:rPr lang="pt-BR" sz="2800" kern="100">
+                          <a:rPr lang="en-GB" sz="2800" kern="100" noProof="0">
                             <a:effectLst/>
                             <a:latin typeface="Cambria Math" panose="02040503050406030204" pitchFamily="18" charset="0"/>
                             <a:ea typeface="Aptos" panose="020B0004020202020204" pitchFamily="34" charset="0"/>
@@ -13271,7 +13510,7 @@
                   </m:oMath>
                 </a14:m>
                 <a:r>
-                  <a:rPr lang="en-GB" dirty="0"/>
+                  <a:rPr lang="en-GB" noProof="0" dirty="0"/>
                   <a:t> and </a:t>
                 </a:r>
                 <a14:m>
@@ -13279,7 +13518,7 @@
                     <m:sSup>
                       <m:sSupPr>
                         <m:ctrlPr>
-                          <a:rPr lang="en-GB" i="1" kern="100" smtClean="0">
+                          <a:rPr lang="en-GB" i="1" kern="100" noProof="0" smtClean="0">
                             <a:latin typeface="Cambria Math" panose="02040503050406030204" pitchFamily="18" charset="0"/>
                             <a:ea typeface="Aptos" panose="020B0004020202020204" pitchFamily="34" charset="0"/>
                             <a:cs typeface="Times New Roman" panose="02020603050405020304" pitchFamily="18" charset="0"/>
@@ -13288,7 +13527,7 @@
                       </m:sSupPr>
                       <m:e>
                         <m:r>
-                          <a:rPr lang="pt-BR" i="1" kern="100">
+                          <a:rPr lang="en-GB" i="1" kern="100" noProof="0">
                             <a:latin typeface="Cambria Math" panose="02040503050406030204" pitchFamily="18" charset="0"/>
                             <a:ea typeface="Aptos" panose="020B0004020202020204" pitchFamily="34" charset="0"/>
                             <a:cs typeface="Times New Roman" panose="02020603050405020304" pitchFamily="18" charset="0"/>
@@ -13298,7 +13537,7 @@
                       </m:e>
                       <m:sup>
                         <m:r>
-                          <a:rPr lang="pt-BR" kern="100">
+                          <a:rPr lang="en-GB" kern="100" noProof="0">
                             <a:latin typeface="Cambria Math" panose="02040503050406030204" pitchFamily="18" charset="0"/>
                             <a:ea typeface="Aptos" panose="020B0004020202020204" pitchFamily="34" charset="0"/>
                             <a:cs typeface="Times New Roman" panose="02020603050405020304" pitchFamily="18" charset="0"/>
@@ -13309,67 +13548,67 @@
                     </m:sSup>
                   </m:oMath>
                 </a14:m>
-                <a:endParaRPr lang="en-GB" dirty="0"/>
+                <a:endParaRPr lang="en-GB" noProof="0" dirty="0"/>
               </a:p>
               <a:p>
                 <a:r>
-                  <a:rPr lang="en-GB" dirty="0"/>
-                  <a:t>We want to find values of the parameters that give the best fit of probability density function to the observed probability density estimates.</a:t>
+                  <a:rPr lang="en-GB" noProof="0" dirty="0"/>
+                  <a:t>We want to find values of the parameters that give the best fit of the probability density function to the observed probability density estimates.</a:t>
                 </a:r>
               </a:p>
               <a:p>
                 <a:pPr lvl="1"/>
                 <a:r>
-                  <a:rPr lang="en-GB" dirty="0"/>
+                  <a:rPr lang="en-GB" noProof="0" dirty="0"/>
                   <a:t>This can be done by the function </a:t>
                 </a:r>
                 <a:r>
-                  <a:rPr lang="en-GB" i="1" dirty="0" err="1">
+                  <a:rPr lang="en-GB" i="1" noProof="0" dirty="0" err="1">
                     <a:latin typeface="Consolas" panose="020B0609020204030204" pitchFamily="49" charset="0"/>
                   </a:rPr>
                   <a:t>lsqcurvefit</a:t>
                 </a:r>
                 <a:r>
-                  <a:rPr lang="en-GB" dirty="0"/>
+                  <a:rPr lang="en-GB" noProof="0" dirty="0"/>
                   <a:t> from the Matlab Optimisation Toolbox</a:t>
                 </a:r>
               </a:p>
               <a:p>
                 <a:r>
-                  <a:rPr lang="en-GB" dirty="0"/>
+                  <a:rPr lang="en-GB" noProof="0" dirty="0"/>
                   <a:t>We also want to know the uncertainty of the parameter estimates.</a:t>
                 </a:r>
               </a:p>
               <a:p>
                 <a:pPr lvl="1"/>
                 <a:r>
-                  <a:rPr lang="en-GB" dirty="0"/>
+                  <a:rPr lang="en-GB" noProof="0" dirty="0"/>
                   <a:t>This can be done by the function </a:t>
                 </a:r>
                 <a:r>
-                  <a:rPr lang="en-GB" i="1" dirty="0" err="1">
+                  <a:rPr lang="en-GB" i="1" noProof="0" dirty="0" err="1">
                     <a:latin typeface="Consolas" panose="020B0609020204030204" pitchFamily="49" charset="0"/>
                   </a:rPr>
                   <a:t>nlparci</a:t>
                 </a:r>
                 <a:r>
-                  <a:rPr lang="en-GB" dirty="0">
+                  <a:rPr lang="en-GB" noProof="0" dirty="0">
                     <a:latin typeface="Consolas" panose="020B0609020204030204" pitchFamily="49" charset="0"/>
                   </a:rPr>
                   <a:t> </a:t>
                 </a:r>
                 <a:r>
-                  <a:rPr lang="en-GB" dirty="0"/>
+                  <a:rPr lang="en-GB" noProof="0" dirty="0"/>
                   <a:t>from the Matlab Statistics and Machine Learning Toolbox</a:t>
                 </a:r>
-                <a:endParaRPr lang="en-GB" dirty="0">
+                <a:endParaRPr lang="en-GB" noProof="0" dirty="0">
                   <a:latin typeface="Consolas" panose="020B0609020204030204" pitchFamily="49" charset="0"/>
                 </a:endParaRPr>
               </a:p>
             </p:txBody>
           </p:sp>
         </mc:Choice>
-        <mc:Fallback xmlns="">
+        <mc:Fallback>
           <p:sp>
             <p:nvSpPr>
               <p:cNvPr id="3" name="Content Placeholder 2">
@@ -13390,7 +13629,7 @@
               <a:blipFill>
                 <a:blip r:embed="rId2"/>
                 <a:stretch>
-                  <a:fillRect l="-1043" t="-2101" r="-754"/>
+                  <a:fillRect l="-1043" t="-2101" r="-1739"/>
                 </a:stretch>
               </a:blipFill>
             </p:spPr>
@@ -13510,7 +13749,7 @@
           <a:lstStyle/>
           <a:p>
             <a:r>
-              <a:rPr lang="en-GB" dirty="0"/>
+              <a:rPr lang="en-GB" noProof="0" dirty="0"/>
               <a:t>Confidence interval and standard deviation</a:t>
             </a:r>
           </a:p>
@@ -13547,21 +13786,21 @@
               <a:lstStyle/>
               <a:p>
                 <a:r>
-                  <a:rPr lang="en-GB" dirty="0"/>
+                  <a:rPr lang="en-GB" noProof="0" dirty="0"/>
                   <a:t>Function </a:t>
                 </a:r>
                 <a:r>
-                  <a:rPr lang="en-GB" dirty="0" err="1"/>
+                  <a:rPr lang="en-GB" noProof="0" dirty="0" err="1"/>
                   <a:t>nlparci</a:t>
                 </a:r>
                 <a:r>
-                  <a:rPr lang="en-GB" dirty="0"/>
+                  <a:rPr lang="en-GB" noProof="0" dirty="0"/>
                   <a:t> gives the 95% confidence interval </a:t>
                 </a:r>
                 <a14:m>
                   <m:oMath xmlns:m="http://schemas.openxmlformats.org/officeDocument/2006/math">
                     <m:r>
-                      <a:rPr lang="en-GB" sz="2800" i="1" smtClean="0">
+                      <a:rPr lang="en-GB" sz="2800" i="1" noProof="0" smtClean="0">
                         <a:latin typeface="Cambria Math" panose="02040503050406030204" pitchFamily="18" charset="0"/>
                         <a:ea typeface="Cambria Math" panose="02040503050406030204" pitchFamily="18" charset="0"/>
                       </a:rPr>
@@ -13570,7 +13809,7 @@
                     <m:d>
                       <m:dPr>
                         <m:ctrlPr>
-                          <a:rPr lang="en-GB" sz="2800" i="1" smtClean="0">
+                          <a:rPr lang="en-GB" sz="2800" i="1" noProof="0" smtClean="0">
                             <a:latin typeface="Cambria Math" panose="02040503050406030204" pitchFamily="18" charset="0"/>
                             <a:ea typeface="Cambria Math" panose="02040503050406030204" pitchFamily="18" charset="0"/>
                           </a:rPr>
@@ -13578,7 +13817,7 @@
                       </m:dPr>
                       <m:e>
                         <m:r>
-                          <a:rPr lang="en-GB" sz="2800" i="1">
+                          <a:rPr lang="en-GB" sz="2800" i="1" noProof="0">
                             <a:latin typeface="Cambria Math" panose="02040503050406030204" pitchFamily="18" charset="0"/>
                             <a:ea typeface="Cambria Math" panose="02040503050406030204" pitchFamily="18" charset="0"/>
                           </a:rPr>
@@ -13589,21 +13828,21 @@
                   </m:oMath>
                 </a14:m>
                 <a:r>
-                  <a:rPr lang="en-GB" sz="2800" dirty="0"/>
+                  <a:rPr lang="en-GB" sz="2800" noProof="0" dirty="0"/>
                   <a:t> </a:t>
                 </a:r>
                 <a:r>
-                  <a:rPr lang="en-GB" dirty="0"/>
+                  <a:rPr lang="en-GB" noProof="0" dirty="0"/>
                   <a:t>to</a:t>
                 </a:r>
                 <a:r>
-                  <a:rPr lang="en-GB" sz="2800" dirty="0"/>
+                  <a:rPr lang="en-GB" sz="2800" noProof="0" dirty="0"/>
                   <a:t> </a:t>
                 </a:r>
                 <a14:m>
                   <m:oMath xmlns:m="http://schemas.openxmlformats.org/officeDocument/2006/math">
                     <m:r>
-                      <a:rPr lang="en-GB" sz="2800" i="1">
+                      <a:rPr lang="en-GB" sz="2800" i="1" noProof="0">
                         <a:latin typeface="Cambria Math" panose="02040503050406030204" pitchFamily="18" charset="0"/>
                         <a:ea typeface="Cambria Math" panose="02040503050406030204" pitchFamily="18" charset="0"/>
                       </a:rPr>
@@ -13612,7 +13851,7 @@
                     <m:d>
                       <m:dPr>
                         <m:ctrlPr>
-                          <a:rPr lang="en-GB" sz="2800" i="1">
+                          <a:rPr lang="en-GB" sz="2800" i="1" noProof="0">
                             <a:latin typeface="Cambria Math" panose="02040503050406030204" pitchFamily="18" charset="0"/>
                             <a:ea typeface="Cambria Math" panose="02040503050406030204" pitchFamily="18" charset="0"/>
                           </a:rPr>
@@ -13620,7 +13859,7 @@
                       </m:dPr>
                       <m:e>
                         <m:r>
-                          <a:rPr lang="en-GB" sz="2800" i="1">
+                          <a:rPr lang="en-GB" sz="2800" i="1" noProof="0">
                             <a:latin typeface="Cambria Math" panose="02040503050406030204" pitchFamily="18" charset="0"/>
                             <a:ea typeface="Cambria Math" panose="02040503050406030204" pitchFamily="18" charset="0"/>
                           </a:rPr>
@@ -13631,48 +13870,48 @@
                   </m:oMath>
                 </a14:m>
                 <a:r>
-                  <a:rPr lang="en-GB" sz="2800" dirty="0"/>
+                  <a:rPr lang="en-GB" sz="2800" noProof="0" dirty="0"/>
                   <a:t> </a:t>
                 </a:r>
-                <a:endParaRPr lang="en-GB" dirty="0"/>
+                <a:endParaRPr lang="en-GB" noProof="0" dirty="0"/>
               </a:p>
               <a:p>
                 <a:pPr lvl="1"/>
                 <a:r>
-                  <a:rPr lang="en-GB" dirty="0"/>
+                  <a:rPr lang="en-GB" noProof="0" dirty="0"/>
                   <a:t>There is 95% probability that the real parameter value is within the interval</a:t>
                 </a:r>
                 <a:br>
-                  <a:rPr lang="en-GB" dirty="0"/>
+                  <a:rPr lang="en-GB" noProof="0" dirty="0"/>
                 </a:br>
-                <a:endParaRPr lang="en-GB" sz="1000" dirty="0"/>
+                <a:endParaRPr lang="en-GB" sz="1000" noProof="0" dirty="0"/>
               </a:p>
               <a:p>
                 <a:r>
-                  <a:rPr lang="en-GB" dirty="0"/>
+                  <a:rPr lang="en-GB" noProof="0" dirty="0"/>
                   <a:t>We translate this to the more common standard deviation</a:t>
                 </a:r>
               </a:p>
               <a:p>
                 <a:pPr lvl="1"/>
                 <a:r>
-                  <a:rPr lang="en-GB" dirty="0"/>
+                  <a:rPr lang="en-GB" noProof="0" dirty="0"/>
                   <a:t>We simplify by assuming the parameter value follows a normal distribution.  The interval from –1.96 to 1.96 standard deviations contains 95% of the cumulative normal distribution.  Thus, the standard deviation is </a:t>
                 </a:r>
                 <a:br>
-                  <a:rPr lang="en-GB" dirty="0"/>
+                  <a:rPr lang="en-GB" noProof="0" dirty="0"/>
                 </a:br>
                 <a14:m>
                   <m:oMath xmlns:m="http://schemas.openxmlformats.org/officeDocument/2006/math">
                     <m:r>
-                      <a:rPr lang="en-GB" i="1" smtClean="0">
+                      <a:rPr lang="en-GB" i="1" noProof="0" smtClean="0">
                         <a:latin typeface="Cambria Math" panose="02040503050406030204" pitchFamily="18" charset="0"/>
                         <a:ea typeface="Cambria Math" panose="02040503050406030204" pitchFamily="18" charset="0"/>
                       </a:rPr>
                       <m:t>𝜎</m:t>
                     </m:r>
                     <m:r>
-                      <a:rPr lang="en-GB" b="0" i="1" smtClean="0">
+                      <a:rPr lang="en-GB" b="0" i="1" noProof="0" smtClean="0">
                         <a:latin typeface="Cambria Math" panose="02040503050406030204" pitchFamily="18" charset="0"/>
                         <a:ea typeface="Cambria Math" panose="02040503050406030204" pitchFamily="18" charset="0"/>
                       </a:rPr>
@@ -13681,7 +13920,7 @@
                     <m:f>
                       <m:fPr>
                         <m:ctrlPr>
-                          <a:rPr lang="en-GB" b="0" i="1" smtClean="0">
+                          <a:rPr lang="en-GB" b="0" i="1" noProof="0" smtClean="0">
                             <a:latin typeface="Cambria Math" panose="02040503050406030204" pitchFamily="18" charset="0"/>
                             <a:ea typeface="Cambria Math" panose="02040503050406030204" pitchFamily="18" charset="0"/>
                           </a:rPr>
@@ -13689,7 +13928,7 @@
                       </m:fPr>
                       <m:num>
                         <m:r>
-                          <a:rPr lang="en-GB" i="1">
+                          <a:rPr lang="en-GB" i="1" noProof="0">
                             <a:latin typeface="Cambria Math" panose="02040503050406030204" pitchFamily="18" charset="0"/>
                             <a:ea typeface="Cambria Math" panose="02040503050406030204" pitchFamily="18" charset="0"/>
                           </a:rPr>
@@ -13698,7 +13937,7 @@
                         <m:d>
                           <m:dPr>
                             <m:ctrlPr>
-                              <a:rPr lang="en-GB" i="1">
+                              <a:rPr lang="en-GB" i="1" noProof="0">
                                 <a:latin typeface="Cambria Math" panose="02040503050406030204" pitchFamily="18" charset="0"/>
                                 <a:ea typeface="Cambria Math" panose="02040503050406030204" pitchFamily="18" charset="0"/>
                               </a:rPr>
@@ -13706,7 +13945,7 @@
                           </m:dPr>
                           <m:e>
                             <m:r>
-                              <a:rPr lang="en-GB" i="1">
+                              <a:rPr lang="en-GB" i="1" noProof="0">
                                 <a:latin typeface="Cambria Math" panose="02040503050406030204" pitchFamily="18" charset="0"/>
                                 <a:ea typeface="Cambria Math" panose="02040503050406030204" pitchFamily="18" charset="0"/>
                               </a:rPr>
@@ -13715,14 +13954,14 @@
                           </m:e>
                         </m:d>
                         <m:r>
-                          <a:rPr lang="en-GB" i="1">
+                          <a:rPr lang="en-GB" i="1" noProof="0">
                             <a:latin typeface="Cambria Math" panose="02040503050406030204" pitchFamily="18" charset="0"/>
                             <a:ea typeface="Cambria Math" panose="02040503050406030204" pitchFamily="18" charset="0"/>
                           </a:rPr>
                           <m:t>−</m:t>
                         </m:r>
                         <m:r>
-                          <a:rPr lang="en-GB" b="0" i="1" smtClean="0">
+                          <a:rPr lang="en-GB" b="0" i="1" noProof="0" smtClean="0">
                             <a:latin typeface="Cambria Math" panose="02040503050406030204" pitchFamily="18" charset="0"/>
                             <a:ea typeface="Cambria Math" panose="02040503050406030204" pitchFamily="18" charset="0"/>
                           </a:rPr>
@@ -13731,7 +13970,7 @@
                         <m:d>
                           <m:dPr>
                             <m:ctrlPr>
-                              <a:rPr lang="en-GB" b="0" i="1" smtClean="0">
+                              <a:rPr lang="en-GB" b="0" i="1" noProof="0" smtClean="0">
                                 <a:latin typeface="Cambria Math" panose="02040503050406030204" pitchFamily="18" charset="0"/>
                                 <a:ea typeface="Cambria Math" panose="02040503050406030204" pitchFamily="18" charset="0"/>
                               </a:rPr>
@@ -13739,7 +13978,7 @@
                           </m:dPr>
                           <m:e>
                             <m:r>
-                              <a:rPr lang="en-GB" b="0" i="1" smtClean="0">
+                              <a:rPr lang="en-GB" b="0" i="1" noProof="0" smtClean="0">
                                 <a:latin typeface="Cambria Math" panose="02040503050406030204" pitchFamily="18" charset="0"/>
                                 <a:ea typeface="Cambria Math" panose="02040503050406030204" pitchFamily="18" charset="0"/>
                               </a:rPr>
@@ -13750,7 +13989,7 @@
                       </m:num>
                       <m:den>
                         <m:r>
-                          <a:rPr lang="en-GB" b="0" i="1" smtClean="0">
+                          <a:rPr lang="en-GB" b="0" i="1" noProof="0" smtClean="0">
                             <a:latin typeface="Cambria Math" panose="02040503050406030204" pitchFamily="18" charset="0"/>
                             <a:ea typeface="Cambria Math" panose="02040503050406030204" pitchFamily="18" charset="0"/>
                           </a:rPr>
@@ -13761,28 +14000,28 @@
                   </m:oMath>
                 </a14:m>
                 <a:br>
-                  <a:rPr lang="en-GB" dirty="0"/>
+                  <a:rPr lang="en-GB" noProof="0" dirty="0"/>
                 </a:br>
                 <a:br>
-                  <a:rPr lang="en-GB" i="1" dirty="0">
+                  <a:rPr lang="en-GB" i="1" noProof="0" dirty="0">
                     <a:latin typeface="Cambria Math" panose="02040503050406030204" pitchFamily="18" charset="0"/>
                     <a:ea typeface="Cambria Math" panose="02040503050406030204" pitchFamily="18" charset="0"/>
                   </a:rPr>
                 </a:br>
-                <a:endParaRPr lang="en-GB" dirty="0"/>
+                <a:endParaRPr lang="en-GB" noProof="0" dirty="0"/>
               </a:p>
               <a:p>
                 <a:pPr marL="914400" lvl="2" indent="0">
                   <a:buNone/>
                 </a:pPr>
                 <a:r>
-                  <a:rPr lang="en-GB" sz="1800" dirty="0"/>
+                  <a:rPr lang="en-GB" sz="1800" noProof="0" dirty="0"/>
                   <a:t>(Real statisticians may not entirely approve of this engineering approach!)</a:t>
                 </a:r>
               </a:p>
               <a:p>
                 <a:pPr lvl="1"/>
-                <a:endParaRPr lang="en-GB" dirty="0"/>
+                <a:endParaRPr lang="en-GB" noProof="0" dirty="0"/>
               </a:p>
             </p:txBody>
           </p:sp>

--- a/Summer school 2024/Fitting models to experiment.pptx
+++ b/Summer school 2024/Fitting models to experiment.pptx
@@ -142,7 +142,7 @@
 <file path=ppt/revisionInfo.xml><?xml version="1.0" encoding="utf-8"?>
 <p1510:revInfo xmlns:a="http://schemas.openxmlformats.org/drawingml/2006/main" xmlns:r="http://schemas.openxmlformats.org/officeDocument/2006/relationships" xmlns:p1510="http://schemas.microsoft.com/office/powerpoint/2015/10/main">
   <p1510:revLst>
-    <p1510:client id="{38EDF412-F223-4FD6-BF65-217460EE1FDB}" v="541" dt="2024-11-24T16:14:58.929"/>
+    <p1510:client id="{38EDF412-F223-4FD6-BF65-217460EE1FDB}" v="565" dt="2024-11-25T12:32:49.875"/>
   </p1510:revLst>
 </p1510:revInfo>
 </file>
@@ -884,29 +884,13 @@
           <pc:docMk/>
           <pc:sldMk cId="1709394417" sldId="294"/>
         </pc:sldMkLst>
-        <pc:spChg chg="add del mod">
-          <ac:chgData name="Are Mjaavatten" userId="00bb58f78e5d171c" providerId="LiveId" clId="{A45ED6F9-5D39-481B-9112-1D3B983E22B1}" dt="2024-11-09T12:02:57.373" v="16239" actId="20577"/>
-          <ac:spMkLst>
-            <pc:docMk/>
-            <pc:sldMk cId="1709394417" sldId="294"/>
-            <ac:spMk id="4" creationId="{C62A7128-1DBC-BFAC-CC67-A88E5148F19A}"/>
-          </ac:spMkLst>
-        </pc:spChg>
-        <pc:picChg chg="add mod">
-          <ac:chgData name="Are Mjaavatten" userId="00bb58f78e5d171c" providerId="LiveId" clId="{A45ED6F9-5D39-481B-9112-1D3B983E22B1}" dt="2024-11-09T10:11:23.691" v="16088" actId="14100"/>
-          <ac:picMkLst>
-            <pc:docMk/>
-            <pc:sldMk cId="1709394417" sldId="294"/>
-            <ac:picMk id="3" creationId="{CDB19271-C3D3-82C0-BF5C-D9E169CA0A6A}"/>
-          </ac:picMkLst>
-        </pc:picChg>
       </pc:sldChg>
     </pc:docChg>
   </pc:docChgLst>
   <pc:docChgLst>
     <pc:chgData name="Are Mjaavatten" userId="00bb58f78e5d171c" providerId="LiveId" clId="{38EDF412-F223-4FD6-BF65-217460EE1FDB}"/>
     <pc:docChg chg="undo custSel addSld delSld modSld sldOrd">
-      <pc:chgData name="Are Mjaavatten" userId="00bb58f78e5d171c" providerId="LiveId" clId="{38EDF412-F223-4FD6-BF65-217460EE1FDB}" dt="2024-11-24T16:18:12.980" v="4697" actId="20577"/>
+      <pc:chgData name="Are Mjaavatten" userId="00bb58f78e5d171c" providerId="LiveId" clId="{38EDF412-F223-4FD6-BF65-217460EE1FDB}" dt="2024-11-25T12:32:49.867" v="4741" actId="20577"/>
       <pc:docMkLst>
         <pc:docMk/>
       </pc:docMkLst>
@@ -946,31 +930,15 @@
           <pc:docMk/>
           <pc:sldMk cId="3863299106" sldId="263"/>
         </pc:sldMkLst>
-        <pc:spChg chg="mod">
-          <ac:chgData name="Are Mjaavatten" userId="00bb58f78e5d171c" providerId="LiveId" clId="{38EDF412-F223-4FD6-BF65-217460EE1FDB}" dt="2024-11-23T12:25:31.578" v="1708" actId="20577"/>
-          <ac:spMkLst>
-            <pc:docMk/>
-            <pc:sldMk cId="3863299106" sldId="263"/>
-            <ac:spMk id="2" creationId="{28204941-CFBA-E2DD-FA54-3F1D6D719AF9}"/>
-          </ac:spMkLst>
-        </pc:spChg>
-        <pc:spChg chg="mod">
-          <ac:chgData name="Are Mjaavatten" userId="00bb58f78e5d171c" providerId="LiveId" clId="{38EDF412-F223-4FD6-BF65-217460EE1FDB}" dt="2024-11-23T12:16:26.749" v="1700" actId="20577"/>
-          <ac:spMkLst>
-            <pc:docMk/>
-            <pc:sldMk cId="3863299106" sldId="263"/>
-            <ac:spMk id="3" creationId="{D1811B9B-2387-59CA-6C35-EAC4C6D9ED53}"/>
-          </ac:spMkLst>
-        </pc:spChg>
       </pc:sldChg>
       <pc:sldChg chg="modSp mod">
-        <pc:chgData name="Are Mjaavatten" userId="00bb58f78e5d171c" providerId="LiveId" clId="{38EDF412-F223-4FD6-BF65-217460EE1FDB}" dt="2024-11-24T13:09:16.208" v="2318" actId="20577"/>
+        <pc:chgData name="Are Mjaavatten" userId="00bb58f78e5d171c" providerId="LiveId" clId="{38EDF412-F223-4FD6-BF65-217460EE1FDB}" dt="2024-11-25T12:23:09.279" v="4721" actId="20577"/>
         <pc:sldMkLst>
           <pc:docMk/>
           <pc:sldMk cId="2563176022" sldId="264"/>
         </pc:sldMkLst>
         <pc:spChg chg="mod">
-          <ac:chgData name="Are Mjaavatten" userId="00bb58f78e5d171c" providerId="LiveId" clId="{38EDF412-F223-4FD6-BF65-217460EE1FDB}" dt="2024-11-24T13:09:16.208" v="2318" actId="20577"/>
+          <ac:chgData name="Are Mjaavatten" userId="00bb58f78e5d171c" providerId="LiveId" clId="{38EDF412-F223-4FD6-BF65-217460EE1FDB}" dt="2024-11-25T12:23:09.279" v="4721" actId="20577"/>
           <ac:spMkLst>
             <pc:docMk/>
             <pc:sldMk cId="2563176022" sldId="264"/>
@@ -1014,23 +982,15 @@
           <pc:docMk/>
           <pc:sldMk cId="2248117332" sldId="269"/>
         </pc:sldMkLst>
-        <pc:spChg chg="mod">
-          <ac:chgData name="Are Mjaavatten" userId="00bb58f78e5d171c" providerId="LiveId" clId="{38EDF412-F223-4FD6-BF65-217460EE1FDB}" dt="2024-11-23T13:04:43.918" v="2194" actId="20577"/>
-          <ac:spMkLst>
-            <pc:docMk/>
-            <pc:sldMk cId="2248117332" sldId="269"/>
-            <ac:spMk id="8" creationId="{23DEC6EA-A2D6-C927-57E0-D76FACC43FCD}"/>
-          </ac:spMkLst>
-        </pc:spChg>
       </pc:sldChg>
       <pc:sldChg chg="modSp mod">
-        <pc:chgData name="Are Mjaavatten" userId="00bb58f78e5d171c" providerId="LiveId" clId="{38EDF412-F223-4FD6-BF65-217460EE1FDB}" dt="2024-11-24T13:12:20.009" v="2325" actId="20577"/>
+        <pc:chgData name="Are Mjaavatten" userId="00bb58f78e5d171c" providerId="LiveId" clId="{38EDF412-F223-4FD6-BF65-217460EE1FDB}" dt="2024-11-25T12:25:45.216" v="4730" actId="20577"/>
         <pc:sldMkLst>
           <pc:docMk/>
           <pc:sldMk cId="2078969365" sldId="270"/>
         </pc:sldMkLst>
         <pc:spChg chg="mod">
-          <ac:chgData name="Are Mjaavatten" userId="00bb58f78e5d171c" providerId="LiveId" clId="{38EDF412-F223-4FD6-BF65-217460EE1FDB}" dt="2024-11-24T13:12:20.009" v="2325" actId="20577"/>
+          <ac:chgData name="Are Mjaavatten" userId="00bb58f78e5d171c" providerId="LiveId" clId="{38EDF412-F223-4FD6-BF65-217460EE1FDB}" dt="2024-11-25T12:25:45.216" v="4730" actId="20577"/>
           <ac:spMkLst>
             <pc:docMk/>
             <pc:sldMk cId="2078969365" sldId="270"/>
@@ -1085,7 +1045,7 @@
         </pc:spChg>
       </pc:sldChg>
       <pc:sldChg chg="modSp mod">
-        <pc:chgData name="Are Mjaavatten" userId="00bb58f78e5d171c" providerId="LiveId" clId="{38EDF412-F223-4FD6-BF65-217460EE1FDB}" dt="2024-11-24T14:35:43.089" v="4198" actId="20577"/>
+        <pc:chgData name="Are Mjaavatten" userId="00bb58f78e5d171c" providerId="LiveId" clId="{38EDF412-F223-4FD6-BF65-217460EE1FDB}" dt="2024-11-25T12:32:49.867" v="4741" actId="20577"/>
         <pc:sldMkLst>
           <pc:docMk/>
           <pc:sldMk cId="2564987816" sldId="275"/>
@@ -1096,6 +1056,14 @@
             <pc:docMk/>
             <pc:sldMk cId="2564987816" sldId="275"/>
             <ac:spMk id="2" creationId="{6FD4D575-0620-0451-CEF7-ECDC42E5915A}"/>
+          </ac:spMkLst>
+        </pc:spChg>
+        <pc:spChg chg="mod">
+          <ac:chgData name="Are Mjaavatten" userId="00bb58f78e5d171c" providerId="LiveId" clId="{38EDF412-F223-4FD6-BF65-217460EE1FDB}" dt="2024-11-25T12:32:49.867" v="4741" actId="20577"/>
+          <ac:spMkLst>
+            <pc:docMk/>
+            <pc:sldMk cId="2564987816" sldId="275"/>
+            <ac:spMk id="3" creationId="{812682DB-2C75-0AAA-4D27-7DCE81A3558F}"/>
           </ac:spMkLst>
         </pc:spChg>
       </pc:sldChg>
@@ -1311,7 +1279,7 @@
         </pc:spChg>
       </pc:sldChg>
       <pc:sldChg chg="modSp new mod">
-        <pc:chgData name="Are Mjaavatten" userId="00bb58f78e5d171c" providerId="LiveId" clId="{38EDF412-F223-4FD6-BF65-217460EE1FDB}" dt="2024-11-24T14:08:42.918" v="3749" actId="20577"/>
+        <pc:chgData name="Are Mjaavatten" userId="00bb58f78e5d171c" providerId="LiveId" clId="{38EDF412-F223-4FD6-BF65-217460EE1FDB}" dt="2024-11-25T12:28:05.614" v="4739" actId="20577"/>
         <pc:sldMkLst>
           <pc:docMk/>
           <pc:sldMk cId="3056208532" sldId="299"/>
@@ -1325,7 +1293,7 @@
           </ac:spMkLst>
         </pc:spChg>
         <pc:spChg chg="mod">
-          <ac:chgData name="Are Mjaavatten" userId="00bb58f78e5d171c" providerId="LiveId" clId="{38EDF412-F223-4FD6-BF65-217460EE1FDB}" dt="2024-11-24T14:07:48.207" v="3727" actId="27636"/>
+          <ac:chgData name="Are Mjaavatten" userId="00bb58f78e5d171c" providerId="LiveId" clId="{38EDF412-F223-4FD6-BF65-217460EE1FDB}" dt="2024-11-25T12:28:05.614" v="4739" actId="20577"/>
           <ac:spMkLst>
             <pc:docMk/>
             <pc:sldMk cId="3056208532" sldId="299"/>
@@ -6657,7 +6625,7 @@
                 </a14:m>
                 <a:r>
                   <a:rPr lang="en-GB" noProof="0" dirty="0"/>
-                  <a:t> standard deviation is larger than the value!!! </a:t>
+                  <a:t> standard deviation is larger than the value estimate!!! </a:t>
                 </a:r>
               </a:p>
               <a:p>
@@ -7655,7 +7623,7 @@
           <a:p>
             <a:r>
               <a:rPr lang="en-GB" noProof="0" dirty="0"/>
-              <a:t>Example: extract the elements of a numerical array that are &gt; 10:</a:t>
+              <a:t>Example: extract the elements of numerical array x that are &gt; 0:</a:t>
             </a:r>
           </a:p>
           <a:p>
@@ -9060,8 +9028,8 @@
           </a:p>
         </p:txBody>
       </p:sp>
-      <mc:AlternateContent xmlns:mc="http://schemas.openxmlformats.org/markup-compatibility/2006" xmlns:a14="http://schemas.microsoft.com/office/drawing/2010/main">
-        <mc:Choice Requires="a14">
+      <mc:AlternateContent xmlns:mc="http://schemas.openxmlformats.org/markup-compatibility/2006">
+        <mc:Choice xmlns:a14="http://schemas.microsoft.com/office/drawing/2010/main" Requires="a14">
           <p:sp>
             <p:nvSpPr>
               <p:cNvPr id="3" name="Content Placeholder 2">
@@ -9147,7 +9115,7 @@
               <a:p>
                 <a:r>
                   <a:rPr lang="en-GB" sz="3600" noProof="0" dirty="0"/>
-                  <a:t>To improve robustness we replace it by the base 10 logarithm lg.  The parameters are then dx =</a:t>
+                  <a:t>To improve robustness, we replace it by the base 10 logarithm lg.  The parameters are then dx =</a:t>
                 </a:r>
                 <a14:m>
                   <m:oMath xmlns:m="http://schemas.openxmlformats.org/officeDocument/2006/math">
@@ -9311,7 +9279,19 @@
                   <a:rPr lang="en-GB" sz="3800" noProof="0" dirty="0">
                     <a:latin typeface="Consolas" panose="020B0609020204030204" pitchFamily="49" charset="0"/>
                   </a:rPr>
-                  <a:t> and d = </a:t>
+                  <a:t> </a:t>
+                </a:r>
+                <a:r>
+                  <a:rPr lang="en-GB" sz="3800" noProof="0">
+                    <a:latin typeface="Consolas" panose="020B0609020204030204" pitchFamily="49" charset="0"/>
+                  </a:rPr>
+                  <a:t>and dx </a:t>
+                </a:r>
+                <a:r>
+                  <a:rPr lang="en-GB" sz="3800" noProof="0" dirty="0">
+                    <a:latin typeface="Consolas" panose="020B0609020204030204" pitchFamily="49" charset="0"/>
+                  </a:rPr>
+                  <a:t>= </a:t>
                 </a:r>
                 <a14:m>
                   <m:oMath xmlns:m="http://schemas.openxmlformats.org/officeDocument/2006/math">
@@ -9438,7 +9418,7 @@
             </p:txBody>
           </p:sp>
         </mc:Choice>
-        <mc:Fallback xmlns="">
+        <mc:Fallback>
           <p:sp>
             <p:nvSpPr>
               <p:cNvPr id="3" name="Content Placeholder 2">
@@ -9459,7 +9439,7 @@
               <a:blipFill>
                 <a:blip r:embed="rId2"/>
                 <a:stretch>
-                  <a:fillRect l="-812" t="-2941" r="-870"/>
+                  <a:fillRect l="-812" t="-2941"/>
                 </a:stretch>
               </a:blipFill>
             </p:spPr>
@@ -10743,8 +10723,8 @@
           </a:p>
         </p:txBody>
       </p:sp>
-      <mc:AlternateContent xmlns:mc="http://schemas.openxmlformats.org/markup-compatibility/2006">
-        <mc:Choice xmlns:a14="http://schemas.microsoft.com/office/drawing/2010/main" Requires="a14">
+      <mc:AlternateContent xmlns:mc="http://schemas.openxmlformats.org/markup-compatibility/2006" xmlns:a14="http://schemas.microsoft.com/office/drawing/2010/main">
+        <mc:Choice Requires="a14">
           <p:sp>
             <p:nvSpPr>
               <p:cNvPr id="3" name="Content Placeholder 2">
@@ -10918,7 +10898,7 @@
             </p:txBody>
           </p:sp>
         </mc:Choice>
-        <mc:Fallback>
+        <mc:Fallback xmlns="">
           <p:sp>
             <p:nvSpPr>
               <p:cNvPr id="3" name="Content Placeholder 2">
@@ -12255,8 +12235,8 @@
           </a:p>
         </p:txBody>
       </p:sp>
-      <mc:AlternateContent xmlns:mc="http://schemas.openxmlformats.org/markup-compatibility/2006">
-        <mc:Choice xmlns:a14="http://schemas.microsoft.com/office/drawing/2010/main" Requires="a14">
+      <mc:AlternateContent xmlns:mc="http://schemas.openxmlformats.org/markup-compatibility/2006" xmlns:a14="http://schemas.microsoft.com/office/drawing/2010/main">
+        <mc:Choice Requires="a14">
           <p:sp>
             <p:nvSpPr>
               <p:cNvPr id="3" name="Content Placeholder 2">
@@ -13346,7 +13326,7 @@
             </p:txBody>
           </p:sp>
         </mc:Choice>
-        <mc:Fallback>
+        <mc:Fallback xmlns="">
           <p:sp>
             <p:nvSpPr>
               <p:cNvPr id="3" name="Content Placeholder 2">
@@ -13553,7 +13533,56 @@
               <a:p>
                 <a:r>
                   <a:rPr lang="en-GB" noProof="0" dirty="0"/>
-                  <a:t>We want to find values of the parameters that give the best fit of the probability density function to the observed probability density estimates.</a:t>
+                  <a:t>We want to find values of the parameters for the probability density function </a:t>
+                </a:r>
+                <a14:m>
+                  <m:oMath xmlns:m="http://schemas.openxmlformats.org/officeDocument/2006/math">
+                    <m:r>
+                      <a:rPr lang="en-GB" sz="2400" i="1" kern="100" noProof="0" smtClean="0">
+                        <a:effectLst/>
+                        <a:latin typeface="Cambria Math" panose="02040503050406030204" pitchFamily="18" charset="0"/>
+                        <a:ea typeface="Times New Roman" panose="02020603050405020304" pitchFamily="18" charset="0"/>
+                        <a:cs typeface="Times New Roman" panose="02020603050405020304" pitchFamily="18" charset="0"/>
+                      </a:rPr>
+                      <m:t>𝑝</m:t>
+                    </m:r>
+                    <m:d>
+                      <m:dPr>
+                        <m:ctrlPr>
+                          <a:rPr lang="en-GB" sz="2400" i="1" kern="100" noProof="0">
+                            <a:effectLst/>
+                            <a:latin typeface="Cambria Math" panose="02040503050406030204" pitchFamily="18" charset="0"/>
+                            <a:ea typeface="Times New Roman" panose="02020603050405020304" pitchFamily="18" charset="0"/>
+                            <a:cs typeface="Times New Roman" panose="02020603050405020304" pitchFamily="18" charset="0"/>
+                          </a:rPr>
+                        </m:ctrlPr>
+                      </m:dPr>
+                      <m:e>
+                        <m:r>
+                          <a:rPr lang="en-GB" sz="2400" i="1" kern="100" noProof="0">
+                            <a:effectLst/>
+                            <a:latin typeface="Cambria Math" panose="02040503050406030204" pitchFamily="18" charset="0"/>
+                            <a:ea typeface="Times New Roman" panose="02020603050405020304" pitchFamily="18" charset="0"/>
+                            <a:cs typeface="Times New Roman" panose="02020603050405020304" pitchFamily="18" charset="0"/>
+                          </a:rPr>
+                          <m:t>𝐹</m:t>
+                        </m:r>
+                      </m:e>
+                    </m:d>
+                    <m:r>
+                      <a:rPr lang="en-GB" sz="2400" i="1" kern="100" noProof="0">
+                        <a:effectLst/>
+                        <a:latin typeface="Cambria Math" panose="02040503050406030204" pitchFamily="18" charset="0"/>
+                        <a:ea typeface="Times New Roman" panose="02020603050405020304" pitchFamily="18" charset="0"/>
+                        <a:cs typeface="Times New Roman" panose="02020603050405020304" pitchFamily="18" charset="0"/>
+                      </a:rPr>
+                      <m:t> </m:t>
+                    </m:r>
+                  </m:oMath>
+                </a14:m>
+                <a:r>
+                  <a:rPr lang="en-GB" noProof="0" dirty="0"/>
+                  <a:t>that gives the best fit to the observed probability density estimates.</a:t>
                 </a:r>
               </a:p>
               <a:p>
@@ -13629,7 +13658,7 @@
               <a:blipFill>
                 <a:blip r:embed="rId2"/>
                 <a:stretch>
-                  <a:fillRect l="-1043" t="-2101" r="-1739"/>
+                  <a:fillRect l="-1043" t="-2101" r="-754"/>
                 </a:stretch>
               </a:blipFill>
             </p:spPr>

--- a/Summer school 2024/Fitting models to experiment.pptx
+++ b/Summer school 2024/Fitting models to experiment.pptx
@@ -139,16 +139,32 @@
 </p:presentation>
 </file>
 
-<file path=ppt/revisionInfo.xml><?xml version="1.0" encoding="utf-8"?>
-<p1510:revInfo xmlns:a="http://schemas.openxmlformats.org/drawingml/2006/main" xmlns:r="http://schemas.openxmlformats.org/officeDocument/2006/relationships" xmlns:p1510="http://schemas.microsoft.com/office/powerpoint/2015/10/main">
-  <p1510:revLst>
-    <p1510:client id="{38EDF412-F223-4FD6-BF65-217460EE1FDB}" v="565" dt="2024-11-25T12:32:49.875"/>
-  </p1510:revLst>
-</p1510:revInfo>
-</file>
-
 <file path=ppt/changesInfos/changesInfo1.xml><?xml version="1.0" encoding="utf-8"?>
 <pc:chgInfo xmlns:a="http://schemas.openxmlformats.org/drawingml/2006/main" xmlns:r="http://schemas.openxmlformats.org/officeDocument/2006/relationships" xmlns:ac="http://schemas.microsoft.com/office/drawing/2013/main/command" xmlns:pc="http://schemas.microsoft.com/office/powerpoint/2013/main/command">
+  <pc:docChgLst>
+    <pc:chgData name="Are Mjaavatten" userId="00bb58f78e5d171c" providerId="LiveId" clId="{E22246DF-1A44-4B89-AE35-89158ED6ED39}"/>
+    <pc:docChg chg="modSld">
+      <pc:chgData name="Are Mjaavatten" userId="00bb58f78e5d171c" providerId="LiveId" clId="{E22246DF-1A44-4B89-AE35-89158ED6ED39}" dt="2024-11-26T15:55:23.235" v="1" actId="20577"/>
+      <pc:docMkLst>
+        <pc:docMk/>
+      </pc:docMkLst>
+      <pc:sldChg chg="modSp mod">
+        <pc:chgData name="Are Mjaavatten" userId="00bb58f78e5d171c" providerId="LiveId" clId="{E22246DF-1A44-4B89-AE35-89158ED6ED39}" dt="2024-11-26T15:55:23.235" v="1" actId="20577"/>
+        <pc:sldMkLst>
+          <pc:docMk/>
+          <pc:sldMk cId="1316731880" sldId="290"/>
+        </pc:sldMkLst>
+        <pc:spChg chg="mod">
+          <ac:chgData name="Are Mjaavatten" userId="00bb58f78e5d171c" providerId="LiveId" clId="{E22246DF-1A44-4B89-AE35-89158ED6ED39}" dt="2024-11-26T15:55:23.235" v="1" actId="20577"/>
+          <ac:spMkLst>
+            <pc:docMk/>
+            <pc:sldMk cId="1316731880" sldId="290"/>
+            <ac:spMk id="3" creationId="{146B1BDC-14E9-C6BA-F8C8-E95FD0ED05F2}"/>
+          </ac:spMkLst>
+        </pc:spChg>
+      </pc:sldChg>
+    </pc:docChg>
+  </pc:docChgLst>
   <pc:docChgLst>
     <pc:chgData name="Are Mjaavatten" userId="00bb58f78e5d171c" providerId="LiveId" clId="{A45ED6F9-5D39-481B-9112-1D3B983E22B1}"/>
     <pc:docChg chg="undo custSel addSld delSld modSld sldOrd">
@@ -1533,7 +1549,7 @@
           <a:p>
             <a:fld id="{07217112-6954-43FF-ADCD-56301C60B9CA}" type="datetimeFigureOut">
               <a:rPr lang="en-GB" smtClean="0"/>
-              <a:t>24/11/2024</a:t>
+              <a:t>26/11/2024</a:t>
             </a:fld>
             <a:endParaRPr lang="en-GB"/>
           </a:p>
@@ -1733,7 +1749,7 @@
           <a:p>
             <a:fld id="{07217112-6954-43FF-ADCD-56301C60B9CA}" type="datetimeFigureOut">
               <a:rPr lang="en-GB" smtClean="0"/>
-              <a:t>24/11/2024</a:t>
+              <a:t>26/11/2024</a:t>
             </a:fld>
             <a:endParaRPr lang="en-GB"/>
           </a:p>
@@ -1943,7 +1959,7 @@
           <a:p>
             <a:fld id="{07217112-6954-43FF-ADCD-56301C60B9CA}" type="datetimeFigureOut">
               <a:rPr lang="en-GB" smtClean="0"/>
-              <a:t>24/11/2024</a:t>
+              <a:t>26/11/2024</a:t>
             </a:fld>
             <a:endParaRPr lang="en-GB"/>
           </a:p>
@@ -2143,7 +2159,7 @@
           <a:p>
             <a:fld id="{07217112-6954-43FF-ADCD-56301C60B9CA}" type="datetimeFigureOut">
               <a:rPr lang="en-GB" smtClean="0"/>
-              <a:t>24/11/2024</a:t>
+              <a:t>26/11/2024</a:t>
             </a:fld>
             <a:endParaRPr lang="en-GB"/>
           </a:p>
@@ -2419,7 +2435,7 @@
           <a:p>
             <a:fld id="{07217112-6954-43FF-ADCD-56301C60B9CA}" type="datetimeFigureOut">
               <a:rPr lang="en-GB" smtClean="0"/>
-              <a:t>24/11/2024</a:t>
+              <a:t>26/11/2024</a:t>
             </a:fld>
             <a:endParaRPr lang="en-GB"/>
           </a:p>
@@ -2687,7 +2703,7 @@
           <a:p>
             <a:fld id="{07217112-6954-43FF-ADCD-56301C60B9CA}" type="datetimeFigureOut">
               <a:rPr lang="en-GB" smtClean="0"/>
-              <a:t>24/11/2024</a:t>
+              <a:t>26/11/2024</a:t>
             </a:fld>
             <a:endParaRPr lang="en-GB"/>
           </a:p>
@@ -3102,7 +3118,7 @@
           <a:p>
             <a:fld id="{07217112-6954-43FF-ADCD-56301C60B9CA}" type="datetimeFigureOut">
               <a:rPr lang="en-GB" smtClean="0"/>
-              <a:t>24/11/2024</a:t>
+              <a:t>26/11/2024</a:t>
             </a:fld>
             <a:endParaRPr lang="en-GB"/>
           </a:p>
@@ -3244,7 +3260,7 @@
           <a:p>
             <a:fld id="{07217112-6954-43FF-ADCD-56301C60B9CA}" type="datetimeFigureOut">
               <a:rPr lang="en-GB" smtClean="0"/>
-              <a:t>24/11/2024</a:t>
+              <a:t>26/11/2024</a:t>
             </a:fld>
             <a:endParaRPr lang="en-GB"/>
           </a:p>
@@ -3357,7 +3373,7 @@
           <a:p>
             <a:fld id="{07217112-6954-43FF-ADCD-56301C60B9CA}" type="datetimeFigureOut">
               <a:rPr lang="en-GB" smtClean="0"/>
-              <a:t>24/11/2024</a:t>
+              <a:t>26/11/2024</a:t>
             </a:fld>
             <a:endParaRPr lang="en-GB"/>
           </a:p>
@@ -3670,7 +3686,7 @@
           <a:p>
             <a:fld id="{07217112-6954-43FF-ADCD-56301C60B9CA}" type="datetimeFigureOut">
               <a:rPr lang="en-GB" smtClean="0"/>
-              <a:t>24/11/2024</a:t>
+              <a:t>26/11/2024</a:t>
             </a:fld>
             <a:endParaRPr lang="en-GB"/>
           </a:p>
@@ -3959,7 +3975,7 @@
           <a:p>
             <a:fld id="{07217112-6954-43FF-ADCD-56301C60B9CA}" type="datetimeFigureOut">
               <a:rPr lang="en-GB" smtClean="0"/>
-              <a:t>24/11/2024</a:t>
+              <a:t>26/11/2024</a:t>
             </a:fld>
             <a:endParaRPr lang="en-GB"/>
           </a:p>
@@ -4202,7 +4218,7 @@
           <a:p>
             <a:fld id="{07217112-6954-43FF-ADCD-56301C60B9CA}" type="datetimeFigureOut">
               <a:rPr lang="en-GB" smtClean="0"/>
-              <a:t>24/11/2024</a:t>
+              <a:t>26/11/2024</a:t>
             </a:fld>
             <a:endParaRPr lang="en-GB"/>
           </a:p>
@@ -6497,8 +6513,8 @@
           </a:p>
         </p:txBody>
       </p:sp>
-      <mc:AlternateContent xmlns:mc="http://schemas.openxmlformats.org/markup-compatibility/2006">
-        <mc:Choice xmlns:a14="http://schemas.microsoft.com/office/drawing/2010/main" Requires="a14">
+      <mc:AlternateContent xmlns:mc="http://schemas.openxmlformats.org/markup-compatibility/2006" xmlns:a14="http://schemas.microsoft.com/office/drawing/2010/main">
+        <mc:Choice Requires="a14">
           <p:sp>
             <p:nvSpPr>
               <p:cNvPr id="3" name="Content Placeholder 2">
@@ -6762,7 +6778,7 @@
             </p:txBody>
           </p:sp>
         </mc:Choice>
-        <mc:Fallback>
+        <mc:Fallback xmlns="">
           <p:sp>
             <p:nvSpPr>
               <p:cNvPr id="3" name="Content Placeholder 2">
@@ -7134,15 +7150,19 @@
           <a:p>
             <a:r>
               <a:rPr lang="en-GB" noProof="0" dirty="0"/>
-              <a:t>Calculate best fit parameters for the Bell or </a:t>
+              <a:t>Calculate best fit parameters for the Bell (or </a:t>
             </a:r>
             <a:r>
               <a:rPr lang="en-GB" noProof="0" dirty="0" err="1"/>
               <a:t>Dudko</a:t>
             </a:r>
             <a:r>
+              <a:rPr lang="en-GB" noProof="0"/>
+              <a:t>) </a:t>
+            </a:r>
+            <a:r>
               <a:rPr lang="en-GB" noProof="0" dirty="0"/>
-              <a:t> model</a:t>
+              <a:t>model</a:t>
             </a:r>
           </a:p>
           <a:p>
@@ -9028,8 +9048,8 @@
           </a:p>
         </p:txBody>
       </p:sp>
-      <mc:AlternateContent xmlns:mc="http://schemas.openxmlformats.org/markup-compatibility/2006">
-        <mc:Choice xmlns:a14="http://schemas.microsoft.com/office/drawing/2010/main" Requires="a14">
+      <mc:AlternateContent xmlns:mc="http://schemas.openxmlformats.org/markup-compatibility/2006" xmlns:a14="http://schemas.microsoft.com/office/drawing/2010/main">
+        <mc:Choice Requires="a14">
           <p:sp>
             <p:nvSpPr>
               <p:cNvPr id="3" name="Content Placeholder 2">
@@ -9418,7 +9438,7 @@
             </p:txBody>
           </p:sp>
         </mc:Choice>
-        <mc:Fallback>
+        <mc:Fallback xmlns="">
           <p:sp>
             <p:nvSpPr>
               <p:cNvPr id="3" name="Content Placeholder 2">
@@ -13424,8 +13444,8 @@
           </a:p>
         </p:txBody>
       </p:sp>
-      <mc:AlternateContent xmlns:mc="http://schemas.openxmlformats.org/markup-compatibility/2006">
-        <mc:Choice xmlns:a14="http://schemas.microsoft.com/office/drawing/2010/main" Requires="a14">
+      <mc:AlternateContent xmlns:mc="http://schemas.openxmlformats.org/markup-compatibility/2006" xmlns:a14="http://schemas.microsoft.com/office/drawing/2010/main">
+        <mc:Choice Requires="a14">
           <p:sp>
             <p:nvSpPr>
               <p:cNvPr id="3" name="Content Placeholder 2">
@@ -13637,7 +13657,7 @@
             </p:txBody>
           </p:sp>
         </mc:Choice>
-        <mc:Fallback>
+        <mc:Fallback xmlns="">
           <p:sp>
             <p:nvSpPr>
               <p:cNvPr id="3" name="Content Placeholder 2">

--- a/Summer school 2024/Fitting models to experiment.pptx
+++ b/Summer school 2024/Fitting models to experiment.pptx
@@ -13,26 +13,28 @@
     <p:sldId id="259" r:id="rId7"/>
     <p:sldId id="296" r:id="rId8"/>
     <p:sldId id="264" r:id="rId9"/>
-    <p:sldId id="295" r:id="rId10"/>
-    <p:sldId id="265" r:id="rId11"/>
-    <p:sldId id="266" r:id="rId12"/>
-    <p:sldId id="267" r:id="rId13"/>
-    <p:sldId id="268" r:id="rId14"/>
-    <p:sldId id="270" r:id="rId15"/>
-    <p:sldId id="271" r:id="rId16"/>
-    <p:sldId id="290" r:id="rId17"/>
-    <p:sldId id="297" r:id="rId18"/>
-    <p:sldId id="298" r:id="rId19"/>
-    <p:sldId id="299" r:id="rId20"/>
-    <p:sldId id="274" r:id="rId21"/>
-    <p:sldId id="276" r:id="rId22"/>
-    <p:sldId id="301" r:id="rId23"/>
-    <p:sldId id="277" r:id="rId24"/>
-    <p:sldId id="275" r:id="rId25"/>
-    <p:sldId id="291" r:id="rId26"/>
-    <p:sldId id="293" r:id="rId27"/>
-    <p:sldId id="300" r:id="rId28"/>
-    <p:sldId id="272" r:id="rId29"/>
+    <p:sldId id="302" r:id="rId10"/>
+    <p:sldId id="295" r:id="rId11"/>
+    <p:sldId id="265" r:id="rId12"/>
+    <p:sldId id="266" r:id="rId13"/>
+    <p:sldId id="267" r:id="rId14"/>
+    <p:sldId id="303" r:id="rId15"/>
+    <p:sldId id="268" r:id="rId16"/>
+    <p:sldId id="270" r:id="rId17"/>
+    <p:sldId id="271" r:id="rId18"/>
+    <p:sldId id="290" r:id="rId19"/>
+    <p:sldId id="297" r:id="rId20"/>
+    <p:sldId id="298" r:id="rId21"/>
+    <p:sldId id="299" r:id="rId22"/>
+    <p:sldId id="274" r:id="rId23"/>
+    <p:sldId id="276" r:id="rId24"/>
+    <p:sldId id="301" r:id="rId25"/>
+    <p:sldId id="277" r:id="rId26"/>
+    <p:sldId id="275" r:id="rId27"/>
+    <p:sldId id="291" r:id="rId28"/>
+    <p:sldId id="293" r:id="rId29"/>
+    <p:sldId id="300" r:id="rId30"/>
+    <p:sldId id="272" r:id="rId31"/>
   </p:sldIdLst>
   <p:sldSz cx="12192000" cy="6858000"/>
   <p:notesSz cx="6858000" cy="9144000"/>
@@ -137,6 +139,14 @@
     </p:ext>
   </p:extLst>
 </p:presentation>
+</file>
+
+<file path=ppt/revisionInfo.xml><?xml version="1.0" encoding="utf-8"?>
+<p1510:revInfo xmlns:a="http://schemas.openxmlformats.org/drawingml/2006/main" xmlns:r="http://schemas.openxmlformats.org/officeDocument/2006/relationships" xmlns:p1510="http://schemas.microsoft.com/office/powerpoint/2015/10/main">
+  <p1510:revLst>
+    <p1510:client id="{38EDF412-F223-4FD6-BF65-217460EE1FDB}" v="10" dt="2024-12-03T16:01:43.519"/>
+  </p1510:revLst>
+</p1510:revInfo>
 </file>
 
 <file path=ppt/changesInfos/changesInfo1.xml><?xml version="1.0" encoding="utf-8"?>
@@ -906,7 +916,7 @@
   <pc:docChgLst>
     <pc:chgData name="Are Mjaavatten" userId="00bb58f78e5d171c" providerId="LiveId" clId="{38EDF412-F223-4FD6-BF65-217460EE1FDB}"/>
     <pc:docChg chg="undo custSel addSld delSld modSld sldOrd">
-      <pc:chgData name="Are Mjaavatten" userId="00bb58f78e5d171c" providerId="LiveId" clId="{38EDF412-F223-4FD6-BF65-217460EE1FDB}" dt="2024-11-25T12:32:49.867" v="4741" actId="20577"/>
+      <pc:chgData name="Are Mjaavatten" userId="00bb58f78e5d171c" providerId="LiveId" clId="{38EDF412-F223-4FD6-BF65-217460EE1FDB}" dt="2024-12-03T16:40:54.125" v="6153" actId="20577"/>
       <pc:docMkLst>
         <pc:docMk/>
       </pc:docMkLst>
@@ -922,6 +932,21 @@
             <pc:docMk/>
             <pc:sldMk cId="1773394934" sldId="257"/>
             <ac:spMk id="3" creationId="{200923E7-9390-D52B-C117-9A0F6EC651C4}"/>
+          </ac:spMkLst>
+        </pc:spChg>
+      </pc:sldChg>
+      <pc:sldChg chg="modSp mod">
+        <pc:chgData name="Are Mjaavatten" userId="00bb58f78e5d171c" providerId="LiveId" clId="{38EDF412-F223-4FD6-BF65-217460EE1FDB}" dt="2024-12-03T15:28:17.040" v="4774" actId="20577"/>
+        <pc:sldMkLst>
+          <pc:docMk/>
+          <pc:sldMk cId="362123717" sldId="258"/>
+        </pc:sldMkLst>
+        <pc:spChg chg="mod">
+          <ac:chgData name="Are Mjaavatten" userId="00bb58f78e5d171c" providerId="LiveId" clId="{38EDF412-F223-4FD6-BF65-217460EE1FDB}" dt="2024-12-03T15:28:17.040" v="4774" actId="20577"/>
+          <ac:spMkLst>
+            <pc:docMk/>
+            <pc:sldMk cId="362123717" sldId="258"/>
+            <ac:spMk id="3" creationId="{3D1B4C69-FA74-9842-23A2-B35D47C2E96D}"/>
           </ac:spMkLst>
         </pc:spChg>
       </pc:sldChg>
@@ -1000,13 +1025,13 @@
         </pc:sldMkLst>
       </pc:sldChg>
       <pc:sldChg chg="modSp mod">
-        <pc:chgData name="Are Mjaavatten" userId="00bb58f78e5d171c" providerId="LiveId" clId="{38EDF412-F223-4FD6-BF65-217460EE1FDB}" dt="2024-11-25T12:25:45.216" v="4730" actId="20577"/>
+        <pc:chgData name="Are Mjaavatten" userId="00bb58f78e5d171c" providerId="LiveId" clId="{38EDF412-F223-4FD6-BF65-217460EE1FDB}" dt="2024-12-03T16:01:43.517" v="5543" actId="20577"/>
         <pc:sldMkLst>
           <pc:docMk/>
           <pc:sldMk cId="2078969365" sldId="270"/>
         </pc:sldMkLst>
         <pc:spChg chg="mod">
-          <ac:chgData name="Are Mjaavatten" userId="00bb58f78e5d171c" providerId="LiveId" clId="{38EDF412-F223-4FD6-BF65-217460EE1FDB}" dt="2024-11-25T12:25:45.216" v="4730" actId="20577"/>
+          <ac:chgData name="Are Mjaavatten" userId="00bb58f78e5d171c" providerId="LiveId" clId="{38EDF412-F223-4FD6-BF65-217460EE1FDB}" dt="2024-12-03T16:01:43.517" v="5543" actId="20577"/>
           <ac:spMkLst>
             <pc:docMk/>
             <pc:sldMk cId="2078969365" sldId="270"/>
@@ -1015,13 +1040,13 @@
         </pc:spChg>
       </pc:sldChg>
       <pc:sldChg chg="modSp mod">
-        <pc:chgData name="Are Mjaavatten" userId="00bb58f78e5d171c" providerId="LiveId" clId="{38EDF412-F223-4FD6-BF65-217460EE1FDB}" dt="2024-11-24T16:18:12.980" v="4697" actId="20577"/>
+        <pc:chgData name="Are Mjaavatten" userId="00bb58f78e5d171c" providerId="LiveId" clId="{38EDF412-F223-4FD6-BF65-217460EE1FDB}" dt="2024-12-03T16:40:54.125" v="6153" actId="20577"/>
         <pc:sldMkLst>
           <pc:docMk/>
           <pc:sldMk cId="3717817248" sldId="272"/>
         </pc:sldMkLst>
         <pc:spChg chg="mod">
-          <ac:chgData name="Are Mjaavatten" userId="00bb58f78e5d171c" providerId="LiveId" clId="{38EDF412-F223-4FD6-BF65-217460EE1FDB}" dt="2024-11-24T16:18:12.980" v="4697" actId="20577"/>
+          <ac:chgData name="Are Mjaavatten" userId="00bb58f78e5d171c" providerId="LiveId" clId="{38EDF412-F223-4FD6-BF65-217460EE1FDB}" dt="2024-12-03T16:40:54.125" v="6153" actId="20577"/>
           <ac:spMkLst>
             <pc:docMk/>
             <pc:sldMk cId="3717817248" sldId="272"/>
@@ -1051,14 +1076,6 @@
             <ac:spMk id="3" creationId="{A9C6016E-7894-D60A-938F-FE23568508EA}"/>
           </ac:spMkLst>
         </pc:spChg>
-        <pc:spChg chg="del mod">
-          <ac:chgData name="Are Mjaavatten" userId="00bb58f78e5d171c" providerId="LiveId" clId="{38EDF412-F223-4FD6-BF65-217460EE1FDB}" dt="2024-11-24T14:09:16.792" v="3755" actId="478"/>
-          <ac:spMkLst>
-            <pc:docMk/>
-            <pc:sldMk cId="1676652985" sldId="274"/>
-            <ac:spMk id="9" creationId="{654181CA-C003-765A-40E1-B992A39A7236}"/>
-          </ac:spMkLst>
-        </pc:spChg>
       </pc:sldChg>
       <pc:sldChg chg="modSp mod">
         <pc:chgData name="Are Mjaavatten" userId="00bb58f78e5d171c" providerId="LiveId" clId="{38EDF412-F223-4FD6-BF65-217460EE1FDB}" dt="2024-11-25T12:32:49.867" v="4741" actId="20577"/>
@@ -1084,7 +1101,7 @@
         </pc:spChg>
       </pc:sldChg>
       <pc:sldChg chg="modSp mod">
-        <pc:chgData name="Are Mjaavatten" userId="00bb58f78e5d171c" providerId="LiveId" clId="{38EDF412-F223-4FD6-BF65-217460EE1FDB}" dt="2024-11-24T15:53:47.878" v="4273" actId="20577"/>
+        <pc:chgData name="Are Mjaavatten" userId="00bb58f78e5d171c" providerId="LiveId" clId="{38EDF412-F223-4FD6-BF65-217460EE1FDB}" dt="2024-12-03T16:33:28.361" v="6082" actId="20577"/>
         <pc:sldMkLst>
           <pc:docMk/>
           <pc:sldMk cId="3727252890" sldId="276"/>
@@ -1098,7 +1115,7 @@
           </ac:spMkLst>
         </pc:spChg>
         <pc:spChg chg="mod">
-          <ac:chgData name="Are Mjaavatten" userId="00bb58f78e5d171c" providerId="LiveId" clId="{38EDF412-F223-4FD6-BF65-217460EE1FDB}" dt="2024-11-24T15:53:47.878" v="4273" actId="20577"/>
+          <ac:chgData name="Are Mjaavatten" userId="00bb58f78e5d171c" providerId="LiveId" clId="{38EDF412-F223-4FD6-BF65-217460EE1FDB}" dt="2024-12-03T16:33:28.361" v="6082" actId="20577"/>
           <ac:spMkLst>
             <pc:docMk/>
             <pc:sldMk cId="3727252890" sldId="276"/>
@@ -1173,12 +1190,20 @@
           <pc:sldMk cId="2595814099" sldId="292"/>
         </pc:sldMkLst>
       </pc:sldChg>
-      <pc:sldChg chg="ord">
-        <pc:chgData name="Are Mjaavatten" userId="00bb58f78e5d171c" providerId="LiveId" clId="{38EDF412-F223-4FD6-BF65-217460EE1FDB}" dt="2024-11-24T16:13:27.338" v="4624"/>
+      <pc:sldChg chg="modSp mod ord">
+        <pc:chgData name="Are Mjaavatten" userId="00bb58f78e5d171c" providerId="LiveId" clId="{38EDF412-F223-4FD6-BF65-217460EE1FDB}" dt="2024-12-03T16:39:24.493" v="6147" actId="20577"/>
         <pc:sldMkLst>
           <pc:docMk/>
           <pc:sldMk cId="2858449034" sldId="293"/>
         </pc:sldMkLst>
+        <pc:spChg chg="mod">
+          <ac:chgData name="Are Mjaavatten" userId="00bb58f78e5d171c" providerId="LiveId" clId="{38EDF412-F223-4FD6-BF65-217460EE1FDB}" dt="2024-12-03T16:39:24.493" v="6147" actId="20577"/>
+          <ac:spMkLst>
+            <pc:docMk/>
+            <pc:sldMk cId="2858449034" sldId="293"/>
+            <ac:spMk id="3" creationId="{99735D8B-6C5C-81E5-A950-E77CC81E01A8}"/>
+          </ac:spMkLst>
+        </pc:spChg>
       </pc:sldChg>
       <pc:sldChg chg="del">
         <pc:chgData name="Are Mjaavatten" userId="00bb58f78e5d171c" providerId="LiveId" clId="{38EDF412-F223-4FD6-BF65-217460EE1FDB}" dt="2024-11-24T16:15:49.503" v="4665" actId="47"/>
@@ -1188,7 +1213,7 @@
         </pc:sldMkLst>
       </pc:sldChg>
       <pc:sldChg chg="addSp delSp modSp new mod">
-        <pc:chgData name="Are Mjaavatten" userId="00bb58f78e5d171c" providerId="LiveId" clId="{38EDF412-F223-4FD6-BF65-217460EE1FDB}" dt="2024-11-11T09:08:09.438" v="1637" actId="20577"/>
+        <pc:chgData name="Are Mjaavatten" userId="00bb58f78e5d171c" providerId="LiveId" clId="{38EDF412-F223-4FD6-BF65-217460EE1FDB}" dt="2024-12-03T15:58:05.610" v="5468" actId="20577"/>
         <pc:sldMkLst>
           <pc:docMk/>
           <pc:sldMk cId="1431006850" sldId="295"/>
@@ -1202,7 +1227,7 @@
           </ac:spMkLst>
         </pc:spChg>
         <pc:spChg chg="mod">
-          <ac:chgData name="Are Mjaavatten" userId="00bb58f78e5d171c" providerId="LiveId" clId="{38EDF412-F223-4FD6-BF65-217460EE1FDB}" dt="2024-11-11T09:08:09.438" v="1637" actId="20577"/>
+          <ac:chgData name="Are Mjaavatten" userId="00bb58f78e5d171c" providerId="LiveId" clId="{38EDF412-F223-4FD6-BF65-217460EE1FDB}" dt="2024-12-03T15:58:05.610" v="5468" actId="20577"/>
           <ac:spMkLst>
             <pc:docMk/>
             <pc:sldMk cId="1431006850" sldId="295"/>
@@ -1234,7 +1259,7 @@
         </pc:spChg>
       </pc:sldChg>
       <pc:sldChg chg="modSp new mod">
-        <pc:chgData name="Are Mjaavatten" userId="00bb58f78e5d171c" providerId="LiveId" clId="{38EDF412-F223-4FD6-BF65-217460EE1FDB}" dt="2024-11-24T13:47:08.986" v="3312" actId="21"/>
+        <pc:chgData name="Are Mjaavatten" userId="00bb58f78e5d171c" providerId="LiveId" clId="{38EDF412-F223-4FD6-BF65-217460EE1FDB}" dt="2024-12-03T16:23:06.834" v="5965" actId="403"/>
         <pc:sldMkLst>
           <pc:docMk/>
           <pc:sldMk cId="2982683275" sldId="297"/>
@@ -1248,7 +1273,7 @@
           </ac:spMkLst>
         </pc:spChg>
         <pc:spChg chg="mod">
-          <ac:chgData name="Are Mjaavatten" userId="00bb58f78e5d171c" providerId="LiveId" clId="{38EDF412-F223-4FD6-BF65-217460EE1FDB}" dt="2024-11-24T13:47:08.986" v="3312" actId="21"/>
+          <ac:chgData name="Are Mjaavatten" userId="00bb58f78e5d171c" providerId="LiveId" clId="{38EDF412-F223-4FD6-BF65-217460EE1FDB}" dt="2024-12-03T16:23:06.834" v="5965" actId="403"/>
           <ac:spMkLst>
             <pc:docMk/>
             <pc:sldMk cId="2982683275" sldId="297"/>
@@ -1262,17 +1287,9 @@
           <pc:docMk/>
           <pc:sldMk cId="3316616521" sldId="297"/>
         </pc:sldMkLst>
-        <pc:spChg chg="mod">
-          <ac:chgData name="Are Mjaavatten" userId="00bb58f78e5d171c" providerId="LiveId" clId="{38EDF412-F223-4FD6-BF65-217460EE1FDB}" dt="2024-11-24T13:18:58.758" v="2360" actId="20577"/>
-          <ac:spMkLst>
-            <pc:docMk/>
-            <pc:sldMk cId="3316616521" sldId="297"/>
-            <ac:spMk id="2" creationId="{3EED4AD0-8D60-D5B0-6B81-075D8DC86BC1}"/>
-          </ac:spMkLst>
-        </pc:spChg>
       </pc:sldChg>
       <pc:sldChg chg="modSp new mod">
-        <pc:chgData name="Are Mjaavatten" userId="00bb58f78e5d171c" providerId="LiveId" clId="{38EDF412-F223-4FD6-BF65-217460EE1FDB}" dt="2024-11-24T13:49:28.280" v="3378" actId="403"/>
+        <pc:chgData name="Are Mjaavatten" userId="00bb58f78e5d171c" providerId="LiveId" clId="{38EDF412-F223-4FD6-BF65-217460EE1FDB}" dt="2024-12-03T16:28:59.155" v="6077" actId="2711"/>
         <pc:sldMkLst>
           <pc:docMk/>
           <pc:sldMk cId="1276691091" sldId="298"/>
@@ -1286,7 +1303,7 @@
           </ac:spMkLst>
         </pc:spChg>
         <pc:spChg chg="mod">
-          <ac:chgData name="Are Mjaavatten" userId="00bb58f78e5d171c" providerId="LiveId" clId="{38EDF412-F223-4FD6-BF65-217460EE1FDB}" dt="2024-11-24T13:49:28.280" v="3378" actId="403"/>
+          <ac:chgData name="Are Mjaavatten" userId="00bb58f78e5d171c" providerId="LiveId" clId="{38EDF412-F223-4FD6-BF65-217460EE1FDB}" dt="2024-12-03T16:28:59.155" v="6077" actId="2711"/>
           <ac:spMkLst>
             <pc:docMk/>
             <pc:sldMk cId="1276691091" sldId="298"/>
@@ -1339,14 +1356,6 @@
             <ac:spMk id="3" creationId="{80CDC13B-4DDC-6225-5F6D-3C645A78A38B}"/>
           </ac:spMkLst>
         </pc:spChg>
-        <pc:spChg chg="add del">
-          <ac:chgData name="Are Mjaavatten" userId="00bb58f78e5d171c" providerId="LiveId" clId="{38EDF412-F223-4FD6-BF65-217460EE1FDB}" dt="2024-11-24T16:14:43.439" v="4626" actId="22"/>
-          <ac:spMkLst>
-            <pc:docMk/>
-            <pc:sldMk cId="3013525236" sldId="300"/>
-            <ac:spMk id="7" creationId="{6FA00FCD-9F43-74D9-02CE-55319F18A94A}"/>
-          </ac:spMkLst>
-        </pc:spChg>
         <pc:spChg chg="add mod">
           <ac:chgData name="Are Mjaavatten" userId="00bb58f78e5d171c" providerId="LiveId" clId="{38EDF412-F223-4FD6-BF65-217460EE1FDB}" dt="2024-11-24T16:15:08.928" v="4652" actId="1036"/>
           <ac:spMkLst>
@@ -1394,6 +1403,52 @@
             <ac:picMk id="5" creationId="{86EB6EC7-5609-5263-E71A-8D33CDB0C35E}"/>
           </ac:picMkLst>
         </pc:picChg>
+      </pc:sldChg>
+      <pc:sldChg chg="modSp new mod ord">
+        <pc:chgData name="Are Mjaavatten" userId="00bb58f78e5d171c" providerId="LiveId" clId="{38EDF412-F223-4FD6-BF65-217460EE1FDB}" dt="2024-12-03T15:58:59.468" v="5479" actId="20577"/>
+        <pc:sldMkLst>
+          <pc:docMk/>
+          <pc:sldMk cId="3375857641" sldId="302"/>
+        </pc:sldMkLst>
+        <pc:spChg chg="mod">
+          <ac:chgData name="Are Mjaavatten" userId="00bb58f78e5d171c" providerId="LiveId" clId="{38EDF412-F223-4FD6-BF65-217460EE1FDB}" dt="2024-12-03T15:45:17.409" v="4806" actId="947"/>
+          <ac:spMkLst>
+            <pc:docMk/>
+            <pc:sldMk cId="3375857641" sldId="302"/>
+            <ac:spMk id="2" creationId="{698CDFF4-ACFE-FA8A-D457-C2A92967A445}"/>
+          </ac:spMkLst>
+        </pc:spChg>
+        <pc:spChg chg="mod">
+          <ac:chgData name="Are Mjaavatten" userId="00bb58f78e5d171c" providerId="LiveId" clId="{38EDF412-F223-4FD6-BF65-217460EE1FDB}" dt="2024-12-03T15:58:59.468" v="5479" actId="20577"/>
+          <ac:spMkLst>
+            <pc:docMk/>
+            <pc:sldMk cId="3375857641" sldId="302"/>
+            <ac:spMk id="3" creationId="{59487891-7D1B-C8D2-C6A4-9AFDBFED05AB}"/>
+          </ac:spMkLst>
+        </pc:spChg>
+      </pc:sldChg>
+      <pc:sldChg chg="modSp new mod ord">
+        <pc:chgData name="Are Mjaavatten" userId="00bb58f78e5d171c" providerId="LiveId" clId="{38EDF412-F223-4FD6-BF65-217460EE1FDB}" dt="2024-12-03T16:18:03.570" v="5916" actId="20577"/>
+        <pc:sldMkLst>
+          <pc:docMk/>
+          <pc:sldMk cId="3688595922" sldId="303"/>
+        </pc:sldMkLst>
+        <pc:spChg chg="mod">
+          <ac:chgData name="Are Mjaavatten" userId="00bb58f78e5d171c" providerId="LiveId" clId="{38EDF412-F223-4FD6-BF65-217460EE1FDB}" dt="2024-12-03T16:03:28.643" v="5565" actId="20577"/>
+          <ac:spMkLst>
+            <pc:docMk/>
+            <pc:sldMk cId="3688595922" sldId="303"/>
+            <ac:spMk id="2" creationId="{EE5DFC59-5832-0D63-93BD-0827155B75B0}"/>
+          </ac:spMkLst>
+        </pc:spChg>
+        <pc:spChg chg="mod">
+          <ac:chgData name="Are Mjaavatten" userId="00bb58f78e5d171c" providerId="LiveId" clId="{38EDF412-F223-4FD6-BF65-217460EE1FDB}" dt="2024-12-03T16:18:03.570" v="5916" actId="20577"/>
+          <ac:spMkLst>
+            <pc:docMk/>
+            <pc:sldMk cId="3688595922" sldId="303"/>
+            <ac:spMk id="3" creationId="{CB6D0C28-FABE-7265-600D-F6CA62F2EEA0}"/>
+          </ac:spMkLst>
+        </pc:spChg>
       </pc:sldChg>
     </pc:docChg>
   </pc:docChgLst>
@@ -1549,7 +1604,7 @@
           <a:p>
             <a:fld id="{07217112-6954-43FF-ADCD-56301C60B9CA}" type="datetimeFigureOut">
               <a:rPr lang="en-GB" smtClean="0"/>
-              <a:t>26/11/2024</a:t>
+              <a:t>03/12/2024</a:t>
             </a:fld>
             <a:endParaRPr lang="en-GB"/>
           </a:p>
@@ -1749,7 +1804,7 @@
           <a:p>
             <a:fld id="{07217112-6954-43FF-ADCD-56301C60B9CA}" type="datetimeFigureOut">
               <a:rPr lang="en-GB" smtClean="0"/>
-              <a:t>26/11/2024</a:t>
+              <a:t>03/12/2024</a:t>
             </a:fld>
             <a:endParaRPr lang="en-GB"/>
           </a:p>
@@ -1959,7 +2014,7 @@
           <a:p>
             <a:fld id="{07217112-6954-43FF-ADCD-56301C60B9CA}" type="datetimeFigureOut">
               <a:rPr lang="en-GB" smtClean="0"/>
-              <a:t>26/11/2024</a:t>
+              <a:t>03/12/2024</a:t>
             </a:fld>
             <a:endParaRPr lang="en-GB"/>
           </a:p>
@@ -2159,7 +2214,7 @@
           <a:p>
             <a:fld id="{07217112-6954-43FF-ADCD-56301C60B9CA}" type="datetimeFigureOut">
               <a:rPr lang="en-GB" smtClean="0"/>
-              <a:t>26/11/2024</a:t>
+              <a:t>03/12/2024</a:t>
             </a:fld>
             <a:endParaRPr lang="en-GB"/>
           </a:p>
@@ -2435,7 +2490,7 @@
           <a:p>
             <a:fld id="{07217112-6954-43FF-ADCD-56301C60B9CA}" type="datetimeFigureOut">
               <a:rPr lang="en-GB" smtClean="0"/>
-              <a:t>26/11/2024</a:t>
+              <a:t>03/12/2024</a:t>
             </a:fld>
             <a:endParaRPr lang="en-GB"/>
           </a:p>
@@ -2703,7 +2758,7 @@
           <a:p>
             <a:fld id="{07217112-6954-43FF-ADCD-56301C60B9CA}" type="datetimeFigureOut">
               <a:rPr lang="en-GB" smtClean="0"/>
-              <a:t>26/11/2024</a:t>
+              <a:t>03/12/2024</a:t>
             </a:fld>
             <a:endParaRPr lang="en-GB"/>
           </a:p>
@@ -3118,7 +3173,7 @@
           <a:p>
             <a:fld id="{07217112-6954-43FF-ADCD-56301C60B9CA}" type="datetimeFigureOut">
               <a:rPr lang="en-GB" smtClean="0"/>
-              <a:t>26/11/2024</a:t>
+              <a:t>03/12/2024</a:t>
             </a:fld>
             <a:endParaRPr lang="en-GB"/>
           </a:p>
@@ -3260,7 +3315,7 @@
           <a:p>
             <a:fld id="{07217112-6954-43FF-ADCD-56301C60B9CA}" type="datetimeFigureOut">
               <a:rPr lang="en-GB" smtClean="0"/>
-              <a:t>26/11/2024</a:t>
+              <a:t>03/12/2024</a:t>
             </a:fld>
             <a:endParaRPr lang="en-GB"/>
           </a:p>
@@ -3373,7 +3428,7 @@
           <a:p>
             <a:fld id="{07217112-6954-43FF-ADCD-56301C60B9CA}" type="datetimeFigureOut">
               <a:rPr lang="en-GB" smtClean="0"/>
-              <a:t>26/11/2024</a:t>
+              <a:t>03/12/2024</a:t>
             </a:fld>
             <a:endParaRPr lang="en-GB"/>
           </a:p>
@@ -3686,7 +3741,7 @@
           <a:p>
             <a:fld id="{07217112-6954-43FF-ADCD-56301C60B9CA}" type="datetimeFigureOut">
               <a:rPr lang="en-GB" smtClean="0"/>
-              <a:t>26/11/2024</a:t>
+              <a:t>03/12/2024</a:t>
             </a:fld>
             <a:endParaRPr lang="en-GB"/>
           </a:p>
@@ -3975,7 +4030,7 @@
           <a:p>
             <a:fld id="{07217112-6954-43FF-ADCD-56301C60B9CA}" type="datetimeFigureOut">
               <a:rPr lang="en-GB" smtClean="0"/>
-              <a:t>26/11/2024</a:t>
+              <a:t>03/12/2024</a:t>
             </a:fld>
             <a:endParaRPr lang="en-GB"/>
           </a:p>
@@ -4218,7 +4273,7 @@
           <a:p>
             <a:fld id="{07217112-6954-43FF-ADCD-56301C60B9CA}" type="datetimeFigureOut">
               <a:rPr lang="en-GB" smtClean="0"/>
-              <a:t>26/11/2024</a:t>
+              <a:t>03/12/2024</a:t>
             </a:fld>
             <a:endParaRPr lang="en-GB"/>
           </a:p>
@@ -4790,6 +4845,379 @@
           <p:cNvPr id="2" name="Title 1">
             <a:extLst>
               <a:ext uri="{FF2B5EF4-FFF2-40B4-BE49-F238E27FC236}">
+                <a16:creationId xmlns:a16="http://schemas.microsoft.com/office/drawing/2014/main" id="{4B79B3C6-255E-0726-7043-1A2BC0B1288E}"/>
+              </a:ext>
+            </a:extLst>
+          </p:cNvPr>
+          <p:cNvSpPr>
+            <a:spLocks noGrp="1"/>
+          </p:cNvSpPr>
+          <p:nvPr>
+            <p:ph type="title"/>
+          </p:nvPr>
+        </p:nvSpPr>
+        <p:spPr/>
+        <p:txBody>
+          <a:bodyPr/>
+          <a:lstStyle/>
+          <a:p>
+            <a:r>
+              <a:rPr lang="en-GB" noProof="0" dirty="0"/>
+              <a:t>Confidence interval and standard deviation</a:t>
+            </a:r>
+          </a:p>
+        </p:txBody>
+      </p:sp>
+      <mc:AlternateContent xmlns:mc="http://schemas.openxmlformats.org/markup-compatibility/2006">
+        <mc:Choice xmlns:a14="http://schemas.microsoft.com/office/drawing/2010/main" Requires="a14">
+          <p:sp>
+            <p:nvSpPr>
+              <p:cNvPr id="3" name="Content Placeholder 2">
+                <a:extLst>
+                  <a:ext uri="{FF2B5EF4-FFF2-40B4-BE49-F238E27FC236}">
+                    <a16:creationId xmlns:a16="http://schemas.microsoft.com/office/drawing/2014/main" id="{AAEE925E-CD5F-1DD7-2693-866309162CB1}"/>
+                  </a:ext>
+                </a:extLst>
+              </p:cNvPr>
+              <p:cNvSpPr>
+                <a:spLocks noGrp="1"/>
+              </p:cNvSpPr>
+              <p:nvPr>
+                <p:ph idx="1"/>
+              </p:nvPr>
+            </p:nvSpPr>
+            <p:spPr>
+              <a:xfrm>
+                <a:off x="838200" y="1825625"/>
+                <a:ext cx="10515600" cy="4667250"/>
+              </a:xfrm>
+            </p:spPr>
+            <p:txBody>
+              <a:bodyPr>
+                <a:normAutofit/>
+              </a:bodyPr>
+              <a:lstStyle/>
+              <a:p>
+                <a:r>
+                  <a:rPr lang="en-GB" noProof="0" dirty="0"/>
+                  <a:t>Function </a:t>
+                </a:r>
+                <a:r>
+                  <a:rPr lang="en-GB" noProof="0" dirty="0" err="1"/>
+                  <a:t>nlparci</a:t>
+                </a:r>
+                <a:r>
+                  <a:rPr lang="en-GB" noProof="0" dirty="0"/>
+                  <a:t> gives the 95% confidence interval </a:t>
+                </a:r>
+                <a14:m>
+                  <m:oMath xmlns:m="http://schemas.openxmlformats.org/officeDocument/2006/math">
+                    <m:r>
+                      <a:rPr lang="en-GB" sz="2800" i="1" noProof="0" smtClean="0">
+                        <a:latin typeface="Cambria Math" panose="02040503050406030204" pitchFamily="18" charset="0"/>
+                        <a:ea typeface="Cambria Math" panose="02040503050406030204" pitchFamily="18" charset="0"/>
+                      </a:rPr>
+                      <m:t>𝑐𝑖</m:t>
+                    </m:r>
+                    <m:d>
+                      <m:dPr>
+                        <m:ctrlPr>
+                          <a:rPr lang="en-GB" sz="2800" i="1" noProof="0" smtClean="0">
+                            <a:latin typeface="Cambria Math" panose="02040503050406030204" pitchFamily="18" charset="0"/>
+                            <a:ea typeface="Cambria Math" panose="02040503050406030204" pitchFamily="18" charset="0"/>
+                          </a:rPr>
+                        </m:ctrlPr>
+                      </m:dPr>
+                      <m:e>
+                        <m:r>
+                          <a:rPr lang="en-GB" sz="2800" i="1" noProof="0">
+                            <a:latin typeface="Cambria Math" panose="02040503050406030204" pitchFamily="18" charset="0"/>
+                            <a:ea typeface="Cambria Math" panose="02040503050406030204" pitchFamily="18" charset="0"/>
+                          </a:rPr>
+                          <m:t>1</m:t>
+                        </m:r>
+                      </m:e>
+                    </m:d>
+                  </m:oMath>
+                </a14:m>
+                <a:r>
+                  <a:rPr lang="en-GB" sz="2800" noProof="0" dirty="0"/>
+                  <a:t> </a:t>
+                </a:r>
+                <a:r>
+                  <a:rPr lang="en-GB" noProof="0" dirty="0"/>
+                  <a:t>to</a:t>
+                </a:r>
+                <a:r>
+                  <a:rPr lang="en-GB" sz="2800" noProof="0" dirty="0"/>
+                  <a:t> </a:t>
+                </a:r>
+                <a14:m>
+                  <m:oMath xmlns:m="http://schemas.openxmlformats.org/officeDocument/2006/math">
+                    <m:r>
+                      <a:rPr lang="en-GB" sz="2800" i="1" noProof="0">
+                        <a:latin typeface="Cambria Math" panose="02040503050406030204" pitchFamily="18" charset="0"/>
+                        <a:ea typeface="Cambria Math" panose="02040503050406030204" pitchFamily="18" charset="0"/>
+                      </a:rPr>
+                      <m:t>𝑐𝑖</m:t>
+                    </m:r>
+                    <m:d>
+                      <m:dPr>
+                        <m:ctrlPr>
+                          <a:rPr lang="en-GB" sz="2800" i="1" noProof="0">
+                            <a:latin typeface="Cambria Math" panose="02040503050406030204" pitchFamily="18" charset="0"/>
+                            <a:ea typeface="Cambria Math" panose="02040503050406030204" pitchFamily="18" charset="0"/>
+                          </a:rPr>
+                        </m:ctrlPr>
+                      </m:dPr>
+                      <m:e>
+                        <m:r>
+                          <a:rPr lang="en-GB" sz="2800" i="1" noProof="0">
+                            <a:latin typeface="Cambria Math" panose="02040503050406030204" pitchFamily="18" charset="0"/>
+                            <a:ea typeface="Cambria Math" panose="02040503050406030204" pitchFamily="18" charset="0"/>
+                          </a:rPr>
+                          <m:t>2</m:t>
+                        </m:r>
+                      </m:e>
+                    </m:d>
+                  </m:oMath>
+                </a14:m>
+                <a:r>
+                  <a:rPr lang="en-GB" sz="2800" noProof="0" dirty="0"/>
+                  <a:t> </a:t>
+                </a:r>
+                <a:endParaRPr lang="en-GB" noProof="0" dirty="0"/>
+              </a:p>
+              <a:p>
+                <a:pPr lvl="1"/>
+                <a:r>
+                  <a:rPr lang="en-GB" noProof="0" dirty="0"/>
+                  <a:t>There is 95% probability that the real parameter value is within the interval</a:t>
+                </a:r>
+                <a:br>
+                  <a:rPr lang="en-GB" noProof="0" dirty="0"/>
+                </a:br>
+                <a:endParaRPr lang="en-GB" sz="1000" noProof="0" dirty="0"/>
+              </a:p>
+              <a:p>
+                <a:r>
+                  <a:rPr lang="en-GB" noProof="0" dirty="0"/>
+                  <a:t>We translate this to the more common standard deviation</a:t>
+                </a:r>
+              </a:p>
+              <a:p>
+                <a:pPr lvl="1"/>
+                <a:r>
+                  <a:rPr lang="en-GB" noProof="0" dirty="0"/>
+                  <a:t>We simplify by assuming the parameter value follows a normal distribution.  The interval from –1.96 to 1.96 standard deviations contains 95% of the cumulative normal distribution.  Thus, the standard deviation is </a:t>
+                </a:r>
+                <a:br>
+                  <a:rPr lang="en-GB" noProof="0" dirty="0"/>
+                </a:br>
+                <a14:m>
+                  <m:oMath xmlns:m="http://schemas.openxmlformats.org/officeDocument/2006/math">
+                    <m:r>
+                      <a:rPr lang="en-GB" i="1" noProof="0" smtClean="0">
+                        <a:latin typeface="Cambria Math" panose="02040503050406030204" pitchFamily="18" charset="0"/>
+                        <a:ea typeface="Cambria Math" panose="02040503050406030204" pitchFamily="18" charset="0"/>
+                      </a:rPr>
+                      <m:t>𝜎</m:t>
+                    </m:r>
+                    <m:r>
+                      <a:rPr lang="en-GB" b="0" i="1" noProof="0" smtClean="0">
+                        <a:latin typeface="Cambria Math" panose="02040503050406030204" pitchFamily="18" charset="0"/>
+                        <a:ea typeface="Cambria Math" panose="02040503050406030204" pitchFamily="18" charset="0"/>
+                      </a:rPr>
+                      <m:t>=</m:t>
+                    </m:r>
+                    <m:f>
+                      <m:fPr>
+                        <m:ctrlPr>
+                          <a:rPr lang="en-GB" b="0" i="1" noProof="0" smtClean="0">
+                            <a:latin typeface="Cambria Math" panose="02040503050406030204" pitchFamily="18" charset="0"/>
+                            <a:ea typeface="Cambria Math" panose="02040503050406030204" pitchFamily="18" charset="0"/>
+                          </a:rPr>
+                        </m:ctrlPr>
+                      </m:fPr>
+                      <m:num>
+                        <m:r>
+                          <a:rPr lang="en-GB" i="1" noProof="0">
+                            <a:latin typeface="Cambria Math" panose="02040503050406030204" pitchFamily="18" charset="0"/>
+                            <a:ea typeface="Cambria Math" panose="02040503050406030204" pitchFamily="18" charset="0"/>
+                          </a:rPr>
+                          <m:t>𝑐𝑖</m:t>
+                        </m:r>
+                        <m:d>
+                          <m:dPr>
+                            <m:ctrlPr>
+                              <a:rPr lang="en-GB" i="1" noProof="0">
+                                <a:latin typeface="Cambria Math" panose="02040503050406030204" pitchFamily="18" charset="0"/>
+                                <a:ea typeface="Cambria Math" panose="02040503050406030204" pitchFamily="18" charset="0"/>
+                              </a:rPr>
+                            </m:ctrlPr>
+                          </m:dPr>
+                          <m:e>
+                            <m:r>
+                              <a:rPr lang="en-GB" i="1" noProof="0">
+                                <a:latin typeface="Cambria Math" panose="02040503050406030204" pitchFamily="18" charset="0"/>
+                                <a:ea typeface="Cambria Math" panose="02040503050406030204" pitchFamily="18" charset="0"/>
+                              </a:rPr>
+                              <m:t>2</m:t>
+                            </m:r>
+                          </m:e>
+                        </m:d>
+                        <m:r>
+                          <a:rPr lang="en-GB" i="1" noProof="0">
+                            <a:latin typeface="Cambria Math" panose="02040503050406030204" pitchFamily="18" charset="0"/>
+                            <a:ea typeface="Cambria Math" panose="02040503050406030204" pitchFamily="18" charset="0"/>
+                          </a:rPr>
+                          <m:t>−</m:t>
+                        </m:r>
+                        <m:r>
+                          <a:rPr lang="en-GB" b="0" i="1" noProof="0" smtClean="0">
+                            <a:latin typeface="Cambria Math" panose="02040503050406030204" pitchFamily="18" charset="0"/>
+                            <a:ea typeface="Cambria Math" panose="02040503050406030204" pitchFamily="18" charset="0"/>
+                          </a:rPr>
+                          <m:t>𝑐𝑖</m:t>
+                        </m:r>
+                        <m:d>
+                          <m:dPr>
+                            <m:ctrlPr>
+                              <a:rPr lang="en-GB" b="0" i="1" noProof="0" smtClean="0">
+                                <a:latin typeface="Cambria Math" panose="02040503050406030204" pitchFamily="18" charset="0"/>
+                                <a:ea typeface="Cambria Math" panose="02040503050406030204" pitchFamily="18" charset="0"/>
+                              </a:rPr>
+                            </m:ctrlPr>
+                          </m:dPr>
+                          <m:e>
+                            <m:r>
+                              <a:rPr lang="en-GB" b="0" i="1" noProof="0" smtClean="0">
+                                <a:latin typeface="Cambria Math" panose="02040503050406030204" pitchFamily="18" charset="0"/>
+                                <a:ea typeface="Cambria Math" panose="02040503050406030204" pitchFamily="18" charset="0"/>
+                              </a:rPr>
+                              <m:t>1</m:t>
+                            </m:r>
+                          </m:e>
+                        </m:d>
+                      </m:num>
+                      <m:den>
+                        <m:r>
+                          <a:rPr lang="en-GB" b="0" i="1" noProof="0" smtClean="0">
+                            <a:latin typeface="Cambria Math" panose="02040503050406030204" pitchFamily="18" charset="0"/>
+                            <a:ea typeface="Cambria Math" panose="02040503050406030204" pitchFamily="18" charset="0"/>
+                          </a:rPr>
+                          <m:t>2∙1.96</m:t>
+                        </m:r>
+                      </m:den>
+                    </m:f>
+                  </m:oMath>
+                </a14:m>
+                <a:br>
+                  <a:rPr lang="en-GB" noProof="0" dirty="0"/>
+                </a:br>
+                <a:br>
+                  <a:rPr lang="en-GB" i="1" noProof="0" dirty="0">
+                    <a:latin typeface="Cambria Math" panose="02040503050406030204" pitchFamily="18" charset="0"/>
+                    <a:ea typeface="Cambria Math" panose="02040503050406030204" pitchFamily="18" charset="0"/>
+                  </a:rPr>
+                </a:br>
+                <a:endParaRPr lang="en-GB" noProof="0" dirty="0"/>
+              </a:p>
+              <a:p>
+                <a:pPr marL="914400" lvl="2" indent="0">
+                  <a:buNone/>
+                </a:pPr>
+                <a:r>
+                  <a:rPr lang="en-GB" sz="1800" noProof="0" dirty="0"/>
+                  <a:t>(Real statisticians may not entirely approve of this engineering approach!)</a:t>
+                </a:r>
+              </a:p>
+              <a:p>
+                <a:pPr lvl="1"/>
+                <a:endParaRPr lang="en-GB" noProof="0" dirty="0"/>
+              </a:p>
+            </p:txBody>
+          </p:sp>
+        </mc:Choice>
+        <mc:Fallback>
+          <p:sp>
+            <p:nvSpPr>
+              <p:cNvPr id="3" name="Content Placeholder 2">
+                <a:extLst>
+                  <a:ext uri="{FF2B5EF4-FFF2-40B4-BE49-F238E27FC236}">
+                    <a16:creationId xmlns:a16="http://schemas.microsoft.com/office/drawing/2014/main" id="{AAEE925E-CD5F-1DD7-2693-866309162CB1}"/>
+                  </a:ext>
+                </a:extLst>
+              </p:cNvPr>
+              <p:cNvSpPr>
+                <a:spLocks noGrp="1" noRot="1" noChangeAspect="1" noMove="1" noResize="1" noEditPoints="1" noAdjustHandles="1" noChangeArrowheads="1" noChangeShapeType="1" noTextEdit="1"/>
+              </p:cNvSpPr>
+              <p:nvPr>
+                <p:ph idx="1"/>
+              </p:nvPr>
+            </p:nvSpPr>
+            <p:spPr>
+              <a:xfrm>
+                <a:off x="838200" y="1825625"/>
+                <a:ext cx="10515600" cy="4667250"/>
+              </a:xfrm>
+              <a:blipFill>
+                <a:blip r:embed="rId2"/>
+                <a:stretch>
+                  <a:fillRect l="-1043" t="-2219" r="-870"/>
+                </a:stretch>
+              </a:blipFill>
+            </p:spPr>
+            <p:txBody>
+              <a:bodyPr/>
+              <a:lstStyle/>
+              <a:p>
+                <a:r>
+                  <a:rPr lang="en-GB">
+                    <a:noFill/>
+                  </a:rPr>
+                  <a:t> </a:t>
+                </a:r>
+              </a:p>
+            </p:txBody>
+          </p:sp>
+        </mc:Fallback>
+      </mc:AlternateContent>
+    </p:spTree>
+    <p:extLst>
+      <p:ext uri="{BB962C8B-B14F-4D97-AF65-F5344CB8AC3E}">
+        <p14:creationId xmlns:p14="http://schemas.microsoft.com/office/powerpoint/2010/main" val="1431006850"/>
+      </p:ext>
+    </p:extLst>
+  </p:cSld>
+  <p:clrMapOvr>
+    <a:masterClrMapping/>
+  </p:clrMapOvr>
+</p:sld>
+</file>
+
+<file path=ppt/slides/slide11.xml><?xml version="1.0" encoding="utf-8"?>
+<p:sld xmlns:a="http://schemas.openxmlformats.org/drawingml/2006/main" xmlns:r="http://schemas.openxmlformats.org/officeDocument/2006/relationships" xmlns:p="http://schemas.openxmlformats.org/presentationml/2006/main">
+  <p:cSld>
+    <p:spTree>
+      <p:nvGrpSpPr>
+        <p:cNvPr id="1" name=""/>
+        <p:cNvGrpSpPr/>
+        <p:nvPr/>
+      </p:nvGrpSpPr>
+      <p:grpSpPr>
+        <a:xfrm>
+          <a:off x="0" y="0"/>
+          <a:ext cx="0" cy="0"/>
+          <a:chOff x="0" y="0"/>
+          <a:chExt cx="0" cy="0"/>
+        </a:xfrm>
+      </p:grpSpPr>
+      <p:sp>
+        <p:nvSpPr>
+          <p:cNvPr id="2" name="Title 1">
+            <a:extLst>
+              <a:ext uri="{FF2B5EF4-FFF2-40B4-BE49-F238E27FC236}">
                 <a16:creationId xmlns:a16="http://schemas.microsoft.com/office/drawing/2014/main" id="{873B5504-0E54-DD80-77A6-0DB1716CD9A6}"/>
               </a:ext>
             </a:extLst>
@@ -4995,7 +5423,7 @@
 </p:sld>
 </file>
 
-<file path=ppt/slides/slide11.xml><?xml version="1.0" encoding="utf-8"?>
+<file path=ppt/slides/slide12.xml><?xml version="1.0" encoding="utf-8"?>
 <p:sld xmlns:a="http://schemas.openxmlformats.org/drawingml/2006/main" xmlns:r="http://schemas.openxmlformats.org/officeDocument/2006/relationships" xmlns:p="http://schemas.openxmlformats.org/presentationml/2006/main">
   <p:cSld>
     <p:spTree>
@@ -5391,7 +5819,7 @@
 </p:sld>
 </file>
 
-<file path=ppt/slides/slide12.xml><?xml version="1.0" encoding="utf-8"?>
+<file path=ppt/slides/slide13.xml><?xml version="1.0" encoding="utf-8"?>
 <p:sld xmlns:a="http://schemas.openxmlformats.org/drawingml/2006/main" xmlns:r="http://schemas.openxmlformats.org/officeDocument/2006/relationships" xmlns:p="http://schemas.openxmlformats.org/presentationml/2006/main">
   <p:cSld>
     <p:spTree>
@@ -6342,7 +6770,154 @@
 </p:sld>
 </file>
 
-<file path=ppt/slides/slide13.xml><?xml version="1.0" encoding="utf-8"?>
+<file path=ppt/slides/slide14.xml><?xml version="1.0" encoding="utf-8"?>
+<p:sld xmlns:a="http://schemas.openxmlformats.org/drawingml/2006/main" xmlns:r="http://schemas.openxmlformats.org/officeDocument/2006/relationships" xmlns:p="http://schemas.openxmlformats.org/presentationml/2006/main">
+  <p:cSld>
+    <p:spTree>
+      <p:nvGrpSpPr>
+        <p:cNvPr id="1" name=""/>
+        <p:cNvGrpSpPr/>
+        <p:nvPr/>
+      </p:nvGrpSpPr>
+      <p:grpSpPr>
+        <a:xfrm>
+          <a:off x="0" y="0"/>
+          <a:ext cx="0" cy="0"/>
+          <a:chOff x="0" y="0"/>
+          <a:chExt cx="0" cy="0"/>
+        </a:xfrm>
+      </p:grpSpPr>
+      <p:sp>
+        <p:nvSpPr>
+          <p:cNvPr id="2" name="Title 1">
+            <a:extLst>
+              <a:ext uri="{FF2B5EF4-FFF2-40B4-BE49-F238E27FC236}">
+                <a16:creationId xmlns:a16="http://schemas.microsoft.com/office/drawing/2014/main" id="{EE5DFC59-5832-0D63-93BD-0827155B75B0}"/>
+              </a:ext>
+            </a:extLst>
+          </p:cNvPr>
+          <p:cNvSpPr>
+            <a:spLocks noGrp="1"/>
+          </p:cNvSpPr>
+          <p:nvPr>
+            <p:ph type="title"/>
+          </p:nvPr>
+        </p:nvSpPr>
+        <p:spPr/>
+        <p:txBody>
+          <a:bodyPr/>
+          <a:lstStyle/>
+          <a:p>
+            <a:r>
+              <a:rPr lang="en-GB" dirty="0"/>
+              <a:t>Over-parameterization</a:t>
+            </a:r>
+          </a:p>
+        </p:txBody>
+      </p:sp>
+      <p:sp>
+        <p:nvSpPr>
+          <p:cNvPr id="3" name="Content Placeholder 2">
+            <a:extLst>
+              <a:ext uri="{FF2B5EF4-FFF2-40B4-BE49-F238E27FC236}">
+                <a16:creationId xmlns:a16="http://schemas.microsoft.com/office/drawing/2014/main" id="{CB6D0C28-FABE-7265-600D-F6CA62F2EEA0}"/>
+              </a:ext>
+            </a:extLst>
+          </p:cNvPr>
+          <p:cNvSpPr>
+            <a:spLocks noGrp="1"/>
+          </p:cNvSpPr>
+          <p:nvPr>
+            <p:ph idx="1"/>
+          </p:nvPr>
+        </p:nvSpPr>
+        <p:spPr/>
+        <p:txBody>
+          <a:bodyPr>
+            <a:normAutofit lnSpcReduction="10000"/>
+          </a:bodyPr>
+          <a:lstStyle/>
+          <a:p>
+            <a:pPr marL="0" indent="0" algn="ctr">
+              <a:buNone/>
+            </a:pPr>
+            <a:r>
+              <a:rPr lang="en-GB" sz="2600" dirty="0"/>
+              <a:t>There is a limit to how many parameters you can meaningfully determine from your data.</a:t>
+            </a:r>
+          </a:p>
+          <a:p>
+            <a:pPr marL="0" indent="0" algn="ctr">
+              <a:buNone/>
+            </a:pPr>
+            <a:endParaRPr lang="en-GB" sz="1700" i="1" dirty="0"/>
+          </a:p>
+          <a:p>
+            <a:pPr marL="0" indent="0" algn="ctr">
+              <a:buNone/>
+            </a:pPr>
+            <a:r>
+              <a:rPr lang="en-GB" sz="3000" i="1" dirty="0"/>
+              <a:t>With four parameters I can fit an elephant, and with five I can make him wiggle his trunk.</a:t>
+            </a:r>
+          </a:p>
+          <a:p>
+            <a:pPr marL="0" indent="0" algn="ctr">
+              <a:buNone/>
+            </a:pPr>
+            <a:r>
+              <a:rPr lang="en-GB" sz="2400" i="1" dirty="0"/>
+              <a:t>John Von Neumann (1903-1957)</a:t>
+            </a:r>
+          </a:p>
+          <a:p>
+            <a:pPr marL="0" indent="0" algn="ctr">
+              <a:buNone/>
+            </a:pPr>
+            <a:r>
+              <a:rPr lang="en-GB" sz="2200" dirty="0"/>
+              <a:t>American mathematician, physicist and computer scientist</a:t>
+            </a:r>
+            <a:endParaRPr lang="en-GB" sz="2400" dirty="0"/>
+          </a:p>
+          <a:p>
+            <a:pPr marL="0" indent="0">
+              <a:buNone/>
+            </a:pPr>
+            <a:endParaRPr lang="en-GB" sz="2400" i="1" dirty="0"/>
+          </a:p>
+          <a:p>
+            <a:pPr marL="0" indent="0">
+              <a:buNone/>
+            </a:pPr>
+            <a:endParaRPr lang="en-GB" sz="2400" i="1" dirty="0"/>
+          </a:p>
+          <a:p>
+            <a:pPr marL="0" indent="0" algn="ctr">
+              <a:buNone/>
+            </a:pPr>
+            <a:r>
+              <a:rPr lang="en-GB" sz="2400" dirty="0"/>
+              <a:t>It is a paradox that artificial intelligence models may use billions of parameters!</a:t>
+            </a:r>
+            <a:endParaRPr lang="en-GB" dirty="0"/>
+          </a:p>
+        </p:txBody>
+      </p:sp>
+    </p:spTree>
+    <p:extLst>
+      <p:ext uri="{BB962C8B-B14F-4D97-AF65-F5344CB8AC3E}">
+        <p14:creationId xmlns:p14="http://schemas.microsoft.com/office/powerpoint/2010/main" val="3688595922"/>
+      </p:ext>
+    </p:extLst>
+  </p:cSld>
+  <p:clrMapOvr>
+    <a:masterClrMapping/>
+  </p:clrMapOvr>
+</p:sld>
+</file>
+
+<file path=ppt/slides/slide15.xml><?xml version="1.0" encoding="utf-8"?>
 <p:sld xmlns:a="http://schemas.openxmlformats.org/drawingml/2006/main" xmlns:r="http://schemas.openxmlformats.org/officeDocument/2006/relationships" xmlns:p="http://schemas.openxmlformats.org/presentationml/2006/main">
   <p:cSld>
     <p:spTree>
@@ -6460,7 +7035,7 @@
 </p:sld>
 </file>
 
-<file path=ppt/slides/slide14.xml><?xml version="1.0" encoding="utf-8"?>
+<file path=ppt/slides/slide16.xml><?xml version="1.0" encoding="utf-8"?>
 <p:sld xmlns:a="http://schemas.openxmlformats.org/drawingml/2006/main" xmlns:r="http://schemas.openxmlformats.org/officeDocument/2006/relationships" xmlns:p="http://schemas.openxmlformats.org/presentationml/2006/main">
   <p:cSld>
     <p:spTree>
@@ -6513,8 +7088,8 @@
           </a:p>
         </p:txBody>
       </p:sp>
-      <mc:AlternateContent xmlns:mc="http://schemas.openxmlformats.org/markup-compatibility/2006" xmlns:a14="http://schemas.microsoft.com/office/drawing/2010/main">
-        <mc:Choice Requires="a14">
+      <mc:AlternateContent xmlns:mc="http://schemas.openxmlformats.org/markup-compatibility/2006">
+        <mc:Choice xmlns:a14="http://schemas.microsoft.com/office/drawing/2010/main" Requires="a14">
           <p:sp>
             <p:nvSpPr>
               <p:cNvPr id="3" name="Content Placeholder 2">
@@ -6642,6 +7217,30 @@
                 <a:r>
                   <a:rPr lang="en-GB" noProof="0" dirty="0"/>
                   <a:t> standard deviation is larger than the value estimate!!! </a:t>
+                </a:r>
+              </a:p>
+              <a:p>
+                <a:pPr lvl="1"/>
+                <a:r>
+                  <a:rPr lang="en-GB" dirty="0"/>
+                  <a:t>Even if we freeze the value of </a:t>
+                </a:r>
+                <a14:m>
+                  <m:oMath xmlns:m="http://schemas.openxmlformats.org/officeDocument/2006/math">
+                    <m:r>
+                      <a:rPr lang="en-GB" sz="2400" i="1" noProof="0" smtClean="0">
+                        <a:effectLst/>
+                        <a:latin typeface="Cambria Math" panose="02040503050406030204" pitchFamily="18" charset="0"/>
+                        <a:ea typeface="Cambria Math" panose="02040503050406030204" pitchFamily="18" charset="0"/>
+                        <a:cs typeface="Times New Roman" panose="02020603050405020304" pitchFamily="18" charset="0"/>
+                      </a:rPr>
+                      <m:t>𝜇</m:t>
+                    </m:r>
+                  </m:oMath>
+                </a14:m>
+                <a:r>
+                  <a:rPr lang="en-GB" noProof="0" dirty="0"/>
+                  <a:t>.</a:t>
                 </a:r>
               </a:p>
               <a:p>
@@ -6778,7 +7377,7 @@
             </p:txBody>
           </p:sp>
         </mc:Choice>
-        <mc:Fallback xmlns="">
+        <mc:Fallback>
           <p:sp>
             <p:nvSpPr>
               <p:cNvPr id="3" name="Content Placeholder 2">
@@ -6831,7 +7430,7 @@
 </p:sld>
 </file>
 
-<file path=ppt/slides/slide15.xml><?xml version="1.0" encoding="utf-8"?>
+<file path=ppt/slides/slide17.xml><?xml version="1.0" encoding="utf-8"?>
 <p:sld xmlns:a="http://schemas.openxmlformats.org/drawingml/2006/main" xmlns:r="http://schemas.openxmlformats.org/officeDocument/2006/relationships" xmlns:p="http://schemas.openxmlformats.org/presentationml/2006/main">
   <p:cSld>
     <p:spTree>
@@ -7051,7 +7650,7 @@
 </p:sld>
 </file>
 
-<file path=ppt/slides/slide16.xml><?xml version="1.0" encoding="utf-8"?>
+<file path=ppt/slides/slide18.xml><?xml version="1.0" encoding="utf-8"?>
 <p:sld xmlns:a="http://schemas.openxmlformats.org/drawingml/2006/main" xmlns:r="http://schemas.openxmlformats.org/officeDocument/2006/relationships" xmlns:p="http://schemas.openxmlformats.org/presentationml/2006/main">
   <p:cSld>
     <p:spTree>
@@ -7199,7 +7798,7 @@
 </p:sld>
 </file>
 
-<file path=ppt/slides/slide17.xml><?xml version="1.0" encoding="utf-8"?>
+<file path=ppt/slides/slide19.xml><?xml version="1.0" encoding="utf-8"?>
 <p:sld xmlns:a="http://schemas.openxmlformats.org/drawingml/2006/main" xmlns:r="http://schemas.openxmlformats.org/officeDocument/2006/relationships" xmlns:p="http://schemas.openxmlformats.org/presentationml/2006/main">
   <p:cSld>
     <p:spTree>
@@ -7340,6 +7939,20 @@
             </a:r>
           </a:p>
           <a:p>
+            <a:pPr lvl="1"/>
+            <a:r>
+              <a:rPr lang="en-GB" dirty="0"/>
+              <a:t>Requires that you have created </a:t>
+            </a:r>
+            <a:r>
+              <a:rPr lang="en-GB" dirty="0" err="1"/>
+              <a:t>datafolder.m</a:t>
+            </a:r>
+            <a:endParaRPr lang="en-GB" b="0" i="0" noProof="0" dirty="0">
+              <a:effectLst/>
+            </a:endParaRPr>
+          </a:p>
+          <a:p>
             <a:endParaRPr lang="en-GB" noProof="0" dirty="0"/>
           </a:p>
           <a:p>
@@ -7352,402 +7965,6 @@
     <p:extLst>
       <p:ext uri="{BB962C8B-B14F-4D97-AF65-F5344CB8AC3E}">
         <p14:creationId xmlns:p14="http://schemas.microsoft.com/office/powerpoint/2010/main" val="2982683275"/>
-      </p:ext>
-    </p:extLst>
-  </p:cSld>
-  <p:clrMapOvr>
-    <a:masterClrMapping/>
-  </p:clrMapOvr>
-</p:sld>
-</file>
-
-<file path=ppt/slides/slide18.xml><?xml version="1.0" encoding="utf-8"?>
-<p:sld xmlns:a="http://schemas.openxmlformats.org/drawingml/2006/main" xmlns:r="http://schemas.openxmlformats.org/officeDocument/2006/relationships" xmlns:p="http://schemas.openxmlformats.org/presentationml/2006/main">
-  <p:cSld>
-    <p:spTree>
-      <p:nvGrpSpPr>
-        <p:cNvPr id="1" name=""/>
-        <p:cNvGrpSpPr/>
-        <p:nvPr/>
-      </p:nvGrpSpPr>
-      <p:grpSpPr>
-        <a:xfrm>
-          <a:off x="0" y="0"/>
-          <a:ext cx="0" cy="0"/>
-          <a:chOff x="0" y="0"/>
-          <a:chExt cx="0" cy="0"/>
-        </a:xfrm>
-      </p:grpSpPr>
-      <p:sp>
-        <p:nvSpPr>
-          <p:cNvPr id="2" name="Title 1">
-            <a:extLst>
-              <a:ext uri="{FF2B5EF4-FFF2-40B4-BE49-F238E27FC236}">
-                <a16:creationId xmlns:a16="http://schemas.microsoft.com/office/drawing/2014/main" id="{1A439956-EB12-9E4F-4780-1DDA3DFD5167}"/>
-              </a:ext>
-            </a:extLst>
-          </p:cNvPr>
-          <p:cNvSpPr>
-            <a:spLocks noGrp="1"/>
-          </p:cNvSpPr>
-          <p:nvPr>
-            <p:ph type="title"/>
-          </p:nvPr>
-        </p:nvSpPr>
-        <p:spPr/>
-        <p:txBody>
-          <a:bodyPr/>
-          <a:lstStyle/>
-          <a:p>
-            <a:r>
-              <a:rPr lang="en-GB" noProof="0" dirty="0"/>
-              <a:t>Collect analysis result tables (2)</a:t>
-            </a:r>
-          </a:p>
-        </p:txBody>
-      </p:sp>
-      <p:sp>
-        <p:nvSpPr>
-          <p:cNvPr id="3" name="Content Placeholder 2">
-            <a:extLst>
-              <a:ext uri="{FF2B5EF4-FFF2-40B4-BE49-F238E27FC236}">
-                <a16:creationId xmlns:a16="http://schemas.microsoft.com/office/drawing/2014/main" id="{C42A3D81-60A5-709E-64C3-4D5AC68E6E9E}"/>
-              </a:ext>
-            </a:extLst>
-          </p:cNvPr>
-          <p:cNvSpPr>
-            <a:spLocks noGrp="1"/>
-          </p:cNvSpPr>
-          <p:nvPr>
-            <p:ph idx="1"/>
-          </p:nvPr>
-        </p:nvSpPr>
-        <p:spPr/>
-        <p:txBody>
-          <a:bodyPr/>
-          <a:lstStyle/>
-          <a:p>
-            <a:r>
-              <a:rPr lang="en-GB" noProof="0" dirty="0"/>
-              <a:t>If you have not used the </a:t>
-            </a:r>
-            <a:r>
-              <a:rPr lang="en-GB" noProof="0" dirty="0" err="1"/>
-              <a:t>RipAnalysis</a:t>
-            </a:r>
-            <a:r>
-              <a:rPr lang="en-GB" noProof="0" dirty="0"/>
-              <a:t> app to modify results:</a:t>
-            </a:r>
-          </a:p>
-          <a:p>
-            <a:pPr lvl="1"/>
-            <a:r>
-              <a:rPr lang="en-GB" noProof="0" dirty="0">
-                <a:latin typeface="Consolas" panose="020B0609020204030204" pitchFamily="49" charset="0"/>
-              </a:rPr>
-              <a:t>[TZIP,TRIP] = </a:t>
-            </a:r>
-            <a:r>
-              <a:rPr lang="en-GB" noProof="0" dirty="0" err="1">
-                <a:latin typeface="Consolas" panose="020B0609020204030204" pitchFamily="49" charset="0"/>
-              </a:rPr>
-              <a:t>analyse_many</a:t>
-            </a:r>
-            <a:r>
-              <a:rPr lang="en-GB" noProof="0" dirty="0">
-                <a:latin typeface="Consolas" panose="020B0609020204030204" pitchFamily="49" charset="0"/>
-              </a:rPr>
-              <a:t>(files);</a:t>
-            </a:r>
-          </a:p>
-          <a:p>
-            <a:endParaRPr lang="en-GB" noProof="0" dirty="0"/>
-          </a:p>
-          <a:p>
-            <a:r>
-              <a:rPr lang="en-GB" noProof="0" dirty="0"/>
-              <a:t>If you have </a:t>
-            </a:r>
-            <a:r>
-              <a:rPr lang="en-GB" sz="2800" noProof="0" dirty="0"/>
-              <a:t>modified results in</a:t>
-            </a:r>
-            <a:r>
-              <a:rPr lang="en-GB" noProof="0" dirty="0"/>
-              <a:t> </a:t>
-            </a:r>
-            <a:r>
-              <a:rPr lang="en-GB" sz="2800" noProof="0" dirty="0" err="1"/>
-              <a:t>RipAnalysis</a:t>
-            </a:r>
-            <a:r>
-              <a:rPr lang="en-GB" sz="2800" noProof="0" dirty="0"/>
-              <a:t> for one or more files:</a:t>
-            </a:r>
-          </a:p>
-          <a:p>
-            <a:pPr lvl="1"/>
-            <a:r>
-              <a:rPr lang="en-GB" noProof="0" dirty="0">
-                <a:latin typeface="Consolas" panose="020B0609020204030204" pitchFamily="49" charset="0"/>
-              </a:rPr>
-              <a:t>[TRIP,TZIP] = </a:t>
-            </a:r>
-            <a:r>
-              <a:rPr lang="en-GB" noProof="0" dirty="0" err="1">
-                <a:latin typeface="Consolas" panose="020B0609020204030204" pitchFamily="49" charset="0"/>
-              </a:rPr>
-              <a:t>collect_tables</a:t>
-            </a:r>
-            <a:r>
-              <a:rPr lang="en-GB" noProof="0" dirty="0">
-                <a:latin typeface="Consolas" panose="020B0609020204030204" pitchFamily="49" charset="0"/>
-              </a:rPr>
-              <a:t>(files);</a:t>
-            </a:r>
-          </a:p>
-          <a:p>
-            <a:pPr lvl="2"/>
-            <a:r>
-              <a:rPr lang="en-GB" sz="2400" noProof="0" dirty="0"/>
-              <a:t>Reads tables created by the </a:t>
-            </a:r>
-            <a:r>
-              <a:rPr lang="en-GB" sz="2400" noProof="0" dirty="0" err="1"/>
-              <a:t>RipAnalysis</a:t>
-            </a:r>
-            <a:r>
-              <a:rPr lang="en-GB" sz="2400" noProof="0" dirty="0"/>
-              <a:t> app where available</a:t>
-            </a:r>
-          </a:p>
-          <a:p>
-            <a:pPr lvl="2"/>
-            <a:r>
-              <a:rPr lang="en-GB" sz="2400" noProof="0" dirty="0"/>
-              <a:t>For the rest, calculates tables using the </a:t>
-            </a:r>
-            <a:r>
-              <a:rPr lang="en-GB" sz="2400" noProof="0" dirty="0" err="1">
-                <a:latin typeface="Consolas" panose="020B0609020204030204" pitchFamily="49" charset="0"/>
-              </a:rPr>
-              <a:t>analyse_experiment</a:t>
-            </a:r>
-            <a:r>
-              <a:rPr lang="en-GB" sz="2400" noProof="0" dirty="0">
-                <a:latin typeface="Consolas" panose="020B0609020204030204" pitchFamily="49" charset="0"/>
-              </a:rPr>
-              <a:t> </a:t>
-            </a:r>
-            <a:r>
-              <a:rPr lang="en-GB" sz="2400" noProof="0" dirty="0"/>
-              <a:t>function</a:t>
-            </a:r>
-          </a:p>
-          <a:p>
-            <a:pPr lvl="1"/>
-            <a:endParaRPr lang="en-GB" noProof="0" dirty="0"/>
-          </a:p>
-          <a:p>
-            <a:endParaRPr lang="en-GB" noProof="0" dirty="0"/>
-          </a:p>
-        </p:txBody>
-      </p:sp>
-    </p:spTree>
-    <p:extLst>
-      <p:ext uri="{BB962C8B-B14F-4D97-AF65-F5344CB8AC3E}">
-        <p14:creationId xmlns:p14="http://schemas.microsoft.com/office/powerpoint/2010/main" val="1276691091"/>
-      </p:ext>
-    </p:extLst>
-  </p:cSld>
-  <p:clrMapOvr>
-    <a:masterClrMapping/>
-  </p:clrMapOvr>
-</p:sld>
-</file>
-
-<file path=ppt/slides/slide19.xml><?xml version="1.0" encoding="utf-8"?>
-<p:sld xmlns:a="http://schemas.openxmlformats.org/drawingml/2006/main" xmlns:r="http://schemas.openxmlformats.org/officeDocument/2006/relationships" xmlns:p="http://schemas.openxmlformats.org/presentationml/2006/main">
-  <p:cSld>
-    <p:spTree>
-      <p:nvGrpSpPr>
-        <p:cNvPr id="1" name=""/>
-        <p:cNvGrpSpPr/>
-        <p:nvPr/>
-      </p:nvGrpSpPr>
-      <p:grpSpPr>
-        <a:xfrm>
-          <a:off x="0" y="0"/>
-          <a:ext cx="0" cy="0"/>
-          <a:chOff x="0" y="0"/>
-          <a:chExt cx="0" cy="0"/>
-        </a:xfrm>
-      </p:grpSpPr>
-      <p:sp>
-        <p:nvSpPr>
-          <p:cNvPr id="2" name="Title 1">
-            <a:extLst>
-              <a:ext uri="{FF2B5EF4-FFF2-40B4-BE49-F238E27FC236}">
-                <a16:creationId xmlns:a16="http://schemas.microsoft.com/office/drawing/2014/main" id="{F66A5488-BAD4-968F-04B1-92A655E6127A}"/>
-              </a:ext>
-            </a:extLst>
-          </p:cNvPr>
-          <p:cNvSpPr>
-            <a:spLocks noGrp="1"/>
-          </p:cNvSpPr>
-          <p:nvPr>
-            <p:ph type="title"/>
-          </p:nvPr>
-        </p:nvSpPr>
-        <p:spPr/>
-        <p:txBody>
-          <a:bodyPr/>
-          <a:lstStyle/>
-          <a:p>
-            <a:r>
-              <a:rPr lang="en-GB" noProof="0" dirty="0"/>
-              <a:t>Select subsets</a:t>
-            </a:r>
-          </a:p>
-        </p:txBody>
-      </p:sp>
-      <p:sp>
-        <p:nvSpPr>
-          <p:cNvPr id="3" name="Content Placeholder 2">
-            <a:extLst>
-              <a:ext uri="{FF2B5EF4-FFF2-40B4-BE49-F238E27FC236}">
-                <a16:creationId xmlns:a16="http://schemas.microsoft.com/office/drawing/2014/main" id="{A2AECF4A-658A-0E36-776B-2BE9537BD0D5}"/>
-              </a:ext>
-            </a:extLst>
-          </p:cNvPr>
-          <p:cNvSpPr>
-            <a:spLocks noGrp="1"/>
-          </p:cNvSpPr>
-          <p:nvPr>
-            <p:ph idx="1"/>
-          </p:nvPr>
-        </p:nvSpPr>
-        <p:spPr/>
-        <p:txBody>
-          <a:bodyPr>
-            <a:normAutofit/>
-          </a:bodyPr>
-          <a:lstStyle/>
-          <a:p>
-            <a:r>
-              <a:rPr lang="en-GB" noProof="0" dirty="0"/>
-              <a:t>Logical arrays can be used to select subsets of tables or arrays</a:t>
-            </a:r>
-          </a:p>
-          <a:p>
-            <a:r>
-              <a:rPr lang="en-GB" noProof="0" dirty="0"/>
-              <a:t>Example: extract the elements of numerical array x that are &gt; 0:</a:t>
-            </a:r>
-          </a:p>
-          <a:p>
-            <a:pPr marL="457200" lvl="1" indent="0">
-              <a:buNone/>
-            </a:pPr>
-            <a:r>
-              <a:rPr lang="en-GB" sz="2000" noProof="0" dirty="0">
-                <a:latin typeface="Consolas" panose="020B0609020204030204" pitchFamily="49" charset="0"/>
-              </a:rPr>
-              <a:t>&gt;&gt; x = [6,-3,1,-6,3,-4,-7,4,5,0];</a:t>
-            </a:r>
-          </a:p>
-          <a:p>
-            <a:pPr marL="457200" lvl="1" indent="0">
-              <a:buNone/>
-            </a:pPr>
-            <a:r>
-              <a:rPr lang="en-GB" sz="2000" noProof="0" dirty="0">
-                <a:latin typeface="Consolas" panose="020B0609020204030204" pitchFamily="49" charset="0"/>
-              </a:rPr>
-              <a:t>&gt;&gt; positive = x&gt;0</a:t>
-            </a:r>
-          </a:p>
-          <a:p>
-            <a:pPr marL="457200" lvl="1" indent="0">
-              <a:buNone/>
-            </a:pPr>
-            <a:r>
-              <a:rPr lang="en-GB" sz="2000" noProof="0" dirty="0">
-                <a:latin typeface="Consolas" panose="020B0609020204030204" pitchFamily="49" charset="0"/>
-              </a:rPr>
-              <a:t>positive =</a:t>
-            </a:r>
-          </a:p>
-          <a:p>
-            <a:pPr marL="457200" lvl="1" indent="0">
-              <a:buNone/>
-            </a:pPr>
-            <a:r>
-              <a:rPr lang="en-GB" sz="2000" noProof="0" dirty="0">
-                <a:latin typeface="Consolas" panose="020B0609020204030204" pitchFamily="49" charset="0"/>
-              </a:rPr>
-              <a:t>  1×10 logical array</a:t>
-            </a:r>
-          </a:p>
-          <a:p>
-            <a:pPr marL="457200" lvl="1" indent="0">
-              <a:buNone/>
-            </a:pPr>
-            <a:r>
-              <a:rPr lang="en-GB" sz="2000" noProof="0" dirty="0">
-                <a:latin typeface="Consolas" panose="020B0609020204030204" pitchFamily="49" charset="0"/>
-              </a:rPr>
-              <a:t>   1   0   1   0   1   0   0   1   1   0</a:t>
-            </a:r>
-          </a:p>
-          <a:p>
-            <a:pPr marL="457200" lvl="1" indent="0">
-              <a:buNone/>
-            </a:pPr>
-            <a:r>
-              <a:rPr lang="en-GB" sz="2000" noProof="0" dirty="0">
-                <a:latin typeface="Consolas" panose="020B0609020204030204" pitchFamily="49" charset="0"/>
-              </a:rPr>
-              <a:t>&gt;&gt; selection = x(positive)</a:t>
-            </a:r>
-          </a:p>
-          <a:p>
-            <a:pPr marL="457200" lvl="1" indent="0">
-              <a:buNone/>
-            </a:pPr>
-            <a:r>
-              <a:rPr lang="en-GB" sz="2000" noProof="0" dirty="0">
-                <a:latin typeface="Consolas" panose="020B0609020204030204" pitchFamily="49" charset="0"/>
-              </a:rPr>
-              <a:t>selection =</a:t>
-            </a:r>
-          </a:p>
-          <a:p>
-            <a:pPr marL="457200" lvl="1" indent="0">
-              <a:buNone/>
-            </a:pPr>
-            <a:r>
-              <a:rPr lang="en-GB" sz="2000" noProof="0" dirty="0">
-                <a:latin typeface="Consolas" panose="020B0609020204030204" pitchFamily="49" charset="0"/>
-              </a:rPr>
-              <a:t>     6     1     3     4     5</a:t>
-            </a:r>
-          </a:p>
-          <a:p>
-            <a:pPr marL="457200" lvl="1" indent="0">
-              <a:buNone/>
-            </a:pPr>
-            <a:endParaRPr lang="en-GB" sz="2000" noProof="0" dirty="0">
-              <a:latin typeface="Consolas" panose="020B0609020204030204" pitchFamily="49" charset="0"/>
-            </a:endParaRPr>
-          </a:p>
-        </p:txBody>
-      </p:sp>
-    </p:spTree>
-    <p:extLst>
-      <p:ext uri="{BB962C8B-B14F-4D97-AF65-F5344CB8AC3E}">
-        <p14:creationId xmlns:p14="http://schemas.microsoft.com/office/powerpoint/2010/main" val="3056208532"/>
       </p:ext>
     </p:extLst>
   </p:cSld>
@@ -7866,6 +8083,434 @@
           <p:cNvPr id="2" name="Title 1">
             <a:extLst>
               <a:ext uri="{FF2B5EF4-FFF2-40B4-BE49-F238E27FC236}">
+                <a16:creationId xmlns:a16="http://schemas.microsoft.com/office/drawing/2014/main" id="{1A439956-EB12-9E4F-4780-1DDA3DFD5167}"/>
+              </a:ext>
+            </a:extLst>
+          </p:cNvPr>
+          <p:cNvSpPr>
+            <a:spLocks noGrp="1"/>
+          </p:cNvSpPr>
+          <p:nvPr>
+            <p:ph type="title"/>
+          </p:nvPr>
+        </p:nvSpPr>
+        <p:spPr/>
+        <p:txBody>
+          <a:bodyPr/>
+          <a:lstStyle/>
+          <a:p>
+            <a:r>
+              <a:rPr lang="en-GB" noProof="0" dirty="0"/>
+              <a:t>Collect analysis result tables (2)</a:t>
+            </a:r>
+          </a:p>
+        </p:txBody>
+      </p:sp>
+      <p:sp>
+        <p:nvSpPr>
+          <p:cNvPr id="3" name="Content Placeholder 2">
+            <a:extLst>
+              <a:ext uri="{FF2B5EF4-FFF2-40B4-BE49-F238E27FC236}">
+                <a16:creationId xmlns:a16="http://schemas.microsoft.com/office/drawing/2014/main" id="{C42A3D81-60A5-709E-64C3-4D5AC68E6E9E}"/>
+              </a:ext>
+            </a:extLst>
+          </p:cNvPr>
+          <p:cNvSpPr>
+            <a:spLocks noGrp="1"/>
+          </p:cNvSpPr>
+          <p:nvPr>
+            <p:ph idx="1"/>
+          </p:nvPr>
+        </p:nvSpPr>
+        <p:spPr/>
+        <p:txBody>
+          <a:bodyPr/>
+          <a:lstStyle/>
+          <a:p>
+            <a:r>
+              <a:rPr lang="en-GB" noProof="0" dirty="0"/>
+              <a:t>If you have not used the </a:t>
+            </a:r>
+            <a:r>
+              <a:rPr lang="en-GB" noProof="0" dirty="0" err="1"/>
+              <a:t>RipAnalysis</a:t>
+            </a:r>
+            <a:r>
+              <a:rPr lang="en-GB" noProof="0" dirty="0"/>
+              <a:t> app to modify results:</a:t>
+            </a:r>
+          </a:p>
+          <a:p>
+            <a:pPr lvl="1"/>
+            <a:r>
+              <a:rPr lang="en-GB" noProof="0" dirty="0">
+                <a:latin typeface="Consolas" panose="020B0609020204030204" pitchFamily="49" charset="0"/>
+              </a:rPr>
+              <a:t>[TRIP,TZIP] = </a:t>
+            </a:r>
+            <a:r>
+              <a:rPr lang="en-GB" noProof="0" dirty="0" err="1">
+                <a:latin typeface="Consolas" panose="020B0609020204030204" pitchFamily="49" charset="0"/>
+              </a:rPr>
+              <a:t>analyse_many</a:t>
+            </a:r>
+            <a:r>
+              <a:rPr lang="en-GB" noProof="0" dirty="0">
+                <a:latin typeface="Consolas" panose="020B0609020204030204" pitchFamily="49" charset="0"/>
+              </a:rPr>
+              <a:t>(files);</a:t>
+            </a:r>
+          </a:p>
+          <a:p>
+            <a:pPr lvl="1"/>
+            <a:r>
+              <a:rPr lang="en-GB" dirty="0"/>
+              <a:t>This runs </a:t>
+            </a:r>
+            <a:r>
+              <a:rPr lang="en-GB" dirty="0" err="1">
+                <a:latin typeface="Consolas" panose="020B0609020204030204" pitchFamily="49" charset="0"/>
+              </a:rPr>
+              <a:t>analyse_experiment</a:t>
+            </a:r>
+            <a:r>
+              <a:rPr lang="en-GB" dirty="0">
+                <a:latin typeface="Consolas" panose="020B0609020204030204" pitchFamily="49" charset="0"/>
+              </a:rPr>
+              <a:t> </a:t>
+            </a:r>
+            <a:r>
+              <a:rPr lang="en-GB" dirty="0"/>
+              <a:t>for all the files and collects the Trip and </a:t>
+            </a:r>
+            <a:r>
+              <a:rPr lang="en-GB" dirty="0" err="1"/>
+              <a:t>Tzip</a:t>
+            </a:r>
+            <a:r>
+              <a:rPr lang="en-GB" dirty="0"/>
+              <a:t> tables into TRIP and TZIP</a:t>
+            </a:r>
+            <a:endParaRPr lang="en-GB" noProof="0" dirty="0"/>
+          </a:p>
+          <a:p>
+            <a:endParaRPr lang="en-GB" noProof="0" dirty="0"/>
+          </a:p>
+          <a:p>
+            <a:r>
+              <a:rPr lang="en-GB" noProof="0" dirty="0"/>
+              <a:t>If you have </a:t>
+            </a:r>
+            <a:r>
+              <a:rPr lang="en-GB" sz="2800" noProof="0" dirty="0"/>
+              <a:t>modified results in</a:t>
+            </a:r>
+            <a:r>
+              <a:rPr lang="en-GB" noProof="0" dirty="0"/>
+              <a:t> </a:t>
+            </a:r>
+            <a:r>
+              <a:rPr lang="en-GB" sz="2800" noProof="0" dirty="0" err="1"/>
+              <a:t>RipAnalysis</a:t>
+            </a:r>
+            <a:r>
+              <a:rPr lang="en-GB" sz="2800" noProof="0" dirty="0"/>
+              <a:t> for one or more files:</a:t>
+            </a:r>
+          </a:p>
+          <a:p>
+            <a:pPr lvl="1"/>
+            <a:r>
+              <a:rPr lang="en-GB" noProof="0" dirty="0">
+                <a:latin typeface="Consolas" panose="020B0609020204030204" pitchFamily="49" charset="0"/>
+              </a:rPr>
+              <a:t>[TRIP,TZIP] = </a:t>
+            </a:r>
+            <a:r>
+              <a:rPr lang="en-GB" noProof="0" dirty="0" err="1">
+                <a:latin typeface="Consolas" panose="020B0609020204030204" pitchFamily="49" charset="0"/>
+              </a:rPr>
+              <a:t>collect_tables</a:t>
+            </a:r>
+            <a:r>
+              <a:rPr lang="en-GB" noProof="0" dirty="0">
+                <a:latin typeface="Consolas" panose="020B0609020204030204" pitchFamily="49" charset="0"/>
+              </a:rPr>
+              <a:t>(files);</a:t>
+            </a:r>
+          </a:p>
+          <a:p>
+            <a:pPr lvl="2"/>
+            <a:r>
+              <a:rPr lang="en-GB" sz="2400" noProof="0" dirty="0"/>
+              <a:t>Reads tables created by the </a:t>
+            </a:r>
+            <a:r>
+              <a:rPr lang="en-GB" sz="2400" noProof="0" dirty="0" err="1"/>
+              <a:t>RipAnalysis</a:t>
+            </a:r>
+            <a:r>
+              <a:rPr lang="en-GB" sz="2400" noProof="0" dirty="0"/>
+              <a:t> app where available</a:t>
+            </a:r>
+          </a:p>
+          <a:p>
+            <a:pPr lvl="2"/>
+            <a:r>
+              <a:rPr lang="en-GB" sz="2400" noProof="0" dirty="0"/>
+              <a:t>For the rest, calculates tables using the </a:t>
+            </a:r>
+            <a:r>
+              <a:rPr lang="en-GB" sz="2400" noProof="0" dirty="0" err="1">
+                <a:latin typeface="Consolas" panose="020B0609020204030204" pitchFamily="49" charset="0"/>
+              </a:rPr>
+              <a:t>analyse_experiment</a:t>
+            </a:r>
+            <a:r>
+              <a:rPr lang="en-GB" sz="2400" noProof="0" dirty="0">
+                <a:latin typeface="Consolas" panose="020B0609020204030204" pitchFamily="49" charset="0"/>
+              </a:rPr>
+              <a:t> </a:t>
+            </a:r>
+            <a:r>
+              <a:rPr lang="en-GB" sz="2400" noProof="0" dirty="0"/>
+              <a:t>function</a:t>
+            </a:r>
+          </a:p>
+          <a:p>
+            <a:pPr lvl="1"/>
+            <a:endParaRPr lang="en-GB" noProof="0" dirty="0"/>
+          </a:p>
+          <a:p>
+            <a:endParaRPr lang="en-GB" noProof="0" dirty="0"/>
+          </a:p>
+        </p:txBody>
+      </p:sp>
+    </p:spTree>
+    <p:extLst>
+      <p:ext uri="{BB962C8B-B14F-4D97-AF65-F5344CB8AC3E}">
+        <p14:creationId xmlns:p14="http://schemas.microsoft.com/office/powerpoint/2010/main" val="1276691091"/>
+      </p:ext>
+    </p:extLst>
+  </p:cSld>
+  <p:clrMapOvr>
+    <a:masterClrMapping/>
+  </p:clrMapOvr>
+</p:sld>
+</file>
+
+<file path=ppt/slides/slide21.xml><?xml version="1.0" encoding="utf-8"?>
+<p:sld xmlns:a="http://schemas.openxmlformats.org/drawingml/2006/main" xmlns:r="http://schemas.openxmlformats.org/officeDocument/2006/relationships" xmlns:p="http://schemas.openxmlformats.org/presentationml/2006/main">
+  <p:cSld>
+    <p:spTree>
+      <p:nvGrpSpPr>
+        <p:cNvPr id="1" name=""/>
+        <p:cNvGrpSpPr/>
+        <p:nvPr/>
+      </p:nvGrpSpPr>
+      <p:grpSpPr>
+        <a:xfrm>
+          <a:off x="0" y="0"/>
+          <a:ext cx="0" cy="0"/>
+          <a:chOff x="0" y="0"/>
+          <a:chExt cx="0" cy="0"/>
+        </a:xfrm>
+      </p:grpSpPr>
+      <p:sp>
+        <p:nvSpPr>
+          <p:cNvPr id="2" name="Title 1">
+            <a:extLst>
+              <a:ext uri="{FF2B5EF4-FFF2-40B4-BE49-F238E27FC236}">
+                <a16:creationId xmlns:a16="http://schemas.microsoft.com/office/drawing/2014/main" id="{F66A5488-BAD4-968F-04B1-92A655E6127A}"/>
+              </a:ext>
+            </a:extLst>
+          </p:cNvPr>
+          <p:cNvSpPr>
+            <a:spLocks noGrp="1"/>
+          </p:cNvSpPr>
+          <p:nvPr>
+            <p:ph type="title"/>
+          </p:nvPr>
+        </p:nvSpPr>
+        <p:spPr/>
+        <p:txBody>
+          <a:bodyPr/>
+          <a:lstStyle/>
+          <a:p>
+            <a:r>
+              <a:rPr lang="en-GB" noProof="0" dirty="0"/>
+              <a:t>Select subsets</a:t>
+            </a:r>
+          </a:p>
+        </p:txBody>
+      </p:sp>
+      <p:sp>
+        <p:nvSpPr>
+          <p:cNvPr id="3" name="Content Placeholder 2">
+            <a:extLst>
+              <a:ext uri="{FF2B5EF4-FFF2-40B4-BE49-F238E27FC236}">
+                <a16:creationId xmlns:a16="http://schemas.microsoft.com/office/drawing/2014/main" id="{A2AECF4A-658A-0E36-776B-2BE9537BD0D5}"/>
+              </a:ext>
+            </a:extLst>
+          </p:cNvPr>
+          <p:cNvSpPr>
+            <a:spLocks noGrp="1"/>
+          </p:cNvSpPr>
+          <p:nvPr>
+            <p:ph idx="1"/>
+          </p:nvPr>
+        </p:nvSpPr>
+        <p:spPr/>
+        <p:txBody>
+          <a:bodyPr>
+            <a:normAutofit/>
+          </a:bodyPr>
+          <a:lstStyle/>
+          <a:p>
+            <a:r>
+              <a:rPr lang="en-GB" noProof="0" dirty="0"/>
+              <a:t>Logical arrays can be used to select subsets of tables or arrays</a:t>
+            </a:r>
+          </a:p>
+          <a:p>
+            <a:r>
+              <a:rPr lang="en-GB" noProof="0" dirty="0"/>
+              <a:t>Example: extract the elements of numerical array x that are &gt; 0:</a:t>
+            </a:r>
+          </a:p>
+          <a:p>
+            <a:pPr marL="457200" lvl="1" indent="0">
+              <a:buNone/>
+            </a:pPr>
+            <a:r>
+              <a:rPr lang="en-GB" sz="2000" noProof="0" dirty="0">
+                <a:latin typeface="Consolas" panose="020B0609020204030204" pitchFamily="49" charset="0"/>
+              </a:rPr>
+              <a:t>&gt;&gt; x = [6,-3,1,-6,3,-4,-7,4,5,0];</a:t>
+            </a:r>
+          </a:p>
+          <a:p>
+            <a:pPr marL="457200" lvl="1" indent="0">
+              <a:buNone/>
+            </a:pPr>
+            <a:r>
+              <a:rPr lang="en-GB" sz="2000" noProof="0" dirty="0">
+                <a:latin typeface="Consolas" panose="020B0609020204030204" pitchFamily="49" charset="0"/>
+              </a:rPr>
+              <a:t>&gt;&gt; positive = x&gt;0</a:t>
+            </a:r>
+          </a:p>
+          <a:p>
+            <a:pPr marL="457200" lvl="1" indent="0">
+              <a:buNone/>
+            </a:pPr>
+            <a:r>
+              <a:rPr lang="en-GB" sz="2000" noProof="0" dirty="0">
+                <a:latin typeface="Consolas" panose="020B0609020204030204" pitchFamily="49" charset="0"/>
+              </a:rPr>
+              <a:t>positive =</a:t>
+            </a:r>
+          </a:p>
+          <a:p>
+            <a:pPr marL="457200" lvl="1" indent="0">
+              <a:buNone/>
+            </a:pPr>
+            <a:r>
+              <a:rPr lang="en-GB" sz="2000" noProof="0" dirty="0">
+                <a:latin typeface="Consolas" panose="020B0609020204030204" pitchFamily="49" charset="0"/>
+              </a:rPr>
+              <a:t>  1×10 logical array</a:t>
+            </a:r>
+          </a:p>
+          <a:p>
+            <a:pPr marL="457200" lvl="1" indent="0">
+              <a:buNone/>
+            </a:pPr>
+            <a:r>
+              <a:rPr lang="en-GB" sz="2000" noProof="0" dirty="0">
+                <a:latin typeface="Consolas" panose="020B0609020204030204" pitchFamily="49" charset="0"/>
+              </a:rPr>
+              <a:t>   1   0   1   0   1   0   0   1   1   0</a:t>
+            </a:r>
+          </a:p>
+          <a:p>
+            <a:pPr marL="457200" lvl="1" indent="0">
+              <a:buNone/>
+            </a:pPr>
+            <a:r>
+              <a:rPr lang="en-GB" sz="2000" noProof="0" dirty="0">
+                <a:latin typeface="Consolas" panose="020B0609020204030204" pitchFamily="49" charset="0"/>
+              </a:rPr>
+              <a:t>&gt;&gt; selection = x(positive)</a:t>
+            </a:r>
+          </a:p>
+          <a:p>
+            <a:pPr marL="457200" lvl="1" indent="0">
+              <a:buNone/>
+            </a:pPr>
+            <a:r>
+              <a:rPr lang="en-GB" sz="2000" noProof="0" dirty="0">
+                <a:latin typeface="Consolas" panose="020B0609020204030204" pitchFamily="49" charset="0"/>
+              </a:rPr>
+              <a:t>selection =</a:t>
+            </a:r>
+          </a:p>
+          <a:p>
+            <a:pPr marL="457200" lvl="1" indent="0">
+              <a:buNone/>
+            </a:pPr>
+            <a:r>
+              <a:rPr lang="en-GB" sz="2000" noProof="0" dirty="0">
+                <a:latin typeface="Consolas" panose="020B0609020204030204" pitchFamily="49" charset="0"/>
+              </a:rPr>
+              <a:t>     6     1     3     4     5</a:t>
+            </a:r>
+          </a:p>
+          <a:p>
+            <a:pPr marL="457200" lvl="1" indent="0">
+              <a:buNone/>
+            </a:pPr>
+            <a:endParaRPr lang="en-GB" sz="2000" noProof="0" dirty="0">
+              <a:latin typeface="Consolas" panose="020B0609020204030204" pitchFamily="49" charset="0"/>
+            </a:endParaRPr>
+          </a:p>
+        </p:txBody>
+      </p:sp>
+    </p:spTree>
+    <p:extLst>
+      <p:ext uri="{BB962C8B-B14F-4D97-AF65-F5344CB8AC3E}">
+        <p14:creationId xmlns:p14="http://schemas.microsoft.com/office/powerpoint/2010/main" val="3056208532"/>
+      </p:ext>
+    </p:extLst>
+  </p:cSld>
+  <p:clrMapOvr>
+    <a:masterClrMapping/>
+  </p:clrMapOvr>
+</p:sld>
+</file>
+
+<file path=ppt/slides/slide22.xml><?xml version="1.0" encoding="utf-8"?>
+<p:sld xmlns:a="http://schemas.openxmlformats.org/drawingml/2006/main" xmlns:r="http://schemas.openxmlformats.org/officeDocument/2006/relationships" xmlns:p="http://schemas.openxmlformats.org/presentationml/2006/main">
+  <p:cSld>
+    <p:spTree>
+      <p:nvGrpSpPr>
+        <p:cNvPr id="1" name=""/>
+        <p:cNvGrpSpPr/>
+        <p:nvPr/>
+      </p:nvGrpSpPr>
+      <p:grpSpPr>
+        <a:xfrm>
+          <a:off x="0" y="0"/>
+          <a:ext cx="0" cy="0"/>
+          <a:chOff x="0" y="0"/>
+          <a:chExt cx="0" cy="0"/>
+        </a:xfrm>
+      </p:grpSpPr>
+      <p:sp>
+        <p:nvSpPr>
+          <p:cNvPr id="2" name="Title 1">
+            <a:extLst>
+              <a:ext uri="{FF2B5EF4-FFF2-40B4-BE49-F238E27FC236}">
                 <a16:creationId xmlns:a16="http://schemas.microsoft.com/office/drawing/2014/main" id="{6E5C4722-E90C-EEAA-A65D-6B63EB5DC893}"/>
               </a:ext>
             </a:extLst>
@@ -8270,7 +8915,7 @@
 </p:sld>
 </file>
 
-<file path=ppt/slides/slide21.xml><?xml version="1.0" encoding="utf-8"?>
+<file path=ppt/slides/slide23.xml><?xml version="1.0" encoding="utf-8"?>
 <p:sld xmlns:a="http://schemas.openxmlformats.org/drawingml/2006/main" xmlns:r="http://schemas.openxmlformats.org/officeDocument/2006/relationships" xmlns:p="http://schemas.openxmlformats.org/presentationml/2006/main">
   <p:cSld>
     <p:spTree>
@@ -8636,7 +9281,7 @@
               <a:rPr lang="en-GB" sz="2400" noProof="0" dirty="0">
                 <a:latin typeface="Consolas" panose="020B0609020204030204" pitchFamily="49" charset="0"/>
               </a:rPr>
-              <a:t>theta0 = [dx0;lgk0] </a:t>
+              <a:t>theta0 = [dx0;log10k0] </a:t>
             </a:r>
             <a:r>
               <a:rPr lang="en-GB" sz="2400" noProof="0" dirty="0"/>
@@ -8669,7 +9314,7 @@
 </p:sld>
 </file>
 
-<file path=ppt/slides/slide22.xml><?xml version="1.0" encoding="utf-8"?>
+<file path=ppt/slides/slide24.xml><?xml version="1.0" encoding="utf-8"?>
 <p:sld xmlns:a="http://schemas.openxmlformats.org/drawingml/2006/main" xmlns:r="http://schemas.openxmlformats.org/officeDocument/2006/relationships" xmlns:p="http://schemas.openxmlformats.org/presentationml/2006/main">
   <p:cSld>
     <p:spTree>
@@ -8866,7 +9511,7 @@
 </p:sld>
 </file>
 
-<file path=ppt/slides/slide23.xml><?xml version="1.0" encoding="utf-8"?>
+<file path=ppt/slides/slide25.xml><?xml version="1.0" encoding="utf-8"?>
 <p:sld xmlns:a="http://schemas.openxmlformats.org/drawingml/2006/main" xmlns:r="http://schemas.openxmlformats.org/officeDocument/2006/relationships" xmlns:p="http://schemas.openxmlformats.org/presentationml/2006/main">
   <p:cSld>
     <p:spTree>
@@ -9002,7 +9647,7 @@
 </p:sld>
 </file>
 
-<file path=ppt/slides/slide24.xml><?xml version="1.0" encoding="utf-8"?>
+<file path=ppt/slides/slide26.xml><?xml version="1.0" encoding="utf-8"?>
 <p:sld xmlns:a="http://schemas.openxmlformats.org/drawingml/2006/main" xmlns:r="http://schemas.openxmlformats.org/officeDocument/2006/relationships" xmlns:p="http://schemas.openxmlformats.org/presentationml/2006/main">
   <p:cSld>
     <p:spTree>
@@ -9491,7 +10136,7 @@
 </p:sld>
 </file>
 
-<file path=ppt/slides/slide25.xml><?xml version="1.0" encoding="utf-8"?>
+<file path=ppt/slides/slide27.xml><?xml version="1.0" encoding="utf-8"?>
 <p:sld xmlns:a="http://schemas.openxmlformats.org/drawingml/2006/main" xmlns:r="http://schemas.openxmlformats.org/officeDocument/2006/relationships" xmlns:p="http://schemas.openxmlformats.org/presentationml/2006/main">
   <p:cSld>
     <p:spTree>
@@ -9881,7 +10526,7 @@
 </p:sld>
 </file>
 
-<file path=ppt/slides/slide26.xml><?xml version="1.0" encoding="utf-8"?>
+<file path=ppt/slides/slide28.xml><?xml version="1.0" encoding="utf-8"?>
 <p:sld xmlns:a="http://schemas.openxmlformats.org/drawingml/2006/main" xmlns:r="http://schemas.openxmlformats.org/officeDocument/2006/relationships" xmlns:p="http://schemas.openxmlformats.org/presentationml/2006/main">
   <p:cSld>
     <p:spTree>
@@ -10033,7 +10678,7 @@
               <a:rPr lang="en-GB" sz="1800" noProof="0" dirty="0">
                 <a:latin typeface="Consolas" panose="020B0609020204030204" pitchFamily="49" charset="0"/>
               </a:rPr>
-              <a:t>hold on;</a:t>
+              <a:t>hold on;  % To keep the bar graph</a:t>
             </a:r>
           </a:p>
           <a:p>
@@ -10278,7 +10923,7 @@
 </p:sld>
 </file>
 
-<file path=ppt/slides/slide27.xml><?xml version="1.0" encoding="utf-8"?>
+<file path=ppt/slides/slide29.xml><?xml version="1.0" encoding="utf-8"?>
 <p:sld xmlns:a="http://schemas.openxmlformats.org/drawingml/2006/main" xmlns:r="http://schemas.openxmlformats.org/officeDocument/2006/relationships" xmlns:p="http://schemas.openxmlformats.org/presentationml/2006/main">
   <p:cSld>
     <p:spTree>
@@ -10440,255 +11085,6 @@
     <p:extLst>
       <p:ext uri="{BB962C8B-B14F-4D97-AF65-F5344CB8AC3E}">
         <p14:creationId xmlns:p14="http://schemas.microsoft.com/office/powerpoint/2010/main" val="3013525236"/>
-      </p:ext>
-    </p:extLst>
-  </p:cSld>
-  <p:clrMapOvr>
-    <a:masterClrMapping/>
-  </p:clrMapOvr>
-</p:sld>
-</file>
-
-<file path=ppt/slides/slide28.xml><?xml version="1.0" encoding="utf-8"?>
-<p:sld xmlns:a="http://schemas.openxmlformats.org/drawingml/2006/main" xmlns:r="http://schemas.openxmlformats.org/officeDocument/2006/relationships" xmlns:p="http://schemas.openxmlformats.org/presentationml/2006/main">
-  <p:cSld>
-    <p:spTree>
-      <p:nvGrpSpPr>
-        <p:cNvPr id="1" name=""/>
-        <p:cNvGrpSpPr/>
-        <p:nvPr/>
-      </p:nvGrpSpPr>
-      <p:grpSpPr>
-        <a:xfrm>
-          <a:off x="0" y="0"/>
-          <a:ext cx="0" cy="0"/>
-          <a:chOff x="0" y="0"/>
-          <a:chExt cx="0" cy="0"/>
-        </a:xfrm>
-      </p:grpSpPr>
-      <p:sp>
-        <p:nvSpPr>
-          <p:cNvPr id="2" name="Title 1">
-            <a:extLst>
-              <a:ext uri="{FF2B5EF4-FFF2-40B4-BE49-F238E27FC236}">
-                <a16:creationId xmlns:a16="http://schemas.microsoft.com/office/drawing/2014/main" id="{1275AA58-4F65-30CA-FCF3-EFDFE222A80A}"/>
-              </a:ext>
-            </a:extLst>
-          </p:cNvPr>
-          <p:cNvSpPr>
-            <a:spLocks noGrp="1"/>
-          </p:cNvSpPr>
-          <p:nvPr>
-            <p:ph type="title"/>
-          </p:nvPr>
-        </p:nvSpPr>
-        <p:spPr/>
-        <p:txBody>
-          <a:bodyPr/>
-          <a:lstStyle/>
-          <a:p>
-            <a:r>
-              <a:rPr lang="en-GB" noProof="0" dirty="0"/>
-              <a:t>Units</a:t>
-            </a:r>
-          </a:p>
-        </p:txBody>
-      </p:sp>
-      <p:sp>
-        <p:nvSpPr>
-          <p:cNvPr id="3" name="Content Placeholder 2">
-            <a:extLst>
-              <a:ext uri="{FF2B5EF4-FFF2-40B4-BE49-F238E27FC236}">
-                <a16:creationId xmlns:a16="http://schemas.microsoft.com/office/drawing/2014/main" id="{8CF4831A-24A3-6BEC-3124-E1F7DA0416A5}"/>
-              </a:ext>
-            </a:extLst>
-          </p:cNvPr>
-          <p:cNvSpPr>
-            <a:spLocks noGrp="1"/>
-          </p:cNvSpPr>
-          <p:nvPr>
-            <p:ph idx="1"/>
-          </p:nvPr>
-        </p:nvSpPr>
-        <p:spPr/>
-        <p:txBody>
-          <a:bodyPr/>
-          <a:lstStyle/>
-          <a:p>
-            <a:r>
-              <a:rPr lang="en-GB" noProof="0" dirty="0"/>
-              <a:t>Optical Tweezers experiments require some special units:</a:t>
-            </a:r>
-          </a:p>
-          <a:p>
-            <a:r>
-              <a:rPr lang="en-GB" noProof="0" dirty="0"/>
-              <a:t>Length: nm = 10</a:t>
-            </a:r>
-            <a:r>
-              <a:rPr lang="en-GB" baseline="30000" noProof="0" dirty="0"/>
-              <a:t>-9</a:t>
-            </a:r>
-            <a:r>
-              <a:rPr lang="en-GB" noProof="0" dirty="0"/>
-              <a:t>m</a:t>
-            </a:r>
-          </a:p>
-          <a:p>
-            <a:r>
-              <a:rPr lang="en-GB" noProof="0" dirty="0"/>
-              <a:t>Force: </a:t>
-            </a:r>
-            <a:r>
-              <a:rPr lang="en-GB" noProof="0" dirty="0" err="1"/>
-              <a:t>pN</a:t>
-            </a:r>
-            <a:r>
-              <a:rPr lang="en-GB" noProof="0" dirty="0"/>
-              <a:t> = 10</a:t>
-            </a:r>
-            <a:r>
-              <a:rPr lang="en-GB" baseline="30000" noProof="0" dirty="0"/>
-              <a:t>-12</a:t>
-            </a:r>
-            <a:r>
-              <a:rPr lang="en-GB" noProof="0" dirty="0"/>
-              <a:t>N</a:t>
-            </a:r>
-          </a:p>
-          <a:p>
-            <a:r>
-              <a:rPr lang="en-GB" noProof="0" dirty="0"/>
-              <a:t>Energy per molecule: </a:t>
-            </a:r>
-            <a:r>
-              <a:rPr lang="en-GB" noProof="0" dirty="0" err="1"/>
-              <a:t>nm·pN</a:t>
-            </a:r>
-            <a:r>
-              <a:rPr lang="en-GB" noProof="0" dirty="0"/>
-              <a:t> = 10</a:t>
-            </a:r>
-            <a:r>
-              <a:rPr lang="en-GB" baseline="30000" noProof="0" dirty="0"/>
-              <a:t>-21</a:t>
-            </a:r>
-            <a:r>
-              <a:rPr lang="en-GB" noProof="0" dirty="0"/>
-              <a:t>J = 1zJ</a:t>
-            </a:r>
-            <a:r>
-              <a:rPr lang="en-GB" dirty="0"/>
-              <a:t> (</a:t>
-            </a:r>
-            <a:r>
-              <a:rPr lang="en-GB"/>
-              <a:t>zettaJoule</a:t>
-            </a:r>
-            <a:r>
-              <a:rPr lang="en-GB" noProof="0" dirty="0"/>
-              <a:t>)</a:t>
-            </a:r>
-          </a:p>
-          <a:p>
-            <a:r>
-              <a:rPr lang="en-GB" noProof="0" dirty="0"/>
-              <a:t>Avogadro constant: N</a:t>
-            </a:r>
-            <a:r>
-              <a:rPr lang="en-GB" baseline="-25000" noProof="0" dirty="0"/>
-              <a:t>A</a:t>
-            </a:r>
-            <a:r>
-              <a:rPr lang="en-GB" noProof="0" dirty="0"/>
-              <a:t> = 6.02214 </a:t>
-            </a:r>
-            <a:r>
-              <a:rPr lang="en-GB" noProof="0" dirty="0">
-                <a:effectLst/>
-              </a:rPr>
-              <a:t>×</a:t>
-            </a:r>
-            <a:r>
-              <a:rPr lang="en-GB" noProof="0" dirty="0"/>
-              <a:t>10</a:t>
-            </a:r>
-            <a:r>
-              <a:rPr lang="en-GB" baseline="30000" noProof="0" dirty="0"/>
-              <a:t>23 </a:t>
-            </a:r>
-            <a:r>
-              <a:rPr lang="en-GB" noProof="0" dirty="0"/>
-              <a:t>molecules/mol</a:t>
-            </a:r>
-          </a:p>
-          <a:p>
-            <a:r>
-              <a:rPr lang="en-GB" noProof="0" dirty="0"/>
-              <a:t>Energy per mol: 1nm·pN · N</a:t>
-            </a:r>
-            <a:r>
-              <a:rPr lang="en-GB" baseline="-25000" noProof="0" dirty="0"/>
-              <a:t>A</a:t>
-            </a:r>
-            <a:r>
-              <a:rPr lang="en-GB" noProof="0" dirty="0"/>
-              <a:t>= 602.214J/mol</a:t>
-            </a:r>
-            <a:br>
-              <a:rPr lang="en-GB" noProof="0" dirty="0"/>
-            </a:br>
-            <a:r>
-              <a:rPr lang="en-GB" noProof="0" dirty="0"/>
-              <a:t>= 602.214 (J/mol) / 4184J/kcal = 0.1439 kcal/mol</a:t>
-            </a:r>
-          </a:p>
-          <a:p>
-            <a:r>
-              <a:rPr lang="en-GB" noProof="0" dirty="0"/>
-              <a:t>Boltzmann constant: k</a:t>
-            </a:r>
-            <a:r>
-              <a:rPr lang="en-GB" baseline="-25000" noProof="0" dirty="0"/>
-              <a:t>B</a:t>
-            </a:r>
-            <a:r>
-              <a:rPr lang="en-GB" noProof="0" dirty="0"/>
-              <a:t> = 1.381 J</a:t>
-            </a:r>
-            <a:r>
-              <a:rPr lang="en-GB" noProof="0" dirty="0">
-                <a:effectLst/>
-              </a:rPr>
-              <a:t> ×</a:t>
-            </a:r>
-            <a:r>
-              <a:rPr lang="en-GB" noProof="0" dirty="0"/>
-              <a:t>10</a:t>
-            </a:r>
-            <a:r>
-              <a:rPr lang="en-GB" baseline="30000" noProof="0" dirty="0"/>
-              <a:t>-23</a:t>
-            </a:r>
-            <a:r>
-              <a:rPr lang="en-GB" noProof="0" dirty="0"/>
-              <a:t>J/K = 0.01381 </a:t>
-            </a:r>
-            <a:r>
-              <a:rPr lang="en-GB" noProof="0" dirty="0" err="1"/>
-              <a:t>nm·pN</a:t>
-            </a:r>
-            <a:r>
-              <a:rPr lang="en-GB" noProof="0" dirty="0"/>
-              <a:t> /K</a:t>
-            </a:r>
-          </a:p>
-        </p:txBody>
-      </p:sp>
-    </p:spTree>
-    <p:extLst>
-      <p:ext uri="{BB962C8B-B14F-4D97-AF65-F5344CB8AC3E}">
-        <p14:creationId xmlns:p14="http://schemas.microsoft.com/office/powerpoint/2010/main" val="3717817248"/>
       </p:ext>
     </p:extLst>
   </p:cSld>
@@ -10971,6 +11367,255 @@
 </p:sld>
 </file>
 
+<file path=ppt/slides/slide30.xml><?xml version="1.0" encoding="utf-8"?>
+<p:sld xmlns:a="http://schemas.openxmlformats.org/drawingml/2006/main" xmlns:r="http://schemas.openxmlformats.org/officeDocument/2006/relationships" xmlns:p="http://schemas.openxmlformats.org/presentationml/2006/main">
+  <p:cSld>
+    <p:spTree>
+      <p:nvGrpSpPr>
+        <p:cNvPr id="1" name=""/>
+        <p:cNvGrpSpPr/>
+        <p:nvPr/>
+      </p:nvGrpSpPr>
+      <p:grpSpPr>
+        <a:xfrm>
+          <a:off x="0" y="0"/>
+          <a:ext cx="0" cy="0"/>
+          <a:chOff x="0" y="0"/>
+          <a:chExt cx="0" cy="0"/>
+        </a:xfrm>
+      </p:grpSpPr>
+      <p:sp>
+        <p:nvSpPr>
+          <p:cNvPr id="2" name="Title 1">
+            <a:extLst>
+              <a:ext uri="{FF2B5EF4-FFF2-40B4-BE49-F238E27FC236}">
+                <a16:creationId xmlns:a16="http://schemas.microsoft.com/office/drawing/2014/main" id="{1275AA58-4F65-30CA-FCF3-EFDFE222A80A}"/>
+              </a:ext>
+            </a:extLst>
+          </p:cNvPr>
+          <p:cNvSpPr>
+            <a:spLocks noGrp="1"/>
+          </p:cNvSpPr>
+          <p:nvPr>
+            <p:ph type="title"/>
+          </p:nvPr>
+        </p:nvSpPr>
+        <p:spPr/>
+        <p:txBody>
+          <a:bodyPr/>
+          <a:lstStyle/>
+          <a:p>
+            <a:r>
+              <a:rPr lang="en-GB" noProof="0" dirty="0"/>
+              <a:t>Units</a:t>
+            </a:r>
+          </a:p>
+        </p:txBody>
+      </p:sp>
+      <p:sp>
+        <p:nvSpPr>
+          <p:cNvPr id="3" name="Content Placeholder 2">
+            <a:extLst>
+              <a:ext uri="{FF2B5EF4-FFF2-40B4-BE49-F238E27FC236}">
+                <a16:creationId xmlns:a16="http://schemas.microsoft.com/office/drawing/2014/main" id="{8CF4831A-24A3-6BEC-3124-E1F7DA0416A5}"/>
+              </a:ext>
+            </a:extLst>
+          </p:cNvPr>
+          <p:cNvSpPr>
+            <a:spLocks noGrp="1"/>
+          </p:cNvSpPr>
+          <p:nvPr>
+            <p:ph idx="1"/>
+          </p:nvPr>
+        </p:nvSpPr>
+        <p:spPr/>
+        <p:txBody>
+          <a:bodyPr/>
+          <a:lstStyle/>
+          <a:p>
+            <a:r>
+              <a:rPr lang="en-GB" noProof="0" dirty="0"/>
+              <a:t>Optical Tweezers experiments require some special units:</a:t>
+            </a:r>
+          </a:p>
+          <a:p>
+            <a:r>
+              <a:rPr lang="en-GB" noProof="0" dirty="0"/>
+              <a:t>Length: 1nm = 10</a:t>
+            </a:r>
+            <a:r>
+              <a:rPr lang="en-GB" baseline="30000" noProof="0" dirty="0"/>
+              <a:t>-9</a:t>
+            </a:r>
+            <a:r>
+              <a:rPr lang="en-GB" noProof="0" dirty="0"/>
+              <a:t>m</a:t>
+            </a:r>
+          </a:p>
+          <a:p>
+            <a:r>
+              <a:rPr lang="en-GB" noProof="0" dirty="0"/>
+              <a:t>Force</a:t>
+            </a:r>
+            <a:r>
+              <a:rPr lang="en-GB" noProof="0"/>
+              <a:t>: 1pN </a:t>
+            </a:r>
+            <a:r>
+              <a:rPr lang="en-GB" noProof="0" dirty="0"/>
+              <a:t>= 10</a:t>
+            </a:r>
+            <a:r>
+              <a:rPr lang="en-GB" baseline="30000" noProof="0" dirty="0"/>
+              <a:t>-12</a:t>
+            </a:r>
+            <a:r>
+              <a:rPr lang="en-GB" noProof="0" dirty="0"/>
+              <a:t>N</a:t>
+            </a:r>
+          </a:p>
+          <a:p>
+            <a:r>
+              <a:rPr lang="en-GB" noProof="0" dirty="0"/>
+              <a:t>Energy per molecule: </a:t>
+            </a:r>
+            <a:r>
+              <a:rPr lang="en-GB" noProof="0" dirty="0" err="1"/>
+              <a:t>nm·pN</a:t>
+            </a:r>
+            <a:r>
+              <a:rPr lang="en-GB" noProof="0" dirty="0"/>
+              <a:t> = 10</a:t>
+            </a:r>
+            <a:r>
+              <a:rPr lang="en-GB" baseline="30000" noProof="0" dirty="0"/>
+              <a:t>-21</a:t>
+            </a:r>
+            <a:r>
+              <a:rPr lang="en-GB" noProof="0" dirty="0"/>
+              <a:t>J = 1zJ</a:t>
+            </a:r>
+            <a:r>
+              <a:rPr lang="en-GB" dirty="0"/>
+              <a:t> (</a:t>
+            </a:r>
+            <a:r>
+              <a:rPr lang="en-GB" dirty="0" err="1"/>
+              <a:t>zettaJoule</a:t>
+            </a:r>
+            <a:r>
+              <a:rPr lang="en-GB" noProof="0" dirty="0"/>
+              <a:t>)</a:t>
+            </a:r>
+          </a:p>
+          <a:p>
+            <a:r>
+              <a:rPr lang="en-GB" noProof="0" dirty="0"/>
+              <a:t>Avogadro constant: N</a:t>
+            </a:r>
+            <a:r>
+              <a:rPr lang="en-GB" baseline="-25000" noProof="0" dirty="0"/>
+              <a:t>A</a:t>
+            </a:r>
+            <a:r>
+              <a:rPr lang="en-GB" noProof="0" dirty="0"/>
+              <a:t> = 6.02214 </a:t>
+            </a:r>
+            <a:r>
+              <a:rPr lang="en-GB" noProof="0" dirty="0">
+                <a:effectLst/>
+              </a:rPr>
+              <a:t>×</a:t>
+            </a:r>
+            <a:r>
+              <a:rPr lang="en-GB" noProof="0" dirty="0"/>
+              <a:t>10</a:t>
+            </a:r>
+            <a:r>
+              <a:rPr lang="en-GB" baseline="30000" noProof="0" dirty="0"/>
+              <a:t>23 </a:t>
+            </a:r>
+            <a:r>
+              <a:rPr lang="en-GB" noProof="0" dirty="0"/>
+              <a:t>molecules/mol</a:t>
+            </a:r>
+          </a:p>
+          <a:p>
+            <a:r>
+              <a:rPr lang="en-GB" noProof="0" dirty="0"/>
+              <a:t>Energy per mol: 1nm·pN · N</a:t>
+            </a:r>
+            <a:r>
+              <a:rPr lang="en-GB" baseline="-25000" noProof="0" dirty="0"/>
+              <a:t>A</a:t>
+            </a:r>
+            <a:r>
+              <a:rPr lang="en-GB" noProof="0" dirty="0"/>
+              <a:t>= 602.214J/mol</a:t>
+            </a:r>
+            <a:br>
+              <a:rPr lang="en-GB" noProof="0" dirty="0"/>
+            </a:br>
+            <a:r>
+              <a:rPr lang="en-GB" noProof="0" dirty="0"/>
+              <a:t>= 602.214 (J/mol) / 4184J/kcal = 0.1439 kcal/mol</a:t>
+            </a:r>
+          </a:p>
+          <a:p>
+            <a:r>
+              <a:rPr lang="en-GB" noProof="0" dirty="0"/>
+              <a:t>Boltzmann constant: k</a:t>
+            </a:r>
+            <a:r>
+              <a:rPr lang="en-GB" baseline="-25000" noProof="0" dirty="0"/>
+              <a:t>B</a:t>
+            </a:r>
+            <a:r>
+              <a:rPr lang="en-GB" noProof="0" dirty="0"/>
+              <a:t> = 1.381 J</a:t>
+            </a:r>
+            <a:r>
+              <a:rPr lang="en-GB" noProof="0" dirty="0">
+                <a:effectLst/>
+              </a:rPr>
+              <a:t> ×</a:t>
+            </a:r>
+            <a:r>
+              <a:rPr lang="en-GB" noProof="0" dirty="0"/>
+              <a:t>10</a:t>
+            </a:r>
+            <a:r>
+              <a:rPr lang="en-GB" baseline="30000" noProof="0" dirty="0"/>
+              <a:t>-23</a:t>
+            </a:r>
+            <a:r>
+              <a:rPr lang="en-GB" noProof="0" dirty="0"/>
+              <a:t>J/K = 0.01381 </a:t>
+            </a:r>
+            <a:r>
+              <a:rPr lang="en-GB" noProof="0" dirty="0" err="1"/>
+              <a:t>nm·pN</a:t>
+            </a:r>
+            <a:r>
+              <a:rPr lang="en-GB" noProof="0" dirty="0"/>
+              <a:t> /K</a:t>
+            </a:r>
+          </a:p>
+        </p:txBody>
+      </p:sp>
+    </p:spTree>
+    <p:extLst>
+      <p:ext uri="{BB962C8B-B14F-4D97-AF65-F5344CB8AC3E}">
+        <p14:creationId xmlns:p14="http://schemas.microsoft.com/office/powerpoint/2010/main" val="3717817248"/>
+      </p:ext>
+    </p:extLst>
+  </p:cSld>
+  <p:clrMapOvr>
+    <a:masterClrMapping/>
+  </p:clrMapOvr>
+</p:sld>
+</file>
+
 <file path=ppt/slides/slide4.xml><?xml version="1.0" encoding="utf-8"?>
 <p:sld xmlns:a="http://schemas.openxmlformats.org/drawingml/2006/main" xmlns:r="http://schemas.openxmlformats.org/officeDocument/2006/relationships" xmlns:p="http://schemas.openxmlformats.org/presentationml/2006/main">
   <p:cSld>
@@ -11058,7 +11703,7 @@
           <a:p>
             <a:r>
               <a:rPr lang="en-GB" noProof="0" dirty="0"/>
-              <a:t>Dividing the number in each bin by the total we get an estimate of the probability density</a:t>
+              <a:t>Dividing the number in each bin by the total number of rips and the bin width we get an estimate of the probability density</a:t>
             </a:r>
           </a:p>
           <a:p>
@@ -13781,7 +14426,7 @@
           <p:cNvPr id="2" name="Title 1">
             <a:extLst>
               <a:ext uri="{FF2B5EF4-FFF2-40B4-BE49-F238E27FC236}">
-                <a16:creationId xmlns:a16="http://schemas.microsoft.com/office/drawing/2014/main" id="{4B79B3C6-255E-0726-7043-1A2BC0B1288E}"/>
+                <a16:creationId xmlns:a16="http://schemas.microsoft.com/office/drawing/2014/main" id="{698CDFF4-ACFE-FA8A-D457-C2A92967A445}"/>
               </a:ext>
             </a:extLst>
           </p:cNvPr>
@@ -13798,331 +14443,126 @@
           <a:lstStyle/>
           <a:p>
             <a:r>
-              <a:rPr lang="en-GB" noProof="0" dirty="0"/>
-              <a:t>Confidence interval and standard deviation</a:t>
+              <a:rPr lang="en-GB" dirty="0"/>
+              <a:t>Zero force unfolding rate k</a:t>
+            </a:r>
+            <a:r>
+              <a:rPr lang="en-GB" baseline="-25000" dirty="0"/>
+              <a:t>0</a:t>
             </a:r>
           </a:p>
         </p:txBody>
       </p:sp>
-      <mc:AlternateContent xmlns:mc="http://schemas.openxmlformats.org/markup-compatibility/2006" xmlns:a14="http://schemas.microsoft.com/office/drawing/2010/main">
-        <mc:Choice Requires="a14">
-          <p:sp>
-            <p:nvSpPr>
-              <p:cNvPr id="3" name="Content Placeholder 2">
-                <a:extLst>
-                  <a:ext uri="{FF2B5EF4-FFF2-40B4-BE49-F238E27FC236}">
-                    <a16:creationId xmlns:a16="http://schemas.microsoft.com/office/drawing/2014/main" id="{AAEE925E-CD5F-1DD7-2693-866309162CB1}"/>
-                  </a:ext>
-                </a:extLst>
-              </p:cNvPr>
-              <p:cNvSpPr>
-                <a:spLocks noGrp="1"/>
-              </p:cNvSpPr>
-              <p:nvPr>
-                <p:ph idx="1"/>
-              </p:nvPr>
-            </p:nvSpPr>
-            <p:spPr>
-              <a:xfrm>
-                <a:off x="838200" y="1825625"/>
-                <a:ext cx="10515600" cy="4667250"/>
-              </a:xfrm>
-            </p:spPr>
-            <p:txBody>
-              <a:bodyPr>
-                <a:normAutofit/>
-              </a:bodyPr>
-              <a:lstStyle/>
-              <a:p>
-                <a:r>
-                  <a:rPr lang="en-GB" noProof="0" dirty="0"/>
-                  <a:t>Function </a:t>
-                </a:r>
-                <a:r>
-                  <a:rPr lang="en-GB" noProof="0" dirty="0" err="1"/>
-                  <a:t>nlparci</a:t>
-                </a:r>
-                <a:r>
-                  <a:rPr lang="en-GB" noProof="0" dirty="0"/>
-                  <a:t> gives the 95% confidence interval </a:t>
-                </a:r>
-                <a14:m>
-                  <m:oMath xmlns:m="http://schemas.openxmlformats.org/officeDocument/2006/math">
-                    <m:r>
-                      <a:rPr lang="en-GB" sz="2800" i="1" noProof="0" smtClean="0">
-                        <a:latin typeface="Cambria Math" panose="02040503050406030204" pitchFamily="18" charset="0"/>
-                        <a:ea typeface="Cambria Math" panose="02040503050406030204" pitchFamily="18" charset="0"/>
-                      </a:rPr>
-                      <m:t>𝑐𝑖</m:t>
-                    </m:r>
-                    <m:d>
-                      <m:dPr>
-                        <m:ctrlPr>
-                          <a:rPr lang="en-GB" sz="2800" i="1" noProof="0" smtClean="0">
-                            <a:latin typeface="Cambria Math" panose="02040503050406030204" pitchFamily="18" charset="0"/>
-                            <a:ea typeface="Cambria Math" panose="02040503050406030204" pitchFamily="18" charset="0"/>
-                          </a:rPr>
-                        </m:ctrlPr>
-                      </m:dPr>
-                      <m:e>
-                        <m:r>
-                          <a:rPr lang="en-GB" sz="2800" i="1" noProof="0">
-                            <a:latin typeface="Cambria Math" panose="02040503050406030204" pitchFamily="18" charset="0"/>
-                            <a:ea typeface="Cambria Math" panose="02040503050406030204" pitchFamily="18" charset="0"/>
-                          </a:rPr>
-                          <m:t>1</m:t>
-                        </m:r>
-                      </m:e>
-                    </m:d>
-                  </m:oMath>
-                </a14:m>
-                <a:r>
-                  <a:rPr lang="en-GB" sz="2800" noProof="0" dirty="0"/>
-                  <a:t> </a:t>
-                </a:r>
-                <a:r>
-                  <a:rPr lang="en-GB" noProof="0" dirty="0"/>
-                  <a:t>to</a:t>
-                </a:r>
-                <a:r>
-                  <a:rPr lang="en-GB" sz="2800" noProof="0" dirty="0"/>
-                  <a:t> </a:t>
-                </a:r>
-                <a14:m>
-                  <m:oMath xmlns:m="http://schemas.openxmlformats.org/officeDocument/2006/math">
-                    <m:r>
-                      <a:rPr lang="en-GB" sz="2800" i="1" noProof="0">
-                        <a:latin typeface="Cambria Math" panose="02040503050406030204" pitchFamily="18" charset="0"/>
-                        <a:ea typeface="Cambria Math" panose="02040503050406030204" pitchFamily="18" charset="0"/>
-                      </a:rPr>
-                      <m:t>𝑐𝑖</m:t>
-                    </m:r>
-                    <m:d>
-                      <m:dPr>
-                        <m:ctrlPr>
-                          <a:rPr lang="en-GB" sz="2800" i="1" noProof="0">
-                            <a:latin typeface="Cambria Math" panose="02040503050406030204" pitchFamily="18" charset="0"/>
-                            <a:ea typeface="Cambria Math" panose="02040503050406030204" pitchFamily="18" charset="0"/>
-                          </a:rPr>
-                        </m:ctrlPr>
-                      </m:dPr>
-                      <m:e>
-                        <m:r>
-                          <a:rPr lang="en-GB" sz="2800" i="1" noProof="0">
-                            <a:latin typeface="Cambria Math" panose="02040503050406030204" pitchFamily="18" charset="0"/>
-                            <a:ea typeface="Cambria Math" panose="02040503050406030204" pitchFamily="18" charset="0"/>
-                          </a:rPr>
-                          <m:t>2</m:t>
-                        </m:r>
-                      </m:e>
-                    </m:d>
-                  </m:oMath>
-                </a14:m>
-                <a:r>
-                  <a:rPr lang="en-GB" sz="2800" noProof="0" dirty="0"/>
-                  <a:t> </a:t>
-                </a:r>
-                <a:endParaRPr lang="en-GB" noProof="0" dirty="0"/>
-              </a:p>
-              <a:p>
-                <a:pPr lvl="1"/>
-                <a:r>
-                  <a:rPr lang="en-GB" noProof="0" dirty="0"/>
-                  <a:t>There is 95% probability that the real parameter value is within the interval</a:t>
-                </a:r>
-                <a:br>
-                  <a:rPr lang="en-GB" noProof="0" dirty="0"/>
-                </a:br>
-                <a:endParaRPr lang="en-GB" sz="1000" noProof="0" dirty="0"/>
-              </a:p>
-              <a:p>
-                <a:r>
-                  <a:rPr lang="en-GB" noProof="0" dirty="0"/>
-                  <a:t>We translate this to the more common standard deviation</a:t>
-                </a:r>
-              </a:p>
-              <a:p>
-                <a:pPr lvl="1"/>
-                <a:r>
-                  <a:rPr lang="en-GB" noProof="0" dirty="0"/>
-                  <a:t>We simplify by assuming the parameter value follows a normal distribution.  The interval from –1.96 to 1.96 standard deviations contains 95% of the cumulative normal distribution.  Thus, the standard deviation is </a:t>
-                </a:r>
-                <a:br>
-                  <a:rPr lang="en-GB" noProof="0" dirty="0"/>
-                </a:br>
-                <a14:m>
-                  <m:oMath xmlns:m="http://schemas.openxmlformats.org/officeDocument/2006/math">
-                    <m:r>
-                      <a:rPr lang="en-GB" i="1" noProof="0" smtClean="0">
-                        <a:latin typeface="Cambria Math" panose="02040503050406030204" pitchFamily="18" charset="0"/>
-                        <a:ea typeface="Cambria Math" panose="02040503050406030204" pitchFamily="18" charset="0"/>
-                      </a:rPr>
-                      <m:t>𝜎</m:t>
-                    </m:r>
-                    <m:r>
-                      <a:rPr lang="en-GB" b="0" i="1" noProof="0" smtClean="0">
-                        <a:latin typeface="Cambria Math" panose="02040503050406030204" pitchFamily="18" charset="0"/>
-                        <a:ea typeface="Cambria Math" panose="02040503050406030204" pitchFamily="18" charset="0"/>
-                      </a:rPr>
-                      <m:t>=</m:t>
-                    </m:r>
-                    <m:f>
-                      <m:fPr>
-                        <m:ctrlPr>
-                          <a:rPr lang="en-GB" b="0" i="1" noProof="0" smtClean="0">
-                            <a:latin typeface="Cambria Math" panose="02040503050406030204" pitchFamily="18" charset="0"/>
-                            <a:ea typeface="Cambria Math" panose="02040503050406030204" pitchFamily="18" charset="0"/>
-                          </a:rPr>
-                        </m:ctrlPr>
-                      </m:fPr>
-                      <m:num>
-                        <m:r>
-                          <a:rPr lang="en-GB" i="1" noProof="0">
-                            <a:latin typeface="Cambria Math" panose="02040503050406030204" pitchFamily="18" charset="0"/>
-                            <a:ea typeface="Cambria Math" panose="02040503050406030204" pitchFamily="18" charset="0"/>
-                          </a:rPr>
-                          <m:t>𝑐𝑖</m:t>
-                        </m:r>
-                        <m:d>
-                          <m:dPr>
-                            <m:ctrlPr>
-                              <a:rPr lang="en-GB" i="1" noProof="0">
-                                <a:latin typeface="Cambria Math" panose="02040503050406030204" pitchFamily="18" charset="0"/>
-                                <a:ea typeface="Cambria Math" panose="02040503050406030204" pitchFamily="18" charset="0"/>
-                              </a:rPr>
-                            </m:ctrlPr>
-                          </m:dPr>
-                          <m:e>
-                            <m:r>
-                              <a:rPr lang="en-GB" i="1" noProof="0">
-                                <a:latin typeface="Cambria Math" panose="02040503050406030204" pitchFamily="18" charset="0"/>
-                                <a:ea typeface="Cambria Math" panose="02040503050406030204" pitchFamily="18" charset="0"/>
-                              </a:rPr>
-                              <m:t>2</m:t>
-                            </m:r>
-                          </m:e>
-                        </m:d>
-                        <m:r>
-                          <a:rPr lang="en-GB" i="1" noProof="0">
-                            <a:latin typeface="Cambria Math" panose="02040503050406030204" pitchFamily="18" charset="0"/>
-                            <a:ea typeface="Cambria Math" panose="02040503050406030204" pitchFamily="18" charset="0"/>
-                          </a:rPr>
-                          <m:t>−</m:t>
-                        </m:r>
-                        <m:r>
-                          <a:rPr lang="en-GB" b="0" i="1" noProof="0" smtClean="0">
-                            <a:latin typeface="Cambria Math" panose="02040503050406030204" pitchFamily="18" charset="0"/>
-                            <a:ea typeface="Cambria Math" panose="02040503050406030204" pitchFamily="18" charset="0"/>
-                          </a:rPr>
-                          <m:t>𝑐𝑖</m:t>
-                        </m:r>
-                        <m:d>
-                          <m:dPr>
-                            <m:ctrlPr>
-                              <a:rPr lang="en-GB" b="0" i="1" noProof="0" smtClean="0">
-                                <a:latin typeface="Cambria Math" panose="02040503050406030204" pitchFamily="18" charset="0"/>
-                                <a:ea typeface="Cambria Math" panose="02040503050406030204" pitchFamily="18" charset="0"/>
-                              </a:rPr>
-                            </m:ctrlPr>
-                          </m:dPr>
-                          <m:e>
-                            <m:r>
-                              <a:rPr lang="en-GB" b="0" i="1" noProof="0" smtClean="0">
-                                <a:latin typeface="Cambria Math" panose="02040503050406030204" pitchFamily="18" charset="0"/>
-                                <a:ea typeface="Cambria Math" panose="02040503050406030204" pitchFamily="18" charset="0"/>
-                              </a:rPr>
-                              <m:t>1</m:t>
-                            </m:r>
-                          </m:e>
-                        </m:d>
-                      </m:num>
-                      <m:den>
-                        <m:r>
-                          <a:rPr lang="en-GB" b="0" i="1" noProof="0" smtClean="0">
-                            <a:latin typeface="Cambria Math" panose="02040503050406030204" pitchFamily="18" charset="0"/>
-                            <a:ea typeface="Cambria Math" panose="02040503050406030204" pitchFamily="18" charset="0"/>
-                          </a:rPr>
-                          <m:t>3.92</m:t>
-                        </m:r>
-                      </m:den>
-                    </m:f>
-                  </m:oMath>
-                </a14:m>
-                <a:br>
-                  <a:rPr lang="en-GB" noProof="0" dirty="0"/>
-                </a:br>
-                <a:br>
-                  <a:rPr lang="en-GB" i="1" noProof="0" dirty="0">
-                    <a:latin typeface="Cambria Math" panose="02040503050406030204" pitchFamily="18" charset="0"/>
-                    <a:ea typeface="Cambria Math" panose="02040503050406030204" pitchFamily="18" charset="0"/>
-                  </a:rPr>
-                </a:br>
-                <a:endParaRPr lang="en-GB" noProof="0" dirty="0"/>
-              </a:p>
-              <a:p>
-                <a:pPr marL="914400" lvl="2" indent="0">
-                  <a:buNone/>
-                </a:pPr>
-                <a:r>
-                  <a:rPr lang="en-GB" sz="1800" noProof="0" dirty="0"/>
-                  <a:t>(Real statisticians may not entirely approve of this engineering approach!)</a:t>
-                </a:r>
-              </a:p>
-              <a:p>
-                <a:pPr lvl="1"/>
-                <a:endParaRPr lang="en-GB" noProof="0" dirty="0"/>
-              </a:p>
-            </p:txBody>
-          </p:sp>
-        </mc:Choice>
-        <mc:Fallback xmlns="">
-          <p:sp>
-            <p:nvSpPr>
-              <p:cNvPr id="3" name="Content Placeholder 2">
-                <a:extLst>
-                  <a:ext uri="{FF2B5EF4-FFF2-40B4-BE49-F238E27FC236}">
-                    <a16:creationId xmlns:a16="http://schemas.microsoft.com/office/drawing/2014/main" id="{AAEE925E-CD5F-1DD7-2693-866309162CB1}"/>
-                  </a:ext>
-                </a:extLst>
-              </p:cNvPr>
-              <p:cNvSpPr>
-                <a:spLocks noGrp="1" noRot="1" noChangeAspect="1" noMove="1" noResize="1" noEditPoints="1" noAdjustHandles="1" noChangeArrowheads="1" noChangeShapeType="1" noTextEdit="1"/>
-              </p:cNvSpPr>
-              <p:nvPr>
-                <p:ph idx="1"/>
-              </p:nvPr>
-            </p:nvSpPr>
-            <p:spPr>
-              <a:xfrm>
-                <a:off x="838200" y="1825625"/>
-                <a:ext cx="10515600" cy="4667250"/>
-              </a:xfrm>
-              <a:blipFill>
-                <a:blip r:embed="rId2"/>
-                <a:stretch>
-                  <a:fillRect l="-1043" t="-2219" r="-870"/>
-                </a:stretch>
-              </a:blipFill>
-            </p:spPr>
-            <p:txBody>
-              <a:bodyPr/>
-              <a:lstStyle/>
-              <a:p>
-                <a:r>
-                  <a:rPr lang="en-GB">
-                    <a:noFill/>
-                  </a:rPr>
-                  <a:t> </a:t>
-                </a:r>
-              </a:p>
-            </p:txBody>
-          </p:sp>
-        </mc:Fallback>
-      </mc:AlternateContent>
+      <p:sp>
+        <p:nvSpPr>
+          <p:cNvPr id="3" name="Content Placeholder 2">
+            <a:extLst>
+              <a:ext uri="{FF2B5EF4-FFF2-40B4-BE49-F238E27FC236}">
+                <a16:creationId xmlns:a16="http://schemas.microsoft.com/office/drawing/2014/main" id="{59487891-7D1B-C8D2-C6A4-9AFDBFED05AB}"/>
+              </a:ext>
+            </a:extLst>
+          </p:cNvPr>
+          <p:cNvSpPr>
+            <a:spLocks noGrp="1"/>
+          </p:cNvSpPr>
+          <p:nvPr>
+            <p:ph idx="1"/>
+          </p:nvPr>
+        </p:nvSpPr>
+        <p:spPr/>
+        <p:txBody>
+          <a:bodyPr/>
+          <a:lstStyle/>
+          <a:p>
+            <a:r>
+              <a:rPr lang="en-GB" dirty="0"/>
+              <a:t>The protein we study is quite stable</a:t>
+            </a:r>
+          </a:p>
+          <a:p>
+            <a:r>
+              <a:rPr lang="en-GB" dirty="0"/>
+              <a:t>This means that k</a:t>
+            </a:r>
+            <a:r>
+              <a:rPr lang="en-GB" baseline="-25000" dirty="0"/>
+              <a:t>0</a:t>
+            </a:r>
+            <a:r>
+              <a:rPr lang="en-GB" dirty="0"/>
+              <a:t> has a very low value</a:t>
+            </a:r>
+          </a:p>
+          <a:p>
+            <a:r>
+              <a:rPr lang="en-GB" dirty="0"/>
+              <a:t>When we try estimate this value directly </a:t>
+            </a:r>
+            <a:r>
+              <a:rPr lang="en-GB" i="1" noProof="0" dirty="0" err="1">
+                <a:latin typeface="Consolas" panose="020B0609020204030204" pitchFamily="49" charset="0"/>
+              </a:rPr>
+              <a:t>nlparci</a:t>
+            </a:r>
+            <a:r>
+              <a:rPr lang="en-GB" i="1" noProof="0" dirty="0">
+                <a:latin typeface="Consolas" panose="020B0609020204030204" pitchFamily="49" charset="0"/>
+              </a:rPr>
+              <a:t> </a:t>
+            </a:r>
+            <a:r>
+              <a:rPr lang="en-GB" dirty="0"/>
+              <a:t>tends to give confidence intervals that include negative values.</a:t>
+            </a:r>
+          </a:p>
+          <a:p>
+            <a:r>
+              <a:rPr lang="en-GB" dirty="0"/>
+              <a:t>Negative values of k</a:t>
+            </a:r>
+            <a:r>
+              <a:rPr lang="en-GB" baseline="-25000" dirty="0"/>
+              <a:t>0</a:t>
+            </a:r>
+            <a:r>
+              <a:rPr lang="en-GB" dirty="0"/>
+              <a:t> do not make sense</a:t>
+            </a:r>
+          </a:p>
+          <a:p>
+            <a:r>
+              <a:rPr lang="en-GB" dirty="0"/>
+              <a:t>So instead, we try to fit the base 10 logarithm of k</a:t>
+            </a:r>
+            <a:r>
+              <a:rPr lang="en-GB" baseline="-25000" dirty="0"/>
+              <a:t>0</a:t>
+            </a:r>
+            <a:r>
+              <a:rPr lang="en-GB" dirty="0"/>
+              <a:t>: log10(k</a:t>
+            </a:r>
+            <a:r>
+              <a:rPr lang="en-GB" baseline="-25000" dirty="0"/>
+              <a:t>0</a:t>
+            </a:r>
+            <a:r>
+              <a:rPr lang="en-GB" dirty="0"/>
+              <a:t>).</a:t>
+            </a:r>
+          </a:p>
+          <a:p>
+            <a:r>
+              <a:rPr lang="en-GB" dirty="0"/>
+              <a:t>This is more well-behaved and gives reasonable (but sometimes wide) confidence intervals.</a:t>
+            </a:r>
+          </a:p>
+        </p:txBody>
+      </p:sp>
     </p:spTree>
     <p:extLst>
       <p:ext uri="{BB962C8B-B14F-4D97-AF65-F5344CB8AC3E}">
-        <p14:creationId xmlns:p14="http://schemas.microsoft.com/office/powerpoint/2010/main" val="1431006850"/>
+        <p14:creationId xmlns:p14="http://schemas.microsoft.com/office/powerpoint/2010/main" val="3375857641"/>
       </p:ext>
     </p:extLst>
   </p:cSld>

--- a/Summer school 2024/Fitting models to experiment.pptx
+++ b/Summer school 2024/Fitting models to experiment.pptx
@@ -34,7 +34,8 @@
     <p:sldId id="291" r:id="rId28"/>
     <p:sldId id="293" r:id="rId29"/>
     <p:sldId id="300" r:id="rId30"/>
-    <p:sldId id="272" r:id="rId31"/>
+    <p:sldId id="304" r:id="rId31"/>
+    <p:sldId id="272" r:id="rId32"/>
   </p:sldIdLst>
   <p:sldSz cx="12192000" cy="6858000"/>
   <p:notesSz cx="6858000" cy="9144000"/>
@@ -144,7 +145,7 @@
 <file path=ppt/revisionInfo.xml><?xml version="1.0" encoding="utf-8"?>
 <p1510:revInfo xmlns:a="http://schemas.openxmlformats.org/drawingml/2006/main" xmlns:r="http://schemas.openxmlformats.org/officeDocument/2006/relationships" xmlns:p1510="http://schemas.microsoft.com/office/powerpoint/2015/10/main">
   <p1510:revLst>
-    <p1510:client id="{A2A0FB29-CAE9-497C-B8D2-564947ACC0B1}" v="50" dt="2024-12-09T16:44:03.144"/>
+    <p1510:client id="{A2A0FB29-CAE9-497C-B8D2-564947ACC0B1}" v="252" dt="2024-12-10T00:04:36.019"/>
   </p1510:revLst>
 </p1510:revInfo>
 </file>
@@ -1454,8 +1455,8 @@
   </pc:docChgLst>
   <pc:docChgLst>
     <pc:chgData name="Are Mjaavatten" userId="00bb58f78e5d171c" providerId="LiveId" clId="{A2A0FB29-CAE9-497C-B8D2-564947ACC0B1}"/>
-    <pc:docChg chg="custSel modSld">
-      <pc:chgData name="Are Mjaavatten" userId="00bb58f78e5d171c" providerId="LiveId" clId="{A2A0FB29-CAE9-497C-B8D2-564947ACC0B1}" dt="2024-12-09T16:46:21.448" v="56" actId="1076"/>
+    <pc:docChg chg="custSel addSld delSld modSld">
+      <pc:chgData name="Are Mjaavatten" userId="00bb58f78e5d171c" providerId="LiveId" clId="{A2A0FB29-CAE9-497C-B8D2-564947ACC0B1}" dt="2024-12-10T00:09:47.080" v="531" actId="12"/>
       <pc:docMkLst>
         <pc:docMk/>
       </pc:docMkLst>
@@ -1475,6 +1476,21 @@
         </pc:spChg>
       </pc:sldChg>
       <pc:sldChg chg="modSp mod">
+        <pc:chgData name="Are Mjaavatten" userId="00bb58f78e5d171c" providerId="LiveId" clId="{A2A0FB29-CAE9-497C-B8D2-564947ACC0B1}" dt="2024-12-09T23:21:32.910" v="171" actId="20577"/>
+        <pc:sldMkLst>
+          <pc:docMk/>
+          <pc:sldMk cId="362123717" sldId="258"/>
+        </pc:sldMkLst>
+        <pc:spChg chg="mod">
+          <ac:chgData name="Are Mjaavatten" userId="00bb58f78e5d171c" providerId="LiveId" clId="{A2A0FB29-CAE9-497C-B8D2-564947ACC0B1}" dt="2024-12-09T23:21:32.910" v="171" actId="20577"/>
+          <ac:spMkLst>
+            <pc:docMk/>
+            <pc:sldMk cId="362123717" sldId="258"/>
+            <ac:spMk id="3" creationId="{3D1B4C69-FA74-9842-23A2-B35D47C2E96D}"/>
+          </ac:spMkLst>
+        </pc:spChg>
+      </pc:sldChg>
+      <pc:sldChg chg="modSp mod">
         <pc:chgData name="Are Mjaavatten" userId="00bb58f78e5d171c" providerId="LiveId" clId="{A2A0FB29-CAE9-497C-B8D2-564947ACC0B1}" dt="2024-12-09T16:44:03.141" v="51" actId="108"/>
         <pc:sldMkLst>
           <pc:docMk/>
@@ -1486,6 +1502,89 @@
             <pc:docMk/>
             <pc:sldMk cId="4070365475" sldId="259"/>
             <ac:spMk id="3" creationId="{A2D91A46-1675-62B4-9C53-7BB1ED187C1C}"/>
+          </ac:spMkLst>
+        </pc:spChg>
+      </pc:sldChg>
+      <pc:sldChg chg="modSp mod">
+        <pc:chgData name="Are Mjaavatten" userId="00bb58f78e5d171c" providerId="LiveId" clId="{A2A0FB29-CAE9-497C-B8D2-564947ACC0B1}" dt="2024-12-09T23:33:43.383" v="246"/>
+        <pc:sldMkLst>
+          <pc:docMk/>
+          <pc:sldMk cId="1796341822" sldId="266"/>
+        </pc:sldMkLst>
+        <pc:spChg chg="mod">
+          <ac:chgData name="Are Mjaavatten" userId="00bb58f78e5d171c" providerId="LiveId" clId="{A2A0FB29-CAE9-497C-B8D2-564947ACC0B1}" dt="2024-12-09T23:33:43.383" v="246"/>
+          <ac:spMkLst>
+            <pc:docMk/>
+            <pc:sldMk cId="1796341822" sldId="266"/>
+            <ac:spMk id="3" creationId="{ED777C92-2CBA-60F7-BEB7-B01BE9EC6A28}"/>
+          </ac:spMkLst>
+        </pc:spChg>
+      </pc:sldChg>
+      <pc:sldChg chg="modSp add del mod">
+        <pc:chgData name="Are Mjaavatten" userId="00bb58f78e5d171c" providerId="LiveId" clId="{A2A0FB29-CAE9-497C-B8D2-564947ACC0B1}" dt="2024-12-10T00:05:25.337" v="420" actId="20577"/>
+        <pc:sldMkLst>
+          <pc:docMk/>
+          <pc:sldMk cId="2564987816" sldId="275"/>
+        </pc:sldMkLst>
+        <pc:spChg chg="mod">
+          <ac:chgData name="Are Mjaavatten" userId="00bb58f78e5d171c" providerId="LiveId" clId="{A2A0FB29-CAE9-497C-B8D2-564947ACC0B1}" dt="2024-12-10T00:05:25.337" v="420" actId="20577"/>
+          <ac:spMkLst>
+            <pc:docMk/>
+            <pc:sldMk cId="2564987816" sldId="275"/>
+            <ac:spMk id="3" creationId="{812682DB-2C75-0AAA-4D27-7DCE81A3558F}"/>
+          </ac:spMkLst>
+        </pc:spChg>
+      </pc:sldChg>
+      <pc:sldChg chg="modSp mod">
+        <pc:chgData name="Are Mjaavatten" userId="00bb58f78e5d171c" providerId="LiveId" clId="{A2A0FB29-CAE9-497C-B8D2-564947ACC0B1}" dt="2024-12-10T00:09:47.080" v="531" actId="12"/>
+        <pc:sldMkLst>
+          <pc:docMk/>
+          <pc:sldMk cId="1316731880" sldId="290"/>
+        </pc:sldMkLst>
+        <pc:spChg chg="mod">
+          <ac:chgData name="Are Mjaavatten" userId="00bb58f78e5d171c" providerId="LiveId" clId="{A2A0FB29-CAE9-497C-B8D2-564947ACC0B1}" dt="2024-12-10T00:09:47.080" v="531" actId="12"/>
+          <ac:spMkLst>
+            <pc:docMk/>
+            <pc:sldMk cId="1316731880" sldId="290"/>
+            <ac:spMk id="3" creationId="{146B1BDC-14E9-C6BA-F8C8-E95FD0ED05F2}"/>
+          </ac:spMkLst>
+        </pc:spChg>
+      </pc:sldChg>
+      <pc:sldChg chg="modSp mod">
+        <pc:chgData name="Are Mjaavatten" userId="00bb58f78e5d171c" providerId="LiveId" clId="{A2A0FB29-CAE9-497C-B8D2-564947ACC0B1}" dt="2024-12-09T23:53:32.528" v="260" actId="20577"/>
+        <pc:sldMkLst>
+          <pc:docMk/>
+          <pc:sldMk cId="3294353835" sldId="291"/>
+        </pc:sldMkLst>
+        <pc:spChg chg="mod">
+          <ac:chgData name="Are Mjaavatten" userId="00bb58f78e5d171c" providerId="LiveId" clId="{A2A0FB29-CAE9-497C-B8D2-564947ACC0B1}" dt="2024-12-09T23:53:32.528" v="260" actId="20577"/>
+          <ac:spMkLst>
+            <pc:docMk/>
+            <pc:sldMk cId="3294353835" sldId="291"/>
+            <ac:spMk id="3" creationId="{5C161252-FC03-F43C-1D35-4218E945C7B2}"/>
+          </ac:spMkLst>
+        </pc:spChg>
+        <pc:spChg chg="mod">
+          <ac:chgData name="Are Mjaavatten" userId="00bb58f78e5d171c" providerId="LiveId" clId="{A2A0FB29-CAE9-497C-B8D2-564947ACC0B1}" dt="2024-12-09T23:53:12.240" v="252" actId="20577"/>
+          <ac:spMkLst>
+            <pc:docMk/>
+            <pc:sldMk cId="3294353835" sldId="291"/>
+            <ac:spMk id="4" creationId="{6CCE3858-B7E9-B68C-BFB3-43AACC30AFA4}"/>
+          </ac:spMkLst>
+        </pc:spChg>
+      </pc:sldChg>
+      <pc:sldChg chg="modSp">
+        <pc:chgData name="Are Mjaavatten" userId="00bb58f78e5d171c" providerId="LiveId" clId="{A2A0FB29-CAE9-497C-B8D2-564947ACC0B1}" dt="2024-12-09T23:32:06.895" v="242" actId="20577"/>
+        <pc:sldMkLst>
+          <pc:docMk/>
+          <pc:sldMk cId="1431006850" sldId="295"/>
+        </pc:sldMkLst>
+        <pc:spChg chg="mod">
+          <ac:chgData name="Are Mjaavatten" userId="00bb58f78e5d171c" providerId="LiveId" clId="{A2A0FB29-CAE9-497C-B8D2-564947ACC0B1}" dt="2024-12-09T23:32:06.895" v="242" actId="20577"/>
+          <ac:spMkLst>
+            <pc:docMk/>
+            <pc:sldMk cId="1431006850" sldId="295"/>
+            <ac:spMk id="3" creationId="{AAEE925E-CD5F-1DD7-2693-866309162CB1}"/>
           </ac:spMkLst>
         </pc:spChg>
       </pc:sldChg>
@@ -1503,6 +1602,45 @@
             <ac:spMk id="3" creationId="{FEF114A5-B11F-AA9B-2A2A-48439BC30808}"/>
           </ac:spMkLst>
         </pc:spChg>
+      </pc:sldChg>
+      <pc:sldChg chg="addSp delSp modSp new mod modClrScheme chgLayout">
+        <pc:chgData name="Are Mjaavatten" userId="00bb58f78e5d171c" providerId="LiveId" clId="{A2A0FB29-CAE9-497C-B8D2-564947ACC0B1}" dt="2024-12-09T21:28:32.962" v="145" actId="14100"/>
+        <pc:sldMkLst>
+          <pc:docMk/>
+          <pc:sldMk cId="959544088" sldId="304"/>
+        </pc:sldMkLst>
+        <pc:spChg chg="mod ord">
+          <ac:chgData name="Are Mjaavatten" userId="00bb58f78e5d171c" providerId="LiveId" clId="{A2A0FB29-CAE9-497C-B8D2-564947ACC0B1}" dt="2024-12-09T21:27:00.289" v="84" actId="700"/>
+          <ac:spMkLst>
+            <pc:docMk/>
+            <pc:sldMk cId="959544088" sldId="304"/>
+            <ac:spMk id="2" creationId="{3B6F256B-A514-CAC7-0B50-7A90887240D9}"/>
+          </ac:spMkLst>
+        </pc:spChg>
+        <pc:spChg chg="del">
+          <ac:chgData name="Are Mjaavatten" userId="00bb58f78e5d171c" providerId="LiveId" clId="{A2A0FB29-CAE9-497C-B8D2-564947ACC0B1}" dt="2024-12-09T21:27:00.289" v="84" actId="700"/>
+          <ac:spMkLst>
+            <pc:docMk/>
+            <pc:sldMk cId="959544088" sldId="304"/>
+            <ac:spMk id="3" creationId="{A8C74C03-F50B-A8A1-1EDB-665F96697BF2}"/>
+          </ac:spMkLst>
+        </pc:spChg>
+        <pc:picChg chg="add mod">
+          <ac:chgData name="Are Mjaavatten" userId="00bb58f78e5d171c" providerId="LiveId" clId="{A2A0FB29-CAE9-497C-B8D2-564947ACC0B1}" dt="2024-12-09T21:28:32.962" v="145" actId="14100"/>
+          <ac:picMkLst>
+            <pc:docMk/>
+            <pc:sldMk cId="959544088" sldId="304"/>
+            <ac:picMk id="5" creationId="{62E2E94D-BC8C-9CD7-8946-620A37E4150B}"/>
+          </ac:picMkLst>
+        </pc:picChg>
+        <pc:picChg chg="add mod">
+          <ac:chgData name="Are Mjaavatten" userId="00bb58f78e5d171c" providerId="LiveId" clId="{A2A0FB29-CAE9-497C-B8D2-564947ACC0B1}" dt="2024-12-09T21:28:19.660" v="119" actId="1036"/>
+          <ac:picMkLst>
+            <pc:docMk/>
+            <pc:sldMk cId="959544088" sldId="304"/>
+            <ac:picMk id="7" creationId="{A68E4B3C-8C5D-987C-A47F-C073915AAFF6}"/>
+          </ac:picMkLst>
+        </pc:picChg>
       </pc:sldChg>
     </pc:docChg>
   </pc:docChgLst>
@@ -4922,8 +5060,8 @@
           </a:p>
         </p:txBody>
       </p:sp>
-      <mc:AlternateContent xmlns:mc="http://schemas.openxmlformats.org/markup-compatibility/2006" xmlns:a14="http://schemas.microsoft.com/office/drawing/2010/main">
-        <mc:Choice Requires="a14">
+      <mc:AlternateContent xmlns:mc="http://schemas.openxmlformats.org/markup-compatibility/2006">
+        <mc:Choice xmlns:a14="http://schemas.microsoft.com/office/drawing/2010/main" Requires="a14">
           <p:sp>
             <p:nvSpPr>
               <p:cNvPr id="3" name="Content Placeholder 2">
@@ -5063,7 +5201,15 @@
                 <a:pPr lvl="1"/>
                 <a:r>
                   <a:rPr lang="en-GB" noProof="0" dirty="0"/>
-                  <a:t>We simplify by assuming the parameter value follows a normal distribution.  The interval from –1.96 to 1.96 standard deviations contains 95% of the cumulative normal distribution.  Thus, the standard deviation is </a:t>
+                  <a:t>We simplify by assuming the parameter value follows a normal distribution.  The interval from –1.96 to 1.96 standard deviations contains 95% of the </a:t>
+                </a:r>
+                <a:r>
+                  <a:rPr lang="en-GB" dirty="0"/>
+                  <a:t>area under the normal distribution curve</a:t>
+                </a:r>
+                <a:r>
+                  <a:rPr lang="en-GB" noProof="0" dirty="0"/>
+                  <a:t>.  Thus, the standard deviation is </a:t>
                 </a:r>
                 <a:br>
                   <a:rPr lang="en-GB" noProof="0" dirty="0"/>
@@ -5193,7 +5339,7 @@
             </p:txBody>
           </p:sp>
         </mc:Choice>
-        <mc:Fallback xmlns="">
+        <mc:Fallback>
           <p:sp>
             <p:nvSpPr>
               <p:cNvPr id="3" name="Content Placeholder 2">
@@ -5522,8 +5668,8 @@
           </a:p>
         </p:txBody>
       </p:sp>
-      <mc:AlternateContent xmlns:mc="http://schemas.openxmlformats.org/markup-compatibility/2006" xmlns:a14="http://schemas.microsoft.com/office/drawing/2010/main">
-        <mc:Choice Requires="a14">
+      <mc:AlternateContent xmlns:mc="http://schemas.openxmlformats.org/markup-compatibility/2006">
+        <mc:Choice xmlns:a14="http://schemas.microsoft.com/office/drawing/2010/main" Requires="a14">
           <p:sp>
             <p:nvSpPr>
               <p:cNvPr id="3" name="Content Placeholder 2">
@@ -5560,14 +5706,7 @@
                 </a:r>
                 <a:r>
                   <a:rPr lang="en-GB" noProof="0" dirty="0"/>
-                  <a:t> is the distance  from the equilibrium position to the barrier </a:t>
-                </a:r>
-                <a:br>
-                  <a:rPr lang="en-GB" noProof="0" dirty="0"/>
-                </a:br>
-                <a:r>
-                  <a:rPr lang="en-GB" noProof="0" dirty="0"/>
-                  <a:t>at F = 0.  </a:t>
+                  <a:t> is the distance  from the equilibrium position at F = 0 to the barrier.  </a:t>
                 </a:r>
               </a:p>
               <a:p>
@@ -5777,7 +5916,7 @@
             </p:txBody>
           </p:sp>
         </mc:Choice>
-        <mc:Fallback xmlns="">
+        <mc:Fallback>
           <p:sp>
             <p:nvSpPr>
               <p:cNvPr id="3" name="Content Placeholder 2">
@@ -7767,7 +7906,9 @@
         </p:nvSpPr>
         <p:spPr/>
         <p:txBody>
-          <a:bodyPr/>
+          <a:bodyPr>
+            <a:normAutofit/>
+          </a:bodyPr>
           <a:lstStyle/>
           <a:p>
             <a:r>
@@ -7810,12 +7951,8 @@
               <a:t>Dudko</a:t>
             </a:r>
             <a:r>
-              <a:rPr lang="en-GB" noProof="0"/>
-              <a:t>) </a:t>
-            </a:r>
-            <a:r>
               <a:rPr lang="en-GB" noProof="0" dirty="0"/>
-              <a:t>model</a:t>
+              <a:t>) model</a:t>
             </a:r>
           </a:p>
           <a:p>
@@ -7832,10 +7969,17 @@
             </a:r>
           </a:p>
           <a:p>
-            <a:endParaRPr lang="en-GB" noProof="0" dirty="0"/>
-          </a:p>
-          <a:p>
-            <a:endParaRPr lang="en-GB" noProof="0" dirty="0"/>
+            <a:pPr lvl="1"/>
+            <a:endParaRPr lang="en-GB" dirty="0"/>
+          </a:p>
+          <a:p>
+            <a:pPr marL="457200" lvl="1" indent="0">
+              <a:buNone/>
+            </a:pPr>
+            <a:r>
+              <a:rPr lang="en-GB" noProof="0" dirty="0"/>
+              <a:t>I use the files in Summer School/Testfiles.zip as an example</a:t>
+            </a:r>
           </a:p>
         </p:txBody>
       </p:sp>
@@ -9756,8 +9900,8 @@
           </a:p>
         </p:txBody>
       </p:sp>
-      <mc:AlternateContent xmlns:mc="http://schemas.openxmlformats.org/markup-compatibility/2006" xmlns:a14="http://schemas.microsoft.com/office/drawing/2010/main">
-        <mc:Choice Requires="a14">
+      <mc:AlternateContent xmlns:mc="http://schemas.openxmlformats.org/markup-compatibility/2006">
+        <mc:Choice xmlns:a14="http://schemas.microsoft.com/office/drawing/2010/main" Requires="a14">
           <p:sp>
             <p:nvSpPr>
               <p:cNvPr id="3" name="Content Placeholder 2">
@@ -9833,7 +9977,7 @@
                 </a14:m>
                 <a:r>
                   <a:rPr lang="en-GB" sz="3600" noProof="0" dirty="0"/>
-                  <a:t> may create problems for the fitting process because it my vary by orders of magnitude</a:t>
+                  <a:t> may create problems for the fitting process because it my vary by orders of magnitude, so we use the base 10 logarithm.</a:t>
                 </a:r>
                 <a:br>
                   <a:rPr lang="en-GB" sz="3600" noProof="0" dirty="0"/>
@@ -9843,7 +9987,7 @@
               <a:p>
                 <a:r>
                   <a:rPr lang="en-GB" sz="3600" noProof="0" dirty="0"/>
-                  <a:t>To improve robustness, we replace it by the base 10 logarithm lg.  The parameters are then dx =</a:t>
+                  <a:t>The parameters are then dx =</a:t>
                 </a:r>
                 <a14:m>
                   <m:oMath xmlns:m="http://schemas.openxmlformats.org/officeDocument/2006/math">
@@ -9885,7 +10029,7 @@
                 </a14:m>
                 <a:r>
                   <a:rPr lang="en-GB" sz="3600" noProof="0" dirty="0"/>
-                  <a:t> and lgk0 = </a:t>
+                  <a:t> and log10k0 = </a:t>
                 </a:r>
                 <a14:m>
                   <m:oMath xmlns:m="http://schemas.openxmlformats.org/officeDocument/2006/math">
@@ -9902,10 +10046,16 @@
                           <m:rPr>
                             <m:sty m:val="p"/>
                           </m:rPr>
-                          <a:rPr lang="en-GB" sz="3600" b="0" i="0" noProof="0" smtClean="0">
+                          <a:rPr lang="nb-NO" sz="3600" b="0" i="0" noProof="0" smtClean="0">
                             <a:latin typeface="Cambria Math" panose="02040503050406030204" pitchFamily="18" charset="0"/>
                           </a:rPr>
-                          <m:t>lg</m:t>
+                          <m:t>log</m:t>
+                        </m:r>
+                        <m:r>
+                          <a:rPr lang="nb-NO" sz="3600" b="0" i="0" noProof="0" smtClean="0">
+                            <a:latin typeface="Cambria Math" panose="02040503050406030204" pitchFamily="18" charset="0"/>
+                          </a:rPr>
+                          <m:t>10</m:t>
                         </m:r>
                       </m:fName>
                       <m:e>
@@ -10007,19 +10157,7 @@
                   <a:rPr lang="en-GB" sz="3800" noProof="0" dirty="0">
                     <a:latin typeface="Consolas" panose="020B0609020204030204" pitchFamily="49" charset="0"/>
                   </a:rPr>
-                  <a:t> </a:t>
-                </a:r>
-                <a:r>
-                  <a:rPr lang="en-GB" sz="3800" noProof="0">
-                    <a:latin typeface="Consolas" panose="020B0609020204030204" pitchFamily="49" charset="0"/>
-                  </a:rPr>
-                  <a:t>and dx </a:t>
-                </a:r>
-                <a:r>
-                  <a:rPr lang="en-GB" sz="3800" noProof="0" dirty="0">
-                    <a:latin typeface="Consolas" panose="020B0609020204030204" pitchFamily="49" charset="0"/>
-                  </a:rPr>
-                  <a:t>= </a:t>
+                  <a:t> and dx = </a:t>
                 </a:r>
                 <a14:m>
                   <m:oMath xmlns:m="http://schemas.openxmlformats.org/officeDocument/2006/math">
@@ -10076,7 +10214,31 @@
                   <a:rPr lang="en-GB" sz="3200" noProof="0" dirty="0">
                     <a:latin typeface="Consolas" panose="020B0609020204030204" pitchFamily="49" charset="0"/>
                   </a:rPr>
-                  <a:t>dx0 = 2;lgk0 = -3; theta0 = [dx0;lgk0];</a:t>
+                  <a:t>dx0 = 2;</a:t>
+                </a:r>
+                <a:r>
+                  <a:rPr lang="en-GB" sz="3200" dirty="0">
+                    <a:latin typeface="Consolas" panose="020B0609020204030204" pitchFamily="49" charset="0"/>
+                  </a:rPr>
+                  <a:t>log10</a:t>
+                </a:r>
+                <a:r>
+                  <a:rPr lang="en-GB" sz="3200" noProof="0" dirty="0">
+                    <a:latin typeface="Consolas" panose="020B0609020204030204" pitchFamily="49" charset="0"/>
+                  </a:rPr>
+                  <a:t>k0 = -3; theta0 = [dx0;</a:t>
+                </a:r>
+                <a:r>
+                  <a:rPr lang="en-GB" sz="3200" dirty="0">
+                    <a:latin typeface="Consolas" panose="020B0609020204030204" pitchFamily="49" charset="0"/>
+                  </a:rPr>
+                  <a:t>log10</a:t>
+                </a:r>
+                <a:r>
+                  <a:rPr lang="en-GB" sz="3200" noProof="0" dirty="0">
+                    <a:latin typeface="Consolas" panose="020B0609020204030204" pitchFamily="49" charset="0"/>
+                  </a:rPr>
+                  <a:t>k0];</a:t>
                 </a:r>
                 <a:br>
                   <a:rPr lang="en-GB" sz="2900" noProof="0" dirty="0">
@@ -10113,7 +10275,31 @@
                   <a:rPr lang="en-GB" sz="3200" noProof="0" dirty="0">
                     <a:latin typeface="Consolas" panose="020B0609020204030204" pitchFamily="49" charset="0"/>
                   </a:rPr>
-                  <a:t>dG0 = 80;dx0 = 2;lgk0 = -3; theta0 = [dG0;dx0;lgk0];</a:t>
+                  <a:t>dG0 = 80;dx0 = 2;</a:t>
+                </a:r>
+                <a:r>
+                  <a:rPr lang="en-GB" sz="3200" dirty="0">
+                    <a:latin typeface="Consolas" panose="020B0609020204030204" pitchFamily="49" charset="0"/>
+                  </a:rPr>
+                  <a:t>log10</a:t>
+                </a:r>
+                <a:r>
+                  <a:rPr lang="en-GB" sz="3200" noProof="0" dirty="0">
+                    <a:latin typeface="Consolas" panose="020B0609020204030204" pitchFamily="49" charset="0"/>
+                  </a:rPr>
+                  <a:t>k0 = -3; theta0 = [dG0;dx0;</a:t>
+                </a:r>
+                <a:r>
+                  <a:rPr lang="en-GB" sz="3200" dirty="0">
+                    <a:latin typeface="Consolas" panose="020B0609020204030204" pitchFamily="49" charset="0"/>
+                  </a:rPr>
+                  <a:t>log10</a:t>
+                </a:r>
+                <a:r>
+                  <a:rPr lang="en-GB" sz="3200" noProof="0" dirty="0">
+                    <a:latin typeface="Consolas" panose="020B0609020204030204" pitchFamily="49" charset="0"/>
+                  </a:rPr>
+                  <a:t>k0];</a:t>
                 </a:r>
               </a:p>
               <a:p>
@@ -10146,7 +10332,7 @@
             </p:txBody>
           </p:sp>
         </mc:Choice>
-        <mc:Fallback xmlns="">
+        <mc:Fallback>
           <p:sp>
             <p:nvSpPr>
               <p:cNvPr id="3" name="Content Placeholder 2">
@@ -10432,14 +10618,13 @@
                 <a:effectLst/>
                 <a:latin typeface="Consolas" panose="020B0609020204030204" pitchFamily="49" charset="0"/>
               </a:rPr>
-              <a:t>("</a:t>
-            </a:r>
-            <a:r>
-              <a:rPr lang="en-GB" sz="1800" b="0" i="0" noProof="0" dirty="0" err="1">
-                <a:effectLst/>
+              <a:t>(“</a:t>
+            </a:r>
+            <a:r>
+              <a:rPr lang="en-GB" sz="1800" dirty="0">
                 <a:latin typeface="Consolas" panose="020B0609020204030204" pitchFamily="49" charset="0"/>
               </a:rPr>
-              <a:t>lg</a:t>
+              <a:t>log10</a:t>
             </a:r>
             <a:r>
               <a:rPr lang="en-GB" sz="1800" b="0" i="0" noProof="0" dirty="0">
@@ -10553,7 +10738,7 @@
           <a:p>
             <a:pPr lvl="1"/>
             <a:r>
-              <a:rPr lang="nn-NO" sz="1800" b="0" i="0">
+              <a:rPr lang="nn-NO" sz="1800" b="0" i="0" dirty="0">
                 <a:effectLst/>
                 <a:latin typeface="Consolas" panose="020B0609020204030204" pitchFamily="49" charset="0"/>
               </a:rPr>
@@ -10563,11 +10748,11 @@
           <a:p>
             <a:pPr lvl="1"/>
             <a:r>
-              <a:rPr lang="nn-NO" sz="1800" b="0" i="0">
+              <a:rPr lang="nn-NO" sz="1800" b="0" i="0" dirty="0">
                 <a:effectLst/>
                 <a:latin typeface="Consolas" panose="020B0609020204030204" pitchFamily="49" charset="0"/>
               </a:rPr>
-              <a:t>lg(k0) = -1.92  ± 0.15</a:t>
+              <a:t>lpg10(k0) = -1.92  ± 0.15</a:t>
             </a:r>
             <a:endParaRPr lang="en-GB" sz="1800" b="0" i="0" dirty="0">
               <a:effectLst/>
@@ -11202,8 +11387,8 @@
           </a:p>
         </p:txBody>
       </p:sp>
-      <mc:AlternateContent xmlns:mc="http://schemas.openxmlformats.org/markup-compatibility/2006">
-        <mc:Choice xmlns:a14="http://schemas.microsoft.com/office/drawing/2010/main" Requires="a14">
+      <mc:AlternateContent xmlns:mc="http://schemas.openxmlformats.org/markup-compatibility/2006" xmlns:a14="http://schemas.microsoft.com/office/drawing/2010/main">
+        <mc:Choice Requires="a14">
           <p:sp>
             <p:nvSpPr>
               <p:cNvPr id="3" name="Content Placeholder 2">
@@ -11385,7 +11570,7 @@
             </p:txBody>
           </p:sp>
         </mc:Choice>
-        <mc:Fallback>
+        <mc:Fallback xmlns="">
           <p:sp>
             <p:nvSpPr>
               <p:cNvPr id="3" name="Content Placeholder 2">
@@ -11460,6 +11645,133 @@
           <p:cNvPr id="2" name="Title 1">
             <a:extLst>
               <a:ext uri="{FF2B5EF4-FFF2-40B4-BE49-F238E27FC236}">
+                <a16:creationId xmlns:a16="http://schemas.microsoft.com/office/drawing/2014/main" id="{3B6F256B-A514-CAC7-0B50-7A90887240D9}"/>
+              </a:ext>
+            </a:extLst>
+          </p:cNvPr>
+          <p:cNvSpPr>
+            <a:spLocks noGrp="1"/>
+          </p:cNvSpPr>
+          <p:nvPr>
+            <p:ph type="title"/>
+          </p:nvPr>
+        </p:nvSpPr>
+        <p:spPr/>
+        <p:txBody>
+          <a:bodyPr/>
+          <a:lstStyle/>
+          <a:p>
+            <a:r>
+              <a:rPr lang="en-GB" dirty="0" err="1"/>
+              <a:t>Comparing</a:t>
+            </a:r>
+            <a:r>
+              <a:rPr lang="en-GB" dirty="0"/>
+              <a:t> Bell and </a:t>
+            </a:r>
+            <a:r>
+              <a:rPr lang="en-GB" dirty="0" err="1"/>
+              <a:t>Dudko</a:t>
+            </a:r>
+            <a:endParaRPr lang="en-GB" dirty="0"/>
+          </a:p>
+        </p:txBody>
+      </p:sp>
+      <p:pic>
+        <p:nvPicPr>
+          <p:cNvPr id="5" name="Picture 4">
+            <a:extLst>
+              <a:ext uri="{FF2B5EF4-FFF2-40B4-BE49-F238E27FC236}">
+                <a16:creationId xmlns:a16="http://schemas.microsoft.com/office/drawing/2014/main" id="{62E2E94D-BC8C-9CD7-8946-620A37E4150B}"/>
+              </a:ext>
+            </a:extLst>
+          </p:cNvPr>
+          <p:cNvPicPr>
+            <a:picLocks noChangeAspect="1"/>
+          </p:cNvPicPr>
+          <p:nvPr/>
+        </p:nvPicPr>
+        <p:blipFill>
+          <a:blip r:embed="rId2"/>
+          <a:stretch>
+            <a:fillRect/>
+          </a:stretch>
+        </p:blipFill>
+        <p:spPr>
+          <a:xfrm>
+            <a:off x="524957" y="1825746"/>
+            <a:ext cx="5937879" cy="4528753"/>
+          </a:xfrm>
+          <a:prstGeom prst="rect">
+            <a:avLst/>
+          </a:prstGeom>
+        </p:spPr>
+      </p:pic>
+      <p:pic>
+        <p:nvPicPr>
+          <p:cNvPr id="7" name="Picture 6">
+            <a:extLst>
+              <a:ext uri="{FF2B5EF4-FFF2-40B4-BE49-F238E27FC236}">
+                <a16:creationId xmlns:a16="http://schemas.microsoft.com/office/drawing/2014/main" id="{A68E4B3C-8C5D-987C-A47F-C073915AAFF6}"/>
+              </a:ext>
+            </a:extLst>
+          </p:cNvPr>
+          <p:cNvPicPr>
+            <a:picLocks noChangeAspect="1"/>
+          </p:cNvPicPr>
+          <p:nvPr/>
+        </p:nvPicPr>
+        <p:blipFill>
+          <a:blip r:embed="rId3"/>
+          <a:stretch>
+            <a:fillRect/>
+          </a:stretch>
+        </p:blipFill>
+        <p:spPr>
+          <a:xfrm>
+            <a:off x="6327132" y="1825746"/>
+            <a:ext cx="5973264" cy="4492222"/>
+          </a:xfrm>
+          <a:prstGeom prst="rect">
+            <a:avLst/>
+          </a:prstGeom>
+        </p:spPr>
+      </p:pic>
+    </p:spTree>
+    <p:extLst>
+      <p:ext uri="{BB962C8B-B14F-4D97-AF65-F5344CB8AC3E}">
+        <p14:creationId xmlns:p14="http://schemas.microsoft.com/office/powerpoint/2010/main" val="959544088"/>
+      </p:ext>
+    </p:extLst>
+  </p:cSld>
+  <p:clrMapOvr>
+    <a:masterClrMapping/>
+  </p:clrMapOvr>
+</p:sld>
+</file>
+
+<file path=ppt/slides/slide31.xml><?xml version="1.0" encoding="utf-8"?>
+<p:sld xmlns:a="http://schemas.openxmlformats.org/drawingml/2006/main" xmlns:r="http://schemas.openxmlformats.org/officeDocument/2006/relationships" xmlns:p="http://schemas.openxmlformats.org/presentationml/2006/main">
+  <p:cSld>
+    <p:spTree>
+      <p:nvGrpSpPr>
+        <p:cNvPr id="1" name=""/>
+        <p:cNvGrpSpPr/>
+        <p:nvPr/>
+      </p:nvGrpSpPr>
+      <p:grpSpPr>
+        <a:xfrm>
+          <a:off x="0" y="0"/>
+          <a:ext cx="0" cy="0"/>
+          <a:chOff x="0" y="0"/>
+          <a:chExt cx="0" cy="0"/>
+        </a:xfrm>
+      </p:grpSpPr>
+      <p:sp>
+        <p:nvSpPr>
+          <p:cNvPr id="2" name="Title 1">
+            <a:extLst>
+              <a:ext uri="{FF2B5EF4-FFF2-40B4-BE49-F238E27FC236}">
                 <a16:creationId xmlns:a16="http://schemas.microsoft.com/office/drawing/2014/main" id="{1275AA58-4F65-30CA-FCF3-EFDFE222A80A}"/>
               </a:ext>
             </a:extLst>
@@ -11526,15 +11838,7 @@
           <a:p>
             <a:r>
               <a:rPr lang="en-GB" noProof="0" dirty="0"/>
-              <a:t>Force</a:t>
-            </a:r>
-            <a:r>
-              <a:rPr lang="en-GB" noProof="0"/>
-              <a:t>: 1pN </a:t>
-            </a:r>
-            <a:r>
-              <a:rPr lang="en-GB" noProof="0" dirty="0"/>
-              <a:t>= 10</a:t>
+              <a:t>Force: 1pN = 10</a:t>
             </a:r>
             <a:r>
               <a:rPr lang="en-GB" baseline="30000" noProof="0" dirty="0"/>
@@ -11768,7 +12072,7 @@
           <a:p>
             <a:r>
               <a:rPr lang="en-GB" noProof="0" dirty="0"/>
-              <a:t>If we have recorded the rip force for many events with similar parameters, we can count the number of rips inside force intervals (force bins) and create a histogram.</a:t>
+              <a:t>If we have recorded the rip force for many events, we can count the number of rips inside force intervals (force bins) and create a histogram.</a:t>
             </a:r>
           </a:p>
           <a:p>
@@ -12109,8 +12413,8 @@
           </a:p>
         </p:txBody>
       </p:sp>
-      <mc:AlternateContent xmlns:mc="http://schemas.openxmlformats.org/markup-compatibility/2006">
-        <mc:Choice xmlns:a14="http://schemas.microsoft.com/office/drawing/2010/main" Requires="a14">
+      <mc:AlternateContent xmlns:mc="http://schemas.openxmlformats.org/markup-compatibility/2006" xmlns:a14="http://schemas.microsoft.com/office/drawing/2010/main">
+        <mc:Choice Requires="a14">
           <p:sp>
             <p:nvSpPr>
               <p:cNvPr id="3" name="Content Placeholder 2">
@@ -12800,7 +13104,7 @@
                   </m:oMath>
                 </a14:m>
                 <a:r>
-                  <a:rPr lang="nb-NO" sz="2000" kern="100" noProof="0" dirty="0">
+                  <a:rPr lang="en-GB" sz="2000" kern="100" noProof="0" dirty="0">
                     <a:effectLst/>
                     <a:latin typeface="Aptos" panose="020B0004020202020204" pitchFamily="34" charset="0"/>
                     <a:ea typeface="Aptos" panose="020B0004020202020204" pitchFamily="34" charset="0"/>
@@ -12814,7 +13118,7 @@
                   <a:buNone/>
                 </a:pPr>
                 <a:br>
-                  <a:rPr lang="nb-NO" sz="2000" kern="100" noProof="0" dirty="0">
+                  <a:rPr lang="en-GB" sz="2000" kern="100" noProof="0" dirty="0">
                     <a:effectLst/>
                     <a:latin typeface="Aptos" panose="020B0004020202020204" pitchFamily="34" charset="0"/>
                     <a:ea typeface="Aptos" panose="020B0004020202020204" pitchFamily="34" charset="0"/>
@@ -12883,7 +13187,7 @@
             </p:txBody>
           </p:sp>
         </mc:Choice>
-        <mc:Fallback>
+        <mc:Fallback xmlns="">
           <p:sp>
             <p:nvSpPr>
               <p:cNvPr id="3" name="Content Placeholder 2">

--- a/Summer school 2024/Fitting models to experiment.pptx
+++ b/Summer school 2024/Fitting models to experiment.pptx
@@ -145,7 +145,7 @@
 <file path=ppt/revisionInfo.xml><?xml version="1.0" encoding="utf-8"?>
 <p1510:revInfo xmlns:a="http://schemas.openxmlformats.org/drawingml/2006/main" xmlns:r="http://schemas.openxmlformats.org/officeDocument/2006/relationships" xmlns:p1510="http://schemas.microsoft.com/office/powerpoint/2015/10/main">
   <p1510:revLst>
-    <p1510:client id="{A2A0FB29-CAE9-497C-B8D2-564947ACC0B1}" v="252" dt="2024-12-10T00:04:36.019"/>
+    <p1510:client id="{A2A0FB29-CAE9-497C-B8D2-564947ACC0B1}" v="266" dt="2025-01-07T12:05:30.726"/>
   </p1510:revLst>
 </p1510:revInfo>
 </file>
@@ -1456,7 +1456,7 @@
   <pc:docChgLst>
     <pc:chgData name="Are Mjaavatten" userId="00bb58f78e5d171c" providerId="LiveId" clId="{A2A0FB29-CAE9-497C-B8D2-564947ACC0B1}"/>
     <pc:docChg chg="custSel addSld delSld modSld">
-      <pc:chgData name="Are Mjaavatten" userId="00bb58f78e5d171c" providerId="LiveId" clId="{A2A0FB29-CAE9-497C-B8D2-564947ACC0B1}" dt="2024-12-10T00:09:47.080" v="531" actId="12"/>
+      <pc:chgData name="Are Mjaavatten" userId="00bb58f78e5d171c" providerId="LiveId" clId="{A2A0FB29-CAE9-497C-B8D2-564947ACC0B1}" dt="2025-01-07T12:05:30.726" v="549" actId="20577"/>
       <pc:docMkLst>
         <pc:docMk/>
       </pc:docMkLst>
@@ -1517,6 +1517,36 @@
             <pc:docMk/>
             <pc:sldMk cId="1796341822" sldId="266"/>
             <ac:spMk id="3" creationId="{ED777C92-2CBA-60F7-BEB7-B01BE9EC6A28}"/>
+          </ac:spMkLst>
+        </pc:spChg>
+      </pc:sldChg>
+      <pc:sldChg chg="modSp">
+        <pc:chgData name="Are Mjaavatten" userId="00bb58f78e5d171c" providerId="LiveId" clId="{A2A0FB29-CAE9-497C-B8D2-564947ACC0B1}" dt="2025-01-07T12:04:58.347" v="543" actId="20577"/>
+        <pc:sldMkLst>
+          <pc:docMk/>
+          <pc:sldMk cId="2078969365" sldId="270"/>
+        </pc:sldMkLst>
+        <pc:spChg chg="mod">
+          <ac:chgData name="Are Mjaavatten" userId="00bb58f78e5d171c" providerId="LiveId" clId="{A2A0FB29-CAE9-497C-B8D2-564947ACC0B1}" dt="2025-01-07T12:04:58.347" v="543" actId="20577"/>
+          <ac:spMkLst>
+            <pc:docMk/>
+            <pc:sldMk cId="2078969365" sldId="270"/>
+            <ac:spMk id="3" creationId="{A3945A98-3A55-E3CC-1F69-CC0ED2028241}"/>
+          </ac:spMkLst>
+        </pc:spChg>
+      </pc:sldChg>
+      <pc:sldChg chg="modSp">
+        <pc:chgData name="Are Mjaavatten" userId="00bb58f78e5d171c" providerId="LiveId" clId="{A2A0FB29-CAE9-497C-B8D2-564947ACC0B1}" dt="2025-01-07T12:05:30.726" v="549" actId="20577"/>
+        <pc:sldMkLst>
+          <pc:docMk/>
+          <pc:sldMk cId="647576253" sldId="271"/>
+        </pc:sldMkLst>
+        <pc:spChg chg="mod">
+          <ac:chgData name="Are Mjaavatten" userId="00bb58f78e5d171c" providerId="LiveId" clId="{A2A0FB29-CAE9-497C-B8D2-564947ACC0B1}" dt="2025-01-07T12:05:30.726" v="549" actId="20577"/>
+          <ac:spMkLst>
+            <pc:docMk/>
+            <pc:sldMk cId="647576253" sldId="271"/>
+            <ac:spMk id="3" creationId="{572D6946-A862-E620-373F-865CA1999C80}"/>
           </ac:spMkLst>
         </pc:spChg>
       </pc:sldChg>
@@ -1603,6 +1633,21 @@
           </ac:spMkLst>
         </pc:spChg>
       </pc:sldChg>
+      <pc:sldChg chg="modSp mod">
+        <pc:chgData name="Are Mjaavatten" userId="00bb58f78e5d171c" providerId="LiveId" clId="{A2A0FB29-CAE9-497C-B8D2-564947ACC0B1}" dt="2025-01-07T12:02:21.964" v="535" actId="20577"/>
+        <pc:sldMkLst>
+          <pc:docMk/>
+          <pc:sldMk cId="3375857641" sldId="302"/>
+        </pc:sldMkLst>
+        <pc:spChg chg="mod">
+          <ac:chgData name="Are Mjaavatten" userId="00bb58f78e5d171c" providerId="LiveId" clId="{A2A0FB29-CAE9-497C-B8D2-564947ACC0B1}" dt="2025-01-07T12:02:21.964" v="535" actId="20577"/>
+          <ac:spMkLst>
+            <pc:docMk/>
+            <pc:sldMk cId="3375857641" sldId="302"/>
+            <ac:spMk id="3" creationId="{59487891-7D1B-C8D2-C6A4-9AFDBFED05AB}"/>
+          </ac:spMkLst>
+        </pc:spChg>
+      </pc:sldChg>
       <pc:sldChg chg="addSp delSp modSp new mod modClrScheme chgLayout">
         <pc:chgData name="Are Mjaavatten" userId="00bb58f78e5d171c" providerId="LiveId" clId="{A2A0FB29-CAE9-497C-B8D2-564947ACC0B1}" dt="2024-12-09T21:28:32.962" v="145" actId="14100"/>
         <pc:sldMkLst>
@@ -1615,14 +1660,6 @@
             <pc:docMk/>
             <pc:sldMk cId="959544088" sldId="304"/>
             <ac:spMk id="2" creationId="{3B6F256B-A514-CAC7-0B50-7A90887240D9}"/>
-          </ac:spMkLst>
-        </pc:spChg>
-        <pc:spChg chg="del">
-          <ac:chgData name="Are Mjaavatten" userId="00bb58f78e5d171c" providerId="LiveId" clId="{A2A0FB29-CAE9-497C-B8D2-564947ACC0B1}" dt="2024-12-09T21:27:00.289" v="84" actId="700"/>
-          <ac:spMkLst>
-            <pc:docMk/>
-            <pc:sldMk cId="959544088" sldId="304"/>
-            <ac:spMk id="3" creationId="{A8C74C03-F50B-A8A1-1EDB-665F96697BF2}"/>
           </ac:spMkLst>
         </pc:spChg>
         <pc:picChg chg="add mod">
@@ -1796,7 +1833,7 @@
           <a:p>
             <a:fld id="{07217112-6954-43FF-ADCD-56301C60B9CA}" type="datetimeFigureOut">
               <a:rPr lang="en-GB" smtClean="0"/>
-              <a:t>09/12/2024</a:t>
+              <a:t>07/01/2025</a:t>
             </a:fld>
             <a:endParaRPr lang="en-GB"/>
           </a:p>
@@ -1996,7 +2033,7 @@
           <a:p>
             <a:fld id="{07217112-6954-43FF-ADCD-56301C60B9CA}" type="datetimeFigureOut">
               <a:rPr lang="en-GB" smtClean="0"/>
-              <a:t>09/12/2024</a:t>
+              <a:t>07/01/2025</a:t>
             </a:fld>
             <a:endParaRPr lang="en-GB"/>
           </a:p>
@@ -2206,7 +2243,7 @@
           <a:p>
             <a:fld id="{07217112-6954-43FF-ADCD-56301C60B9CA}" type="datetimeFigureOut">
               <a:rPr lang="en-GB" smtClean="0"/>
-              <a:t>09/12/2024</a:t>
+              <a:t>07/01/2025</a:t>
             </a:fld>
             <a:endParaRPr lang="en-GB"/>
           </a:p>
@@ -2406,7 +2443,7 @@
           <a:p>
             <a:fld id="{07217112-6954-43FF-ADCD-56301C60B9CA}" type="datetimeFigureOut">
               <a:rPr lang="en-GB" smtClean="0"/>
-              <a:t>09/12/2024</a:t>
+              <a:t>07/01/2025</a:t>
             </a:fld>
             <a:endParaRPr lang="en-GB"/>
           </a:p>
@@ -2682,7 +2719,7 @@
           <a:p>
             <a:fld id="{07217112-6954-43FF-ADCD-56301C60B9CA}" type="datetimeFigureOut">
               <a:rPr lang="en-GB" smtClean="0"/>
-              <a:t>09/12/2024</a:t>
+              <a:t>07/01/2025</a:t>
             </a:fld>
             <a:endParaRPr lang="en-GB"/>
           </a:p>
@@ -2950,7 +2987,7 @@
           <a:p>
             <a:fld id="{07217112-6954-43FF-ADCD-56301C60B9CA}" type="datetimeFigureOut">
               <a:rPr lang="en-GB" smtClean="0"/>
-              <a:t>09/12/2024</a:t>
+              <a:t>07/01/2025</a:t>
             </a:fld>
             <a:endParaRPr lang="en-GB"/>
           </a:p>
@@ -3365,7 +3402,7 @@
           <a:p>
             <a:fld id="{07217112-6954-43FF-ADCD-56301C60B9CA}" type="datetimeFigureOut">
               <a:rPr lang="en-GB" smtClean="0"/>
-              <a:t>09/12/2024</a:t>
+              <a:t>07/01/2025</a:t>
             </a:fld>
             <a:endParaRPr lang="en-GB"/>
           </a:p>
@@ -3507,7 +3544,7 @@
           <a:p>
             <a:fld id="{07217112-6954-43FF-ADCD-56301C60B9CA}" type="datetimeFigureOut">
               <a:rPr lang="en-GB" smtClean="0"/>
-              <a:t>09/12/2024</a:t>
+              <a:t>07/01/2025</a:t>
             </a:fld>
             <a:endParaRPr lang="en-GB"/>
           </a:p>
@@ -3620,7 +3657,7 @@
           <a:p>
             <a:fld id="{07217112-6954-43FF-ADCD-56301C60B9CA}" type="datetimeFigureOut">
               <a:rPr lang="en-GB" smtClean="0"/>
-              <a:t>09/12/2024</a:t>
+              <a:t>07/01/2025</a:t>
             </a:fld>
             <a:endParaRPr lang="en-GB"/>
           </a:p>
@@ -3933,7 +3970,7 @@
           <a:p>
             <a:fld id="{07217112-6954-43FF-ADCD-56301C60B9CA}" type="datetimeFigureOut">
               <a:rPr lang="en-GB" smtClean="0"/>
-              <a:t>09/12/2024</a:t>
+              <a:t>07/01/2025</a:t>
             </a:fld>
             <a:endParaRPr lang="en-GB"/>
           </a:p>
@@ -4222,7 +4259,7 @@
           <a:p>
             <a:fld id="{07217112-6954-43FF-ADCD-56301C60B9CA}" type="datetimeFigureOut">
               <a:rPr lang="en-GB" smtClean="0"/>
-              <a:t>09/12/2024</a:t>
+              <a:t>07/01/2025</a:t>
             </a:fld>
             <a:endParaRPr lang="en-GB"/>
           </a:p>
@@ -4465,7 +4502,7 @@
           <a:p>
             <a:fld id="{07217112-6954-43FF-ADCD-56301C60B9CA}" type="datetimeFigureOut">
               <a:rPr lang="en-GB" smtClean="0"/>
-              <a:t>09/12/2024</a:t>
+              <a:t>07/01/2025</a:t>
             </a:fld>
             <a:endParaRPr lang="en-GB"/>
           </a:p>
@@ -5060,8 +5097,8 @@
           </a:p>
         </p:txBody>
       </p:sp>
-      <mc:AlternateContent xmlns:mc="http://schemas.openxmlformats.org/markup-compatibility/2006">
-        <mc:Choice xmlns:a14="http://schemas.microsoft.com/office/drawing/2010/main" Requires="a14">
+      <mc:AlternateContent xmlns:mc="http://schemas.openxmlformats.org/markup-compatibility/2006" xmlns:a14="http://schemas.microsoft.com/office/drawing/2010/main">
+        <mc:Choice Requires="a14">
           <p:sp>
             <p:nvSpPr>
               <p:cNvPr id="3" name="Content Placeholder 2">
@@ -5339,7 +5376,7 @@
             </p:txBody>
           </p:sp>
         </mc:Choice>
-        <mc:Fallback>
+        <mc:Fallback xmlns="">
           <p:sp>
             <p:nvSpPr>
               <p:cNvPr id="3" name="Content Placeholder 2">
@@ -5668,8 +5705,8 @@
           </a:p>
         </p:txBody>
       </p:sp>
-      <mc:AlternateContent xmlns:mc="http://schemas.openxmlformats.org/markup-compatibility/2006">
-        <mc:Choice xmlns:a14="http://schemas.microsoft.com/office/drawing/2010/main" Requires="a14">
+      <mc:AlternateContent xmlns:mc="http://schemas.openxmlformats.org/markup-compatibility/2006" xmlns:a14="http://schemas.microsoft.com/office/drawing/2010/main">
+        <mc:Choice Requires="a14">
           <p:sp>
             <p:nvSpPr>
               <p:cNvPr id="3" name="Content Placeholder 2">
@@ -5916,7 +5953,7 @@
             </p:txBody>
           </p:sp>
         </mc:Choice>
-        <mc:Fallback>
+        <mc:Fallback xmlns="">
           <p:sp>
             <p:nvSpPr>
               <p:cNvPr id="3" name="Content Placeholder 2">
@@ -7281,8 +7318,8 @@
           </a:p>
         </p:txBody>
       </p:sp>
-      <mc:AlternateContent xmlns:mc="http://schemas.openxmlformats.org/markup-compatibility/2006" xmlns:a14="http://schemas.microsoft.com/office/drawing/2010/main">
-        <mc:Choice Requires="a14">
+      <mc:AlternateContent xmlns:mc="http://schemas.openxmlformats.org/markup-compatibility/2006">
+        <mc:Choice xmlns:a14="http://schemas.microsoft.com/office/drawing/2010/main" Requires="a14">
           <p:sp>
             <p:nvSpPr>
               <p:cNvPr id="3" name="Content Placeholder 2">
@@ -7409,7 +7446,15 @@
                 </a14:m>
                 <a:r>
                   <a:rPr lang="en-GB" noProof="0" dirty="0"/>
-                  <a:t> standard deviation is larger than the value estimate!!! </a:t>
+                  <a:t> standard deviation </a:t>
+                </a:r>
+                <a:r>
+                  <a:rPr lang="en-GB" dirty="0"/>
+                  <a:t>may be</a:t>
+                </a:r>
+                <a:r>
+                  <a:rPr lang="en-GB" noProof="0" dirty="0"/>
+                  <a:t> larger than the value estimate!!! </a:t>
                 </a:r>
               </a:p>
               <a:p>
@@ -7570,7 +7615,7 @@
             </p:txBody>
           </p:sp>
         </mc:Choice>
-        <mc:Fallback xmlns="">
+        <mc:Fallback>
           <p:sp>
             <p:nvSpPr>
               <p:cNvPr id="3" name="Content Placeholder 2">
@@ -7676,8 +7721,8 @@
           </a:p>
         </p:txBody>
       </p:sp>
-      <mc:AlternateContent xmlns:mc="http://schemas.openxmlformats.org/markup-compatibility/2006" xmlns:a14="http://schemas.microsoft.com/office/drawing/2010/main">
-        <mc:Choice Requires="a14">
+      <mc:AlternateContent xmlns:mc="http://schemas.openxmlformats.org/markup-compatibility/2006">
+        <mc:Choice xmlns:a14="http://schemas.microsoft.com/office/drawing/2010/main" Requires="a14">
           <p:sp>
             <p:nvSpPr>
               <p:cNvPr id="3" name="Content Placeholder 2">
@@ -7714,8 +7759,12 @@
               </a:p>
               <a:p>
                 <a:r>
+                  <a:rPr lang="en-GB" noProof="0"/>
+                  <a:t>If so, </a:t>
+                </a:r>
+                <a:r>
                   <a:rPr lang="en-GB" noProof="0" dirty="0"/>
-                  <a:t>Then the standard deviation of </a:t>
+                  <a:t>the standard deviation of </a:t>
                 </a:r>
                 <a14:m>
                   <m:oMath xmlns:m="http://schemas.openxmlformats.org/officeDocument/2006/math">
@@ -7790,7 +7839,7 @@
             </p:txBody>
           </p:sp>
         </mc:Choice>
-        <mc:Fallback xmlns="">
+        <mc:Fallback>
           <p:sp>
             <p:nvSpPr>
               <p:cNvPr id="3" name="Content Placeholder 2">
@@ -9900,8 +9949,8 @@
           </a:p>
         </p:txBody>
       </p:sp>
-      <mc:AlternateContent xmlns:mc="http://schemas.openxmlformats.org/markup-compatibility/2006">
-        <mc:Choice xmlns:a14="http://schemas.microsoft.com/office/drawing/2010/main" Requires="a14">
+      <mc:AlternateContent xmlns:mc="http://schemas.openxmlformats.org/markup-compatibility/2006" xmlns:a14="http://schemas.microsoft.com/office/drawing/2010/main">
+        <mc:Choice Requires="a14">
           <p:sp>
             <p:nvSpPr>
               <p:cNvPr id="3" name="Content Placeholder 2">
@@ -10332,7 +10381,7 @@
             </p:txBody>
           </p:sp>
         </mc:Choice>
-        <mc:Fallback>
+        <mc:Fallback xmlns="">
           <p:sp>
             <p:nvSpPr>
               <p:cNvPr id="3" name="Content Placeholder 2">
@@ -14928,7 +14977,7 @@
           <a:p>
             <a:r>
               <a:rPr lang="en-GB" dirty="0"/>
-              <a:t>When we try estimate this value directly </a:t>
+              <a:t>When we try to estimate this value directly, </a:t>
             </a:r>
             <a:r>
               <a:rPr lang="en-GB" i="1" noProof="0" dirty="0" err="1">
